--- a/kubernetes/01_k8s_core_components.pptx
+++ b/kubernetes/01_k8s_core_components.pptx
@@ -5,10 +5,10 @@
     <p:sldMasterId id="2147483733" r:id="rId1"/>
   </p:sldMasterIdLst>
   <p:notesMasterIdLst>
-    <p:notesMasterId r:id="rId9"/>
+    <p:notesMasterId r:id="rId10"/>
   </p:notesMasterIdLst>
   <p:handoutMasterIdLst>
-    <p:handoutMasterId r:id="rId10"/>
+    <p:handoutMasterId r:id="rId11"/>
   </p:handoutMasterIdLst>
   <p:sldIdLst>
     <p:sldId id="433" r:id="rId2"/>
@@ -17,7 +17,8 @@
     <p:sldId id="437" r:id="rId5"/>
     <p:sldId id="438" r:id="rId6"/>
     <p:sldId id="439" r:id="rId7"/>
-    <p:sldId id="265" r:id="rId8"/>
+    <p:sldId id="440" r:id="rId8"/>
+    <p:sldId id="265" r:id="rId9"/>
   </p:sldIdLst>
   <p:sldSz cx="12195175" cy="6858000"/>
   <p:notesSz cx="6858000" cy="9144000"/>
@@ -832,7 +833,7 @@
             <a:fld id="{7D8C2C35-2B8A-446E-BEC0-FD36716C29AC}" type="slidenum">
               <a:rPr lang="de-DE" smtClean="0"/>
               <a:pPr/>
-              <a:t>7</a:t>
+              <a:t>8</a:t>
             </a:fld>
             <a:endParaRPr lang="de-DE" dirty="0"/>
           </a:p>
@@ -10251,7 +10252,7 @@
         <p:spPr>
           <a:xfrm>
             <a:off x="504000" y="1124700"/>
-            <a:ext cx="8159939" cy="4727460"/>
+            <a:ext cx="8159939" cy="5017020"/>
           </a:xfrm>
         </p:spPr>
         <p:txBody>
@@ -10295,7 +10296,7 @@
             <a:pPr lvl="1"/>
             <a:r>
               <a:rPr lang="en-US" dirty="0"/>
-              <a:t>Receives RESTful requests an initiates processing</a:t>
+              <a:t>Receives RESTful requests and initiates processing</a:t>
             </a:r>
           </a:p>
           <a:p>
@@ -10316,7 +10317,11 @@
             </a:r>
             <a:r>
               <a:rPr lang="en-US" dirty="0"/>
-              <a:t> for replication tasks and uses the API to enforce the desired state</a:t>
+              <a:t> for </a:t>
+            </a:r>
+            <a:r>
+              <a:rPr lang="en-US" dirty="0"/>
+              <a:t>replication tasks and uses the API to enforce the desired state</a:t>
             </a:r>
           </a:p>
           <a:p>
@@ -10416,6 +10421,13 @@
             <a:pPr lvl="1"/>
             <a:r>
               <a:rPr lang="en-US" dirty="0"/>
+              <a:t>Runs on every node in a  cluster</a:t>
+            </a:r>
+          </a:p>
+          <a:p>
+            <a:pPr lvl="1"/>
+            <a:r>
+              <a:rPr lang="en-US" dirty="0"/>
               <a:t>Manages containers assigned to its node</a:t>
             </a:r>
           </a:p>
@@ -10432,6 +10444,13 @@
             <a:r>
               <a:rPr lang="en-US" dirty="0"/>
               <a:t> (start, remove, …)</a:t>
+            </a:r>
+          </a:p>
+          <a:p>
+            <a:pPr lvl="1"/>
+            <a:r>
+              <a:rPr lang="en-US" dirty="0"/>
+              <a:t>Monitors the state of the node</a:t>
             </a:r>
           </a:p>
           <a:p>
@@ -10639,7 +10658,7 @@
             <a:pPr lvl="1"/>
             <a:r>
               <a:rPr lang="en-US" dirty="0"/>
-              <a:t>API server can be addressed with binaries like curl but also via RESTful interfaces of programming language</a:t>
+              <a:t>API server can be addressed with binaries like curl but also client packages for programming languages like go, python or java</a:t>
             </a:r>
           </a:p>
         </p:txBody>
@@ -10661,7 +10680,7 @@
           <a:p>
             <a:r>
               <a:rPr lang="en-US" dirty="0"/>
-              <a:t>Core Components - client</a:t>
+              <a:t>Core Components - clients</a:t>
             </a:r>
           </a:p>
         </p:txBody>
@@ -10748,7 +10767,7 @@
             </a:pPr>
             <a:r>
               <a:rPr lang="en-US" dirty="0"/>
-              <a:t>Indentation based</a:t>
+              <a:t>          Indentation based</a:t>
             </a:r>
           </a:p>
           <a:p>
@@ -10854,6 +10873,165 @@
 </file>
 
 <file path=ppt/slides/slide7.xml><?xml version="1.0" encoding="utf-8"?>
+<p:sld xmlns:a="http://schemas.openxmlformats.org/drawingml/2006/main" xmlns:r="http://schemas.openxmlformats.org/officeDocument/2006/relationships" xmlns:p="http://schemas.openxmlformats.org/presentationml/2006/main" show="0">
+  <p:cSld>
+    <p:spTree>
+      <p:nvGrpSpPr>
+        <p:cNvPr id="1" name=""/>
+        <p:cNvGrpSpPr/>
+        <p:nvPr/>
+      </p:nvGrpSpPr>
+      <p:grpSpPr>
+        <a:xfrm>
+          <a:off x="0" y="0"/>
+          <a:ext cx="0" cy="0"/>
+          <a:chOff x="0" y="0"/>
+          <a:chExt cx="0" cy="0"/>
+        </a:xfrm>
+      </p:grpSpPr>
+      <p:sp>
+        <p:nvSpPr>
+          <p:cNvPr id="2" name="Text Placeholder 1"/>
+          <p:cNvSpPr>
+            <a:spLocks noGrp="1"/>
+          </p:cNvSpPr>
+          <p:nvPr>
+            <p:ph type="body" sz="quarter" idx="10"/>
+          </p:nvPr>
+        </p:nvSpPr>
+        <p:spPr/>
+        <p:txBody>
+          <a:bodyPr/>
+          <a:lstStyle/>
+          <a:p>
+            <a:pPr marL="342900" indent="-342900">
+              <a:buFontTx/>
+              <a:buChar char="-"/>
+            </a:pPr>
+            <a:r>
+              <a:rPr lang="en-US" dirty="0"/>
+              <a:t>Show access to cluster with </a:t>
+            </a:r>
+            <a:r>
+              <a:rPr lang="en-US" dirty="0" err="1"/>
+              <a:t>kubectl</a:t>
+            </a:r>
+            <a:endParaRPr lang="en-US" dirty="0"/>
+          </a:p>
+          <a:p>
+            <a:pPr marL="342900" indent="-342900">
+              <a:buFontTx/>
+              <a:buChar char="-"/>
+            </a:pPr>
+            <a:r>
+              <a:rPr lang="en-US" dirty="0"/>
+              <a:t>Show and explain </a:t>
+            </a:r>
+            <a:r>
+              <a:rPr lang="en-US" dirty="0" err="1"/>
+              <a:t>kubeconfig</a:t>
+            </a:r>
+            <a:r>
+              <a:rPr lang="en-US" dirty="0"/>
+              <a:t> with namespace etc.</a:t>
+            </a:r>
+          </a:p>
+          <a:p>
+            <a:pPr marL="342900" indent="-342900">
+              <a:buFontTx/>
+              <a:buChar char="-"/>
+            </a:pPr>
+            <a:r>
+              <a:rPr lang="en-US" dirty="0"/>
+              <a:t>Query API server with curl and get back the API’s</a:t>
+            </a:r>
+          </a:p>
+          <a:p>
+            <a:pPr marL="342900" indent="-342900">
+              <a:buFontTx/>
+              <a:buChar char="-"/>
+            </a:pPr>
+            <a:r>
+              <a:rPr lang="en-US" dirty="0" err="1"/>
+              <a:t>Kubectl</a:t>
+            </a:r>
+            <a:r>
+              <a:rPr lang="en-US" dirty="0"/>
+              <a:t> get &amp; describe nodes</a:t>
+            </a:r>
+          </a:p>
+          <a:p>
+            <a:pPr marL="342900" indent="-342900">
+              <a:buFontTx/>
+              <a:buChar char="-"/>
+            </a:pPr>
+            <a:r>
+              <a:rPr lang="en-US" dirty="0"/>
+              <a:t>SSH into one of the nodes and show </a:t>
+            </a:r>
+            <a:r>
+              <a:rPr lang="en-US" dirty="0" err="1"/>
+              <a:t>kublet</a:t>
+            </a:r>
+            <a:r>
+              <a:rPr lang="en-US" dirty="0"/>
+              <a:t> (</a:t>
+            </a:r>
+            <a:r>
+              <a:rPr lang="en-US" dirty="0" err="1"/>
+              <a:t>ps</a:t>
+            </a:r>
+            <a:r>
+              <a:rPr lang="en-US" dirty="0"/>
+              <a:t> </a:t>
+            </a:r>
+            <a:r>
+              <a:rPr lang="en-US" dirty="0" err="1"/>
+              <a:t>aufx</a:t>
+            </a:r>
+            <a:r>
+              <a:rPr lang="en-US" dirty="0"/>
+              <a:t>)</a:t>
+            </a:r>
+          </a:p>
+        </p:txBody>
+      </p:sp>
+      <p:sp>
+        <p:nvSpPr>
+          <p:cNvPr id="3" name="Title 2"/>
+          <p:cNvSpPr>
+            <a:spLocks noGrp="1"/>
+          </p:cNvSpPr>
+          <p:nvPr>
+            <p:ph type="title"/>
+          </p:nvPr>
+        </p:nvSpPr>
+        <p:spPr/>
+        <p:txBody>
+          <a:bodyPr/>
+          <a:lstStyle/>
+          <a:p>
+            <a:r>
+              <a:rPr lang="en-US" dirty="0"/>
+              <a:t>Demo Info</a:t>
+            </a:r>
+          </a:p>
+        </p:txBody>
+      </p:sp>
+    </p:spTree>
+    <p:extLst>
+      <p:ext uri="{BB962C8B-B14F-4D97-AF65-F5344CB8AC3E}">
+        <p14:creationId xmlns:p14="http://schemas.microsoft.com/office/powerpoint/2010/main" val="2819952857"/>
+      </p:ext>
+    </p:extLst>
+  </p:cSld>
+  <p:clrMapOvr>
+    <a:masterClrMapping/>
+  </p:clrMapOvr>
+</p:sld>
+</file>
+
+<file path=ppt/slides/slide8.xml><?xml version="1.0" encoding="utf-8"?>
 <p:sld xmlns:a="http://schemas.openxmlformats.org/drawingml/2006/main" xmlns:r="http://schemas.openxmlformats.org/officeDocument/2006/relationships" xmlns:p="http://schemas.openxmlformats.org/presentationml/2006/main" show="0">
   <p:cSld>
     <p:spTree>

--- a/kubernetes/01_k8s_core_components.pptx
+++ b/kubernetes/01_k8s_core_components.pptx
@@ -5,10 +5,10 @@
     <p:sldMasterId id="2147483733" r:id="rId1"/>
   </p:sldMasterIdLst>
   <p:notesMasterIdLst>
-    <p:notesMasterId r:id="rId10"/>
+    <p:notesMasterId r:id="rId12"/>
   </p:notesMasterIdLst>
   <p:handoutMasterIdLst>
-    <p:handoutMasterId r:id="rId11"/>
+    <p:handoutMasterId r:id="rId13"/>
   </p:handoutMasterIdLst>
   <p:sldIdLst>
     <p:sldId id="433" r:id="rId2"/>
@@ -17,8 +17,10 @@
     <p:sldId id="437" r:id="rId5"/>
     <p:sldId id="438" r:id="rId6"/>
     <p:sldId id="439" r:id="rId7"/>
-    <p:sldId id="440" r:id="rId8"/>
-    <p:sldId id="265" r:id="rId9"/>
+    <p:sldId id="441" r:id="rId8"/>
+    <p:sldId id="442" r:id="rId9"/>
+    <p:sldId id="440" r:id="rId10"/>
+    <p:sldId id="265" r:id="rId11"/>
   </p:sldIdLst>
   <p:sldSz cx="12195175" cy="6858000"/>
   <p:notesSz cx="6858000" cy="9144000"/>
@@ -833,7 +835,7 @@
             <a:fld id="{7D8C2C35-2B8A-446E-BEC0-FD36716C29AC}" type="slidenum">
               <a:rPr lang="de-DE" smtClean="0"/>
               <a:pPr/>
-              <a:t>8</a:t>
+              <a:t>10</a:t>
             </a:fld>
             <a:endParaRPr lang="de-DE" dirty="0"/>
           </a:p>
@@ -8464,6 +8466,32 @@
 </p:sld>
 </file>
 
+<file path=ppt/slides/slide10.xml><?xml version="1.0" encoding="utf-8"?>
+<p:sld xmlns:a="http://schemas.openxmlformats.org/drawingml/2006/main" xmlns:r="http://schemas.openxmlformats.org/officeDocument/2006/relationships" xmlns:p="http://schemas.openxmlformats.org/presentationml/2006/main" show="0">
+  <p:cSld>
+    <p:spTree>
+      <p:nvGrpSpPr>
+        <p:cNvPr id="1" name=""/>
+        <p:cNvGrpSpPr/>
+        <p:nvPr/>
+      </p:nvGrpSpPr>
+      <p:grpSpPr>
+        <a:xfrm>
+          <a:off x="0" y="0"/>
+          <a:ext cx="0" cy="0"/>
+          <a:chOff x="0" y="0"/>
+          <a:chExt cx="0" cy="0"/>
+        </a:xfrm>
+      </p:grpSpPr>
+    </p:spTree>
+  </p:cSld>
+  <p:clrMapOvr>
+    <a:masterClrMapping/>
+  </p:clrMapOvr>
+  <p:transition spd="med"/>
+</p:sld>
+</file>
+
 <file path=ppt/slides/slide2.xml><?xml version="1.0" encoding="utf-8"?>
 <p:sld xmlns:a="http://schemas.openxmlformats.org/drawingml/2006/main" xmlns:r="http://schemas.openxmlformats.org/officeDocument/2006/relationships" xmlns:p="http://schemas.openxmlformats.org/presentationml/2006/main">
   <p:cSld>
@@ -10317,11 +10345,7 @@
             </a:r>
             <a:r>
               <a:rPr lang="en-US" dirty="0"/>
-              <a:t> for </a:t>
-            </a:r>
-            <a:r>
-              <a:rPr lang="en-US" dirty="0"/>
-              <a:t>replication tasks and uses the API to enforce the desired state</a:t>
+              <a:t> for replication tasks and uses the API to enforce the desired state</a:t>
             </a:r>
           </a:p>
           <a:p>
@@ -10873,6 +10897,2741 @@
 </file>
 
 <file path=ppt/slides/slide7.xml><?xml version="1.0" encoding="utf-8"?>
+<p:sld xmlns:a="http://schemas.openxmlformats.org/drawingml/2006/main" xmlns:r="http://schemas.openxmlformats.org/officeDocument/2006/relationships" xmlns:p="http://schemas.openxmlformats.org/presentationml/2006/main">
+  <p:cSld>
+    <p:spTree>
+      <p:nvGrpSpPr>
+        <p:cNvPr id="1" name=""/>
+        <p:cNvGrpSpPr/>
+        <p:nvPr/>
+      </p:nvGrpSpPr>
+      <p:grpSpPr>
+        <a:xfrm>
+          <a:off x="0" y="0"/>
+          <a:ext cx="0" cy="0"/>
+          <a:chOff x="0" y="0"/>
+          <a:chExt cx="0" cy="0"/>
+        </a:xfrm>
+      </p:grpSpPr>
+      <p:sp>
+        <p:nvSpPr>
+          <p:cNvPr id="3" name="Title 2"/>
+          <p:cNvSpPr>
+            <a:spLocks noGrp="1"/>
+          </p:cNvSpPr>
+          <p:nvPr>
+            <p:ph type="title"/>
+          </p:nvPr>
+        </p:nvSpPr>
+        <p:spPr/>
+        <p:txBody>
+          <a:bodyPr/>
+          <a:lstStyle/>
+          <a:p>
+            <a:r>
+              <a:rPr lang="en-US" dirty="0"/>
+              <a:t>Infrastructure for this training</a:t>
+            </a:r>
+          </a:p>
+        </p:txBody>
+      </p:sp>
+      <p:grpSp>
+        <p:nvGrpSpPr>
+          <p:cNvPr id="7" name="Group 6"/>
+          <p:cNvGrpSpPr/>
+          <p:nvPr/>
+        </p:nvGrpSpPr>
+        <p:grpSpPr>
+          <a:xfrm>
+            <a:off x="417324" y="1836420"/>
+            <a:ext cx="3854639" cy="4091940"/>
+            <a:chOff x="404941" y="2331720"/>
+            <a:chExt cx="3854639" cy="3688080"/>
+          </a:xfrm>
+        </p:grpSpPr>
+        <p:sp>
+          <p:nvSpPr>
+            <p:cNvPr id="4" name="Rectangle 3"/>
+            <p:cNvSpPr/>
+            <p:nvPr/>
+          </p:nvSpPr>
+          <p:spPr bwMode="gray">
+            <a:xfrm>
+              <a:off x="404941" y="2331720"/>
+              <a:ext cx="3854639" cy="3688080"/>
+            </a:xfrm>
+            <a:prstGeom prst="rect">
+              <a:avLst/>
+            </a:prstGeom>
+            <a:ln>
+              <a:headEnd/>
+              <a:tailEnd/>
+            </a:ln>
+          </p:spPr>
+          <p:style>
+            <a:lnRef idx="1">
+              <a:schemeClr val="accent2"/>
+            </a:lnRef>
+            <a:fillRef idx="2">
+              <a:schemeClr val="accent2"/>
+            </a:fillRef>
+            <a:effectRef idx="1">
+              <a:schemeClr val="accent2"/>
+            </a:effectRef>
+            <a:fontRef idx="minor">
+              <a:schemeClr val="dk1"/>
+            </a:fontRef>
+          </p:style>
+          <p:txBody>
+            <a:bodyPr lIns="90000" tIns="72000" rIns="90000" bIns="72000" rtlCol="0" anchor="t"/>
+            <a:lstStyle/>
+            <a:p>
+              <a:pPr marR="0" algn="ctr" defTabSz="914400" eaLnBrk="1" fontAlgn="base" latinLnBrk="0" hangingPunct="1">
+                <a:lnSpc>
+                  <a:spcPct val="100000"/>
+                </a:lnSpc>
+                <a:spcBef>
+                  <a:spcPct val="50000"/>
+                </a:spcBef>
+                <a:spcAft>
+                  <a:spcPct val="0"/>
+                </a:spcAft>
+                <a:buClr>
+                  <a:srgbClr val="F0AB00"/>
+                </a:buClr>
+                <a:buSzPct val="80000"/>
+                <a:tabLst/>
+              </a:pPr>
+              <a:r>
+                <a:rPr kumimoji="0" lang="de-DE" sz="2400" b="1" i="0" strike="noStrike" kern="0" cap="none" spc="0" normalizeH="0" baseline="0" noProof="0" dirty="0" err="1">
+                  <a:ln>
+                    <a:noFill/>
+                  </a:ln>
+                  <a:effectLst/>
+                  <a:uLnTx/>
+                  <a:uFillTx/>
+                  <a:ea typeface="Arial Unicode MS" pitchFamily="34" charset="-128"/>
+                  <a:cs typeface="Arial Unicode MS" pitchFamily="34" charset="-128"/>
+                </a:rPr>
+                <a:t>pvxka</a:t>
+              </a:r>
+              <a:r>
+                <a:rPr lang="de-DE" sz="2400" b="1" kern="0" dirty="0">
+                  <a:ea typeface="Arial Unicode MS" pitchFamily="34" charset="-128"/>
+                  <a:cs typeface="Arial Unicode MS" pitchFamily="34" charset="-128"/>
+                </a:rPr>
+                <a:t>[01..22]</a:t>
+              </a:r>
+              <a:endParaRPr kumimoji="0" lang="de-DE" sz="2400" b="1" i="0" strike="noStrike" kern="0" cap="none" spc="0" normalizeH="0" baseline="0" noProof="0" dirty="0">
+                <a:ln>
+                  <a:noFill/>
+                </a:ln>
+                <a:effectLst/>
+                <a:uLnTx/>
+                <a:uFillTx/>
+                <a:ea typeface="Arial Unicode MS" pitchFamily="34" charset="-128"/>
+                <a:cs typeface="Arial Unicode MS" pitchFamily="34" charset="-128"/>
+              </a:endParaRPr>
+            </a:p>
+          </p:txBody>
+        </p:sp>
+        <p:sp>
+          <p:nvSpPr>
+            <p:cNvPr id="5" name="Scroll: Vertical 4"/>
+            <p:cNvSpPr/>
+            <p:nvPr/>
+          </p:nvSpPr>
+          <p:spPr bwMode="gray">
+            <a:xfrm>
+              <a:off x="563880" y="2987040"/>
+              <a:ext cx="1645920" cy="2750820"/>
+            </a:xfrm>
+            <a:prstGeom prst="verticalScroll">
+              <a:avLst/>
+            </a:prstGeom>
+            <a:ln>
+              <a:headEnd/>
+              <a:tailEnd/>
+            </a:ln>
+          </p:spPr>
+          <p:style>
+            <a:lnRef idx="2">
+              <a:schemeClr val="accent2"/>
+            </a:lnRef>
+            <a:fillRef idx="1">
+              <a:schemeClr val="lt1"/>
+            </a:fillRef>
+            <a:effectRef idx="0">
+              <a:schemeClr val="accent2"/>
+            </a:effectRef>
+            <a:fontRef idx="minor">
+              <a:schemeClr val="dk1"/>
+            </a:fontRef>
+          </p:style>
+          <p:txBody>
+            <a:bodyPr lIns="90000" tIns="72000" rIns="90000" bIns="72000" rtlCol="0" anchor="ctr"/>
+            <a:lstStyle/>
+            <a:p>
+              <a:pPr marR="0" defTabSz="914400" eaLnBrk="1" fontAlgn="base" latinLnBrk="0" hangingPunct="1">
+                <a:lnSpc>
+                  <a:spcPct val="100000"/>
+                </a:lnSpc>
+                <a:spcBef>
+                  <a:spcPct val="50000"/>
+                </a:spcBef>
+                <a:spcAft>
+                  <a:spcPct val="0"/>
+                </a:spcAft>
+                <a:buClr>
+                  <a:srgbClr val="F0AB00"/>
+                </a:buClr>
+                <a:buSzPct val="80000"/>
+                <a:tabLst/>
+              </a:pPr>
+              <a:r>
+                <a:rPr lang="en-US" sz="1400" b="1" kern="0" dirty="0">
+                  <a:ea typeface="Arial Unicode MS" pitchFamily="34" charset="-128"/>
+                  <a:cs typeface="Arial Unicode MS" pitchFamily="34" charset="-128"/>
+                </a:rPr>
+                <a:t>.</a:t>
+              </a:r>
+              <a:r>
+                <a:rPr lang="en-US" sz="1400" b="1" kern="0" dirty="0" err="1">
+                  <a:ea typeface="Arial Unicode MS" pitchFamily="34" charset="-128"/>
+                  <a:cs typeface="Arial Unicode MS" pitchFamily="34" charset="-128"/>
+                </a:rPr>
+                <a:t>kube</a:t>
+              </a:r>
+              <a:r>
+                <a:rPr lang="en-US" sz="1400" b="1" kern="0" dirty="0">
+                  <a:ea typeface="Arial Unicode MS" pitchFamily="34" charset="-128"/>
+                  <a:cs typeface="Arial Unicode MS" pitchFamily="34" charset="-128"/>
+                </a:rPr>
+                <a:t>/config</a:t>
+              </a:r>
+            </a:p>
+            <a:p>
+              <a:pPr marL="285750" marR="0" indent="-285750" defTabSz="914400" eaLnBrk="1" fontAlgn="base" latinLnBrk="0" hangingPunct="1">
+                <a:lnSpc>
+                  <a:spcPct val="100000"/>
+                </a:lnSpc>
+                <a:spcBef>
+                  <a:spcPct val="50000"/>
+                </a:spcBef>
+                <a:spcAft>
+                  <a:spcPct val="0"/>
+                </a:spcAft>
+                <a:buClr>
+                  <a:srgbClr val="F0AB00"/>
+                </a:buClr>
+                <a:buSzPct val="80000"/>
+                <a:buFont typeface="Wingdings" panose="05000000000000000000" pitchFamily="2" charset="2"/>
+                <a:buChar char="§"/>
+                <a:tabLst/>
+              </a:pPr>
+              <a:r>
+                <a:rPr kumimoji="0" lang="en-US" sz="1400" b="0" i="0" u="none" strike="noStrike" kern="0" cap="none" spc="0" normalizeH="0" noProof="0" dirty="0">
+                  <a:ln>
+                    <a:noFill/>
+                  </a:ln>
+                  <a:effectLst/>
+                  <a:uLnTx/>
+                  <a:uFillTx/>
+                  <a:ea typeface="Arial Unicode MS" pitchFamily="34" charset="-128"/>
+                  <a:cs typeface="Arial Unicode MS" pitchFamily="34" charset="-128"/>
+                </a:rPr>
+                <a:t>API server IP</a:t>
+              </a:r>
+            </a:p>
+            <a:p>
+              <a:pPr marL="285750" marR="0" indent="-285750" defTabSz="914400" eaLnBrk="1" fontAlgn="base" latinLnBrk="0" hangingPunct="1">
+                <a:lnSpc>
+                  <a:spcPct val="100000"/>
+                </a:lnSpc>
+                <a:spcBef>
+                  <a:spcPct val="50000"/>
+                </a:spcBef>
+                <a:spcAft>
+                  <a:spcPct val="0"/>
+                </a:spcAft>
+                <a:buClr>
+                  <a:srgbClr val="F0AB00"/>
+                </a:buClr>
+                <a:buSzPct val="80000"/>
+                <a:buFont typeface="Wingdings" panose="05000000000000000000" pitchFamily="2" charset="2"/>
+                <a:buChar char="§"/>
+                <a:tabLst/>
+              </a:pPr>
+              <a:r>
+                <a:rPr lang="en-US" sz="1400" kern="0" baseline="0" dirty="0">
+                  <a:ea typeface="Arial Unicode MS" pitchFamily="34" charset="-128"/>
+                  <a:cs typeface="Arial Unicode MS" pitchFamily="34" charset="-128"/>
+                </a:rPr>
+                <a:t>User </a:t>
+              </a:r>
+            </a:p>
+            <a:p>
+              <a:pPr marL="285750" marR="0" indent="-285750" defTabSz="914400" eaLnBrk="1" fontAlgn="base" latinLnBrk="0" hangingPunct="1">
+                <a:lnSpc>
+                  <a:spcPct val="100000"/>
+                </a:lnSpc>
+                <a:spcBef>
+                  <a:spcPct val="50000"/>
+                </a:spcBef>
+                <a:spcAft>
+                  <a:spcPct val="0"/>
+                </a:spcAft>
+                <a:buClr>
+                  <a:srgbClr val="F0AB00"/>
+                </a:buClr>
+                <a:buSzPct val="80000"/>
+                <a:buFont typeface="Wingdings" panose="05000000000000000000" pitchFamily="2" charset="2"/>
+                <a:buChar char="§"/>
+                <a:tabLst/>
+              </a:pPr>
+              <a:r>
+                <a:rPr kumimoji="0" lang="en-US" sz="1400" b="0" i="0" u="none" strike="noStrike" kern="0" cap="none" spc="0" normalizeH="0" noProof="0" dirty="0">
+                  <a:ln>
+                    <a:noFill/>
+                  </a:ln>
+                  <a:effectLst/>
+                  <a:uLnTx/>
+                  <a:uFillTx/>
+                  <a:ea typeface="Arial Unicode MS" pitchFamily="34" charset="-128"/>
+                  <a:cs typeface="Arial Unicode MS" pitchFamily="34" charset="-128"/>
+                </a:rPr>
+                <a:t>Access token</a:t>
+              </a:r>
+            </a:p>
+            <a:p>
+              <a:pPr marL="285750" marR="0" indent="-285750" defTabSz="914400" eaLnBrk="1" fontAlgn="base" latinLnBrk="0" hangingPunct="1">
+                <a:lnSpc>
+                  <a:spcPct val="100000"/>
+                </a:lnSpc>
+                <a:spcBef>
+                  <a:spcPct val="50000"/>
+                </a:spcBef>
+                <a:spcAft>
+                  <a:spcPct val="0"/>
+                </a:spcAft>
+                <a:buClr>
+                  <a:srgbClr val="F0AB00"/>
+                </a:buClr>
+                <a:buSzPct val="80000"/>
+                <a:buFont typeface="Wingdings" panose="05000000000000000000" pitchFamily="2" charset="2"/>
+                <a:buChar char="§"/>
+                <a:tabLst/>
+              </a:pPr>
+              <a:r>
+                <a:rPr lang="en-US" sz="1400" kern="0" baseline="0" dirty="0">
+                  <a:ea typeface="Arial Unicode MS" pitchFamily="34" charset="-128"/>
+                  <a:cs typeface="Arial Unicode MS" pitchFamily="34" charset="-128"/>
+                </a:rPr>
+                <a:t>Name-space</a:t>
+              </a:r>
+              <a:endParaRPr kumimoji="0" lang="en-US" sz="1400" b="0" i="0" u="none" strike="noStrike" kern="0" cap="none" spc="0" normalizeH="0" baseline="0" noProof="0" dirty="0">
+                <a:ln>
+                  <a:noFill/>
+                </a:ln>
+                <a:effectLst/>
+                <a:uLnTx/>
+                <a:uFillTx/>
+                <a:ea typeface="Arial Unicode MS" pitchFamily="34" charset="-128"/>
+                <a:cs typeface="Arial Unicode MS" pitchFamily="34" charset="-128"/>
+              </a:endParaRPr>
+            </a:p>
+          </p:txBody>
+        </p:sp>
+        <p:sp>
+          <p:nvSpPr>
+            <p:cNvPr id="6" name="Rectangle: Rounded Corners 5"/>
+            <p:cNvSpPr/>
+            <p:nvPr/>
+          </p:nvSpPr>
+          <p:spPr bwMode="gray">
+            <a:xfrm>
+              <a:off x="2484120" y="3673245"/>
+              <a:ext cx="1470660" cy="1082040"/>
+            </a:xfrm>
+            <a:prstGeom prst="roundRect">
+              <a:avLst/>
+            </a:prstGeom>
+            <a:ln>
+              <a:headEnd/>
+              <a:tailEnd/>
+            </a:ln>
+          </p:spPr>
+          <p:style>
+            <a:lnRef idx="2">
+              <a:schemeClr val="accent2"/>
+            </a:lnRef>
+            <a:fillRef idx="1">
+              <a:schemeClr val="lt1"/>
+            </a:fillRef>
+            <a:effectRef idx="0">
+              <a:schemeClr val="accent2"/>
+            </a:effectRef>
+            <a:fontRef idx="minor">
+              <a:schemeClr val="dk1"/>
+            </a:fontRef>
+          </p:style>
+          <p:txBody>
+            <a:bodyPr lIns="90000" tIns="72000" rIns="90000" bIns="72000" rtlCol="0" anchor="ctr"/>
+            <a:lstStyle/>
+            <a:p>
+              <a:pPr marR="0" algn="ctr" defTabSz="914400" eaLnBrk="1" fontAlgn="base" latinLnBrk="0" hangingPunct="1">
+                <a:lnSpc>
+                  <a:spcPct val="100000"/>
+                </a:lnSpc>
+                <a:spcBef>
+                  <a:spcPct val="50000"/>
+                </a:spcBef>
+                <a:spcAft>
+                  <a:spcPct val="0"/>
+                </a:spcAft>
+                <a:buClr>
+                  <a:srgbClr val="F0AB00"/>
+                </a:buClr>
+                <a:buSzPct val="80000"/>
+                <a:tabLst/>
+              </a:pPr>
+              <a:r>
+                <a:rPr kumimoji="0" lang="en-US" sz="1800" b="0" i="0" u="none" strike="noStrike" kern="0" cap="none" spc="0" normalizeH="0" baseline="0" noProof="0" dirty="0" err="1">
+                  <a:ln>
+                    <a:noFill/>
+                  </a:ln>
+                  <a:effectLst/>
+                  <a:uLnTx/>
+                  <a:uFillTx/>
+                  <a:ea typeface="Arial Unicode MS" pitchFamily="34" charset="-128"/>
+                  <a:cs typeface="Arial Unicode MS" pitchFamily="34" charset="-128"/>
+                </a:rPr>
+                <a:t>kubectl</a:t>
+              </a:r>
+              <a:endParaRPr kumimoji="0" lang="en-US" sz="1800" b="0" i="0" u="none" strike="noStrike" kern="0" cap="none" spc="0" normalizeH="0" baseline="0" noProof="0" dirty="0">
+                <a:ln>
+                  <a:noFill/>
+                </a:ln>
+                <a:effectLst/>
+                <a:uLnTx/>
+                <a:uFillTx/>
+                <a:ea typeface="Arial Unicode MS" pitchFamily="34" charset="-128"/>
+                <a:cs typeface="Arial Unicode MS" pitchFamily="34" charset="-128"/>
+              </a:endParaRPr>
+            </a:p>
+          </p:txBody>
+        </p:sp>
+      </p:grpSp>
+      <p:cxnSp>
+        <p:nvCxnSpPr>
+          <p:cNvPr id="9" name="Straight Connector 8"/>
+          <p:cNvCxnSpPr/>
+          <p:nvPr/>
+        </p:nvCxnSpPr>
+        <p:spPr>
+          <a:xfrm>
+            <a:off x="4968240" y="1546860"/>
+            <a:ext cx="30480" cy="5173980"/>
+          </a:xfrm>
+          <a:prstGeom prst="line">
+            <a:avLst/>
+          </a:prstGeom>
+          <a:ln w="57150">
+            <a:prstDash val="dash"/>
+            <a:headEnd type="none" w="med" len="med"/>
+            <a:tailEnd type="none" w="med" len="med"/>
+          </a:ln>
+        </p:spPr>
+        <p:style>
+          <a:lnRef idx="1">
+            <a:schemeClr val="accent4"/>
+          </a:lnRef>
+          <a:fillRef idx="0">
+            <a:schemeClr val="accent4"/>
+          </a:fillRef>
+          <a:effectRef idx="0">
+            <a:schemeClr val="accent4"/>
+          </a:effectRef>
+          <a:fontRef idx="minor">
+            <a:schemeClr val="tx1"/>
+          </a:fontRef>
+        </p:style>
+      </p:cxnSp>
+      <p:sp>
+        <p:nvSpPr>
+          <p:cNvPr id="16" name="Rectangle 15"/>
+          <p:cNvSpPr/>
+          <p:nvPr/>
+        </p:nvSpPr>
+        <p:spPr bwMode="gray">
+          <a:xfrm>
+            <a:off x="5338891" y="1744980"/>
+            <a:ext cx="6497447" cy="4762500"/>
+          </a:xfrm>
+          <a:prstGeom prst="rect">
+            <a:avLst/>
+          </a:prstGeom>
+          <a:noFill/>
+          <a:ln w="9525" cap="flat" cmpd="sng" algn="ctr">
+            <a:solidFill>
+              <a:schemeClr val="tx1"/>
+            </a:solidFill>
+            <a:prstDash val="solid"/>
+            <a:round/>
+            <a:headEnd type="none" w="med" len="med"/>
+            <a:tailEnd type="none" w="med" len="med"/>
+          </a:ln>
+        </p:spPr>
+        <p:style>
+          <a:lnRef idx="0">
+            <a:scrgbClr r="0" g="0" b="0"/>
+          </a:lnRef>
+          <a:fillRef idx="0">
+            <a:scrgbClr r="0" g="0" b="0"/>
+          </a:fillRef>
+          <a:effectRef idx="0">
+            <a:scrgbClr r="0" g="0" b="0"/>
+          </a:effectRef>
+          <a:fontRef idx="minor">
+            <a:schemeClr val="dk1"/>
+          </a:fontRef>
+        </p:style>
+        <p:txBody>
+          <a:bodyPr lIns="90000" tIns="72000" rIns="90000" bIns="72000" rtlCol="0" anchor="t"/>
+          <a:lstStyle/>
+          <a:p>
+            <a:pPr marR="0" algn="ctr" defTabSz="914400" eaLnBrk="1" fontAlgn="base" latinLnBrk="0" hangingPunct="1">
+              <a:lnSpc>
+                <a:spcPct val="100000"/>
+              </a:lnSpc>
+              <a:spcBef>
+                <a:spcPct val="50000"/>
+              </a:spcBef>
+              <a:spcAft>
+                <a:spcPct val="0"/>
+              </a:spcAft>
+              <a:buClr>
+                <a:srgbClr val="F0AB00"/>
+              </a:buClr>
+              <a:buSzPct val="80000"/>
+              <a:tabLst/>
+            </a:pPr>
+            <a:r>
+              <a:rPr lang="de-DE" sz="2400" kern="0" dirty="0">
+                <a:ln w="0"/>
+                <a:solidFill>
+                  <a:schemeClr val="tx1"/>
+                </a:solidFill>
+                <a:effectLst>
+                  <a:outerShdw blurRad="38100" dist="19050" dir="2700000" algn="tl" rotWithShape="0">
+                    <a:schemeClr val="dk1">
+                      <a:alpha val="40000"/>
+                    </a:schemeClr>
+                  </a:outerShdw>
+                </a:effectLst>
+                <a:ea typeface="Arial Unicode MS" pitchFamily="34" charset="-128"/>
+                <a:cs typeface="Arial Unicode MS" pitchFamily="34" charset="-128"/>
+              </a:rPr>
+              <a:t>K8s-training </a:t>
+            </a:r>
+            <a:r>
+              <a:rPr lang="de-DE" sz="2400" kern="0" dirty="0" err="1">
+                <a:ln w="0"/>
+                <a:solidFill>
+                  <a:schemeClr val="tx1"/>
+                </a:solidFill>
+                <a:effectLst>
+                  <a:outerShdw blurRad="38100" dist="19050" dir="2700000" algn="tl" rotWithShape="0">
+                    <a:schemeClr val="dk1">
+                      <a:alpha val="40000"/>
+                    </a:schemeClr>
+                  </a:outerShdw>
+                </a:effectLst>
+                <a:ea typeface="Arial Unicode MS" pitchFamily="34" charset="-128"/>
+                <a:cs typeface="Arial Unicode MS" pitchFamily="34" charset="-128"/>
+              </a:rPr>
+              <a:t>cluster</a:t>
+            </a:r>
+            <a:endParaRPr kumimoji="0" lang="de-DE" sz="2400" i="0" strike="noStrike" kern="0" normalizeH="0" baseline="0" noProof="0" dirty="0">
+              <a:ln w="0"/>
+              <a:solidFill>
+                <a:schemeClr val="tx1"/>
+              </a:solidFill>
+              <a:effectLst>
+                <a:outerShdw blurRad="38100" dist="19050" dir="2700000" algn="tl" rotWithShape="0">
+                  <a:schemeClr val="dk1">
+                    <a:alpha val="40000"/>
+                  </a:schemeClr>
+                </a:outerShdw>
+              </a:effectLst>
+              <a:uLnTx/>
+              <a:uFillTx/>
+              <a:ea typeface="Arial Unicode MS" pitchFamily="34" charset="-128"/>
+              <a:cs typeface="Arial Unicode MS" pitchFamily="34" charset="-128"/>
+            </a:endParaRPr>
+          </a:p>
+        </p:txBody>
+      </p:sp>
+      <p:sp>
+        <p:nvSpPr>
+          <p:cNvPr id="19" name="Rectangle 18"/>
+          <p:cNvSpPr/>
+          <p:nvPr/>
+        </p:nvSpPr>
+        <p:spPr bwMode="gray">
+          <a:xfrm>
+            <a:off x="8890352" y="2540137"/>
+            <a:ext cx="2724717" cy="2015489"/>
+          </a:xfrm>
+          <a:prstGeom prst="rect">
+            <a:avLst/>
+          </a:prstGeom>
+          <a:ln>
+            <a:headEnd/>
+            <a:tailEnd/>
+          </a:ln>
+        </p:spPr>
+        <p:style>
+          <a:lnRef idx="1">
+            <a:schemeClr val="accent2"/>
+          </a:lnRef>
+          <a:fillRef idx="2">
+            <a:schemeClr val="accent2"/>
+          </a:fillRef>
+          <a:effectRef idx="1">
+            <a:schemeClr val="accent2"/>
+          </a:effectRef>
+          <a:fontRef idx="minor">
+            <a:schemeClr val="dk1"/>
+          </a:fontRef>
+        </p:style>
+        <p:txBody>
+          <a:bodyPr lIns="90000" tIns="72000" rIns="90000" bIns="72000" rtlCol="0" anchor="t"/>
+          <a:lstStyle/>
+          <a:p>
+            <a:pPr algn="ctr" defTabSz="914400" fontAlgn="base">
+              <a:spcBef>
+                <a:spcPct val="50000"/>
+              </a:spcBef>
+              <a:spcAft>
+                <a:spcPct val="0"/>
+              </a:spcAft>
+              <a:buClr>
+                <a:srgbClr val="F0AB00"/>
+              </a:buClr>
+              <a:buSzPct val="80000"/>
+            </a:pPr>
+            <a:endParaRPr lang="de-DE" sz="1400" b="1" kern="0" dirty="0">
+              <a:ea typeface="Arial Unicode MS" pitchFamily="34" charset="-128"/>
+              <a:cs typeface="Arial Unicode MS" pitchFamily="34" charset="-128"/>
+            </a:endParaRPr>
+          </a:p>
+        </p:txBody>
+      </p:sp>
+      <p:sp>
+        <p:nvSpPr>
+          <p:cNvPr id="20" name="Rectangle 19"/>
+          <p:cNvSpPr/>
+          <p:nvPr/>
+        </p:nvSpPr>
+        <p:spPr bwMode="gray">
+          <a:xfrm>
+            <a:off x="8791291" y="2756956"/>
+            <a:ext cx="2724717" cy="2015489"/>
+          </a:xfrm>
+          <a:prstGeom prst="rect">
+            <a:avLst/>
+          </a:prstGeom>
+          <a:ln>
+            <a:headEnd/>
+            <a:tailEnd/>
+          </a:ln>
+        </p:spPr>
+        <p:style>
+          <a:lnRef idx="1">
+            <a:schemeClr val="accent2"/>
+          </a:lnRef>
+          <a:fillRef idx="2">
+            <a:schemeClr val="accent2"/>
+          </a:fillRef>
+          <a:effectRef idx="1">
+            <a:schemeClr val="accent2"/>
+          </a:effectRef>
+          <a:fontRef idx="minor">
+            <a:schemeClr val="dk1"/>
+          </a:fontRef>
+        </p:style>
+        <p:txBody>
+          <a:bodyPr lIns="90000" tIns="72000" rIns="90000" bIns="72000" rtlCol="0" anchor="t"/>
+          <a:lstStyle/>
+          <a:p>
+            <a:pPr algn="ctr" defTabSz="914400" fontAlgn="base">
+              <a:spcBef>
+                <a:spcPct val="50000"/>
+              </a:spcBef>
+              <a:spcAft>
+                <a:spcPct val="0"/>
+              </a:spcAft>
+              <a:buClr>
+                <a:srgbClr val="F0AB00"/>
+              </a:buClr>
+              <a:buSzPct val="80000"/>
+            </a:pPr>
+            <a:endParaRPr lang="de-DE" sz="1400" b="1" kern="0" dirty="0">
+              <a:ea typeface="Arial Unicode MS" pitchFamily="34" charset="-128"/>
+              <a:cs typeface="Arial Unicode MS" pitchFamily="34" charset="-128"/>
+            </a:endParaRPr>
+          </a:p>
+        </p:txBody>
+      </p:sp>
+      <p:sp>
+        <p:nvSpPr>
+          <p:cNvPr id="21" name="Rectangle 20"/>
+          <p:cNvSpPr/>
+          <p:nvPr/>
+        </p:nvSpPr>
+        <p:spPr bwMode="gray">
+          <a:xfrm>
+            <a:off x="5768587" y="3105075"/>
+            <a:ext cx="2392755" cy="1635766"/>
+          </a:xfrm>
+          <a:prstGeom prst="rect">
+            <a:avLst/>
+          </a:prstGeom>
+          <a:ln>
+            <a:headEnd/>
+            <a:tailEnd/>
+          </a:ln>
+        </p:spPr>
+        <p:style>
+          <a:lnRef idx="1">
+            <a:schemeClr val="accent2"/>
+          </a:lnRef>
+          <a:fillRef idx="2">
+            <a:schemeClr val="accent2"/>
+          </a:fillRef>
+          <a:effectRef idx="1">
+            <a:schemeClr val="accent2"/>
+          </a:effectRef>
+          <a:fontRef idx="minor">
+            <a:schemeClr val="dk1"/>
+          </a:fontRef>
+        </p:style>
+        <p:txBody>
+          <a:bodyPr lIns="90000" tIns="72000" rIns="90000" bIns="72000" rtlCol="0" anchor="t"/>
+          <a:lstStyle/>
+          <a:p>
+            <a:pPr algn="ctr" defTabSz="914400" fontAlgn="base">
+              <a:spcBef>
+                <a:spcPct val="50000"/>
+              </a:spcBef>
+              <a:spcAft>
+                <a:spcPct val="0"/>
+              </a:spcAft>
+              <a:buClr>
+                <a:srgbClr val="F0AB00"/>
+              </a:buClr>
+              <a:buSzPct val="80000"/>
+            </a:pPr>
+            <a:r>
+              <a:rPr lang="de-DE" sz="1400" b="1" kern="0" dirty="0">
+                <a:ea typeface="Arial Unicode MS" pitchFamily="34" charset="-128"/>
+                <a:cs typeface="Arial Unicode MS" pitchFamily="34" charset="-128"/>
+              </a:rPr>
+              <a:t>Master</a:t>
+            </a:r>
+          </a:p>
+        </p:txBody>
+      </p:sp>
+      <p:sp>
+        <p:nvSpPr>
+          <p:cNvPr id="22" name="Rectangle 21"/>
+          <p:cNvSpPr/>
+          <p:nvPr/>
+        </p:nvSpPr>
+        <p:spPr bwMode="gray">
+          <a:xfrm>
+            <a:off x="6258465" y="3697498"/>
+            <a:ext cx="1336229" cy="453581"/>
+          </a:xfrm>
+          <a:prstGeom prst="rect">
+            <a:avLst/>
+          </a:prstGeom>
+          <a:ln>
+            <a:headEnd/>
+            <a:tailEnd/>
+          </a:ln>
+        </p:spPr>
+        <p:style>
+          <a:lnRef idx="2">
+            <a:schemeClr val="accent2">
+              <a:shade val="50000"/>
+            </a:schemeClr>
+          </a:lnRef>
+          <a:fillRef idx="1">
+            <a:schemeClr val="accent2"/>
+          </a:fillRef>
+          <a:effectRef idx="0">
+            <a:schemeClr val="accent2"/>
+          </a:effectRef>
+          <a:fontRef idx="minor">
+            <a:schemeClr val="lt1"/>
+          </a:fontRef>
+        </p:style>
+        <p:txBody>
+          <a:bodyPr lIns="90000" tIns="72000" rIns="90000" bIns="72000" rtlCol="0" anchor="ctr"/>
+          <a:lstStyle/>
+          <a:p>
+            <a:pPr marR="0" algn="ctr" defTabSz="914400" eaLnBrk="1" fontAlgn="base" latinLnBrk="0" hangingPunct="1">
+              <a:lnSpc>
+                <a:spcPct val="100000"/>
+              </a:lnSpc>
+              <a:spcBef>
+                <a:spcPct val="50000"/>
+              </a:spcBef>
+              <a:spcAft>
+                <a:spcPct val="0"/>
+              </a:spcAft>
+              <a:buClr>
+                <a:srgbClr val="F0AB00"/>
+              </a:buClr>
+              <a:buSzPct val="80000"/>
+              <a:tabLst/>
+            </a:pPr>
+            <a:r>
+              <a:rPr kumimoji="0" lang="de-DE" sz="1600" b="1" i="0" u="none" strike="noStrike" kern="0" cap="none" spc="0" normalizeH="0" baseline="0" noProof="0" dirty="0">
+                <a:ln>
+                  <a:noFill/>
+                </a:ln>
+                <a:effectLst/>
+                <a:uLnTx/>
+                <a:uFillTx/>
+                <a:ea typeface="Arial Unicode MS" pitchFamily="34" charset="-128"/>
+                <a:cs typeface="Arial Unicode MS" pitchFamily="34" charset="-128"/>
+              </a:rPr>
+              <a:t>API</a:t>
+            </a:r>
+            <a:r>
+              <a:rPr kumimoji="0" lang="de-DE" sz="1600" b="1" i="0" u="none" strike="noStrike" kern="0" cap="none" spc="0" normalizeH="0" noProof="0" dirty="0">
+                <a:ln>
+                  <a:noFill/>
+                </a:ln>
+                <a:effectLst/>
+                <a:uLnTx/>
+                <a:uFillTx/>
+                <a:ea typeface="Arial Unicode MS" pitchFamily="34" charset="-128"/>
+                <a:cs typeface="Arial Unicode MS" pitchFamily="34" charset="-128"/>
+              </a:rPr>
+              <a:t> Server</a:t>
+            </a:r>
+            <a:endParaRPr kumimoji="0" lang="de-DE" sz="1600" b="1" i="0" u="none" strike="noStrike" kern="0" cap="none" spc="0" normalizeH="0" baseline="0" noProof="0" dirty="0">
+              <a:ln>
+                <a:noFill/>
+              </a:ln>
+              <a:effectLst/>
+              <a:uLnTx/>
+              <a:uFillTx/>
+              <a:ea typeface="Arial Unicode MS" pitchFamily="34" charset="-128"/>
+              <a:cs typeface="Arial Unicode MS" pitchFamily="34" charset="-128"/>
+            </a:endParaRPr>
+          </a:p>
+        </p:txBody>
+      </p:sp>
+      <p:sp>
+        <p:nvSpPr>
+          <p:cNvPr id="31" name="Rectangle 30"/>
+          <p:cNvSpPr/>
+          <p:nvPr/>
+        </p:nvSpPr>
+        <p:spPr bwMode="gray">
+          <a:xfrm>
+            <a:off x="6156960" y="5356744"/>
+            <a:ext cx="1575643" cy="918462"/>
+          </a:xfrm>
+          <a:prstGeom prst="rect">
+            <a:avLst/>
+          </a:prstGeom>
+          <a:ln>
+            <a:headEnd/>
+            <a:tailEnd/>
+          </a:ln>
+        </p:spPr>
+        <p:style>
+          <a:lnRef idx="1">
+            <a:schemeClr val="accent2"/>
+          </a:lnRef>
+          <a:fillRef idx="2">
+            <a:schemeClr val="accent2"/>
+          </a:fillRef>
+          <a:effectRef idx="1">
+            <a:schemeClr val="accent2"/>
+          </a:effectRef>
+          <a:fontRef idx="minor">
+            <a:schemeClr val="dk1"/>
+          </a:fontRef>
+        </p:style>
+        <p:txBody>
+          <a:bodyPr lIns="90000" tIns="72000" rIns="90000" bIns="72000" rtlCol="0" anchor="ctr"/>
+          <a:lstStyle/>
+          <a:p>
+            <a:pPr marR="0" algn="ctr" defTabSz="914400" eaLnBrk="1" fontAlgn="base" latinLnBrk="0" hangingPunct="1">
+              <a:lnSpc>
+                <a:spcPct val="100000"/>
+              </a:lnSpc>
+              <a:spcBef>
+                <a:spcPct val="50000"/>
+              </a:spcBef>
+              <a:spcAft>
+                <a:spcPct val="0"/>
+              </a:spcAft>
+              <a:buClr>
+                <a:srgbClr val="F0AB00"/>
+              </a:buClr>
+              <a:buSzPct val="80000"/>
+              <a:tabLst/>
+            </a:pPr>
+            <a:r>
+              <a:rPr kumimoji="0" lang="de-DE" sz="1800" b="1" i="0" strike="noStrike" kern="0" cap="none" spc="0" normalizeH="0" baseline="0" noProof="0" dirty="0" err="1">
+                <a:ln>
+                  <a:noFill/>
+                </a:ln>
+                <a:effectLst/>
+                <a:uLnTx/>
+                <a:uFillTx/>
+                <a:ea typeface="Arial Unicode MS" pitchFamily="34" charset="-128"/>
+                <a:cs typeface="Arial Unicode MS" pitchFamily="34" charset="-128"/>
+              </a:rPr>
+              <a:t>etcd</a:t>
+            </a:r>
+            <a:endParaRPr kumimoji="0" lang="de-DE" sz="1800" b="1" i="0" strike="noStrike" kern="0" cap="none" spc="0" normalizeH="0" baseline="0" noProof="0" dirty="0">
+              <a:ln>
+                <a:noFill/>
+              </a:ln>
+              <a:effectLst/>
+              <a:uLnTx/>
+              <a:uFillTx/>
+              <a:ea typeface="Arial Unicode MS" pitchFamily="34" charset="-128"/>
+              <a:cs typeface="Arial Unicode MS" pitchFamily="34" charset="-128"/>
+            </a:endParaRPr>
+          </a:p>
+          <a:p>
+            <a:pPr marR="0" algn="ctr" defTabSz="914400" eaLnBrk="1" fontAlgn="base" latinLnBrk="0" hangingPunct="1">
+              <a:lnSpc>
+                <a:spcPct val="100000"/>
+              </a:lnSpc>
+              <a:spcBef>
+                <a:spcPct val="50000"/>
+              </a:spcBef>
+              <a:spcAft>
+                <a:spcPct val="0"/>
+              </a:spcAft>
+              <a:buClr>
+                <a:srgbClr val="F0AB00"/>
+              </a:buClr>
+              <a:buSzPct val="80000"/>
+              <a:tabLst/>
+            </a:pPr>
+            <a:r>
+              <a:rPr lang="de-DE" sz="1100" b="1" kern="0" dirty="0">
+                <a:ea typeface="Arial Unicode MS" pitchFamily="34" charset="-128"/>
+                <a:cs typeface="Arial Unicode MS" pitchFamily="34" charset="-128"/>
+              </a:rPr>
+              <a:t>(</a:t>
+            </a:r>
+            <a:r>
+              <a:rPr lang="de-DE" sz="1100" b="1" kern="0" dirty="0" err="1">
+                <a:ea typeface="Arial Unicode MS" pitchFamily="34" charset="-128"/>
+                <a:cs typeface="Arial Unicode MS" pitchFamily="34" charset="-128"/>
+              </a:rPr>
+              <a:t>distributed</a:t>
+            </a:r>
+            <a:r>
+              <a:rPr lang="de-DE" sz="1100" b="1" kern="0" dirty="0">
+                <a:ea typeface="Arial Unicode MS" pitchFamily="34" charset="-128"/>
+                <a:cs typeface="Arial Unicode MS" pitchFamily="34" charset="-128"/>
+              </a:rPr>
+              <a:t>) </a:t>
+            </a:r>
+            <a:r>
+              <a:rPr lang="de-DE" sz="1100" b="1" kern="0" dirty="0" err="1">
+                <a:ea typeface="Arial Unicode MS" pitchFamily="34" charset="-128"/>
+                <a:cs typeface="Arial Unicode MS" pitchFamily="34" charset="-128"/>
+              </a:rPr>
+              <a:t>key-value</a:t>
+            </a:r>
+            <a:r>
+              <a:rPr lang="de-DE" sz="1100" b="1" kern="0" dirty="0">
+                <a:ea typeface="Arial Unicode MS" pitchFamily="34" charset="-128"/>
+                <a:cs typeface="Arial Unicode MS" pitchFamily="34" charset="-128"/>
+              </a:rPr>
+              <a:t> </a:t>
+            </a:r>
+            <a:r>
+              <a:rPr lang="de-DE" sz="1100" b="1" kern="0" dirty="0" err="1">
+                <a:ea typeface="Arial Unicode MS" pitchFamily="34" charset="-128"/>
+                <a:cs typeface="Arial Unicode MS" pitchFamily="34" charset="-128"/>
+              </a:rPr>
+              <a:t>store</a:t>
+            </a:r>
+            <a:endParaRPr kumimoji="0" lang="de-DE" sz="1800" b="1" i="0" strike="noStrike" kern="0" cap="none" spc="0" normalizeH="0" baseline="0" noProof="0" dirty="0">
+              <a:ln>
+                <a:noFill/>
+              </a:ln>
+              <a:effectLst/>
+              <a:uLnTx/>
+              <a:uFillTx/>
+              <a:ea typeface="Arial Unicode MS" pitchFamily="34" charset="-128"/>
+              <a:cs typeface="Arial Unicode MS" pitchFamily="34" charset="-128"/>
+            </a:endParaRPr>
+          </a:p>
+        </p:txBody>
+      </p:sp>
+      <p:cxnSp>
+        <p:nvCxnSpPr>
+          <p:cNvPr id="32" name="Straight Arrow Connector 31"/>
+          <p:cNvCxnSpPr>
+            <a:stCxn id="22" idx="2"/>
+            <a:endCxn id="31" idx="0"/>
+          </p:cNvCxnSpPr>
+          <p:nvPr/>
+        </p:nvCxnSpPr>
+        <p:spPr>
+          <a:xfrm>
+            <a:off x="6926580" y="4151079"/>
+            <a:ext cx="18202" cy="1205665"/>
+          </a:xfrm>
+          <a:prstGeom prst="straightConnector1">
+            <a:avLst/>
+          </a:prstGeom>
+          <a:ln w="57150">
+            <a:solidFill>
+              <a:schemeClr val="accent2"/>
+            </a:solidFill>
+            <a:headEnd type="triangle"/>
+            <a:tailEnd type="triangle"/>
+          </a:ln>
+        </p:spPr>
+        <p:style>
+          <a:lnRef idx="1">
+            <a:schemeClr val="accent1"/>
+          </a:lnRef>
+          <a:fillRef idx="0">
+            <a:schemeClr val="accent1"/>
+          </a:fillRef>
+          <a:effectRef idx="0">
+            <a:schemeClr val="accent1"/>
+          </a:effectRef>
+          <a:fontRef idx="minor">
+            <a:schemeClr val="tx1"/>
+          </a:fontRef>
+        </p:style>
+      </p:cxnSp>
+      <p:sp>
+        <p:nvSpPr>
+          <p:cNvPr id="33" name="Rectangle 32"/>
+          <p:cNvSpPr/>
+          <p:nvPr/>
+        </p:nvSpPr>
+        <p:spPr bwMode="gray">
+          <a:xfrm>
+            <a:off x="8733601" y="3032761"/>
+            <a:ext cx="2724717" cy="2015489"/>
+          </a:xfrm>
+          <a:prstGeom prst="rect">
+            <a:avLst/>
+          </a:prstGeom>
+          <a:ln>
+            <a:headEnd/>
+            <a:tailEnd/>
+          </a:ln>
+        </p:spPr>
+        <p:style>
+          <a:lnRef idx="1">
+            <a:schemeClr val="accent2"/>
+          </a:lnRef>
+          <a:fillRef idx="2">
+            <a:schemeClr val="accent2"/>
+          </a:fillRef>
+          <a:effectRef idx="1">
+            <a:schemeClr val="accent2"/>
+          </a:effectRef>
+          <a:fontRef idx="minor">
+            <a:schemeClr val="dk1"/>
+          </a:fontRef>
+        </p:style>
+        <p:txBody>
+          <a:bodyPr lIns="90000" tIns="72000" rIns="90000" bIns="72000" rtlCol="0" anchor="t"/>
+          <a:lstStyle/>
+          <a:p>
+            <a:pPr algn="ctr" defTabSz="914400" fontAlgn="base">
+              <a:spcBef>
+                <a:spcPct val="50000"/>
+              </a:spcBef>
+              <a:spcAft>
+                <a:spcPct val="0"/>
+              </a:spcAft>
+              <a:buClr>
+                <a:srgbClr val="F0AB00"/>
+              </a:buClr>
+              <a:buSzPct val="80000"/>
+            </a:pPr>
+            <a:r>
+              <a:rPr lang="de-DE" sz="1400" b="1" kern="0" dirty="0">
+                <a:ea typeface="Arial Unicode MS" pitchFamily="34" charset="-128"/>
+                <a:cs typeface="Arial Unicode MS" pitchFamily="34" charset="-128"/>
+              </a:rPr>
+              <a:t>Worker</a:t>
+            </a:r>
+          </a:p>
+        </p:txBody>
+      </p:sp>
+      <p:sp>
+        <p:nvSpPr>
+          <p:cNvPr id="34" name="Rectangle 33"/>
+          <p:cNvSpPr/>
+          <p:nvPr/>
+        </p:nvSpPr>
+        <p:spPr bwMode="gray">
+          <a:xfrm>
+            <a:off x="8851967" y="3722804"/>
+            <a:ext cx="2551108" cy="1085192"/>
+          </a:xfrm>
+          <a:prstGeom prst="rect">
+            <a:avLst/>
+          </a:prstGeom>
+          <a:solidFill>
+            <a:schemeClr val="accent1">
+              <a:lumMod val="60000"/>
+              <a:lumOff val="40000"/>
+            </a:schemeClr>
+          </a:solidFill>
+          <a:ln>
+            <a:headEnd/>
+            <a:tailEnd/>
+          </a:ln>
+        </p:spPr>
+        <p:style>
+          <a:lnRef idx="1">
+            <a:schemeClr val="accent1"/>
+          </a:lnRef>
+          <a:fillRef idx="2">
+            <a:schemeClr val="accent1"/>
+          </a:fillRef>
+          <a:effectRef idx="1">
+            <a:schemeClr val="accent1"/>
+          </a:effectRef>
+          <a:fontRef idx="minor">
+            <a:schemeClr val="dk1"/>
+          </a:fontRef>
+        </p:style>
+        <p:txBody>
+          <a:bodyPr lIns="90000" tIns="72000" rIns="90000" bIns="72000" rtlCol="0" anchor="b"/>
+          <a:lstStyle/>
+          <a:p>
+            <a:pPr marR="0" defTabSz="914400" eaLnBrk="1" fontAlgn="base" latinLnBrk="0" hangingPunct="1">
+              <a:lnSpc>
+                <a:spcPct val="100000"/>
+              </a:lnSpc>
+              <a:spcBef>
+                <a:spcPct val="50000"/>
+              </a:spcBef>
+              <a:spcAft>
+                <a:spcPct val="0"/>
+              </a:spcAft>
+              <a:buClr>
+                <a:srgbClr val="F0AB00"/>
+              </a:buClr>
+              <a:buSzPct val="80000"/>
+              <a:tabLst/>
+            </a:pPr>
+            <a:r>
+              <a:rPr lang="de-DE" sz="1200" b="1" kern="0" noProof="0" dirty="0">
+                <a:ea typeface="Arial Unicode MS" pitchFamily="34" charset="-128"/>
+                <a:cs typeface="Arial Unicode MS" pitchFamily="34" charset="-128"/>
+              </a:rPr>
+              <a:t>D</a:t>
+            </a:r>
+            <a:r>
+              <a:rPr kumimoji="0" lang="de-DE" sz="1200" b="1" i="0" strike="noStrike" kern="0" cap="none" spc="0" normalizeH="0" baseline="0" noProof="0" dirty="0">
+                <a:ln>
+                  <a:noFill/>
+                </a:ln>
+                <a:effectLst/>
+                <a:uLnTx/>
+                <a:uFillTx/>
+                <a:ea typeface="Arial Unicode MS" pitchFamily="34" charset="-128"/>
+                <a:cs typeface="Arial Unicode MS" pitchFamily="34" charset="-128"/>
+              </a:rPr>
+              <a:t>ocker</a:t>
+            </a:r>
+            <a:endParaRPr kumimoji="0" lang="de-DE" sz="1400" b="1" i="0" strike="noStrike" kern="0" cap="none" spc="0" normalizeH="0" baseline="0" noProof="0" dirty="0">
+              <a:ln>
+                <a:noFill/>
+              </a:ln>
+              <a:effectLst/>
+              <a:uLnTx/>
+              <a:uFillTx/>
+              <a:ea typeface="Arial Unicode MS" pitchFamily="34" charset="-128"/>
+              <a:cs typeface="Arial Unicode MS" pitchFamily="34" charset="-128"/>
+            </a:endParaRPr>
+          </a:p>
+        </p:txBody>
+      </p:sp>
+      <p:sp>
+        <p:nvSpPr>
+          <p:cNvPr id="36" name="Rectangle 35"/>
+          <p:cNvSpPr/>
+          <p:nvPr/>
+        </p:nvSpPr>
+        <p:spPr bwMode="gray">
+          <a:xfrm>
+            <a:off x="9066103" y="3922958"/>
+            <a:ext cx="889224" cy="507936"/>
+          </a:xfrm>
+          <a:prstGeom prst="rect">
+            <a:avLst/>
+          </a:prstGeom>
+          <a:ln>
+            <a:headEnd/>
+            <a:tailEnd/>
+          </a:ln>
+        </p:spPr>
+        <p:style>
+          <a:lnRef idx="2">
+            <a:schemeClr val="accent2">
+              <a:shade val="50000"/>
+            </a:schemeClr>
+          </a:lnRef>
+          <a:fillRef idx="1">
+            <a:schemeClr val="accent2"/>
+          </a:fillRef>
+          <a:effectRef idx="0">
+            <a:schemeClr val="accent2"/>
+          </a:effectRef>
+          <a:fontRef idx="minor">
+            <a:schemeClr val="lt1"/>
+          </a:fontRef>
+        </p:style>
+        <p:txBody>
+          <a:bodyPr lIns="90000" tIns="72000" rIns="90000" bIns="72000" rtlCol="0" anchor="ctr"/>
+          <a:lstStyle/>
+          <a:p>
+            <a:pPr marR="0" algn="ctr" defTabSz="914400" eaLnBrk="1" fontAlgn="base" latinLnBrk="0" hangingPunct="1">
+              <a:lnSpc>
+                <a:spcPct val="100000"/>
+              </a:lnSpc>
+              <a:spcBef>
+                <a:spcPct val="50000"/>
+              </a:spcBef>
+              <a:spcAft>
+                <a:spcPct val="0"/>
+              </a:spcAft>
+              <a:buClr>
+                <a:srgbClr val="F0AB00"/>
+              </a:buClr>
+              <a:buSzPct val="80000"/>
+              <a:tabLst/>
+            </a:pPr>
+            <a:r>
+              <a:rPr lang="de-DE" sz="1050" b="1" kern="0" noProof="0" dirty="0" err="1">
+                <a:ea typeface="Arial Unicode MS" pitchFamily="34" charset="-128"/>
+                <a:cs typeface="Arial Unicode MS" pitchFamily="34" charset="-128"/>
+              </a:rPr>
+              <a:t>Pod</a:t>
+            </a:r>
+            <a:endParaRPr kumimoji="0" lang="de-DE" sz="1050" b="1" i="0" u="none" strike="noStrike" kern="0" cap="none" spc="0" normalizeH="0" baseline="0" noProof="0" dirty="0">
+              <a:ln>
+                <a:noFill/>
+              </a:ln>
+              <a:effectLst/>
+              <a:uLnTx/>
+              <a:uFillTx/>
+              <a:ea typeface="Arial Unicode MS" pitchFamily="34" charset="-128"/>
+              <a:cs typeface="Arial Unicode MS" pitchFamily="34" charset="-128"/>
+            </a:endParaRPr>
+          </a:p>
+        </p:txBody>
+      </p:sp>
+      <p:sp>
+        <p:nvSpPr>
+          <p:cNvPr id="37" name="Rectangle 36"/>
+          <p:cNvSpPr/>
+          <p:nvPr/>
+        </p:nvSpPr>
+        <p:spPr bwMode="gray">
+          <a:xfrm>
+            <a:off x="10287262" y="3922958"/>
+            <a:ext cx="889224" cy="507936"/>
+          </a:xfrm>
+          <a:prstGeom prst="rect">
+            <a:avLst/>
+          </a:prstGeom>
+          <a:ln>
+            <a:headEnd/>
+            <a:tailEnd/>
+          </a:ln>
+        </p:spPr>
+        <p:style>
+          <a:lnRef idx="2">
+            <a:schemeClr val="accent2">
+              <a:shade val="50000"/>
+            </a:schemeClr>
+          </a:lnRef>
+          <a:fillRef idx="1">
+            <a:schemeClr val="accent2"/>
+          </a:fillRef>
+          <a:effectRef idx="0">
+            <a:schemeClr val="accent2"/>
+          </a:effectRef>
+          <a:fontRef idx="minor">
+            <a:schemeClr val="lt1"/>
+          </a:fontRef>
+        </p:style>
+        <p:txBody>
+          <a:bodyPr lIns="90000" tIns="72000" rIns="90000" bIns="72000" rtlCol="0" anchor="ctr"/>
+          <a:lstStyle/>
+          <a:p>
+            <a:pPr marR="0" algn="ctr" defTabSz="914400" eaLnBrk="1" fontAlgn="base" latinLnBrk="0" hangingPunct="1">
+              <a:lnSpc>
+                <a:spcPct val="100000"/>
+              </a:lnSpc>
+              <a:spcBef>
+                <a:spcPct val="50000"/>
+              </a:spcBef>
+              <a:spcAft>
+                <a:spcPct val="0"/>
+              </a:spcAft>
+              <a:buClr>
+                <a:srgbClr val="F0AB00"/>
+              </a:buClr>
+              <a:buSzPct val="80000"/>
+              <a:tabLst/>
+            </a:pPr>
+            <a:r>
+              <a:rPr lang="de-DE" sz="1050" b="1" kern="0" noProof="0" dirty="0" err="1">
+                <a:ea typeface="Arial Unicode MS" pitchFamily="34" charset="-128"/>
+                <a:cs typeface="Arial Unicode MS" pitchFamily="34" charset="-128"/>
+              </a:rPr>
+              <a:t>Pod</a:t>
+            </a:r>
+            <a:endParaRPr kumimoji="0" lang="de-DE" sz="1050" b="1" i="0" u="none" strike="noStrike" kern="0" cap="none" spc="0" normalizeH="0" baseline="0" noProof="0" dirty="0">
+              <a:ln>
+                <a:noFill/>
+              </a:ln>
+              <a:effectLst/>
+              <a:uLnTx/>
+              <a:uFillTx/>
+              <a:ea typeface="Arial Unicode MS" pitchFamily="34" charset="-128"/>
+              <a:cs typeface="Arial Unicode MS" pitchFamily="34" charset="-128"/>
+            </a:endParaRPr>
+          </a:p>
+        </p:txBody>
+      </p:sp>
+      <p:cxnSp>
+        <p:nvCxnSpPr>
+          <p:cNvPr id="41" name="Straight Arrow Connector 40"/>
+          <p:cNvCxnSpPr>
+            <a:stCxn id="31" idx="3"/>
+            <a:endCxn id="33" idx="1"/>
+          </p:cNvCxnSpPr>
+          <p:nvPr/>
+        </p:nvCxnSpPr>
+        <p:spPr>
+          <a:xfrm flipV="1">
+            <a:off x="7732603" y="4040506"/>
+            <a:ext cx="1000998" cy="1775469"/>
+          </a:xfrm>
+          <a:prstGeom prst="straightConnector1">
+            <a:avLst/>
+          </a:prstGeom>
+          <a:ln w="57150">
+            <a:solidFill>
+              <a:schemeClr val="accent2"/>
+            </a:solidFill>
+            <a:headEnd type="triangle"/>
+            <a:tailEnd type="triangle"/>
+          </a:ln>
+        </p:spPr>
+        <p:style>
+          <a:lnRef idx="1">
+            <a:schemeClr val="accent1"/>
+          </a:lnRef>
+          <a:fillRef idx="0">
+            <a:schemeClr val="accent1"/>
+          </a:fillRef>
+          <a:effectRef idx="0">
+            <a:schemeClr val="accent1"/>
+          </a:effectRef>
+          <a:fontRef idx="minor">
+            <a:schemeClr val="tx1"/>
+          </a:fontRef>
+        </p:style>
+      </p:cxnSp>
+      <p:cxnSp>
+        <p:nvCxnSpPr>
+          <p:cNvPr id="44" name="Straight Arrow Connector 43"/>
+          <p:cNvCxnSpPr>
+            <a:stCxn id="22" idx="3"/>
+          </p:cNvCxnSpPr>
+          <p:nvPr/>
+        </p:nvCxnSpPr>
+        <p:spPr>
+          <a:xfrm flipV="1">
+            <a:off x="7594694" y="3922958"/>
+            <a:ext cx="1138907" cy="1331"/>
+          </a:xfrm>
+          <a:prstGeom prst="straightConnector1">
+            <a:avLst/>
+          </a:prstGeom>
+          <a:ln w="57150">
+            <a:solidFill>
+              <a:schemeClr val="accent2"/>
+            </a:solidFill>
+            <a:headEnd type="none" w="med" len="med"/>
+            <a:tailEnd type="triangle"/>
+          </a:ln>
+        </p:spPr>
+        <p:style>
+          <a:lnRef idx="1">
+            <a:schemeClr val="accent2"/>
+          </a:lnRef>
+          <a:fillRef idx="0">
+            <a:schemeClr val="accent2"/>
+          </a:fillRef>
+          <a:effectRef idx="0">
+            <a:schemeClr val="accent2"/>
+          </a:effectRef>
+          <a:fontRef idx="minor">
+            <a:schemeClr val="tx1"/>
+          </a:fontRef>
+        </p:style>
+      </p:cxnSp>
+      <p:sp>
+        <p:nvSpPr>
+          <p:cNvPr id="74" name="Rectangle: Rounded Corners 73"/>
+          <p:cNvSpPr/>
+          <p:nvPr/>
+        </p:nvSpPr>
+        <p:spPr bwMode="gray">
+          <a:xfrm>
+            <a:off x="2521599" y="4996815"/>
+            <a:ext cx="1524000" cy="662940"/>
+          </a:xfrm>
+          <a:prstGeom prst="roundRect">
+            <a:avLst/>
+          </a:prstGeom>
+          <a:ln>
+            <a:headEnd/>
+            <a:tailEnd/>
+          </a:ln>
+        </p:spPr>
+        <p:style>
+          <a:lnRef idx="2">
+            <a:schemeClr val="accent2"/>
+          </a:lnRef>
+          <a:fillRef idx="1">
+            <a:schemeClr val="lt1"/>
+          </a:fillRef>
+          <a:effectRef idx="0">
+            <a:schemeClr val="accent2"/>
+          </a:effectRef>
+          <a:fontRef idx="minor">
+            <a:schemeClr val="dk1"/>
+          </a:fontRef>
+        </p:style>
+        <p:txBody>
+          <a:bodyPr lIns="90000" tIns="72000" rIns="90000" bIns="72000" rtlCol="0" anchor="ctr"/>
+          <a:lstStyle/>
+          <a:p>
+            <a:pPr marR="0" algn="ctr" defTabSz="914400" eaLnBrk="1" fontAlgn="base" latinLnBrk="0" hangingPunct="1">
+              <a:lnSpc>
+                <a:spcPct val="100000"/>
+              </a:lnSpc>
+              <a:spcBef>
+                <a:spcPct val="50000"/>
+              </a:spcBef>
+              <a:spcAft>
+                <a:spcPct val="0"/>
+              </a:spcAft>
+              <a:buClr>
+                <a:srgbClr val="F0AB00"/>
+              </a:buClr>
+              <a:buSzPct val="80000"/>
+              <a:tabLst/>
+            </a:pPr>
+            <a:r>
+              <a:rPr kumimoji="0" lang="en-US" sz="3200" b="1" i="0" u="none" strike="noStrike" kern="0" cap="none" spc="0" normalizeH="0" baseline="0" noProof="0" dirty="0">
+                <a:ln>
+                  <a:noFill/>
+                </a:ln>
+                <a:effectLst/>
+                <a:uLnTx/>
+                <a:uFillTx/>
+                <a:ea typeface="Arial Unicode MS" pitchFamily="34" charset="-128"/>
+                <a:cs typeface="Arial Unicode MS" pitchFamily="34" charset="-128"/>
+              </a:rPr>
+              <a:t>@SAP</a:t>
+            </a:r>
+          </a:p>
+        </p:txBody>
+      </p:sp>
+      <p:sp>
+        <p:nvSpPr>
+          <p:cNvPr id="75" name="Rectangle: Rounded Corners 74"/>
+          <p:cNvSpPr/>
+          <p:nvPr/>
+        </p:nvSpPr>
+        <p:spPr bwMode="gray">
+          <a:xfrm>
+            <a:off x="10179244" y="5650973"/>
+            <a:ext cx="1524000" cy="662940"/>
+          </a:xfrm>
+          <a:prstGeom prst="roundRect">
+            <a:avLst/>
+          </a:prstGeom>
+          <a:ln>
+            <a:headEnd/>
+            <a:tailEnd/>
+          </a:ln>
+        </p:spPr>
+        <p:style>
+          <a:lnRef idx="2">
+            <a:schemeClr val="accent2"/>
+          </a:lnRef>
+          <a:fillRef idx="1">
+            <a:schemeClr val="lt1"/>
+          </a:fillRef>
+          <a:effectRef idx="0">
+            <a:schemeClr val="accent2"/>
+          </a:effectRef>
+          <a:fontRef idx="minor">
+            <a:schemeClr val="dk1"/>
+          </a:fontRef>
+        </p:style>
+        <p:txBody>
+          <a:bodyPr lIns="90000" tIns="72000" rIns="90000" bIns="72000" rtlCol="0" anchor="ctr"/>
+          <a:lstStyle/>
+          <a:p>
+            <a:pPr marR="0" algn="ctr" defTabSz="914400" eaLnBrk="1" fontAlgn="base" latinLnBrk="0" hangingPunct="1">
+              <a:lnSpc>
+                <a:spcPct val="100000"/>
+              </a:lnSpc>
+              <a:spcBef>
+                <a:spcPct val="50000"/>
+              </a:spcBef>
+              <a:spcAft>
+                <a:spcPct val="0"/>
+              </a:spcAft>
+              <a:buClr>
+                <a:srgbClr val="F0AB00"/>
+              </a:buClr>
+              <a:buSzPct val="80000"/>
+              <a:tabLst/>
+            </a:pPr>
+            <a:r>
+              <a:rPr kumimoji="0" lang="en-US" sz="3200" b="1" i="0" u="none" strike="noStrike" kern="0" cap="none" spc="0" normalizeH="0" baseline="0" noProof="0" dirty="0">
+                <a:ln>
+                  <a:noFill/>
+                </a:ln>
+                <a:effectLst/>
+                <a:uLnTx/>
+                <a:uFillTx/>
+                <a:ea typeface="Arial Unicode MS" pitchFamily="34" charset="-128"/>
+                <a:cs typeface="Arial Unicode MS" pitchFamily="34" charset="-128"/>
+              </a:rPr>
+              <a:t>@GCP</a:t>
+            </a:r>
+          </a:p>
+        </p:txBody>
+      </p:sp>
+      <p:cxnSp>
+        <p:nvCxnSpPr>
+          <p:cNvPr id="77" name="Straight Arrow Connector 76"/>
+          <p:cNvCxnSpPr>
+            <a:stCxn id="6" idx="3"/>
+            <a:endCxn id="21" idx="1"/>
+          </p:cNvCxnSpPr>
+          <p:nvPr/>
+        </p:nvCxnSpPr>
+        <p:spPr>
+          <a:xfrm flipV="1">
+            <a:off x="3967163" y="3922958"/>
+            <a:ext cx="1801424" cy="2154"/>
+          </a:xfrm>
+          <a:prstGeom prst="straightConnector1">
+            <a:avLst/>
+          </a:prstGeom>
+          <a:ln w="57150">
+            <a:solidFill>
+              <a:schemeClr val="accent2"/>
+            </a:solidFill>
+            <a:headEnd type="none" w="med" len="med"/>
+            <a:tailEnd type="triangle"/>
+          </a:ln>
+        </p:spPr>
+        <p:style>
+          <a:lnRef idx="1">
+            <a:schemeClr val="accent2"/>
+          </a:lnRef>
+          <a:fillRef idx="0">
+            <a:schemeClr val="accent2"/>
+          </a:fillRef>
+          <a:effectRef idx="0">
+            <a:schemeClr val="accent2"/>
+          </a:effectRef>
+          <a:fontRef idx="minor">
+            <a:schemeClr val="tx1"/>
+          </a:fontRef>
+        </p:style>
+      </p:cxnSp>
+    </p:spTree>
+    <p:extLst>
+      <p:ext uri="{BB962C8B-B14F-4D97-AF65-F5344CB8AC3E}">
+        <p14:creationId xmlns:p14="http://schemas.microsoft.com/office/powerpoint/2010/main" val="2110886212"/>
+      </p:ext>
+    </p:extLst>
+  </p:cSld>
+  <p:clrMapOvr>
+    <a:masterClrMapping/>
+  </p:clrMapOvr>
+</p:sld>
+</file>
+
+<file path=ppt/slides/slide8.xml><?xml version="1.0" encoding="utf-8"?>
+<p:sld xmlns:a="http://schemas.openxmlformats.org/drawingml/2006/main" xmlns:r="http://schemas.openxmlformats.org/officeDocument/2006/relationships" xmlns:p="http://schemas.openxmlformats.org/presentationml/2006/main">
+  <p:cSld>
+    <p:spTree>
+      <p:nvGrpSpPr>
+        <p:cNvPr id="1" name=""/>
+        <p:cNvGrpSpPr/>
+        <p:nvPr/>
+      </p:nvGrpSpPr>
+      <p:grpSpPr>
+        <a:xfrm>
+          <a:off x="0" y="0"/>
+          <a:ext cx="0" cy="0"/>
+          <a:chOff x="0" y="0"/>
+          <a:chExt cx="0" cy="0"/>
+        </a:xfrm>
+      </p:grpSpPr>
+      <p:sp>
+        <p:nvSpPr>
+          <p:cNvPr id="3" name="Title 2"/>
+          <p:cNvSpPr>
+            <a:spLocks noGrp="1"/>
+          </p:cNvSpPr>
+          <p:nvPr>
+            <p:ph type="title"/>
+          </p:nvPr>
+        </p:nvSpPr>
+        <p:spPr/>
+        <p:txBody>
+          <a:bodyPr/>
+          <a:lstStyle/>
+          <a:p>
+            <a:r>
+              <a:rPr lang="en-US" dirty="0"/>
+              <a:t>What YOU will do during this training…</a:t>
+            </a:r>
+          </a:p>
+        </p:txBody>
+      </p:sp>
+      <p:grpSp>
+        <p:nvGrpSpPr>
+          <p:cNvPr id="13" name="Group 12"/>
+          <p:cNvGrpSpPr/>
+          <p:nvPr/>
+        </p:nvGrpSpPr>
+        <p:grpSpPr>
+          <a:xfrm>
+            <a:off x="2674620" y="2948940"/>
+            <a:ext cx="6187440" cy="1752600"/>
+            <a:chOff x="2697480" y="2743200"/>
+            <a:chExt cx="6187440" cy="2034540"/>
+          </a:xfrm>
+        </p:grpSpPr>
+        <p:sp>
+          <p:nvSpPr>
+            <p:cNvPr id="12" name="Rectangle: Rounded Corners 11"/>
+            <p:cNvSpPr/>
+            <p:nvPr/>
+          </p:nvSpPr>
+          <p:spPr bwMode="gray">
+            <a:xfrm>
+              <a:off x="2697480" y="2743200"/>
+              <a:ext cx="6187440" cy="2034540"/>
+            </a:xfrm>
+            <a:prstGeom prst="roundRect">
+              <a:avLst/>
+            </a:prstGeom>
+            <a:ln>
+              <a:headEnd/>
+              <a:tailEnd/>
+            </a:ln>
+          </p:spPr>
+          <p:style>
+            <a:lnRef idx="2">
+              <a:schemeClr val="accent1"/>
+            </a:lnRef>
+            <a:fillRef idx="1">
+              <a:schemeClr val="lt1"/>
+            </a:fillRef>
+            <a:effectRef idx="0">
+              <a:schemeClr val="accent1"/>
+            </a:effectRef>
+            <a:fontRef idx="minor">
+              <a:schemeClr val="dk1"/>
+            </a:fontRef>
+          </p:style>
+          <p:txBody>
+            <a:bodyPr lIns="90000" tIns="72000" rIns="90000" bIns="72000" rtlCol="0" anchor="ctr"/>
+            <a:lstStyle/>
+            <a:p>
+              <a:pPr marR="0" algn="ctr" defTabSz="914400" eaLnBrk="1" fontAlgn="base" latinLnBrk="0" hangingPunct="1">
+                <a:lnSpc>
+                  <a:spcPct val="100000"/>
+                </a:lnSpc>
+                <a:spcBef>
+                  <a:spcPct val="50000"/>
+                </a:spcBef>
+                <a:spcAft>
+                  <a:spcPct val="0"/>
+                </a:spcAft>
+                <a:buClr>
+                  <a:srgbClr val="F0AB00"/>
+                </a:buClr>
+                <a:buSzPct val="80000"/>
+                <a:tabLst/>
+              </a:pPr>
+              <a:endParaRPr kumimoji="0" lang="en-US" sz="1800" b="0" i="0" u="none" strike="noStrike" kern="0" cap="none" spc="0" normalizeH="0" baseline="0" noProof="0" dirty="0" err="1">
+                <a:ln>
+                  <a:noFill/>
+                </a:ln>
+                <a:effectLst/>
+                <a:uLnTx/>
+                <a:uFillTx/>
+                <a:ea typeface="Arial Unicode MS" pitchFamily="34" charset="-128"/>
+                <a:cs typeface="Arial Unicode MS" pitchFamily="34" charset="-128"/>
+              </a:endParaRPr>
+            </a:p>
+          </p:txBody>
+        </p:sp>
+        <p:sp>
+          <p:nvSpPr>
+            <p:cNvPr id="4" name="Rectangle 3"/>
+            <p:cNvSpPr/>
+            <p:nvPr/>
+          </p:nvSpPr>
+          <p:spPr bwMode="gray">
+            <a:xfrm>
+              <a:off x="2989653" y="3164976"/>
+              <a:ext cx="1627931" cy="1156258"/>
+            </a:xfrm>
+            <a:prstGeom prst="rect">
+              <a:avLst/>
+            </a:prstGeom>
+            <a:solidFill>
+              <a:schemeClr val="bg2"/>
+            </a:solidFill>
+            <a:ln>
+              <a:headEnd/>
+              <a:tailEnd/>
+            </a:ln>
+          </p:spPr>
+          <p:style>
+            <a:lnRef idx="2">
+              <a:schemeClr val="accent2"/>
+            </a:lnRef>
+            <a:fillRef idx="1">
+              <a:schemeClr val="lt1"/>
+            </a:fillRef>
+            <a:effectRef idx="0">
+              <a:schemeClr val="accent2"/>
+            </a:effectRef>
+            <a:fontRef idx="minor">
+              <a:schemeClr val="dk1"/>
+            </a:fontRef>
+          </p:style>
+          <p:txBody>
+            <a:bodyPr lIns="90000" tIns="72000" rIns="90000" bIns="72000" rtlCol="0" anchor="ctr"/>
+            <a:lstStyle/>
+            <a:p>
+              <a:pPr marR="0" algn="ctr" defTabSz="914400" eaLnBrk="1" fontAlgn="base" latinLnBrk="0" hangingPunct="1">
+                <a:lnSpc>
+                  <a:spcPct val="100000"/>
+                </a:lnSpc>
+                <a:spcBef>
+                  <a:spcPct val="50000"/>
+                </a:spcBef>
+                <a:spcAft>
+                  <a:spcPct val="0"/>
+                </a:spcAft>
+                <a:buClr>
+                  <a:srgbClr val="F0AB00"/>
+                </a:buClr>
+                <a:buSzPct val="80000"/>
+                <a:tabLst/>
+              </a:pPr>
+              <a:r>
+                <a:rPr lang="de-DE" sz="1800" kern="0" dirty="0" err="1">
+                  <a:ea typeface="Arial Unicode MS" pitchFamily="34" charset="-128"/>
+                  <a:cs typeface="Arial Unicode MS" pitchFamily="34" charset="-128"/>
+                </a:rPr>
+                <a:t>nginx</a:t>
+              </a:r>
+              <a:endParaRPr kumimoji="0" lang="de-DE" sz="1800" b="0" i="0" u="none" strike="noStrike" kern="0" cap="none" spc="0" normalizeH="0" baseline="0" noProof="0" dirty="0">
+                <a:ln>
+                  <a:noFill/>
+                </a:ln>
+                <a:effectLst/>
+                <a:uLnTx/>
+                <a:uFillTx/>
+                <a:ea typeface="Arial Unicode MS" pitchFamily="34" charset="-128"/>
+                <a:cs typeface="Arial Unicode MS" pitchFamily="34" charset="-128"/>
+              </a:endParaRPr>
+            </a:p>
+          </p:txBody>
+        </p:sp>
+        <p:sp>
+          <p:nvSpPr>
+            <p:cNvPr id="6" name="Rectangle 5"/>
+            <p:cNvSpPr/>
+            <p:nvPr/>
+          </p:nvSpPr>
+          <p:spPr bwMode="gray">
+            <a:xfrm>
+              <a:off x="6855115" y="3164976"/>
+              <a:ext cx="1627931" cy="1156258"/>
+            </a:xfrm>
+            <a:prstGeom prst="rect">
+              <a:avLst/>
+            </a:prstGeom>
+            <a:solidFill>
+              <a:schemeClr val="bg2"/>
+            </a:solidFill>
+            <a:ln>
+              <a:headEnd/>
+              <a:tailEnd/>
+            </a:ln>
+          </p:spPr>
+          <p:style>
+            <a:lnRef idx="2">
+              <a:schemeClr val="accent2"/>
+            </a:lnRef>
+            <a:fillRef idx="1">
+              <a:schemeClr val="lt1"/>
+            </a:fillRef>
+            <a:effectRef idx="0">
+              <a:schemeClr val="accent2"/>
+            </a:effectRef>
+            <a:fontRef idx="minor">
+              <a:schemeClr val="dk1"/>
+            </a:fontRef>
+          </p:style>
+          <p:txBody>
+            <a:bodyPr lIns="90000" tIns="72000" rIns="90000" bIns="72000" rtlCol="0" anchor="ctr"/>
+            <a:lstStyle/>
+            <a:p>
+              <a:pPr marR="0" algn="ctr" defTabSz="914400" eaLnBrk="1" fontAlgn="base" latinLnBrk="0" hangingPunct="1">
+                <a:lnSpc>
+                  <a:spcPct val="100000"/>
+                </a:lnSpc>
+                <a:spcBef>
+                  <a:spcPct val="50000"/>
+                </a:spcBef>
+                <a:spcAft>
+                  <a:spcPct val="0"/>
+                </a:spcAft>
+                <a:buClr>
+                  <a:srgbClr val="F0AB00"/>
+                </a:buClr>
+                <a:buSzPct val="80000"/>
+                <a:tabLst/>
+              </a:pPr>
+              <a:r>
+                <a:rPr lang="de-DE" sz="1800" kern="0" dirty="0" err="1">
+                  <a:ea typeface="Arial Unicode MS" pitchFamily="34" charset="-128"/>
+                  <a:cs typeface="Arial Unicode MS" pitchFamily="34" charset="-128"/>
+                </a:rPr>
+                <a:t>nginx</a:t>
+              </a:r>
+              <a:endParaRPr kumimoji="0" lang="de-DE" sz="1800" b="0" i="0" u="none" strike="noStrike" kern="0" cap="none" spc="0" normalizeH="0" baseline="0" noProof="0" dirty="0">
+                <a:ln>
+                  <a:noFill/>
+                </a:ln>
+                <a:effectLst/>
+                <a:uLnTx/>
+                <a:uFillTx/>
+                <a:ea typeface="Arial Unicode MS" pitchFamily="34" charset="-128"/>
+                <a:cs typeface="Arial Unicode MS" pitchFamily="34" charset="-128"/>
+              </a:endParaRPr>
+            </a:p>
+          </p:txBody>
+        </p:sp>
+        <p:sp>
+          <p:nvSpPr>
+            <p:cNvPr id="7" name="Rectangle 6"/>
+            <p:cNvSpPr/>
+            <p:nvPr/>
+          </p:nvSpPr>
+          <p:spPr bwMode="gray">
+            <a:xfrm>
+              <a:off x="4922384" y="3164976"/>
+              <a:ext cx="1627931" cy="1156258"/>
+            </a:xfrm>
+            <a:prstGeom prst="rect">
+              <a:avLst/>
+            </a:prstGeom>
+            <a:solidFill>
+              <a:schemeClr val="bg2"/>
+            </a:solidFill>
+            <a:ln>
+              <a:headEnd/>
+              <a:tailEnd/>
+            </a:ln>
+          </p:spPr>
+          <p:style>
+            <a:lnRef idx="2">
+              <a:schemeClr val="accent2"/>
+            </a:lnRef>
+            <a:fillRef idx="1">
+              <a:schemeClr val="lt1"/>
+            </a:fillRef>
+            <a:effectRef idx="0">
+              <a:schemeClr val="accent2"/>
+            </a:effectRef>
+            <a:fontRef idx="minor">
+              <a:schemeClr val="dk1"/>
+            </a:fontRef>
+          </p:style>
+          <p:txBody>
+            <a:bodyPr lIns="90000" tIns="72000" rIns="90000" bIns="72000" rtlCol="0" anchor="ctr"/>
+            <a:lstStyle/>
+            <a:p>
+              <a:pPr marR="0" algn="ctr" defTabSz="914400" eaLnBrk="1" fontAlgn="base" latinLnBrk="0" hangingPunct="1">
+                <a:lnSpc>
+                  <a:spcPct val="100000"/>
+                </a:lnSpc>
+                <a:spcBef>
+                  <a:spcPct val="50000"/>
+                </a:spcBef>
+                <a:spcAft>
+                  <a:spcPct val="0"/>
+                </a:spcAft>
+                <a:buClr>
+                  <a:srgbClr val="F0AB00"/>
+                </a:buClr>
+                <a:buSzPct val="80000"/>
+                <a:tabLst/>
+              </a:pPr>
+              <a:r>
+                <a:rPr lang="de-DE" sz="1800" kern="0" dirty="0" err="1">
+                  <a:ea typeface="Arial Unicode MS" pitchFamily="34" charset="-128"/>
+                  <a:cs typeface="Arial Unicode MS" pitchFamily="34" charset="-128"/>
+                </a:rPr>
+                <a:t>nginx</a:t>
+              </a:r>
+              <a:endParaRPr kumimoji="0" lang="de-DE" sz="1800" b="0" i="0" u="none" strike="noStrike" kern="0" cap="none" spc="0" normalizeH="0" baseline="0" noProof="0" dirty="0">
+                <a:ln>
+                  <a:noFill/>
+                </a:ln>
+                <a:effectLst/>
+                <a:uLnTx/>
+                <a:uFillTx/>
+                <a:ea typeface="Arial Unicode MS" pitchFamily="34" charset="-128"/>
+                <a:cs typeface="Arial Unicode MS" pitchFamily="34" charset="-128"/>
+              </a:endParaRPr>
+            </a:p>
+          </p:txBody>
+        </p:sp>
+      </p:grpSp>
+      <p:grpSp>
+        <p:nvGrpSpPr>
+          <p:cNvPr id="15" name="Group 14"/>
+          <p:cNvGrpSpPr/>
+          <p:nvPr/>
+        </p:nvGrpSpPr>
+        <p:grpSpPr>
+          <a:xfrm>
+            <a:off x="3482340" y="5176656"/>
+            <a:ext cx="4572000" cy="1363980"/>
+            <a:chOff x="3421380" y="5067300"/>
+            <a:chExt cx="4572000" cy="1363980"/>
+          </a:xfrm>
+        </p:grpSpPr>
+        <p:sp>
+          <p:nvSpPr>
+            <p:cNvPr id="14" name="Rectangle: Rounded Corners 13"/>
+            <p:cNvSpPr/>
+            <p:nvPr/>
+          </p:nvSpPr>
+          <p:spPr bwMode="gray">
+            <a:xfrm>
+              <a:off x="3421380" y="5067300"/>
+              <a:ext cx="4572000" cy="1363980"/>
+            </a:xfrm>
+            <a:prstGeom prst="roundRect">
+              <a:avLst/>
+            </a:prstGeom>
+            <a:ln>
+              <a:headEnd/>
+              <a:tailEnd/>
+            </a:ln>
+          </p:spPr>
+          <p:style>
+            <a:lnRef idx="2">
+              <a:schemeClr val="accent1"/>
+            </a:lnRef>
+            <a:fillRef idx="1">
+              <a:schemeClr val="lt1"/>
+            </a:fillRef>
+            <a:effectRef idx="0">
+              <a:schemeClr val="accent1"/>
+            </a:effectRef>
+            <a:fontRef idx="minor">
+              <a:schemeClr val="dk1"/>
+            </a:fontRef>
+          </p:style>
+          <p:txBody>
+            <a:bodyPr lIns="90000" tIns="72000" rIns="90000" bIns="72000" rtlCol="0" anchor="ctr"/>
+            <a:lstStyle/>
+            <a:p>
+              <a:pPr marR="0" algn="ctr" defTabSz="914400" eaLnBrk="1" fontAlgn="base" latinLnBrk="0" hangingPunct="1">
+                <a:lnSpc>
+                  <a:spcPct val="100000"/>
+                </a:lnSpc>
+                <a:spcBef>
+                  <a:spcPct val="50000"/>
+                </a:spcBef>
+                <a:spcAft>
+                  <a:spcPct val="0"/>
+                </a:spcAft>
+                <a:buClr>
+                  <a:srgbClr val="F0AB00"/>
+                </a:buClr>
+                <a:buSzPct val="80000"/>
+                <a:tabLst/>
+              </a:pPr>
+              <a:endParaRPr kumimoji="0" lang="en-US" sz="1800" b="0" i="0" u="none" strike="noStrike" kern="0" cap="none" spc="0" normalizeH="0" baseline="0" noProof="0" dirty="0" err="1">
+                <a:ln>
+                  <a:noFill/>
+                </a:ln>
+                <a:effectLst/>
+                <a:uLnTx/>
+                <a:uFillTx/>
+                <a:ea typeface="Arial Unicode MS" pitchFamily="34" charset="-128"/>
+                <a:cs typeface="Arial Unicode MS" pitchFamily="34" charset="-128"/>
+              </a:endParaRPr>
+            </a:p>
+          </p:txBody>
+        </p:sp>
+        <p:sp>
+          <p:nvSpPr>
+            <p:cNvPr id="8" name="Cylinder 7"/>
+            <p:cNvSpPr/>
+            <p:nvPr/>
+          </p:nvSpPr>
+          <p:spPr bwMode="gray">
+            <a:xfrm>
+              <a:off x="3946888" y="5248563"/>
+              <a:ext cx="998220" cy="1004248"/>
+            </a:xfrm>
+            <a:prstGeom prst="can">
+              <a:avLst/>
+            </a:prstGeom>
+            <a:ln>
+              <a:headEnd/>
+              <a:tailEnd/>
+            </a:ln>
+          </p:spPr>
+          <p:style>
+            <a:lnRef idx="2">
+              <a:schemeClr val="accent2"/>
+            </a:lnRef>
+            <a:fillRef idx="1">
+              <a:schemeClr val="lt1"/>
+            </a:fillRef>
+            <a:effectRef idx="0">
+              <a:schemeClr val="accent2"/>
+            </a:effectRef>
+            <a:fontRef idx="minor">
+              <a:schemeClr val="dk1"/>
+            </a:fontRef>
+          </p:style>
+          <p:txBody>
+            <a:bodyPr lIns="90000" tIns="72000" rIns="90000" bIns="72000" rtlCol="0" anchor="ctr"/>
+            <a:lstStyle/>
+            <a:p>
+              <a:pPr marR="0" algn="ctr" defTabSz="914400" eaLnBrk="1" fontAlgn="base" latinLnBrk="0" hangingPunct="1">
+                <a:lnSpc>
+                  <a:spcPct val="100000"/>
+                </a:lnSpc>
+                <a:spcBef>
+                  <a:spcPct val="50000"/>
+                </a:spcBef>
+                <a:spcAft>
+                  <a:spcPct val="0"/>
+                </a:spcAft>
+                <a:buClr>
+                  <a:srgbClr val="F0AB00"/>
+                </a:buClr>
+                <a:buSzPct val="80000"/>
+                <a:tabLst/>
+              </a:pPr>
+              <a:r>
+                <a:rPr kumimoji="0" lang="de-DE" sz="1800" b="0" i="0" u="none" strike="noStrike" kern="0" cap="none" spc="0" normalizeH="0" baseline="0" noProof="0" dirty="0" err="1">
+                  <a:ln>
+                    <a:noFill/>
+                  </a:ln>
+                  <a:effectLst/>
+                  <a:uLnTx/>
+                  <a:uFillTx/>
+                  <a:ea typeface="Arial Unicode MS" pitchFamily="34" charset="-128"/>
+                  <a:cs typeface="Arial Unicode MS" pitchFamily="34" charset="-128"/>
+                </a:rPr>
+                <a:t>content</a:t>
+              </a:r>
+              <a:endParaRPr kumimoji="0" lang="de-DE" sz="1800" b="0" i="0" u="none" strike="noStrike" kern="0" cap="none" spc="0" normalizeH="0" baseline="0" noProof="0" dirty="0">
+                <a:ln>
+                  <a:noFill/>
+                </a:ln>
+                <a:effectLst/>
+                <a:uLnTx/>
+                <a:uFillTx/>
+                <a:ea typeface="Arial Unicode MS" pitchFamily="34" charset="-128"/>
+                <a:cs typeface="Arial Unicode MS" pitchFamily="34" charset="-128"/>
+              </a:endParaRPr>
+            </a:p>
+          </p:txBody>
+        </p:sp>
+        <p:sp>
+          <p:nvSpPr>
+            <p:cNvPr id="9" name="Cylinder 8"/>
+            <p:cNvSpPr/>
+            <p:nvPr/>
+          </p:nvSpPr>
+          <p:spPr bwMode="gray">
+            <a:xfrm>
+              <a:off x="5214379" y="5248563"/>
+              <a:ext cx="998220" cy="1004248"/>
+            </a:xfrm>
+            <a:prstGeom prst="can">
+              <a:avLst/>
+            </a:prstGeom>
+            <a:ln>
+              <a:headEnd/>
+              <a:tailEnd/>
+            </a:ln>
+          </p:spPr>
+          <p:style>
+            <a:lnRef idx="2">
+              <a:schemeClr val="accent2"/>
+            </a:lnRef>
+            <a:fillRef idx="1">
+              <a:schemeClr val="lt1"/>
+            </a:fillRef>
+            <a:effectRef idx="0">
+              <a:schemeClr val="accent2"/>
+            </a:effectRef>
+            <a:fontRef idx="minor">
+              <a:schemeClr val="dk1"/>
+            </a:fontRef>
+          </p:style>
+          <p:txBody>
+            <a:bodyPr lIns="90000" tIns="72000" rIns="90000" bIns="72000" rtlCol="0" anchor="ctr"/>
+            <a:lstStyle/>
+            <a:p>
+              <a:pPr marR="0" algn="ctr" defTabSz="914400" eaLnBrk="1" fontAlgn="base" latinLnBrk="0" hangingPunct="1">
+                <a:lnSpc>
+                  <a:spcPct val="100000"/>
+                </a:lnSpc>
+                <a:spcBef>
+                  <a:spcPct val="50000"/>
+                </a:spcBef>
+                <a:spcAft>
+                  <a:spcPct val="0"/>
+                </a:spcAft>
+                <a:buClr>
+                  <a:srgbClr val="F0AB00"/>
+                </a:buClr>
+                <a:buSzPct val="80000"/>
+                <a:tabLst/>
+              </a:pPr>
+              <a:r>
+                <a:rPr kumimoji="0" lang="de-DE" sz="1800" b="0" i="0" u="none" strike="noStrike" kern="0" cap="none" spc="0" normalizeH="0" baseline="0" noProof="0" dirty="0" err="1">
+                  <a:ln>
+                    <a:noFill/>
+                  </a:ln>
+                  <a:effectLst/>
+                  <a:uLnTx/>
+                  <a:uFillTx/>
+                  <a:ea typeface="Arial Unicode MS" pitchFamily="34" charset="-128"/>
+                  <a:cs typeface="Arial Unicode MS" pitchFamily="34" charset="-128"/>
+                </a:rPr>
+                <a:t>config</a:t>
+              </a:r>
+              <a:endParaRPr kumimoji="0" lang="de-DE" sz="1800" b="0" i="0" u="none" strike="noStrike" kern="0" cap="none" spc="0" normalizeH="0" baseline="0" noProof="0" dirty="0">
+                <a:ln>
+                  <a:noFill/>
+                </a:ln>
+                <a:effectLst/>
+                <a:uLnTx/>
+                <a:uFillTx/>
+                <a:ea typeface="Arial Unicode MS" pitchFamily="34" charset="-128"/>
+                <a:cs typeface="Arial Unicode MS" pitchFamily="34" charset="-128"/>
+              </a:endParaRPr>
+            </a:p>
+          </p:txBody>
+        </p:sp>
+        <p:sp>
+          <p:nvSpPr>
+            <p:cNvPr id="10" name="Cylinder 9"/>
+            <p:cNvSpPr/>
+            <p:nvPr/>
+          </p:nvSpPr>
+          <p:spPr bwMode="gray">
+            <a:xfrm>
+              <a:off x="6481870" y="5248563"/>
+              <a:ext cx="998220" cy="1004248"/>
+            </a:xfrm>
+            <a:prstGeom prst="can">
+              <a:avLst/>
+            </a:prstGeom>
+            <a:ln>
+              <a:headEnd/>
+              <a:tailEnd/>
+            </a:ln>
+          </p:spPr>
+          <p:style>
+            <a:lnRef idx="2">
+              <a:schemeClr val="accent2"/>
+            </a:lnRef>
+            <a:fillRef idx="1">
+              <a:schemeClr val="lt1"/>
+            </a:fillRef>
+            <a:effectRef idx="0">
+              <a:schemeClr val="accent2"/>
+            </a:effectRef>
+            <a:fontRef idx="minor">
+              <a:schemeClr val="dk1"/>
+            </a:fontRef>
+          </p:style>
+          <p:txBody>
+            <a:bodyPr lIns="90000" tIns="72000" rIns="90000" bIns="72000" rtlCol="0" anchor="ctr"/>
+            <a:lstStyle/>
+            <a:p>
+              <a:pPr marR="0" algn="ctr" defTabSz="914400" eaLnBrk="1" fontAlgn="base" latinLnBrk="0" hangingPunct="1">
+                <a:lnSpc>
+                  <a:spcPct val="100000"/>
+                </a:lnSpc>
+                <a:spcBef>
+                  <a:spcPct val="50000"/>
+                </a:spcBef>
+                <a:spcAft>
+                  <a:spcPct val="0"/>
+                </a:spcAft>
+                <a:buClr>
+                  <a:srgbClr val="F0AB00"/>
+                </a:buClr>
+                <a:buSzPct val="80000"/>
+                <a:tabLst/>
+              </a:pPr>
+              <a:r>
+                <a:rPr lang="de-DE" sz="1800" kern="0" dirty="0" err="1">
+                  <a:ea typeface="Arial Unicode MS" pitchFamily="34" charset="-128"/>
+                  <a:cs typeface="Arial Unicode MS" pitchFamily="34" charset="-128"/>
+                </a:rPr>
+                <a:t>tls</a:t>
+              </a:r>
+              <a:r>
+                <a:rPr lang="de-DE" sz="1800" kern="0" dirty="0">
+                  <a:ea typeface="Arial Unicode MS" pitchFamily="34" charset="-128"/>
+                  <a:cs typeface="Arial Unicode MS" pitchFamily="34" charset="-128"/>
+                </a:rPr>
+                <a:t> </a:t>
+              </a:r>
+              <a:r>
+                <a:rPr lang="de-DE" sz="1800" kern="0" dirty="0" err="1">
+                  <a:ea typeface="Arial Unicode MS" pitchFamily="34" charset="-128"/>
+                  <a:cs typeface="Arial Unicode MS" pitchFamily="34" charset="-128"/>
+                </a:rPr>
+                <a:t>certs</a:t>
+              </a:r>
+              <a:endParaRPr kumimoji="0" lang="de-DE" sz="1800" b="0" i="0" u="none" strike="noStrike" kern="0" cap="none" spc="0" normalizeH="0" baseline="0" noProof="0" dirty="0">
+                <a:ln>
+                  <a:noFill/>
+                </a:ln>
+                <a:effectLst/>
+                <a:uLnTx/>
+                <a:uFillTx/>
+                <a:ea typeface="Arial Unicode MS" pitchFamily="34" charset="-128"/>
+                <a:cs typeface="Arial Unicode MS" pitchFamily="34" charset="-128"/>
+              </a:endParaRPr>
+            </a:p>
+          </p:txBody>
+        </p:sp>
+      </p:grpSp>
+      <p:sp>
+        <p:nvSpPr>
+          <p:cNvPr id="16" name="Arrow: Up-Down 15"/>
+          <p:cNvSpPr/>
+          <p:nvPr/>
+        </p:nvSpPr>
+        <p:spPr bwMode="gray">
+          <a:xfrm>
+            <a:off x="5657231" y="4400550"/>
+            <a:ext cx="222219" cy="845820"/>
+          </a:xfrm>
+          <a:prstGeom prst="upDownArrow">
+            <a:avLst/>
+          </a:prstGeom>
+          <a:solidFill>
+            <a:schemeClr val="accent1"/>
+          </a:solidFill>
+          <a:ln w="6350" algn="ctr">
+            <a:noFill/>
+            <a:miter lim="800000"/>
+            <a:headEnd/>
+            <a:tailEnd/>
+          </a:ln>
+        </p:spPr>
+        <p:txBody>
+          <a:bodyPr lIns="90000" tIns="72000" rIns="90000" bIns="72000" rtlCol="0" anchor="ctr"/>
+          <a:lstStyle/>
+          <a:p>
+            <a:pPr marR="0" algn="ctr" defTabSz="914400" eaLnBrk="1" fontAlgn="base" latinLnBrk="0" hangingPunct="1">
+              <a:lnSpc>
+                <a:spcPct val="100000"/>
+              </a:lnSpc>
+              <a:spcBef>
+                <a:spcPct val="50000"/>
+              </a:spcBef>
+              <a:spcAft>
+                <a:spcPct val="0"/>
+              </a:spcAft>
+              <a:buClr>
+                <a:srgbClr val="F0AB00"/>
+              </a:buClr>
+              <a:buSzPct val="80000"/>
+              <a:tabLst/>
+            </a:pPr>
+            <a:endParaRPr kumimoji="0" lang="en-US" sz="1800" b="0" i="0" u="none" strike="noStrike" kern="0" cap="none" spc="0" normalizeH="0" baseline="0" noProof="0" dirty="0" err="1">
+              <a:ln>
+                <a:noFill/>
+              </a:ln>
+              <a:effectLst/>
+              <a:uLnTx/>
+              <a:uFillTx/>
+              <a:ea typeface="Arial Unicode MS" pitchFamily="34" charset="-128"/>
+              <a:cs typeface="Arial Unicode MS" pitchFamily="34" charset="-128"/>
+            </a:endParaRPr>
+          </a:p>
+        </p:txBody>
+      </p:sp>
+      <p:sp>
+        <p:nvSpPr>
+          <p:cNvPr id="17" name="Cloud 16"/>
+          <p:cNvSpPr/>
+          <p:nvPr/>
+        </p:nvSpPr>
+        <p:spPr bwMode="gray">
+          <a:xfrm>
+            <a:off x="4077319" y="1126276"/>
+            <a:ext cx="3382042" cy="914400"/>
+          </a:xfrm>
+          <a:prstGeom prst="cloud">
+            <a:avLst/>
+          </a:prstGeom>
+          <a:solidFill>
+            <a:schemeClr val="accent1"/>
+          </a:solidFill>
+          <a:ln w="6350" algn="ctr">
+            <a:noFill/>
+            <a:miter lim="800000"/>
+            <a:headEnd/>
+            <a:tailEnd/>
+          </a:ln>
+        </p:spPr>
+        <p:txBody>
+          <a:bodyPr lIns="90000" tIns="72000" rIns="90000" bIns="72000" rtlCol="0" anchor="ctr"/>
+          <a:lstStyle/>
+          <a:p>
+            <a:pPr marR="0" algn="ctr" defTabSz="914400" eaLnBrk="1" fontAlgn="base" latinLnBrk="0" hangingPunct="1">
+              <a:lnSpc>
+                <a:spcPct val="100000"/>
+              </a:lnSpc>
+              <a:spcBef>
+                <a:spcPct val="50000"/>
+              </a:spcBef>
+              <a:spcAft>
+                <a:spcPct val="0"/>
+              </a:spcAft>
+              <a:buClr>
+                <a:srgbClr val="F0AB00"/>
+              </a:buClr>
+              <a:buSzPct val="80000"/>
+              <a:tabLst/>
+            </a:pPr>
+            <a:endParaRPr kumimoji="0" lang="en-US" sz="1800" b="0" i="0" u="none" strike="noStrike" kern="0" cap="none" spc="0" normalizeH="0" baseline="0" noProof="0" dirty="0" err="1">
+              <a:ln>
+                <a:noFill/>
+              </a:ln>
+              <a:effectLst/>
+              <a:uLnTx/>
+              <a:uFillTx/>
+              <a:ea typeface="Arial Unicode MS" pitchFamily="34" charset="-128"/>
+              <a:cs typeface="Arial Unicode MS" pitchFamily="34" charset="-128"/>
+            </a:endParaRPr>
+          </a:p>
+        </p:txBody>
+      </p:sp>
+      <p:sp>
+        <p:nvSpPr>
+          <p:cNvPr id="18" name="Arrow: Up-Down 17"/>
+          <p:cNvSpPr/>
+          <p:nvPr/>
+        </p:nvSpPr>
+        <p:spPr bwMode="gray">
+          <a:xfrm>
+            <a:off x="5657231" y="2071898"/>
+            <a:ext cx="222219" cy="845820"/>
+          </a:xfrm>
+          <a:prstGeom prst="upDownArrow">
+            <a:avLst/>
+          </a:prstGeom>
+          <a:solidFill>
+            <a:schemeClr val="accent1"/>
+          </a:solidFill>
+          <a:ln w="6350" algn="ctr">
+            <a:noFill/>
+            <a:miter lim="800000"/>
+            <a:headEnd/>
+            <a:tailEnd/>
+          </a:ln>
+        </p:spPr>
+        <p:txBody>
+          <a:bodyPr lIns="90000" tIns="72000" rIns="90000" bIns="72000" rtlCol="0" anchor="ctr"/>
+          <a:lstStyle/>
+          <a:p>
+            <a:pPr marR="0" algn="ctr" defTabSz="914400" eaLnBrk="1" fontAlgn="base" latinLnBrk="0" hangingPunct="1">
+              <a:lnSpc>
+                <a:spcPct val="100000"/>
+              </a:lnSpc>
+              <a:spcBef>
+                <a:spcPct val="50000"/>
+              </a:spcBef>
+              <a:spcAft>
+                <a:spcPct val="0"/>
+              </a:spcAft>
+              <a:buClr>
+                <a:srgbClr val="F0AB00"/>
+              </a:buClr>
+              <a:buSzPct val="80000"/>
+              <a:tabLst/>
+            </a:pPr>
+            <a:endParaRPr kumimoji="0" lang="en-US" sz="1800" b="0" i="0" u="none" strike="noStrike" kern="0" cap="none" spc="0" normalizeH="0" baseline="0" noProof="0" dirty="0" err="1">
+              <a:ln>
+                <a:noFill/>
+              </a:ln>
+              <a:effectLst/>
+              <a:uLnTx/>
+              <a:uFillTx/>
+              <a:ea typeface="Arial Unicode MS" pitchFamily="34" charset="-128"/>
+              <a:cs typeface="Arial Unicode MS" pitchFamily="34" charset="-128"/>
+            </a:endParaRPr>
+          </a:p>
+        </p:txBody>
+      </p:sp>
+      <p:sp>
+        <p:nvSpPr>
+          <p:cNvPr id="19" name="Flowchart: Document 18"/>
+          <p:cNvSpPr/>
+          <p:nvPr/>
+        </p:nvSpPr>
+        <p:spPr bwMode="gray">
+          <a:xfrm>
+            <a:off x="9991415" y="5391354"/>
+            <a:ext cx="1484305" cy="934584"/>
+          </a:xfrm>
+          <a:prstGeom prst="flowChartDocument">
+            <a:avLst/>
+          </a:prstGeom>
+          <a:ln>
+            <a:headEnd/>
+            <a:tailEnd/>
+          </a:ln>
+        </p:spPr>
+        <p:style>
+          <a:lnRef idx="2">
+            <a:schemeClr val="accent2"/>
+          </a:lnRef>
+          <a:fillRef idx="1">
+            <a:schemeClr val="lt1"/>
+          </a:fillRef>
+          <a:effectRef idx="0">
+            <a:schemeClr val="accent2"/>
+          </a:effectRef>
+          <a:fontRef idx="minor">
+            <a:schemeClr val="dk1"/>
+          </a:fontRef>
+        </p:style>
+        <p:txBody>
+          <a:bodyPr lIns="90000" tIns="72000" rIns="90000" bIns="72000" rtlCol="0" anchor="ctr"/>
+          <a:lstStyle/>
+          <a:p>
+            <a:pPr marR="0" algn="ctr" defTabSz="914400" eaLnBrk="1" fontAlgn="base" latinLnBrk="0" hangingPunct="1">
+              <a:lnSpc>
+                <a:spcPct val="100000"/>
+              </a:lnSpc>
+              <a:spcBef>
+                <a:spcPct val="50000"/>
+              </a:spcBef>
+              <a:spcAft>
+                <a:spcPct val="0"/>
+              </a:spcAft>
+              <a:buClr>
+                <a:srgbClr val="F0AB00"/>
+              </a:buClr>
+              <a:buSzPct val="80000"/>
+              <a:tabLst/>
+            </a:pPr>
+            <a:r>
+              <a:rPr kumimoji="0" lang="en-US" sz="1800" b="0" i="0" u="none" strike="noStrike" kern="0" cap="none" spc="0" normalizeH="0" baseline="0" noProof="0" dirty="0">
+                <a:ln>
+                  <a:noFill/>
+                </a:ln>
+                <a:effectLst/>
+                <a:uLnTx/>
+                <a:uFillTx/>
+                <a:ea typeface="Arial Unicode MS" pitchFamily="34" charset="-128"/>
+                <a:cs typeface="Arial Unicode MS" pitchFamily="34" charset="-128"/>
+              </a:rPr>
+              <a:t>Persistence</a:t>
+            </a:r>
+            <a:r>
+              <a:rPr kumimoji="0" lang="en-US" sz="1800" b="0" i="0" u="none" strike="noStrike" kern="0" cap="none" spc="0" normalizeH="0" noProof="0" dirty="0">
+                <a:ln>
+                  <a:noFill/>
+                </a:ln>
+                <a:effectLst/>
+                <a:uLnTx/>
+                <a:uFillTx/>
+                <a:ea typeface="Arial Unicode MS" pitchFamily="34" charset="-128"/>
+                <a:cs typeface="Arial Unicode MS" pitchFamily="34" charset="-128"/>
+              </a:rPr>
+              <a:t> layer</a:t>
+            </a:r>
+            <a:endParaRPr kumimoji="0" lang="en-US" sz="1800" b="0" i="0" u="none" strike="noStrike" kern="0" cap="none" spc="0" normalizeH="0" baseline="0" noProof="0" dirty="0">
+              <a:ln>
+                <a:noFill/>
+              </a:ln>
+              <a:effectLst/>
+              <a:uLnTx/>
+              <a:uFillTx/>
+              <a:ea typeface="Arial Unicode MS" pitchFamily="34" charset="-128"/>
+              <a:cs typeface="Arial Unicode MS" pitchFamily="34" charset="-128"/>
+            </a:endParaRPr>
+          </a:p>
+        </p:txBody>
+      </p:sp>
+      <p:sp>
+        <p:nvSpPr>
+          <p:cNvPr id="20" name="Flowchart: Document 19"/>
+          <p:cNvSpPr/>
+          <p:nvPr/>
+        </p:nvSpPr>
+        <p:spPr bwMode="gray">
+          <a:xfrm>
+            <a:off x="9991415" y="3465966"/>
+            <a:ext cx="1484305" cy="934584"/>
+          </a:xfrm>
+          <a:prstGeom prst="flowChartDocument">
+            <a:avLst/>
+          </a:prstGeom>
+          <a:ln>
+            <a:headEnd/>
+            <a:tailEnd/>
+          </a:ln>
+        </p:spPr>
+        <p:style>
+          <a:lnRef idx="2">
+            <a:schemeClr val="accent2"/>
+          </a:lnRef>
+          <a:fillRef idx="1">
+            <a:schemeClr val="lt1"/>
+          </a:fillRef>
+          <a:effectRef idx="0">
+            <a:schemeClr val="accent2"/>
+          </a:effectRef>
+          <a:fontRef idx="minor">
+            <a:schemeClr val="dk1"/>
+          </a:fontRef>
+        </p:style>
+        <p:txBody>
+          <a:bodyPr lIns="90000" tIns="72000" rIns="90000" bIns="72000" rtlCol="0" anchor="ctr"/>
+          <a:lstStyle/>
+          <a:p>
+            <a:pPr marR="0" algn="ctr" defTabSz="914400" eaLnBrk="1" fontAlgn="base" latinLnBrk="0" hangingPunct="1">
+              <a:lnSpc>
+                <a:spcPct val="100000"/>
+              </a:lnSpc>
+              <a:spcBef>
+                <a:spcPct val="50000"/>
+              </a:spcBef>
+              <a:spcAft>
+                <a:spcPct val="0"/>
+              </a:spcAft>
+              <a:buClr>
+                <a:srgbClr val="F0AB00"/>
+              </a:buClr>
+              <a:buSzPct val="80000"/>
+              <a:tabLst/>
+            </a:pPr>
+            <a:r>
+              <a:rPr kumimoji="0" lang="en-US" sz="1800" b="0" i="0" u="none" strike="noStrike" kern="0" cap="none" spc="0" normalizeH="0" baseline="0" noProof="0" dirty="0">
+                <a:ln>
+                  <a:noFill/>
+                </a:ln>
+                <a:effectLst/>
+                <a:uLnTx/>
+                <a:uFillTx/>
+                <a:ea typeface="Arial Unicode MS" pitchFamily="34" charset="-128"/>
+                <a:cs typeface="Arial Unicode MS" pitchFamily="34" charset="-128"/>
+              </a:rPr>
+              <a:t>Container</a:t>
+            </a:r>
+            <a:r>
+              <a:rPr kumimoji="0" lang="en-US" sz="1800" b="0" i="0" u="none" strike="noStrike" kern="0" cap="none" spc="0" normalizeH="0" noProof="0" dirty="0">
+                <a:ln>
+                  <a:noFill/>
+                </a:ln>
+                <a:effectLst/>
+                <a:uLnTx/>
+                <a:uFillTx/>
+                <a:ea typeface="Arial Unicode MS" pitchFamily="34" charset="-128"/>
+                <a:cs typeface="Arial Unicode MS" pitchFamily="34" charset="-128"/>
+              </a:rPr>
+              <a:t> layer</a:t>
+            </a:r>
+            <a:endParaRPr kumimoji="0" lang="en-US" sz="1800" b="0" i="0" u="none" strike="noStrike" kern="0" cap="none" spc="0" normalizeH="0" baseline="0" noProof="0" dirty="0">
+              <a:ln>
+                <a:noFill/>
+              </a:ln>
+              <a:effectLst/>
+              <a:uLnTx/>
+              <a:uFillTx/>
+              <a:ea typeface="Arial Unicode MS" pitchFamily="34" charset="-128"/>
+              <a:cs typeface="Arial Unicode MS" pitchFamily="34" charset="-128"/>
+            </a:endParaRPr>
+          </a:p>
+        </p:txBody>
+      </p:sp>
+      <p:sp>
+        <p:nvSpPr>
+          <p:cNvPr id="22" name="Flowchart: Document 21"/>
+          <p:cNvSpPr/>
+          <p:nvPr/>
+        </p:nvSpPr>
+        <p:spPr bwMode="gray">
+          <a:xfrm>
+            <a:off x="9991415" y="1396844"/>
+            <a:ext cx="1484305" cy="934584"/>
+          </a:xfrm>
+          <a:prstGeom prst="flowChartDocument">
+            <a:avLst/>
+          </a:prstGeom>
+          <a:ln>
+            <a:headEnd/>
+            <a:tailEnd/>
+          </a:ln>
+        </p:spPr>
+        <p:style>
+          <a:lnRef idx="2">
+            <a:schemeClr val="accent2"/>
+          </a:lnRef>
+          <a:fillRef idx="1">
+            <a:schemeClr val="lt1"/>
+          </a:fillRef>
+          <a:effectRef idx="0">
+            <a:schemeClr val="accent2"/>
+          </a:effectRef>
+          <a:fontRef idx="minor">
+            <a:schemeClr val="dk1"/>
+          </a:fontRef>
+        </p:style>
+        <p:txBody>
+          <a:bodyPr lIns="90000" tIns="72000" rIns="90000" bIns="72000" rtlCol="0" anchor="ctr"/>
+          <a:lstStyle/>
+          <a:p>
+            <a:pPr marR="0" algn="ctr" defTabSz="914400" eaLnBrk="1" fontAlgn="base" latinLnBrk="0" hangingPunct="1">
+              <a:lnSpc>
+                <a:spcPct val="100000"/>
+              </a:lnSpc>
+              <a:spcBef>
+                <a:spcPct val="50000"/>
+              </a:spcBef>
+              <a:spcAft>
+                <a:spcPct val="0"/>
+              </a:spcAft>
+              <a:buClr>
+                <a:srgbClr val="F0AB00"/>
+              </a:buClr>
+              <a:buSzPct val="80000"/>
+              <a:tabLst/>
+            </a:pPr>
+            <a:r>
+              <a:rPr kumimoji="0" lang="en-US" sz="1800" b="0" i="0" u="none" strike="noStrike" kern="0" cap="none" spc="0" normalizeH="0" baseline="0" noProof="0" dirty="0">
+                <a:ln>
+                  <a:noFill/>
+                </a:ln>
+                <a:effectLst/>
+                <a:uLnTx/>
+                <a:uFillTx/>
+                <a:ea typeface="Arial Unicode MS" pitchFamily="34" charset="-128"/>
+                <a:cs typeface="Arial Unicode MS" pitchFamily="34" charset="-128"/>
+              </a:rPr>
+              <a:t>Networking</a:t>
+            </a:r>
+            <a:r>
+              <a:rPr kumimoji="0" lang="en-US" sz="1800" b="0" i="0" u="none" strike="noStrike" kern="0" cap="none" spc="0" normalizeH="0" noProof="0" dirty="0">
+                <a:ln>
+                  <a:noFill/>
+                </a:ln>
+                <a:effectLst/>
+                <a:uLnTx/>
+                <a:uFillTx/>
+                <a:ea typeface="Arial Unicode MS" pitchFamily="34" charset="-128"/>
+                <a:cs typeface="Arial Unicode MS" pitchFamily="34" charset="-128"/>
+              </a:rPr>
+              <a:t> layer</a:t>
+            </a:r>
+            <a:endParaRPr kumimoji="0" lang="en-US" sz="1800" b="0" i="0" u="none" strike="noStrike" kern="0" cap="none" spc="0" normalizeH="0" baseline="0" noProof="0" dirty="0">
+              <a:ln>
+                <a:noFill/>
+              </a:ln>
+              <a:effectLst/>
+              <a:uLnTx/>
+              <a:uFillTx/>
+              <a:ea typeface="Arial Unicode MS" pitchFamily="34" charset="-128"/>
+              <a:cs typeface="Arial Unicode MS" pitchFamily="34" charset="-128"/>
+            </a:endParaRPr>
+          </a:p>
+        </p:txBody>
+      </p:sp>
+    </p:spTree>
+    <p:extLst>
+      <p:ext uri="{BB962C8B-B14F-4D97-AF65-F5344CB8AC3E}">
+        <p14:creationId xmlns:p14="http://schemas.microsoft.com/office/powerpoint/2010/main" val="4085581448"/>
+      </p:ext>
+    </p:extLst>
+  </p:cSld>
+  <p:clrMapOvr>
+    <a:masterClrMapping/>
+  </p:clrMapOvr>
+</p:sld>
+</file>
+
+<file path=ppt/slides/slide9.xml><?xml version="1.0" encoding="utf-8"?>
 <p:sld xmlns:a="http://schemas.openxmlformats.org/drawingml/2006/main" xmlns:r="http://schemas.openxmlformats.org/officeDocument/2006/relationships" xmlns:p="http://schemas.openxmlformats.org/presentationml/2006/main" show="0">
   <p:cSld>
     <p:spTree>
@@ -11028,32 +13787,6 @@
   <p:clrMapOvr>
     <a:masterClrMapping/>
   </p:clrMapOvr>
-</p:sld>
-</file>
-
-<file path=ppt/slides/slide8.xml><?xml version="1.0" encoding="utf-8"?>
-<p:sld xmlns:a="http://schemas.openxmlformats.org/drawingml/2006/main" xmlns:r="http://schemas.openxmlformats.org/officeDocument/2006/relationships" xmlns:p="http://schemas.openxmlformats.org/presentationml/2006/main" show="0">
-  <p:cSld>
-    <p:spTree>
-      <p:nvGrpSpPr>
-        <p:cNvPr id="1" name=""/>
-        <p:cNvGrpSpPr/>
-        <p:nvPr/>
-      </p:nvGrpSpPr>
-      <p:grpSpPr>
-        <a:xfrm>
-          <a:off x="0" y="0"/>
-          <a:ext cx="0" cy="0"/>
-          <a:chOff x="0" y="0"/>
-          <a:chExt cx="0" cy="0"/>
-        </a:xfrm>
-      </p:grpSpPr>
-    </p:spTree>
-  </p:cSld>
-  <p:clrMapOvr>
-    <a:masterClrMapping/>
-  </p:clrMapOvr>
-  <p:transition spd="med"/>
 </p:sld>
 </file>
 

--- a/kubernetes/01_k8s_core_components.pptx
+++ b/kubernetes/01_k8s_core_components.pptx
@@ -10427,7 +10427,7 @@
         </p:nvSpPr>
         <p:spPr>
           <a:xfrm>
-            <a:off x="504000" y="1124700"/>
+            <a:off x="504000" y="987540"/>
             <a:ext cx="8159939" cy="4727460"/>
           </a:xfrm>
         </p:spPr>
@@ -10478,6 +10478,13 @@
             </a:r>
           </a:p>
           <a:p>
+            <a:pPr lvl="1"/>
+            <a:r>
+              <a:rPr lang="en-US" dirty="0"/>
+              <a:t>Actually starts containers</a:t>
+            </a:r>
+          </a:p>
+          <a:p>
             <a:r>
               <a:rPr lang="en-US" dirty="0" err="1"/>
               <a:t>kube</a:t>
@@ -10530,7 +10537,7 @@
             <a:pPr lvl="1"/>
             <a:r>
               <a:rPr lang="en-US" dirty="0"/>
-              <a:t>A schedulable resource that is managed by </a:t>
+              <a:t>A the smallest, schedulable resource that is managed by </a:t>
             </a:r>
             <a:r>
               <a:rPr lang="en-US" dirty="0" err="1"/>
@@ -10539,6 +10546,21 @@
             <a:r>
               <a:rPr lang="en-US" dirty="0"/>
               <a:t> on the node</a:t>
+            </a:r>
+          </a:p>
+          <a:p>
+            <a:pPr lvl="1"/>
+            <a:r>
+              <a:rPr lang="en-US" dirty="0"/>
+              <a:t>Pods wrap around one or more (</a:t>
+            </a:r>
+            <a:r>
+              <a:rPr lang="en-US" dirty="0" err="1"/>
+              <a:t>docker</a:t>
+            </a:r>
+            <a:r>
+              <a:rPr lang="en-US" dirty="0"/>
+              <a:t>) containers</a:t>
             </a:r>
           </a:p>
         </p:txBody>

--- a/kubernetes/01_k8s_core_components.pptx
+++ b/kubernetes/01_k8s_core_components.pptx
@@ -5,22 +5,23 @@
     <p:sldMasterId id="2147483733" r:id="rId1"/>
   </p:sldMasterIdLst>
   <p:notesMasterIdLst>
-    <p:notesMasterId r:id="rId12"/>
+    <p:notesMasterId r:id="rId13"/>
   </p:notesMasterIdLst>
   <p:handoutMasterIdLst>
-    <p:handoutMasterId r:id="rId13"/>
+    <p:handoutMasterId r:id="rId14"/>
   </p:handoutMasterIdLst>
   <p:sldIdLst>
     <p:sldId id="433" r:id="rId2"/>
-    <p:sldId id="364" r:id="rId3"/>
-    <p:sldId id="436" r:id="rId4"/>
-    <p:sldId id="437" r:id="rId5"/>
-    <p:sldId id="438" r:id="rId6"/>
-    <p:sldId id="439" r:id="rId7"/>
-    <p:sldId id="441" r:id="rId8"/>
-    <p:sldId id="442" r:id="rId9"/>
-    <p:sldId id="440" r:id="rId10"/>
-    <p:sldId id="265" r:id="rId11"/>
+    <p:sldId id="443" r:id="rId3"/>
+    <p:sldId id="364" r:id="rId4"/>
+    <p:sldId id="436" r:id="rId5"/>
+    <p:sldId id="437" r:id="rId6"/>
+    <p:sldId id="438" r:id="rId7"/>
+    <p:sldId id="439" r:id="rId8"/>
+    <p:sldId id="441" r:id="rId9"/>
+    <p:sldId id="442" r:id="rId10"/>
+    <p:sldId id="440" r:id="rId11"/>
+    <p:sldId id="265" r:id="rId12"/>
   </p:sldIdLst>
   <p:sldSz cx="12195175" cy="6858000"/>
   <p:notesSz cx="6858000" cy="9144000"/>
@@ -559,7 +560,7 @@
             <a:fld id="{7D8C2C35-2B8A-446E-BEC0-FD36716C29AC}" type="slidenum">
               <a:rPr lang="de-DE" smtClean="0"/>
               <a:pPr/>
-              <a:t>3</a:t>
+              <a:t>4</a:t>
             </a:fld>
             <a:endParaRPr lang="de-DE" dirty="0"/>
           </a:p>
@@ -651,7 +652,7 @@
             <a:fld id="{7D8C2C35-2B8A-446E-BEC0-FD36716C29AC}" type="slidenum">
               <a:rPr lang="de-DE" smtClean="0"/>
               <a:pPr/>
-              <a:t>4</a:t>
+              <a:t>5</a:t>
             </a:fld>
             <a:endParaRPr lang="de-DE" dirty="0"/>
           </a:p>
@@ -743,7 +744,7 @@
             <a:fld id="{7D8C2C35-2B8A-446E-BEC0-FD36716C29AC}" type="slidenum">
               <a:rPr lang="de-DE" smtClean="0"/>
               <a:pPr/>
-              <a:t>5</a:t>
+              <a:t>6</a:t>
             </a:fld>
             <a:endParaRPr lang="de-DE" dirty="0"/>
           </a:p>
@@ -835,7 +836,7 @@
             <a:fld id="{7D8C2C35-2B8A-446E-BEC0-FD36716C29AC}" type="slidenum">
               <a:rPr lang="de-DE" smtClean="0"/>
               <a:pPr/>
-              <a:t>10</a:t>
+              <a:t>11</a:t>
             </a:fld>
             <a:endParaRPr lang="de-DE" dirty="0"/>
           </a:p>
@@ -8483,6 +8484,165 @@
           <a:chExt cx="0" cy="0"/>
         </a:xfrm>
       </p:grpSpPr>
+      <p:sp>
+        <p:nvSpPr>
+          <p:cNvPr id="2" name="Text Placeholder 1"/>
+          <p:cNvSpPr>
+            <a:spLocks noGrp="1"/>
+          </p:cNvSpPr>
+          <p:nvPr>
+            <p:ph type="body" sz="quarter" idx="10"/>
+          </p:nvPr>
+        </p:nvSpPr>
+        <p:spPr/>
+        <p:txBody>
+          <a:bodyPr/>
+          <a:lstStyle/>
+          <a:p>
+            <a:pPr marL="342900" indent="-342900">
+              <a:buFontTx/>
+              <a:buChar char="-"/>
+            </a:pPr>
+            <a:r>
+              <a:rPr lang="en-US" dirty="0"/>
+              <a:t>Show access to cluster with </a:t>
+            </a:r>
+            <a:r>
+              <a:rPr lang="en-US" dirty="0" err="1"/>
+              <a:t>kubectl</a:t>
+            </a:r>
+            <a:endParaRPr lang="en-US" dirty="0"/>
+          </a:p>
+          <a:p>
+            <a:pPr marL="342900" indent="-342900">
+              <a:buFontTx/>
+              <a:buChar char="-"/>
+            </a:pPr>
+            <a:r>
+              <a:rPr lang="en-US" dirty="0"/>
+              <a:t>Show and explain </a:t>
+            </a:r>
+            <a:r>
+              <a:rPr lang="en-US" dirty="0" err="1"/>
+              <a:t>kubeconfig</a:t>
+            </a:r>
+            <a:r>
+              <a:rPr lang="en-US" dirty="0"/>
+              <a:t> with namespace etc.</a:t>
+            </a:r>
+          </a:p>
+          <a:p>
+            <a:pPr marL="342900" indent="-342900">
+              <a:buFontTx/>
+              <a:buChar char="-"/>
+            </a:pPr>
+            <a:r>
+              <a:rPr lang="en-US" dirty="0"/>
+              <a:t>Query API server with curl and get back the API’s</a:t>
+            </a:r>
+          </a:p>
+          <a:p>
+            <a:pPr marL="342900" indent="-342900">
+              <a:buFontTx/>
+              <a:buChar char="-"/>
+            </a:pPr>
+            <a:r>
+              <a:rPr lang="en-US" dirty="0" err="1"/>
+              <a:t>Kubectl</a:t>
+            </a:r>
+            <a:r>
+              <a:rPr lang="en-US" dirty="0"/>
+              <a:t> get &amp; describe nodes</a:t>
+            </a:r>
+          </a:p>
+          <a:p>
+            <a:pPr marL="342900" indent="-342900">
+              <a:buFontTx/>
+              <a:buChar char="-"/>
+            </a:pPr>
+            <a:r>
+              <a:rPr lang="en-US" dirty="0"/>
+              <a:t>SSH into one of the nodes and show </a:t>
+            </a:r>
+            <a:r>
+              <a:rPr lang="en-US" dirty="0" err="1"/>
+              <a:t>kublet</a:t>
+            </a:r>
+            <a:r>
+              <a:rPr lang="en-US" dirty="0"/>
+              <a:t> (</a:t>
+            </a:r>
+            <a:r>
+              <a:rPr lang="en-US" dirty="0" err="1"/>
+              <a:t>ps</a:t>
+            </a:r>
+            <a:r>
+              <a:rPr lang="en-US" dirty="0"/>
+              <a:t> </a:t>
+            </a:r>
+            <a:r>
+              <a:rPr lang="en-US" dirty="0" err="1"/>
+              <a:t>aufx</a:t>
+            </a:r>
+            <a:r>
+              <a:rPr lang="en-US" dirty="0"/>
+              <a:t>)</a:t>
+            </a:r>
+          </a:p>
+        </p:txBody>
+      </p:sp>
+      <p:sp>
+        <p:nvSpPr>
+          <p:cNvPr id="3" name="Title 2"/>
+          <p:cNvSpPr>
+            <a:spLocks noGrp="1"/>
+          </p:cNvSpPr>
+          <p:nvPr>
+            <p:ph type="title"/>
+          </p:nvPr>
+        </p:nvSpPr>
+        <p:spPr/>
+        <p:txBody>
+          <a:bodyPr/>
+          <a:lstStyle/>
+          <a:p>
+            <a:r>
+              <a:rPr lang="en-US" dirty="0"/>
+              <a:t>Demo Info</a:t>
+            </a:r>
+          </a:p>
+        </p:txBody>
+      </p:sp>
+    </p:spTree>
+    <p:extLst>
+      <p:ext uri="{BB962C8B-B14F-4D97-AF65-F5344CB8AC3E}">
+        <p14:creationId xmlns:p14="http://schemas.microsoft.com/office/powerpoint/2010/main" val="2819952857"/>
+      </p:ext>
+    </p:extLst>
+  </p:cSld>
+  <p:clrMapOvr>
+    <a:masterClrMapping/>
+  </p:clrMapOvr>
+</p:sld>
+</file>
+
+<file path=ppt/slides/slide11.xml><?xml version="1.0" encoding="utf-8"?>
+<p:sld xmlns:a="http://schemas.openxmlformats.org/drawingml/2006/main" xmlns:r="http://schemas.openxmlformats.org/officeDocument/2006/relationships" xmlns:p="http://schemas.openxmlformats.org/presentationml/2006/main" show="0">
+  <p:cSld>
+    <p:spTree>
+      <p:nvGrpSpPr>
+        <p:cNvPr id="1" name=""/>
+        <p:cNvGrpSpPr/>
+        <p:nvPr/>
+      </p:nvGrpSpPr>
+      <p:grpSpPr>
+        <a:xfrm>
+          <a:off x="0" y="0"/>
+          <a:ext cx="0" cy="0"/>
+          <a:chOff x="0" y="0"/>
+          <a:chExt cx="0" cy="0"/>
+        </a:xfrm>
+      </p:grpSpPr>
     </p:spTree>
   </p:cSld>
   <p:clrMapOvr>
@@ -8493,6 +8653,436 @@
 </file>
 
 <file path=ppt/slides/slide2.xml><?xml version="1.0" encoding="utf-8"?>
+<p:sld xmlns:a="http://schemas.openxmlformats.org/drawingml/2006/main" xmlns:r="http://schemas.openxmlformats.org/officeDocument/2006/relationships" xmlns:p="http://schemas.openxmlformats.org/presentationml/2006/main">
+  <p:cSld>
+    <p:spTree>
+      <p:nvGrpSpPr>
+        <p:cNvPr id="1" name=""/>
+        <p:cNvGrpSpPr/>
+        <p:nvPr/>
+      </p:nvGrpSpPr>
+      <p:grpSpPr>
+        <a:xfrm>
+          <a:off x="0" y="0"/>
+          <a:ext cx="0" cy="0"/>
+          <a:chOff x="0" y="0"/>
+          <a:chExt cx="0" cy="0"/>
+        </a:xfrm>
+      </p:grpSpPr>
+      <p:sp>
+        <p:nvSpPr>
+          <p:cNvPr id="8" name="Title 7"/>
+          <p:cNvSpPr>
+            <a:spLocks noGrp="1"/>
+          </p:cNvSpPr>
+          <p:nvPr>
+            <p:ph type="title"/>
+          </p:nvPr>
+        </p:nvSpPr>
+        <p:spPr/>
+        <p:txBody>
+          <a:bodyPr/>
+          <a:lstStyle/>
+          <a:p>
+            <a:r>
+              <a:rPr lang="en-US" dirty="0"/>
+              <a:t>What are these pods, everyone keeps talking about?</a:t>
+            </a:r>
+          </a:p>
+        </p:txBody>
+      </p:sp>
+      <p:pic>
+        <p:nvPicPr>
+          <p:cNvPr id="1030" name="Picture 6" descr="Related image"/>
+          <p:cNvPicPr>
+            <a:picLocks noChangeAspect="1" noChangeArrowheads="1"/>
+          </p:cNvPicPr>
+          <p:nvPr/>
+        </p:nvPicPr>
+        <p:blipFill>
+          <a:blip r:embed="rId2">
+            <a:extLst>
+              <a:ext uri="{28A0092B-C50C-407E-A947-70E740481C1C}">
+                <a14:useLocalDpi xmlns:a14="http://schemas.microsoft.com/office/drawing/2010/main" val="0"/>
+              </a:ext>
+            </a:extLst>
+          </a:blip>
+          <a:srcRect/>
+          <a:stretch>
+            <a:fillRect/>
+          </a:stretch>
+        </p:blipFill>
+        <p:spPr bwMode="auto">
+          <a:xfrm>
+            <a:off x="564294" y="1832526"/>
+            <a:ext cx="5532945" cy="3521477"/>
+          </a:xfrm>
+          <a:prstGeom prst="rect">
+            <a:avLst/>
+          </a:prstGeom>
+          <a:noFill/>
+          <a:extLst>
+            <a:ext uri="{909E8E84-426E-40DD-AFC4-6F175D3DCCD1}">
+              <a14:hiddenFill xmlns:a14="http://schemas.microsoft.com/office/drawing/2010/main">
+                <a:solidFill>
+                  <a:srgbClr val="FFFFFF"/>
+                </a:solidFill>
+              </a14:hiddenFill>
+            </a:ext>
+          </a:extLst>
+        </p:spPr>
+      </p:pic>
+      <p:sp>
+        <p:nvSpPr>
+          <p:cNvPr id="12" name="Text Placeholder 2"/>
+          <p:cNvSpPr txBox="1">
+            <a:spLocks/>
+          </p:cNvSpPr>
+          <p:nvPr/>
+        </p:nvSpPr>
+        <p:spPr>
+          <a:xfrm>
+            <a:off x="6630639" y="1832526"/>
+            <a:ext cx="4875561" cy="4313123"/>
+          </a:xfrm>
+          <a:prstGeom prst="rect">
+            <a:avLst/>
+          </a:prstGeom>
+        </p:spPr>
+        <p:txBody>
+          <a:bodyPr/>
+          <a:lstStyle>
+            <a:lvl1pPr marL="0" indent="0" algn="l" defTabSz="1088558" rtl="0" eaLnBrk="1" latinLnBrk="0" hangingPunct="1">
+              <a:spcBef>
+                <a:spcPts val="1800"/>
+              </a:spcBef>
+              <a:buClr>
+                <a:schemeClr val="accent1"/>
+              </a:buClr>
+              <a:buSzPct val="80000"/>
+              <a:buFontTx/>
+              <a:buNone/>
+              <a:defRPr sz="2000" b="0" kern="1200">
+                <a:solidFill>
+                  <a:schemeClr val="tx1"/>
+                </a:solidFill>
+                <a:latin typeface="+mn-lt"/>
+                <a:ea typeface="+mn-ea"/>
+                <a:cs typeface="+mn-cs"/>
+              </a:defRPr>
+            </a:lvl1pPr>
+            <a:lvl2pPr marL="179964" indent="-179964" algn="l" defTabSz="1088558" rtl="0" eaLnBrk="1" latinLnBrk="0" hangingPunct="1">
+              <a:spcBef>
+                <a:spcPts val="600"/>
+              </a:spcBef>
+              <a:buClr>
+                <a:schemeClr val="accent1"/>
+              </a:buClr>
+              <a:buSzPct val="100000"/>
+              <a:buFont typeface="Wingdings" pitchFamily="2" charset="2"/>
+              <a:buChar char="§"/>
+              <a:defRPr sz="1800" kern="1200">
+                <a:solidFill>
+                  <a:schemeClr val="tx1"/>
+                </a:solidFill>
+                <a:latin typeface="+mn-lt"/>
+                <a:ea typeface="+mn-ea"/>
+                <a:cs typeface="+mn-cs"/>
+              </a:defRPr>
+            </a:lvl2pPr>
+            <a:lvl3pPr marL="358775" indent="-179388" algn="l" defTabSz="1088558" rtl="0" eaLnBrk="1" latinLnBrk="0" hangingPunct="1">
+              <a:spcBef>
+                <a:spcPts val="300"/>
+              </a:spcBef>
+              <a:buClr>
+                <a:schemeClr val="tx1"/>
+              </a:buClr>
+              <a:buSzPct val="100000"/>
+              <a:buFont typeface="Arial" panose="020B0604020202020204" pitchFamily="34" charset="0"/>
+              <a:buChar char="–"/>
+              <a:defRPr lang="en-US" sz="1800" kern="1200" noProof="0" dirty="0" smtClean="0">
+                <a:solidFill>
+                  <a:schemeClr val="tx1"/>
+                </a:solidFill>
+                <a:latin typeface="+mn-lt"/>
+                <a:ea typeface="+mn-ea"/>
+                <a:cs typeface="+mn-cs"/>
+              </a:defRPr>
+            </a:lvl3pPr>
+            <a:lvl4pPr marL="539892" indent="-179964" algn="l" defTabSz="1088558" rtl="0" eaLnBrk="1" latinLnBrk="0" hangingPunct="1">
+              <a:spcBef>
+                <a:spcPts val="300"/>
+              </a:spcBef>
+              <a:buClr>
+                <a:schemeClr val="tx1"/>
+              </a:buClr>
+              <a:buSzPct val="120000"/>
+              <a:buFont typeface="Arial" pitchFamily="34" charset="0"/>
+              <a:buChar char="▫"/>
+              <a:defRPr sz="1600" kern="1200">
+                <a:solidFill>
+                  <a:schemeClr val="tx1"/>
+                </a:solidFill>
+                <a:latin typeface="+mn-lt"/>
+                <a:ea typeface="+mn-ea"/>
+                <a:cs typeface="+mn-cs"/>
+              </a:defRPr>
+            </a:lvl4pPr>
+            <a:lvl5pPr marL="719856" indent="-179964" algn="l" defTabSz="1088558" rtl="0" eaLnBrk="1" latinLnBrk="0" hangingPunct="1">
+              <a:spcBef>
+                <a:spcPts val="100"/>
+              </a:spcBef>
+              <a:buClr>
+                <a:schemeClr val="tx1"/>
+              </a:buClr>
+              <a:buSzPct val="100000"/>
+              <a:buFont typeface="Symbol" panose="05050102010706020507" pitchFamily="18" charset="2"/>
+              <a:buChar char="-"/>
+              <a:defRPr sz="1400" kern="1200" baseline="0">
+                <a:solidFill>
+                  <a:schemeClr val="tx1"/>
+                </a:solidFill>
+                <a:latin typeface="+mn-lt"/>
+                <a:ea typeface="+mn-ea"/>
+                <a:cs typeface="+mn-cs"/>
+              </a:defRPr>
+            </a:lvl5pPr>
+            <a:lvl6pPr marL="2993535" indent="-272140" algn="l" defTabSz="1088558" rtl="0" eaLnBrk="1" latinLnBrk="0" hangingPunct="1">
+              <a:spcBef>
+                <a:spcPct val="20000"/>
+              </a:spcBef>
+              <a:buFont typeface="Arial" pitchFamily="34" charset="0"/>
+              <a:buChar char="•"/>
+              <a:defRPr sz="2400" kern="1200">
+                <a:solidFill>
+                  <a:schemeClr val="tx1"/>
+                </a:solidFill>
+                <a:latin typeface="+mn-lt"/>
+                <a:ea typeface="+mn-ea"/>
+                <a:cs typeface="+mn-cs"/>
+              </a:defRPr>
+            </a:lvl6pPr>
+            <a:lvl7pPr marL="3537814" indent="-272140" algn="l" defTabSz="1088558" rtl="0" eaLnBrk="1" latinLnBrk="0" hangingPunct="1">
+              <a:spcBef>
+                <a:spcPct val="20000"/>
+              </a:spcBef>
+              <a:buFont typeface="Arial" pitchFamily="34" charset="0"/>
+              <a:buChar char="•"/>
+              <a:defRPr sz="2400" kern="1200">
+                <a:solidFill>
+                  <a:schemeClr val="tx1"/>
+                </a:solidFill>
+                <a:latin typeface="+mn-lt"/>
+                <a:ea typeface="+mn-ea"/>
+                <a:cs typeface="+mn-cs"/>
+              </a:defRPr>
+            </a:lvl7pPr>
+            <a:lvl8pPr marL="4082093" indent="-272140" algn="l" defTabSz="1088558" rtl="0" eaLnBrk="1" latinLnBrk="0" hangingPunct="1">
+              <a:spcBef>
+                <a:spcPct val="20000"/>
+              </a:spcBef>
+              <a:buFont typeface="Arial" pitchFamily="34" charset="0"/>
+              <a:buChar char="•"/>
+              <a:defRPr sz="2400" kern="1200">
+                <a:solidFill>
+                  <a:schemeClr val="tx1"/>
+                </a:solidFill>
+                <a:latin typeface="+mn-lt"/>
+                <a:ea typeface="+mn-ea"/>
+                <a:cs typeface="+mn-cs"/>
+              </a:defRPr>
+            </a:lvl8pPr>
+            <a:lvl9pPr marL="4626373" indent="-272140" algn="l" defTabSz="1088558" rtl="0" eaLnBrk="1" latinLnBrk="0" hangingPunct="1">
+              <a:spcBef>
+                <a:spcPct val="20000"/>
+              </a:spcBef>
+              <a:buFont typeface="Arial" pitchFamily="34" charset="0"/>
+              <a:buChar char="•"/>
+              <a:defRPr sz="2400" kern="1200">
+                <a:solidFill>
+                  <a:schemeClr val="tx1"/>
+                </a:solidFill>
+                <a:latin typeface="+mn-lt"/>
+                <a:ea typeface="+mn-ea"/>
+                <a:cs typeface="+mn-cs"/>
+              </a:defRPr>
+            </a:lvl9pPr>
+          </a:lstStyle>
+          <a:p>
+            <a:pPr lvl="1"/>
+            <a:r>
+              <a:rPr lang="en-US" dirty="0"/>
+              <a:t>A pod is a group of one or more (</a:t>
+            </a:r>
+            <a:r>
+              <a:rPr lang="en-US" dirty="0" err="1"/>
+              <a:t>docker</a:t>
+            </a:r>
+            <a:r>
+              <a:rPr lang="en-US" dirty="0"/>
+              <a:t>) containers</a:t>
+            </a:r>
+          </a:p>
+          <a:p>
+            <a:pPr lvl="1"/>
+            <a:r>
+              <a:rPr lang="en-US" dirty="0"/>
+              <a:t>All containers in a pod share network &amp; storage</a:t>
+            </a:r>
+          </a:p>
+          <a:p>
+            <a:pPr lvl="1"/>
+            <a:r>
+              <a:rPr lang="en-US" dirty="0"/>
+              <a:t>A pod can be considered as a portable, logical host</a:t>
+            </a:r>
+          </a:p>
+          <a:p>
+            <a:pPr lvl="1"/>
+            <a:r>
+              <a:rPr lang="en-US" dirty="0"/>
+              <a:t>Pods can communicate with each other</a:t>
+            </a:r>
+          </a:p>
+        </p:txBody>
+      </p:sp>
+    </p:spTree>
+    <p:extLst>
+      <p:ext uri="{BB962C8B-B14F-4D97-AF65-F5344CB8AC3E}">
+        <p14:creationId xmlns:p14="http://schemas.microsoft.com/office/powerpoint/2010/main" val="1869039868"/>
+      </p:ext>
+    </p:extLst>
+  </p:cSld>
+  <p:clrMapOvr>
+    <a:masterClrMapping/>
+  </p:clrMapOvr>
+  <p:timing>
+    <p:tnLst>
+      <p:par>
+        <p:cTn id="1" dur="indefinite" restart="never" nodeType="tmRoot">
+          <p:childTnLst>
+            <p:seq concurrent="1" nextAc="seek">
+              <p:cTn id="2" dur="indefinite" nodeType="mainSeq">
+                <p:childTnLst>
+                  <p:par>
+                    <p:cTn id="3" fill="hold">
+                      <p:stCondLst>
+                        <p:cond delay="indefinite"/>
+                      </p:stCondLst>
+                      <p:childTnLst>
+                        <p:par>
+                          <p:cTn id="4" fill="hold">
+                            <p:stCondLst>
+                              <p:cond delay="0"/>
+                            </p:stCondLst>
+                            <p:childTnLst>
+                              <p:par>
+                                <p:cTn id="5" presetID="1" presetClass="entr" presetSubtype="0" fill="hold" nodeType="clickEffect">
+                                  <p:stCondLst>
+                                    <p:cond delay="0"/>
+                                  </p:stCondLst>
+                                  <p:childTnLst>
+                                    <p:set>
+                                      <p:cBhvr>
+                                        <p:cTn id="6" dur="1" fill="hold">
+                                          <p:stCondLst>
+                                            <p:cond delay="0"/>
+                                          </p:stCondLst>
+                                        </p:cTn>
+                                        <p:tgtEl>
+                                          <p:spTgt spid="1030"/>
+                                        </p:tgtEl>
+                                        <p:attrNameLst>
+                                          <p:attrName>style.visibility</p:attrName>
+                                        </p:attrNameLst>
+                                      </p:cBhvr>
+                                      <p:to>
+                                        <p:strVal val="visible"/>
+                                      </p:to>
+                                    </p:set>
+                                  </p:childTnLst>
+                                </p:cTn>
+                              </p:par>
+                            </p:childTnLst>
+                          </p:cTn>
+                        </p:par>
+                      </p:childTnLst>
+                    </p:cTn>
+                  </p:par>
+                  <p:par>
+                    <p:cTn id="7" fill="hold">
+                      <p:stCondLst>
+                        <p:cond delay="indefinite"/>
+                      </p:stCondLst>
+                      <p:childTnLst>
+                        <p:par>
+                          <p:cTn id="8" fill="hold">
+                            <p:stCondLst>
+                              <p:cond delay="0"/>
+                            </p:stCondLst>
+                            <p:childTnLst>
+                              <p:par>
+                                <p:cTn id="9" presetID="1" presetClass="entr" presetSubtype="0" fill="hold" grpId="0" nodeType="clickEffect">
+                                  <p:stCondLst>
+                                    <p:cond delay="0"/>
+                                  </p:stCondLst>
+                                  <p:childTnLst>
+                                    <p:set>
+                                      <p:cBhvr>
+                                        <p:cTn id="10" dur="1" fill="hold">
+                                          <p:stCondLst>
+                                            <p:cond delay="0"/>
+                                          </p:stCondLst>
+                                        </p:cTn>
+                                        <p:tgtEl>
+                                          <p:spTgt spid="12"/>
+                                        </p:tgtEl>
+                                        <p:attrNameLst>
+                                          <p:attrName>style.visibility</p:attrName>
+                                        </p:attrNameLst>
+                                      </p:cBhvr>
+                                      <p:to>
+                                        <p:strVal val="visible"/>
+                                      </p:to>
+                                    </p:set>
+                                  </p:childTnLst>
+                                </p:cTn>
+                              </p:par>
+                            </p:childTnLst>
+                          </p:cTn>
+                        </p:par>
+                      </p:childTnLst>
+                    </p:cTn>
+                  </p:par>
+                </p:childTnLst>
+              </p:cTn>
+              <p:prevCondLst>
+                <p:cond evt="onPrev" delay="0">
+                  <p:tgtEl>
+                    <p:sldTgt/>
+                  </p:tgtEl>
+                </p:cond>
+              </p:prevCondLst>
+              <p:nextCondLst>
+                <p:cond evt="onNext" delay="0">
+                  <p:tgtEl>
+                    <p:sldTgt/>
+                  </p:tgtEl>
+                </p:cond>
+              </p:nextCondLst>
+            </p:seq>
+          </p:childTnLst>
+        </p:cTn>
+      </p:par>
+    </p:tnLst>
+    <p:bldLst>
+      <p:bldP spid="12" grpId="0"/>
+    </p:bldLst>
+  </p:timing>
+</p:sld>
+</file>
+
+<file path=ppt/slides/slide3.xml><?xml version="1.0" encoding="utf-8"?>
 <p:sld xmlns:a="http://schemas.openxmlformats.org/drawingml/2006/main" xmlns:r="http://schemas.openxmlformats.org/officeDocument/2006/relationships" xmlns:p="http://schemas.openxmlformats.org/presentationml/2006/main">
   <p:cSld>
     <p:spTree>
@@ -10250,7 +10840,7 @@
 </p:sld>
 </file>
 
-<file path=ppt/slides/slide3.xml><?xml version="1.0" encoding="utf-8"?>
+<file path=ppt/slides/slide4.xml><?xml version="1.0" encoding="utf-8"?>
 <p:sld xmlns:a="http://schemas.openxmlformats.org/drawingml/2006/main" xmlns:r="http://schemas.openxmlformats.org/officeDocument/2006/relationships" xmlns:p="http://schemas.openxmlformats.org/presentationml/2006/main">
   <p:cSld>
     <p:spTree>
@@ -10389,208 +10979,6 @@
     <p:extLst>
       <p:ext uri="{BB962C8B-B14F-4D97-AF65-F5344CB8AC3E}">
         <p14:creationId xmlns:p14="http://schemas.microsoft.com/office/powerpoint/2010/main" val="3249990004"/>
-      </p:ext>
-    </p:extLst>
-  </p:cSld>
-  <p:clrMapOvr>
-    <a:masterClrMapping/>
-  </p:clrMapOvr>
-</p:sld>
-</file>
-
-<file path=ppt/slides/slide4.xml><?xml version="1.0" encoding="utf-8"?>
-<p:sld xmlns:a="http://schemas.openxmlformats.org/drawingml/2006/main" xmlns:r="http://schemas.openxmlformats.org/officeDocument/2006/relationships" xmlns:p="http://schemas.openxmlformats.org/presentationml/2006/main">
-  <p:cSld>
-    <p:spTree>
-      <p:nvGrpSpPr>
-        <p:cNvPr id="1" name=""/>
-        <p:cNvGrpSpPr/>
-        <p:nvPr/>
-      </p:nvGrpSpPr>
-      <p:grpSpPr>
-        <a:xfrm>
-          <a:off x="0" y="0"/>
-          <a:ext cx="0" cy="0"/>
-          <a:chOff x="0" y="0"/>
-          <a:chExt cx="0" cy="0"/>
-        </a:xfrm>
-      </p:grpSpPr>
-      <p:sp>
-        <p:nvSpPr>
-          <p:cNvPr id="3" name="Text Placeholder 2"/>
-          <p:cNvSpPr>
-            <a:spLocks noGrp="1"/>
-          </p:cNvSpPr>
-          <p:nvPr>
-            <p:ph type="body" sz="quarter" idx="10"/>
-          </p:nvPr>
-        </p:nvSpPr>
-        <p:spPr>
-          <a:xfrm>
-            <a:off x="504000" y="987540"/>
-            <a:ext cx="8159939" cy="4727460"/>
-          </a:xfrm>
-        </p:spPr>
-        <p:txBody>
-          <a:bodyPr/>
-          <a:lstStyle/>
-          <a:p>
-            <a:r>
-              <a:rPr lang="en-US" dirty="0" err="1"/>
-              <a:t>kubelet</a:t>
-            </a:r>
-            <a:endParaRPr lang="en-US" dirty="0"/>
-          </a:p>
-          <a:p>
-            <a:pPr lvl="1"/>
-            <a:r>
-              <a:rPr lang="en-US" dirty="0"/>
-              <a:t>Runs on every node in a  cluster</a:t>
-            </a:r>
-          </a:p>
-          <a:p>
-            <a:pPr lvl="1"/>
-            <a:r>
-              <a:rPr lang="en-US" dirty="0"/>
-              <a:t>Manages containers assigned to its node</a:t>
-            </a:r>
-          </a:p>
-          <a:p>
-            <a:pPr lvl="1"/>
-            <a:r>
-              <a:rPr lang="en-US" dirty="0"/>
-              <a:t>Fulfills requests as specified in </a:t>
-            </a:r>
-            <a:r>
-              <a:rPr lang="en-US" dirty="0" err="1"/>
-              <a:t>etcd</a:t>
-            </a:r>
-            <a:r>
-              <a:rPr lang="en-US" dirty="0"/>
-              <a:t> (start, remove, …)</a:t>
-            </a:r>
-          </a:p>
-          <a:p>
-            <a:pPr lvl="1"/>
-            <a:r>
-              <a:rPr lang="en-US" dirty="0"/>
-              <a:t>Monitors the state of the node</a:t>
-            </a:r>
-          </a:p>
-          <a:p>
-            <a:pPr lvl="1"/>
-            <a:r>
-              <a:rPr lang="en-US" dirty="0"/>
-              <a:t>Actually starts containers</a:t>
-            </a:r>
-          </a:p>
-          <a:p>
-            <a:r>
-              <a:rPr lang="en-US" dirty="0" err="1"/>
-              <a:t>kube</a:t>
-            </a:r>
-            <a:r>
-              <a:rPr lang="en-US" dirty="0"/>
-              <a:t>-proxy</a:t>
-            </a:r>
-          </a:p>
-          <a:p>
-            <a:pPr lvl="1"/>
-            <a:r>
-              <a:rPr lang="en-US" dirty="0"/>
-              <a:t>Manages </a:t>
-            </a:r>
-            <a:r>
-              <a:rPr lang="en-US" dirty="0" err="1"/>
-              <a:t>iptables</a:t>
-            </a:r>
-            <a:r>
-              <a:rPr lang="en-US" dirty="0"/>
-              <a:t> on each node for services</a:t>
-            </a:r>
-          </a:p>
-          <a:p>
-            <a:r>
-              <a:rPr lang="en-US" dirty="0"/>
-              <a:t>Docker/</a:t>
-            </a:r>
-            <a:r>
-              <a:rPr lang="en-US" dirty="0" err="1"/>
-              <a:t>rkt</a:t>
-            </a:r>
-            <a:endParaRPr lang="en-US" dirty="0"/>
-          </a:p>
-          <a:p>
-            <a:pPr lvl="1"/>
-            <a:r>
-              <a:rPr lang="en-US" dirty="0"/>
-              <a:t>Container runtime on the individual node</a:t>
-            </a:r>
-          </a:p>
-          <a:p>
-            <a:r>
-              <a:rPr lang="en-US" dirty="0"/>
-              <a:t>Pod</a:t>
-            </a:r>
-          </a:p>
-          <a:p>
-            <a:pPr lvl="1"/>
-            <a:r>
-              <a:rPr lang="en-US" dirty="0"/>
-              <a:t>A the smallest, schedulable resource that is managed by </a:t>
-            </a:r>
-            <a:r>
-              <a:rPr lang="en-US" dirty="0" err="1"/>
-              <a:t>kubelet</a:t>
-            </a:r>
-            <a:r>
-              <a:rPr lang="en-US" dirty="0"/>
-              <a:t> on the node</a:t>
-            </a:r>
-          </a:p>
-          <a:p>
-            <a:pPr lvl="1"/>
-            <a:r>
-              <a:rPr lang="en-US" dirty="0"/>
-              <a:t>Pods wrap around one or more (</a:t>
-            </a:r>
-            <a:r>
-              <a:rPr lang="en-US" dirty="0" err="1"/>
-              <a:t>docker</a:t>
-            </a:r>
-            <a:r>
-              <a:rPr lang="en-US" dirty="0"/>
-              <a:t>) containers</a:t>
-            </a:r>
-          </a:p>
-        </p:txBody>
-      </p:sp>
-      <p:sp>
-        <p:nvSpPr>
-          <p:cNvPr id="2" name="Title 1"/>
-          <p:cNvSpPr>
-            <a:spLocks noGrp="1"/>
-          </p:cNvSpPr>
-          <p:nvPr>
-            <p:ph type="title"/>
-          </p:nvPr>
-        </p:nvSpPr>
-        <p:spPr/>
-        <p:txBody>
-          <a:bodyPr/>
-          <a:lstStyle/>
-          <a:p>
-            <a:r>
-              <a:rPr lang="en-US" dirty="0"/>
-              <a:t>Core Components - worker</a:t>
-            </a:r>
-          </a:p>
-        </p:txBody>
-      </p:sp>
-    </p:spTree>
-    <p:extLst>
-      <p:ext uri="{BB962C8B-B14F-4D97-AF65-F5344CB8AC3E}">
-        <p14:creationId xmlns:p14="http://schemas.microsoft.com/office/powerpoint/2010/main" val="2064472307"/>
       </p:ext>
     </p:extLst>
   </p:cSld>
@@ -10629,7 +11017,7 @@
         </p:nvSpPr>
         <p:spPr>
           <a:xfrm>
-            <a:off x="504000" y="1124700"/>
+            <a:off x="504000" y="987540"/>
             <a:ext cx="8159939" cy="4727460"/>
           </a:xfrm>
         </p:spPr>
@@ -10639,7 +11027,7 @@
           <a:p>
             <a:r>
               <a:rPr lang="en-US" dirty="0" err="1"/>
-              <a:t>kubectl</a:t>
+              <a:t>kubelet</a:t>
             </a:r>
             <a:endParaRPr lang="en-US" dirty="0"/>
           </a:p>
@@ -10647,64 +11035,122 @@
             <a:pPr lvl="1"/>
             <a:r>
               <a:rPr lang="en-US" dirty="0"/>
-              <a:t>Wraps requests to API server in human readable format</a:t>
+              <a:t>Runs on every node in a  cluster</a:t>
             </a:r>
           </a:p>
           <a:p>
             <a:pPr lvl="1"/>
             <a:r>
               <a:rPr lang="en-US" dirty="0"/>
-              <a:t>Cluster administration tasks</a:t>
+              <a:t>Manages containers assigned to its node</a:t>
             </a:r>
           </a:p>
           <a:p>
             <a:pPr lvl="1"/>
             <a:r>
               <a:rPr lang="en-US" dirty="0"/>
-              <a:t>User tasks like scheduling of resources</a:t>
+              <a:t>Fulfills requests as specified in </a:t>
+            </a:r>
+            <a:r>
+              <a:rPr lang="en-US" dirty="0" err="1"/>
+              <a:t>etcd</a:t>
+            </a:r>
+            <a:r>
+              <a:rPr lang="en-US" dirty="0"/>
+              <a:t> (start, remove, …)</a:t>
             </a:r>
           </a:p>
           <a:p>
             <a:pPr lvl="1"/>
             <a:r>
               <a:rPr lang="en-US" dirty="0"/>
-              <a:t>Run `</a:t>
-            </a:r>
+              <a:t>Monitors the state of the node</a:t>
+            </a:r>
+          </a:p>
+          <a:p>
+            <a:pPr lvl="1"/>
+            <a:r>
+              <a:rPr lang="en-US" dirty="0"/>
+              <a:t>Actually starts containers</a:t>
+            </a:r>
+          </a:p>
+          <a:p>
             <a:r>
               <a:rPr lang="en-US" dirty="0" err="1"/>
-              <a:t>kubectl</a:t>
-            </a:r>
-            <a:r>
-              <a:rPr lang="en-US" dirty="0"/>
-              <a:t>` or `</a:t>
+              <a:t>kube</a:t>
+            </a:r>
+            <a:r>
+              <a:rPr lang="en-US" dirty="0"/>
+              <a:t>-proxy</a:t>
+            </a:r>
+          </a:p>
+          <a:p>
+            <a:pPr lvl="1"/>
+            <a:r>
+              <a:rPr lang="en-US" dirty="0"/>
+              <a:t>Manages </a:t>
             </a:r>
             <a:r>
               <a:rPr lang="en-US" dirty="0" err="1"/>
-              <a:t>kubectl</a:t>
-            </a:r>
-            <a:r>
-              <a:rPr lang="en-US" dirty="0"/>
-              <a:t> &lt;command&gt; --help` to get detailed information</a:t>
-            </a:r>
-          </a:p>
-          <a:p>
-            <a:r>
-              <a:rPr lang="en-US" dirty="0"/>
-              <a:t>curl</a:t>
-            </a:r>
+              <a:t>iptables</a:t>
+            </a:r>
+            <a:r>
+              <a:rPr lang="en-US" dirty="0"/>
+              <a:t> on each node for services</a:t>
+            </a:r>
+          </a:p>
+          <a:p>
+            <a:r>
+              <a:rPr lang="en-US" dirty="0"/>
+              <a:t>Docker/</a:t>
+            </a:r>
+            <a:r>
+              <a:rPr lang="en-US" dirty="0" err="1"/>
+              <a:t>rkt</a:t>
+            </a:r>
+            <a:endParaRPr lang="en-US" dirty="0"/>
           </a:p>
           <a:p>
             <a:pPr lvl="1"/>
             <a:r>
               <a:rPr lang="en-US" dirty="0"/>
-              <a:t>http client that can send get &amp; post requests</a:t>
+              <a:t>Container runtime on the individual node</a:t>
+            </a:r>
+          </a:p>
+          <a:p>
+            <a:r>
+              <a:rPr lang="en-US" dirty="0"/>
+              <a:t>Pod</a:t>
             </a:r>
           </a:p>
           <a:p>
             <a:pPr lvl="1"/>
             <a:r>
               <a:rPr lang="en-US" dirty="0"/>
-              <a:t>API server can be addressed with binaries like curl but also client packages for programming languages like go, python or java</a:t>
+              <a:t>A the smallest, schedulable resource that is managed by </a:t>
+            </a:r>
+            <a:r>
+              <a:rPr lang="en-US" dirty="0" err="1"/>
+              <a:t>kubelet</a:t>
+            </a:r>
+            <a:r>
+              <a:rPr lang="en-US" dirty="0"/>
+              <a:t> on the node</a:t>
+            </a:r>
+          </a:p>
+          <a:p>
+            <a:pPr lvl="1"/>
+            <a:r>
+              <a:rPr lang="en-US" dirty="0"/>
+              <a:t>Pods wrap around one or more (</a:t>
+            </a:r>
+            <a:r>
+              <a:rPr lang="en-US" dirty="0" err="1"/>
+              <a:t>docker</a:t>
+            </a:r>
+            <a:r>
+              <a:rPr lang="en-US" dirty="0"/>
+              <a:t>) containers</a:t>
             </a:r>
           </a:p>
         </p:txBody>
@@ -10726,6 +11172,150 @@
           <a:p>
             <a:r>
               <a:rPr lang="en-US" dirty="0"/>
+              <a:t>Core Components - worker</a:t>
+            </a:r>
+          </a:p>
+        </p:txBody>
+      </p:sp>
+    </p:spTree>
+    <p:extLst>
+      <p:ext uri="{BB962C8B-B14F-4D97-AF65-F5344CB8AC3E}">
+        <p14:creationId xmlns:p14="http://schemas.microsoft.com/office/powerpoint/2010/main" val="2064472307"/>
+      </p:ext>
+    </p:extLst>
+  </p:cSld>
+  <p:clrMapOvr>
+    <a:masterClrMapping/>
+  </p:clrMapOvr>
+</p:sld>
+</file>
+
+<file path=ppt/slides/slide6.xml><?xml version="1.0" encoding="utf-8"?>
+<p:sld xmlns:a="http://schemas.openxmlformats.org/drawingml/2006/main" xmlns:r="http://schemas.openxmlformats.org/officeDocument/2006/relationships" xmlns:p="http://schemas.openxmlformats.org/presentationml/2006/main">
+  <p:cSld>
+    <p:spTree>
+      <p:nvGrpSpPr>
+        <p:cNvPr id="1" name=""/>
+        <p:cNvGrpSpPr/>
+        <p:nvPr/>
+      </p:nvGrpSpPr>
+      <p:grpSpPr>
+        <a:xfrm>
+          <a:off x="0" y="0"/>
+          <a:ext cx="0" cy="0"/>
+          <a:chOff x="0" y="0"/>
+          <a:chExt cx="0" cy="0"/>
+        </a:xfrm>
+      </p:grpSpPr>
+      <p:sp>
+        <p:nvSpPr>
+          <p:cNvPr id="3" name="Text Placeholder 2"/>
+          <p:cNvSpPr>
+            <a:spLocks noGrp="1"/>
+          </p:cNvSpPr>
+          <p:nvPr>
+            <p:ph type="body" sz="quarter" idx="10"/>
+          </p:nvPr>
+        </p:nvSpPr>
+        <p:spPr>
+          <a:xfrm>
+            <a:off x="504000" y="1124700"/>
+            <a:ext cx="8159939" cy="4727460"/>
+          </a:xfrm>
+        </p:spPr>
+        <p:txBody>
+          <a:bodyPr/>
+          <a:lstStyle/>
+          <a:p>
+            <a:r>
+              <a:rPr lang="en-US" dirty="0" err="1"/>
+              <a:t>kubectl</a:t>
+            </a:r>
+            <a:endParaRPr lang="en-US" dirty="0"/>
+          </a:p>
+          <a:p>
+            <a:pPr lvl="1"/>
+            <a:r>
+              <a:rPr lang="en-US" dirty="0"/>
+              <a:t>Wraps requests to API server in human readable format</a:t>
+            </a:r>
+          </a:p>
+          <a:p>
+            <a:pPr lvl="1"/>
+            <a:r>
+              <a:rPr lang="en-US" dirty="0"/>
+              <a:t>Cluster administration tasks</a:t>
+            </a:r>
+          </a:p>
+          <a:p>
+            <a:pPr lvl="1"/>
+            <a:r>
+              <a:rPr lang="en-US" dirty="0"/>
+              <a:t>User tasks like scheduling of resources</a:t>
+            </a:r>
+          </a:p>
+          <a:p>
+            <a:pPr lvl="1"/>
+            <a:r>
+              <a:rPr lang="en-US" dirty="0"/>
+              <a:t>Run `</a:t>
+            </a:r>
+            <a:r>
+              <a:rPr lang="en-US" dirty="0" err="1"/>
+              <a:t>kubectl</a:t>
+            </a:r>
+            <a:r>
+              <a:rPr lang="en-US" dirty="0"/>
+              <a:t>` or `</a:t>
+            </a:r>
+            <a:r>
+              <a:rPr lang="en-US" dirty="0" err="1"/>
+              <a:t>kubectl</a:t>
+            </a:r>
+            <a:r>
+              <a:rPr lang="en-US" dirty="0"/>
+              <a:t> &lt;command&gt; --help` to get detailed information</a:t>
+            </a:r>
+          </a:p>
+          <a:p>
+            <a:r>
+              <a:rPr lang="en-US" dirty="0"/>
+              <a:t>curl</a:t>
+            </a:r>
+          </a:p>
+          <a:p>
+            <a:pPr lvl="1"/>
+            <a:r>
+              <a:rPr lang="en-US" dirty="0"/>
+              <a:t>http client that can send get &amp; post requests</a:t>
+            </a:r>
+          </a:p>
+          <a:p>
+            <a:pPr lvl="1"/>
+            <a:r>
+              <a:rPr lang="en-US" dirty="0"/>
+              <a:t>API server can be addressed with binaries like curl but also client packages for programming languages like go, python or java</a:t>
+            </a:r>
+          </a:p>
+        </p:txBody>
+      </p:sp>
+      <p:sp>
+        <p:nvSpPr>
+          <p:cNvPr id="2" name="Title 1"/>
+          <p:cNvSpPr>
+            <a:spLocks noGrp="1"/>
+          </p:cNvSpPr>
+          <p:nvPr>
+            <p:ph type="title"/>
+          </p:nvPr>
+        </p:nvSpPr>
+        <p:spPr/>
+        <p:txBody>
+          <a:bodyPr/>
+          <a:lstStyle/>
+          <a:p>
+            <a:r>
+              <a:rPr lang="en-US" dirty="0"/>
               <a:t>Core Components - clients</a:t>
             </a:r>
           </a:p>
@@ -10744,7 +11334,7 @@
 </p:sld>
 </file>
 
-<file path=ppt/slides/slide6.xml><?xml version="1.0" encoding="utf-8"?>
+<file path=ppt/slides/slide7.xml><?xml version="1.0" encoding="utf-8"?>
 <p:sld xmlns:a="http://schemas.openxmlformats.org/drawingml/2006/main" xmlns:r="http://schemas.openxmlformats.org/officeDocument/2006/relationships" xmlns:p="http://schemas.openxmlformats.org/presentationml/2006/main">
   <p:cSld>
     <p:spTree>
@@ -10918,7 +11508,7 @@
 </p:sld>
 </file>
 
-<file path=ppt/slides/slide7.xml><?xml version="1.0" encoding="utf-8"?>
+<file path=ppt/slides/slide8.xml><?xml version="1.0" encoding="utf-8"?>
 <p:sld xmlns:a="http://schemas.openxmlformats.org/drawingml/2006/main" xmlns:r="http://schemas.openxmlformats.org/officeDocument/2006/relationships" xmlns:p="http://schemas.openxmlformats.org/presentationml/2006/main">
   <p:cSld>
     <p:spTree>
@@ -12519,7 +13109,7 @@
 </p:sld>
 </file>
 
-<file path=ppt/slides/slide8.xml><?xml version="1.0" encoding="utf-8"?>
+<file path=ppt/slides/slide9.xml><?xml version="1.0" encoding="utf-8"?>
 <p:sld xmlns:a="http://schemas.openxmlformats.org/drawingml/2006/main" xmlns:r="http://schemas.openxmlformats.org/officeDocument/2006/relationships" xmlns:p="http://schemas.openxmlformats.org/presentationml/2006/main">
   <p:cSld>
     <p:spTree>
@@ -13510,7 +14100,7 @@
               <a:tabLst/>
             </a:pPr>
             <a:r>
-              <a:rPr kumimoji="0" lang="en-US" sz="1800" b="0" i="0" u="none" strike="noStrike" kern="0" cap="none" spc="0" normalizeH="0" baseline="0" noProof="0" dirty="0">
+              <a:rPr kumimoji="0" lang="en-US" sz="1800" b="0" i="0" u="none" strike="noStrike" kern="0" cap="none" spc="0" normalizeH="0" baseline="0" noProof="0">
                 <a:ln>
                   <a:noFill/>
                 </a:ln>
@@ -13520,7 +14110,20 @@
                 <a:ea typeface="Arial Unicode MS" pitchFamily="34" charset="-128"/>
                 <a:cs typeface="Arial Unicode MS" pitchFamily="34" charset="-128"/>
               </a:rPr>
-              <a:t>Container</a:t>
+              <a:t>Application</a:t>
+            </a:r>
+            <a:r>
+              <a:rPr kumimoji="0" lang="en-US" sz="1800" b="0" i="0" u="none" strike="noStrike" kern="0" cap="none" spc="0" normalizeH="0" noProof="0">
+                <a:ln>
+                  <a:noFill/>
+                </a:ln>
+                <a:effectLst/>
+                <a:uLnTx/>
+                <a:uFillTx/>
+                <a:ea typeface="Arial Unicode MS" pitchFamily="34" charset="-128"/>
+                <a:cs typeface="Arial Unicode MS" pitchFamily="34" charset="-128"/>
+              </a:rPr>
+              <a:t> </a:t>
             </a:r>
             <a:r>
               <a:rPr kumimoji="0" lang="en-US" sz="1800" b="0" i="0" u="none" strike="noStrike" kern="0" cap="none" spc="0" normalizeH="0" noProof="0" dirty="0">
@@ -13533,7 +14136,7 @@
                 <a:ea typeface="Arial Unicode MS" pitchFamily="34" charset="-128"/>
                 <a:cs typeface="Arial Unicode MS" pitchFamily="34" charset="-128"/>
               </a:rPr>
-              <a:t> layer</a:t>
+              <a:t>layer</a:t>
             </a:r>
             <a:endParaRPr kumimoji="0" lang="en-US" sz="1800" b="0" i="0" u="none" strike="noStrike" kern="0" cap="none" spc="0" normalizeH="0" baseline="0" noProof="0" dirty="0">
               <a:ln>
@@ -13644,165 +14247,6 @@
     <p:extLst>
       <p:ext uri="{BB962C8B-B14F-4D97-AF65-F5344CB8AC3E}">
         <p14:creationId xmlns:p14="http://schemas.microsoft.com/office/powerpoint/2010/main" val="4085581448"/>
-      </p:ext>
-    </p:extLst>
-  </p:cSld>
-  <p:clrMapOvr>
-    <a:masterClrMapping/>
-  </p:clrMapOvr>
-</p:sld>
-</file>
-
-<file path=ppt/slides/slide9.xml><?xml version="1.0" encoding="utf-8"?>
-<p:sld xmlns:a="http://schemas.openxmlformats.org/drawingml/2006/main" xmlns:r="http://schemas.openxmlformats.org/officeDocument/2006/relationships" xmlns:p="http://schemas.openxmlformats.org/presentationml/2006/main" show="0">
-  <p:cSld>
-    <p:spTree>
-      <p:nvGrpSpPr>
-        <p:cNvPr id="1" name=""/>
-        <p:cNvGrpSpPr/>
-        <p:nvPr/>
-      </p:nvGrpSpPr>
-      <p:grpSpPr>
-        <a:xfrm>
-          <a:off x="0" y="0"/>
-          <a:ext cx="0" cy="0"/>
-          <a:chOff x="0" y="0"/>
-          <a:chExt cx="0" cy="0"/>
-        </a:xfrm>
-      </p:grpSpPr>
-      <p:sp>
-        <p:nvSpPr>
-          <p:cNvPr id="2" name="Text Placeholder 1"/>
-          <p:cNvSpPr>
-            <a:spLocks noGrp="1"/>
-          </p:cNvSpPr>
-          <p:nvPr>
-            <p:ph type="body" sz="quarter" idx="10"/>
-          </p:nvPr>
-        </p:nvSpPr>
-        <p:spPr/>
-        <p:txBody>
-          <a:bodyPr/>
-          <a:lstStyle/>
-          <a:p>
-            <a:pPr marL="342900" indent="-342900">
-              <a:buFontTx/>
-              <a:buChar char="-"/>
-            </a:pPr>
-            <a:r>
-              <a:rPr lang="en-US" dirty="0"/>
-              <a:t>Show access to cluster with </a:t>
-            </a:r>
-            <a:r>
-              <a:rPr lang="en-US" dirty="0" err="1"/>
-              <a:t>kubectl</a:t>
-            </a:r>
-            <a:endParaRPr lang="en-US" dirty="0"/>
-          </a:p>
-          <a:p>
-            <a:pPr marL="342900" indent="-342900">
-              <a:buFontTx/>
-              <a:buChar char="-"/>
-            </a:pPr>
-            <a:r>
-              <a:rPr lang="en-US" dirty="0"/>
-              <a:t>Show and explain </a:t>
-            </a:r>
-            <a:r>
-              <a:rPr lang="en-US" dirty="0" err="1"/>
-              <a:t>kubeconfig</a:t>
-            </a:r>
-            <a:r>
-              <a:rPr lang="en-US" dirty="0"/>
-              <a:t> with namespace etc.</a:t>
-            </a:r>
-          </a:p>
-          <a:p>
-            <a:pPr marL="342900" indent="-342900">
-              <a:buFontTx/>
-              <a:buChar char="-"/>
-            </a:pPr>
-            <a:r>
-              <a:rPr lang="en-US" dirty="0"/>
-              <a:t>Query API server with curl and get back the API’s</a:t>
-            </a:r>
-          </a:p>
-          <a:p>
-            <a:pPr marL="342900" indent="-342900">
-              <a:buFontTx/>
-              <a:buChar char="-"/>
-            </a:pPr>
-            <a:r>
-              <a:rPr lang="en-US" dirty="0" err="1"/>
-              <a:t>Kubectl</a:t>
-            </a:r>
-            <a:r>
-              <a:rPr lang="en-US" dirty="0"/>
-              <a:t> get &amp; describe nodes</a:t>
-            </a:r>
-          </a:p>
-          <a:p>
-            <a:pPr marL="342900" indent="-342900">
-              <a:buFontTx/>
-              <a:buChar char="-"/>
-            </a:pPr>
-            <a:r>
-              <a:rPr lang="en-US" dirty="0"/>
-              <a:t>SSH into one of the nodes and show </a:t>
-            </a:r>
-            <a:r>
-              <a:rPr lang="en-US" dirty="0" err="1"/>
-              <a:t>kublet</a:t>
-            </a:r>
-            <a:r>
-              <a:rPr lang="en-US" dirty="0"/>
-              <a:t> (</a:t>
-            </a:r>
-            <a:r>
-              <a:rPr lang="en-US" dirty="0" err="1"/>
-              <a:t>ps</a:t>
-            </a:r>
-            <a:r>
-              <a:rPr lang="en-US" dirty="0"/>
-              <a:t> </a:t>
-            </a:r>
-            <a:r>
-              <a:rPr lang="en-US" dirty="0" err="1"/>
-              <a:t>aufx</a:t>
-            </a:r>
-            <a:r>
-              <a:rPr lang="en-US" dirty="0"/>
-              <a:t>)</a:t>
-            </a:r>
-          </a:p>
-        </p:txBody>
-      </p:sp>
-      <p:sp>
-        <p:nvSpPr>
-          <p:cNvPr id="3" name="Title 2"/>
-          <p:cNvSpPr>
-            <a:spLocks noGrp="1"/>
-          </p:cNvSpPr>
-          <p:nvPr>
-            <p:ph type="title"/>
-          </p:nvPr>
-        </p:nvSpPr>
-        <p:spPr/>
-        <p:txBody>
-          <a:bodyPr/>
-          <a:lstStyle/>
-          <a:p>
-            <a:r>
-              <a:rPr lang="en-US" dirty="0"/>
-              <a:t>Demo Info</a:t>
-            </a:r>
-          </a:p>
-        </p:txBody>
-      </p:sp>
-    </p:spTree>
-    <p:extLst>
-      <p:ext uri="{BB962C8B-B14F-4D97-AF65-F5344CB8AC3E}">
-        <p14:creationId xmlns:p14="http://schemas.microsoft.com/office/powerpoint/2010/main" val="2819952857"/>
       </p:ext>
     </p:extLst>
   </p:cSld>

--- a/kubernetes/01_k8s_core_components.pptx
+++ b/kubernetes/01_k8s_core_components.pptx
@@ -5,23 +5,24 @@
     <p:sldMasterId id="2147483733" r:id="rId1"/>
   </p:sldMasterIdLst>
   <p:notesMasterIdLst>
-    <p:notesMasterId r:id="rId13"/>
+    <p:notesMasterId r:id="rId14"/>
   </p:notesMasterIdLst>
   <p:handoutMasterIdLst>
-    <p:handoutMasterId r:id="rId14"/>
+    <p:handoutMasterId r:id="rId15"/>
   </p:handoutMasterIdLst>
   <p:sldIdLst>
     <p:sldId id="433" r:id="rId2"/>
     <p:sldId id="443" r:id="rId3"/>
     <p:sldId id="364" r:id="rId4"/>
-    <p:sldId id="436" r:id="rId5"/>
-    <p:sldId id="437" r:id="rId6"/>
-    <p:sldId id="438" r:id="rId7"/>
-    <p:sldId id="439" r:id="rId8"/>
-    <p:sldId id="441" r:id="rId9"/>
-    <p:sldId id="442" r:id="rId10"/>
-    <p:sldId id="440" r:id="rId11"/>
-    <p:sldId id="265" r:id="rId12"/>
+    <p:sldId id="444" r:id="rId5"/>
+    <p:sldId id="436" r:id="rId6"/>
+    <p:sldId id="437" r:id="rId7"/>
+    <p:sldId id="438" r:id="rId8"/>
+    <p:sldId id="439" r:id="rId9"/>
+    <p:sldId id="441" r:id="rId10"/>
+    <p:sldId id="442" r:id="rId11"/>
+    <p:sldId id="440" r:id="rId12"/>
+    <p:sldId id="265" r:id="rId13"/>
   </p:sldIdLst>
   <p:sldSz cx="12195175" cy="6858000"/>
   <p:notesSz cx="6858000" cy="9144000"/>
@@ -560,7 +561,7 @@
             <a:fld id="{7D8C2C35-2B8A-446E-BEC0-FD36716C29AC}" type="slidenum">
               <a:rPr lang="de-DE" smtClean="0"/>
               <a:pPr/>
-              <a:t>4</a:t>
+              <a:t>5</a:t>
             </a:fld>
             <a:endParaRPr lang="de-DE" dirty="0"/>
           </a:p>
@@ -652,7 +653,7 @@
             <a:fld id="{7D8C2C35-2B8A-446E-BEC0-FD36716C29AC}" type="slidenum">
               <a:rPr lang="de-DE" smtClean="0"/>
               <a:pPr/>
-              <a:t>5</a:t>
+              <a:t>6</a:t>
             </a:fld>
             <a:endParaRPr lang="de-DE" dirty="0"/>
           </a:p>
@@ -744,7 +745,7 @@
             <a:fld id="{7D8C2C35-2B8A-446E-BEC0-FD36716C29AC}" type="slidenum">
               <a:rPr lang="de-DE" smtClean="0"/>
               <a:pPr/>
-              <a:t>6</a:t>
+              <a:t>7</a:t>
             </a:fld>
             <a:endParaRPr lang="de-DE" dirty="0"/>
           </a:p>
@@ -836,7 +837,7 @@
             <a:fld id="{7D8C2C35-2B8A-446E-BEC0-FD36716C29AC}" type="slidenum">
               <a:rPr lang="de-DE" smtClean="0"/>
               <a:pPr/>
-              <a:t>11</a:t>
+              <a:t>12</a:t>
             </a:fld>
             <a:endParaRPr lang="de-DE" dirty="0"/>
           </a:p>
@@ -8468,6 +8469,1153 @@
 </file>
 
 <file path=ppt/slides/slide10.xml><?xml version="1.0" encoding="utf-8"?>
+<p:sld xmlns:a="http://schemas.openxmlformats.org/drawingml/2006/main" xmlns:r="http://schemas.openxmlformats.org/officeDocument/2006/relationships" xmlns:p="http://schemas.openxmlformats.org/presentationml/2006/main">
+  <p:cSld>
+    <p:spTree>
+      <p:nvGrpSpPr>
+        <p:cNvPr id="1" name=""/>
+        <p:cNvGrpSpPr/>
+        <p:nvPr/>
+      </p:nvGrpSpPr>
+      <p:grpSpPr>
+        <a:xfrm>
+          <a:off x="0" y="0"/>
+          <a:ext cx="0" cy="0"/>
+          <a:chOff x="0" y="0"/>
+          <a:chExt cx="0" cy="0"/>
+        </a:xfrm>
+      </p:grpSpPr>
+      <p:sp>
+        <p:nvSpPr>
+          <p:cNvPr id="3" name="Title 2"/>
+          <p:cNvSpPr>
+            <a:spLocks noGrp="1"/>
+          </p:cNvSpPr>
+          <p:nvPr>
+            <p:ph type="title"/>
+          </p:nvPr>
+        </p:nvSpPr>
+        <p:spPr/>
+        <p:txBody>
+          <a:bodyPr/>
+          <a:lstStyle/>
+          <a:p>
+            <a:r>
+              <a:rPr lang="en-US" dirty="0"/>
+              <a:t>What YOU will do during this training…</a:t>
+            </a:r>
+          </a:p>
+        </p:txBody>
+      </p:sp>
+      <p:grpSp>
+        <p:nvGrpSpPr>
+          <p:cNvPr id="13" name="Group 12"/>
+          <p:cNvGrpSpPr/>
+          <p:nvPr/>
+        </p:nvGrpSpPr>
+        <p:grpSpPr>
+          <a:xfrm>
+            <a:off x="2674620" y="2948940"/>
+            <a:ext cx="6187440" cy="1752600"/>
+            <a:chOff x="2697480" y="2743200"/>
+            <a:chExt cx="6187440" cy="2034540"/>
+          </a:xfrm>
+        </p:grpSpPr>
+        <p:sp>
+          <p:nvSpPr>
+            <p:cNvPr id="12" name="Rectangle: Rounded Corners 11"/>
+            <p:cNvSpPr/>
+            <p:nvPr/>
+          </p:nvSpPr>
+          <p:spPr bwMode="gray">
+            <a:xfrm>
+              <a:off x="2697480" y="2743200"/>
+              <a:ext cx="6187440" cy="2034540"/>
+            </a:xfrm>
+            <a:prstGeom prst="roundRect">
+              <a:avLst/>
+            </a:prstGeom>
+            <a:ln>
+              <a:headEnd/>
+              <a:tailEnd/>
+            </a:ln>
+          </p:spPr>
+          <p:style>
+            <a:lnRef idx="2">
+              <a:schemeClr val="accent1"/>
+            </a:lnRef>
+            <a:fillRef idx="1">
+              <a:schemeClr val="lt1"/>
+            </a:fillRef>
+            <a:effectRef idx="0">
+              <a:schemeClr val="accent1"/>
+            </a:effectRef>
+            <a:fontRef idx="minor">
+              <a:schemeClr val="dk1"/>
+            </a:fontRef>
+          </p:style>
+          <p:txBody>
+            <a:bodyPr lIns="90000" tIns="72000" rIns="90000" bIns="72000" rtlCol="0" anchor="ctr"/>
+            <a:lstStyle/>
+            <a:p>
+              <a:pPr marR="0" algn="ctr" defTabSz="914400" eaLnBrk="1" fontAlgn="base" latinLnBrk="0" hangingPunct="1">
+                <a:lnSpc>
+                  <a:spcPct val="100000"/>
+                </a:lnSpc>
+                <a:spcBef>
+                  <a:spcPct val="50000"/>
+                </a:spcBef>
+                <a:spcAft>
+                  <a:spcPct val="0"/>
+                </a:spcAft>
+                <a:buClr>
+                  <a:srgbClr val="F0AB00"/>
+                </a:buClr>
+                <a:buSzPct val="80000"/>
+                <a:tabLst/>
+              </a:pPr>
+              <a:endParaRPr kumimoji="0" lang="en-US" sz="1800" b="0" i="0" u="none" strike="noStrike" kern="0" cap="none" spc="0" normalizeH="0" baseline="0" noProof="0" dirty="0" err="1">
+                <a:ln>
+                  <a:noFill/>
+                </a:ln>
+                <a:effectLst/>
+                <a:uLnTx/>
+                <a:uFillTx/>
+                <a:ea typeface="Arial Unicode MS" pitchFamily="34" charset="-128"/>
+                <a:cs typeface="Arial Unicode MS" pitchFamily="34" charset="-128"/>
+              </a:endParaRPr>
+            </a:p>
+          </p:txBody>
+        </p:sp>
+        <p:sp>
+          <p:nvSpPr>
+            <p:cNvPr id="4" name="Rectangle 3"/>
+            <p:cNvSpPr/>
+            <p:nvPr/>
+          </p:nvSpPr>
+          <p:spPr bwMode="gray">
+            <a:xfrm>
+              <a:off x="2989653" y="3164976"/>
+              <a:ext cx="1627931" cy="1156258"/>
+            </a:xfrm>
+            <a:prstGeom prst="rect">
+              <a:avLst/>
+            </a:prstGeom>
+            <a:solidFill>
+              <a:schemeClr val="bg2"/>
+            </a:solidFill>
+            <a:ln>
+              <a:headEnd/>
+              <a:tailEnd/>
+            </a:ln>
+          </p:spPr>
+          <p:style>
+            <a:lnRef idx="2">
+              <a:schemeClr val="accent2"/>
+            </a:lnRef>
+            <a:fillRef idx="1">
+              <a:schemeClr val="lt1"/>
+            </a:fillRef>
+            <a:effectRef idx="0">
+              <a:schemeClr val="accent2"/>
+            </a:effectRef>
+            <a:fontRef idx="minor">
+              <a:schemeClr val="dk1"/>
+            </a:fontRef>
+          </p:style>
+          <p:txBody>
+            <a:bodyPr lIns="90000" tIns="72000" rIns="90000" bIns="72000" rtlCol="0" anchor="ctr"/>
+            <a:lstStyle/>
+            <a:p>
+              <a:pPr marR="0" algn="ctr" defTabSz="914400" eaLnBrk="1" fontAlgn="base" latinLnBrk="0" hangingPunct="1">
+                <a:lnSpc>
+                  <a:spcPct val="100000"/>
+                </a:lnSpc>
+                <a:spcBef>
+                  <a:spcPct val="50000"/>
+                </a:spcBef>
+                <a:spcAft>
+                  <a:spcPct val="0"/>
+                </a:spcAft>
+                <a:buClr>
+                  <a:srgbClr val="F0AB00"/>
+                </a:buClr>
+                <a:buSzPct val="80000"/>
+                <a:tabLst/>
+              </a:pPr>
+              <a:r>
+                <a:rPr lang="de-DE" sz="1800" kern="0" dirty="0" err="1">
+                  <a:ea typeface="Arial Unicode MS" pitchFamily="34" charset="-128"/>
+                  <a:cs typeface="Arial Unicode MS" pitchFamily="34" charset="-128"/>
+                </a:rPr>
+                <a:t>nginx</a:t>
+              </a:r>
+              <a:endParaRPr kumimoji="0" lang="de-DE" sz="1800" b="0" i="0" u="none" strike="noStrike" kern="0" cap="none" spc="0" normalizeH="0" baseline="0" noProof="0" dirty="0">
+                <a:ln>
+                  <a:noFill/>
+                </a:ln>
+                <a:effectLst/>
+                <a:uLnTx/>
+                <a:uFillTx/>
+                <a:ea typeface="Arial Unicode MS" pitchFamily="34" charset="-128"/>
+                <a:cs typeface="Arial Unicode MS" pitchFamily="34" charset="-128"/>
+              </a:endParaRPr>
+            </a:p>
+          </p:txBody>
+        </p:sp>
+        <p:sp>
+          <p:nvSpPr>
+            <p:cNvPr id="6" name="Rectangle 5"/>
+            <p:cNvSpPr/>
+            <p:nvPr/>
+          </p:nvSpPr>
+          <p:spPr bwMode="gray">
+            <a:xfrm>
+              <a:off x="6855115" y="3164976"/>
+              <a:ext cx="1627931" cy="1156258"/>
+            </a:xfrm>
+            <a:prstGeom prst="rect">
+              <a:avLst/>
+            </a:prstGeom>
+            <a:solidFill>
+              <a:schemeClr val="bg2"/>
+            </a:solidFill>
+            <a:ln>
+              <a:headEnd/>
+              <a:tailEnd/>
+            </a:ln>
+          </p:spPr>
+          <p:style>
+            <a:lnRef idx="2">
+              <a:schemeClr val="accent2"/>
+            </a:lnRef>
+            <a:fillRef idx="1">
+              <a:schemeClr val="lt1"/>
+            </a:fillRef>
+            <a:effectRef idx="0">
+              <a:schemeClr val="accent2"/>
+            </a:effectRef>
+            <a:fontRef idx="minor">
+              <a:schemeClr val="dk1"/>
+            </a:fontRef>
+          </p:style>
+          <p:txBody>
+            <a:bodyPr lIns="90000" tIns="72000" rIns="90000" bIns="72000" rtlCol="0" anchor="ctr"/>
+            <a:lstStyle/>
+            <a:p>
+              <a:pPr marR="0" algn="ctr" defTabSz="914400" eaLnBrk="1" fontAlgn="base" latinLnBrk="0" hangingPunct="1">
+                <a:lnSpc>
+                  <a:spcPct val="100000"/>
+                </a:lnSpc>
+                <a:spcBef>
+                  <a:spcPct val="50000"/>
+                </a:spcBef>
+                <a:spcAft>
+                  <a:spcPct val="0"/>
+                </a:spcAft>
+                <a:buClr>
+                  <a:srgbClr val="F0AB00"/>
+                </a:buClr>
+                <a:buSzPct val="80000"/>
+                <a:tabLst/>
+              </a:pPr>
+              <a:r>
+                <a:rPr lang="de-DE" sz="1800" kern="0" dirty="0" err="1">
+                  <a:ea typeface="Arial Unicode MS" pitchFamily="34" charset="-128"/>
+                  <a:cs typeface="Arial Unicode MS" pitchFamily="34" charset="-128"/>
+                </a:rPr>
+                <a:t>nginx</a:t>
+              </a:r>
+              <a:endParaRPr kumimoji="0" lang="de-DE" sz="1800" b="0" i="0" u="none" strike="noStrike" kern="0" cap="none" spc="0" normalizeH="0" baseline="0" noProof="0" dirty="0">
+                <a:ln>
+                  <a:noFill/>
+                </a:ln>
+                <a:effectLst/>
+                <a:uLnTx/>
+                <a:uFillTx/>
+                <a:ea typeface="Arial Unicode MS" pitchFamily="34" charset="-128"/>
+                <a:cs typeface="Arial Unicode MS" pitchFamily="34" charset="-128"/>
+              </a:endParaRPr>
+            </a:p>
+          </p:txBody>
+        </p:sp>
+        <p:sp>
+          <p:nvSpPr>
+            <p:cNvPr id="7" name="Rectangle 6"/>
+            <p:cNvSpPr/>
+            <p:nvPr/>
+          </p:nvSpPr>
+          <p:spPr bwMode="gray">
+            <a:xfrm>
+              <a:off x="4922384" y="3164976"/>
+              <a:ext cx="1627931" cy="1156258"/>
+            </a:xfrm>
+            <a:prstGeom prst="rect">
+              <a:avLst/>
+            </a:prstGeom>
+            <a:solidFill>
+              <a:schemeClr val="bg2"/>
+            </a:solidFill>
+            <a:ln>
+              <a:headEnd/>
+              <a:tailEnd/>
+            </a:ln>
+          </p:spPr>
+          <p:style>
+            <a:lnRef idx="2">
+              <a:schemeClr val="accent2"/>
+            </a:lnRef>
+            <a:fillRef idx="1">
+              <a:schemeClr val="lt1"/>
+            </a:fillRef>
+            <a:effectRef idx="0">
+              <a:schemeClr val="accent2"/>
+            </a:effectRef>
+            <a:fontRef idx="minor">
+              <a:schemeClr val="dk1"/>
+            </a:fontRef>
+          </p:style>
+          <p:txBody>
+            <a:bodyPr lIns="90000" tIns="72000" rIns="90000" bIns="72000" rtlCol="0" anchor="ctr"/>
+            <a:lstStyle/>
+            <a:p>
+              <a:pPr marR="0" algn="ctr" defTabSz="914400" eaLnBrk="1" fontAlgn="base" latinLnBrk="0" hangingPunct="1">
+                <a:lnSpc>
+                  <a:spcPct val="100000"/>
+                </a:lnSpc>
+                <a:spcBef>
+                  <a:spcPct val="50000"/>
+                </a:spcBef>
+                <a:spcAft>
+                  <a:spcPct val="0"/>
+                </a:spcAft>
+                <a:buClr>
+                  <a:srgbClr val="F0AB00"/>
+                </a:buClr>
+                <a:buSzPct val="80000"/>
+                <a:tabLst/>
+              </a:pPr>
+              <a:r>
+                <a:rPr lang="de-DE" sz="1800" kern="0" dirty="0" err="1">
+                  <a:ea typeface="Arial Unicode MS" pitchFamily="34" charset="-128"/>
+                  <a:cs typeface="Arial Unicode MS" pitchFamily="34" charset="-128"/>
+                </a:rPr>
+                <a:t>nginx</a:t>
+              </a:r>
+              <a:endParaRPr kumimoji="0" lang="de-DE" sz="1800" b="0" i="0" u="none" strike="noStrike" kern="0" cap="none" spc="0" normalizeH="0" baseline="0" noProof="0" dirty="0">
+                <a:ln>
+                  <a:noFill/>
+                </a:ln>
+                <a:effectLst/>
+                <a:uLnTx/>
+                <a:uFillTx/>
+                <a:ea typeface="Arial Unicode MS" pitchFamily="34" charset="-128"/>
+                <a:cs typeface="Arial Unicode MS" pitchFamily="34" charset="-128"/>
+              </a:endParaRPr>
+            </a:p>
+          </p:txBody>
+        </p:sp>
+      </p:grpSp>
+      <p:grpSp>
+        <p:nvGrpSpPr>
+          <p:cNvPr id="15" name="Group 14"/>
+          <p:cNvGrpSpPr/>
+          <p:nvPr/>
+        </p:nvGrpSpPr>
+        <p:grpSpPr>
+          <a:xfrm>
+            <a:off x="3482340" y="5176656"/>
+            <a:ext cx="4572000" cy="1363980"/>
+            <a:chOff x="3421380" y="5067300"/>
+            <a:chExt cx="4572000" cy="1363980"/>
+          </a:xfrm>
+        </p:grpSpPr>
+        <p:sp>
+          <p:nvSpPr>
+            <p:cNvPr id="14" name="Rectangle: Rounded Corners 13"/>
+            <p:cNvSpPr/>
+            <p:nvPr/>
+          </p:nvSpPr>
+          <p:spPr bwMode="gray">
+            <a:xfrm>
+              <a:off x="3421380" y="5067300"/>
+              <a:ext cx="4572000" cy="1363980"/>
+            </a:xfrm>
+            <a:prstGeom prst="roundRect">
+              <a:avLst/>
+            </a:prstGeom>
+            <a:ln>
+              <a:headEnd/>
+              <a:tailEnd/>
+            </a:ln>
+          </p:spPr>
+          <p:style>
+            <a:lnRef idx="2">
+              <a:schemeClr val="accent1"/>
+            </a:lnRef>
+            <a:fillRef idx="1">
+              <a:schemeClr val="lt1"/>
+            </a:fillRef>
+            <a:effectRef idx="0">
+              <a:schemeClr val="accent1"/>
+            </a:effectRef>
+            <a:fontRef idx="minor">
+              <a:schemeClr val="dk1"/>
+            </a:fontRef>
+          </p:style>
+          <p:txBody>
+            <a:bodyPr lIns="90000" tIns="72000" rIns="90000" bIns="72000" rtlCol="0" anchor="ctr"/>
+            <a:lstStyle/>
+            <a:p>
+              <a:pPr marR="0" algn="ctr" defTabSz="914400" eaLnBrk="1" fontAlgn="base" latinLnBrk="0" hangingPunct="1">
+                <a:lnSpc>
+                  <a:spcPct val="100000"/>
+                </a:lnSpc>
+                <a:spcBef>
+                  <a:spcPct val="50000"/>
+                </a:spcBef>
+                <a:spcAft>
+                  <a:spcPct val="0"/>
+                </a:spcAft>
+                <a:buClr>
+                  <a:srgbClr val="F0AB00"/>
+                </a:buClr>
+                <a:buSzPct val="80000"/>
+                <a:tabLst/>
+              </a:pPr>
+              <a:endParaRPr kumimoji="0" lang="en-US" sz="1800" b="0" i="0" u="none" strike="noStrike" kern="0" cap="none" spc="0" normalizeH="0" baseline="0" noProof="0" dirty="0" err="1">
+                <a:ln>
+                  <a:noFill/>
+                </a:ln>
+                <a:effectLst/>
+                <a:uLnTx/>
+                <a:uFillTx/>
+                <a:ea typeface="Arial Unicode MS" pitchFamily="34" charset="-128"/>
+                <a:cs typeface="Arial Unicode MS" pitchFamily="34" charset="-128"/>
+              </a:endParaRPr>
+            </a:p>
+          </p:txBody>
+        </p:sp>
+        <p:sp>
+          <p:nvSpPr>
+            <p:cNvPr id="8" name="Cylinder 7"/>
+            <p:cNvSpPr/>
+            <p:nvPr/>
+          </p:nvSpPr>
+          <p:spPr bwMode="gray">
+            <a:xfrm>
+              <a:off x="3946888" y="5248563"/>
+              <a:ext cx="998220" cy="1004248"/>
+            </a:xfrm>
+            <a:prstGeom prst="can">
+              <a:avLst/>
+            </a:prstGeom>
+            <a:ln>
+              <a:headEnd/>
+              <a:tailEnd/>
+            </a:ln>
+          </p:spPr>
+          <p:style>
+            <a:lnRef idx="2">
+              <a:schemeClr val="accent2"/>
+            </a:lnRef>
+            <a:fillRef idx="1">
+              <a:schemeClr val="lt1"/>
+            </a:fillRef>
+            <a:effectRef idx="0">
+              <a:schemeClr val="accent2"/>
+            </a:effectRef>
+            <a:fontRef idx="minor">
+              <a:schemeClr val="dk1"/>
+            </a:fontRef>
+          </p:style>
+          <p:txBody>
+            <a:bodyPr lIns="90000" tIns="72000" rIns="90000" bIns="72000" rtlCol="0" anchor="ctr"/>
+            <a:lstStyle/>
+            <a:p>
+              <a:pPr marR="0" algn="ctr" defTabSz="914400" eaLnBrk="1" fontAlgn="base" latinLnBrk="0" hangingPunct="1">
+                <a:lnSpc>
+                  <a:spcPct val="100000"/>
+                </a:lnSpc>
+                <a:spcBef>
+                  <a:spcPct val="50000"/>
+                </a:spcBef>
+                <a:spcAft>
+                  <a:spcPct val="0"/>
+                </a:spcAft>
+                <a:buClr>
+                  <a:srgbClr val="F0AB00"/>
+                </a:buClr>
+                <a:buSzPct val="80000"/>
+                <a:tabLst/>
+              </a:pPr>
+              <a:r>
+                <a:rPr kumimoji="0" lang="de-DE" sz="1800" b="0" i="0" u="none" strike="noStrike" kern="0" cap="none" spc="0" normalizeH="0" baseline="0" noProof="0" dirty="0" err="1">
+                  <a:ln>
+                    <a:noFill/>
+                  </a:ln>
+                  <a:effectLst/>
+                  <a:uLnTx/>
+                  <a:uFillTx/>
+                  <a:ea typeface="Arial Unicode MS" pitchFamily="34" charset="-128"/>
+                  <a:cs typeface="Arial Unicode MS" pitchFamily="34" charset="-128"/>
+                </a:rPr>
+                <a:t>content</a:t>
+              </a:r>
+              <a:endParaRPr kumimoji="0" lang="de-DE" sz="1800" b="0" i="0" u="none" strike="noStrike" kern="0" cap="none" spc="0" normalizeH="0" baseline="0" noProof="0" dirty="0">
+                <a:ln>
+                  <a:noFill/>
+                </a:ln>
+                <a:effectLst/>
+                <a:uLnTx/>
+                <a:uFillTx/>
+                <a:ea typeface="Arial Unicode MS" pitchFamily="34" charset="-128"/>
+                <a:cs typeface="Arial Unicode MS" pitchFamily="34" charset="-128"/>
+              </a:endParaRPr>
+            </a:p>
+          </p:txBody>
+        </p:sp>
+        <p:sp>
+          <p:nvSpPr>
+            <p:cNvPr id="9" name="Cylinder 8"/>
+            <p:cNvSpPr/>
+            <p:nvPr/>
+          </p:nvSpPr>
+          <p:spPr bwMode="gray">
+            <a:xfrm>
+              <a:off x="5214379" y="5248563"/>
+              <a:ext cx="998220" cy="1004248"/>
+            </a:xfrm>
+            <a:prstGeom prst="can">
+              <a:avLst/>
+            </a:prstGeom>
+            <a:ln>
+              <a:headEnd/>
+              <a:tailEnd/>
+            </a:ln>
+          </p:spPr>
+          <p:style>
+            <a:lnRef idx="2">
+              <a:schemeClr val="accent2"/>
+            </a:lnRef>
+            <a:fillRef idx="1">
+              <a:schemeClr val="lt1"/>
+            </a:fillRef>
+            <a:effectRef idx="0">
+              <a:schemeClr val="accent2"/>
+            </a:effectRef>
+            <a:fontRef idx="minor">
+              <a:schemeClr val="dk1"/>
+            </a:fontRef>
+          </p:style>
+          <p:txBody>
+            <a:bodyPr lIns="90000" tIns="72000" rIns="90000" bIns="72000" rtlCol="0" anchor="ctr"/>
+            <a:lstStyle/>
+            <a:p>
+              <a:pPr marR="0" algn="ctr" defTabSz="914400" eaLnBrk="1" fontAlgn="base" latinLnBrk="0" hangingPunct="1">
+                <a:lnSpc>
+                  <a:spcPct val="100000"/>
+                </a:lnSpc>
+                <a:spcBef>
+                  <a:spcPct val="50000"/>
+                </a:spcBef>
+                <a:spcAft>
+                  <a:spcPct val="0"/>
+                </a:spcAft>
+                <a:buClr>
+                  <a:srgbClr val="F0AB00"/>
+                </a:buClr>
+                <a:buSzPct val="80000"/>
+                <a:tabLst/>
+              </a:pPr>
+              <a:r>
+                <a:rPr kumimoji="0" lang="de-DE" sz="1800" b="0" i="0" u="none" strike="noStrike" kern="0" cap="none" spc="0" normalizeH="0" baseline="0" noProof="0" dirty="0" err="1">
+                  <a:ln>
+                    <a:noFill/>
+                  </a:ln>
+                  <a:effectLst/>
+                  <a:uLnTx/>
+                  <a:uFillTx/>
+                  <a:ea typeface="Arial Unicode MS" pitchFamily="34" charset="-128"/>
+                  <a:cs typeface="Arial Unicode MS" pitchFamily="34" charset="-128"/>
+                </a:rPr>
+                <a:t>config</a:t>
+              </a:r>
+              <a:endParaRPr kumimoji="0" lang="de-DE" sz="1800" b="0" i="0" u="none" strike="noStrike" kern="0" cap="none" spc="0" normalizeH="0" baseline="0" noProof="0" dirty="0">
+                <a:ln>
+                  <a:noFill/>
+                </a:ln>
+                <a:effectLst/>
+                <a:uLnTx/>
+                <a:uFillTx/>
+                <a:ea typeface="Arial Unicode MS" pitchFamily="34" charset="-128"/>
+                <a:cs typeface="Arial Unicode MS" pitchFamily="34" charset="-128"/>
+              </a:endParaRPr>
+            </a:p>
+          </p:txBody>
+        </p:sp>
+        <p:sp>
+          <p:nvSpPr>
+            <p:cNvPr id="10" name="Cylinder 9"/>
+            <p:cNvSpPr/>
+            <p:nvPr/>
+          </p:nvSpPr>
+          <p:spPr bwMode="gray">
+            <a:xfrm>
+              <a:off x="6481870" y="5248563"/>
+              <a:ext cx="998220" cy="1004248"/>
+            </a:xfrm>
+            <a:prstGeom prst="can">
+              <a:avLst/>
+            </a:prstGeom>
+            <a:ln>
+              <a:headEnd/>
+              <a:tailEnd/>
+            </a:ln>
+          </p:spPr>
+          <p:style>
+            <a:lnRef idx="2">
+              <a:schemeClr val="accent2"/>
+            </a:lnRef>
+            <a:fillRef idx="1">
+              <a:schemeClr val="lt1"/>
+            </a:fillRef>
+            <a:effectRef idx="0">
+              <a:schemeClr val="accent2"/>
+            </a:effectRef>
+            <a:fontRef idx="minor">
+              <a:schemeClr val="dk1"/>
+            </a:fontRef>
+          </p:style>
+          <p:txBody>
+            <a:bodyPr lIns="90000" tIns="72000" rIns="90000" bIns="72000" rtlCol="0" anchor="ctr"/>
+            <a:lstStyle/>
+            <a:p>
+              <a:pPr marR="0" algn="ctr" defTabSz="914400" eaLnBrk="1" fontAlgn="base" latinLnBrk="0" hangingPunct="1">
+                <a:lnSpc>
+                  <a:spcPct val="100000"/>
+                </a:lnSpc>
+                <a:spcBef>
+                  <a:spcPct val="50000"/>
+                </a:spcBef>
+                <a:spcAft>
+                  <a:spcPct val="0"/>
+                </a:spcAft>
+                <a:buClr>
+                  <a:srgbClr val="F0AB00"/>
+                </a:buClr>
+                <a:buSzPct val="80000"/>
+                <a:tabLst/>
+              </a:pPr>
+              <a:r>
+                <a:rPr lang="de-DE" sz="1800" kern="0" dirty="0" err="1">
+                  <a:ea typeface="Arial Unicode MS" pitchFamily="34" charset="-128"/>
+                  <a:cs typeface="Arial Unicode MS" pitchFamily="34" charset="-128"/>
+                </a:rPr>
+                <a:t>tls</a:t>
+              </a:r>
+              <a:r>
+                <a:rPr lang="de-DE" sz="1800" kern="0" dirty="0">
+                  <a:ea typeface="Arial Unicode MS" pitchFamily="34" charset="-128"/>
+                  <a:cs typeface="Arial Unicode MS" pitchFamily="34" charset="-128"/>
+                </a:rPr>
+                <a:t> </a:t>
+              </a:r>
+              <a:r>
+                <a:rPr lang="de-DE" sz="1800" kern="0" dirty="0" err="1">
+                  <a:ea typeface="Arial Unicode MS" pitchFamily="34" charset="-128"/>
+                  <a:cs typeface="Arial Unicode MS" pitchFamily="34" charset="-128"/>
+                </a:rPr>
+                <a:t>certs</a:t>
+              </a:r>
+              <a:endParaRPr kumimoji="0" lang="de-DE" sz="1800" b="0" i="0" u="none" strike="noStrike" kern="0" cap="none" spc="0" normalizeH="0" baseline="0" noProof="0" dirty="0">
+                <a:ln>
+                  <a:noFill/>
+                </a:ln>
+                <a:effectLst/>
+                <a:uLnTx/>
+                <a:uFillTx/>
+                <a:ea typeface="Arial Unicode MS" pitchFamily="34" charset="-128"/>
+                <a:cs typeface="Arial Unicode MS" pitchFamily="34" charset="-128"/>
+              </a:endParaRPr>
+            </a:p>
+          </p:txBody>
+        </p:sp>
+      </p:grpSp>
+      <p:sp>
+        <p:nvSpPr>
+          <p:cNvPr id="16" name="Arrow: Up-Down 15"/>
+          <p:cNvSpPr/>
+          <p:nvPr/>
+        </p:nvSpPr>
+        <p:spPr bwMode="gray">
+          <a:xfrm>
+            <a:off x="5657231" y="4400550"/>
+            <a:ext cx="222219" cy="845820"/>
+          </a:xfrm>
+          <a:prstGeom prst="upDownArrow">
+            <a:avLst/>
+          </a:prstGeom>
+          <a:solidFill>
+            <a:schemeClr val="accent1"/>
+          </a:solidFill>
+          <a:ln w="6350" algn="ctr">
+            <a:noFill/>
+            <a:miter lim="800000"/>
+            <a:headEnd/>
+            <a:tailEnd/>
+          </a:ln>
+        </p:spPr>
+        <p:txBody>
+          <a:bodyPr lIns="90000" tIns="72000" rIns="90000" bIns="72000" rtlCol="0" anchor="ctr"/>
+          <a:lstStyle/>
+          <a:p>
+            <a:pPr marR="0" algn="ctr" defTabSz="914400" eaLnBrk="1" fontAlgn="base" latinLnBrk="0" hangingPunct="1">
+              <a:lnSpc>
+                <a:spcPct val="100000"/>
+              </a:lnSpc>
+              <a:spcBef>
+                <a:spcPct val="50000"/>
+              </a:spcBef>
+              <a:spcAft>
+                <a:spcPct val="0"/>
+              </a:spcAft>
+              <a:buClr>
+                <a:srgbClr val="F0AB00"/>
+              </a:buClr>
+              <a:buSzPct val="80000"/>
+              <a:tabLst/>
+            </a:pPr>
+            <a:endParaRPr kumimoji="0" lang="en-US" sz="1800" b="0" i="0" u="none" strike="noStrike" kern="0" cap="none" spc="0" normalizeH="0" baseline="0" noProof="0" dirty="0" err="1">
+              <a:ln>
+                <a:noFill/>
+              </a:ln>
+              <a:effectLst/>
+              <a:uLnTx/>
+              <a:uFillTx/>
+              <a:ea typeface="Arial Unicode MS" pitchFamily="34" charset="-128"/>
+              <a:cs typeface="Arial Unicode MS" pitchFamily="34" charset="-128"/>
+            </a:endParaRPr>
+          </a:p>
+        </p:txBody>
+      </p:sp>
+      <p:sp>
+        <p:nvSpPr>
+          <p:cNvPr id="17" name="Cloud 16"/>
+          <p:cNvSpPr/>
+          <p:nvPr/>
+        </p:nvSpPr>
+        <p:spPr bwMode="gray">
+          <a:xfrm>
+            <a:off x="4077319" y="1126276"/>
+            <a:ext cx="3382042" cy="914400"/>
+          </a:xfrm>
+          <a:prstGeom prst="cloud">
+            <a:avLst/>
+          </a:prstGeom>
+          <a:solidFill>
+            <a:schemeClr val="accent1"/>
+          </a:solidFill>
+          <a:ln w="6350" algn="ctr">
+            <a:noFill/>
+            <a:miter lim="800000"/>
+            <a:headEnd/>
+            <a:tailEnd/>
+          </a:ln>
+        </p:spPr>
+        <p:txBody>
+          <a:bodyPr lIns="90000" tIns="72000" rIns="90000" bIns="72000" rtlCol="0" anchor="ctr"/>
+          <a:lstStyle/>
+          <a:p>
+            <a:pPr marR="0" algn="ctr" defTabSz="914400" eaLnBrk="1" fontAlgn="base" latinLnBrk="0" hangingPunct="1">
+              <a:lnSpc>
+                <a:spcPct val="100000"/>
+              </a:lnSpc>
+              <a:spcBef>
+                <a:spcPct val="50000"/>
+              </a:spcBef>
+              <a:spcAft>
+                <a:spcPct val="0"/>
+              </a:spcAft>
+              <a:buClr>
+                <a:srgbClr val="F0AB00"/>
+              </a:buClr>
+              <a:buSzPct val="80000"/>
+              <a:tabLst/>
+            </a:pPr>
+            <a:endParaRPr kumimoji="0" lang="en-US" sz="1800" b="0" i="0" u="none" strike="noStrike" kern="0" cap="none" spc="0" normalizeH="0" baseline="0" noProof="0" dirty="0" err="1">
+              <a:ln>
+                <a:noFill/>
+              </a:ln>
+              <a:effectLst/>
+              <a:uLnTx/>
+              <a:uFillTx/>
+              <a:ea typeface="Arial Unicode MS" pitchFamily="34" charset="-128"/>
+              <a:cs typeface="Arial Unicode MS" pitchFamily="34" charset="-128"/>
+            </a:endParaRPr>
+          </a:p>
+        </p:txBody>
+      </p:sp>
+      <p:sp>
+        <p:nvSpPr>
+          <p:cNvPr id="18" name="Arrow: Up-Down 17"/>
+          <p:cNvSpPr/>
+          <p:nvPr/>
+        </p:nvSpPr>
+        <p:spPr bwMode="gray">
+          <a:xfrm>
+            <a:off x="5657231" y="2071898"/>
+            <a:ext cx="222219" cy="845820"/>
+          </a:xfrm>
+          <a:prstGeom prst="upDownArrow">
+            <a:avLst/>
+          </a:prstGeom>
+          <a:solidFill>
+            <a:schemeClr val="accent1"/>
+          </a:solidFill>
+          <a:ln w="6350" algn="ctr">
+            <a:noFill/>
+            <a:miter lim="800000"/>
+            <a:headEnd/>
+            <a:tailEnd/>
+          </a:ln>
+        </p:spPr>
+        <p:txBody>
+          <a:bodyPr lIns="90000" tIns="72000" rIns="90000" bIns="72000" rtlCol="0" anchor="ctr"/>
+          <a:lstStyle/>
+          <a:p>
+            <a:pPr marR="0" algn="ctr" defTabSz="914400" eaLnBrk="1" fontAlgn="base" latinLnBrk="0" hangingPunct="1">
+              <a:lnSpc>
+                <a:spcPct val="100000"/>
+              </a:lnSpc>
+              <a:spcBef>
+                <a:spcPct val="50000"/>
+              </a:spcBef>
+              <a:spcAft>
+                <a:spcPct val="0"/>
+              </a:spcAft>
+              <a:buClr>
+                <a:srgbClr val="F0AB00"/>
+              </a:buClr>
+              <a:buSzPct val="80000"/>
+              <a:tabLst/>
+            </a:pPr>
+            <a:endParaRPr kumimoji="0" lang="en-US" sz="1800" b="0" i="0" u="none" strike="noStrike" kern="0" cap="none" spc="0" normalizeH="0" baseline="0" noProof="0" dirty="0" err="1">
+              <a:ln>
+                <a:noFill/>
+              </a:ln>
+              <a:effectLst/>
+              <a:uLnTx/>
+              <a:uFillTx/>
+              <a:ea typeface="Arial Unicode MS" pitchFamily="34" charset="-128"/>
+              <a:cs typeface="Arial Unicode MS" pitchFamily="34" charset="-128"/>
+            </a:endParaRPr>
+          </a:p>
+        </p:txBody>
+      </p:sp>
+      <p:sp>
+        <p:nvSpPr>
+          <p:cNvPr id="19" name="Flowchart: Document 18"/>
+          <p:cNvSpPr/>
+          <p:nvPr/>
+        </p:nvSpPr>
+        <p:spPr bwMode="gray">
+          <a:xfrm>
+            <a:off x="9991415" y="5391354"/>
+            <a:ext cx="1484305" cy="934584"/>
+          </a:xfrm>
+          <a:prstGeom prst="flowChartDocument">
+            <a:avLst/>
+          </a:prstGeom>
+          <a:ln>
+            <a:headEnd/>
+            <a:tailEnd/>
+          </a:ln>
+        </p:spPr>
+        <p:style>
+          <a:lnRef idx="2">
+            <a:schemeClr val="accent2"/>
+          </a:lnRef>
+          <a:fillRef idx="1">
+            <a:schemeClr val="lt1"/>
+          </a:fillRef>
+          <a:effectRef idx="0">
+            <a:schemeClr val="accent2"/>
+          </a:effectRef>
+          <a:fontRef idx="minor">
+            <a:schemeClr val="dk1"/>
+          </a:fontRef>
+        </p:style>
+        <p:txBody>
+          <a:bodyPr lIns="90000" tIns="72000" rIns="90000" bIns="72000" rtlCol="0" anchor="ctr"/>
+          <a:lstStyle/>
+          <a:p>
+            <a:pPr marR="0" algn="ctr" defTabSz="914400" eaLnBrk="1" fontAlgn="base" latinLnBrk="0" hangingPunct="1">
+              <a:lnSpc>
+                <a:spcPct val="100000"/>
+              </a:lnSpc>
+              <a:spcBef>
+                <a:spcPct val="50000"/>
+              </a:spcBef>
+              <a:spcAft>
+                <a:spcPct val="0"/>
+              </a:spcAft>
+              <a:buClr>
+                <a:srgbClr val="F0AB00"/>
+              </a:buClr>
+              <a:buSzPct val="80000"/>
+              <a:tabLst/>
+            </a:pPr>
+            <a:r>
+              <a:rPr kumimoji="0" lang="en-US" sz="1800" b="0" i="0" u="none" strike="noStrike" kern="0" cap="none" spc="0" normalizeH="0" baseline="0" noProof="0" dirty="0">
+                <a:ln>
+                  <a:noFill/>
+                </a:ln>
+                <a:effectLst/>
+                <a:uLnTx/>
+                <a:uFillTx/>
+                <a:ea typeface="Arial Unicode MS" pitchFamily="34" charset="-128"/>
+                <a:cs typeface="Arial Unicode MS" pitchFamily="34" charset="-128"/>
+              </a:rPr>
+              <a:t>Persistence</a:t>
+            </a:r>
+            <a:r>
+              <a:rPr kumimoji="0" lang="en-US" sz="1800" b="0" i="0" u="none" strike="noStrike" kern="0" cap="none" spc="0" normalizeH="0" noProof="0" dirty="0">
+                <a:ln>
+                  <a:noFill/>
+                </a:ln>
+                <a:effectLst/>
+                <a:uLnTx/>
+                <a:uFillTx/>
+                <a:ea typeface="Arial Unicode MS" pitchFamily="34" charset="-128"/>
+                <a:cs typeface="Arial Unicode MS" pitchFamily="34" charset="-128"/>
+              </a:rPr>
+              <a:t> layer</a:t>
+            </a:r>
+            <a:endParaRPr kumimoji="0" lang="en-US" sz="1800" b="0" i="0" u="none" strike="noStrike" kern="0" cap="none" spc="0" normalizeH="0" baseline="0" noProof="0" dirty="0">
+              <a:ln>
+                <a:noFill/>
+              </a:ln>
+              <a:effectLst/>
+              <a:uLnTx/>
+              <a:uFillTx/>
+              <a:ea typeface="Arial Unicode MS" pitchFamily="34" charset="-128"/>
+              <a:cs typeface="Arial Unicode MS" pitchFamily="34" charset="-128"/>
+            </a:endParaRPr>
+          </a:p>
+        </p:txBody>
+      </p:sp>
+      <p:sp>
+        <p:nvSpPr>
+          <p:cNvPr id="20" name="Flowchart: Document 19"/>
+          <p:cNvSpPr/>
+          <p:nvPr/>
+        </p:nvSpPr>
+        <p:spPr bwMode="gray">
+          <a:xfrm>
+            <a:off x="9991415" y="3465966"/>
+            <a:ext cx="1484305" cy="934584"/>
+          </a:xfrm>
+          <a:prstGeom prst="flowChartDocument">
+            <a:avLst/>
+          </a:prstGeom>
+          <a:ln>
+            <a:headEnd/>
+            <a:tailEnd/>
+          </a:ln>
+        </p:spPr>
+        <p:style>
+          <a:lnRef idx="2">
+            <a:schemeClr val="accent2"/>
+          </a:lnRef>
+          <a:fillRef idx="1">
+            <a:schemeClr val="lt1"/>
+          </a:fillRef>
+          <a:effectRef idx="0">
+            <a:schemeClr val="accent2"/>
+          </a:effectRef>
+          <a:fontRef idx="minor">
+            <a:schemeClr val="dk1"/>
+          </a:fontRef>
+        </p:style>
+        <p:txBody>
+          <a:bodyPr lIns="90000" tIns="72000" rIns="90000" bIns="72000" rtlCol="0" anchor="ctr"/>
+          <a:lstStyle/>
+          <a:p>
+            <a:pPr marR="0" algn="ctr" defTabSz="914400" eaLnBrk="1" fontAlgn="base" latinLnBrk="0" hangingPunct="1">
+              <a:lnSpc>
+                <a:spcPct val="100000"/>
+              </a:lnSpc>
+              <a:spcBef>
+                <a:spcPct val="50000"/>
+              </a:spcBef>
+              <a:spcAft>
+                <a:spcPct val="0"/>
+              </a:spcAft>
+              <a:buClr>
+                <a:srgbClr val="F0AB00"/>
+              </a:buClr>
+              <a:buSzPct val="80000"/>
+              <a:tabLst/>
+            </a:pPr>
+            <a:r>
+              <a:rPr kumimoji="0" lang="en-US" sz="1800" b="0" i="0" u="none" strike="noStrike" kern="0" cap="none" spc="0" normalizeH="0" baseline="0" noProof="0">
+                <a:ln>
+                  <a:noFill/>
+                </a:ln>
+                <a:effectLst/>
+                <a:uLnTx/>
+                <a:uFillTx/>
+                <a:ea typeface="Arial Unicode MS" pitchFamily="34" charset="-128"/>
+                <a:cs typeface="Arial Unicode MS" pitchFamily="34" charset="-128"/>
+              </a:rPr>
+              <a:t>Application</a:t>
+            </a:r>
+            <a:r>
+              <a:rPr kumimoji="0" lang="en-US" sz="1800" b="0" i="0" u="none" strike="noStrike" kern="0" cap="none" spc="0" normalizeH="0" noProof="0">
+                <a:ln>
+                  <a:noFill/>
+                </a:ln>
+                <a:effectLst/>
+                <a:uLnTx/>
+                <a:uFillTx/>
+                <a:ea typeface="Arial Unicode MS" pitchFamily="34" charset="-128"/>
+                <a:cs typeface="Arial Unicode MS" pitchFamily="34" charset="-128"/>
+              </a:rPr>
+              <a:t> </a:t>
+            </a:r>
+            <a:r>
+              <a:rPr kumimoji="0" lang="en-US" sz="1800" b="0" i="0" u="none" strike="noStrike" kern="0" cap="none" spc="0" normalizeH="0" noProof="0" dirty="0">
+                <a:ln>
+                  <a:noFill/>
+                </a:ln>
+                <a:effectLst/>
+                <a:uLnTx/>
+                <a:uFillTx/>
+                <a:ea typeface="Arial Unicode MS" pitchFamily="34" charset="-128"/>
+                <a:cs typeface="Arial Unicode MS" pitchFamily="34" charset="-128"/>
+              </a:rPr>
+              <a:t>layer</a:t>
+            </a:r>
+            <a:endParaRPr kumimoji="0" lang="en-US" sz="1800" b="0" i="0" u="none" strike="noStrike" kern="0" cap="none" spc="0" normalizeH="0" baseline="0" noProof="0" dirty="0">
+              <a:ln>
+                <a:noFill/>
+              </a:ln>
+              <a:effectLst/>
+              <a:uLnTx/>
+              <a:uFillTx/>
+              <a:ea typeface="Arial Unicode MS" pitchFamily="34" charset="-128"/>
+              <a:cs typeface="Arial Unicode MS" pitchFamily="34" charset="-128"/>
+            </a:endParaRPr>
+          </a:p>
+        </p:txBody>
+      </p:sp>
+      <p:sp>
+        <p:nvSpPr>
+          <p:cNvPr id="22" name="Flowchart: Document 21"/>
+          <p:cNvSpPr/>
+          <p:nvPr/>
+        </p:nvSpPr>
+        <p:spPr bwMode="gray">
+          <a:xfrm>
+            <a:off x="9991415" y="1396844"/>
+            <a:ext cx="1484305" cy="934584"/>
+          </a:xfrm>
+          <a:prstGeom prst="flowChartDocument">
+            <a:avLst/>
+          </a:prstGeom>
+          <a:ln>
+            <a:headEnd/>
+            <a:tailEnd/>
+          </a:ln>
+        </p:spPr>
+        <p:style>
+          <a:lnRef idx="2">
+            <a:schemeClr val="accent2"/>
+          </a:lnRef>
+          <a:fillRef idx="1">
+            <a:schemeClr val="lt1"/>
+          </a:fillRef>
+          <a:effectRef idx="0">
+            <a:schemeClr val="accent2"/>
+          </a:effectRef>
+          <a:fontRef idx="minor">
+            <a:schemeClr val="dk1"/>
+          </a:fontRef>
+        </p:style>
+        <p:txBody>
+          <a:bodyPr lIns="90000" tIns="72000" rIns="90000" bIns="72000" rtlCol="0" anchor="ctr"/>
+          <a:lstStyle/>
+          <a:p>
+            <a:pPr marR="0" algn="ctr" defTabSz="914400" eaLnBrk="1" fontAlgn="base" latinLnBrk="0" hangingPunct="1">
+              <a:lnSpc>
+                <a:spcPct val="100000"/>
+              </a:lnSpc>
+              <a:spcBef>
+                <a:spcPct val="50000"/>
+              </a:spcBef>
+              <a:spcAft>
+                <a:spcPct val="0"/>
+              </a:spcAft>
+              <a:buClr>
+                <a:srgbClr val="F0AB00"/>
+              </a:buClr>
+              <a:buSzPct val="80000"/>
+              <a:tabLst/>
+            </a:pPr>
+            <a:r>
+              <a:rPr kumimoji="0" lang="en-US" sz="1800" b="0" i="0" u="none" strike="noStrike" kern="0" cap="none" spc="0" normalizeH="0" baseline="0" noProof="0" dirty="0">
+                <a:ln>
+                  <a:noFill/>
+                </a:ln>
+                <a:effectLst/>
+                <a:uLnTx/>
+                <a:uFillTx/>
+                <a:ea typeface="Arial Unicode MS" pitchFamily="34" charset="-128"/>
+                <a:cs typeface="Arial Unicode MS" pitchFamily="34" charset="-128"/>
+              </a:rPr>
+              <a:t>Networking</a:t>
+            </a:r>
+            <a:r>
+              <a:rPr kumimoji="0" lang="en-US" sz="1800" b="0" i="0" u="none" strike="noStrike" kern="0" cap="none" spc="0" normalizeH="0" noProof="0" dirty="0">
+                <a:ln>
+                  <a:noFill/>
+                </a:ln>
+                <a:effectLst/>
+                <a:uLnTx/>
+                <a:uFillTx/>
+                <a:ea typeface="Arial Unicode MS" pitchFamily="34" charset="-128"/>
+                <a:cs typeface="Arial Unicode MS" pitchFamily="34" charset="-128"/>
+              </a:rPr>
+              <a:t> layer</a:t>
+            </a:r>
+            <a:endParaRPr kumimoji="0" lang="en-US" sz="1800" b="0" i="0" u="none" strike="noStrike" kern="0" cap="none" spc="0" normalizeH="0" baseline="0" noProof="0" dirty="0">
+              <a:ln>
+                <a:noFill/>
+              </a:ln>
+              <a:effectLst/>
+              <a:uLnTx/>
+              <a:uFillTx/>
+              <a:ea typeface="Arial Unicode MS" pitchFamily="34" charset="-128"/>
+              <a:cs typeface="Arial Unicode MS" pitchFamily="34" charset="-128"/>
+            </a:endParaRPr>
+          </a:p>
+        </p:txBody>
+      </p:sp>
+    </p:spTree>
+    <p:extLst>
+      <p:ext uri="{BB962C8B-B14F-4D97-AF65-F5344CB8AC3E}">
+        <p14:creationId xmlns:p14="http://schemas.microsoft.com/office/powerpoint/2010/main" val="4085581448"/>
+      </p:ext>
+    </p:extLst>
+  </p:cSld>
+  <p:clrMapOvr>
+    <a:masterClrMapping/>
+  </p:clrMapOvr>
+</p:sld>
+</file>
+
+<file path=ppt/slides/slide11.xml><?xml version="1.0" encoding="utf-8"?>
 <p:sld xmlns:a="http://schemas.openxmlformats.org/drawingml/2006/main" xmlns:r="http://schemas.openxmlformats.org/officeDocument/2006/relationships" xmlns:p="http://schemas.openxmlformats.org/presentationml/2006/main" show="0">
   <p:cSld>
     <p:spTree>
@@ -8626,7 +9774,7 @@
 </p:sld>
 </file>
 
-<file path=ppt/slides/slide11.xml><?xml version="1.0" encoding="utf-8"?>
+<file path=ppt/slides/slide12.xml><?xml version="1.0" encoding="utf-8"?>
 <p:sld xmlns:a="http://schemas.openxmlformats.org/drawingml/2006/main" xmlns:r="http://schemas.openxmlformats.org/officeDocument/2006/relationships" xmlns:p="http://schemas.openxmlformats.org/presentationml/2006/main" show="0">
   <p:cSld>
     <p:spTree>
@@ -8912,7 +10060,7 @@
             <a:pPr lvl="1"/>
             <a:r>
               <a:rPr lang="en-US" dirty="0"/>
-              <a:t>A pod is a group of one or more (</a:t>
+              <a:t>A pod is a runtime environment for </a:t>
             </a:r>
             <a:r>
               <a:rPr lang="en-US" dirty="0" err="1"/>
@@ -8920,7 +10068,22 @@
             </a:r>
             <a:r>
               <a:rPr lang="en-US" dirty="0"/>
-              <a:t>) containers</a:t>
+              <a:t> containers</a:t>
+            </a:r>
+          </a:p>
+          <a:p>
+            <a:pPr lvl="1"/>
+            <a:r>
+              <a:rPr lang="en-US" dirty="0"/>
+              <a:t>One or more (</a:t>
+            </a:r>
+            <a:r>
+              <a:rPr lang="en-US" dirty="0" err="1"/>
+              <a:t>docker</a:t>
+            </a:r>
+            <a:r>
+              <a:rPr lang="en-US" dirty="0"/>
+              <a:t>) containers can run within a single pod</a:t>
             </a:r>
           </a:p>
           <a:p>
@@ -10859,103 +12022,7 @@
       </p:grpSpPr>
       <p:sp>
         <p:nvSpPr>
-          <p:cNvPr id="3" name="Text Placeholder 2"/>
-          <p:cNvSpPr>
-            <a:spLocks noGrp="1"/>
-          </p:cNvSpPr>
-          <p:nvPr>
-            <p:ph type="body" sz="quarter" idx="10"/>
-          </p:nvPr>
-        </p:nvSpPr>
-        <p:spPr>
-          <a:xfrm>
-            <a:off x="504000" y="1124700"/>
-            <a:ext cx="8159939" cy="5017020"/>
-          </a:xfrm>
-        </p:spPr>
-        <p:txBody>
-          <a:bodyPr/>
-          <a:lstStyle/>
-          <a:p>
-            <a:r>
-              <a:rPr lang="en-US" dirty="0" err="1"/>
-              <a:t>etcd</a:t>
-            </a:r>
-            <a:endParaRPr lang="en-US" dirty="0"/>
-          </a:p>
-          <a:p>
-            <a:pPr lvl="1"/>
-            <a:r>
-              <a:rPr lang="en-US" dirty="0"/>
-              <a:t>(distributed), high-availability key-value store</a:t>
-            </a:r>
-          </a:p>
-          <a:p>
-            <a:pPr lvl="1"/>
-            <a:r>
-              <a:rPr lang="en-US" dirty="0"/>
-              <a:t>Persists state of the cluster</a:t>
-            </a:r>
-          </a:p>
-          <a:p>
-            <a:r>
-              <a:rPr lang="en-US" dirty="0"/>
-              <a:t>API Server</a:t>
-            </a:r>
-          </a:p>
-          <a:p>
-            <a:pPr lvl="1"/>
-            <a:r>
-              <a:rPr lang="en-US" dirty="0"/>
-              <a:t>Central entry point to modify cluster state (i.e. schedule something)</a:t>
-            </a:r>
-          </a:p>
-          <a:p>
-            <a:pPr lvl="1"/>
-            <a:r>
-              <a:rPr lang="en-US" dirty="0"/>
-              <a:t>Receives RESTful requests and initiates processing</a:t>
-            </a:r>
-          </a:p>
-          <a:p>
-            <a:r>
-              <a:rPr lang="en-US" dirty="0"/>
-              <a:t>Controller-Manager</a:t>
-            </a:r>
-          </a:p>
-          <a:p>
-            <a:pPr lvl="1"/>
-            <a:r>
-              <a:rPr lang="en-US" dirty="0"/>
-              <a:t>watches </a:t>
-            </a:r>
-            <a:r>
-              <a:rPr lang="en-US" dirty="0" err="1"/>
-              <a:t>etcd</a:t>
-            </a:r>
-            <a:r>
-              <a:rPr lang="en-US" dirty="0"/>
-              <a:t> for replication tasks and uses the API to enforce the desired state</a:t>
-            </a:r>
-          </a:p>
-          <a:p>
-            <a:r>
-              <a:rPr lang="en-US" dirty="0"/>
-              <a:t>Scheduler</a:t>
-            </a:r>
-          </a:p>
-          <a:p>
-            <a:pPr lvl="1"/>
-            <a:r>
-              <a:rPr lang="en-US" dirty="0"/>
-              <a:t>Assigns resources to nodes for execution</a:t>
-            </a:r>
-          </a:p>
-        </p:txBody>
-      </p:sp>
-      <p:sp>
-        <p:nvSpPr>
-          <p:cNvPr id="2" name="Title 1"/>
+          <p:cNvPr id="24" name="Title 23"/>
           <p:cNvSpPr>
             <a:spLocks noGrp="1"/>
           </p:cNvSpPr>
@@ -10963,28 +12030,1773 @@
             <p:ph type="title"/>
           </p:nvPr>
         </p:nvSpPr>
-        <p:spPr/>
+        <p:spPr>
+          <a:xfrm>
+            <a:off x="504001" y="504000"/>
+            <a:ext cx="11186476" cy="369332"/>
+          </a:xfrm>
+        </p:spPr>
         <p:txBody>
           <a:bodyPr/>
           <a:lstStyle/>
           <a:p>
             <a:r>
               <a:rPr lang="en-US" dirty="0"/>
-              <a:t>Core Components - master</a:t>
-            </a:r>
+              <a:t>How the orchestrator works</a:t>
+            </a:r>
+          </a:p>
+        </p:txBody>
+      </p:sp>
+      <p:sp>
+        <p:nvSpPr>
+          <p:cNvPr id="3" name="Rectangle 2"/>
+          <p:cNvSpPr/>
+          <p:nvPr/>
+        </p:nvSpPr>
+        <p:spPr bwMode="gray">
+          <a:xfrm>
+            <a:off x="504001" y="2377440"/>
+            <a:ext cx="3703320" cy="3070860"/>
+          </a:xfrm>
+          <a:prstGeom prst="rect">
+            <a:avLst/>
+          </a:prstGeom>
+          <a:ln>
+            <a:headEnd/>
+            <a:tailEnd/>
+          </a:ln>
+        </p:spPr>
+        <p:style>
+          <a:lnRef idx="1">
+            <a:schemeClr val="accent2"/>
+          </a:lnRef>
+          <a:fillRef idx="2">
+            <a:schemeClr val="accent2"/>
+          </a:fillRef>
+          <a:effectRef idx="1">
+            <a:schemeClr val="accent2"/>
+          </a:effectRef>
+          <a:fontRef idx="minor">
+            <a:schemeClr val="dk1"/>
+          </a:fontRef>
+        </p:style>
+        <p:txBody>
+          <a:bodyPr lIns="90000" tIns="72000" rIns="90000" bIns="72000" rtlCol="0" anchor="t"/>
+          <a:lstStyle/>
+          <a:p>
+            <a:pPr marR="0" algn="ctr" defTabSz="914400" eaLnBrk="1" fontAlgn="base" latinLnBrk="0" hangingPunct="1">
+              <a:lnSpc>
+                <a:spcPct val="100000"/>
+              </a:lnSpc>
+              <a:spcBef>
+                <a:spcPct val="50000"/>
+              </a:spcBef>
+              <a:spcAft>
+                <a:spcPct val="0"/>
+              </a:spcAft>
+              <a:buClr>
+                <a:srgbClr val="F0AB00"/>
+              </a:buClr>
+              <a:buSzPct val="80000"/>
+              <a:tabLst/>
+            </a:pPr>
+            <a:r>
+              <a:rPr kumimoji="0" lang="de-DE" sz="2400" b="1" i="0" strike="noStrike" kern="0" cap="none" spc="0" normalizeH="0" baseline="0" noProof="0" dirty="0">
+                <a:ln>
+                  <a:noFill/>
+                </a:ln>
+                <a:effectLst/>
+                <a:uLnTx/>
+                <a:uFillTx/>
+                <a:ea typeface="Arial Unicode MS" pitchFamily="34" charset="-128"/>
+                <a:cs typeface="Arial Unicode MS" pitchFamily="34" charset="-128"/>
+              </a:rPr>
+              <a:t>Master</a:t>
+            </a:r>
+          </a:p>
+        </p:txBody>
+      </p:sp>
+      <p:sp>
+        <p:nvSpPr>
+          <p:cNvPr id="4" name="Rectangle 3"/>
+          <p:cNvSpPr/>
+          <p:nvPr/>
+        </p:nvSpPr>
+        <p:spPr bwMode="gray">
+          <a:xfrm>
+            <a:off x="1147891" y="3002280"/>
+            <a:ext cx="2415540" cy="845820"/>
+          </a:xfrm>
+          <a:prstGeom prst="rect">
+            <a:avLst/>
+          </a:prstGeom>
+          <a:ln>
+            <a:headEnd/>
+            <a:tailEnd/>
+          </a:ln>
+        </p:spPr>
+        <p:style>
+          <a:lnRef idx="2">
+            <a:schemeClr val="accent2">
+              <a:shade val="50000"/>
+            </a:schemeClr>
+          </a:lnRef>
+          <a:fillRef idx="1">
+            <a:schemeClr val="accent2"/>
+          </a:fillRef>
+          <a:effectRef idx="0">
+            <a:schemeClr val="accent2"/>
+          </a:effectRef>
+          <a:fontRef idx="minor">
+            <a:schemeClr val="lt1"/>
+          </a:fontRef>
+        </p:style>
+        <p:txBody>
+          <a:bodyPr lIns="90000" tIns="72000" rIns="90000" bIns="72000" rtlCol="0" anchor="ctr"/>
+          <a:lstStyle/>
+          <a:p>
+            <a:pPr marR="0" algn="ctr" defTabSz="914400" eaLnBrk="1" fontAlgn="base" latinLnBrk="0" hangingPunct="1">
+              <a:lnSpc>
+                <a:spcPct val="100000"/>
+              </a:lnSpc>
+              <a:spcBef>
+                <a:spcPct val="50000"/>
+              </a:spcBef>
+              <a:spcAft>
+                <a:spcPct val="0"/>
+              </a:spcAft>
+              <a:buClr>
+                <a:srgbClr val="F0AB00"/>
+              </a:buClr>
+              <a:buSzPct val="80000"/>
+              <a:tabLst/>
+            </a:pPr>
+            <a:r>
+              <a:rPr kumimoji="0" lang="de-DE" sz="1800" b="1" i="0" u="none" strike="noStrike" kern="0" cap="none" spc="0" normalizeH="0" baseline="0" noProof="0" dirty="0">
+                <a:ln>
+                  <a:noFill/>
+                </a:ln>
+                <a:effectLst/>
+                <a:uLnTx/>
+                <a:uFillTx/>
+                <a:ea typeface="Arial Unicode MS" pitchFamily="34" charset="-128"/>
+                <a:cs typeface="Arial Unicode MS" pitchFamily="34" charset="-128"/>
+              </a:rPr>
+              <a:t>API</a:t>
+            </a:r>
+            <a:r>
+              <a:rPr kumimoji="0" lang="de-DE" sz="1800" b="1" i="0" u="none" strike="noStrike" kern="0" cap="none" spc="0" normalizeH="0" noProof="0" dirty="0">
+                <a:ln>
+                  <a:noFill/>
+                </a:ln>
+                <a:effectLst/>
+                <a:uLnTx/>
+                <a:uFillTx/>
+                <a:ea typeface="Arial Unicode MS" pitchFamily="34" charset="-128"/>
+                <a:cs typeface="Arial Unicode MS" pitchFamily="34" charset="-128"/>
+              </a:rPr>
+              <a:t> Server</a:t>
+            </a:r>
+            <a:endParaRPr kumimoji="0" lang="de-DE" sz="1800" b="1" i="0" u="none" strike="noStrike" kern="0" cap="none" spc="0" normalizeH="0" baseline="0" noProof="0" dirty="0">
+              <a:ln>
+                <a:noFill/>
+              </a:ln>
+              <a:effectLst/>
+              <a:uLnTx/>
+              <a:uFillTx/>
+              <a:ea typeface="Arial Unicode MS" pitchFamily="34" charset="-128"/>
+              <a:cs typeface="Arial Unicode MS" pitchFamily="34" charset="-128"/>
+            </a:endParaRPr>
+          </a:p>
+        </p:txBody>
+      </p:sp>
+      <p:sp>
+        <p:nvSpPr>
+          <p:cNvPr id="6" name="Rectangle 5"/>
+          <p:cNvSpPr/>
+          <p:nvPr/>
+        </p:nvSpPr>
+        <p:spPr bwMode="gray">
+          <a:xfrm>
+            <a:off x="736411" y="4255770"/>
+            <a:ext cx="2037269" cy="434340"/>
+          </a:xfrm>
+          <a:prstGeom prst="rect">
+            <a:avLst/>
+          </a:prstGeom>
+          <a:ln>
+            <a:headEnd/>
+            <a:tailEnd/>
+          </a:ln>
+        </p:spPr>
+        <p:style>
+          <a:lnRef idx="2">
+            <a:schemeClr val="accent2">
+              <a:shade val="50000"/>
+            </a:schemeClr>
+          </a:lnRef>
+          <a:fillRef idx="1">
+            <a:schemeClr val="accent2"/>
+          </a:fillRef>
+          <a:effectRef idx="0">
+            <a:schemeClr val="accent2"/>
+          </a:effectRef>
+          <a:fontRef idx="minor">
+            <a:schemeClr val="lt1"/>
+          </a:fontRef>
+        </p:style>
+        <p:txBody>
+          <a:bodyPr lIns="90000" tIns="72000" rIns="90000" bIns="72000" rtlCol="0" anchor="ctr"/>
+          <a:lstStyle/>
+          <a:p>
+            <a:pPr marR="0" algn="ctr" defTabSz="914400" eaLnBrk="1" fontAlgn="base" latinLnBrk="0" hangingPunct="1">
+              <a:lnSpc>
+                <a:spcPct val="100000"/>
+              </a:lnSpc>
+              <a:spcBef>
+                <a:spcPct val="50000"/>
+              </a:spcBef>
+              <a:spcAft>
+                <a:spcPct val="0"/>
+              </a:spcAft>
+              <a:buClr>
+                <a:srgbClr val="F0AB00"/>
+              </a:buClr>
+              <a:buSzPct val="80000"/>
+              <a:tabLst/>
+            </a:pPr>
+            <a:r>
+              <a:rPr lang="de-DE" sz="1600" kern="0" dirty="0">
+                <a:ea typeface="Arial Unicode MS" pitchFamily="34" charset="-128"/>
+                <a:cs typeface="Arial Unicode MS" pitchFamily="34" charset="-128"/>
+              </a:rPr>
+              <a:t>Scheduler</a:t>
+            </a:r>
+            <a:endParaRPr kumimoji="0" lang="de-DE" sz="1600" i="0" u="none" strike="noStrike" kern="0" cap="none" spc="0" normalizeH="0" baseline="0" noProof="0" dirty="0">
+              <a:ln>
+                <a:noFill/>
+              </a:ln>
+              <a:effectLst/>
+              <a:uLnTx/>
+              <a:uFillTx/>
+              <a:ea typeface="Arial Unicode MS" pitchFamily="34" charset="-128"/>
+              <a:cs typeface="Arial Unicode MS" pitchFamily="34" charset="-128"/>
+            </a:endParaRPr>
+          </a:p>
+        </p:txBody>
+      </p:sp>
+      <p:sp>
+        <p:nvSpPr>
+          <p:cNvPr id="7" name="Rectangle 6"/>
+          <p:cNvSpPr/>
+          <p:nvPr/>
+        </p:nvSpPr>
+        <p:spPr bwMode="gray">
+          <a:xfrm>
+            <a:off x="1696531" y="4852035"/>
+            <a:ext cx="2037269" cy="434340"/>
+          </a:xfrm>
+          <a:prstGeom prst="rect">
+            <a:avLst/>
+          </a:prstGeom>
+          <a:ln>
+            <a:headEnd/>
+            <a:tailEnd/>
+          </a:ln>
+        </p:spPr>
+        <p:style>
+          <a:lnRef idx="2">
+            <a:schemeClr val="accent2">
+              <a:shade val="50000"/>
+            </a:schemeClr>
+          </a:lnRef>
+          <a:fillRef idx="1">
+            <a:schemeClr val="accent2"/>
+          </a:fillRef>
+          <a:effectRef idx="0">
+            <a:schemeClr val="accent2"/>
+          </a:effectRef>
+          <a:fontRef idx="minor">
+            <a:schemeClr val="lt1"/>
+          </a:fontRef>
+        </p:style>
+        <p:txBody>
+          <a:bodyPr lIns="90000" tIns="72000" rIns="90000" bIns="72000" rtlCol="0" anchor="ctr"/>
+          <a:lstStyle/>
+          <a:p>
+            <a:pPr marR="0" algn="ctr" defTabSz="914400" eaLnBrk="1" fontAlgn="base" latinLnBrk="0" hangingPunct="1">
+              <a:lnSpc>
+                <a:spcPct val="100000"/>
+              </a:lnSpc>
+              <a:spcBef>
+                <a:spcPct val="50000"/>
+              </a:spcBef>
+              <a:spcAft>
+                <a:spcPct val="0"/>
+              </a:spcAft>
+              <a:buClr>
+                <a:srgbClr val="F0AB00"/>
+              </a:buClr>
+              <a:buSzPct val="80000"/>
+              <a:tabLst/>
+            </a:pPr>
+            <a:r>
+              <a:rPr lang="de-DE" sz="1600" kern="0" dirty="0">
+                <a:ea typeface="Arial Unicode MS" pitchFamily="34" charset="-128"/>
+                <a:cs typeface="Arial Unicode MS" pitchFamily="34" charset="-128"/>
+              </a:rPr>
+              <a:t>Controller Manager</a:t>
+            </a:r>
+            <a:endParaRPr kumimoji="0" lang="de-DE" sz="1600" i="0" u="none" strike="noStrike" kern="0" cap="none" spc="0" normalizeH="0" baseline="0" noProof="0" dirty="0">
+              <a:ln>
+                <a:noFill/>
+              </a:ln>
+              <a:effectLst/>
+              <a:uLnTx/>
+              <a:uFillTx/>
+              <a:ea typeface="Arial Unicode MS" pitchFamily="34" charset="-128"/>
+              <a:cs typeface="Arial Unicode MS" pitchFamily="34" charset="-128"/>
+            </a:endParaRPr>
+          </a:p>
+        </p:txBody>
+      </p:sp>
+      <p:sp>
+        <p:nvSpPr>
+          <p:cNvPr id="8" name="Rectangle 7"/>
+          <p:cNvSpPr/>
+          <p:nvPr/>
+        </p:nvSpPr>
+        <p:spPr bwMode="gray">
+          <a:xfrm>
+            <a:off x="2170052" y="1411605"/>
+            <a:ext cx="2037269" cy="434340"/>
+          </a:xfrm>
+          <a:prstGeom prst="rect">
+            <a:avLst/>
+          </a:prstGeom>
+          <a:ln>
+            <a:headEnd/>
+            <a:tailEnd/>
+          </a:ln>
+        </p:spPr>
+        <p:style>
+          <a:lnRef idx="2">
+            <a:schemeClr val="accent2">
+              <a:shade val="50000"/>
+            </a:schemeClr>
+          </a:lnRef>
+          <a:fillRef idx="1">
+            <a:schemeClr val="accent2"/>
+          </a:fillRef>
+          <a:effectRef idx="0">
+            <a:schemeClr val="accent2"/>
+          </a:effectRef>
+          <a:fontRef idx="minor">
+            <a:schemeClr val="lt1"/>
+          </a:fontRef>
+        </p:style>
+        <p:txBody>
+          <a:bodyPr lIns="90000" tIns="72000" rIns="90000" bIns="72000" rtlCol="0" anchor="ctr"/>
+          <a:lstStyle/>
+          <a:p>
+            <a:pPr marR="0" algn="ctr" defTabSz="914400" eaLnBrk="1" fontAlgn="base" latinLnBrk="0" hangingPunct="1">
+              <a:lnSpc>
+                <a:spcPct val="100000"/>
+              </a:lnSpc>
+              <a:spcBef>
+                <a:spcPct val="50000"/>
+              </a:spcBef>
+              <a:spcAft>
+                <a:spcPct val="0"/>
+              </a:spcAft>
+              <a:buClr>
+                <a:srgbClr val="F0AB00"/>
+              </a:buClr>
+              <a:buSzPct val="80000"/>
+              <a:tabLst/>
+            </a:pPr>
+            <a:r>
+              <a:rPr lang="de-DE" sz="1800" b="1" kern="0" noProof="0" dirty="0" err="1">
+                <a:ea typeface="Arial Unicode MS" pitchFamily="34" charset="-128"/>
+                <a:cs typeface="Arial Unicode MS" pitchFamily="34" charset="-128"/>
+              </a:rPr>
+              <a:t>kubectl</a:t>
+            </a:r>
+            <a:endParaRPr kumimoji="0" lang="de-DE" sz="1800" b="1" i="0" u="none" strike="noStrike" kern="0" cap="none" spc="0" normalizeH="0" baseline="0" noProof="0" dirty="0">
+              <a:ln>
+                <a:noFill/>
+              </a:ln>
+              <a:effectLst/>
+              <a:uLnTx/>
+              <a:uFillTx/>
+              <a:ea typeface="Arial Unicode MS" pitchFamily="34" charset="-128"/>
+              <a:cs typeface="Arial Unicode MS" pitchFamily="34" charset="-128"/>
+            </a:endParaRPr>
+          </a:p>
+        </p:txBody>
+      </p:sp>
+      <p:sp>
+        <p:nvSpPr>
+          <p:cNvPr id="5" name="Oval 4"/>
+          <p:cNvSpPr/>
+          <p:nvPr/>
+        </p:nvSpPr>
+        <p:spPr bwMode="gray">
+          <a:xfrm>
+            <a:off x="2103120" y="1181100"/>
+            <a:ext cx="302071" cy="312420"/>
+          </a:xfrm>
+          <a:prstGeom prst="ellipse">
+            <a:avLst/>
+          </a:prstGeom>
+          <a:solidFill>
+            <a:schemeClr val="accent1"/>
+          </a:solidFill>
+          <a:ln w="6350" algn="ctr">
+            <a:noFill/>
+            <a:miter lim="800000"/>
+            <a:headEnd/>
+            <a:tailEnd/>
+          </a:ln>
+        </p:spPr>
+        <p:txBody>
+          <a:bodyPr lIns="90000" tIns="72000" rIns="90000" bIns="72000" rtlCol="0" anchor="ctr"/>
+          <a:lstStyle/>
+          <a:p>
+            <a:pPr marR="0" algn="ctr" defTabSz="914400" eaLnBrk="1" fontAlgn="base" latinLnBrk="0" hangingPunct="1">
+              <a:lnSpc>
+                <a:spcPct val="100000"/>
+              </a:lnSpc>
+              <a:spcBef>
+                <a:spcPct val="50000"/>
+              </a:spcBef>
+              <a:spcAft>
+                <a:spcPct val="0"/>
+              </a:spcAft>
+              <a:buClr>
+                <a:srgbClr val="F0AB00"/>
+              </a:buClr>
+              <a:buSzPct val="80000"/>
+              <a:tabLst/>
+            </a:pPr>
+            <a:endParaRPr kumimoji="0" lang="de-DE" sz="1800" b="0" i="0" u="none" strike="noStrike" kern="0" cap="none" spc="0" normalizeH="0" baseline="0" noProof="0" dirty="0" err="1">
+              <a:ln>
+                <a:noFill/>
+              </a:ln>
+              <a:effectLst/>
+              <a:uLnTx/>
+              <a:uFillTx/>
+              <a:ea typeface="Arial Unicode MS" pitchFamily="34" charset="-128"/>
+              <a:cs typeface="Arial Unicode MS" pitchFamily="34" charset="-128"/>
+            </a:endParaRPr>
+          </a:p>
+        </p:txBody>
+      </p:sp>
+      <p:sp>
+        <p:nvSpPr>
+          <p:cNvPr id="9" name="Flowchart: Delay 8"/>
+          <p:cNvSpPr/>
+          <p:nvPr/>
+        </p:nvSpPr>
+        <p:spPr bwMode="gray">
+          <a:xfrm rot="16200000">
+            <a:off x="1981741" y="1589619"/>
+            <a:ext cx="544828" cy="459313"/>
+          </a:xfrm>
+          <a:prstGeom prst="flowChartDelay">
+            <a:avLst/>
+          </a:prstGeom>
+          <a:solidFill>
+            <a:schemeClr val="accent1"/>
+          </a:solidFill>
+          <a:ln w="6350" algn="ctr">
+            <a:noFill/>
+            <a:miter lim="800000"/>
+            <a:headEnd/>
+            <a:tailEnd/>
+          </a:ln>
+        </p:spPr>
+        <p:txBody>
+          <a:bodyPr lIns="90000" tIns="72000" rIns="90000" bIns="72000" rtlCol="0" anchor="ctr"/>
+          <a:lstStyle/>
+          <a:p>
+            <a:pPr marR="0" algn="ctr" defTabSz="914400" eaLnBrk="1" fontAlgn="base" latinLnBrk="0" hangingPunct="1">
+              <a:lnSpc>
+                <a:spcPct val="100000"/>
+              </a:lnSpc>
+              <a:spcBef>
+                <a:spcPct val="50000"/>
+              </a:spcBef>
+              <a:spcAft>
+                <a:spcPct val="0"/>
+              </a:spcAft>
+              <a:buClr>
+                <a:srgbClr val="F0AB00"/>
+              </a:buClr>
+              <a:buSzPct val="80000"/>
+              <a:tabLst/>
+            </a:pPr>
+            <a:endParaRPr kumimoji="0" lang="de-DE" sz="1800" b="0" i="0" u="none" strike="noStrike" kern="0" cap="none" spc="0" normalizeH="0" baseline="0" noProof="0" dirty="0" err="1">
+              <a:ln>
+                <a:noFill/>
+              </a:ln>
+              <a:effectLst/>
+              <a:uLnTx/>
+              <a:uFillTx/>
+              <a:ea typeface="Arial Unicode MS" pitchFamily="34" charset="-128"/>
+              <a:cs typeface="Arial Unicode MS" pitchFamily="34" charset="-128"/>
+            </a:endParaRPr>
+          </a:p>
+        </p:txBody>
+      </p:sp>
+      <p:cxnSp>
+        <p:nvCxnSpPr>
+          <p:cNvPr id="11" name="Straight Arrow Connector 10"/>
+          <p:cNvCxnSpPr/>
+          <p:nvPr/>
+        </p:nvCxnSpPr>
+        <p:spPr>
+          <a:xfrm>
+            <a:off x="3314700" y="1845945"/>
+            <a:ext cx="7620" cy="1156335"/>
+          </a:xfrm>
+          <a:prstGeom prst="straightConnector1">
+            <a:avLst/>
+          </a:prstGeom>
+          <a:ln w="57150">
+            <a:solidFill>
+              <a:schemeClr val="accent1"/>
+            </a:solidFill>
+            <a:headEnd type="none" w="med" len="med"/>
+            <a:tailEnd type="triangle"/>
+          </a:ln>
+        </p:spPr>
+        <p:style>
+          <a:lnRef idx="1">
+            <a:schemeClr val="accent2"/>
+          </a:lnRef>
+          <a:fillRef idx="0">
+            <a:schemeClr val="accent2"/>
+          </a:fillRef>
+          <a:effectRef idx="0">
+            <a:schemeClr val="accent2"/>
+          </a:effectRef>
+          <a:fontRef idx="minor">
+            <a:schemeClr val="tx1"/>
+          </a:fontRef>
+        </p:style>
+      </p:cxnSp>
+      <p:cxnSp>
+        <p:nvCxnSpPr>
+          <p:cNvPr id="20" name="Straight Arrow Connector 19"/>
+          <p:cNvCxnSpPr/>
+          <p:nvPr/>
+        </p:nvCxnSpPr>
+        <p:spPr>
+          <a:xfrm flipV="1">
+            <a:off x="2355661" y="3848100"/>
+            <a:ext cx="0" cy="407671"/>
+          </a:xfrm>
+          <a:prstGeom prst="straightConnector1">
+            <a:avLst/>
+          </a:prstGeom>
+          <a:ln w="57150">
+            <a:solidFill>
+              <a:schemeClr val="accent1"/>
+            </a:solidFill>
+            <a:headEnd type="none" w="med" len="med"/>
+            <a:tailEnd type="triangle"/>
+          </a:ln>
+        </p:spPr>
+        <p:style>
+          <a:lnRef idx="1">
+            <a:schemeClr val="accent2"/>
+          </a:lnRef>
+          <a:fillRef idx="0">
+            <a:schemeClr val="accent2"/>
+          </a:fillRef>
+          <a:effectRef idx="0">
+            <a:schemeClr val="accent2"/>
+          </a:effectRef>
+          <a:fontRef idx="minor">
+            <a:schemeClr val="tx1"/>
+          </a:fontRef>
+        </p:style>
+      </p:cxnSp>
+      <p:sp>
+        <p:nvSpPr>
+          <p:cNvPr id="23" name="Rectangle 22"/>
+          <p:cNvSpPr/>
+          <p:nvPr/>
+        </p:nvSpPr>
+        <p:spPr bwMode="gray">
+          <a:xfrm>
+            <a:off x="4975035" y="3997642"/>
+            <a:ext cx="1703071" cy="1461135"/>
+          </a:xfrm>
+          <a:prstGeom prst="rect">
+            <a:avLst/>
+          </a:prstGeom>
+          <a:ln>
+            <a:headEnd/>
+            <a:tailEnd/>
+          </a:ln>
+        </p:spPr>
+        <p:style>
+          <a:lnRef idx="1">
+            <a:schemeClr val="accent2"/>
+          </a:lnRef>
+          <a:fillRef idx="2">
+            <a:schemeClr val="accent2"/>
+          </a:fillRef>
+          <a:effectRef idx="1">
+            <a:schemeClr val="accent2"/>
+          </a:effectRef>
+          <a:fontRef idx="minor">
+            <a:schemeClr val="dk1"/>
+          </a:fontRef>
+        </p:style>
+        <p:txBody>
+          <a:bodyPr lIns="90000" tIns="72000" rIns="90000" bIns="72000" rtlCol="0" anchor="ctr"/>
+          <a:lstStyle/>
+          <a:p>
+            <a:pPr marR="0" algn="ctr" defTabSz="914400" eaLnBrk="1" fontAlgn="base" latinLnBrk="0" hangingPunct="1">
+              <a:lnSpc>
+                <a:spcPct val="100000"/>
+              </a:lnSpc>
+              <a:spcBef>
+                <a:spcPct val="50000"/>
+              </a:spcBef>
+              <a:spcAft>
+                <a:spcPct val="0"/>
+              </a:spcAft>
+              <a:buClr>
+                <a:srgbClr val="F0AB00"/>
+              </a:buClr>
+              <a:buSzPct val="80000"/>
+              <a:tabLst/>
+            </a:pPr>
+            <a:r>
+              <a:rPr kumimoji="0" lang="de-DE" sz="2400" b="1" i="0" strike="noStrike" kern="0" cap="none" spc="0" normalizeH="0" baseline="0" noProof="0" dirty="0" err="1">
+                <a:ln>
+                  <a:noFill/>
+                </a:ln>
+                <a:effectLst/>
+                <a:uLnTx/>
+                <a:uFillTx/>
+                <a:ea typeface="Arial Unicode MS" pitchFamily="34" charset="-128"/>
+                <a:cs typeface="Arial Unicode MS" pitchFamily="34" charset="-128"/>
+              </a:rPr>
+              <a:t>etcd</a:t>
+            </a:r>
+            <a:endParaRPr kumimoji="0" lang="de-DE" sz="2400" b="1" i="0" strike="noStrike" kern="0" cap="none" spc="0" normalizeH="0" baseline="0" noProof="0" dirty="0">
+              <a:ln>
+                <a:noFill/>
+              </a:ln>
+              <a:effectLst/>
+              <a:uLnTx/>
+              <a:uFillTx/>
+              <a:ea typeface="Arial Unicode MS" pitchFamily="34" charset="-128"/>
+              <a:cs typeface="Arial Unicode MS" pitchFamily="34" charset="-128"/>
+            </a:endParaRPr>
+          </a:p>
+          <a:p>
+            <a:pPr marR="0" algn="ctr" defTabSz="914400" eaLnBrk="1" fontAlgn="base" latinLnBrk="0" hangingPunct="1">
+              <a:lnSpc>
+                <a:spcPct val="100000"/>
+              </a:lnSpc>
+              <a:spcBef>
+                <a:spcPct val="50000"/>
+              </a:spcBef>
+              <a:spcAft>
+                <a:spcPct val="0"/>
+              </a:spcAft>
+              <a:buClr>
+                <a:srgbClr val="F0AB00"/>
+              </a:buClr>
+              <a:buSzPct val="80000"/>
+              <a:tabLst/>
+            </a:pPr>
+            <a:r>
+              <a:rPr lang="de-DE" sz="1400" b="1" kern="0" dirty="0">
+                <a:ea typeface="Arial Unicode MS" pitchFamily="34" charset="-128"/>
+                <a:cs typeface="Arial Unicode MS" pitchFamily="34" charset="-128"/>
+              </a:rPr>
+              <a:t>(</a:t>
+            </a:r>
+            <a:r>
+              <a:rPr lang="de-DE" sz="1400" b="1" kern="0" dirty="0" err="1">
+                <a:ea typeface="Arial Unicode MS" pitchFamily="34" charset="-128"/>
+                <a:cs typeface="Arial Unicode MS" pitchFamily="34" charset="-128"/>
+              </a:rPr>
+              <a:t>distributed</a:t>
+            </a:r>
+            <a:r>
+              <a:rPr lang="de-DE" sz="1400" b="1" kern="0" dirty="0">
+                <a:ea typeface="Arial Unicode MS" pitchFamily="34" charset="-128"/>
+                <a:cs typeface="Arial Unicode MS" pitchFamily="34" charset="-128"/>
+              </a:rPr>
+              <a:t>) </a:t>
+            </a:r>
+            <a:r>
+              <a:rPr lang="de-DE" sz="1400" b="1" kern="0" dirty="0" err="1">
+                <a:ea typeface="Arial Unicode MS" pitchFamily="34" charset="-128"/>
+                <a:cs typeface="Arial Unicode MS" pitchFamily="34" charset="-128"/>
+              </a:rPr>
+              <a:t>key-value</a:t>
+            </a:r>
+            <a:r>
+              <a:rPr lang="de-DE" sz="1400" b="1" kern="0" dirty="0">
+                <a:ea typeface="Arial Unicode MS" pitchFamily="34" charset="-128"/>
+                <a:cs typeface="Arial Unicode MS" pitchFamily="34" charset="-128"/>
+              </a:rPr>
+              <a:t> </a:t>
+            </a:r>
+            <a:r>
+              <a:rPr lang="de-DE" sz="1400" b="1" kern="0" dirty="0" err="1">
+                <a:ea typeface="Arial Unicode MS" pitchFamily="34" charset="-128"/>
+                <a:cs typeface="Arial Unicode MS" pitchFamily="34" charset="-128"/>
+              </a:rPr>
+              <a:t>store</a:t>
+            </a:r>
+            <a:endParaRPr kumimoji="0" lang="de-DE" sz="2400" b="1" i="0" strike="noStrike" kern="0" cap="none" spc="0" normalizeH="0" baseline="0" noProof="0" dirty="0">
+              <a:ln>
+                <a:noFill/>
+              </a:ln>
+              <a:effectLst/>
+              <a:uLnTx/>
+              <a:uFillTx/>
+              <a:ea typeface="Arial Unicode MS" pitchFamily="34" charset="-128"/>
+              <a:cs typeface="Arial Unicode MS" pitchFamily="34" charset="-128"/>
+            </a:endParaRPr>
+          </a:p>
+        </p:txBody>
+      </p:sp>
+      <p:cxnSp>
+        <p:nvCxnSpPr>
+          <p:cNvPr id="25" name="Straight Arrow Connector 24"/>
+          <p:cNvCxnSpPr>
+            <a:stCxn id="4" idx="3"/>
+            <a:endCxn id="23" idx="1"/>
+          </p:cNvCxnSpPr>
+          <p:nvPr/>
+        </p:nvCxnSpPr>
+        <p:spPr>
+          <a:xfrm>
+            <a:off x="3563431" y="3425190"/>
+            <a:ext cx="1411604" cy="1303020"/>
+          </a:xfrm>
+          <a:prstGeom prst="straightConnector1">
+            <a:avLst/>
+          </a:prstGeom>
+          <a:ln w="57150">
+            <a:solidFill>
+              <a:schemeClr val="accent1"/>
+            </a:solidFill>
+            <a:headEnd type="triangle"/>
+            <a:tailEnd type="triangle"/>
+          </a:ln>
+        </p:spPr>
+        <p:style>
+          <a:lnRef idx="1">
+            <a:schemeClr val="accent1"/>
+          </a:lnRef>
+          <a:fillRef idx="0">
+            <a:schemeClr val="accent1"/>
+          </a:fillRef>
+          <a:effectRef idx="0">
+            <a:schemeClr val="accent1"/>
+          </a:effectRef>
+          <a:fontRef idx="minor">
+            <a:schemeClr val="tx1"/>
+          </a:fontRef>
+        </p:style>
+      </p:cxnSp>
+      <p:sp>
+        <p:nvSpPr>
+          <p:cNvPr id="28" name="Rectangle 27"/>
+          <p:cNvSpPr/>
+          <p:nvPr/>
+        </p:nvSpPr>
+        <p:spPr bwMode="gray">
+          <a:xfrm>
+            <a:off x="7316281" y="2560320"/>
+            <a:ext cx="3703320" cy="3070860"/>
+          </a:xfrm>
+          <a:prstGeom prst="rect">
+            <a:avLst/>
+          </a:prstGeom>
+          <a:ln>
+            <a:headEnd/>
+            <a:tailEnd/>
+          </a:ln>
+        </p:spPr>
+        <p:style>
+          <a:lnRef idx="1">
+            <a:schemeClr val="accent2"/>
+          </a:lnRef>
+          <a:fillRef idx="2">
+            <a:schemeClr val="accent2"/>
+          </a:fillRef>
+          <a:effectRef idx="1">
+            <a:schemeClr val="accent2"/>
+          </a:effectRef>
+          <a:fontRef idx="minor">
+            <a:schemeClr val="dk1"/>
+          </a:fontRef>
+        </p:style>
+        <p:txBody>
+          <a:bodyPr lIns="90000" tIns="72000" rIns="90000" bIns="72000" rtlCol="0" anchor="t"/>
+          <a:lstStyle/>
+          <a:p>
+            <a:pPr algn="ctr" defTabSz="914400" fontAlgn="base">
+              <a:spcBef>
+                <a:spcPct val="50000"/>
+              </a:spcBef>
+              <a:spcAft>
+                <a:spcPct val="0"/>
+              </a:spcAft>
+              <a:buClr>
+                <a:srgbClr val="F0AB00"/>
+              </a:buClr>
+              <a:buSzPct val="80000"/>
+            </a:pPr>
+            <a:r>
+              <a:rPr lang="de-DE" sz="2400" b="1" kern="0" dirty="0">
+                <a:ea typeface="Arial Unicode MS" pitchFamily="34" charset="-128"/>
+                <a:cs typeface="Arial Unicode MS" pitchFamily="34" charset="-128"/>
+              </a:rPr>
+              <a:t>Worker</a:t>
+            </a:r>
+          </a:p>
+        </p:txBody>
+      </p:sp>
+      <p:sp>
+        <p:nvSpPr>
+          <p:cNvPr id="31" name="Rectangle 30"/>
+          <p:cNvSpPr/>
+          <p:nvPr/>
+        </p:nvSpPr>
+        <p:spPr bwMode="gray">
+          <a:xfrm>
+            <a:off x="7445821" y="3805346"/>
+            <a:ext cx="3467358" cy="1653431"/>
+          </a:xfrm>
+          <a:prstGeom prst="rect">
+            <a:avLst/>
+          </a:prstGeom>
+          <a:solidFill>
+            <a:schemeClr val="accent1">
+              <a:lumMod val="60000"/>
+              <a:lumOff val="40000"/>
+            </a:schemeClr>
+          </a:solidFill>
+          <a:ln>
+            <a:headEnd/>
+            <a:tailEnd/>
+          </a:ln>
+        </p:spPr>
+        <p:style>
+          <a:lnRef idx="1">
+            <a:schemeClr val="accent1"/>
+          </a:lnRef>
+          <a:fillRef idx="2">
+            <a:schemeClr val="accent1"/>
+          </a:fillRef>
+          <a:effectRef idx="1">
+            <a:schemeClr val="accent1"/>
+          </a:effectRef>
+          <a:fontRef idx="minor">
+            <a:schemeClr val="dk1"/>
+          </a:fontRef>
+        </p:style>
+        <p:txBody>
+          <a:bodyPr lIns="90000" tIns="72000" rIns="90000" bIns="72000" rtlCol="0" anchor="b"/>
+          <a:lstStyle/>
+          <a:p>
+            <a:pPr marR="0" defTabSz="914400" eaLnBrk="1" fontAlgn="base" latinLnBrk="0" hangingPunct="1">
+              <a:lnSpc>
+                <a:spcPct val="100000"/>
+              </a:lnSpc>
+              <a:spcBef>
+                <a:spcPct val="50000"/>
+              </a:spcBef>
+              <a:spcAft>
+                <a:spcPct val="0"/>
+              </a:spcAft>
+              <a:buClr>
+                <a:srgbClr val="F0AB00"/>
+              </a:buClr>
+              <a:buSzPct val="80000"/>
+              <a:tabLst/>
+            </a:pPr>
+            <a:r>
+              <a:rPr lang="de-DE" sz="2000" b="1" kern="0" noProof="0" dirty="0">
+                <a:ea typeface="Arial Unicode MS" pitchFamily="34" charset="-128"/>
+                <a:cs typeface="Arial Unicode MS" pitchFamily="34" charset="-128"/>
+              </a:rPr>
+              <a:t>D</a:t>
+            </a:r>
+            <a:r>
+              <a:rPr kumimoji="0" lang="de-DE" sz="2000" b="1" i="0" strike="noStrike" kern="0" cap="none" spc="0" normalizeH="0" baseline="0" noProof="0" dirty="0">
+                <a:ln>
+                  <a:noFill/>
+                </a:ln>
+                <a:effectLst/>
+                <a:uLnTx/>
+                <a:uFillTx/>
+                <a:ea typeface="Arial Unicode MS" pitchFamily="34" charset="-128"/>
+                <a:cs typeface="Arial Unicode MS" pitchFamily="34" charset="-128"/>
+              </a:rPr>
+              <a:t>ocker</a:t>
+            </a:r>
+            <a:endParaRPr kumimoji="0" lang="de-DE" sz="2400" b="1" i="0" strike="noStrike" kern="0" cap="none" spc="0" normalizeH="0" baseline="0" noProof="0" dirty="0">
+              <a:ln>
+                <a:noFill/>
+              </a:ln>
+              <a:effectLst/>
+              <a:uLnTx/>
+              <a:uFillTx/>
+              <a:ea typeface="Arial Unicode MS" pitchFamily="34" charset="-128"/>
+              <a:cs typeface="Arial Unicode MS" pitchFamily="34" charset="-128"/>
+            </a:endParaRPr>
+          </a:p>
+        </p:txBody>
+      </p:sp>
+      <p:sp>
+        <p:nvSpPr>
+          <p:cNvPr id="32" name="Rectangle 31"/>
+          <p:cNvSpPr/>
+          <p:nvPr/>
+        </p:nvSpPr>
+        <p:spPr bwMode="gray">
+          <a:xfrm>
+            <a:off x="7823552" y="3172886"/>
+            <a:ext cx="1237682" cy="434340"/>
+          </a:xfrm>
+          <a:prstGeom prst="rect">
+            <a:avLst/>
+          </a:prstGeom>
+          <a:ln>
+            <a:headEnd/>
+            <a:tailEnd/>
+          </a:ln>
+        </p:spPr>
+        <p:style>
+          <a:lnRef idx="2">
+            <a:schemeClr val="accent2">
+              <a:shade val="50000"/>
+            </a:schemeClr>
+          </a:lnRef>
+          <a:fillRef idx="1">
+            <a:schemeClr val="accent2"/>
+          </a:fillRef>
+          <a:effectRef idx="0">
+            <a:schemeClr val="accent2"/>
+          </a:effectRef>
+          <a:fontRef idx="minor">
+            <a:schemeClr val="lt1"/>
+          </a:fontRef>
+        </p:style>
+        <p:txBody>
+          <a:bodyPr lIns="90000" tIns="72000" rIns="90000" bIns="72000" rtlCol="0" anchor="ctr"/>
+          <a:lstStyle/>
+          <a:p>
+            <a:pPr marR="0" algn="ctr" defTabSz="914400" eaLnBrk="1" fontAlgn="base" latinLnBrk="0" hangingPunct="1">
+              <a:lnSpc>
+                <a:spcPct val="100000"/>
+              </a:lnSpc>
+              <a:spcBef>
+                <a:spcPct val="50000"/>
+              </a:spcBef>
+              <a:spcAft>
+                <a:spcPct val="0"/>
+              </a:spcAft>
+              <a:buClr>
+                <a:srgbClr val="F0AB00"/>
+              </a:buClr>
+              <a:buSzPct val="80000"/>
+              <a:tabLst/>
+            </a:pPr>
+            <a:r>
+              <a:rPr lang="de-DE" sz="1600" kern="0" dirty="0" err="1">
+                <a:ea typeface="Arial Unicode MS" pitchFamily="34" charset="-128"/>
+                <a:cs typeface="Arial Unicode MS" pitchFamily="34" charset="-128"/>
+              </a:rPr>
+              <a:t>kubelet</a:t>
+            </a:r>
+            <a:endParaRPr kumimoji="0" lang="de-DE" sz="1600" i="0" u="none" strike="noStrike" kern="0" cap="none" spc="0" normalizeH="0" baseline="0" noProof="0" dirty="0">
+              <a:ln>
+                <a:noFill/>
+              </a:ln>
+              <a:effectLst/>
+              <a:uLnTx/>
+              <a:uFillTx/>
+              <a:ea typeface="Arial Unicode MS" pitchFamily="34" charset="-128"/>
+              <a:cs typeface="Arial Unicode MS" pitchFamily="34" charset="-128"/>
+            </a:endParaRPr>
+          </a:p>
+        </p:txBody>
+      </p:sp>
+      <p:sp>
+        <p:nvSpPr>
+          <p:cNvPr id="34" name="Rectangle 33"/>
+          <p:cNvSpPr/>
+          <p:nvPr/>
+        </p:nvSpPr>
+        <p:spPr bwMode="gray">
+          <a:xfrm>
+            <a:off x="7857403" y="4251482"/>
+            <a:ext cx="1208595" cy="773906"/>
+          </a:xfrm>
+          <a:prstGeom prst="rect">
+            <a:avLst/>
+          </a:prstGeom>
+          <a:ln>
+            <a:headEnd/>
+            <a:tailEnd/>
+          </a:ln>
+        </p:spPr>
+        <p:style>
+          <a:lnRef idx="2">
+            <a:schemeClr val="accent2">
+              <a:shade val="50000"/>
+            </a:schemeClr>
+          </a:lnRef>
+          <a:fillRef idx="1">
+            <a:schemeClr val="accent2"/>
+          </a:fillRef>
+          <a:effectRef idx="0">
+            <a:schemeClr val="accent2"/>
+          </a:effectRef>
+          <a:fontRef idx="minor">
+            <a:schemeClr val="lt1"/>
+          </a:fontRef>
+        </p:style>
+        <p:txBody>
+          <a:bodyPr lIns="90000" tIns="72000" rIns="90000" bIns="72000" rtlCol="0" anchor="ctr"/>
+          <a:lstStyle/>
+          <a:p>
+            <a:pPr marR="0" algn="ctr" defTabSz="914400" eaLnBrk="1" fontAlgn="base" latinLnBrk="0" hangingPunct="1">
+              <a:lnSpc>
+                <a:spcPct val="100000"/>
+              </a:lnSpc>
+              <a:spcBef>
+                <a:spcPct val="50000"/>
+              </a:spcBef>
+              <a:spcAft>
+                <a:spcPct val="0"/>
+              </a:spcAft>
+              <a:buClr>
+                <a:srgbClr val="F0AB00"/>
+              </a:buClr>
+              <a:buSzPct val="80000"/>
+              <a:tabLst/>
+            </a:pPr>
+            <a:r>
+              <a:rPr lang="de-DE" sz="1600" b="1" kern="0" noProof="0" dirty="0" err="1">
+                <a:ea typeface="Arial Unicode MS" pitchFamily="34" charset="-128"/>
+                <a:cs typeface="Arial Unicode MS" pitchFamily="34" charset="-128"/>
+              </a:rPr>
+              <a:t>Pod</a:t>
+            </a:r>
+            <a:endParaRPr kumimoji="0" lang="de-DE" sz="1600" b="1" i="0" u="none" strike="noStrike" kern="0" cap="none" spc="0" normalizeH="0" baseline="0" noProof="0" dirty="0">
+              <a:ln>
+                <a:noFill/>
+              </a:ln>
+              <a:effectLst/>
+              <a:uLnTx/>
+              <a:uFillTx/>
+              <a:ea typeface="Arial Unicode MS" pitchFamily="34" charset="-128"/>
+              <a:cs typeface="Arial Unicode MS" pitchFamily="34" charset="-128"/>
+            </a:endParaRPr>
+          </a:p>
+        </p:txBody>
+      </p:sp>
+      <p:sp>
+        <p:nvSpPr>
+          <p:cNvPr id="35" name="Rectangle 34"/>
+          <p:cNvSpPr/>
+          <p:nvPr/>
+        </p:nvSpPr>
+        <p:spPr bwMode="gray">
+          <a:xfrm>
+            <a:off x="9375019" y="4251482"/>
+            <a:ext cx="1208595" cy="773906"/>
+          </a:xfrm>
+          <a:prstGeom prst="rect">
+            <a:avLst/>
+          </a:prstGeom>
+          <a:ln>
+            <a:headEnd/>
+            <a:tailEnd/>
+          </a:ln>
+        </p:spPr>
+        <p:style>
+          <a:lnRef idx="2">
+            <a:schemeClr val="accent2">
+              <a:shade val="50000"/>
+            </a:schemeClr>
+          </a:lnRef>
+          <a:fillRef idx="1">
+            <a:schemeClr val="accent2"/>
+          </a:fillRef>
+          <a:effectRef idx="0">
+            <a:schemeClr val="accent2"/>
+          </a:effectRef>
+          <a:fontRef idx="minor">
+            <a:schemeClr val="lt1"/>
+          </a:fontRef>
+        </p:style>
+        <p:txBody>
+          <a:bodyPr lIns="90000" tIns="72000" rIns="90000" bIns="72000" rtlCol="0" anchor="ctr"/>
+          <a:lstStyle/>
+          <a:p>
+            <a:pPr marR="0" algn="ctr" defTabSz="914400" eaLnBrk="1" fontAlgn="base" latinLnBrk="0" hangingPunct="1">
+              <a:lnSpc>
+                <a:spcPct val="100000"/>
+              </a:lnSpc>
+              <a:spcBef>
+                <a:spcPct val="50000"/>
+              </a:spcBef>
+              <a:spcAft>
+                <a:spcPct val="0"/>
+              </a:spcAft>
+              <a:buClr>
+                <a:srgbClr val="F0AB00"/>
+              </a:buClr>
+              <a:buSzPct val="80000"/>
+              <a:tabLst/>
+            </a:pPr>
+            <a:r>
+              <a:rPr lang="de-DE" sz="1600" b="1" kern="0" noProof="0" dirty="0" err="1">
+                <a:ea typeface="Arial Unicode MS" pitchFamily="34" charset="-128"/>
+                <a:cs typeface="Arial Unicode MS" pitchFamily="34" charset="-128"/>
+              </a:rPr>
+              <a:t>Pod</a:t>
+            </a:r>
+            <a:endParaRPr kumimoji="0" lang="de-DE" sz="1600" b="1" i="0" u="none" strike="noStrike" kern="0" cap="none" spc="0" normalizeH="0" baseline="0" noProof="0" dirty="0">
+              <a:ln>
+                <a:noFill/>
+              </a:ln>
+              <a:effectLst/>
+              <a:uLnTx/>
+              <a:uFillTx/>
+              <a:ea typeface="Arial Unicode MS" pitchFamily="34" charset="-128"/>
+              <a:cs typeface="Arial Unicode MS" pitchFamily="34" charset="-128"/>
+            </a:endParaRPr>
+          </a:p>
+        </p:txBody>
+      </p:sp>
+      <p:sp>
+        <p:nvSpPr>
+          <p:cNvPr id="36" name="Rectangle 35"/>
+          <p:cNvSpPr/>
+          <p:nvPr/>
+        </p:nvSpPr>
+        <p:spPr bwMode="gray">
+          <a:xfrm>
+            <a:off x="9375019" y="3189077"/>
+            <a:ext cx="1237682" cy="434340"/>
+          </a:xfrm>
+          <a:prstGeom prst="rect">
+            <a:avLst/>
+          </a:prstGeom>
+          <a:ln>
+            <a:headEnd/>
+            <a:tailEnd/>
+          </a:ln>
+        </p:spPr>
+        <p:style>
+          <a:lnRef idx="2">
+            <a:schemeClr val="accent2">
+              <a:shade val="50000"/>
+            </a:schemeClr>
+          </a:lnRef>
+          <a:fillRef idx="1">
+            <a:schemeClr val="accent2"/>
+          </a:fillRef>
+          <a:effectRef idx="0">
+            <a:schemeClr val="accent2"/>
+          </a:effectRef>
+          <a:fontRef idx="minor">
+            <a:schemeClr val="lt1"/>
+          </a:fontRef>
+        </p:style>
+        <p:txBody>
+          <a:bodyPr lIns="90000" tIns="72000" rIns="90000" bIns="72000" rtlCol="0" anchor="ctr"/>
+          <a:lstStyle/>
+          <a:p>
+            <a:pPr marR="0" algn="ctr" defTabSz="914400" eaLnBrk="1" fontAlgn="base" latinLnBrk="0" hangingPunct="1">
+              <a:lnSpc>
+                <a:spcPct val="100000"/>
+              </a:lnSpc>
+              <a:spcBef>
+                <a:spcPct val="50000"/>
+              </a:spcBef>
+              <a:spcAft>
+                <a:spcPct val="0"/>
+              </a:spcAft>
+              <a:buClr>
+                <a:srgbClr val="F0AB00"/>
+              </a:buClr>
+              <a:buSzPct val="80000"/>
+              <a:tabLst/>
+            </a:pPr>
+            <a:r>
+              <a:rPr lang="de-DE" sz="1600" kern="0" dirty="0" err="1">
+                <a:ea typeface="Arial Unicode MS" pitchFamily="34" charset="-128"/>
+                <a:cs typeface="Arial Unicode MS" pitchFamily="34" charset="-128"/>
+              </a:rPr>
+              <a:t>proxy</a:t>
+            </a:r>
+            <a:endParaRPr kumimoji="0" lang="de-DE" sz="1600" i="0" u="none" strike="noStrike" kern="0" cap="none" spc="0" normalizeH="0" baseline="0" noProof="0" dirty="0">
+              <a:ln>
+                <a:noFill/>
+              </a:ln>
+              <a:effectLst/>
+              <a:uLnTx/>
+              <a:uFillTx/>
+              <a:ea typeface="Arial Unicode MS" pitchFamily="34" charset="-128"/>
+              <a:cs typeface="Arial Unicode MS" pitchFamily="34" charset="-128"/>
+            </a:endParaRPr>
+          </a:p>
+        </p:txBody>
+      </p:sp>
+      <p:cxnSp>
+        <p:nvCxnSpPr>
+          <p:cNvPr id="49" name="Straight Arrow Connector 48"/>
+          <p:cNvCxnSpPr>
+            <a:stCxn id="23" idx="3"/>
+            <a:endCxn id="32" idx="1"/>
+          </p:cNvCxnSpPr>
+          <p:nvPr/>
+        </p:nvCxnSpPr>
+        <p:spPr>
+          <a:xfrm flipV="1">
+            <a:off x="6678106" y="3390056"/>
+            <a:ext cx="1145446" cy="1338154"/>
+          </a:xfrm>
+          <a:prstGeom prst="straightConnector1">
+            <a:avLst/>
+          </a:prstGeom>
+          <a:ln w="57150">
+            <a:solidFill>
+              <a:schemeClr val="accent1"/>
+            </a:solidFill>
+            <a:headEnd type="triangle"/>
+            <a:tailEnd type="triangle"/>
+          </a:ln>
+        </p:spPr>
+        <p:style>
+          <a:lnRef idx="1">
+            <a:schemeClr val="accent1"/>
+          </a:lnRef>
+          <a:fillRef idx="0">
+            <a:schemeClr val="accent1"/>
+          </a:fillRef>
+          <a:effectRef idx="0">
+            <a:schemeClr val="accent1"/>
+          </a:effectRef>
+          <a:fontRef idx="minor">
+            <a:schemeClr val="tx1"/>
+          </a:fontRef>
+        </p:style>
+      </p:cxnSp>
+      <p:cxnSp>
+        <p:nvCxnSpPr>
+          <p:cNvPr id="53" name="Straight Arrow Connector 52"/>
+          <p:cNvCxnSpPr>
+            <a:stCxn id="32" idx="2"/>
+            <a:endCxn id="34" idx="0"/>
+          </p:cNvCxnSpPr>
+          <p:nvPr/>
+        </p:nvCxnSpPr>
+        <p:spPr>
+          <a:xfrm>
+            <a:off x="8442393" y="3607226"/>
+            <a:ext cx="19308" cy="644256"/>
+          </a:xfrm>
+          <a:prstGeom prst="straightConnector1">
+            <a:avLst/>
+          </a:prstGeom>
+          <a:ln w="28575">
+            <a:solidFill>
+              <a:schemeClr val="accent1"/>
+            </a:solidFill>
+            <a:headEnd type="none" w="med" len="med"/>
+            <a:tailEnd type="triangle"/>
+          </a:ln>
+        </p:spPr>
+        <p:style>
+          <a:lnRef idx="1">
+            <a:schemeClr val="accent2"/>
+          </a:lnRef>
+          <a:fillRef idx="0">
+            <a:schemeClr val="accent2"/>
+          </a:fillRef>
+          <a:effectRef idx="0">
+            <a:schemeClr val="accent2"/>
+          </a:effectRef>
+          <a:fontRef idx="minor">
+            <a:schemeClr val="tx1"/>
+          </a:fontRef>
+        </p:style>
+      </p:cxnSp>
+      <p:cxnSp>
+        <p:nvCxnSpPr>
+          <p:cNvPr id="57" name="Straight Arrow Connector 56"/>
+          <p:cNvCxnSpPr>
+            <a:stCxn id="32" idx="2"/>
+            <a:endCxn id="35" idx="0"/>
+          </p:cNvCxnSpPr>
+          <p:nvPr/>
+        </p:nvCxnSpPr>
+        <p:spPr>
+          <a:xfrm>
+            <a:off x="8442393" y="3607226"/>
+            <a:ext cx="1536924" cy="644256"/>
+          </a:xfrm>
+          <a:prstGeom prst="straightConnector1">
+            <a:avLst/>
+          </a:prstGeom>
+          <a:ln w="28575">
+            <a:solidFill>
+              <a:schemeClr val="accent1"/>
+            </a:solidFill>
+            <a:headEnd type="none" w="med" len="med"/>
+            <a:tailEnd type="triangle"/>
+          </a:ln>
+        </p:spPr>
+        <p:style>
+          <a:lnRef idx="1">
+            <a:schemeClr val="accent2"/>
+          </a:lnRef>
+          <a:fillRef idx="0">
+            <a:schemeClr val="accent2"/>
+          </a:fillRef>
+          <a:effectRef idx="0">
+            <a:schemeClr val="accent2"/>
+          </a:effectRef>
+          <a:fontRef idx="minor">
+            <a:schemeClr val="tx1"/>
+          </a:fontRef>
+        </p:style>
+      </p:cxnSp>
+      <p:sp>
+        <p:nvSpPr>
+          <p:cNvPr id="2" name="Speech Bubble: Rectangle 1"/>
+          <p:cNvSpPr/>
+          <p:nvPr/>
+        </p:nvSpPr>
+        <p:spPr bwMode="gray">
+          <a:xfrm>
+            <a:off x="435998" y="1084901"/>
+            <a:ext cx="1279079" cy="521968"/>
+          </a:xfrm>
+          <a:prstGeom prst="wedgeRectCallout">
+            <a:avLst>
+              <a:gd name="adj1" fmla="val 79847"/>
+              <a:gd name="adj2" fmla="val 17466"/>
+            </a:avLst>
+          </a:prstGeom>
+          <a:solidFill>
+            <a:schemeClr val="accent1"/>
+          </a:solidFill>
+          <a:ln w="6350" algn="ctr">
+            <a:noFill/>
+            <a:miter lim="800000"/>
+            <a:headEnd/>
+            <a:tailEnd/>
+          </a:ln>
+        </p:spPr>
+        <p:txBody>
+          <a:bodyPr lIns="90000" tIns="72000" rIns="90000" bIns="72000" rtlCol="0" anchor="ctr"/>
+          <a:lstStyle/>
+          <a:p>
+            <a:pPr marR="0" algn="ctr" defTabSz="914400" eaLnBrk="1" fontAlgn="base" latinLnBrk="0" hangingPunct="1">
+              <a:lnSpc>
+                <a:spcPct val="100000"/>
+              </a:lnSpc>
+              <a:spcBef>
+                <a:spcPct val="50000"/>
+              </a:spcBef>
+              <a:spcAft>
+                <a:spcPct val="0"/>
+              </a:spcAft>
+              <a:buClr>
+                <a:srgbClr val="F0AB00"/>
+              </a:buClr>
+              <a:buSzPct val="80000"/>
+              <a:tabLst/>
+            </a:pPr>
+            <a:r>
+              <a:rPr lang="en-US" sz="1800" kern="0" noProof="0" dirty="0">
+                <a:ea typeface="Arial Unicode MS" pitchFamily="34" charset="-128"/>
+                <a:cs typeface="Arial Unicode MS" pitchFamily="34" charset="-128"/>
+              </a:rPr>
+              <a:t>Run </a:t>
+            </a:r>
+            <a:r>
+              <a:rPr lang="en-US" sz="1800" kern="0" noProof="0" dirty="0" err="1">
+                <a:ea typeface="Arial Unicode MS" pitchFamily="34" charset="-128"/>
+                <a:cs typeface="Arial Unicode MS" pitchFamily="34" charset="-128"/>
+              </a:rPr>
+              <a:t>nginx</a:t>
+            </a:r>
+            <a:endParaRPr kumimoji="0" lang="en-US" sz="1800" b="0" i="0" u="none" strike="noStrike" kern="0" cap="none" spc="0" normalizeH="0" baseline="0" noProof="0" dirty="0">
+              <a:ln>
+                <a:noFill/>
+              </a:ln>
+              <a:effectLst/>
+              <a:uLnTx/>
+              <a:uFillTx/>
+              <a:ea typeface="Arial Unicode MS" pitchFamily="34" charset="-128"/>
+              <a:cs typeface="Arial Unicode MS" pitchFamily="34" charset="-128"/>
+            </a:endParaRPr>
           </a:p>
         </p:txBody>
       </p:sp>
     </p:spTree>
     <p:extLst>
       <p:ext uri="{BB962C8B-B14F-4D97-AF65-F5344CB8AC3E}">
-        <p14:creationId xmlns:p14="http://schemas.microsoft.com/office/powerpoint/2010/main" val="3249990004"/>
+        <p14:creationId xmlns:p14="http://schemas.microsoft.com/office/powerpoint/2010/main" val="3340676418"/>
       </p:ext>
     </p:extLst>
   </p:cSld>
   <p:clrMapOvr>
     <a:masterClrMapping/>
   </p:clrMapOvr>
+  <p:timing>
+    <p:tnLst>
+      <p:par>
+        <p:cTn id="1" dur="indefinite" restart="never" nodeType="tmRoot">
+          <p:childTnLst>
+            <p:seq concurrent="1" nextAc="seek">
+              <p:cTn id="2" dur="indefinite" nodeType="mainSeq">
+                <p:childTnLst>
+                  <p:par>
+                    <p:cTn id="3" fill="hold">
+                      <p:stCondLst>
+                        <p:cond delay="indefinite"/>
+                      </p:stCondLst>
+                      <p:childTnLst>
+                        <p:par>
+                          <p:cTn id="4" fill="hold">
+                            <p:stCondLst>
+                              <p:cond delay="0"/>
+                            </p:stCondLst>
+                            <p:childTnLst>
+                              <p:par>
+                                <p:cTn id="5" presetID="1" presetClass="entr" presetSubtype="0" fill="hold" grpId="0" nodeType="clickEffect">
+                                  <p:stCondLst>
+                                    <p:cond delay="0"/>
+                                  </p:stCondLst>
+                                  <p:childTnLst>
+                                    <p:set>
+                                      <p:cBhvr>
+                                        <p:cTn id="6" dur="1" fill="hold">
+                                          <p:stCondLst>
+                                            <p:cond delay="0"/>
+                                          </p:stCondLst>
+                                        </p:cTn>
+                                        <p:tgtEl>
+                                          <p:spTgt spid="2"/>
+                                        </p:tgtEl>
+                                        <p:attrNameLst>
+                                          <p:attrName>style.visibility</p:attrName>
+                                        </p:attrNameLst>
+                                      </p:cBhvr>
+                                      <p:to>
+                                        <p:strVal val="visible"/>
+                                      </p:to>
+                                    </p:set>
+                                  </p:childTnLst>
+                                </p:cTn>
+                              </p:par>
+                            </p:childTnLst>
+                          </p:cTn>
+                        </p:par>
+                      </p:childTnLst>
+                    </p:cTn>
+                  </p:par>
+                  <p:par>
+                    <p:cTn id="7" fill="hold">
+                      <p:stCondLst>
+                        <p:cond delay="indefinite"/>
+                      </p:stCondLst>
+                      <p:childTnLst>
+                        <p:par>
+                          <p:cTn id="8" fill="hold">
+                            <p:stCondLst>
+                              <p:cond delay="0"/>
+                            </p:stCondLst>
+                            <p:childTnLst>
+                              <p:par>
+                                <p:cTn id="9" presetID="1" presetClass="entr" presetSubtype="0" fill="hold" nodeType="clickEffect">
+                                  <p:stCondLst>
+                                    <p:cond delay="0"/>
+                                  </p:stCondLst>
+                                  <p:childTnLst>
+                                    <p:set>
+                                      <p:cBhvr>
+                                        <p:cTn id="10" dur="1" fill="hold">
+                                          <p:stCondLst>
+                                            <p:cond delay="0"/>
+                                          </p:stCondLst>
+                                        </p:cTn>
+                                        <p:tgtEl>
+                                          <p:spTgt spid="11"/>
+                                        </p:tgtEl>
+                                        <p:attrNameLst>
+                                          <p:attrName>style.visibility</p:attrName>
+                                        </p:attrNameLst>
+                                      </p:cBhvr>
+                                      <p:to>
+                                        <p:strVal val="visible"/>
+                                      </p:to>
+                                    </p:set>
+                                  </p:childTnLst>
+                                </p:cTn>
+                              </p:par>
+                            </p:childTnLst>
+                          </p:cTn>
+                        </p:par>
+                      </p:childTnLst>
+                    </p:cTn>
+                  </p:par>
+                  <p:par>
+                    <p:cTn id="11" fill="hold">
+                      <p:stCondLst>
+                        <p:cond delay="indefinite"/>
+                      </p:stCondLst>
+                      <p:childTnLst>
+                        <p:par>
+                          <p:cTn id="12" fill="hold">
+                            <p:stCondLst>
+                              <p:cond delay="0"/>
+                            </p:stCondLst>
+                            <p:childTnLst>
+                              <p:par>
+                                <p:cTn id="13" presetID="1" presetClass="entr" presetSubtype="0" fill="hold" nodeType="clickEffect">
+                                  <p:stCondLst>
+                                    <p:cond delay="0"/>
+                                  </p:stCondLst>
+                                  <p:childTnLst>
+                                    <p:set>
+                                      <p:cBhvr>
+                                        <p:cTn id="14" dur="1" fill="hold">
+                                          <p:stCondLst>
+                                            <p:cond delay="0"/>
+                                          </p:stCondLst>
+                                        </p:cTn>
+                                        <p:tgtEl>
+                                          <p:spTgt spid="25"/>
+                                        </p:tgtEl>
+                                        <p:attrNameLst>
+                                          <p:attrName>style.visibility</p:attrName>
+                                        </p:attrNameLst>
+                                      </p:cBhvr>
+                                      <p:to>
+                                        <p:strVal val="visible"/>
+                                      </p:to>
+                                    </p:set>
+                                  </p:childTnLst>
+                                </p:cTn>
+                              </p:par>
+                            </p:childTnLst>
+                          </p:cTn>
+                        </p:par>
+                      </p:childTnLst>
+                    </p:cTn>
+                  </p:par>
+                  <p:par>
+                    <p:cTn id="15" fill="hold">
+                      <p:stCondLst>
+                        <p:cond delay="indefinite"/>
+                      </p:stCondLst>
+                      <p:childTnLst>
+                        <p:par>
+                          <p:cTn id="16" fill="hold">
+                            <p:stCondLst>
+                              <p:cond delay="0"/>
+                            </p:stCondLst>
+                            <p:childTnLst>
+                              <p:par>
+                                <p:cTn id="17" presetID="1" presetClass="entr" presetSubtype="0" fill="hold" nodeType="clickEffect">
+                                  <p:stCondLst>
+                                    <p:cond delay="0"/>
+                                  </p:stCondLst>
+                                  <p:childTnLst>
+                                    <p:set>
+                                      <p:cBhvr>
+                                        <p:cTn id="18" dur="1" fill="hold">
+                                          <p:stCondLst>
+                                            <p:cond delay="0"/>
+                                          </p:stCondLst>
+                                        </p:cTn>
+                                        <p:tgtEl>
+                                          <p:spTgt spid="20"/>
+                                        </p:tgtEl>
+                                        <p:attrNameLst>
+                                          <p:attrName>style.visibility</p:attrName>
+                                        </p:attrNameLst>
+                                      </p:cBhvr>
+                                      <p:to>
+                                        <p:strVal val="visible"/>
+                                      </p:to>
+                                    </p:set>
+                                  </p:childTnLst>
+                                </p:cTn>
+                              </p:par>
+                            </p:childTnLst>
+                          </p:cTn>
+                        </p:par>
+                      </p:childTnLst>
+                    </p:cTn>
+                  </p:par>
+                  <p:par>
+                    <p:cTn id="19" fill="hold">
+                      <p:stCondLst>
+                        <p:cond delay="indefinite"/>
+                      </p:stCondLst>
+                      <p:childTnLst>
+                        <p:par>
+                          <p:cTn id="20" fill="hold">
+                            <p:stCondLst>
+                              <p:cond delay="0"/>
+                            </p:stCondLst>
+                            <p:childTnLst>
+                              <p:par>
+                                <p:cTn id="21" presetID="1" presetClass="entr" presetSubtype="0" fill="hold" nodeType="clickEffect">
+                                  <p:stCondLst>
+                                    <p:cond delay="0"/>
+                                  </p:stCondLst>
+                                  <p:childTnLst>
+                                    <p:set>
+                                      <p:cBhvr>
+                                        <p:cTn id="22" dur="1" fill="hold">
+                                          <p:stCondLst>
+                                            <p:cond delay="0"/>
+                                          </p:stCondLst>
+                                        </p:cTn>
+                                        <p:tgtEl>
+                                          <p:spTgt spid="49"/>
+                                        </p:tgtEl>
+                                        <p:attrNameLst>
+                                          <p:attrName>style.visibility</p:attrName>
+                                        </p:attrNameLst>
+                                      </p:cBhvr>
+                                      <p:to>
+                                        <p:strVal val="visible"/>
+                                      </p:to>
+                                    </p:set>
+                                  </p:childTnLst>
+                                </p:cTn>
+                              </p:par>
+                            </p:childTnLst>
+                          </p:cTn>
+                        </p:par>
+                      </p:childTnLst>
+                    </p:cTn>
+                  </p:par>
+                  <p:par>
+                    <p:cTn id="23" fill="hold">
+                      <p:stCondLst>
+                        <p:cond delay="indefinite"/>
+                      </p:stCondLst>
+                      <p:childTnLst>
+                        <p:par>
+                          <p:cTn id="24" fill="hold">
+                            <p:stCondLst>
+                              <p:cond delay="0"/>
+                            </p:stCondLst>
+                            <p:childTnLst>
+                              <p:par>
+                                <p:cTn id="25" presetID="1" presetClass="entr" presetSubtype="0" fill="hold" nodeType="clickEffect">
+                                  <p:stCondLst>
+                                    <p:cond delay="0"/>
+                                  </p:stCondLst>
+                                  <p:childTnLst>
+                                    <p:set>
+                                      <p:cBhvr>
+                                        <p:cTn id="26" dur="1" fill="hold">
+                                          <p:stCondLst>
+                                            <p:cond delay="0"/>
+                                          </p:stCondLst>
+                                        </p:cTn>
+                                        <p:tgtEl>
+                                          <p:spTgt spid="53"/>
+                                        </p:tgtEl>
+                                        <p:attrNameLst>
+                                          <p:attrName>style.visibility</p:attrName>
+                                        </p:attrNameLst>
+                                      </p:cBhvr>
+                                      <p:to>
+                                        <p:strVal val="visible"/>
+                                      </p:to>
+                                    </p:set>
+                                  </p:childTnLst>
+                                </p:cTn>
+                              </p:par>
+                              <p:par>
+                                <p:cTn id="27" presetID="1" presetClass="entr" presetSubtype="0" fill="hold" nodeType="withEffect">
+                                  <p:stCondLst>
+                                    <p:cond delay="0"/>
+                                  </p:stCondLst>
+                                  <p:childTnLst>
+                                    <p:set>
+                                      <p:cBhvr>
+                                        <p:cTn id="28" dur="1" fill="hold">
+                                          <p:stCondLst>
+                                            <p:cond delay="0"/>
+                                          </p:stCondLst>
+                                        </p:cTn>
+                                        <p:tgtEl>
+                                          <p:spTgt spid="57"/>
+                                        </p:tgtEl>
+                                        <p:attrNameLst>
+                                          <p:attrName>style.visibility</p:attrName>
+                                        </p:attrNameLst>
+                                      </p:cBhvr>
+                                      <p:to>
+                                        <p:strVal val="visible"/>
+                                      </p:to>
+                                    </p:set>
+                                  </p:childTnLst>
+                                </p:cTn>
+                              </p:par>
+                            </p:childTnLst>
+                          </p:cTn>
+                        </p:par>
+                      </p:childTnLst>
+                    </p:cTn>
+                  </p:par>
+                </p:childTnLst>
+              </p:cTn>
+              <p:prevCondLst>
+                <p:cond evt="onPrev" delay="0">
+                  <p:tgtEl>
+                    <p:sldTgt/>
+                  </p:tgtEl>
+                </p:cond>
+              </p:prevCondLst>
+              <p:nextCondLst>
+                <p:cond evt="onNext" delay="0">
+                  <p:tgtEl>
+                    <p:sldTgt/>
+                  </p:tgtEl>
+                </p:cond>
+              </p:nextCondLst>
+            </p:seq>
+          </p:childTnLst>
+        </p:cTn>
+      </p:par>
+    </p:tnLst>
+    <p:bldLst>
+      <p:bldP spid="2" grpId="0" animBg="1"/>
+    </p:bldLst>
+  </p:timing>
 </p:sld>
 </file>
 
@@ -11017,8 +13829,8 @@
         </p:nvSpPr>
         <p:spPr>
           <a:xfrm>
-            <a:off x="504000" y="987540"/>
-            <a:ext cx="8159939" cy="4727460"/>
+            <a:off x="504000" y="1124700"/>
+            <a:ext cx="8159939" cy="5017020"/>
           </a:xfrm>
         </p:spPr>
         <p:txBody>
@@ -11027,7 +13839,7 @@
           <a:p>
             <a:r>
               <a:rPr lang="en-US" dirty="0" err="1"/>
-              <a:t>kubelet</a:t>
+              <a:t>etcd</a:t>
             </a:r>
             <a:endParaRPr lang="en-US" dirty="0"/>
           </a:p>
@@ -11035,21 +13847,47 @@
             <a:pPr lvl="1"/>
             <a:r>
               <a:rPr lang="en-US" dirty="0"/>
-              <a:t>Runs on every node in a  cluster</a:t>
+              <a:t>(distributed), high-availability key-value store</a:t>
             </a:r>
           </a:p>
           <a:p>
             <a:pPr lvl="1"/>
             <a:r>
               <a:rPr lang="en-US" dirty="0"/>
-              <a:t>Manages containers assigned to its node</a:t>
+              <a:t>Persists state of the cluster</a:t>
+            </a:r>
+          </a:p>
+          <a:p>
+            <a:r>
+              <a:rPr lang="en-US" dirty="0"/>
+              <a:t>API Server</a:t>
             </a:r>
           </a:p>
           <a:p>
             <a:pPr lvl="1"/>
             <a:r>
               <a:rPr lang="en-US" dirty="0"/>
-              <a:t>Fulfills requests as specified in </a:t>
+              <a:t>Central entry point to modify cluster state (i.e. schedule something)</a:t>
+            </a:r>
+          </a:p>
+          <a:p>
+            <a:pPr lvl="1"/>
+            <a:r>
+              <a:rPr lang="en-US" dirty="0"/>
+              <a:t>Receives RESTful requests and initiates processing</a:t>
+            </a:r>
+          </a:p>
+          <a:p>
+            <a:r>
+              <a:rPr lang="en-US" dirty="0"/>
+              <a:t>Controller-Manager</a:t>
+            </a:r>
+          </a:p>
+          <a:p>
+            <a:pPr lvl="1"/>
+            <a:r>
+              <a:rPr lang="en-US" dirty="0"/>
+              <a:t>watches </a:t>
             </a:r>
             <a:r>
               <a:rPr lang="en-US" dirty="0" err="1"/>
@@ -11057,100 +13895,20 @@
             </a:r>
             <a:r>
               <a:rPr lang="en-US" dirty="0"/>
-              <a:t> (start, remove, …)</a:t>
+              <a:t> for replication tasks and uses the API to enforce the desired state</a:t>
+            </a:r>
+          </a:p>
+          <a:p>
+            <a:r>
+              <a:rPr lang="en-US" dirty="0"/>
+              <a:t>Scheduler</a:t>
             </a:r>
           </a:p>
           <a:p>
             <a:pPr lvl="1"/>
             <a:r>
               <a:rPr lang="en-US" dirty="0"/>
-              <a:t>Monitors the state of the node</a:t>
-            </a:r>
-          </a:p>
-          <a:p>
-            <a:pPr lvl="1"/>
-            <a:r>
-              <a:rPr lang="en-US" dirty="0"/>
-              <a:t>Actually starts containers</a:t>
-            </a:r>
-          </a:p>
-          <a:p>
-            <a:r>
-              <a:rPr lang="en-US" dirty="0" err="1"/>
-              <a:t>kube</a:t>
-            </a:r>
-            <a:r>
-              <a:rPr lang="en-US" dirty="0"/>
-              <a:t>-proxy</a:t>
-            </a:r>
-          </a:p>
-          <a:p>
-            <a:pPr lvl="1"/>
-            <a:r>
-              <a:rPr lang="en-US" dirty="0"/>
-              <a:t>Manages </a:t>
-            </a:r>
-            <a:r>
-              <a:rPr lang="en-US" dirty="0" err="1"/>
-              <a:t>iptables</a:t>
-            </a:r>
-            <a:r>
-              <a:rPr lang="en-US" dirty="0"/>
-              <a:t> on each node for services</a:t>
-            </a:r>
-          </a:p>
-          <a:p>
-            <a:r>
-              <a:rPr lang="en-US" dirty="0"/>
-              <a:t>Docker/</a:t>
-            </a:r>
-            <a:r>
-              <a:rPr lang="en-US" dirty="0" err="1"/>
-              <a:t>rkt</a:t>
-            </a:r>
-            <a:endParaRPr lang="en-US" dirty="0"/>
-          </a:p>
-          <a:p>
-            <a:pPr lvl="1"/>
-            <a:r>
-              <a:rPr lang="en-US" dirty="0"/>
-              <a:t>Container runtime on the individual node</a:t>
-            </a:r>
-          </a:p>
-          <a:p>
-            <a:r>
-              <a:rPr lang="en-US" dirty="0"/>
-              <a:t>Pod</a:t>
-            </a:r>
-          </a:p>
-          <a:p>
-            <a:pPr lvl="1"/>
-            <a:r>
-              <a:rPr lang="en-US" dirty="0"/>
-              <a:t>A the smallest, schedulable resource that is managed by </a:t>
-            </a:r>
-            <a:r>
-              <a:rPr lang="en-US" dirty="0" err="1"/>
-              <a:t>kubelet</a:t>
-            </a:r>
-            <a:r>
-              <a:rPr lang="en-US" dirty="0"/>
-              <a:t> on the node</a:t>
-            </a:r>
-          </a:p>
-          <a:p>
-            <a:pPr lvl="1"/>
-            <a:r>
-              <a:rPr lang="en-US" dirty="0"/>
-              <a:t>Pods wrap around one or more (</a:t>
-            </a:r>
-            <a:r>
-              <a:rPr lang="en-US" dirty="0" err="1"/>
-              <a:t>docker</a:t>
-            </a:r>
-            <a:r>
-              <a:rPr lang="en-US" dirty="0"/>
-              <a:t>) containers</a:t>
+              <a:t>Assigns resources to nodes for execution</a:t>
             </a:r>
           </a:p>
         </p:txBody>
@@ -11172,7 +13930,7 @@
           <a:p>
             <a:r>
               <a:rPr lang="en-US" dirty="0"/>
-              <a:t>Core Components - worker</a:t>
+              <a:t>Core Components - master</a:t>
             </a:r>
           </a:p>
         </p:txBody>
@@ -11180,7 +13938,7 @@
     </p:spTree>
     <p:extLst>
       <p:ext uri="{BB962C8B-B14F-4D97-AF65-F5344CB8AC3E}">
-        <p14:creationId xmlns:p14="http://schemas.microsoft.com/office/powerpoint/2010/main" val="2064472307"/>
+        <p14:creationId xmlns:p14="http://schemas.microsoft.com/office/powerpoint/2010/main" val="3249990004"/>
       </p:ext>
     </p:extLst>
   </p:cSld>
@@ -11219,7 +13977,7 @@
         </p:nvSpPr>
         <p:spPr>
           <a:xfrm>
-            <a:off x="504000" y="1124700"/>
+            <a:off x="504000" y="987540"/>
             <a:ext cx="8159939" cy="4727460"/>
           </a:xfrm>
         </p:spPr>
@@ -11229,7 +13987,7 @@
           <a:p>
             <a:r>
               <a:rPr lang="en-US" dirty="0" err="1"/>
-              <a:t>kubectl</a:t>
+              <a:t>kubelet</a:t>
             </a:r>
             <a:endParaRPr lang="en-US" dirty="0"/>
           </a:p>
@@ -11237,64 +13995,122 @@
             <a:pPr lvl="1"/>
             <a:r>
               <a:rPr lang="en-US" dirty="0"/>
-              <a:t>Wraps requests to API server in human readable format</a:t>
+              <a:t>Runs on every node in a  cluster</a:t>
             </a:r>
           </a:p>
           <a:p>
             <a:pPr lvl="1"/>
             <a:r>
               <a:rPr lang="en-US" dirty="0"/>
-              <a:t>Cluster administration tasks</a:t>
+              <a:t>Manages containers assigned to its node</a:t>
             </a:r>
           </a:p>
           <a:p>
             <a:pPr lvl="1"/>
             <a:r>
               <a:rPr lang="en-US" dirty="0"/>
-              <a:t>User tasks like scheduling of resources</a:t>
+              <a:t>Fulfills requests as specified in </a:t>
+            </a:r>
+            <a:r>
+              <a:rPr lang="en-US" dirty="0" err="1"/>
+              <a:t>etcd</a:t>
+            </a:r>
+            <a:r>
+              <a:rPr lang="en-US" dirty="0"/>
+              <a:t> (start, remove, …)</a:t>
             </a:r>
           </a:p>
           <a:p>
             <a:pPr lvl="1"/>
             <a:r>
               <a:rPr lang="en-US" dirty="0"/>
-              <a:t>Run `</a:t>
-            </a:r>
+              <a:t>Monitors the state of the node</a:t>
+            </a:r>
+          </a:p>
+          <a:p>
+            <a:pPr lvl="1"/>
+            <a:r>
+              <a:rPr lang="en-US" dirty="0"/>
+              <a:t>Actually starts containers</a:t>
+            </a:r>
+          </a:p>
+          <a:p>
             <a:r>
               <a:rPr lang="en-US" dirty="0" err="1"/>
-              <a:t>kubectl</a:t>
-            </a:r>
-            <a:r>
-              <a:rPr lang="en-US" dirty="0"/>
-              <a:t>` or `</a:t>
+              <a:t>kube</a:t>
+            </a:r>
+            <a:r>
+              <a:rPr lang="en-US" dirty="0"/>
+              <a:t>-proxy</a:t>
+            </a:r>
+          </a:p>
+          <a:p>
+            <a:pPr lvl="1"/>
+            <a:r>
+              <a:rPr lang="en-US" dirty="0"/>
+              <a:t>Manages </a:t>
             </a:r>
             <a:r>
               <a:rPr lang="en-US" dirty="0" err="1"/>
-              <a:t>kubectl</a:t>
-            </a:r>
-            <a:r>
-              <a:rPr lang="en-US" dirty="0"/>
-              <a:t> &lt;command&gt; --help` to get detailed information</a:t>
-            </a:r>
-          </a:p>
-          <a:p>
-            <a:r>
-              <a:rPr lang="en-US" dirty="0"/>
-              <a:t>curl</a:t>
-            </a:r>
+              <a:t>iptables</a:t>
+            </a:r>
+            <a:r>
+              <a:rPr lang="en-US" dirty="0"/>
+              <a:t> on each node for services</a:t>
+            </a:r>
+          </a:p>
+          <a:p>
+            <a:r>
+              <a:rPr lang="en-US" dirty="0"/>
+              <a:t>Docker/</a:t>
+            </a:r>
+            <a:r>
+              <a:rPr lang="en-US" dirty="0" err="1"/>
+              <a:t>rkt</a:t>
+            </a:r>
+            <a:endParaRPr lang="en-US" dirty="0"/>
           </a:p>
           <a:p>
             <a:pPr lvl="1"/>
             <a:r>
               <a:rPr lang="en-US" dirty="0"/>
-              <a:t>http client that can send get &amp; post requests</a:t>
+              <a:t>Container runtime on the individual node</a:t>
+            </a:r>
+          </a:p>
+          <a:p>
+            <a:r>
+              <a:rPr lang="en-US" dirty="0"/>
+              <a:t>Pod</a:t>
             </a:r>
           </a:p>
           <a:p>
             <a:pPr lvl="1"/>
             <a:r>
               <a:rPr lang="en-US" dirty="0"/>
-              <a:t>API server can be addressed with binaries like curl but also client packages for programming languages like go, python or java</a:t>
+              <a:t>A the smallest, schedulable resource that is managed by </a:t>
+            </a:r>
+            <a:r>
+              <a:rPr lang="en-US" dirty="0" err="1"/>
+              <a:t>kubelet</a:t>
+            </a:r>
+            <a:r>
+              <a:rPr lang="en-US" dirty="0"/>
+              <a:t> on the node</a:t>
+            </a:r>
+          </a:p>
+          <a:p>
+            <a:pPr lvl="1"/>
+            <a:r>
+              <a:rPr lang="en-US" dirty="0"/>
+              <a:t>Pods wrap around one or more (</a:t>
+            </a:r>
+            <a:r>
+              <a:rPr lang="en-US" dirty="0" err="1"/>
+              <a:t>docker</a:t>
+            </a:r>
+            <a:r>
+              <a:rPr lang="en-US" dirty="0"/>
+              <a:t>) containers</a:t>
             </a:r>
           </a:p>
         </p:txBody>
@@ -11316,6 +14132,150 @@
           <a:p>
             <a:r>
               <a:rPr lang="en-US" dirty="0"/>
+              <a:t>Core Components - worker</a:t>
+            </a:r>
+          </a:p>
+        </p:txBody>
+      </p:sp>
+    </p:spTree>
+    <p:extLst>
+      <p:ext uri="{BB962C8B-B14F-4D97-AF65-F5344CB8AC3E}">
+        <p14:creationId xmlns:p14="http://schemas.microsoft.com/office/powerpoint/2010/main" val="2064472307"/>
+      </p:ext>
+    </p:extLst>
+  </p:cSld>
+  <p:clrMapOvr>
+    <a:masterClrMapping/>
+  </p:clrMapOvr>
+</p:sld>
+</file>
+
+<file path=ppt/slides/slide7.xml><?xml version="1.0" encoding="utf-8"?>
+<p:sld xmlns:a="http://schemas.openxmlformats.org/drawingml/2006/main" xmlns:r="http://schemas.openxmlformats.org/officeDocument/2006/relationships" xmlns:p="http://schemas.openxmlformats.org/presentationml/2006/main">
+  <p:cSld>
+    <p:spTree>
+      <p:nvGrpSpPr>
+        <p:cNvPr id="1" name=""/>
+        <p:cNvGrpSpPr/>
+        <p:nvPr/>
+      </p:nvGrpSpPr>
+      <p:grpSpPr>
+        <a:xfrm>
+          <a:off x="0" y="0"/>
+          <a:ext cx="0" cy="0"/>
+          <a:chOff x="0" y="0"/>
+          <a:chExt cx="0" cy="0"/>
+        </a:xfrm>
+      </p:grpSpPr>
+      <p:sp>
+        <p:nvSpPr>
+          <p:cNvPr id="3" name="Text Placeholder 2"/>
+          <p:cNvSpPr>
+            <a:spLocks noGrp="1"/>
+          </p:cNvSpPr>
+          <p:nvPr>
+            <p:ph type="body" sz="quarter" idx="10"/>
+          </p:nvPr>
+        </p:nvSpPr>
+        <p:spPr>
+          <a:xfrm>
+            <a:off x="504000" y="1124700"/>
+            <a:ext cx="8159939" cy="4727460"/>
+          </a:xfrm>
+        </p:spPr>
+        <p:txBody>
+          <a:bodyPr/>
+          <a:lstStyle/>
+          <a:p>
+            <a:r>
+              <a:rPr lang="en-US" dirty="0" err="1"/>
+              <a:t>kubectl</a:t>
+            </a:r>
+            <a:endParaRPr lang="en-US" dirty="0"/>
+          </a:p>
+          <a:p>
+            <a:pPr lvl="1"/>
+            <a:r>
+              <a:rPr lang="en-US" dirty="0"/>
+              <a:t>Wraps requests to API server in human readable format</a:t>
+            </a:r>
+          </a:p>
+          <a:p>
+            <a:pPr lvl="1"/>
+            <a:r>
+              <a:rPr lang="en-US" dirty="0"/>
+              <a:t>Cluster administration tasks</a:t>
+            </a:r>
+          </a:p>
+          <a:p>
+            <a:pPr lvl="1"/>
+            <a:r>
+              <a:rPr lang="en-US" dirty="0"/>
+              <a:t>User tasks like scheduling of resources</a:t>
+            </a:r>
+          </a:p>
+          <a:p>
+            <a:pPr lvl="1"/>
+            <a:r>
+              <a:rPr lang="en-US" dirty="0"/>
+              <a:t>Run `</a:t>
+            </a:r>
+            <a:r>
+              <a:rPr lang="en-US" dirty="0" err="1"/>
+              <a:t>kubectl</a:t>
+            </a:r>
+            <a:r>
+              <a:rPr lang="en-US" dirty="0"/>
+              <a:t>` or `</a:t>
+            </a:r>
+            <a:r>
+              <a:rPr lang="en-US" dirty="0" err="1"/>
+              <a:t>kubectl</a:t>
+            </a:r>
+            <a:r>
+              <a:rPr lang="en-US" dirty="0"/>
+              <a:t> &lt;command&gt; --help` to get detailed information</a:t>
+            </a:r>
+          </a:p>
+          <a:p>
+            <a:r>
+              <a:rPr lang="en-US" dirty="0"/>
+              <a:t>curl</a:t>
+            </a:r>
+          </a:p>
+          <a:p>
+            <a:pPr lvl="1"/>
+            <a:r>
+              <a:rPr lang="en-US" dirty="0"/>
+              <a:t>http client that can send get &amp; post requests</a:t>
+            </a:r>
+          </a:p>
+          <a:p>
+            <a:pPr lvl="1"/>
+            <a:r>
+              <a:rPr lang="en-US" dirty="0"/>
+              <a:t>API server can be addressed with binaries like curl but also client packages for programming languages like go, python or java</a:t>
+            </a:r>
+          </a:p>
+        </p:txBody>
+      </p:sp>
+      <p:sp>
+        <p:nvSpPr>
+          <p:cNvPr id="2" name="Title 1"/>
+          <p:cNvSpPr>
+            <a:spLocks noGrp="1"/>
+          </p:cNvSpPr>
+          <p:nvPr>
+            <p:ph type="title"/>
+          </p:nvPr>
+        </p:nvSpPr>
+        <p:spPr/>
+        <p:txBody>
+          <a:bodyPr/>
+          <a:lstStyle/>
+          <a:p>
+            <a:r>
+              <a:rPr lang="en-US" dirty="0"/>
               <a:t>Core Components - clients</a:t>
             </a:r>
           </a:p>
@@ -11334,7 +14294,7 @@
 </p:sld>
 </file>
 
-<file path=ppt/slides/slide7.xml><?xml version="1.0" encoding="utf-8"?>
+<file path=ppt/slides/slide8.xml><?xml version="1.0" encoding="utf-8"?>
 <p:sld xmlns:a="http://schemas.openxmlformats.org/drawingml/2006/main" xmlns:r="http://schemas.openxmlformats.org/officeDocument/2006/relationships" xmlns:p="http://schemas.openxmlformats.org/presentationml/2006/main">
   <p:cSld>
     <p:spTree>
@@ -11508,7 +14468,7 @@
 </p:sld>
 </file>
 
-<file path=ppt/slides/slide8.xml><?xml version="1.0" encoding="utf-8"?>
+<file path=ppt/slides/slide9.xml><?xml version="1.0" encoding="utf-8"?>
 <p:sld xmlns:a="http://schemas.openxmlformats.org/drawingml/2006/main" xmlns:r="http://schemas.openxmlformats.org/officeDocument/2006/relationships" xmlns:p="http://schemas.openxmlformats.org/presentationml/2006/main">
   <p:cSld>
     <p:spTree>
@@ -13100,1153 +16060,6 @@
     <p:extLst>
       <p:ext uri="{BB962C8B-B14F-4D97-AF65-F5344CB8AC3E}">
         <p14:creationId xmlns:p14="http://schemas.microsoft.com/office/powerpoint/2010/main" val="2110886212"/>
-      </p:ext>
-    </p:extLst>
-  </p:cSld>
-  <p:clrMapOvr>
-    <a:masterClrMapping/>
-  </p:clrMapOvr>
-</p:sld>
-</file>
-
-<file path=ppt/slides/slide9.xml><?xml version="1.0" encoding="utf-8"?>
-<p:sld xmlns:a="http://schemas.openxmlformats.org/drawingml/2006/main" xmlns:r="http://schemas.openxmlformats.org/officeDocument/2006/relationships" xmlns:p="http://schemas.openxmlformats.org/presentationml/2006/main">
-  <p:cSld>
-    <p:spTree>
-      <p:nvGrpSpPr>
-        <p:cNvPr id="1" name=""/>
-        <p:cNvGrpSpPr/>
-        <p:nvPr/>
-      </p:nvGrpSpPr>
-      <p:grpSpPr>
-        <a:xfrm>
-          <a:off x="0" y="0"/>
-          <a:ext cx="0" cy="0"/>
-          <a:chOff x="0" y="0"/>
-          <a:chExt cx="0" cy="0"/>
-        </a:xfrm>
-      </p:grpSpPr>
-      <p:sp>
-        <p:nvSpPr>
-          <p:cNvPr id="3" name="Title 2"/>
-          <p:cNvSpPr>
-            <a:spLocks noGrp="1"/>
-          </p:cNvSpPr>
-          <p:nvPr>
-            <p:ph type="title"/>
-          </p:nvPr>
-        </p:nvSpPr>
-        <p:spPr/>
-        <p:txBody>
-          <a:bodyPr/>
-          <a:lstStyle/>
-          <a:p>
-            <a:r>
-              <a:rPr lang="en-US" dirty="0"/>
-              <a:t>What YOU will do during this training…</a:t>
-            </a:r>
-          </a:p>
-        </p:txBody>
-      </p:sp>
-      <p:grpSp>
-        <p:nvGrpSpPr>
-          <p:cNvPr id="13" name="Group 12"/>
-          <p:cNvGrpSpPr/>
-          <p:nvPr/>
-        </p:nvGrpSpPr>
-        <p:grpSpPr>
-          <a:xfrm>
-            <a:off x="2674620" y="2948940"/>
-            <a:ext cx="6187440" cy="1752600"/>
-            <a:chOff x="2697480" y="2743200"/>
-            <a:chExt cx="6187440" cy="2034540"/>
-          </a:xfrm>
-        </p:grpSpPr>
-        <p:sp>
-          <p:nvSpPr>
-            <p:cNvPr id="12" name="Rectangle: Rounded Corners 11"/>
-            <p:cNvSpPr/>
-            <p:nvPr/>
-          </p:nvSpPr>
-          <p:spPr bwMode="gray">
-            <a:xfrm>
-              <a:off x="2697480" y="2743200"/>
-              <a:ext cx="6187440" cy="2034540"/>
-            </a:xfrm>
-            <a:prstGeom prst="roundRect">
-              <a:avLst/>
-            </a:prstGeom>
-            <a:ln>
-              <a:headEnd/>
-              <a:tailEnd/>
-            </a:ln>
-          </p:spPr>
-          <p:style>
-            <a:lnRef idx="2">
-              <a:schemeClr val="accent1"/>
-            </a:lnRef>
-            <a:fillRef idx="1">
-              <a:schemeClr val="lt1"/>
-            </a:fillRef>
-            <a:effectRef idx="0">
-              <a:schemeClr val="accent1"/>
-            </a:effectRef>
-            <a:fontRef idx="minor">
-              <a:schemeClr val="dk1"/>
-            </a:fontRef>
-          </p:style>
-          <p:txBody>
-            <a:bodyPr lIns="90000" tIns="72000" rIns="90000" bIns="72000" rtlCol="0" anchor="ctr"/>
-            <a:lstStyle/>
-            <a:p>
-              <a:pPr marR="0" algn="ctr" defTabSz="914400" eaLnBrk="1" fontAlgn="base" latinLnBrk="0" hangingPunct="1">
-                <a:lnSpc>
-                  <a:spcPct val="100000"/>
-                </a:lnSpc>
-                <a:spcBef>
-                  <a:spcPct val="50000"/>
-                </a:spcBef>
-                <a:spcAft>
-                  <a:spcPct val="0"/>
-                </a:spcAft>
-                <a:buClr>
-                  <a:srgbClr val="F0AB00"/>
-                </a:buClr>
-                <a:buSzPct val="80000"/>
-                <a:tabLst/>
-              </a:pPr>
-              <a:endParaRPr kumimoji="0" lang="en-US" sz="1800" b="0" i="0" u="none" strike="noStrike" kern="0" cap="none" spc="0" normalizeH="0" baseline="0" noProof="0" dirty="0" err="1">
-                <a:ln>
-                  <a:noFill/>
-                </a:ln>
-                <a:effectLst/>
-                <a:uLnTx/>
-                <a:uFillTx/>
-                <a:ea typeface="Arial Unicode MS" pitchFamily="34" charset="-128"/>
-                <a:cs typeface="Arial Unicode MS" pitchFamily="34" charset="-128"/>
-              </a:endParaRPr>
-            </a:p>
-          </p:txBody>
-        </p:sp>
-        <p:sp>
-          <p:nvSpPr>
-            <p:cNvPr id="4" name="Rectangle 3"/>
-            <p:cNvSpPr/>
-            <p:nvPr/>
-          </p:nvSpPr>
-          <p:spPr bwMode="gray">
-            <a:xfrm>
-              <a:off x="2989653" y="3164976"/>
-              <a:ext cx="1627931" cy="1156258"/>
-            </a:xfrm>
-            <a:prstGeom prst="rect">
-              <a:avLst/>
-            </a:prstGeom>
-            <a:solidFill>
-              <a:schemeClr val="bg2"/>
-            </a:solidFill>
-            <a:ln>
-              <a:headEnd/>
-              <a:tailEnd/>
-            </a:ln>
-          </p:spPr>
-          <p:style>
-            <a:lnRef idx="2">
-              <a:schemeClr val="accent2"/>
-            </a:lnRef>
-            <a:fillRef idx="1">
-              <a:schemeClr val="lt1"/>
-            </a:fillRef>
-            <a:effectRef idx="0">
-              <a:schemeClr val="accent2"/>
-            </a:effectRef>
-            <a:fontRef idx="minor">
-              <a:schemeClr val="dk1"/>
-            </a:fontRef>
-          </p:style>
-          <p:txBody>
-            <a:bodyPr lIns="90000" tIns="72000" rIns="90000" bIns="72000" rtlCol="0" anchor="ctr"/>
-            <a:lstStyle/>
-            <a:p>
-              <a:pPr marR="0" algn="ctr" defTabSz="914400" eaLnBrk="1" fontAlgn="base" latinLnBrk="0" hangingPunct="1">
-                <a:lnSpc>
-                  <a:spcPct val="100000"/>
-                </a:lnSpc>
-                <a:spcBef>
-                  <a:spcPct val="50000"/>
-                </a:spcBef>
-                <a:spcAft>
-                  <a:spcPct val="0"/>
-                </a:spcAft>
-                <a:buClr>
-                  <a:srgbClr val="F0AB00"/>
-                </a:buClr>
-                <a:buSzPct val="80000"/>
-                <a:tabLst/>
-              </a:pPr>
-              <a:r>
-                <a:rPr lang="de-DE" sz="1800" kern="0" dirty="0" err="1">
-                  <a:ea typeface="Arial Unicode MS" pitchFamily="34" charset="-128"/>
-                  <a:cs typeface="Arial Unicode MS" pitchFamily="34" charset="-128"/>
-                </a:rPr>
-                <a:t>nginx</a:t>
-              </a:r>
-              <a:endParaRPr kumimoji="0" lang="de-DE" sz="1800" b="0" i="0" u="none" strike="noStrike" kern="0" cap="none" spc="0" normalizeH="0" baseline="0" noProof="0" dirty="0">
-                <a:ln>
-                  <a:noFill/>
-                </a:ln>
-                <a:effectLst/>
-                <a:uLnTx/>
-                <a:uFillTx/>
-                <a:ea typeface="Arial Unicode MS" pitchFamily="34" charset="-128"/>
-                <a:cs typeface="Arial Unicode MS" pitchFamily="34" charset="-128"/>
-              </a:endParaRPr>
-            </a:p>
-          </p:txBody>
-        </p:sp>
-        <p:sp>
-          <p:nvSpPr>
-            <p:cNvPr id="6" name="Rectangle 5"/>
-            <p:cNvSpPr/>
-            <p:nvPr/>
-          </p:nvSpPr>
-          <p:spPr bwMode="gray">
-            <a:xfrm>
-              <a:off x="6855115" y="3164976"/>
-              <a:ext cx="1627931" cy="1156258"/>
-            </a:xfrm>
-            <a:prstGeom prst="rect">
-              <a:avLst/>
-            </a:prstGeom>
-            <a:solidFill>
-              <a:schemeClr val="bg2"/>
-            </a:solidFill>
-            <a:ln>
-              <a:headEnd/>
-              <a:tailEnd/>
-            </a:ln>
-          </p:spPr>
-          <p:style>
-            <a:lnRef idx="2">
-              <a:schemeClr val="accent2"/>
-            </a:lnRef>
-            <a:fillRef idx="1">
-              <a:schemeClr val="lt1"/>
-            </a:fillRef>
-            <a:effectRef idx="0">
-              <a:schemeClr val="accent2"/>
-            </a:effectRef>
-            <a:fontRef idx="minor">
-              <a:schemeClr val="dk1"/>
-            </a:fontRef>
-          </p:style>
-          <p:txBody>
-            <a:bodyPr lIns="90000" tIns="72000" rIns="90000" bIns="72000" rtlCol="0" anchor="ctr"/>
-            <a:lstStyle/>
-            <a:p>
-              <a:pPr marR="0" algn="ctr" defTabSz="914400" eaLnBrk="1" fontAlgn="base" latinLnBrk="0" hangingPunct="1">
-                <a:lnSpc>
-                  <a:spcPct val="100000"/>
-                </a:lnSpc>
-                <a:spcBef>
-                  <a:spcPct val="50000"/>
-                </a:spcBef>
-                <a:spcAft>
-                  <a:spcPct val="0"/>
-                </a:spcAft>
-                <a:buClr>
-                  <a:srgbClr val="F0AB00"/>
-                </a:buClr>
-                <a:buSzPct val="80000"/>
-                <a:tabLst/>
-              </a:pPr>
-              <a:r>
-                <a:rPr lang="de-DE" sz="1800" kern="0" dirty="0" err="1">
-                  <a:ea typeface="Arial Unicode MS" pitchFamily="34" charset="-128"/>
-                  <a:cs typeface="Arial Unicode MS" pitchFamily="34" charset="-128"/>
-                </a:rPr>
-                <a:t>nginx</a:t>
-              </a:r>
-              <a:endParaRPr kumimoji="0" lang="de-DE" sz="1800" b="0" i="0" u="none" strike="noStrike" kern="0" cap="none" spc="0" normalizeH="0" baseline="0" noProof="0" dirty="0">
-                <a:ln>
-                  <a:noFill/>
-                </a:ln>
-                <a:effectLst/>
-                <a:uLnTx/>
-                <a:uFillTx/>
-                <a:ea typeface="Arial Unicode MS" pitchFamily="34" charset="-128"/>
-                <a:cs typeface="Arial Unicode MS" pitchFamily="34" charset="-128"/>
-              </a:endParaRPr>
-            </a:p>
-          </p:txBody>
-        </p:sp>
-        <p:sp>
-          <p:nvSpPr>
-            <p:cNvPr id="7" name="Rectangle 6"/>
-            <p:cNvSpPr/>
-            <p:nvPr/>
-          </p:nvSpPr>
-          <p:spPr bwMode="gray">
-            <a:xfrm>
-              <a:off x="4922384" y="3164976"/>
-              <a:ext cx="1627931" cy="1156258"/>
-            </a:xfrm>
-            <a:prstGeom prst="rect">
-              <a:avLst/>
-            </a:prstGeom>
-            <a:solidFill>
-              <a:schemeClr val="bg2"/>
-            </a:solidFill>
-            <a:ln>
-              <a:headEnd/>
-              <a:tailEnd/>
-            </a:ln>
-          </p:spPr>
-          <p:style>
-            <a:lnRef idx="2">
-              <a:schemeClr val="accent2"/>
-            </a:lnRef>
-            <a:fillRef idx="1">
-              <a:schemeClr val="lt1"/>
-            </a:fillRef>
-            <a:effectRef idx="0">
-              <a:schemeClr val="accent2"/>
-            </a:effectRef>
-            <a:fontRef idx="minor">
-              <a:schemeClr val="dk1"/>
-            </a:fontRef>
-          </p:style>
-          <p:txBody>
-            <a:bodyPr lIns="90000" tIns="72000" rIns="90000" bIns="72000" rtlCol="0" anchor="ctr"/>
-            <a:lstStyle/>
-            <a:p>
-              <a:pPr marR="0" algn="ctr" defTabSz="914400" eaLnBrk="1" fontAlgn="base" latinLnBrk="0" hangingPunct="1">
-                <a:lnSpc>
-                  <a:spcPct val="100000"/>
-                </a:lnSpc>
-                <a:spcBef>
-                  <a:spcPct val="50000"/>
-                </a:spcBef>
-                <a:spcAft>
-                  <a:spcPct val="0"/>
-                </a:spcAft>
-                <a:buClr>
-                  <a:srgbClr val="F0AB00"/>
-                </a:buClr>
-                <a:buSzPct val="80000"/>
-                <a:tabLst/>
-              </a:pPr>
-              <a:r>
-                <a:rPr lang="de-DE" sz="1800" kern="0" dirty="0" err="1">
-                  <a:ea typeface="Arial Unicode MS" pitchFamily="34" charset="-128"/>
-                  <a:cs typeface="Arial Unicode MS" pitchFamily="34" charset="-128"/>
-                </a:rPr>
-                <a:t>nginx</a:t>
-              </a:r>
-              <a:endParaRPr kumimoji="0" lang="de-DE" sz="1800" b="0" i="0" u="none" strike="noStrike" kern="0" cap="none" spc="0" normalizeH="0" baseline="0" noProof="0" dirty="0">
-                <a:ln>
-                  <a:noFill/>
-                </a:ln>
-                <a:effectLst/>
-                <a:uLnTx/>
-                <a:uFillTx/>
-                <a:ea typeface="Arial Unicode MS" pitchFamily="34" charset="-128"/>
-                <a:cs typeface="Arial Unicode MS" pitchFamily="34" charset="-128"/>
-              </a:endParaRPr>
-            </a:p>
-          </p:txBody>
-        </p:sp>
-      </p:grpSp>
-      <p:grpSp>
-        <p:nvGrpSpPr>
-          <p:cNvPr id="15" name="Group 14"/>
-          <p:cNvGrpSpPr/>
-          <p:nvPr/>
-        </p:nvGrpSpPr>
-        <p:grpSpPr>
-          <a:xfrm>
-            <a:off x="3482340" y="5176656"/>
-            <a:ext cx="4572000" cy="1363980"/>
-            <a:chOff x="3421380" y="5067300"/>
-            <a:chExt cx="4572000" cy="1363980"/>
-          </a:xfrm>
-        </p:grpSpPr>
-        <p:sp>
-          <p:nvSpPr>
-            <p:cNvPr id="14" name="Rectangle: Rounded Corners 13"/>
-            <p:cNvSpPr/>
-            <p:nvPr/>
-          </p:nvSpPr>
-          <p:spPr bwMode="gray">
-            <a:xfrm>
-              <a:off x="3421380" y="5067300"/>
-              <a:ext cx="4572000" cy="1363980"/>
-            </a:xfrm>
-            <a:prstGeom prst="roundRect">
-              <a:avLst/>
-            </a:prstGeom>
-            <a:ln>
-              <a:headEnd/>
-              <a:tailEnd/>
-            </a:ln>
-          </p:spPr>
-          <p:style>
-            <a:lnRef idx="2">
-              <a:schemeClr val="accent1"/>
-            </a:lnRef>
-            <a:fillRef idx="1">
-              <a:schemeClr val="lt1"/>
-            </a:fillRef>
-            <a:effectRef idx="0">
-              <a:schemeClr val="accent1"/>
-            </a:effectRef>
-            <a:fontRef idx="minor">
-              <a:schemeClr val="dk1"/>
-            </a:fontRef>
-          </p:style>
-          <p:txBody>
-            <a:bodyPr lIns="90000" tIns="72000" rIns="90000" bIns="72000" rtlCol="0" anchor="ctr"/>
-            <a:lstStyle/>
-            <a:p>
-              <a:pPr marR="0" algn="ctr" defTabSz="914400" eaLnBrk="1" fontAlgn="base" latinLnBrk="0" hangingPunct="1">
-                <a:lnSpc>
-                  <a:spcPct val="100000"/>
-                </a:lnSpc>
-                <a:spcBef>
-                  <a:spcPct val="50000"/>
-                </a:spcBef>
-                <a:spcAft>
-                  <a:spcPct val="0"/>
-                </a:spcAft>
-                <a:buClr>
-                  <a:srgbClr val="F0AB00"/>
-                </a:buClr>
-                <a:buSzPct val="80000"/>
-                <a:tabLst/>
-              </a:pPr>
-              <a:endParaRPr kumimoji="0" lang="en-US" sz="1800" b="0" i="0" u="none" strike="noStrike" kern="0" cap="none" spc="0" normalizeH="0" baseline="0" noProof="0" dirty="0" err="1">
-                <a:ln>
-                  <a:noFill/>
-                </a:ln>
-                <a:effectLst/>
-                <a:uLnTx/>
-                <a:uFillTx/>
-                <a:ea typeface="Arial Unicode MS" pitchFamily="34" charset="-128"/>
-                <a:cs typeface="Arial Unicode MS" pitchFamily="34" charset="-128"/>
-              </a:endParaRPr>
-            </a:p>
-          </p:txBody>
-        </p:sp>
-        <p:sp>
-          <p:nvSpPr>
-            <p:cNvPr id="8" name="Cylinder 7"/>
-            <p:cNvSpPr/>
-            <p:nvPr/>
-          </p:nvSpPr>
-          <p:spPr bwMode="gray">
-            <a:xfrm>
-              <a:off x="3946888" y="5248563"/>
-              <a:ext cx="998220" cy="1004248"/>
-            </a:xfrm>
-            <a:prstGeom prst="can">
-              <a:avLst/>
-            </a:prstGeom>
-            <a:ln>
-              <a:headEnd/>
-              <a:tailEnd/>
-            </a:ln>
-          </p:spPr>
-          <p:style>
-            <a:lnRef idx="2">
-              <a:schemeClr val="accent2"/>
-            </a:lnRef>
-            <a:fillRef idx="1">
-              <a:schemeClr val="lt1"/>
-            </a:fillRef>
-            <a:effectRef idx="0">
-              <a:schemeClr val="accent2"/>
-            </a:effectRef>
-            <a:fontRef idx="minor">
-              <a:schemeClr val="dk1"/>
-            </a:fontRef>
-          </p:style>
-          <p:txBody>
-            <a:bodyPr lIns="90000" tIns="72000" rIns="90000" bIns="72000" rtlCol="0" anchor="ctr"/>
-            <a:lstStyle/>
-            <a:p>
-              <a:pPr marR="0" algn="ctr" defTabSz="914400" eaLnBrk="1" fontAlgn="base" latinLnBrk="0" hangingPunct="1">
-                <a:lnSpc>
-                  <a:spcPct val="100000"/>
-                </a:lnSpc>
-                <a:spcBef>
-                  <a:spcPct val="50000"/>
-                </a:spcBef>
-                <a:spcAft>
-                  <a:spcPct val="0"/>
-                </a:spcAft>
-                <a:buClr>
-                  <a:srgbClr val="F0AB00"/>
-                </a:buClr>
-                <a:buSzPct val="80000"/>
-                <a:tabLst/>
-              </a:pPr>
-              <a:r>
-                <a:rPr kumimoji="0" lang="de-DE" sz="1800" b="0" i="0" u="none" strike="noStrike" kern="0" cap="none" spc="0" normalizeH="0" baseline="0" noProof="0" dirty="0" err="1">
-                  <a:ln>
-                    <a:noFill/>
-                  </a:ln>
-                  <a:effectLst/>
-                  <a:uLnTx/>
-                  <a:uFillTx/>
-                  <a:ea typeface="Arial Unicode MS" pitchFamily="34" charset="-128"/>
-                  <a:cs typeface="Arial Unicode MS" pitchFamily="34" charset="-128"/>
-                </a:rPr>
-                <a:t>content</a:t>
-              </a:r>
-              <a:endParaRPr kumimoji="0" lang="de-DE" sz="1800" b="0" i="0" u="none" strike="noStrike" kern="0" cap="none" spc="0" normalizeH="0" baseline="0" noProof="0" dirty="0">
-                <a:ln>
-                  <a:noFill/>
-                </a:ln>
-                <a:effectLst/>
-                <a:uLnTx/>
-                <a:uFillTx/>
-                <a:ea typeface="Arial Unicode MS" pitchFamily="34" charset="-128"/>
-                <a:cs typeface="Arial Unicode MS" pitchFamily="34" charset="-128"/>
-              </a:endParaRPr>
-            </a:p>
-          </p:txBody>
-        </p:sp>
-        <p:sp>
-          <p:nvSpPr>
-            <p:cNvPr id="9" name="Cylinder 8"/>
-            <p:cNvSpPr/>
-            <p:nvPr/>
-          </p:nvSpPr>
-          <p:spPr bwMode="gray">
-            <a:xfrm>
-              <a:off x="5214379" y="5248563"/>
-              <a:ext cx="998220" cy="1004248"/>
-            </a:xfrm>
-            <a:prstGeom prst="can">
-              <a:avLst/>
-            </a:prstGeom>
-            <a:ln>
-              <a:headEnd/>
-              <a:tailEnd/>
-            </a:ln>
-          </p:spPr>
-          <p:style>
-            <a:lnRef idx="2">
-              <a:schemeClr val="accent2"/>
-            </a:lnRef>
-            <a:fillRef idx="1">
-              <a:schemeClr val="lt1"/>
-            </a:fillRef>
-            <a:effectRef idx="0">
-              <a:schemeClr val="accent2"/>
-            </a:effectRef>
-            <a:fontRef idx="minor">
-              <a:schemeClr val="dk1"/>
-            </a:fontRef>
-          </p:style>
-          <p:txBody>
-            <a:bodyPr lIns="90000" tIns="72000" rIns="90000" bIns="72000" rtlCol="0" anchor="ctr"/>
-            <a:lstStyle/>
-            <a:p>
-              <a:pPr marR="0" algn="ctr" defTabSz="914400" eaLnBrk="1" fontAlgn="base" latinLnBrk="0" hangingPunct="1">
-                <a:lnSpc>
-                  <a:spcPct val="100000"/>
-                </a:lnSpc>
-                <a:spcBef>
-                  <a:spcPct val="50000"/>
-                </a:spcBef>
-                <a:spcAft>
-                  <a:spcPct val="0"/>
-                </a:spcAft>
-                <a:buClr>
-                  <a:srgbClr val="F0AB00"/>
-                </a:buClr>
-                <a:buSzPct val="80000"/>
-                <a:tabLst/>
-              </a:pPr>
-              <a:r>
-                <a:rPr kumimoji="0" lang="de-DE" sz="1800" b="0" i="0" u="none" strike="noStrike" kern="0" cap="none" spc="0" normalizeH="0" baseline="0" noProof="0" dirty="0" err="1">
-                  <a:ln>
-                    <a:noFill/>
-                  </a:ln>
-                  <a:effectLst/>
-                  <a:uLnTx/>
-                  <a:uFillTx/>
-                  <a:ea typeface="Arial Unicode MS" pitchFamily="34" charset="-128"/>
-                  <a:cs typeface="Arial Unicode MS" pitchFamily="34" charset="-128"/>
-                </a:rPr>
-                <a:t>config</a:t>
-              </a:r>
-              <a:endParaRPr kumimoji="0" lang="de-DE" sz="1800" b="0" i="0" u="none" strike="noStrike" kern="0" cap="none" spc="0" normalizeH="0" baseline="0" noProof="0" dirty="0">
-                <a:ln>
-                  <a:noFill/>
-                </a:ln>
-                <a:effectLst/>
-                <a:uLnTx/>
-                <a:uFillTx/>
-                <a:ea typeface="Arial Unicode MS" pitchFamily="34" charset="-128"/>
-                <a:cs typeface="Arial Unicode MS" pitchFamily="34" charset="-128"/>
-              </a:endParaRPr>
-            </a:p>
-          </p:txBody>
-        </p:sp>
-        <p:sp>
-          <p:nvSpPr>
-            <p:cNvPr id="10" name="Cylinder 9"/>
-            <p:cNvSpPr/>
-            <p:nvPr/>
-          </p:nvSpPr>
-          <p:spPr bwMode="gray">
-            <a:xfrm>
-              <a:off x="6481870" y="5248563"/>
-              <a:ext cx="998220" cy="1004248"/>
-            </a:xfrm>
-            <a:prstGeom prst="can">
-              <a:avLst/>
-            </a:prstGeom>
-            <a:ln>
-              <a:headEnd/>
-              <a:tailEnd/>
-            </a:ln>
-          </p:spPr>
-          <p:style>
-            <a:lnRef idx="2">
-              <a:schemeClr val="accent2"/>
-            </a:lnRef>
-            <a:fillRef idx="1">
-              <a:schemeClr val="lt1"/>
-            </a:fillRef>
-            <a:effectRef idx="0">
-              <a:schemeClr val="accent2"/>
-            </a:effectRef>
-            <a:fontRef idx="minor">
-              <a:schemeClr val="dk1"/>
-            </a:fontRef>
-          </p:style>
-          <p:txBody>
-            <a:bodyPr lIns="90000" tIns="72000" rIns="90000" bIns="72000" rtlCol="0" anchor="ctr"/>
-            <a:lstStyle/>
-            <a:p>
-              <a:pPr marR="0" algn="ctr" defTabSz="914400" eaLnBrk="1" fontAlgn="base" latinLnBrk="0" hangingPunct="1">
-                <a:lnSpc>
-                  <a:spcPct val="100000"/>
-                </a:lnSpc>
-                <a:spcBef>
-                  <a:spcPct val="50000"/>
-                </a:spcBef>
-                <a:spcAft>
-                  <a:spcPct val="0"/>
-                </a:spcAft>
-                <a:buClr>
-                  <a:srgbClr val="F0AB00"/>
-                </a:buClr>
-                <a:buSzPct val="80000"/>
-                <a:tabLst/>
-              </a:pPr>
-              <a:r>
-                <a:rPr lang="de-DE" sz="1800" kern="0" dirty="0" err="1">
-                  <a:ea typeface="Arial Unicode MS" pitchFamily="34" charset="-128"/>
-                  <a:cs typeface="Arial Unicode MS" pitchFamily="34" charset="-128"/>
-                </a:rPr>
-                <a:t>tls</a:t>
-              </a:r>
-              <a:r>
-                <a:rPr lang="de-DE" sz="1800" kern="0" dirty="0">
-                  <a:ea typeface="Arial Unicode MS" pitchFamily="34" charset="-128"/>
-                  <a:cs typeface="Arial Unicode MS" pitchFamily="34" charset="-128"/>
-                </a:rPr>
-                <a:t> </a:t>
-              </a:r>
-              <a:r>
-                <a:rPr lang="de-DE" sz="1800" kern="0" dirty="0" err="1">
-                  <a:ea typeface="Arial Unicode MS" pitchFamily="34" charset="-128"/>
-                  <a:cs typeface="Arial Unicode MS" pitchFamily="34" charset="-128"/>
-                </a:rPr>
-                <a:t>certs</a:t>
-              </a:r>
-              <a:endParaRPr kumimoji="0" lang="de-DE" sz="1800" b="0" i="0" u="none" strike="noStrike" kern="0" cap="none" spc="0" normalizeH="0" baseline="0" noProof="0" dirty="0">
-                <a:ln>
-                  <a:noFill/>
-                </a:ln>
-                <a:effectLst/>
-                <a:uLnTx/>
-                <a:uFillTx/>
-                <a:ea typeface="Arial Unicode MS" pitchFamily="34" charset="-128"/>
-                <a:cs typeface="Arial Unicode MS" pitchFamily="34" charset="-128"/>
-              </a:endParaRPr>
-            </a:p>
-          </p:txBody>
-        </p:sp>
-      </p:grpSp>
-      <p:sp>
-        <p:nvSpPr>
-          <p:cNvPr id="16" name="Arrow: Up-Down 15"/>
-          <p:cNvSpPr/>
-          <p:nvPr/>
-        </p:nvSpPr>
-        <p:spPr bwMode="gray">
-          <a:xfrm>
-            <a:off x="5657231" y="4400550"/>
-            <a:ext cx="222219" cy="845820"/>
-          </a:xfrm>
-          <a:prstGeom prst="upDownArrow">
-            <a:avLst/>
-          </a:prstGeom>
-          <a:solidFill>
-            <a:schemeClr val="accent1"/>
-          </a:solidFill>
-          <a:ln w="6350" algn="ctr">
-            <a:noFill/>
-            <a:miter lim="800000"/>
-            <a:headEnd/>
-            <a:tailEnd/>
-          </a:ln>
-        </p:spPr>
-        <p:txBody>
-          <a:bodyPr lIns="90000" tIns="72000" rIns="90000" bIns="72000" rtlCol="0" anchor="ctr"/>
-          <a:lstStyle/>
-          <a:p>
-            <a:pPr marR="0" algn="ctr" defTabSz="914400" eaLnBrk="1" fontAlgn="base" latinLnBrk="0" hangingPunct="1">
-              <a:lnSpc>
-                <a:spcPct val="100000"/>
-              </a:lnSpc>
-              <a:spcBef>
-                <a:spcPct val="50000"/>
-              </a:spcBef>
-              <a:spcAft>
-                <a:spcPct val="0"/>
-              </a:spcAft>
-              <a:buClr>
-                <a:srgbClr val="F0AB00"/>
-              </a:buClr>
-              <a:buSzPct val="80000"/>
-              <a:tabLst/>
-            </a:pPr>
-            <a:endParaRPr kumimoji="0" lang="en-US" sz="1800" b="0" i="0" u="none" strike="noStrike" kern="0" cap="none" spc="0" normalizeH="0" baseline="0" noProof="0" dirty="0" err="1">
-              <a:ln>
-                <a:noFill/>
-              </a:ln>
-              <a:effectLst/>
-              <a:uLnTx/>
-              <a:uFillTx/>
-              <a:ea typeface="Arial Unicode MS" pitchFamily="34" charset="-128"/>
-              <a:cs typeface="Arial Unicode MS" pitchFamily="34" charset="-128"/>
-            </a:endParaRPr>
-          </a:p>
-        </p:txBody>
-      </p:sp>
-      <p:sp>
-        <p:nvSpPr>
-          <p:cNvPr id="17" name="Cloud 16"/>
-          <p:cNvSpPr/>
-          <p:nvPr/>
-        </p:nvSpPr>
-        <p:spPr bwMode="gray">
-          <a:xfrm>
-            <a:off x="4077319" y="1126276"/>
-            <a:ext cx="3382042" cy="914400"/>
-          </a:xfrm>
-          <a:prstGeom prst="cloud">
-            <a:avLst/>
-          </a:prstGeom>
-          <a:solidFill>
-            <a:schemeClr val="accent1"/>
-          </a:solidFill>
-          <a:ln w="6350" algn="ctr">
-            <a:noFill/>
-            <a:miter lim="800000"/>
-            <a:headEnd/>
-            <a:tailEnd/>
-          </a:ln>
-        </p:spPr>
-        <p:txBody>
-          <a:bodyPr lIns="90000" tIns="72000" rIns="90000" bIns="72000" rtlCol="0" anchor="ctr"/>
-          <a:lstStyle/>
-          <a:p>
-            <a:pPr marR="0" algn="ctr" defTabSz="914400" eaLnBrk="1" fontAlgn="base" latinLnBrk="0" hangingPunct="1">
-              <a:lnSpc>
-                <a:spcPct val="100000"/>
-              </a:lnSpc>
-              <a:spcBef>
-                <a:spcPct val="50000"/>
-              </a:spcBef>
-              <a:spcAft>
-                <a:spcPct val="0"/>
-              </a:spcAft>
-              <a:buClr>
-                <a:srgbClr val="F0AB00"/>
-              </a:buClr>
-              <a:buSzPct val="80000"/>
-              <a:tabLst/>
-            </a:pPr>
-            <a:endParaRPr kumimoji="0" lang="en-US" sz="1800" b="0" i="0" u="none" strike="noStrike" kern="0" cap="none" spc="0" normalizeH="0" baseline="0" noProof="0" dirty="0" err="1">
-              <a:ln>
-                <a:noFill/>
-              </a:ln>
-              <a:effectLst/>
-              <a:uLnTx/>
-              <a:uFillTx/>
-              <a:ea typeface="Arial Unicode MS" pitchFamily="34" charset="-128"/>
-              <a:cs typeface="Arial Unicode MS" pitchFamily="34" charset="-128"/>
-            </a:endParaRPr>
-          </a:p>
-        </p:txBody>
-      </p:sp>
-      <p:sp>
-        <p:nvSpPr>
-          <p:cNvPr id="18" name="Arrow: Up-Down 17"/>
-          <p:cNvSpPr/>
-          <p:nvPr/>
-        </p:nvSpPr>
-        <p:spPr bwMode="gray">
-          <a:xfrm>
-            <a:off x="5657231" y="2071898"/>
-            <a:ext cx="222219" cy="845820"/>
-          </a:xfrm>
-          <a:prstGeom prst="upDownArrow">
-            <a:avLst/>
-          </a:prstGeom>
-          <a:solidFill>
-            <a:schemeClr val="accent1"/>
-          </a:solidFill>
-          <a:ln w="6350" algn="ctr">
-            <a:noFill/>
-            <a:miter lim="800000"/>
-            <a:headEnd/>
-            <a:tailEnd/>
-          </a:ln>
-        </p:spPr>
-        <p:txBody>
-          <a:bodyPr lIns="90000" tIns="72000" rIns="90000" bIns="72000" rtlCol="0" anchor="ctr"/>
-          <a:lstStyle/>
-          <a:p>
-            <a:pPr marR="0" algn="ctr" defTabSz="914400" eaLnBrk="1" fontAlgn="base" latinLnBrk="0" hangingPunct="1">
-              <a:lnSpc>
-                <a:spcPct val="100000"/>
-              </a:lnSpc>
-              <a:spcBef>
-                <a:spcPct val="50000"/>
-              </a:spcBef>
-              <a:spcAft>
-                <a:spcPct val="0"/>
-              </a:spcAft>
-              <a:buClr>
-                <a:srgbClr val="F0AB00"/>
-              </a:buClr>
-              <a:buSzPct val="80000"/>
-              <a:tabLst/>
-            </a:pPr>
-            <a:endParaRPr kumimoji="0" lang="en-US" sz="1800" b="0" i="0" u="none" strike="noStrike" kern="0" cap="none" spc="0" normalizeH="0" baseline="0" noProof="0" dirty="0" err="1">
-              <a:ln>
-                <a:noFill/>
-              </a:ln>
-              <a:effectLst/>
-              <a:uLnTx/>
-              <a:uFillTx/>
-              <a:ea typeface="Arial Unicode MS" pitchFamily="34" charset="-128"/>
-              <a:cs typeface="Arial Unicode MS" pitchFamily="34" charset="-128"/>
-            </a:endParaRPr>
-          </a:p>
-        </p:txBody>
-      </p:sp>
-      <p:sp>
-        <p:nvSpPr>
-          <p:cNvPr id="19" name="Flowchart: Document 18"/>
-          <p:cNvSpPr/>
-          <p:nvPr/>
-        </p:nvSpPr>
-        <p:spPr bwMode="gray">
-          <a:xfrm>
-            <a:off x="9991415" y="5391354"/>
-            <a:ext cx="1484305" cy="934584"/>
-          </a:xfrm>
-          <a:prstGeom prst="flowChartDocument">
-            <a:avLst/>
-          </a:prstGeom>
-          <a:ln>
-            <a:headEnd/>
-            <a:tailEnd/>
-          </a:ln>
-        </p:spPr>
-        <p:style>
-          <a:lnRef idx="2">
-            <a:schemeClr val="accent2"/>
-          </a:lnRef>
-          <a:fillRef idx="1">
-            <a:schemeClr val="lt1"/>
-          </a:fillRef>
-          <a:effectRef idx="0">
-            <a:schemeClr val="accent2"/>
-          </a:effectRef>
-          <a:fontRef idx="minor">
-            <a:schemeClr val="dk1"/>
-          </a:fontRef>
-        </p:style>
-        <p:txBody>
-          <a:bodyPr lIns="90000" tIns="72000" rIns="90000" bIns="72000" rtlCol="0" anchor="ctr"/>
-          <a:lstStyle/>
-          <a:p>
-            <a:pPr marR="0" algn="ctr" defTabSz="914400" eaLnBrk="1" fontAlgn="base" latinLnBrk="0" hangingPunct="1">
-              <a:lnSpc>
-                <a:spcPct val="100000"/>
-              </a:lnSpc>
-              <a:spcBef>
-                <a:spcPct val="50000"/>
-              </a:spcBef>
-              <a:spcAft>
-                <a:spcPct val="0"/>
-              </a:spcAft>
-              <a:buClr>
-                <a:srgbClr val="F0AB00"/>
-              </a:buClr>
-              <a:buSzPct val="80000"/>
-              <a:tabLst/>
-            </a:pPr>
-            <a:r>
-              <a:rPr kumimoji="0" lang="en-US" sz="1800" b="0" i="0" u="none" strike="noStrike" kern="0" cap="none" spc="0" normalizeH="0" baseline="0" noProof="0" dirty="0">
-                <a:ln>
-                  <a:noFill/>
-                </a:ln>
-                <a:effectLst/>
-                <a:uLnTx/>
-                <a:uFillTx/>
-                <a:ea typeface="Arial Unicode MS" pitchFamily="34" charset="-128"/>
-                <a:cs typeface="Arial Unicode MS" pitchFamily="34" charset="-128"/>
-              </a:rPr>
-              <a:t>Persistence</a:t>
-            </a:r>
-            <a:r>
-              <a:rPr kumimoji="0" lang="en-US" sz="1800" b="0" i="0" u="none" strike="noStrike" kern="0" cap="none" spc="0" normalizeH="0" noProof="0" dirty="0">
-                <a:ln>
-                  <a:noFill/>
-                </a:ln>
-                <a:effectLst/>
-                <a:uLnTx/>
-                <a:uFillTx/>
-                <a:ea typeface="Arial Unicode MS" pitchFamily="34" charset="-128"/>
-                <a:cs typeface="Arial Unicode MS" pitchFamily="34" charset="-128"/>
-              </a:rPr>
-              <a:t> layer</a:t>
-            </a:r>
-            <a:endParaRPr kumimoji="0" lang="en-US" sz="1800" b="0" i="0" u="none" strike="noStrike" kern="0" cap="none" spc="0" normalizeH="0" baseline="0" noProof="0" dirty="0">
-              <a:ln>
-                <a:noFill/>
-              </a:ln>
-              <a:effectLst/>
-              <a:uLnTx/>
-              <a:uFillTx/>
-              <a:ea typeface="Arial Unicode MS" pitchFamily="34" charset="-128"/>
-              <a:cs typeface="Arial Unicode MS" pitchFamily="34" charset="-128"/>
-            </a:endParaRPr>
-          </a:p>
-        </p:txBody>
-      </p:sp>
-      <p:sp>
-        <p:nvSpPr>
-          <p:cNvPr id="20" name="Flowchart: Document 19"/>
-          <p:cNvSpPr/>
-          <p:nvPr/>
-        </p:nvSpPr>
-        <p:spPr bwMode="gray">
-          <a:xfrm>
-            <a:off x="9991415" y="3465966"/>
-            <a:ext cx="1484305" cy="934584"/>
-          </a:xfrm>
-          <a:prstGeom prst="flowChartDocument">
-            <a:avLst/>
-          </a:prstGeom>
-          <a:ln>
-            <a:headEnd/>
-            <a:tailEnd/>
-          </a:ln>
-        </p:spPr>
-        <p:style>
-          <a:lnRef idx="2">
-            <a:schemeClr val="accent2"/>
-          </a:lnRef>
-          <a:fillRef idx="1">
-            <a:schemeClr val="lt1"/>
-          </a:fillRef>
-          <a:effectRef idx="0">
-            <a:schemeClr val="accent2"/>
-          </a:effectRef>
-          <a:fontRef idx="minor">
-            <a:schemeClr val="dk1"/>
-          </a:fontRef>
-        </p:style>
-        <p:txBody>
-          <a:bodyPr lIns="90000" tIns="72000" rIns="90000" bIns="72000" rtlCol="0" anchor="ctr"/>
-          <a:lstStyle/>
-          <a:p>
-            <a:pPr marR="0" algn="ctr" defTabSz="914400" eaLnBrk="1" fontAlgn="base" latinLnBrk="0" hangingPunct="1">
-              <a:lnSpc>
-                <a:spcPct val="100000"/>
-              </a:lnSpc>
-              <a:spcBef>
-                <a:spcPct val="50000"/>
-              </a:spcBef>
-              <a:spcAft>
-                <a:spcPct val="0"/>
-              </a:spcAft>
-              <a:buClr>
-                <a:srgbClr val="F0AB00"/>
-              </a:buClr>
-              <a:buSzPct val="80000"/>
-              <a:tabLst/>
-            </a:pPr>
-            <a:r>
-              <a:rPr kumimoji="0" lang="en-US" sz="1800" b="0" i="0" u="none" strike="noStrike" kern="0" cap="none" spc="0" normalizeH="0" baseline="0" noProof="0">
-                <a:ln>
-                  <a:noFill/>
-                </a:ln>
-                <a:effectLst/>
-                <a:uLnTx/>
-                <a:uFillTx/>
-                <a:ea typeface="Arial Unicode MS" pitchFamily="34" charset="-128"/>
-                <a:cs typeface="Arial Unicode MS" pitchFamily="34" charset="-128"/>
-              </a:rPr>
-              <a:t>Application</a:t>
-            </a:r>
-            <a:r>
-              <a:rPr kumimoji="0" lang="en-US" sz="1800" b="0" i="0" u="none" strike="noStrike" kern="0" cap="none" spc="0" normalizeH="0" noProof="0">
-                <a:ln>
-                  <a:noFill/>
-                </a:ln>
-                <a:effectLst/>
-                <a:uLnTx/>
-                <a:uFillTx/>
-                <a:ea typeface="Arial Unicode MS" pitchFamily="34" charset="-128"/>
-                <a:cs typeface="Arial Unicode MS" pitchFamily="34" charset="-128"/>
-              </a:rPr>
-              <a:t> </a:t>
-            </a:r>
-            <a:r>
-              <a:rPr kumimoji="0" lang="en-US" sz="1800" b="0" i="0" u="none" strike="noStrike" kern="0" cap="none" spc="0" normalizeH="0" noProof="0" dirty="0">
-                <a:ln>
-                  <a:noFill/>
-                </a:ln>
-                <a:effectLst/>
-                <a:uLnTx/>
-                <a:uFillTx/>
-                <a:ea typeface="Arial Unicode MS" pitchFamily="34" charset="-128"/>
-                <a:cs typeface="Arial Unicode MS" pitchFamily="34" charset="-128"/>
-              </a:rPr>
-              <a:t>layer</a:t>
-            </a:r>
-            <a:endParaRPr kumimoji="0" lang="en-US" sz="1800" b="0" i="0" u="none" strike="noStrike" kern="0" cap="none" spc="0" normalizeH="0" baseline="0" noProof="0" dirty="0">
-              <a:ln>
-                <a:noFill/>
-              </a:ln>
-              <a:effectLst/>
-              <a:uLnTx/>
-              <a:uFillTx/>
-              <a:ea typeface="Arial Unicode MS" pitchFamily="34" charset="-128"/>
-              <a:cs typeface="Arial Unicode MS" pitchFamily="34" charset="-128"/>
-            </a:endParaRPr>
-          </a:p>
-        </p:txBody>
-      </p:sp>
-      <p:sp>
-        <p:nvSpPr>
-          <p:cNvPr id="22" name="Flowchart: Document 21"/>
-          <p:cNvSpPr/>
-          <p:nvPr/>
-        </p:nvSpPr>
-        <p:spPr bwMode="gray">
-          <a:xfrm>
-            <a:off x="9991415" y="1396844"/>
-            <a:ext cx="1484305" cy="934584"/>
-          </a:xfrm>
-          <a:prstGeom prst="flowChartDocument">
-            <a:avLst/>
-          </a:prstGeom>
-          <a:ln>
-            <a:headEnd/>
-            <a:tailEnd/>
-          </a:ln>
-        </p:spPr>
-        <p:style>
-          <a:lnRef idx="2">
-            <a:schemeClr val="accent2"/>
-          </a:lnRef>
-          <a:fillRef idx="1">
-            <a:schemeClr val="lt1"/>
-          </a:fillRef>
-          <a:effectRef idx="0">
-            <a:schemeClr val="accent2"/>
-          </a:effectRef>
-          <a:fontRef idx="minor">
-            <a:schemeClr val="dk1"/>
-          </a:fontRef>
-        </p:style>
-        <p:txBody>
-          <a:bodyPr lIns="90000" tIns="72000" rIns="90000" bIns="72000" rtlCol="0" anchor="ctr"/>
-          <a:lstStyle/>
-          <a:p>
-            <a:pPr marR="0" algn="ctr" defTabSz="914400" eaLnBrk="1" fontAlgn="base" latinLnBrk="0" hangingPunct="1">
-              <a:lnSpc>
-                <a:spcPct val="100000"/>
-              </a:lnSpc>
-              <a:spcBef>
-                <a:spcPct val="50000"/>
-              </a:spcBef>
-              <a:spcAft>
-                <a:spcPct val="0"/>
-              </a:spcAft>
-              <a:buClr>
-                <a:srgbClr val="F0AB00"/>
-              </a:buClr>
-              <a:buSzPct val="80000"/>
-              <a:tabLst/>
-            </a:pPr>
-            <a:r>
-              <a:rPr kumimoji="0" lang="en-US" sz="1800" b="0" i="0" u="none" strike="noStrike" kern="0" cap="none" spc="0" normalizeH="0" baseline="0" noProof="0" dirty="0">
-                <a:ln>
-                  <a:noFill/>
-                </a:ln>
-                <a:effectLst/>
-                <a:uLnTx/>
-                <a:uFillTx/>
-                <a:ea typeface="Arial Unicode MS" pitchFamily="34" charset="-128"/>
-                <a:cs typeface="Arial Unicode MS" pitchFamily="34" charset="-128"/>
-              </a:rPr>
-              <a:t>Networking</a:t>
-            </a:r>
-            <a:r>
-              <a:rPr kumimoji="0" lang="en-US" sz="1800" b="0" i="0" u="none" strike="noStrike" kern="0" cap="none" spc="0" normalizeH="0" noProof="0" dirty="0">
-                <a:ln>
-                  <a:noFill/>
-                </a:ln>
-                <a:effectLst/>
-                <a:uLnTx/>
-                <a:uFillTx/>
-                <a:ea typeface="Arial Unicode MS" pitchFamily="34" charset="-128"/>
-                <a:cs typeface="Arial Unicode MS" pitchFamily="34" charset="-128"/>
-              </a:rPr>
-              <a:t> layer</a:t>
-            </a:r>
-            <a:endParaRPr kumimoji="0" lang="en-US" sz="1800" b="0" i="0" u="none" strike="noStrike" kern="0" cap="none" spc="0" normalizeH="0" baseline="0" noProof="0" dirty="0">
-              <a:ln>
-                <a:noFill/>
-              </a:ln>
-              <a:effectLst/>
-              <a:uLnTx/>
-              <a:uFillTx/>
-              <a:ea typeface="Arial Unicode MS" pitchFamily="34" charset="-128"/>
-              <a:cs typeface="Arial Unicode MS" pitchFamily="34" charset="-128"/>
-            </a:endParaRPr>
-          </a:p>
-        </p:txBody>
-      </p:sp>
-    </p:spTree>
-    <p:extLst>
-      <p:ext uri="{BB962C8B-B14F-4D97-AF65-F5344CB8AC3E}">
-        <p14:creationId xmlns:p14="http://schemas.microsoft.com/office/powerpoint/2010/main" val="4085581448"/>
       </p:ext>
     </p:extLst>
   </p:cSld>

--- a/kubernetes/01_k8s_core_components.pptx
+++ b/kubernetes/01_k8s_core_components.pptx
@@ -14086,8 +14086,12 @@
           <a:p>
             <a:pPr lvl="1"/>
             <a:r>
-              <a:rPr lang="en-US" dirty="0"/>
-              <a:t>A the smallest, schedulable resource that is managed by </a:t>
+              <a:rPr lang="en-US"/>
+              <a:t>The </a:t>
+            </a:r>
+            <a:r>
+              <a:rPr lang="en-US" dirty="0"/>
+              <a:t>smallest, schedulable resource that is managed by </a:t>
             </a:r>
             <a:r>
               <a:rPr lang="en-US" dirty="0" err="1"/>

--- a/kubernetes/01_k8s_core_components.pptx
+++ b/kubernetes/01_k8s_core_components.pptx
@@ -545,6 +545,52 @@
       </p:grpSpPr>
       <p:sp>
         <p:nvSpPr>
+          <p:cNvPr id="2" name="Slide Image Placeholder 1"/>
+          <p:cNvSpPr>
+            <a:spLocks noGrp="1" noRot="1" noChangeAspect="1"/>
+          </p:cNvSpPr>
+          <p:nvPr>
+            <p:ph type="sldImg"/>
+          </p:nvPr>
+        </p:nvSpPr>
+        <p:spPr/>
+      </p:sp>
+      <p:sp>
+        <p:nvSpPr>
+          <p:cNvPr id="3" name="Notes Placeholder 2"/>
+          <p:cNvSpPr>
+            <a:spLocks noGrp="1"/>
+          </p:cNvSpPr>
+          <p:nvPr>
+            <p:ph type="body" idx="1"/>
+          </p:nvPr>
+        </p:nvSpPr>
+        <p:spPr/>
+        <p:txBody>
+          <a:bodyPr/>
+          <a:lstStyle/>
+          <a:p>
+            <a:r>
+              <a:rPr lang="en-US" dirty="0"/>
+              <a:t>Usually there is 1..1 relation between pod and container on a pod. Only if you have tightly coupled applications it makes sense to run multiple containers in one pod. </a:t>
+            </a:r>
+          </a:p>
+          <a:p>
+            <a:r>
+              <a:rPr lang="en-US" dirty="0"/>
+              <a:t>Example 1: Having a Jenkins and a logging database in one pod may perform better than in separate pod. However this needs to be evaluated case by case.</a:t>
+            </a:r>
+          </a:p>
+          <a:p>
+            <a:r>
+              <a:rPr lang="en-US" dirty="0"/>
+              <a:t>Example 2: Having a side car container for maintenance</a:t>
+            </a:r>
+          </a:p>
+        </p:txBody>
+      </p:sp>
+      <p:sp>
+        <p:nvSpPr>
           <p:cNvPr id="4" name="Slide Number Placeholder 3"/>
           <p:cNvSpPr>
             <a:spLocks noGrp="1"/>
@@ -561,54 +607,16 @@
             <a:fld id="{7D8C2C35-2B8A-446E-BEC0-FD36716C29AC}" type="slidenum">
               <a:rPr lang="de-DE" smtClean="0"/>
               <a:pPr/>
-              <a:t>5</a:t>
+              <a:t>2</a:t>
             </a:fld>
             <a:endParaRPr lang="de-DE" dirty="0"/>
-          </a:p>
-        </p:txBody>
-      </p:sp>
-      <p:sp>
-        <p:nvSpPr>
-          <p:cNvPr id="9" name="Slide Image Placeholder 8"/>
-          <p:cNvSpPr>
-            <a:spLocks noGrp="1" noRot="1" noChangeAspect="1"/>
-          </p:cNvSpPr>
-          <p:nvPr>
-            <p:ph type="sldImg"/>
-          </p:nvPr>
-        </p:nvSpPr>
-        <p:spPr>
-          <a:xfrm>
-            <a:off x="547688" y="612775"/>
-            <a:ext cx="5762625" cy="3241675"/>
-          </a:xfrm>
-        </p:spPr>
-      </p:sp>
-      <p:sp>
-        <p:nvSpPr>
-          <p:cNvPr id="10" name="Notes Placeholder 9"/>
-          <p:cNvSpPr>
-            <a:spLocks noGrp="1"/>
-          </p:cNvSpPr>
-          <p:nvPr>
-            <p:ph type="body" idx="1"/>
-          </p:nvPr>
-        </p:nvSpPr>
-        <p:spPr/>
-        <p:txBody>
-          <a:bodyPr>
-            <a:normAutofit/>
-          </a:bodyPr>
-          <a:lstStyle/>
-          <a:p>
-            <a:endParaRPr lang="en-US"/>
           </a:p>
         </p:txBody>
       </p:sp>
     </p:spTree>
     <p:extLst>
       <p:ext uri="{BB962C8B-B14F-4D97-AF65-F5344CB8AC3E}">
-        <p14:creationId xmlns:p14="http://schemas.microsoft.com/office/powerpoint/2010/main" val="3094605481"/>
+        <p14:creationId xmlns:p14="http://schemas.microsoft.com/office/powerpoint/2010/main" val="4161297931"/>
       </p:ext>
     </p:extLst>
   </p:cSld>
@@ -637,6 +645,45 @@
       </p:grpSpPr>
       <p:sp>
         <p:nvSpPr>
+          <p:cNvPr id="2" name="Slide Image Placeholder 1"/>
+          <p:cNvSpPr>
+            <a:spLocks noGrp="1" noRot="1" noChangeAspect="1"/>
+          </p:cNvSpPr>
+          <p:nvPr>
+            <p:ph type="sldImg"/>
+          </p:nvPr>
+        </p:nvSpPr>
+        <p:spPr/>
+      </p:sp>
+      <p:sp>
+        <p:nvSpPr>
+          <p:cNvPr id="3" name="Notes Placeholder 2"/>
+          <p:cNvSpPr>
+            <a:spLocks noGrp="1"/>
+          </p:cNvSpPr>
+          <p:nvPr>
+            <p:ph type="body" idx="1"/>
+          </p:nvPr>
+        </p:nvSpPr>
+        <p:spPr/>
+        <p:txBody>
+          <a:bodyPr/>
+          <a:lstStyle/>
+          <a:p>
+            <a:r>
+              <a:rPr lang="en-US" dirty="0"/>
+              <a:t>The API Server is the center piece. All requests towards the cluster </a:t>
+            </a:r>
+            <a:r>
+              <a:rPr lang="en-US"/>
+              <a:t>go though it.</a:t>
+            </a:r>
+            <a:endParaRPr lang="en-US" dirty="0"/>
+          </a:p>
+        </p:txBody>
+      </p:sp>
+      <p:sp>
+        <p:nvSpPr>
           <p:cNvPr id="4" name="Slide Number Placeholder 3"/>
           <p:cNvSpPr>
             <a:spLocks noGrp="1"/>
@@ -653,54 +700,16 @@
             <a:fld id="{7D8C2C35-2B8A-446E-BEC0-FD36716C29AC}" type="slidenum">
               <a:rPr lang="de-DE" smtClean="0"/>
               <a:pPr/>
-              <a:t>6</a:t>
+              <a:t>3</a:t>
             </a:fld>
             <a:endParaRPr lang="de-DE" dirty="0"/>
-          </a:p>
-        </p:txBody>
-      </p:sp>
-      <p:sp>
-        <p:nvSpPr>
-          <p:cNvPr id="9" name="Slide Image Placeholder 8"/>
-          <p:cNvSpPr>
-            <a:spLocks noGrp="1" noRot="1" noChangeAspect="1"/>
-          </p:cNvSpPr>
-          <p:nvPr>
-            <p:ph type="sldImg"/>
-          </p:nvPr>
-        </p:nvSpPr>
-        <p:spPr>
-          <a:xfrm>
-            <a:off x="547688" y="612775"/>
-            <a:ext cx="5762625" cy="3241675"/>
-          </a:xfrm>
-        </p:spPr>
-      </p:sp>
-      <p:sp>
-        <p:nvSpPr>
-          <p:cNvPr id="10" name="Notes Placeholder 9"/>
-          <p:cNvSpPr>
-            <a:spLocks noGrp="1"/>
-          </p:cNvSpPr>
-          <p:nvPr>
-            <p:ph type="body" idx="1"/>
-          </p:nvPr>
-        </p:nvSpPr>
-        <p:spPr/>
-        <p:txBody>
-          <a:bodyPr>
-            <a:normAutofit/>
-          </a:bodyPr>
-          <a:lstStyle/>
-          <a:p>
-            <a:endParaRPr lang="en-US"/>
           </a:p>
         </p:txBody>
       </p:sp>
     </p:spTree>
     <p:extLst>
       <p:ext uri="{BB962C8B-B14F-4D97-AF65-F5344CB8AC3E}">
-        <p14:creationId xmlns:p14="http://schemas.microsoft.com/office/powerpoint/2010/main" val="3887584667"/>
+        <p14:creationId xmlns:p14="http://schemas.microsoft.com/office/powerpoint/2010/main" val="1730553019"/>
       </p:ext>
     </p:extLst>
   </p:cSld>
@@ -745,7 +754,7 @@
             <a:fld id="{7D8C2C35-2B8A-446E-BEC0-FD36716C29AC}" type="slidenum">
               <a:rPr lang="de-DE" smtClean="0"/>
               <a:pPr/>
-              <a:t>7</a:t>
+              <a:t>5</a:t>
             </a:fld>
             <a:endParaRPr lang="de-DE" dirty="0"/>
           </a:p>
@@ -792,6 +801,190 @@
     </p:spTree>
     <p:extLst>
       <p:ext uri="{BB962C8B-B14F-4D97-AF65-F5344CB8AC3E}">
+        <p14:creationId xmlns:p14="http://schemas.microsoft.com/office/powerpoint/2010/main" val="3094605481"/>
+      </p:ext>
+    </p:extLst>
+  </p:cSld>
+  <p:clrMapOvr>
+    <a:masterClrMapping/>
+  </p:clrMapOvr>
+</p:notes>
+</file>
+
+<file path=ppt/notesSlides/notesSlide4.xml><?xml version="1.0" encoding="utf-8"?>
+<p:notes xmlns:a="http://schemas.openxmlformats.org/drawingml/2006/main" xmlns:r="http://schemas.openxmlformats.org/officeDocument/2006/relationships" xmlns:p="http://schemas.openxmlformats.org/presentationml/2006/main">
+  <p:cSld>
+    <p:spTree>
+      <p:nvGrpSpPr>
+        <p:cNvPr id="1" name=""/>
+        <p:cNvGrpSpPr/>
+        <p:nvPr/>
+      </p:nvGrpSpPr>
+      <p:grpSpPr>
+        <a:xfrm>
+          <a:off x="0" y="0"/>
+          <a:ext cx="0" cy="0"/>
+          <a:chOff x="0" y="0"/>
+          <a:chExt cx="0" cy="0"/>
+        </a:xfrm>
+      </p:grpSpPr>
+      <p:sp>
+        <p:nvSpPr>
+          <p:cNvPr id="4" name="Slide Number Placeholder 3"/>
+          <p:cNvSpPr>
+            <a:spLocks noGrp="1"/>
+          </p:cNvSpPr>
+          <p:nvPr>
+            <p:ph type="sldNum" sz="quarter" idx="10"/>
+          </p:nvPr>
+        </p:nvSpPr>
+        <p:spPr/>
+        <p:txBody>
+          <a:bodyPr/>
+          <a:lstStyle/>
+          <a:p>
+            <a:fld id="{7D8C2C35-2B8A-446E-BEC0-FD36716C29AC}" type="slidenum">
+              <a:rPr lang="de-DE" smtClean="0"/>
+              <a:pPr/>
+              <a:t>6</a:t>
+            </a:fld>
+            <a:endParaRPr lang="de-DE" dirty="0"/>
+          </a:p>
+        </p:txBody>
+      </p:sp>
+      <p:sp>
+        <p:nvSpPr>
+          <p:cNvPr id="9" name="Slide Image Placeholder 8"/>
+          <p:cNvSpPr>
+            <a:spLocks noGrp="1" noRot="1" noChangeAspect="1"/>
+          </p:cNvSpPr>
+          <p:nvPr>
+            <p:ph type="sldImg"/>
+          </p:nvPr>
+        </p:nvSpPr>
+        <p:spPr>
+          <a:xfrm>
+            <a:off x="547688" y="612775"/>
+            <a:ext cx="5762625" cy="3241675"/>
+          </a:xfrm>
+        </p:spPr>
+      </p:sp>
+      <p:sp>
+        <p:nvSpPr>
+          <p:cNvPr id="10" name="Notes Placeholder 9"/>
+          <p:cNvSpPr>
+            <a:spLocks noGrp="1"/>
+          </p:cNvSpPr>
+          <p:nvPr>
+            <p:ph type="body" idx="1"/>
+          </p:nvPr>
+        </p:nvSpPr>
+        <p:spPr/>
+        <p:txBody>
+          <a:bodyPr>
+            <a:normAutofit/>
+          </a:bodyPr>
+          <a:lstStyle/>
+          <a:p>
+            <a:endParaRPr lang="en-US"/>
+          </a:p>
+        </p:txBody>
+      </p:sp>
+    </p:spTree>
+    <p:extLst>
+      <p:ext uri="{BB962C8B-B14F-4D97-AF65-F5344CB8AC3E}">
+        <p14:creationId xmlns:p14="http://schemas.microsoft.com/office/powerpoint/2010/main" val="3887584667"/>
+      </p:ext>
+    </p:extLst>
+  </p:cSld>
+  <p:clrMapOvr>
+    <a:masterClrMapping/>
+  </p:clrMapOvr>
+</p:notes>
+</file>
+
+<file path=ppt/notesSlides/notesSlide5.xml><?xml version="1.0" encoding="utf-8"?>
+<p:notes xmlns:a="http://schemas.openxmlformats.org/drawingml/2006/main" xmlns:r="http://schemas.openxmlformats.org/officeDocument/2006/relationships" xmlns:p="http://schemas.openxmlformats.org/presentationml/2006/main">
+  <p:cSld>
+    <p:spTree>
+      <p:nvGrpSpPr>
+        <p:cNvPr id="1" name=""/>
+        <p:cNvGrpSpPr/>
+        <p:nvPr/>
+      </p:nvGrpSpPr>
+      <p:grpSpPr>
+        <a:xfrm>
+          <a:off x="0" y="0"/>
+          <a:ext cx="0" cy="0"/>
+          <a:chOff x="0" y="0"/>
+          <a:chExt cx="0" cy="0"/>
+        </a:xfrm>
+      </p:grpSpPr>
+      <p:sp>
+        <p:nvSpPr>
+          <p:cNvPr id="4" name="Slide Number Placeholder 3"/>
+          <p:cNvSpPr>
+            <a:spLocks noGrp="1"/>
+          </p:cNvSpPr>
+          <p:nvPr>
+            <p:ph type="sldNum" sz="quarter" idx="10"/>
+          </p:nvPr>
+        </p:nvSpPr>
+        <p:spPr/>
+        <p:txBody>
+          <a:bodyPr/>
+          <a:lstStyle/>
+          <a:p>
+            <a:fld id="{7D8C2C35-2B8A-446E-BEC0-FD36716C29AC}" type="slidenum">
+              <a:rPr lang="de-DE" smtClean="0"/>
+              <a:pPr/>
+              <a:t>7</a:t>
+            </a:fld>
+            <a:endParaRPr lang="de-DE" dirty="0"/>
+          </a:p>
+        </p:txBody>
+      </p:sp>
+      <p:sp>
+        <p:nvSpPr>
+          <p:cNvPr id="9" name="Slide Image Placeholder 8"/>
+          <p:cNvSpPr>
+            <a:spLocks noGrp="1" noRot="1" noChangeAspect="1"/>
+          </p:cNvSpPr>
+          <p:nvPr>
+            <p:ph type="sldImg"/>
+          </p:nvPr>
+        </p:nvSpPr>
+        <p:spPr>
+          <a:xfrm>
+            <a:off x="547688" y="612775"/>
+            <a:ext cx="5762625" cy="3241675"/>
+          </a:xfrm>
+        </p:spPr>
+      </p:sp>
+      <p:sp>
+        <p:nvSpPr>
+          <p:cNvPr id="10" name="Notes Placeholder 9"/>
+          <p:cNvSpPr>
+            <a:spLocks noGrp="1"/>
+          </p:cNvSpPr>
+          <p:nvPr>
+            <p:ph type="body" idx="1"/>
+          </p:nvPr>
+        </p:nvSpPr>
+        <p:spPr/>
+        <p:txBody>
+          <a:bodyPr>
+            <a:normAutofit/>
+          </a:bodyPr>
+          <a:lstStyle/>
+          <a:p>
+            <a:endParaRPr lang="en-US"/>
+          </a:p>
+        </p:txBody>
+      </p:sp>
+    </p:spTree>
+    <p:extLst>
+      <p:ext uri="{BB962C8B-B14F-4D97-AF65-F5344CB8AC3E}">
         <p14:creationId xmlns:p14="http://schemas.microsoft.com/office/powerpoint/2010/main" val="3968705523"/>
       </p:ext>
     </p:extLst>
@@ -802,7 +995,7 @@
 </p:notes>
 </file>
 
-<file path=ppt/notesSlides/notesSlide4.xml><?xml version="1.0" encoding="utf-8"?>
+<file path=ppt/notesSlides/notesSlide6.xml><?xml version="1.0" encoding="utf-8"?>
 <p:notes xmlns:a="http://schemas.openxmlformats.org/drawingml/2006/main" xmlns:r="http://schemas.openxmlformats.org/officeDocument/2006/relationships" xmlns:p="http://schemas.openxmlformats.org/presentationml/2006/main">
   <p:cSld>
     <p:spTree>
@@ -9848,7 +10041,7 @@
           <p:nvPr/>
         </p:nvPicPr>
         <p:blipFill>
-          <a:blip r:embed="rId2">
+          <a:blip r:embed="rId3">
             <a:extLst>
               <a:ext uri="{28A0092B-C50C-407E-A947-70E740481C1C}">
                 <a14:useLocalDpi xmlns:a14="http://schemas.microsoft.com/office/drawing/2010/main" val="0"/>

--- a/kubernetes/01_k8s_core_components.pptx
+++ b/kubernetes/01_k8s_core_components.pptx
@@ -198,6 +198,10 @@
 </p:presentation>
 </file>
 
+<file path=ppt/revisionInfo.xml><?xml version="1.0" encoding="utf-8"?>
+<p1510:revInfo xmlns:a="http://schemas.openxmlformats.org/drawingml/2006/main" xmlns:r="http://schemas.openxmlformats.org/officeDocument/2006/relationships" xmlns:p1510="http://schemas.microsoft.com/office/powerpoint/2015/10/main"/>
+</file>
+
 <file path=ppt/handoutMasters/handoutMaster1.xml><?xml version="1.0" encoding="utf-8"?>
 <p:handoutMaster xmlns:a="http://schemas.openxmlformats.org/drawingml/2006/main" xmlns:r="http://schemas.openxmlformats.org/officeDocument/2006/relationships" xmlns:p="http://schemas.openxmlformats.org/presentationml/2006/main">
   <p:cSld>
@@ -570,22 +574,7 @@
           <a:bodyPr/>
           <a:lstStyle/>
           <a:p>
-            <a:r>
-              <a:rPr lang="en-US" dirty="0"/>
-              <a:t>Usually there is 1..1 relation between pod and container on a pod. Only if you have tightly coupled applications it makes sense to run multiple containers in one pod. </a:t>
-            </a:r>
-          </a:p>
-          <a:p>
-            <a:r>
-              <a:rPr lang="en-US" dirty="0"/>
-              <a:t>Example 1: Having a Jenkins and a logging database in one pod may perform better than in separate pod. However this needs to be evaluated case by case.</a:t>
-            </a:r>
-          </a:p>
-          <a:p>
-            <a:r>
-              <a:rPr lang="en-US" dirty="0"/>
-              <a:t>Example 2: Having a side car container for maintenance</a:t>
-            </a:r>
+            <a:endParaRPr lang="en-US"/>
           </a:p>
         </p:txBody>
       </p:sp>
@@ -607,7 +596,7 @@
             <a:fld id="{7D8C2C35-2B8A-446E-BEC0-FD36716C29AC}" type="slidenum">
               <a:rPr lang="de-DE" smtClean="0"/>
               <a:pPr/>
-              <a:t>2</a:t>
+              <a:t>1</a:t>
             </a:fld>
             <a:endParaRPr lang="de-DE" dirty="0"/>
           </a:p>
@@ -616,7 +605,7 @@
     </p:spTree>
     <p:extLst>
       <p:ext uri="{BB962C8B-B14F-4D97-AF65-F5344CB8AC3E}">
-        <p14:creationId xmlns:p14="http://schemas.microsoft.com/office/powerpoint/2010/main" val="4161297931"/>
+        <p14:creationId xmlns:p14="http://schemas.microsoft.com/office/powerpoint/2010/main" val="977588800"/>
       </p:ext>
     </p:extLst>
   </p:cSld>
@@ -672,13 +661,20 @@
           <a:p>
             <a:r>
               <a:rPr lang="en-US" dirty="0"/>
-              <a:t>The API Server is the center piece. All requests towards the cluster </a:t>
-            </a:r>
-            <a:r>
-              <a:rPr lang="en-US"/>
-              <a:t>go though it.</a:t>
-            </a:r>
-            <a:endParaRPr lang="en-US" dirty="0"/>
+              <a:t>Usually there is 1..1 relation between pod and container on a pod. Only if you have tightly coupled applications it makes sense to run multiple containers in one pod. </a:t>
+            </a:r>
+          </a:p>
+          <a:p>
+            <a:r>
+              <a:rPr lang="en-US" dirty="0"/>
+              <a:t>Example 1: Having a Jenkins and a logging database in one pod may perform better than in separate pod. However this needs to be evaluated case by case.</a:t>
+            </a:r>
+          </a:p>
+          <a:p>
+            <a:r>
+              <a:rPr lang="en-US" dirty="0"/>
+              <a:t>Example 2: Having a side car container for maintenance</a:t>
+            </a:r>
           </a:p>
         </p:txBody>
       </p:sp>
@@ -700,7 +696,7 @@
             <a:fld id="{7D8C2C35-2B8A-446E-BEC0-FD36716C29AC}" type="slidenum">
               <a:rPr lang="de-DE" smtClean="0"/>
               <a:pPr/>
-              <a:t>3</a:t>
+              <a:t>2</a:t>
             </a:fld>
             <a:endParaRPr lang="de-DE" dirty="0"/>
           </a:p>
@@ -709,7 +705,7 @@
     </p:spTree>
     <p:extLst>
       <p:ext uri="{BB962C8B-B14F-4D97-AF65-F5344CB8AC3E}">
-        <p14:creationId xmlns:p14="http://schemas.microsoft.com/office/powerpoint/2010/main" val="1730553019"/>
+        <p14:creationId xmlns:p14="http://schemas.microsoft.com/office/powerpoint/2010/main" val="4161297931"/>
       </p:ext>
     </p:extLst>
   </p:cSld>
@@ -738,6 +734,45 @@
       </p:grpSpPr>
       <p:sp>
         <p:nvSpPr>
+          <p:cNvPr id="2" name="Slide Image Placeholder 1"/>
+          <p:cNvSpPr>
+            <a:spLocks noGrp="1" noRot="1" noChangeAspect="1"/>
+          </p:cNvSpPr>
+          <p:nvPr>
+            <p:ph type="sldImg"/>
+          </p:nvPr>
+        </p:nvSpPr>
+        <p:spPr/>
+      </p:sp>
+      <p:sp>
+        <p:nvSpPr>
+          <p:cNvPr id="3" name="Notes Placeholder 2"/>
+          <p:cNvSpPr>
+            <a:spLocks noGrp="1"/>
+          </p:cNvSpPr>
+          <p:nvPr>
+            <p:ph type="body" idx="1"/>
+          </p:nvPr>
+        </p:nvSpPr>
+        <p:spPr/>
+        <p:txBody>
+          <a:bodyPr/>
+          <a:lstStyle/>
+          <a:p>
+            <a:r>
+              <a:rPr lang="en-US" dirty="0"/>
+              <a:t>The API Server is the center piece. All requests towards the cluster </a:t>
+            </a:r>
+            <a:r>
+              <a:rPr lang="en-US"/>
+              <a:t>go though it.</a:t>
+            </a:r>
+            <a:endParaRPr lang="en-US" dirty="0"/>
+          </a:p>
+        </p:txBody>
+      </p:sp>
+      <p:sp>
+        <p:nvSpPr>
           <p:cNvPr id="4" name="Slide Number Placeholder 3"/>
           <p:cNvSpPr>
             <a:spLocks noGrp="1"/>
@@ -754,54 +789,16 @@
             <a:fld id="{7D8C2C35-2B8A-446E-BEC0-FD36716C29AC}" type="slidenum">
               <a:rPr lang="de-DE" smtClean="0"/>
               <a:pPr/>
-              <a:t>5</a:t>
+              <a:t>3</a:t>
             </a:fld>
             <a:endParaRPr lang="de-DE" dirty="0"/>
-          </a:p>
-        </p:txBody>
-      </p:sp>
-      <p:sp>
-        <p:nvSpPr>
-          <p:cNvPr id="9" name="Slide Image Placeholder 8"/>
-          <p:cNvSpPr>
-            <a:spLocks noGrp="1" noRot="1" noChangeAspect="1"/>
-          </p:cNvSpPr>
-          <p:nvPr>
-            <p:ph type="sldImg"/>
-          </p:nvPr>
-        </p:nvSpPr>
-        <p:spPr>
-          <a:xfrm>
-            <a:off x="547688" y="612775"/>
-            <a:ext cx="5762625" cy="3241675"/>
-          </a:xfrm>
-        </p:spPr>
-      </p:sp>
-      <p:sp>
-        <p:nvSpPr>
-          <p:cNvPr id="10" name="Notes Placeholder 9"/>
-          <p:cNvSpPr>
-            <a:spLocks noGrp="1"/>
-          </p:cNvSpPr>
-          <p:nvPr>
-            <p:ph type="body" idx="1"/>
-          </p:nvPr>
-        </p:nvSpPr>
-        <p:spPr/>
-        <p:txBody>
-          <a:bodyPr>
-            <a:normAutofit/>
-          </a:bodyPr>
-          <a:lstStyle/>
-          <a:p>
-            <a:endParaRPr lang="en-US"/>
           </a:p>
         </p:txBody>
       </p:sp>
     </p:spTree>
     <p:extLst>
       <p:ext uri="{BB962C8B-B14F-4D97-AF65-F5344CB8AC3E}">
-        <p14:creationId xmlns:p14="http://schemas.microsoft.com/office/powerpoint/2010/main" val="3094605481"/>
+        <p14:creationId xmlns:p14="http://schemas.microsoft.com/office/powerpoint/2010/main" val="1730553019"/>
       </p:ext>
     </p:extLst>
   </p:cSld>
@@ -846,7 +843,7 @@
             <a:fld id="{7D8C2C35-2B8A-446E-BEC0-FD36716C29AC}" type="slidenum">
               <a:rPr lang="de-DE" smtClean="0"/>
               <a:pPr/>
-              <a:t>6</a:t>
+              <a:t>5</a:t>
             </a:fld>
             <a:endParaRPr lang="de-DE" dirty="0"/>
           </a:p>
@@ -893,7 +890,7 @@
     </p:spTree>
     <p:extLst>
       <p:ext uri="{BB962C8B-B14F-4D97-AF65-F5344CB8AC3E}">
-        <p14:creationId xmlns:p14="http://schemas.microsoft.com/office/powerpoint/2010/main" val="3887584667"/>
+        <p14:creationId xmlns:p14="http://schemas.microsoft.com/office/powerpoint/2010/main" val="3094605481"/>
       </p:ext>
     </p:extLst>
   </p:cSld>
@@ -938,7 +935,7 @@
             <a:fld id="{7D8C2C35-2B8A-446E-BEC0-FD36716C29AC}" type="slidenum">
               <a:rPr lang="de-DE" smtClean="0"/>
               <a:pPr/>
-              <a:t>7</a:t>
+              <a:t>6</a:t>
             </a:fld>
             <a:endParaRPr lang="de-DE" dirty="0"/>
           </a:p>
@@ -985,6 +982,98 @@
     </p:spTree>
     <p:extLst>
       <p:ext uri="{BB962C8B-B14F-4D97-AF65-F5344CB8AC3E}">
+        <p14:creationId xmlns:p14="http://schemas.microsoft.com/office/powerpoint/2010/main" val="3887584667"/>
+      </p:ext>
+    </p:extLst>
+  </p:cSld>
+  <p:clrMapOvr>
+    <a:masterClrMapping/>
+  </p:clrMapOvr>
+</p:notes>
+</file>
+
+<file path=ppt/notesSlides/notesSlide6.xml><?xml version="1.0" encoding="utf-8"?>
+<p:notes xmlns:a="http://schemas.openxmlformats.org/drawingml/2006/main" xmlns:r="http://schemas.openxmlformats.org/officeDocument/2006/relationships" xmlns:p="http://schemas.openxmlformats.org/presentationml/2006/main">
+  <p:cSld>
+    <p:spTree>
+      <p:nvGrpSpPr>
+        <p:cNvPr id="1" name=""/>
+        <p:cNvGrpSpPr/>
+        <p:nvPr/>
+      </p:nvGrpSpPr>
+      <p:grpSpPr>
+        <a:xfrm>
+          <a:off x="0" y="0"/>
+          <a:ext cx="0" cy="0"/>
+          <a:chOff x="0" y="0"/>
+          <a:chExt cx="0" cy="0"/>
+        </a:xfrm>
+      </p:grpSpPr>
+      <p:sp>
+        <p:nvSpPr>
+          <p:cNvPr id="4" name="Slide Number Placeholder 3"/>
+          <p:cNvSpPr>
+            <a:spLocks noGrp="1"/>
+          </p:cNvSpPr>
+          <p:nvPr>
+            <p:ph type="sldNum" sz="quarter" idx="10"/>
+          </p:nvPr>
+        </p:nvSpPr>
+        <p:spPr/>
+        <p:txBody>
+          <a:bodyPr/>
+          <a:lstStyle/>
+          <a:p>
+            <a:fld id="{7D8C2C35-2B8A-446E-BEC0-FD36716C29AC}" type="slidenum">
+              <a:rPr lang="de-DE" smtClean="0"/>
+              <a:pPr/>
+              <a:t>7</a:t>
+            </a:fld>
+            <a:endParaRPr lang="de-DE" dirty="0"/>
+          </a:p>
+        </p:txBody>
+      </p:sp>
+      <p:sp>
+        <p:nvSpPr>
+          <p:cNvPr id="9" name="Slide Image Placeholder 8"/>
+          <p:cNvSpPr>
+            <a:spLocks noGrp="1" noRot="1" noChangeAspect="1"/>
+          </p:cNvSpPr>
+          <p:nvPr>
+            <p:ph type="sldImg"/>
+          </p:nvPr>
+        </p:nvSpPr>
+        <p:spPr>
+          <a:xfrm>
+            <a:off x="547688" y="612775"/>
+            <a:ext cx="5762625" cy="3241675"/>
+          </a:xfrm>
+        </p:spPr>
+      </p:sp>
+      <p:sp>
+        <p:nvSpPr>
+          <p:cNvPr id="10" name="Notes Placeholder 9"/>
+          <p:cNvSpPr>
+            <a:spLocks noGrp="1"/>
+          </p:cNvSpPr>
+          <p:nvPr>
+            <p:ph type="body" idx="1"/>
+          </p:nvPr>
+        </p:nvSpPr>
+        <p:spPr/>
+        <p:txBody>
+          <a:bodyPr>
+            <a:normAutofit/>
+          </a:bodyPr>
+          <a:lstStyle/>
+          <a:p>
+            <a:endParaRPr lang="en-US"/>
+          </a:p>
+        </p:txBody>
+      </p:sp>
+    </p:spTree>
+    <p:extLst>
+      <p:ext uri="{BB962C8B-B14F-4D97-AF65-F5344CB8AC3E}">
         <p14:creationId xmlns:p14="http://schemas.microsoft.com/office/powerpoint/2010/main" val="3968705523"/>
       </p:ext>
     </p:extLst>
@@ -995,7 +1084,7 @@
 </p:notes>
 </file>
 
-<file path=ppt/notesSlides/notesSlide6.xml><?xml version="1.0" encoding="utf-8"?>
+<file path=ppt/notesSlides/notesSlide7.xml><?xml version="1.0" encoding="utf-8"?>
 <p:notes xmlns:a="http://schemas.openxmlformats.org/drawingml/2006/main" xmlns:r="http://schemas.openxmlformats.org/officeDocument/2006/relationships" xmlns:p="http://schemas.openxmlformats.org/presentationml/2006/main">
   <p:cSld>
     <p:spTree>
@@ -8640,7 +8729,7 @@
           </p:nvPr>
         </p:nvPicPr>
         <p:blipFill>
-          <a:blip r:embed="rId2"/>
+          <a:blip r:embed="rId3"/>
           <a:srcRect t="3112" b="3112"/>
           <a:stretch>
             <a:fillRect/>
@@ -14772,24 +14861,32 @@
                 <a:tabLst/>
               </a:pPr>
               <a:r>
-                <a:rPr kumimoji="0" lang="de-DE" sz="2400" b="1" i="0" strike="noStrike" kern="0" cap="none" spc="0" normalizeH="0" baseline="0" noProof="0" dirty="0" err="1">
-                  <a:ln>
-                    <a:noFill/>
-                  </a:ln>
-                  <a:effectLst/>
-                  <a:uLnTx/>
-                  <a:uFillTx/>
+                <a:rPr lang="de-DE" sz="2400" b="1" kern="0" dirty="0" err="1">
                   <a:ea typeface="Arial Unicode MS" pitchFamily="34" charset="-128"/>
                   <a:cs typeface="Arial Unicode MS" pitchFamily="34" charset="-128"/>
                 </a:rPr>
-                <a:t>pvxka</a:t>
+                <a:t>local</a:t>
               </a:r>
               <a:r>
                 <a:rPr lang="de-DE" sz="2400" b="1" kern="0" dirty="0">
                   <a:ea typeface="Arial Unicode MS" pitchFamily="34" charset="-128"/>
                   <a:cs typeface="Arial Unicode MS" pitchFamily="34" charset="-128"/>
                 </a:rPr>
-                <a:t>[01..22]</a:t>
+                <a:t> </a:t>
+              </a:r>
+              <a:r>
+                <a:rPr lang="de-DE" sz="2400" b="1" kern="0" dirty="0" err="1">
+                  <a:ea typeface="Arial Unicode MS" pitchFamily="34" charset="-128"/>
+                  <a:cs typeface="Arial Unicode MS" pitchFamily="34" charset="-128"/>
+                </a:rPr>
+                <a:t>participant</a:t>
+              </a:r>
+              <a:r>
+                <a:rPr lang="de-DE" sz="2400" b="1" kern="0" dirty="0">
+                  <a:ea typeface="Arial Unicode MS" pitchFamily="34" charset="-128"/>
+                  <a:cs typeface="Arial Unicode MS" pitchFamily="34" charset="-128"/>
+                </a:rPr>
+                <a:t> VM</a:t>
               </a:r>
               <a:endParaRPr kumimoji="0" lang="de-DE" sz="2400" b="1" i="0" strike="noStrike" kern="0" cap="none" spc="0" normalizeH="0" baseline="0" noProof="0" dirty="0">
                 <a:ln>
@@ -16152,8 +16249,8 @@
         </p:nvSpPr>
         <p:spPr bwMode="gray">
           <a:xfrm>
-            <a:off x="10179244" y="5650973"/>
-            <a:ext cx="1524000" cy="662940"/>
+            <a:off x="9066103" y="5738293"/>
+            <a:ext cx="2637141" cy="575620"/>
           </a:xfrm>
           <a:prstGeom prst="roundRect">
             <a:avLst/>
@@ -16198,7 +16295,7 @@
               <a:tabLst/>
             </a:pPr>
             <a:r>
-              <a:rPr kumimoji="0" lang="en-US" sz="3200" b="1" i="0" u="none" strike="noStrike" kern="0" cap="none" spc="0" normalizeH="0" baseline="0" noProof="0" dirty="0">
+              <a:rPr kumimoji="0" lang="en-US" sz="2000" b="1" i="0" u="none" strike="noStrike" kern="0" cap="none" spc="0" normalizeH="0" baseline="0" noProof="0" dirty="0">
                 <a:ln>
                   <a:noFill/>
                 </a:ln>
@@ -16208,7 +16305,7 @@
                 <a:ea typeface="Arial Unicode MS" pitchFamily="34" charset="-128"/>
                 <a:cs typeface="Arial Unicode MS" pitchFamily="34" charset="-128"/>
               </a:rPr>
-              <a:t>@GCP</a:t>
+              <a:t>Gardener on GCP</a:t>
             </a:r>
           </a:p>
         </p:txBody>

--- a/kubernetes/01_k8s_core_components.pptx
+++ b/kubernetes/01_k8s_core_components.pptx
@@ -5,24 +5,25 @@
     <p:sldMasterId id="2147483733" r:id="rId1"/>
   </p:sldMasterIdLst>
   <p:notesMasterIdLst>
-    <p:notesMasterId r:id="rId14"/>
+    <p:notesMasterId r:id="rId15"/>
   </p:notesMasterIdLst>
   <p:handoutMasterIdLst>
-    <p:handoutMasterId r:id="rId15"/>
+    <p:handoutMasterId r:id="rId16"/>
   </p:handoutMasterIdLst>
   <p:sldIdLst>
     <p:sldId id="433" r:id="rId2"/>
     <p:sldId id="443" r:id="rId3"/>
     <p:sldId id="364" r:id="rId4"/>
-    <p:sldId id="444" r:id="rId5"/>
-    <p:sldId id="436" r:id="rId6"/>
-    <p:sldId id="437" r:id="rId7"/>
-    <p:sldId id="438" r:id="rId8"/>
-    <p:sldId id="439" r:id="rId9"/>
-    <p:sldId id="441" r:id="rId10"/>
-    <p:sldId id="442" r:id="rId11"/>
-    <p:sldId id="440" r:id="rId12"/>
-    <p:sldId id="265" r:id="rId13"/>
+    <p:sldId id="436" r:id="rId5"/>
+    <p:sldId id="437" r:id="rId6"/>
+    <p:sldId id="438" r:id="rId7"/>
+    <p:sldId id="444" r:id="rId8"/>
+    <p:sldId id="445" r:id="rId9"/>
+    <p:sldId id="439" r:id="rId10"/>
+    <p:sldId id="441" r:id="rId11"/>
+    <p:sldId id="442" r:id="rId12"/>
+    <p:sldId id="440" r:id="rId13"/>
+    <p:sldId id="265" r:id="rId14"/>
   </p:sldIdLst>
   <p:sldSz cx="12195175" cy="6858000"/>
   <p:notesSz cx="6858000" cy="9144000"/>
@@ -202,6 +203,3572 @@
 <p1510:revInfo xmlns:a="http://schemas.openxmlformats.org/drawingml/2006/main" xmlns:r="http://schemas.openxmlformats.org/officeDocument/2006/relationships" xmlns:p1510="http://schemas.microsoft.com/office/powerpoint/2015/10/main"/>
 </file>
 
+<file path=ppt/diagrams/colors1.xml><?xml version="1.0" encoding="utf-8"?>
+<dgm:colorsDef xmlns:dgm="http://schemas.openxmlformats.org/drawingml/2006/diagram" xmlns:a="http://schemas.openxmlformats.org/drawingml/2006/main" uniqueId="urn:microsoft.com/office/officeart/2005/8/colors/accent0_1">
+  <dgm:title val=""/>
+  <dgm:desc val=""/>
+  <dgm:catLst>
+    <dgm:cat type="mainScheme" pri="10100"/>
+  </dgm:catLst>
+  <dgm:styleLbl name="node0">
+    <dgm:fillClrLst meth="repeat">
+      <a:schemeClr val="lt1"/>
+    </dgm:fillClrLst>
+    <dgm:linClrLst meth="repeat">
+      <a:schemeClr val="dk1">
+        <a:shade val="80000"/>
+      </a:schemeClr>
+    </dgm:linClrLst>
+    <dgm:effectClrLst/>
+    <dgm:txLinClrLst/>
+    <dgm:txFillClrLst meth="repeat">
+      <a:schemeClr val="dk1"/>
+    </dgm:txFillClrLst>
+    <dgm:txEffectClrLst/>
+  </dgm:styleLbl>
+  <dgm:styleLbl name="node1">
+    <dgm:fillClrLst meth="repeat">
+      <a:schemeClr val="lt1"/>
+    </dgm:fillClrLst>
+    <dgm:linClrLst meth="repeat">
+      <a:schemeClr val="dk1">
+        <a:shade val="80000"/>
+      </a:schemeClr>
+    </dgm:linClrLst>
+    <dgm:effectClrLst/>
+    <dgm:txLinClrLst/>
+    <dgm:txFillClrLst meth="repeat">
+      <a:schemeClr val="dk1"/>
+    </dgm:txFillClrLst>
+    <dgm:txEffectClrLst/>
+  </dgm:styleLbl>
+  <dgm:styleLbl name="alignNode1">
+    <dgm:fillClrLst meth="repeat">
+      <a:schemeClr val="lt1"/>
+    </dgm:fillClrLst>
+    <dgm:linClrLst meth="repeat">
+      <a:schemeClr val="dk1">
+        <a:shade val="80000"/>
+      </a:schemeClr>
+    </dgm:linClrLst>
+    <dgm:effectClrLst/>
+    <dgm:txLinClrLst/>
+    <dgm:txFillClrLst meth="repeat">
+      <a:schemeClr val="dk1"/>
+    </dgm:txFillClrLst>
+    <dgm:txEffectClrLst/>
+  </dgm:styleLbl>
+  <dgm:styleLbl name="lnNode1">
+    <dgm:fillClrLst meth="repeat">
+      <a:schemeClr val="lt1"/>
+    </dgm:fillClrLst>
+    <dgm:linClrLst meth="repeat">
+      <a:schemeClr val="dk1">
+        <a:shade val="80000"/>
+      </a:schemeClr>
+    </dgm:linClrLst>
+    <dgm:effectClrLst/>
+    <dgm:txLinClrLst/>
+    <dgm:txFillClrLst meth="repeat">
+      <a:schemeClr val="dk1"/>
+    </dgm:txFillClrLst>
+    <dgm:txEffectClrLst/>
+  </dgm:styleLbl>
+  <dgm:styleLbl name="vennNode1">
+    <dgm:fillClrLst meth="repeat">
+      <a:schemeClr val="lt1">
+        <a:alpha val="50000"/>
+      </a:schemeClr>
+    </dgm:fillClrLst>
+    <dgm:linClrLst meth="repeat">
+      <a:schemeClr val="dk1">
+        <a:shade val="80000"/>
+      </a:schemeClr>
+    </dgm:linClrLst>
+    <dgm:effectClrLst/>
+    <dgm:txLinClrLst/>
+    <dgm:txFillClrLst/>
+    <dgm:txEffectClrLst/>
+  </dgm:styleLbl>
+  <dgm:styleLbl name="node2">
+    <dgm:fillClrLst meth="repeat">
+      <a:schemeClr val="lt1"/>
+    </dgm:fillClrLst>
+    <dgm:linClrLst meth="repeat">
+      <a:schemeClr val="dk1">
+        <a:shade val="80000"/>
+      </a:schemeClr>
+    </dgm:linClrLst>
+    <dgm:effectClrLst/>
+    <dgm:txLinClrLst/>
+    <dgm:txFillClrLst meth="repeat">
+      <a:schemeClr val="dk1"/>
+    </dgm:txFillClrLst>
+    <dgm:txEffectClrLst/>
+  </dgm:styleLbl>
+  <dgm:styleLbl name="node3">
+    <dgm:fillClrLst meth="repeat">
+      <a:schemeClr val="lt1"/>
+    </dgm:fillClrLst>
+    <dgm:linClrLst meth="repeat">
+      <a:schemeClr val="dk1">
+        <a:shade val="80000"/>
+      </a:schemeClr>
+    </dgm:linClrLst>
+    <dgm:effectClrLst/>
+    <dgm:txLinClrLst/>
+    <dgm:txFillClrLst meth="repeat">
+      <a:schemeClr val="dk1"/>
+    </dgm:txFillClrLst>
+    <dgm:txEffectClrLst/>
+  </dgm:styleLbl>
+  <dgm:styleLbl name="node4">
+    <dgm:fillClrLst meth="repeat">
+      <a:schemeClr val="lt1"/>
+    </dgm:fillClrLst>
+    <dgm:linClrLst meth="repeat">
+      <a:schemeClr val="dk1">
+        <a:shade val="80000"/>
+      </a:schemeClr>
+    </dgm:linClrLst>
+    <dgm:effectClrLst/>
+    <dgm:txLinClrLst/>
+    <dgm:txFillClrLst meth="repeat">
+      <a:schemeClr val="dk1"/>
+    </dgm:txFillClrLst>
+    <dgm:txEffectClrLst/>
+  </dgm:styleLbl>
+  <dgm:styleLbl name="fgImgPlace1">
+    <dgm:fillClrLst meth="repeat">
+      <a:schemeClr val="dk1">
+        <a:tint val="40000"/>
+      </a:schemeClr>
+    </dgm:fillClrLst>
+    <dgm:linClrLst meth="repeat">
+      <a:schemeClr val="dk1">
+        <a:shade val="80000"/>
+      </a:schemeClr>
+    </dgm:linClrLst>
+    <dgm:effectClrLst/>
+    <dgm:txLinClrLst/>
+    <dgm:txFillClrLst meth="repeat">
+      <a:schemeClr val="lt1"/>
+    </dgm:txFillClrLst>
+    <dgm:txEffectClrLst/>
+  </dgm:styleLbl>
+  <dgm:styleLbl name="alignImgPlace1">
+    <dgm:fillClrLst meth="repeat">
+      <a:schemeClr val="dk1">
+        <a:tint val="40000"/>
+      </a:schemeClr>
+    </dgm:fillClrLst>
+    <dgm:linClrLst meth="repeat">
+      <a:schemeClr val="dk1">
+        <a:shade val="80000"/>
+      </a:schemeClr>
+    </dgm:linClrLst>
+    <dgm:effectClrLst/>
+    <dgm:txLinClrLst/>
+    <dgm:txFillClrLst meth="repeat">
+      <a:schemeClr val="lt1"/>
+    </dgm:txFillClrLst>
+    <dgm:txEffectClrLst/>
+  </dgm:styleLbl>
+  <dgm:styleLbl name="bgImgPlace1">
+    <dgm:fillClrLst meth="repeat">
+      <a:schemeClr val="dk1">
+        <a:tint val="40000"/>
+      </a:schemeClr>
+    </dgm:fillClrLst>
+    <dgm:linClrLst meth="repeat">
+      <a:schemeClr val="dk1">
+        <a:shade val="80000"/>
+      </a:schemeClr>
+    </dgm:linClrLst>
+    <dgm:effectClrLst/>
+    <dgm:txLinClrLst/>
+    <dgm:txFillClrLst meth="repeat">
+      <a:schemeClr val="lt1"/>
+    </dgm:txFillClrLst>
+    <dgm:txEffectClrLst/>
+  </dgm:styleLbl>
+  <dgm:styleLbl name="sibTrans2D1">
+    <dgm:fillClrLst meth="repeat">
+      <a:schemeClr val="dk1">
+        <a:tint val="60000"/>
+      </a:schemeClr>
+    </dgm:fillClrLst>
+    <dgm:linClrLst meth="repeat">
+      <a:schemeClr val="dk1">
+        <a:tint val="60000"/>
+      </a:schemeClr>
+    </dgm:linClrLst>
+    <dgm:effectClrLst/>
+    <dgm:txLinClrLst/>
+    <dgm:txFillClrLst meth="repeat">
+      <a:schemeClr val="dk1"/>
+    </dgm:txFillClrLst>
+    <dgm:txEffectClrLst/>
+  </dgm:styleLbl>
+  <dgm:styleLbl name="fgSibTrans2D1">
+    <dgm:fillClrLst meth="repeat">
+      <a:schemeClr val="dk1">
+        <a:tint val="60000"/>
+      </a:schemeClr>
+    </dgm:fillClrLst>
+    <dgm:linClrLst meth="repeat">
+      <a:schemeClr val="dk1">
+        <a:tint val="60000"/>
+      </a:schemeClr>
+    </dgm:linClrLst>
+    <dgm:effectClrLst/>
+    <dgm:txLinClrLst/>
+    <dgm:txFillClrLst meth="repeat">
+      <a:schemeClr val="dk1"/>
+    </dgm:txFillClrLst>
+    <dgm:txEffectClrLst/>
+  </dgm:styleLbl>
+  <dgm:styleLbl name="bgSibTrans2D1">
+    <dgm:fillClrLst meth="repeat">
+      <a:schemeClr val="dk1">
+        <a:tint val="60000"/>
+      </a:schemeClr>
+    </dgm:fillClrLst>
+    <dgm:linClrLst meth="repeat">
+      <a:schemeClr val="dk1">
+        <a:tint val="60000"/>
+      </a:schemeClr>
+    </dgm:linClrLst>
+    <dgm:effectClrLst/>
+    <dgm:txLinClrLst/>
+    <dgm:txFillClrLst meth="repeat">
+      <a:schemeClr val="dk1"/>
+    </dgm:txFillClrLst>
+    <dgm:txEffectClrLst/>
+  </dgm:styleLbl>
+  <dgm:styleLbl name="sibTrans1D1">
+    <dgm:fillClrLst meth="repeat">
+      <a:schemeClr val="dk1"/>
+    </dgm:fillClrLst>
+    <dgm:linClrLst meth="repeat">
+      <a:schemeClr val="dk1"/>
+    </dgm:linClrLst>
+    <dgm:effectClrLst/>
+    <dgm:txLinClrLst/>
+    <dgm:txFillClrLst meth="repeat">
+      <a:schemeClr val="tx1"/>
+    </dgm:txFillClrLst>
+    <dgm:txEffectClrLst/>
+  </dgm:styleLbl>
+  <dgm:styleLbl name="callout">
+    <dgm:fillClrLst meth="repeat">
+      <a:schemeClr val="dk1"/>
+    </dgm:fillClrLst>
+    <dgm:linClrLst meth="repeat">
+      <a:schemeClr val="dk1"/>
+    </dgm:linClrLst>
+    <dgm:effectClrLst/>
+    <dgm:txLinClrLst/>
+    <dgm:txFillClrLst meth="repeat">
+      <a:schemeClr val="tx1"/>
+    </dgm:txFillClrLst>
+    <dgm:txEffectClrLst/>
+  </dgm:styleLbl>
+  <dgm:styleLbl name="asst0">
+    <dgm:fillClrLst meth="repeat">
+      <a:schemeClr val="lt1"/>
+    </dgm:fillClrLst>
+    <dgm:linClrLst meth="repeat">
+      <a:schemeClr val="dk1">
+        <a:shade val="80000"/>
+      </a:schemeClr>
+    </dgm:linClrLst>
+    <dgm:effectClrLst/>
+    <dgm:txLinClrLst/>
+    <dgm:txFillClrLst meth="repeat">
+      <a:schemeClr val="dk1"/>
+    </dgm:txFillClrLst>
+    <dgm:txEffectClrLst/>
+  </dgm:styleLbl>
+  <dgm:styleLbl name="asst1">
+    <dgm:fillClrLst meth="repeat">
+      <a:schemeClr val="lt1"/>
+    </dgm:fillClrLst>
+    <dgm:linClrLst meth="repeat">
+      <a:schemeClr val="dk1">
+        <a:shade val="80000"/>
+      </a:schemeClr>
+    </dgm:linClrLst>
+    <dgm:effectClrLst/>
+    <dgm:txLinClrLst/>
+    <dgm:txFillClrLst meth="repeat">
+      <a:schemeClr val="dk1"/>
+    </dgm:txFillClrLst>
+    <dgm:txEffectClrLst/>
+  </dgm:styleLbl>
+  <dgm:styleLbl name="asst2">
+    <dgm:fillClrLst meth="repeat">
+      <a:schemeClr val="lt1"/>
+    </dgm:fillClrLst>
+    <dgm:linClrLst meth="repeat">
+      <a:schemeClr val="dk1">
+        <a:shade val="80000"/>
+      </a:schemeClr>
+    </dgm:linClrLst>
+    <dgm:effectClrLst/>
+    <dgm:txLinClrLst/>
+    <dgm:txFillClrLst meth="repeat">
+      <a:schemeClr val="dk1"/>
+    </dgm:txFillClrLst>
+    <dgm:txEffectClrLst/>
+  </dgm:styleLbl>
+  <dgm:styleLbl name="asst3">
+    <dgm:fillClrLst meth="repeat">
+      <a:schemeClr val="lt1"/>
+    </dgm:fillClrLst>
+    <dgm:linClrLst meth="repeat">
+      <a:schemeClr val="dk1">
+        <a:shade val="80000"/>
+      </a:schemeClr>
+    </dgm:linClrLst>
+    <dgm:effectClrLst/>
+    <dgm:txLinClrLst/>
+    <dgm:txFillClrLst meth="repeat">
+      <a:schemeClr val="dk1"/>
+    </dgm:txFillClrLst>
+    <dgm:txEffectClrLst/>
+  </dgm:styleLbl>
+  <dgm:styleLbl name="asst4">
+    <dgm:fillClrLst meth="repeat">
+      <a:schemeClr val="lt1"/>
+    </dgm:fillClrLst>
+    <dgm:linClrLst meth="repeat">
+      <a:schemeClr val="dk1">
+        <a:shade val="80000"/>
+      </a:schemeClr>
+    </dgm:linClrLst>
+    <dgm:effectClrLst/>
+    <dgm:txLinClrLst/>
+    <dgm:txFillClrLst meth="repeat">
+      <a:schemeClr val="dk1"/>
+    </dgm:txFillClrLst>
+    <dgm:txEffectClrLst/>
+  </dgm:styleLbl>
+  <dgm:styleLbl name="parChTrans2D1">
+    <dgm:fillClrLst meth="repeat">
+      <a:schemeClr val="dk1">
+        <a:tint val="60000"/>
+      </a:schemeClr>
+    </dgm:fillClrLst>
+    <dgm:linClrLst meth="repeat">
+      <a:schemeClr val="dk1">
+        <a:tint val="60000"/>
+      </a:schemeClr>
+    </dgm:linClrLst>
+    <dgm:effectClrLst/>
+    <dgm:txLinClrLst/>
+    <dgm:txFillClrLst/>
+    <dgm:txEffectClrLst/>
+  </dgm:styleLbl>
+  <dgm:styleLbl name="parChTrans2D2">
+    <dgm:fillClrLst meth="repeat">
+      <a:schemeClr val="dk1"/>
+    </dgm:fillClrLst>
+    <dgm:linClrLst meth="repeat">
+      <a:schemeClr val="dk1"/>
+    </dgm:linClrLst>
+    <dgm:effectClrLst/>
+    <dgm:txLinClrLst/>
+    <dgm:txFillClrLst/>
+    <dgm:txEffectClrLst/>
+  </dgm:styleLbl>
+  <dgm:styleLbl name="parChTrans2D3">
+    <dgm:fillClrLst meth="repeat">
+      <a:schemeClr val="dk1"/>
+    </dgm:fillClrLst>
+    <dgm:linClrLst meth="repeat">
+      <a:schemeClr val="dk1"/>
+    </dgm:linClrLst>
+    <dgm:effectClrLst/>
+    <dgm:txLinClrLst/>
+    <dgm:txFillClrLst/>
+    <dgm:txEffectClrLst/>
+  </dgm:styleLbl>
+  <dgm:styleLbl name="parChTrans2D4">
+    <dgm:fillClrLst meth="repeat">
+      <a:schemeClr val="dk1"/>
+    </dgm:fillClrLst>
+    <dgm:linClrLst meth="repeat">
+      <a:schemeClr val="dk1"/>
+    </dgm:linClrLst>
+    <dgm:effectClrLst/>
+    <dgm:txLinClrLst/>
+    <dgm:txFillClrLst meth="repeat">
+      <a:schemeClr val="lt1"/>
+    </dgm:txFillClrLst>
+    <dgm:txEffectClrLst/>
+  </dgm:styleLbl>
+  <dgm:styleLbl name="parChTrans1D1">
+    <dgm:fillClrLst meth="repeat">
+      <a:schemeClr val="dk1"/>
+    </dgm:fillClrLst>
+    <dgm:linClrLst meth="repeat">
+      <a:schemeClr val="dk1">
+        <a:shade val="60000"/>
+      </a:schemeClr>
+    </dgm:linClrLst>
+    <dgm:effectClrLst/>
+    <dgm:txLinClrLst/>
+    <dgm:txFillClrLst meth="repeat">
+      <a:schemeClr val="tx1"/>
+    </dgm:txFillClrLst>
+    <dgm:txEffectClrLst/>
+  </dgm:styleLbl>
+  <dgm:styleLbl name="parChTrans1D2">
+    <dgm:fillClrLst meth="repeat">
+      <a:schemeClr val="dk1"/>
+    </dgm:fillClrLst>
+    <dgm:linClrLst meth="repeat">
+      <a:schemeClr val="dk1">
+        <a:shade val="60000"/>
+      </a:schemeClr>
+    </dgm:linClrLst>
+    <dgm:effectClrLst/>
+    <dgm:txLinClrLst/>
+    <dgm:txFillClrLst meth="repeat">
+      <a:schemeClr val="tx1"/>
+    </dgm:txFillClrLst>
+    <dgm:txEffectClrLst/>
+  </dgm:styleLbl>
+  <dgm:styleLbl name="parChTrans1D3">
+    <dgm:fillClrLst meth="repeat">
+      <a:schemeClr val="dk1"/>
+    </dgm:fillClrLst>
+    <dgm:linClrLst meth="repeat">
+      <a:schemeClr val="dk1">
+        <a:shade val="80000"/>
+      </a:schemeClr>
+    </dgm:linClrLst>
+    <dgm:effectClrLst/>
+    <dgm:txLinClrLst/>
+    <dgm:txFillClrLst meth="repeat">
+      <a:schemeClr val="tx1"/>
+    </dgm:txFillClrLst>
+    <dgm:txEffectClrLst/>
+  </dgm:styleLbl>
+  <dgm:styleLbl name="parChTrans1D4">
+    <dgm:fillClrLst meth="repeat">
+      <a:schemeClr val="dk1"/>
+    </dgm:fillClrLst>
+    <dgm:linClrLst meth="repeat">
+      <a:schemeClr val="dk1">
+        <a:shade val="80000"/>
+      </a:schemeClr>
+    </dgm:linClrLst>
+    <dgm:effectClrLst/>
+    <dgm:txLinClrLst/>
+    <dgm:txFillClrLst meth="repeat">
+      <a:schemeClr val="tx1"/>
+    </dgm:txFillClrLst>
+    <dgm:txEffectClrLst/>
+  </dgm:styleLbl>
+  <dgm:styleLbl name="fgAcc1">
+    <dgm:fillClrLst meth="repeat">
+      <a:schemeClr val="dk1">
+        <a:alpha val="90000"/>
+        <a:tint val="40000"/>
+      </a:schemeClr>
+    </dgm:fillClrLst>
+    <dgm:linClrLst meth="repeat">
+      <a:schemeClr val="dk1"/>
+    </dgm:linClrLst>
+    <dgm:effectClrLst/>
+    <dgm:txLinClrLst/>
+    <dgm:txFillClrLst meth="repeat">
+      <a:schemeClr val="dk1"/>
+    </dgm:txFillClrLst>
+    <dgm:txEffectClrLst/>
+  </dgm:styleLbl>
+  <dgm:styleLbl name="conFgAcc1">
+    <dgm:fillClrLst meth="repeat">
+      <a:schemeClr val="dk1">
+        <a:alpha val="90000"/>
+        <a:tint val="40000"/>
+      </a:schemeClr>
+    </dgm:fillClrLst>
+    <dgm:linClrLst meth="repeat">
+      <a:schemeClr val="dk1"/>
+    </dgm:linClrLst>
+    <dgm:effectClrLst/>
+    <dgm:txLinClrLst/>
+    <dgm:txFillClrLst meth="repeat">
+      <a:schemeClr val="dk1"/>
+    </dgm:txFillClrLst>
+    <dgm:txEffectClrLst/>
+  </dgm:styleLbl>
+  <dgm:styleLbl name="alignAcc1">
+    <dgm:fillClrLst meth="repeat">
+      <a:schemeClr val="dk1">
+        <a:alpha val="90000"/>
+        <a:tint val="40000"/>
+      </a:schemeClr>
+    </dgm:fillClrLst>
+    <dgm:linClrLst meth="repeat">
+      <a:schemeClr val="dk1"/>
+    </dgm:linClrLst>
+    <dgm:effectClrLst/>
+    <dgm:txLinClrLst/>
+    <dgm:txFillClrLst meth="repeat">
+      <a:schemeClr val="dk1"/>
+    </dgm:txFillClrLst>
+    <dgm:txEffectClrLst/>
+  </dgm:styleLbl>
+  <dgm:styleLbl name="trAlignAcc1">
+    <dgm:fillClrLst meth="repeat">
+      <a:schemeClr val="dk1">
+        <a:alpha val="40000"/>
+        <a:tint val="40000"/>
+      </a:schemeClr>
+    </dgm:fillClrLst>
+    <dgm:linClrLst meth="repeat">
+      <a:schemeClr val="dk1"/>
+    </dgm:linClrLst>
+    <dgm:effectClrLst/>
+    <dgm:txLinClrLst/>
+    <dgm:txFillClrLst meth="repeat">
+      <a:schemeClr val="dk1"/>
+    </dgm:txFillClrLst>
+    <dgm:txEffectClrLst/>
+  </dgm:styleLbl>
+  <dgm:styleLbl name="bgAcc1">
+    <dgm:fillClrLst meth="repeat">
+      <a:schemeClr val="dk1">
+        <a:alpha val="90000"/>
+        <a:tint val="40000"/>
+      </a:schemeClr>
+    </dgm:fillClrLst>
+    <dgm:linClrLst meth="repeat">
+      <a:schemeClr val="dk1"/>
+    </dgm:linClrLst>
+    <dgm:effectClrLst/>
+    <dgm:txLinClrLst/>
+    <dgm:txFillClrLst meth="repeat">
+      <a:schemeClr val="dk1"/>
+    </dgm:txFillClrLst>
+    <dgm:txEffectClrLst/>
+  </dgm:styleLbl>
+  <dgm:styleLbl name="solidFgAcc1">
+    <dgm:fillClrLst meth="repeat">
+      <a:schemeClr val="lt1"/>
+    </dgm:fillClrLst>
+    <dgm:linClrLst meth="repeat">
+      <a:schemeClr val="dk1"/>
+    </dgm:linClrLst>
+    <dgm:effectClrLst/>
+    <dgm:txLinClrLst/>
+    <dgm:txFillClrLst meth="repeat">
+      <a:schemeClr val="dk1"/>
+    </dgm:txFillClrLst>
+    <dgm:txEffectClrLst/>
+  </dgm:styleLbl>
+  <dgm:styleLbl name="solidAlignAcc1">
+    <dgm:fillClrLst meth="repeat">
+      <a:schemeClr val="lt1"/>
+    </dgm:fillClrLst>
+    <dgm:linClrLst meth="repeat">
+      <a:schemeClr val="dk1"/>
+    </dgm:linClrLst>
+    <dgm:effectClrLst/>
+    <dgm:txLinClrLst/>
+    <dgm:txFillClrLst meth="repeat">
+      <a:schemeClr val="dk1"/>
+    </dgm:txFillClrLst>
+    <dgm:txEffectClrLst/>
+  </dgm:styleLbl>
+  <dgm:styleLbl name="solidBgAcc1">
+    <dgm:fillClrLst meth="repeat">
+      <a:schemeClr val="lt1"/>
+    </dgm:fillClrLst>
+    <dgm:linClrLst meth="repeat">
+      <a:schemeClr val="dk1"/>
+    </dgm:linClrLst>
+    <dgm:effectClrLst/>
+    <dgm:txLinClrLst/>
+    <dgm:txFillClrLst meth="repeat">
+      <a:schemeClr val="dk1"/>
+    </dgm:txFillClrLst>
+    <dgm:txEffectClrLst/>
+  </dgm:styleLbl>
+  <dgm:styleLbl name="fgAccFollowNode1">
+    <dgm:fillClrLst meth="repeat">
+      <a:schemeClr val="lt1">
+        <a:alpha val="90000"/>
+        <a:tint val="40000"/>
+      </a:schemeClr>
+    </dgm:fillClrLst>
+    <dgm:linClrLst meth="repeat">
+      <a:schemeClr val="dk1">
+        <a:alpha val="90000"/>
+      </a:schemeClr>
+    </dgm:linClrLst>
+    <dgm:effectClrLst/>
+    <dgm:txLinClrLst/>
+    <dgm:txFillClrLst meth="repeat">
+      <a:schemeClr val="dk1"/>
+    </dgm:txFillClrLst>
+    <dgm:txEffectClrLst/>
+  </dgm:styleLbl>
+  <dgm:styleLbl name="alignAccFollowNode1">
+    <dgm:fillClrLst meth="repeat">
+      <a:schemeClr val="lt1">
+        <a:alpha val="90000"/>
+        <a:tint val="40000"/>
+      </a:schemeClr>
+    </dgm:fillClrLst>
+    <dgm:linClrLst meth="repeat">
+      <a:schemeClr val="dk1">
+        <a:alpha val="90000"/>
+      </a:schemeClr>
+    </dgm:linClrLst>
+    <dgm:effectClrLst/>
+    <dgm:txLinClrLst/>
+    <dgm:txFillClrLst meth="repeat">
+      <a:schemeClr val="dk1"/>
+    </dgm:txFillClrLst>
+    <dgm:txEffectClrLst/>
+  </dgm:styleLbl>
+  <dgm:styleLbl name="bgAccFollowNode1">
+    <dgm:fillClrLst meth="repeat">
+      <a:schemeClr val="lt1">
+        <a:alpha val="90000"/>
+        <a:tint val="40000"/>
+      </a:schemeClr>
+    </dgm:fillClrLst>
+    <dgm:linClrLst meth="repeat">
+      <a:schemeClr val="dk1">
+        <a:alpha val="90000"/>
+      </a:schemeClr>
+    </dgm:linClrLst>
+    <dgm:effectClrLst/>
+    <dgm:txLinClrLst/>
+    <dgm:txFillClrLst meth="repeat">
+      <a:schemeClr val="dk1"/>
+    </dgm:txFillClrLst>
+    <dgm:txEffectClrLst/>
+  </dgm:styleLbl>
+  <dgm:styleLbl name="fgAcc0">
+    <dgm:fillClrLst meth="repeat">
+      <a:schemeClr val="dk1">
+        <a:alpha val="90000"/>
+        <a:tint val="40000"/>
+      </a:schemeClr>
+    </dgm:fillClrLst>
+    <dgm:linClrLst meth="repeat">
+      <a:schemeClr val="dk1"/>
+    </dgm:linClrLst>
+    <dgm:effectClrLst/>
+    <dgm:txLinClrLst/>
+    <dgm:txFillClrLst meth="repeat">
+      <a:schemeClr val="dk1"/>
+    </dgm:txFillClrLst>
+    <dgm:txEffectClrLst/>
+  </dgm:styleLbl>
+  <dgm:styleLbl name="fgAcc2">
+    <dgm:fillClrLst meth="repeat">
+      <a:schemeClr val="dk1">
+        <a:alpha val="90000"/>
+        <a:tint val="40000"/>
+      </a:schemeClr>
+    </dgm:fillClrLst>
+    <dgm:linClrLst meth="repeat">
+      <a:schemeClr val="dk1"/>
+    </dgm:linClrLst>
+    <dgm:effectClrLst/>
+    <dgm:txLinClrLst/>
+    <dgm:txFillClrLst meth="repeat">
+      <a:schemeClr val="dk1"/>
+    </dgm:txFillClrLst>
+    <dgm:txEffectClrLst/>
+  </dgm:styleLbl>
+  <dgm:styleLbl name="fgAcc3">
+    <dgm:fillClrLst meth="repeat">
+      <a:schemeClr val="dk1">
+        <a:alpha val="90000"/>
+        <a:tint val="40000"/>
+      </a:schemeClr>
+    </dgm:fillClrLst>
+    <dgm:linClrLst meth="repeat">
+      <a:schemeClr val="dk1"/>
+    </dgm:linClrLst>
+    <dgm:effectClrLst/>
+    <dgm:txLinClrLst/>
+    <dgm:txFillClrLst meth="repeat">
+      <a:schemeClr val="dk1"/>
+    </dgm:txFillClrLst>
+    <dgm:txEffectClrLst/>
+  </dgm:styleLbl>
+  <dgm:styleLbl name="fgAcc4">
+    <dgm:fillClrLst meth="repeat">
+      <a:schemeClr val="dk1">
+        <a:alpha val="90000"/>
+        <a:tint val="40000"/>
+      </a:schemeClr>
+    </dgm:fillClrLst>
+    <dgm:linClrLst meth="repeat">
+      <a:schemeClr val="dk1"/>
+    </dgm:linClrLst>
+    <dgm:effectClrLst/>
+    <dgm:txLinClrLst/>
+    <dgm:txFillClrLst meth="repeat">
+      <a:schemeClr val="dk1"/>
+    </dgm:txFillClrLst>
+    <dgm:txEffectClrLst/>
+  </dgm:styleLbl>
+  <dgm:styleLbl name="bgShp">
+    <dgm:fillClrLst meth="repeat">
+      <a:schemeClr val="dk1">
+        <a:tint val="40000"/>
+      </a:schemeClr>
+    </dgm:fillClrLst>
+    <dgm:linClrLst meth="repeat">
+      <a:schemeClr val="dk1"/>
+    </dgm:linClrLst>
+    <dgm:effectClrLst/>
+    <dgm:txLinClrLst/>
+    <dgm:txFillClrLst meth="repeat">
+      <a:schemeClr val="dk1"/>
+    </dgm:txFillClrLst>
+    <dgm:txEffectClrLst/>
+  </dgm:styleLbl>
+  <dgm:styleLbl name="dkBgShp">
+    <dgm:fillClrLst meth="repeat">
+      <a:schemeClr val="dk1">
+        <a:shade val="80000"/>
+      </a:schemeClr>
+    </dgm:fillClrLst>
+    <dgm:linClrLst meth="repeat">
+      <a:schemeClr val="dk1"/>
+    </dgm:linClrLst>
+    <dgm:effectClrLst/>
+    <dgm:txLinClrLst/>
+    <dgm:txFillClrLst meth="repeat">
+      <a:schemeClr val="lt1"/>
+    </dgm:txFillClrLst>
+    <dgm:txEffectClrLst/>
+  </dgm:styleLbl>
+  <dgm:styleLbl name="trBgShp">
+    <dgm:fillClrLst meth="repeat">
+      <a:schemeClr val="dk1">
+        <a:tint val="50000"/>
+        <a:alpha val="40000"/>
+      </a:schemeClr>
+    </dgm:fillClrLst>
+    <dgm:linClrLst meth="repeat">
+      <a:schemeClr val="dk1"/>
+    </dgm:linClrLst>
+    <dgm:effectClrLst/>
+    <dgm:txLinClrLst/>
+    <dgm:txFillClrLst meth="repeat">
+      <a:schemeClr val="lt1"/>
+    </dgm:txFillClrLst>
+    <dgm:txEffectClrLst/>
+  </dgm:styleLbl>
+  <dgm:styleLbl name="fgShp">
+    <dgm:fillClrLst meth="repeat">
+      <a:schemeClr val="dk1">
+        <a:tint val="60000"/>
+      </a:schemeClr>
+    </dgm:fillClrLst>
+    <dgm:linClrLst meth="repeat">
+      <a:schemeClr val="lt1"/>
+    </dgm:linClrLst>
+    <dgm:effectClrLst/>
+    <dgm:txLinClrLst/>
+    <dgm:txFillClrLst meth="repeat">
+      <a:schemeClr val="dk1"/>
+    </dgm:txFillClrLst>
+    <dgm:txEffectClrLst/>
+  </dgm:styleLbl>
+  <dgm:styleLbl name="revTx">
+    <dgm:fillClrLst meth="repeat">
+      <a:schemeClr val="lt1">
+        <a:alpha val="0"/>
+      </a:schemeClr>
+    </dgm:fillClrLst>
+    <dgm:linClrLst meth="repeat">
+      <a:schemeClr val="dk1">
+        <a:alpha val="0"/>
+      </a:schemeClr>
+    </dgm:linClrLst>
+    <dgm:effectClrLst/>
+    <dgm:txLinClrLst/>
+    <dgm:txFillClrLst meth="repeat">
+      <a:schemeClr val="tx1"/>
+    </dgm:txFillClrLst>
+    <dgm:txEffectClrLst/>
+  </dgm:styleLbl>
+</dgm:colorsDef>
+</file>
+
+<file path=ppt/diagrams/data1.xml><?xml version="1.0" encoding="utf-8"?>
+<dgm:dataModel xmlns:dgm="http://schemas.openxmlformats.org/drawingml/2006/diagram" xmlns:a="http://schemas.openxmlformats.org/drawingml/2006/main">
+  <dgm:ptLst>
+    <dgm:pt modelId="{BC4D5D8D-46B5-4050-A8A2-9358720318CB}" type="doc">
+      <dgm:prSet loTypeId="urn:microsoft.com/office/officeart/2005/8/layout/hProcess4" loCatId="process" qsTypeId="urn:microsoft.com/office/officeart/2005/8/quickstyle/simple1" qsCatId="simple" csTypeId="urn:microsoft.com/office/officeart/2005/8/colors/accent0_1" csCatId="mainScheme" phldr="1"/>
+      <dgm:spPr/>
+      <dgm:t>
+        <a:bodyPr/>
+        <a:lstStyle/>
+        <a:p>
+          <a:endParaRPr lang="en-US"/>
+        </a:p>
+      </dgm:t>
+    </dgm:pt>
+    <dgm:pt modelId="{5F7701CA-FAE9-401E-8919-DA68891591F1}">
+      <dgm:prSet phldrT="[Text]"/>
+      <dgm:spPr/>
+      <dgm:t>
+        <a:bodyPr/>
+        <a:lstStyle/>
+        <a:p>
+          <a:r>
+            <a:rPr lang="en-US" dirty="0"/>
+            <a:t>Observe</a:t>
+          </a:r>
+        </a:p>
+      </dgm:t>
+    </dgm:pt>
+    <dgm:pt modelId="{57EC1A04-2D89-479D-B4CD-41E513268C4C}" type="parTrans" cxnId="{788EE39B-32B1-4162-8BBC-1C338A4C1A09}">
+      <dgm:prSet/>
+      <dgm:spPr/>
+      <dgm:t>
+        <a:bodyPr/>
+        <a:lstStyle/>
+        <a:p>
+          <a:endParaRPr lang="en-US"/>
+        </a:p>
+      </dgm:t>
+    </dgm:pt>
+    <dgm:pt modelId="{1E496758-F884-4589-8FBC-E44F78EEE5A6}" type="sibTrans" cxnId="{788EE39B-32B1-4162-8BBC-1C338A4C1A09}">
+      <dgm:prSet/>
+      <dgm:spPr/>
+      <dgm:t>
+        <a:bodyPr/>
+        <a:lstStyle/>
+        <a:p>
+          <a:endParaRPr lang="en-US"/>
+        </a:p>
+      </dgm:t>
+    </dgm:pt>
+    <dgm:pt modelId="{3511B0DC-F6D6-48BD-9E3E-8060DA330747}">
+      <dgm:prSet phldrT="[Text]"/>
+      <dgm:spPr/>
+      <dgm:t>
+        <a:bodyPr/>
+        <a:lstStyle/>
+        <a:p>
+          <a:r>
+            <a:rPr lang="en-US" dirty="0"/>
+            <a:t>Analyze</a:t>
+          </a:r>
+        </a:p>
+      </dgm:t>
+    </dgm:pt>
+    <dgm:pt modelId="{DB215E9B-41B1-4594-AECD-054A768F9C75}" type="parTrans" cxnId="{4AA21BBC-29B0-4376-8FA9-2ECF348FFB0B}">
+      <dgm:prSet/>
+      <dgm:spPr/>
+      <dgm:t>
+        <a:bodyPr/>
+        <a:lstStyle/>
+        <a:p>
+          <a:endParaRPr lang="en-US"/>
+        </a:p>
+      </dgm:t>
+    </dgm:pt>
+    <dgm:pt modelId="{4DA7C20A-7791-417E-8B3D-4A6E6D60BD33}" type="sibTrans" cxnId="{4AA21BBC-29B0-4376-8FA9-2ECF348FFB0B}">
+      <dgm:prSet/>
+      <dgm:spPr/>
+      <dgm:t>
+        <a:bodyPr/>
+        <a:lstStyle/>
+        <a:p>
+          <a:endParaRPr lang="en-US"/>
+        </a:p>
+      </dgm:t>
+    </dgm:pt>
+    <dgm:pt modelId="{FB9AAE57-5715-4E83-B795-233F80C28DD5}">
+      <dgm:prSet phldrT="[Text]"/>
+      <dgm:spPr/>
+      <dgm:t>
+        <a:bodyPr/>
+        <a:lstStyle/>
+        <a:p>
+          <a:r>
+            <a:rPr lang="en-US" dirty="0"/>
+            <a:t>Act</a:t>
+          </a:r>
+        </a:p>
+      </dgm:t>
+    </dgm:pt>
+    <dgm:pt modelId="{DEC4E5B5-5AAD-461A-8948-F5A4F37B3F48}" type="parTrans" cxnId="{2816C6BF-DAD6-46C7-876C-AD193175ADED}">
+      <dgm:prSet/>
+      <dgm:spPr/>
+      <dgm:t>
+        <a:bodyPr/>
+        <a:lstStyle/>
+        <a:p>
+          <a:endParaRPr lang="en-US"/>
+        </a:p>
+      </dgm:t>
+    </dgm:pt>
+    <dgm:pt modelId="{51F931F7-68A4-4543-AC94-B359BC369D41}" type="sibTrans" cxnId="{2816C6BF-DAD6-46C7-876C-AD193175ADED}">
+      <dgm:prSet/>
+      <dgm:spPr/>
+      <dgm:t>
+        <a:bodyPr/>
+        <a:lstStyle/>
+        <a:p>
+          <a:endParaRPr lang="en-US"/>
+        </a:p>
+      </dgm:t>
+    </dgm:pt>
+    <dgm:pt modelId="{06A4AA28-4648-46CF-81EC-A9DC778D7A58}">
+      <dgm:prSet phldrT="[Text]"/>
+      <dgm:spPr/>
+      <dgm:t>
+        <a:bodyPr/>
+        <a:lstStyle/>
+        <a:p>
+          <a:r>
+            <a:rPr lang="en-US" dirty="0"/>
+            <a:t>Control loops</a:t>
+          </a:r>
+        </a:p>
+      </dgm:t>
+    </dgm:pt>
+    <dgm:pt modelId="{DDE15C73-0CA4-4049-B9B1-41E65338FCA2}" type="parTrans" cxnId="{19129A15-A57B-4CA4-956E-3249B877D054}">
+      <dgm:prSet/>
+      <dgm:spPr/>
+      <dgm:t>
+        <a:bodyPr/>
+        <a:lstStyle/>
+        <a:p>
+          <a:endParaRPr lang="en-US"/>
+        </a:p>
+      </dgm:t>
+    </dgm:pt>
+    <dgm:pt modelId="{2DD8EFFD-B8DF-4DDF-B0A0-46123496D507}" type="sibTrans" cxnId="{19129A15-A57B-4CA4-956E-3249B877D054}">
+      <dgm:prSet/>
+      <dgm:spPr/>
+      <dgm:t>
+        <a:bodyPr/>
+        <a:lstStyle/>
+        <a:p>
+          <a:endParaRPr lang="en-US"/>
+        </a:p>
+      </dgm:t>
+    </dgm:pt>
+    <dgm:pt modelId="{045C94F8-2FB8-4591-9445-135ADC651512}">
+      <dgm:prSet phldrT="[Text]"/>
+      <dgm:spPr/>
+      <dgm:t>
+        <a:bodyPr/>
+        <a:lstStyle/>
+        <a:p>
+          <a:r>
+            <a:rPr lang="en-US" dirty="0"/>
+            <a:t>Check API for changes</a:t>
+          </a:r>
+        </a:p>
+      </dgm:t>
+    </dgm:pt>
+    <dgm:pt modelId="{2DAE4E03-5591-4C7C-AEFB-59F1267FBB7D}" type="parTrans" cxnId="{FD2FA777-862B-4D2E-BB7D-92BEC9536E89}">
+      <dgm:prSet/>
+      <dgm:spPr/>
+      <dgm:t>
+        <a:bodyPr/>
+        <a:lstStyle/>
+        <a:p>
+          <a:endParaRPr lang="en-US"/>
+        </a:p>
+      </dgm:t>
+    </dgm:pt>
+    <dgm:pt modelId="{F0692511-A122-4957-BB26-F4BA9C66E1B7}" type="sibTrans" cxnId="{FD2FA777-862B-4D2E-BB7D-92BEC9536E89}">
+      <dgm:prSet/>
+      <dgm:spPr/>
+      <dgm:t>
+        <a:bodyPr/>
+        <a:lstStyle/>
+        <a:p>
+          <a:endParaRPr lang="en-US"/>
+        </a:p>
+      </dgm:t>
+    </dgm:pt>
+    <dgm:pt modelId="{B2CD7ED9-4770-4D36-8561-1FBD7A58A734}">
+      <dgm:prSet phldrT="[Text]"/>
+      <dgm:spPr/>
+      <dgm:t>
+        <a:bodyPr/>
+        <a:lstStyle/>
+        <a:p>
+          <a:r>
+            <a:rPr lang="en-US" dirty="0"/>
+            <a:t>Current state</a:t>
+          </a:r>
+        </a:p>
+      </dgm:t>
+    </dgm:pt>
+    <dgm:pt modelId="{BFC98D57-6DD8-4ED9-AB9C-ACEC6CAD1AC3}" type="parTrans" cxnId="{022BC16C-04DC-482D-9D4B-FA96E08F940C}">
+      <dgm:prSet/>
+      <dgm:spPr/>
+      <dgm:t>
+        <a:bodyPr/>
+        <a:lstStyle/>
+        <a:p>
+          <a:endParaRPr lang="en-US"/>
+        </a:p>
+      </dgm:t>
+    </dgm:pt>
+    <dgm:pt modelId="{CA6AF4FE-8A82-4760-8116-56336E1EFEAA}" type="sibTrans" cxnId="{022BC16C-04DC-482D-9D4B-FA96E08F940C}">
+      <dgm:prSet/>
+      <dgm:spPr/>
+      <dgm:t>
+        <a:bodyPr/>
+        <a:lstStyle/>
+        <a:p>
+          <a:endParaRPr lang="en-US"/>
+        </a:p>
+      </dgm:t>
+    </dgm:pt>
+    <dgm:pt modelId="{C6CB76E7-A6D6-4352-91C0-0ADD32857D4B}">
+      <dgm:prSet phldrT="[Text]"/>
+      <dgm:spPr/>
+      <dgm:t>
+        <a:bodyPr/>
+        <a:lstStyle/>
+        <a:p>
+          <a:r>
+            <a:rPr lang="en-US" dirty="0"/>
+            <a:t>Desired state</a:t>
+          </a:r>
+        </a:p>
+      </dgm:t>
+    </dgm:pt>
+    <dgm:pt modelId="{DC5DAB65-CE0D-449E-8136-60B6B6D7A8C1}" type="parTrans" cxnId="{4D81CC28-0FE3-49F8-8446-3F350EEFCA66}">
+      <dgm:prSet/>
+      <dgm:spPr/>
+      <dgm:t>
+        <a:bodyPr/>
+        <a:lstStyle/>
+        <a:p>
+          <a:endParaRPr lang="en-US"/>
+        </a:p>
+      </dgm:t>
+    </dgm:pt>
+    <dgm:pt modelId="{60AE151D-67FE-4C59-8C08-CD278EDDCF9E}" type="sibTrans" cxnId="{4D81CC28-0FE3-49F8-8446-3F350EEFCA66}">
+      <dgm:prSet/>
+      <dgm:spPr/>
+      <dgm:t>
+        <a:bodyPr/>
+        <a:lstStyle/>
+        <a:p>
+          <a:endParaRPr lang="en-US"/>
+        </a:p>
+      </dgm:t>
+    </dgm:pt>
+    <dgm:pt modelId="{E78D1906-0CE8-4399-8C8D-E3C236BEACE3}">
+      <dgm:prSet phldrT="[Text]"/>
+      <dgm:spPr/>
+      <dgm:t>
+        <a:bodyPr/>
+        <a:lstStyle/>
+        <a:p>
+          <a:r>
+            <a:rPr lang="en-US" dirty="0"/>
+            <a:t>Detect delta</a:t>
+          </a:r>
+        </a:p>
+      </dgm:t>
+    </dgm:pt>
+    <dgm:pt modelId="{9AB13A9C-F4B1-42A0-A41C-9C39EED59449}" type="parTrans" cxnId="{65F35EC0-F854-42B9-9D18-95AE7B6D27DD}">
+      <dgm:prSet/>
+      <dgm:spPr/>
+      <dgm:t>
+        <a:bodyPr/>
+        <a:lstStyle/>
+        <a:p>
+          <a:endParaRPr lang="en-US"/>
+        </a:p>
+      </dgm:t>
+    </dgm:pt>
+    <dgm:pt modelId="{90C4778B-FD8B-42DB-AF4F-404A2B65E116}" type="sibTrans" cxnId="{65F35EC0-F854-42B9-9D18-95AE7B6D27DD}">
+      <dgm:prSet/>
+      <dgm:spPr/>
+      <dgm:t>
+        <a:bodyPr/>
+        <a:lstStyle/>
+        <a:p>
+          <a:endParaRPr lang="en-US"/>
+        </a:p>
+      </dgm:t>
+    </dgm:pt>
+    <dgm:pt modelId="{696FA73C-B230-4880-8378-B971884CEEBC}">
+      <dgm:prSet phldrT="[Text]"/>
+      <dgm:spPr/>
+      <dgm:t>
+        <a:bodyPr/>
+        <a:lstStyle/>
+        <a:p>
+          <a:r>
+            <a:rPr lang="en-US" dirty="0"/>
+            <a:t>Enforce the desired state</a:t>
+          </a:r>
+        </a:p>
+      </dgm:t>
+    </dgm:pt>
+    <dgm:pt modelId="{A93BC907-0599-45D8-A8D5-041BED871836}" type="parTrans" cxnId="{446E92E5-5B6E-44CD-9742-F58C326B67A4}">
+      <dgm:prSet/>
+      <dgm:spPr/>
+      <dgm:t>
+        <a:bodyPr/>
+        <a:lstStyle/>
+        <a:p>
+          <a:endParaRPr lang="en-US"/>
+        </a:p>
+      </dgm:t>
+    </dgm:pt>
+    <dgm:pt modelId="{02150E8D-B51C-4C9D-81FB-C999B40C0026}" type="sibTrans" cxnId="{446E92E5-5B6E-44CD-9742-F58C326B67A4}">
+      <dgm:prSet/>
+      <dgm:spPr/>
+      <dgm:t>
+        <a:bodyPr/>
+        <a:lstStyle/>
+        <a:p>
+          <a:endParaRPr lang="en-US"/>
+        </a:p>
+      </dgm:t>
+    </dgm:pt>
+    <dgm:pt modelId="{0F069941-C7CC-4ACD-9EEF-FB14FC3C8B17}" type="pres">
+      <dgm:prSet presAssocID="{BC4D5D8D-46B5-4050-A8A2-9358720318CB}" presName="Name0" presStyleCnt="0">
+        <dgm:presLayoutVars>
+          <dgm:dir/>
+          <dgm:animLvl val="lvl"/>
+          <dgm:resizeHandles val="exact"/>
+        </dgm:presLayoutVars>
+      </dgm:prSet>
+      <dgm:spPr/>
+    </dgm:pt>
+    <dgm:pt modelId="{4069138C-71BC-4043-B37B-B3FB9CBC49C4}" type="pres">
+      <dgm:prSet presAssocID="{BC4D5D8D-46B5-4050-A8A2-9358720318CB}" presName="tSp" presStyleCnt="0"/>
+      <dgm:spPr/>
+    </dgm:pt>
+    <dgm:pt modelId="{63D577A2-365B-40D5-9C2F-78227141A330}" type="pres">
+      <dgm:prSet presAssocID="{BC4D5D8D-46B5-4050-A8A2-9358720318CB}" presName="bSp" presStyleCnt="0"/>
+      <dgm:spPr/>
+    </dgm:pt>
+    <dgm:pt modelId="{25FE5F9F-5032-451D-9D60-6310C69482FD}" type="pres">
+      <dgm:prSet presAssocID="{BC4D5D8D-46B5-4050-A8A2-9358720318CB}" presName="process" presStyleCnt="0"/>
+      <dgm:spPr/>
+    </dgm:pt>
+    <dgm:pt modelId="{4B20B26C-9C20-49EB-8C66-B99E5CEAE3C2}" type="pres">
+      <dgm:prSet presAssocID="{5F7701CA-FAE9-401E-8919-DA68891591F1}" presName="composite1" presStyleCnt="0"/>
+      <dgm:spPr/>
+    </dgm:pt>
+    <dgm:pt modelId="{7B6EF50B-482B-4590-998C-E38EB00C168A}" type="pres">
+      <dgm:prSet presAssocID="{5F7701CA-FAE9-401E-8919-DA68891591F1}" presName="dummyNode1" presStyleLbl="node1" presStyleIdx="0" presStyleCnt="3"/>
+      <dgm:spPr/>
+    </dgm:pt>
+    <dgm:pt modelId="{76AF6D70-EF0F-4D94-8B10-5B3008C85ED0}" type="pres">
+      <dgm:prSet presAssocID="{5F7701CA-FAE9-401E-8919-DA68891591F1}" presName="childNode1" presStyleLbl="bgAcc1" presStyleIdx="0" presStyleCnt="3">
+        <dgm:presLayoutVars>
+          <dgm:bulletEnabled val="1"/>
+        </dgm:presLayoutVars>
+      </dgm:prSet>
+      <dgm:spPr/>
+    </dgm:pt>
+    <dgm:pt modelId="{59F1278C-608A-40AD-AE92-1B1BA4D0FD3D}" type="pres">
+      <dgm:prSet presAssocID="{5F7701CA-FAE9-401E-8919-DA68891591F1}" presName="childNode1tx" presStyleLbl="bgAcc1" presStyleIdx="0" presStyleCnt="3">
+        <dgm:presLayoutVars>
+          <dgm:bulletEnabled val="1"/>
+        </dgm:presLayoutVars>
+      </dgm:prSet>
+      <dgm:spPr/>
+    </dgm:pt>
+    <dgm:pt modelId="{8740B661-5258-4F6A-BBF1-9BC2872E0547}" type="pres">
+      <dgm:prSet presAssocID="{5F7701CA-FAE9-401E-8919-DA68891591F1}" presName="parentNode1" presStyleLbl="node1" presStyleIdx="0" presStyleCnt="3">
+        <dgm:presLayoutVars>
+          <dgm:chMax val="1"/>
+          <dgm:bulletEnabled val="1"/>
+        </dgm:presLayoutVars>
+      </dgm:prSet>
+      <dgm:spPr/>
+    </dgm:pt>
+    <dgm:pt modelId="{B25D8576-B0AF-432C-B834-2BDD99795808}" type="pres">
+      <dgm:prSet presAssocID="{5F7701CA-FAE9-401E-8919-DA68891591F1}" presName="connSite1" presStyleCnt="0"/>
+      <dgm:spPr/>
+    </dgm:pt>
+    <dgm:pt modelId="{DE045CBA-ECA2-453C-BFCF-A4743461A41D}" type="pres">
+      <dgm:prSet presAssocID="{1E496758-F884-4589-8FBC-E44F78EEE5A6}" presName="Name9" presStyleLbl="sibTrans2D1" presStyleIdx="0" presStyleCnt="2"/>
+      <dgm:spPr/>
+    </dgm:pt>
+    <dgm:pt modelId="{ADAD66C3-4642-4472-B366-D8BBE3716B80}" type="pres">
+      <dgm:prSet presAssocID="{3511B0DC-F6D6-48BD-9E3E-8060DA330747}" presName="composite2" presStyleCnt="0"/>
+      <dgm:spPr/>
+    </dgm:pt>
+    <dgm:pt modelId="{F3F43C73-9886-42DA-ADE1-BB542466A931}" type="pres">
+      <dgm:prSet presAssocID="{3511B0DC-F6D6-48BD-9E3E-8060DA330747}" presName="dummyNode2" presStyleLbl="node1" presStyleIdx="0" presStyleCnt="3"/>
+      <dgm:spPr/>
+    </dgm:pt>
+    <dgm:pt modelId="{2100B73E-41CC-441C-BAC0-823A501FB953}" type="pres">
+      <dgm:prSet presAssocID="{3511B0DC-F6D6-48BD-9E3E-8060DA330747}" presName="childNode2" presStyleLbl="bgAcc1" presStyleIdx="1" presStyleCnt="3">
+        <dgm:presLayoutVars>
+          <dgm:bulletEnabled val="1"/>
+        </dgm:presLayoutVars>
+      </dgm:prSet>
+      <dgm:spPr/>
+    </dgm:pt>
+    <dgm:pt modelId="{BDE1A59F-632B-4E78-BDBB-6B8F36D66ACD}" type="pres">
+      <dgm:prSet presAssocID="{3511B0DC-F6D6-48BD-9E3E-8060DA330747}" presName="childNode2tx" presStyleLbl="bgAcc1" presStyleIdx="1" presStyleCnt="3">
+        <dgm:presLayoutVars>
+          <dgm:bulletEnabled val="1"/>
+        </dgm:presLayoutVars>
+      </dgm:prSet>
+      <dgm:spPr/>
+    </dgm:pt>
+    <dgm:pt modelId="{77134645-C330-4227-A436-590F23FB91E4}" type="pres">
+      <dgm:prSet presAssocID="{3511B0DC-F6D6-48BD-9E3E-8060DA330747}" presName="parentNode2" presStyleLbl="node1" presStyleIdx="1" presStyleCnt="3">
+        <dgm:presLayoutVars>
+          <dgm:chMax val="0"/>
+          <dgm:bulletEnabled val="1"/>
+        </dgm:presLayoutVars>
+      </dgm:prSet>
+      <dgm:spPr/>
+    </dgm:pt>
+    <dgm:pt modelId="{47377A2C-75E3-4C26-B5A9-E6A15B364DA0}" type="pres">
+      <dgm:prSet presAssocID="{3511B0DC-F6D6-48BD-9E3E-8060DA330747}" presName="connSite2" presStyleCnt="0"/>
+      <dgm:spPr/>
+    </dgm:pt>
+    <dgm:pt modelId="{97C182FE-34B2-4A5F-BF6F-C8F658CF5256}" type="pres">
+      <dgm:prSet presAssocID="{4DA7C20A-7791-417E-8B3D-4A6E6D60BD33}" presName="Name18" presStyleLbl="sibTrans2D1" presStyleIdx="1" presStyleCnt="2"/>
+      <dgm:spPr/>
+    </dgm:pt>
+    <dgm:pt modelId="{5F617D4D-27C9-4C6F-81A5-AA7B1C84BC13}" type="pres">
+      <dgm:prSet presAssocID="{FB9AAE57-5715-4E83-B795-233F80C28DD5}" presName="composite1" presStyleCnt="0"/>
+      <dgm:spPr/>
+    </dgm:pt>
+    <dgm:pt modelId="{143D1DE8-C625-4EAF-A935-B3431676C477}" type="pres">
+      <dgm:prSet presAssocID="{FB9AAE57-5715-4E83-B795-233F80C28DD5}" presName="dummyNode1" presStyleLbl="node1" presStyleIdx="1" presStyleCnt="3"/>
+      <dgm:spPr/>
+    </dgm:pt>
+    <dgm:pt modelId="{1EA0866B-1050-4C4C-8A04-2910F3F5F2C3}" type="pres">
+      <dgm:prSet presAssocID="{FB9AAE57-5715-4E83-B795-233F80C28DD5}" presName="childNode1" presStyleLbl="bgAcc1" presStyleIdx="2" presStyleCnt="3">
+        <dgm:presLayoutVars>
+          <dgm:bulletEnabled val="1"/>
+        </dgm:presLayoutVars>
+      </dgm:prSet>
+      <dgm:spPr/>
+    </dgm:pt>
+    <dgm:pt modelId="{70A74145-C002-4907-B26E-B7E0A678C51A}" type="pres">
+      <dgm:prSet presAssocID="{FB9AAE57-5715-4E83-B795-233F80C28DD5}" presName="childNode1tx" presStyleLbl="bgAcc1" presStyleIdx="2" presStyleCnt="3">
+        <dgm:presLayoutVars>
+          <dgm:bulletEnabled val="1"/>
+        </dgm:presLayoutVars>
+      </dgm:prSet>
+      <dgm:spPr/>
+    </dgm:pt>
+    <dgm:pt modelId="{5BFFEAEE-23B1-4DBB-A971-39909A154747}" type="pres">
+      <dgm:prSet presAssocID="{FB9AAE57-5715-4E83-B795-233F80C28DD5}" presName="parentNode1" presStyleLbl="node1" presStyleIdx="2" presStyleCnt="3">
+        <dgm:presLayoutVars>
+          <dgm:chMax val="1"/>
+          <dgm:bulletEnabled val="1"/>
+        </dgm:presLayoutVars>
+      </dgm:prSet>
+      <dgm:spPr/>
+    </dgm:pt>
+    <dgm:pt modelId="{9B1811DB-300F-4DFE-B0F3-83467025BA14}" type="pres">
+      <dgm:prSet presAssocID="{FB9AAE57-5715-4E83-B795-233F80C28DD5}" presName="connSite1" presStyleCnt="0"/>
+      <dgm:spPr/>
+    </dgm:pt>
+  </dgm:ptLst>
+  <dgm:cxnLst>
+    <dgm:cxn modelId="{4CC0F50F-E639-46A7-BA9B-C38C48A8E5A7}" type="presOf" srcId="{FB9AAE57-5715-4E83-B795-233F80C28DD5}" destId="{5BFFEAEE-23B1-4DBB-A971-39909A154747}" srcOrd="0" destOrd="0" presId="urn:microsoft.com/office/officeart/2005/8/layout/hProcess4"/>
+    <dgm:cxn modelId="{19129A15-A57B-4CA4-956E-3249B877D054}" srcId="{5F7701CA-FAE9-401E-8919-DA68891591F1}" destId="{06A4AA28-4648-46CF-81EC-A9DC778D7A58}" srcOrd="0" destOrd="0" parTransId="{DDE15C73-0CA4-4049-B9B1-41E65338FCA2}" sibTransId="{2DD8EFFD-B8DF-4DDF-B0A0-46123496D507}"/>
+    <dgm:cxn modelId="{4D81CC28-0FE3-49F8-8446-3F350EEFCA66}" srcId="{3511B0DC-F6D6-48BD-9E3E-8060DA330747}" destId="{C6CB76E7-A6D6-4352-91C0-0ADD32857D4B}" srcOrd="1" destOrd="0" parTransId="{DC5DAB65-CE0D-449E-8136-60B6B6D7A8C1}" sibTransId="{60AE151D-67FE-4C59-8C08-CD278EDDCF9E}"/>
+    <dgm:cxn modelId="{2AB9E25B-F590-47F7-B0D3-691E1853FC1F}" type="presOf" srcId="{E78D1906-0CE8-4399-8C8D-E3C236BEACE3}" destId="{2100B73E-41CC-441C-BAC0-823A501FB953}" srcOrd="0" destOrd="2" presId="urn:microsoft.com/office/officeart/2005/8/layout/hProcess4"/>
+    <dgm:cxn modelId="{95085E67-5884-441F-B103-8E71061E819E}" type="presOf" srcId="{1E496758-F884-4589-8FBC-E44F78EEE5A6}" destId="{DE045CBA-ECA2-453C-BFCF-A4743461A41D}" srcOrd="0" destOrd="0" presId="urn:microsoft.com/office/officeart/2005/8/layout/hProcess4"/>
+    <dgm:cxn modelId="{CD5E4348-559C-4A1D-B671-C271C78CE60C}" type="presOf" srcId="{4DA7C20A-7791-417E-8B3D-4A6E6D60BD33}" destId="{97C182FE-34B2-4A5F-BF6F-C8F658CF5256}" srcOrd="0" destOrd="0" presId="urn:microsoft.com/office/officeart/2005/8/layout/hProcess4"/>
+    <dgm:cxn modelId="{022BC16C-04DC-482D-9D4B-FA96E08F940C}" srcId="{3511B0DC-F6D6-48BD-9E3E-8060DA330747}" destId="{B2CD7ED9-4770-4D36-8561-1FBD7A58A734}" srcOrd="0" destOrd="0" parTransId="{BFC98D57-6DD8-4ED9-AB9C-ACEC6CAD1AC3}" sibTransId="{CA6AF4FE-8A82-4760-8116-56336E1EFEAA}"/>
+    <dgm:cxn modelId="{370A7950-74C6-46AC-BD6B-CFC6FA4385FB}" type="presOf" srcId="{06A4AA28-4648-46CF-81EC-A9DC778D7A58}" destId="{76AF6D70-EF0F-4D94-8B10-5B3008C85ED0}" srcOrd="0" destOrd="0" presId="urn:microsoft.com/office/officeart/2005/8/layout/hProcess4"/>
+    <dgm:cxn modelId="{FD2FA777-862B-4D2E-BB7D-92BEC9536E89}" srcId="{5F7701CA-FAE9-401E-8919-DA68891591F1}" destId="{045C94F8-2FB8-4591-9445-135ADC651512}" srcOrd="1" destOrd="0" parTransId="{2DAE4E03-5591-4C7C-AEFB-59F1267FBB7D}" sibTransId="{F0692511-A122-4957-BB26-F4BA9C66E1B7}"/>
+    <dgm:cxn modelId="{61AA9D58-A016-4FBC-9C02-0633F5D95AC3}" type="presOf" srcId="{5F7701CA-FAE9-401E-8919-DA68891591F1}" destId="{8740B661-5258-4F6A-BBF1-9BC2872E0547}" srcOrd="0" destOrd="0" presId="urn:microsoft.com/office/officeart/2005/8/layout/hProcess4"/>
+    <dgm:cxn modelId="{A6BBB958-741B-42BD-9B0E-CFBC186A3C54}" type="presOf" srcId="{E78D1906-0CE8-4399-8C8D-E3C236BEACE3}" destId="{BDE1A59F-632B-4E78-BDBB-6B8F36D66ACD}" srcOrd="1" destOrd="2" presId="urn:microsoft.com/office/officeart/2005/8/layout/hProcess4"/>
+    <dgm:cxn modelId="{4BAFAA84-A6FF-4EC7-9584-C02E3A6BB20F}" type="presOf" srcId="{B2CD7ED9-4770-4D36-8561-1FBD7A58A734}" destId="{2100B73E-41CC-441C-BAC0-823A501FB953}" srcOrd="0" destOrd="0" presId="urn:microsoft.com/office/officeart/2005/8/layout/hProcess4"/>
+    <dgm:cxn modelId="{3DD8D885-928A-45E9-B1CE-E985BD54F0ED}" type="presOf" srcId="{045C94F8-2FB8-4591-9445-135ADC651512}" destId="{59F1278C-608A-40AD-AE92-1B1BA4D0FD3D}" srcOrd="1" destOrd="1" presId="urn:microsoft.com/office/officeart/2005/8/layout/hProcess4"/>
+    <dgm:cxn modelId="{52C41288-D24D-4335-ACEA-B7BB0A819297}" type="presOf" srcId="{3511B0DC-F6D6-48BD-9E3E-8060DA330747}" destId="{77134645-C330-4227-A436-590F23FB91E4}" srcOrd="0" destOrd="0" presId="urn:microsoft.com/office/officeart/2005/8/layout/hProcess4"/>
+    <dgm:cxn modelId="{DE5FB28D-694F-4FBC-92D3-3C7F817EEB57}" type="presOf" srcId="{06A4AA28-4648-46CF-81EC-A9DC778D7A58}" destId="{59F1278C-608A-40AD-AE92-1B1BA4D0FD3D}" srcOrd="1" destOrd="0" presId="urn:microsoft.com/office/officeart/2005/8/layout/hProcess4"/>
+    <dgm:cxn modelId="{C4078792-38FE-4491-A15C-F77A3D7ADB90}" type="presOf" srcId="{C6CB76E7-A6D6-4352-91C0-0ADD32857D4B}" destId="{BDE1A59F-632B-4E78-BDBB-6B8F36D66ACD}" srcOrd="1" destOrd="1" presId="urn:microsoft.com/office/officeart/2005/8/layout/hProcess4"/>
+    <dgm:cxn modelId="{478F2B98-78D1-4EC9-9DC0-156B0B8E8F78}" type="presOf" srcId="{BC4D5D8D-46B5-4050-A8A2-9358720318CB}" destId="{0F069941-C7CC-4ACD-9EEF-FB14FC3C8B17}" srcOrd="0" destOrd="0" presId="urn:microsoft.com/office/officeart/2005/8/layout/hProcess4"/>
+    <dgm:cxn modelId="{788EE39B-32B1-4162-8BBC-1C338A4C1A09}" srcId="{BC4D5D8D-46B5-4050-A8A2-9358720318CB}" destId="{5F7701CA-FAE9-401E-8919-DA68891591F1}" srcOrd="0" destOrd="0" parTransId="{57EC1A04-2D89-479D-B4CD-41E513268C4C}" sibTransId="{1E496758-F884-4589-8FBC-E44F78EEE5A6}"/>
+    <dgm:cxn modelId="{DE68409D-01E2-4E6D-8D16-F12866419616}" type="presOf" srcId="{045C94F8-2FB8-4591-9445-135ADC651512}" destId="{76AF6D70-EF0F-4D94-8B10-5B3008C85ED0}" srcOrd="0" destOrd="1" presId="urn:microsoft.com/office/officeart/2005/8/layout/hProcess4"/>
+    <dgm:cxn modelId="{3EBDD0B0-D8AA-4086-95FE-4ECD167CE4C8}" type="presOf" srcId="{696FA73C-B230-4880-8378-B971884CEEBC}" destId="{1EA0866B-1050-4C4C-8A04-2910F3F5F2C3}" srcOrd="0" destOrd="0" presId="urn:microsoft.com/office/officeart/2005/8/layout/hProcess4"/>
+    <dgm:cxn modelId="{66F95FB8-D453-4942-9163-074BDA92941E}" type="presOf" srcId="{B2CD7ED9-4770-4D36-8561-1FBD7A58A734}" destId="{BDE1A59F-632B-4E78-BDBB-6B8F36D66ACD}" srcOrd="1" destOrd="0" presId="urn:microsoft.com/office/officeart/2005/8/layout/hProcess4"/>
+    <dgm:cxn modelId="{4AA21BBC-29B0-4376-8FA9-2ECF348FFB0B}" srcId="{BC4D5D8D-46B5-4050-A8A2-9358720318CB}" destId="{3511B0DC-F6D6-48BD-9E3E-8060DA330747}" srcOrd="1" destOrd="0" parTransId="{DB215E9B-41B1-4594-AECD-054A768F9C75}" sibTransId="{4DA7C20A-7791-417E-8B3D-4A6E6D60BD33}"/>
+    <dgm:cxn modelId="{2816C6BF-DAD6-46C7-876C-AD193175ADED}" srcId="{BC4D5D8D-46B5-4050-A8A2-9358720318CB}" destId="{FB9AAE57-5715-4E83-B795-233F80C28DD5}" srcOrd="2" destOrd="0" parTransId="{DEC4E5B5-5AAD-461A-8948-F5A4F37B3F48}" sibTransId="{51F931F7-68A4-4543-AC94-B359BC369D41}"/>
+    <dgm:cxn modelId="{65F35EC0-F854-42B9-9D18-95AE7B6D27DD}" srcId="{3511B0DC-F6D6-48BD-9E3E-8060DA330747}" destId="{E78D1906-0CE8-4399-8C8D-E3C236BEACE3}" srcOrd="2" destOrd="0" parTransId="{9AB13A9C-F4B1-42A0-A41C-9C39EED59449}" sibTransId="{90C4778B-FD8B-42DB-AF4F-404A2B65E116}"/>
+    <dgm:cxn modelId="{3B7226CB-A000-4274-A1EC-88457C87881C}" type="presOf" srcId="{C6CB76E7-A6D6-4352-91C0-0ADD32857D4B}" destId="{2100B73E-41CC-441C-BAC0-823A501FB953}" srcOrd="0" destOrd="1" presId="urn:microsoft.com/office/officeart/2005/8/layout/hProcess4"/>
+    <dgm:cxn modelId="{A97063E3-83B6-481C-8CA1-F402CC8C5AE1}" type="presOf" srcId="{696FA73C-B230-4880-8378-B971884CEEBC}" destId="{70A74145-C002-4907-B26E-B7E0A678C51A}" srcOrd="1" destOrd="0" presId="urn:microsoft.com/office/officeart/2005/8/layout/hProcess4"/>
+    <dgm:cxn modelId="{446E92E5-5B6E-44CD-9742-F58C326B67A4}" srcId="{FB9AAE57-5715-4E83-B795-233F80C28DD5}" destId="{696FA73C-B230-4880-8378-B971884CEEBC}" srcOrd="0" destOrd="0" parTransId="{A93BC907-0599-45D8-A8D5-041BED871836}" sibTransId="{02150E8D-B51C-4C9D-81FB-C999B40C0026}"/>
+    <dgm:cxn modelId="{0F9A3861-FD60-4F2B-95B6-897EE26148CF}" type="presParOf" srcId="{0F069941-C7CC-4ACD-9EEF-FB14FC3C8B17}" destId="{4069138C-71BC-4043-B37B-B3FB9CBC49C4}" srcOrd="0" destOrd="0" presId="urn:microsoft.com/office/officeart/2005/8/layout/hProcess4"/>
+    <dgm:cxn modelId="{631D7406-72C3-47E6-88F4-C0752EB43F0D}" type="presParOf" srcId="{0F069941-C7CC-4ACD-9EEF-FB14FC3C8B17}" destId="{63D577A2-365B-40D5-9C2F-78227141A330}" srcOrd="1" destOrd="0" presId="urn:microsoft.com/office/officeart/2005/8/layout/hProcess4"/>
+    <dgm:cxn modelId="{BADB31CF-B4A8-4A9B-A689-B640D9553B7F}" type="presParOf" srcId="{0F069941-C7CC-4ACD-9EEF-FB14FC3C8B17}" destId="{25FE5F9F-5032-451D-9D60-6310C69482FD}" srcOrd="2" destOrd="0" presId="urn:microsoft.com/office/officeart/2005/8/layout/hProcess4"/>
+    <dgm:cxn modelId="{629E19D1-D21B-4361-877B-FB83AF71B876}" type="presParOf" srcId="{25FE5F9F-5032-451D-9D60-6310C69482FD}" destId="{4B20B26C-9C20-49EB-8C66-B99E5CEAE3C2}" srcOrd="0" destOrd="0" presId="urn:microsoft.com/office/officeart/2005/8/layout/hProcess4"/>
+    <dgm:cxn modelId="{BE1BBC4F-BD41-4DDC-B752-F6D8CA3DC3FA}" type="presParOf" srcId="{4B20B26C-9C20-49EB-8C66-B99E5CEAE3C2}" destId="{7B6EF50B-482B-4590-998C-E38EB00C168A}" srcOrd="0" destOrd="0" presId="urn:microsoft.com/office/officeart/2005/8/layout/hProcess4"/>
+    <dgm:cxn modelId="{50B1D1C5-05E2-49F6-B72E-584B4F2CFC05}" type="presParOf" srcId="{4B20B26C-9C20-49EB-8C66-B99E5CEAE3C2}" destId="{76AF6D70-EF0F-4D94-8B10-5B3008C85ED0}" srcOrd="1" destOrd="0" presId="urn:microsoft.com/office/officeart/2005/8/layout/hProcess4"/>
+    <dgm:cxn modelId="{C894726B-84EE-43C4-9D56-5799EB094482}" type="presParOf" srcId="{4B20B26C-9C20-49EB-8C66-B99E5CEAE3C2}" destId="{59F1278C-608A-40AD-AE92-1B1BA4D0FD3D}" srcOrd="2" destOrd="0" presId="urn:microsoft.com/office/officeart/2005/8/layout/hProcess4"/>
+    <dgm:cxn modelId="{2A5A938A-DC35-45E7-8718-56A124163C5C}" type="presParOf" srcId="{4B20B26C-9C20-49EB-8C66-B99E5CEAE3C2}" destId="{8740B661-5258-4F6A-BBF1-9BC2872E0547}" srcOrd="3" destOrd="0" presId="urn:microsoft.com/office/officeart/2005/8/layout/hProcess4"/>
+    <dgm:cxn modelId="{0B95E0FC-D0BB-40B4-B7F1-A1BD817EFC0D}" type="presParOf" srcId="{4B20B26C-9C20-49EB-8C66-B99E5CEAE3C2}" destId="{B25D8576-B0AF-432C-B834-2BDD99795808}" srcOrd="4" destOrd="0" presId="urn:microsoft.com/office/officeart/2005/8/layout/hProcess4"/>
+    <dgm:cxn modelId="{E39277AB-C5E4-49CA-9DD5-4A1425172D5D}" type="presParOf" srcId="{25FE5F9F-5032-451D-9D60-6310C69482FD}" destId="{DE045CBA-ECA2-453C-BFCF-A4743461A41D}" srcOrd="1" destOrd="0" presId="urn:microsoft.com/office/officeart/2005/8/layout/hProcess4"/>
+    <dgm:cxn modelId="{9754CE92-3926-44DC-93F4-09AFCEC0A33F}" type="presParOf" srcId="{25FE5F9F-5032-451D-9D60-6310C69482FD}" destId="{ADAD66C3-4642-4472-B366-D8BBE3716B80}" srcOrd="2" destOrd="0" presId="urn:microsoft.com/office/officeart/2005/8/layout/hProcess4"/>
+    <dgm:cxn modelId="{80D6298D-AD8F-45FB-B1A8-E6D4A7867C48}" type="presParOf" srcId="{ADAD66C3-4642-4472-B366-D8BBE3716B80}" destId="{F3F43C73-9886-42DA-ADE1-BB542466A931}" srcOrd="0" destOrd="0" presId="urn:microsoft.com/office/officeart/2005/8/layout/hProcess4"/>
+    <dgm:cxn modelId="{83A2C28A-075E-467E-B6C8-93F9BB617CCA}" type="presParOf" srcId="{ADAD66C3-4642-4472-B366-D8BBE3716B80}" destId="{2100B73E-41CC-441C-BAC0-823A501FB953}" srcOrd="1" destOrd="0" presId="urn:microsoft.com/office/officeart/2005/8/layout/hProcess4"/>
+    <dgm:cxn modelId="{71BA2074-8C4F-4590-849C-83F100CC59D3}" type="presParOf" srcId="{ADAD66C3-4642-4472-B366-D8BBE3716B80}" destId="{BDE1A59F-632B-4E78-BDBB-6B8F36D66ACD}" srcOrd="2" destOrd="0" presId="urn:microsoft.com/office/officeart/2005/8/layout/hProcess4"/>
+    <dgm:cxn modelId="{1F8EEE2D-0420-46A8-A327-4DA37B0FDB6A}" type="presParOf" srcId="{ADAD66C3-4642-4472-B366-D8BBE3716B80}" destId="{77134645-C330-4227-A436-590F23FB91E4}" srcOrd="3" destOrd="0" presId="urn:microsoft.com/office/officeart/2005/8/layout/hProcess4"/>
+    <dgm:cxn modelId="{55566251-A2D1-42CF-BE48-C4EEB81643B1}" type="presParOf" srcId="{ADAD66C3-4642-4472-B366-D8BBE3716B80}" destId="{47377A2C-75E3-4C26-B5A9-E6A15B364DA0}" srcOrd="4" destOrd="0" presId="urn:microsoft.com/office/officeart/2005/8/layout/hProcess4"/>
+    <dgm:cxn modelId="{A3ABDD4F-E8A1-4441-B6AF-68182CFFAC4E}" type="presParOf" srcId="{25FE5F9F-5032-451D-9D60-6310C69482FD}" destId="{97C182FE-34B2-4A5F-BF6F-C8F658CF5256}" srcOrd="3" destOrd="0" presId="urn:microsoft.com/office/officeart/2005/8/layout/hProcess4"/>
+    <dgm:cxn modelId="{43BD0F53-64A6-4A51-BE45-B5E04F1D402B}" type="presParOf" srcId="{25FE5F9F-5032-451D-9D60-6310C69482FD}" destId="{5F617D4D-27C9-4C6F-81A5-AA7B1C84BC13}" srcOrd="4" destOrd="0" presId="urn:microsoft.com/office/officeart/2005/8/layout/hProcess4"/>
+    <dgm:cxn modelId="{50363928-79D2-4A58-900A-C5BD52514791}" type="presParOf" srcId="{5F617D4D-27C9-4C6F-81A5-AA7B1C84BC13}" destId="{143D1DE8-C625-4EAF-A935-B3431676C477}" srcOrd="0" destOrd="0" presId="urn:microsoft.com/office/officeart/2005/8/layout/hProcess4"/>
+    <dgm:cxn modelId="{AF3119F9-895D-478C-A3D7-CAC1DE8EF85B}" type="presParOf" srcId="{5F617D4D-27C9-4C6F-81A5-AA7B1C84BC13}" destId="{1EA0866B-1050-4C4C-8A04-2910F3F5F2C3}" srcOrd="1" destOrd="0" presId="urn:microsoft.com/office/officeart/2005/8/layout/hProcess4"/>
+    <dgm:cxn modelId="{E6AD2C6C-E3A7-41F1-BF35-477364806A03}" type="presParOf" srcId="{5F617D4D-27C9-4C6F-81A5-AA7B1C84BC13}" destId="{70A74145-C002-4907-B26E-B7E0A678C51A}" srcOrd="2" destOrd="0" presId="urn:microsoft.com/office/officeart/2005/8/layout/hProcess4"/>
+    <dgm:cxn modelId="{3E356680-AAEF-4EBB-A9D0-BD02FA8769B2}" type="presParOf" srcId="{5F617D4D-27C9-4C6F-81A5-AA7B1C84BC13}" destId="{5BFFEAEE-23B1-4DBB-A971-39909A154747}" srcOrd="3" destOrd="0" presId="urn:microsoft.com/office/officeart/2005/8/layout/hProcess4"/>
+    <dgm:cxn modelId="{80DBB82A-2360-4ED4-A9D0-5C81A376B62A}" type="presParOf" srcId="{5F617D4D-27C9-4C6F-81A5-AA7B1C84BC13}" destId="{9B1811DB-300F-4DFE-B0F3-83467025BA14}" srcOrd="4" destOrd="0" presId="urn:microsoft.com/office/officeart/2005/8/layout/hProcess4"/>
+  </dgm:cxnLst>
+  <dgm:bg/>
+  <dgm:whole/>
+  <dgm:extLst>
+    <a:ext uri="http://schemas.microsoft.com/office/drawing/2008/diagram">
+      <dsp:dataModelExt xmlns:dsp="http://schemas.microsoft.com/office/drawing/2008/diagram" relId="rId7" minVer="http://schemas.openxmlformats.org/drawingml/2006/diagram"/>
+    </a:ext>
+  </dgm:extLst>
+</dgm:dataModel>
+</file>
+
+<file path=ppt/diagrams/drawing1.xml><?xml version="1.0" encoding="utf-8"?>
+<dsp:drawing xmlns:dgm="http://schemas.openxmlformats.org/drawingml/2006/diagram" xmlns:dsp="http://schemas.microsoft.com/office/drawing/2008/diagram" xmlns:a="http://schemas.openxmlformats.org/drawingml/2006/main">
+  <dsp:spTree>
+    <dsp:nvGrpSpPr>
+      <dsp:cNvPr id="0" name=""/>
+      <dsp:cNvGrpSpPr/>
+    </dsp:nvGrpSpPr>
+    <dsp:grpSpPr/>
+    <dsp:sp modelId="{76AF6D70-EF0F-4D94-8B10-5B3008C85ED0}">
+      <dsp:nvSpPr>
+        <dsp:cNvPr id="0" name=""/>
+        <dsp:cNvSpPr/>
+      </dsp:nvSpPr>
+      <dsp:spPr>
+        <a:xfrm>
+          <a:off x="944355" y="988205"/>
+          <a:ext cx="2302285" cy="1898904"/>
+        </a:xfrm>
+        <a:prstGeom prst="roundRect">
+          <a:avLst>
+            <a:gd name="adj" fmla="val 10000"/>
+          </a:avLst>
+        </a:prstGeom>
+        <a:solidFill>
+          <a:schemeClr val="dk1">
+            <a:alpha val="90000"/>
+            <a:tint val="40000"/>
+            <a:hueOff val="0"/>
+            <a:satOff val="0"/>
+            <a:lumOff val="0"/>
+            <a:alphaOff val="0"/>
+          </a:schemeClr>
+        </a:solidFill>
+        <a:ln w="19050" cap="flat" cmpd="sng" algn="ctr">
+          <a:solidFill>
+            <a:schemeClr val="dk1">
+              <a:hueOff val="0"/>
+              <a:satOff val="0"/>
+              <a:lumOff val="0"/>
+              <a:alphaOff val="0"/>
+            </a:schemeClr>
+          </a:solidFill>
+          <a:prstDash val="solid"/>
+        </a:ln>
+        <a:effectLst/>
+      </dsp:spPr>
+      <dsp:style>
+        <a:lnRef idx="2">
+          <a:scrgbClr r="0" g="0" b="0"/>
+        </a:lnRef>
+        <a:fillRef idx="1">
+          <a:scrgbClr r="0" g="0" b="0"/>
+        </a:fillRef>
+        <a:effectRef idx="0">
+          <a:scrgbClr r="0" g="0" b="0"/>
+        </a:effectRef>
+        <a:fontRef idx="minor"/>
+      </dsp:style>
+      <dsp:txBody>
+        <a:bodyPr spcFirstLastPara="0" vert="horz" wrap="square" lIns="47625" tIns="47625" rIns="47625" bIns="47625" numCol="1" spcCol="1270" anchor="t" anchorCtr="0">
+          <a:noAutofit/>
+        </a:bodyPr>
+        <a:lstStyle/>
+        <a:p>
+          <a:pPr marL="228600" lvl="1" indent="-228600" algn="l" defTabSz="1111250">
+            <a:lnSpc>
+              <a:spcPct val="90000"/>
+            </a:lnSpc>
+            <a:spcBef>
+              <a:spcPct val="0"/>
+            </a:spcBef>
+            <a:spcAft>
+              <a:spcPct val="15000"/>
+            </a:spcAft>
+            <a:buChar char="•"/>
+          </a:pPr>
+          <a:r>
+            <a:rPr lang="en-US" sz="2500" kern="1200" dirty="0"/>
+            <a:t>Control loops</a:t>
+          </a:r>
+        </a:p>
+        <a:p>
+          <a:pPr marL="228600" lvl="1" indent="-228600" algn="l" defTabSz="1111250">
+            <a:lnSpc>
+              <a:spcPct val="90000"/>
+            </a:lnSpc>
+            <a:spcBef>
+              <a:spcPct val="0"/>
+            </a:spcBef>
+            <a:spcAft>
+              <a:spcPct val="15000"/>
+            </a:spcAft>
+            <a:buChar char="•"/>
+          </a:pPr>
+          <a:r>
+            <a:rPr lang="en-US" sz="2500" kern="1200" dirty="0"/>
+            <a:t>Check API for changes</a:t>
+          </a:r>
+        </a:p>
+      </dsp:txBody>
+      <dsp:txXfrm>
+        <a:off x="988054" y="1031904"/>
+        <a:ext cx="2214887" cy="1404598"/>
+      </dsp:txXfrm>
+    </dsp:sp>
+    <dsp:sp modelId="{DE045CBA-ECA2-453C-BFCF-A4743461A41D}">
+      <dsp:nvSpPr>
+        <dsp:cNvPr id="0" name=""/>
+        <dsp:cNvSpPr/>
+      </dsp:nvSpPr>
+      <dsp:spPr>
+        <a:xfrm>
+          <a:off x="2192835" y="1277605"/>
+          <a:ext cx="2779586" cy="2779586"/>
+        </a:xfrm>
+        <a:prstGeom prst="leftCircularArrow">
+          <a:avLst>
+            <a:gd name="adj1" fmla="val 4014"/>
+            <a:gd name="adj2" fmla="val 504215"/>
+            <a:gd name="adj3" fmla="val 2279726"/>
+            <a:gd name="adj4" fmla="val 9024489"/>
+            <a:gd name="adj5" fmla="val 4683"/>
+          </a:avLst>
+        </a:prstGeom>
+        <a:solidFill>
+          <a:schemeClr val="dk1">
+            <a:tint val="60000"/>
+            <a:hueOff val="0"/>
+            <a:satOff val="0"/>
+            <a:lumOff val="0"/>
+            <a:alphaOff val="0"/>
+          </a:schemeClr>
+        </a:solidFill>
+        <a:ln>
+          <a:noFill/>
+        </a:ln>
+        <a:effectLst/>
+      </dsp:spPr>
+      <dsp:style>
+        <a:lnRef idx="0">
+          <a:scrgbClr r="0" g="0" b="0"/>
+        </a:lnRef>
+        <a:fillRef idx="1">
+          <a:scrgbClr r="0" g="0" b="0"/>
+        </a:fillRef>
+        <a:effectRef idx="0">
+          <a:scrgbClr r="0" g="0" b="0"/>
+        </a:effectRef>
+        <a:fontRef idx="minor">
+          <a:schemeClr val="lt1"/>
+        </a:fontRef>
+      </dsp:style>
+    </dsp:sp>
+    <dsp:sp modelId="{8740B661-5258-4F6A-BBF1-9BC2872E0547}">
+      <dsp:nvSpPr>
+        <dsp:cNvPr id="0" name=""/>
+        <dsp:cNvSpPr/>
+      </dsp:nvSpPr>
+      <dsp:spPr>
+        <a:xfrm>
+          <a:off x="1455974" y="2480201"/>
+          <a:ext cx="2046476" cy="813816"/>
+        </a:xfrm>
+        <a:prstGeom prst="roundRect">
+          <a:avLst>
+            <a:gd name="adj" fmla="val 10000"/>
+          </a:avLst>
+        </a:prstGeom>
+        <a:solidFill>
+          <a:schemeClr val="lt1">
+            <a:hueOff val="0"/>
+            <a:satOff val="0"/>
+            <a:lumOff val="0"/>
+            <a:alphaOff val="0"/>
+          </a:schemeClr>
+        </a:solidFill>
+        <a:ln w="19050" cap="flat" cmpd="sng" algn="ctr">
+          <a:solidFill>
+            <a:schemeClr val="dk1">
+              <a:shade val="80000"/>
+              <a:hueOff val="0"/>
+              <a:satOff val="0"/>
+              <a:lumOff val="0"/>
+              <a:alphaOff val="0"/>
+            </a:schemeClr>
+          </a:solidFill>
+          <a:prstDash val="solid"/>
+        </a:ln>
+        <a:effectLst/>
+      </dsp:spPr>
+      <dsp:style>
+        <a:lnRef idx="2">
+          <a:scrgbClr r="0" g="0" b="0"/>
+        </a:lnRef>
+        <a:fillRef idx="1">
+          <a:scrgbClr r="0" g="0" b="0"/>
+        </a:fillRef>
+        <a:effectRef idx="0">
+          <a:scrgbClr r="0" g="0" b="0"/>
+        </a:effectRef>
+        <a:fontRef idx="minor">
+          <a:schemeClr val="lt1"/>
+        </a:fontRef>
+      </dsp:style>
+      <dsp:txBody>
+        <a:bodyPr spcFirstLastPara="0" vert="horz" wrap="square" lIns="72390" tIns="48260" rIns="72390" bIns="48260" numCol="1" spcCol="1270" anchor="ctr" anchorCtr="0">
+          <a:noAutofit/>
+        </a:bodyPr>
+        <a:lstStyle/>
+        <a:p>
+          <a:pPr marL="0" lvl="0" indent="0" algn="ctr" defTabSz="1689100">
+            <a:lnSpc>
+              <a:spcPct val="90000"/>
+            </a:lnSpc>
+            <a:spcBef>
+              <a:spcPct val="0"/>
+            </a:spcBef>
+            <a:spcAft>
+              <a:spcPct val="35000"/>
+            </a:spcAft>
+            <a:buNone/>
+          </a:pPr>
+          <a:r>
+            <a:rPr lang="en-US" sz="3800" kern="1200" dirty="0"/>
+            <a:t>Observe</a:t>
+          </a:r>
+        </a:p>
+      </dsp:txBody>
+      <dsp:txXfrm>
+        <a:off x="1479810" y="2504037"/>
+        <a:ext cx="1998804" cy="766144"/>
+      </dsp:txXfrm>
+    </dsp:sp>
+    <dsp:sp modelId="{2100B73E-41CC-441C-BAC0-823A501FB953}">
+      <dsp:nvSpPr>
+        <dsp:cNvPr id="0" name=""/>
+        <dsp:cNvSpPr/>
+      </dsp:nvSpPr>
+      <dsp:spPr>
+        <a:xfrm>
+          <a:off x="4033728" y="988205"/>
+          <a:ext cx="2302285" cy="1898904"/>
+        </a:xfrm>
+        <a:prstGeom prst="roundRect">
+          <a:avLst>
+            <a:gd name="adj" fmla="val 10000"/>
+          </a:avLst>
+        </a:prstGeom>
+        <a:solidFill>
+          <a:schemeClr val="dk1">
+            <a:alpha val="90000"/>
+            <a:tint val="40000"/>
+            <a:hueOff val="0"/>
+            <a:satOff val="0"/>
+            <a:lumOff val="0"/>
+            <a:alphaOff val="0"/>
+          </a:schemeClr>
+        </a:solidFill>
+        <a:ln w="19050" cap="flat" cmpd="sng" algn="ctr">
+          <a:solidFill>
+            <a:schemeClr val="dk1">
+              <a:hueOff val="0"/>
+              <a:satOff val="0"/>
+              <a:lumOff val="0"/>
+              <a:alphaOff val="0"/>
+            </a:schemeClr>
+          </a:solidFill>
+          <a:prstDash val="solid"/>
+        </a:ln>
+        <a:effectLst/>
+      </dsp:spPr>
+      <dsp:style>
+        <a:lnRef idx="2">
+          <a:scrgbClr r="0" g="0" b="0"/>
+        </a:lnRef>
+        <a:fillRef idx="1">
+          <a:scrgbClr r="0" g="0" b="0"/>
+        </a:fillRef>
+        <a:effectRef idx="0">
+          <a:scrgbClr r="0" g="0" b="0"/>
+        </a:effectRef>
+        <a:fontRef idx="minor"/>
+      </dsp:style>
+      <dsp:txBody>
+        <a:bodyPr spcFirstLastPara="0" vert="horz" wrap="square" lIns="47625" tIns="47625" rIns="47625" bIns="47625" numCol="1" spcCol="1270" anchor="t" anchorCtr="0">
+          <a:noAutofit/>
+        </a:bodyPr>
+        <a:lstStyle/>
+        <a:p>
+          <a:pPr marL="228600" lvl="1" indent="-228600" algn="l" defTabSz="1111250">
+            <a:lnSpc>
+              <a:spcPct val="90000"/>
+            </a:lnSpc>
+            <a:spcBef>
+              <a:spcPct val="0"/>
+            </a:spcBef>
+            <a:spcAft>
+              <a:spcPct val="15000"/>
+            </a:spcAft>
+            <a:buChar char="•"/>
+          </a:pPr>
+          <a:r>
+            <a:rPr lang="en-US" sz="2500" kern="1200" dirty="0"/>
+            <a:t>Current state</a:t>
+          </a:r>
+        </a:p>
+        <a:p>
+          <a:pPr marL="228600" lvl="1" indent="-228600" algn="l" defTabSz="1111250">
+            <a:lnSpc>
+              <a:spcPct val="90000"/>
+            </a:lnSpc>
+            <a:spcBef>
+              <a:spcPct val="0"/>
+            </a:spcBef>
+            <a:spcAft>
+              <a:spcPct val="15000"/>
+            </a:spcAft>
+            <a:buChar char="•"/>
+          </a:pPr>
+          <a:r>
+            <a:rPr lang="en-US" sz="2500" kern="1200" dirty="0"/>
+            <a:t>Desired state</a:t>
+          </a:r>
+        </a:p>
+        <a:p>
+          <a:pPr marL="228600" lvl="1" indent="-228600" algn="l" defTabSz="1111250">
+            <a:lnSpc>
+              <a:spcPct val="90000"/>
+            </a:lnSpc>
+            <a:spcBef>
+              <a:spcPct val="0"/>
+            </a:spcBef>
+            <a:spcAft>
+              <a:spcPct val="15000"/>
+            </a:spcAft>
+            <a:buChar char="•"/>
+          </a:pPr>
+          <a:r>
+            <a:rPr lang="en-US" sz="2500" kern="1200" dirty="0"/>
+            <a:t>Detect delta</a:t>
+          </a:r>
+        </a:p>
+      </dsp:txBody>
+      <dsp:txXfrm>
+        <a:off x="4077427" y="1438812"/>
+        <a:ext cx="2214887" cy="1404598"/>
+      </dsp:txXfrm>
+    </dsp:sp>
+    <dsp:sp modelId="{97C182FE-34B2-4A5F-BF6F-C8F658CF5256}">
+      <dsp:nvSpPr>
+        <dsp:cNvPr id="0" name=""/>
+        <dsp:cNvSpPr/>
+      </dsp:nvSpPr>
+      <dsp:spPr>
+        <a:xfrm>
+          <a:off x="5263022" y="-256330"/>
+          <a:ext cx="3073766" cy="3073766"/>
+        </a:xfrm>
+        <a:prstGeom prst="circularArrow">
+          <a:avLst>
+            <a:gd name="adj1" fmla="val 3630"/>
+            <a:gd name="adj2" fmla="val 451759"/>
+            <a:gd name="adj3" fmla="val 19372730"/>
+            <a:gd name="adj4" fmla="val 12575511"/>
+            <a:gd name="adj5" fmla="val 4235"/>
+          </a:avLst>
+        </a:prstGeom>
+        <a:solidFill>
+          <a:schemeClr val="dk1">
+            <a:tint val="60000"/>
+            <a:hueOff val="0"/>
+            <a:satOff val="0"/>
+            <a:lumOff val="0"/>
+            <a:alphaOff val="0"/>
+          </a:schemeClr>
+        </a:solidFill>
+        <a:ln>
+          <a:noFill/>
+        </a:ln>
+        <a:effectLst/>
+      </dsp:spPr>
+      <dsp:style>
+        <a:lnRef idx="0">
+          <a:scrgbClr r="0" g="0" b="0"/>
+        </a:lnRef>
+        <a:fillRef idx="1">
+          <a:scrgbClr r="0" g="0" b="0"/>
+        </a:fillRef>
+        <a:effectRef idx="0">
+          <a:scrgbClr r="0" g="0" b="0"/>
+        </a:effectRef>
+        <a:fontRef idx="minor">
+          <a:schemeClr val="lt1"/>
+        </a:fontRef>
+      </dsp:style>
+    </dsp:sp>
+    <dsp:sp modelId="{77134645-C330-4227-A436-590F23FB91E4}">
+      <dsp:nvSpPr>
+        <dsp:cNvPr id="0" name=""/>
+        <dsp:cNvSpPr/>
+      </dsp:nvSpPr>
+      <dsp:spPr>
+        <a:xfrm>
+          <a:off x="4545347" y="581297"/>
+          <a:ext cx="2046476" cy="813816"/>
+        </a:xfrm>
+        <a:prstGeom prst="roundRect">
+          <a:avLst>
+            <a:gd name="adj" fmla="val 10000"/>
+          </a:avLst>
+        </a:prstGeom>
+        <a:solidFill>
+          <a:schemeClr val="lt1">
+            <a:hueOff val="0"/>
+            <a:satOff val="0"/>
+            <a:lumOff val="0"/>
+            <a:alphaOff val="0"/>
+          </a:schemeClr>
+        </a:solidFill>
+        <a:ln w="19050" cap="flat" cmpd="sng" algn="ctr">
+          <a:solidFill>
+            <a:schemeClr val="dk1">
+              <a:shade val="80000"/>
+              <a:hueOff val="0"/>
+              <a:satOff val="0"/>
+              <a:lumOff val="0"/>
+              <a:alphaOff val="0"/>
+            </a:schemeClr>
+          </a:solidFill>
+          <a:prstDash val="solid"/>
+        </a:ln>
+        <a:effectLst/>
+      </dsp:spPr>
+      <dsp:style>
+        <a:lnRef idx="2">
+          <a:scrgbClr r="0" g="0" b="0"/>
+        </a:lnRef>
+        <a:fillRef idx="1">
+          <a:scrgbClr r="0" g="0" b="0"/>
+        </a:fillRef>
+        <a:effectRef idx="0">
+          <a:scrgbClr r="0" g="0" b="0"/>
+        </a:effectRef>
+        <a:fontRef idx="minor">
+          <a:schemeClr val="lt1"/>
+        </a:fontRef>
+      </dsp:style>
+      <dsp:txBody>
+        <a:bodyPr spcFirstLastPara="0" vert="horz" wrap="square" lIns="72390" tIns="48260" rIns="72390" bIns="48260" numCol="1" spcCol="1270" anchor="ctr" anchorCtr="0">
+          <a:noAutofit/>
+        </a:bodyPr>
+        <a:lstStyle/>
+        <a:p>
+          <a:pPr marL="0" lvl="0" indent="0" algn="ctr" defTabSz="1689100">
+            <a:lnSpc>
+              <a:spcPct val="90000"/>
+            </a:lnSpc>
+            <a:spcBef>
+              <a:spcPct val="0"/>
+            </a:spcBef>
+            <a:spcAft>
+              <a:spcPct val="35000"/>
+            </a:spcAft>
+            <a:buNone/>
+          </a:pPr>
+          <a:r>
+            <a:rPr lang="en-US" sz="3800" kern="1200" dirty="0"/>
+            <a:t>Analyze</a:t>
+          </a:r>
+        </a:p>
+      </dsp:txBody>
+      <dsp:txXfrm>
+        <a:off x="4569183" y="605133"/>
+        <a:ext cx="1998804" cy="766144"/>
+      </dsp:txXfrm>
+    </dsp:sp>
+    <dsp:sp modelId="{1EA0866B-1050-4C4C-8A04-2910F3F5F2C3}">
+      <dsp:nvSpPr>
+        <dsp:cNvPr id="0" name=""/>
+        <dsp:cNvSpPr/>
+      </dsp:nvSpPr>
+      <dsp:spPr>
+        <a:xfrm>
+          <a:off x="7123101" y="988205"/>
+          <a:ext cx="2302285" cy="1898904"/>
+        </a:xfrm>
+        <a:prstGeom prst="roundRect">
+          <a:avLst>
+            <a:gd name="adj" fmla="val 10000"/>
+          </a:avLst>
+        </a:prstGeom>
+        <a:solidFill>
+          <a:schemeClr val="dk1">
+            <a:alpha val="90000"/>
+            <a:tint val="40000"/>
+            <a:hueOff val="0"/>
+            <a:satOff val="0"/>
+            <a:lumOff val="0"/>
+            <a:alphaOff val="0"/>
+          </a:schemeClr>
+        </a:solidFill>
+        <a:ln w="19050" cap="flat" cmpd="sng" algn="ctr">
+          <a:solidFill>
+            <a:schemeClr val="dk1">
+              <a:hueOff val="0"/>
+              <a:satOff val="0"/>
+              <a:lumOff val="0"/>
+              <a:alphaOff val="0"/>
+            </a:schemeClr>
+          </a:solidFill>
+          <a:prstDash val="solid"/>
+        </a:ln>
+        <a:effectLst/>
+      </dsp:spPr>
+      <dsp:style>
+        <a:lnRef idx="2">
+          <a:scrgbClr r="0" g="0" b="0"/>
+        </a:lnRef>
+        <a:fillRef idx="1">
+          <a:scrgbClr r="0" g="0" b="0"/>
+        </a:fillRef>
+        <a:effectRef idx="0">
+          <a:scrgbClr r="0" g="0" b="0"/>
+        </a:effectRef>
+        <a:fontRef idx="minor"/>
+      </dsp:style>
+      <dsp:txBody>
+        <a:bodyPr spcFirstLastPara="0" vert="horz" wrap="square" lIns="47625" tIns="47625" rIns="47625" bIns="47625" numCol="1" spcCol="1270" anchor="t" anchorCtr="0">
+          <a:noAutofit/>
+        </a:bodyPr>
+        <a:lstStyle/>
+        <a:p>
+          <a:pPr marL="228600" lvl="1" indent="-228600" algn="l" defTabSz="1111250">
+            <a:lnSpc>
+              <a:spcPct val="90000"/>
+            </a:lnSpc>
+            <a:spcBef>
+              <a:spcPct val="0"/>
+            </a:spcBef>
+            <a:spcAft>
+              <a:spcPct val="15000"/>
+            </a:spcAft>
+            <a:buChar char="•"/>
+          </a:pPr>
+          <a:r>
+            <a:rPr lang="en-US" sz="2500" kern="1200" dirty="0"/>
+            <a:t>Enforce the desired state</a:t>
+          </a:r>
+        </a:p>
+      </dsp:txBody>
+      <dsp:txXfrm>
+        <a:off x="7166800" y="1031904"/>
+        <a:ext cx="2214887" cy="1404598"/>
+      </dsp:txXfrm>
+    </dsp:sp>
+    <dsp:sp modelId="{5BFFEAEE-23B1-4DBB-A971-39909A154747}">
+      <dsp:nvSpPr>
+        <dsp:cNvPr id="0" name=""/>
+        <dsp:cNvSpPr/>
+      </dsp:nvSpPr>
+      <dsp:spPr>
+        <a:xfrm>
+          <a:off x="7634720" y="2480201"/>
+          <a:ext cx="2046476" cy="813816"/>
+        </a:xfrm>
+        <a:prstGeom prst="roundRect">
+          <a:avLst>
+            <a:gd name="adj" fmla="val 10000"/>
+          </a:avLst>
+        </a:prstGeom>
+        <a:solidFill>
+          <a:schemeClr val="lt1">
+            <a:hueOff val="0"/>
+            <a:satOff val="0"/>
+            <a:lumOff val="0"/>
+            <a:alphaOff val="0"/>
+          </a:schemeClr>
+        </a:solidFill>
+        <a:ln w="19050" cap="flat" cmpd="sng" algn="ctr">
+          <a:solidFill>
+            <a:schemeClr val="dk1">
+              <a:shade val="80000"/>
+              <a:hueOff val="0"/>
+              <a:satOff val="0"/>
+              <a:lumOff val="0"/>
+              <a:alphaOff val="0"/>
+            </a:schemeClr>
+          </a:solidFill>
+          <a:prstDash val="solid"/>
+        </a:ln>
+        <a:effectLst/>
+      </dsp:spPr>
+      <dsp:style>
+        <a:lnRef idx="2">
+          <a:scrgbClr r="0" g="0" b="0"/>
+        </a:lnRef>
+        <a:fillRef idx="1">
+          <a:scrgbClr r="0" g="0" b="0"/>
+        </a:fillRef>
+        <a:effectRef idx="0">
+          <a:scrgbClr r="0" g="0" b="0"/>
+        </a:effectRef>
+        <a:fontRef idx="minor">
+          <a:schemeClr val="lt1"/>
+        </a:fontRef>
+      </dsp:style>
+      <dsp:txBody>
+        <a:bodyPr spcFirstLastPara="0" vert="horz" wrap="square" lIns="72390" tIns="48260" rIns="72390" bIns="48260" numCol="1" spcCol="1270" anchor="ctr" anchorCtr="0">
+          <a:noAutofit/>
+        </a:bodyPr>
+        <a:lstStyle/>
+        <a:p>
+          <a:pPr marL="0" lvl="0" indent="0" algn="ctr" defTabSz="1689100">
+            <a:lnSpc>
+              <a:spcPct val="90000"/>
+            </a:lnSpc>
+            <a:spcBef>
+              <a:spcPct val="0"/>
+            </a:spcBef>
+            <a:spcAft>
+              <a:spcPct val="35000"/>
+            </a:spcAft>
+            <a:buNone/>
+          </a:pPr>
+          <a:r>
+            <a:rPr lang="en-US" sz="3800" kern="1200" dirty="0"/>
+            <a:t>Act</a:t>
+          </a:r>
+        </a:p>
+      </dsp:txBody>
+      <dsp:txXfrm>
+        <a:off x="7658556" y="2504037"/>
+        <a:ext cx="1998804" cy="766144"/>
+      </dsp:txXfrm>
+    </dsp:sp>
+  </dsp:spTree>
+</dsp:drawing>
+</file>
+
+<file path=ppt/diagrams/layout1.xml><?xml version="1.0" encoding="utf-8"?>
+<dgm:layoutDef xmlns:dgm="http://schemas.openxmlformats.org/drawingml/2006/diagram" xmlns:a="http://schemas.openxmlformats.org/drawingml/2006/main" uniqueId="urn:microsoft.com/office/officeart/2005/8/layout/hProcess4">
+  <dgm:title val=""/>
+  <dgm:desc val=""/>
+  <dgm:catLst>
+    <dgm:cat type="process" pri="4000"/>
+  </dgm:catLst>
+  <dgm:sampData>
+    <dgm:dataModel>
+      <dgm:ptLst>
+        <dgm:pt modelId="0" type="doc"/>
+        <dgm:pt modelId="1">
+          <dgm:prSet phldr="1"/>
+        </dgm:pt>
+        <dgm:pt modelId="11">
+          <dgm:prSet phldr="1"/>
+        </dgm:pt>
+        <dgm:pt modelId="12">
+          <dgm:prSet phldr="1"/>
+        </dgm:pt>
+        <dgm:pt modelId="2">
+          <dgm:prSet phldr="1"/>
+        </dgm:pt>
+        <dgm:pt modelId="21">
+          <dgm:prSet phldr="1"/>
+        </dgm:pt>
+        <dgm:pt modelId="22">
+          <dgm:prSet phldr="1"/>
+        </dgm:pt>
+        <dgm:pt modelId="3">
+          <dgm:prSet phldr="1"/>
+        </dgm:pt>
+        <dgm:pt modelId="31">
+          <dgm:prSet phldr="1"/>
+        </dgm:pt>
+        <dgm:pt modelId="32">
+          <dgm:prSet phldr="1"/>
+        </dgm:pt>
+      </dgm:ptLst>
+      <dgm:cxnLst>
+        <dgm:cxn modelId="4" srcId="0" destId="1" srcOrd="0" destOrd="0"/>
+        <dgm:cxn modelId="5" srcId="0" destId="2" srcOrd="1" destOrd="0"/>
+        <dgm:cxn modelId="6" srcId="0" destId="3" srcOrd="2" destOrd="0"/>
+        <dgm:cxn modelId="13" srcId="1" destId="11" srcOrd="0" destOrd="0"/>
+        <dgm:cxn modelId="14" srcId="1" destId="12" srcOrd="1" destOrd="0"/>
+        <dgm:cxn modelId="23" srcId="2" destId="21" srcOrd="0" destOrd="0"/>
+        <dgm:cxn modelId="24" srcId="2" destId="22" srcOrd="1" destOrd="0"/>
+        <dgm:cxn modelId="33" srcId="3" destId="31" srcOrd="0" destOrd="0"/>
+        <dgm:cxn modelId="34" srcId="3" destId="32" srcOrd="1" destOrd="0"/>
+      </dgm:cxnLst>
+      <dgm:bg/>
+      <dgm:whole/>
+    </dgm:dataModel>
+  </dgm:sampData>
+  <dgm:styleData>
+    <dgm:dataModel>
+      <dgm:ptLst>
+        <dgm:pt modelId="0" type="doc"/>
+        <dgm:pt modelId="1"/>
+        <dgm:pt modelId="11"/>
+        <dgm:pt modelId="2"/>
+        <dgm:pt modelId="21"/>
+      </dgm:ptLst>
+      <dgm:cxnLst>
+        <dgm:cxn modelId="4" srcId="0" destId="1" srcOrd="0" destOrd="0"/>
+        <dgm:cxn modelId="5" srcId="0" destId="2" srcOrd="1" destOrd="0"/>
+        <dgm:cxn modelId="13" srcId="1" destId="11" srcOrd="0" destOrd="0"/>
+        <dgm:cxn modelId="23" srcId="2" destId="21" srcOrd="0" destOrd="0"/>
+      </dgm:cxnLst>
+      <dgm:bg/>
+      <dgm:whole/>
+    </dgm:dataModel>
+  </dgm:styleData>
+  <dgm:clrData>
+    <dgm:dataModel>
+      <dgm:ptLst>
+        <dgm:pt modelId="0" type="doc"/>
+        <dgm:pt modelId="1"/>
+        <dgm:pt modelId="11"/>
+        <dgm:pt modelId="2"/>
+        <dgm:pt modelId="21"/>
+        <dgm:pt modelId="3"/>
+        <dgm:pt modelId="31"/>
+        <dgm:pt modelId="4"/>
+        <dgm:pt modelId="41"/>
+      </dgm:ptLst>
+      <dgm:cxnLst>
+        <dgm:cxn modelId="5" srcId="0" destId="1" srcOrd="0" destOrd="0"/>
+        <dgm:cxn modelId="6" srcId="0" destId="2" srcOrd="1" destOrd="0"/>
+        <dgm:cxn modelId="7" srcId="0" destId="3" srcOrd="2" destOrd="0"/>
+        <dgm:cxn modelId="8" srcId="0" destId="4" srcOrd="3" destOrd="0"/>
+        <dgm:cxn modelId="13" srcId="1" destId="11" srcOrd="0" destOrd="0"/>
+        <dgm:cxn modelId="23" srcId="2" destId="21" srcOrd="0" destOrd="0"/>
+        <dgm:cxn modelId="33" srcId="3" destId="31" srcOrd="0" destOrd="0"/>
+        <dgm:cxn modelId="43" srcId="4" destId="41" srcOrd="0" destOrd="0"/>
+      </dgm:cxnLst>
+      <dgm:bg/>
+      <dgm:whole/>
+    </dgm:dataModel>
+  </dgm:clrData>
+  <dgm:layoutNode name="Name0">
+    <dgm:varLst>
+      <dgm:dir/>
+      <dgm:animLvl val="lvl"/>
+      <dgm:resizeHandles val="exact"/>
+    </dgm:varLst>
+    <dgm:alg type="composite"/>
+    <dgm:shape xmlns:r="http://schemas.openxmlformats.org/officeDocument/2006/relationships" r:blip="">
+      <dgm:adjLst/>
+    </dgm:shape>
+    <dgm:presOf/>
+    <dgm:constrLst>
+      <dgm:constr type="w" for="ch" forName="tSp" refType="w"/>
+      <dgm:constr type="h" for="ch" forName="tSp" refType="h" fact="0.15"/>
+      <dgm:constr type="l" for="ch" forName="tSp"/>
+      <dgm:constr type="t" for="ch" forName="tSp"/>
+      <dgm:constr type="w" for="ch" forName="bSp" refType="w"/>
+      <dgm:constr type="h" for="ch" forName="bSp" refType="h" fact="0.15"/>
+      <dgm:constr type="l" for="ch" forName="bSp"/>
+      <dgm:constr type="t" for="ch" forName="bSp" refType="h" fact="0.85"/>
+      <dgm:constr type="w" for="ch" forName="process" refType="w"/>
+      <dgm:constr type="h" for="ch" forName="process" refType="h" fact="0.7"/>
+      <dgm:constr type="l" for="ch" forName="process"/>
+      <dgm:constr type="t" for="ch" forName="process" refType="h" fact="0.15"/>
+    </dgm:constrLst>
+    <dgm:ruleLst/>
+    <dgm:layoutNode name="tSp">
+      <dgm:alg type="sp"/>
+      <dgm:shape xmlns:r="http://schemas.openxmlformats.org/officeDocument/2006/relationships" r:blip="">
+        <dgm:adjLst/>
+      </dgm:shape>
+      <dgm:presOf/>
+      <dgm:constrLst/>
+      <dgm:ruleLst/>
+    </dgm:layoutNode>
+    <dgm:layoutNode name="bSp">
+      <dgm:alg type="sp"/>
+      <dgm:shape xmlns:r="http://schemas.openxmlformats.org/officeDocument/2006/relationships" r:blip="">
+        <dgm:adjLst/>
+      </dgm:shape>
+      <dgm:presOf/>
+      <dgm:constrLst/>
+      <dgm:ruleLst/>
+    </dgm:layoutNode>
+    <dgm:layoutNode name="process">
+      <dgm:choose name="Name1">
+        <dgm:if name="Name2" func="var" arg="dir" op="equ" val="norm">
+          <dgm:alg type="lin">
+            <dgm:param type="linDir" val="fromL"/>
+          </dgm:alg>
+        </dgm:if>
+        <dgm:else name="Name3">
+          <dgm:alg type="lin">
+            <dgm:param type="linDir" val="fromR"/>
+          </dgm:alg>
+        </dgm:else>
+      </dgm:choose>
+      <dgm:shape xmlns:r="http://schemas.openxmlformats.org/officeDocument/2006/relationships" r:blip="">
+        <dgm:adjLst/>
+      </dgm:shape>
+      <dgm:presOf/>
+      <dgm:constrLst>
+        <dgm:constr type="w" for="ch" forName="composite1" refType="w"/>
+        <dgm:constr type="w" for="ch" forName="composite2" refType="w" refFor="ch" refForName="composite1" op="equ"/>
+        <dgm:constr type="h" for="ch" forName="composite1" refType="h"/>
+        <dgm:constr type="h" for="ch" forName="composite2" refType="h" refFor="ch" refForName="composite1" op="equ"/>
+        <dgm:constr type="primFontSz" for="des" forName="parentNode1" val="65"/>
+        <dgm:constr type="primFontSz" for="des" forName="parentNode2" refType="primFontSz" refFor="des" refForName="parentNode1" op="equ"/>
+        <dgm:constr type="secFontSz" for="des" forName="childNode1tx" val="65"/>
+        <dgm:constr type="secFontSz" for="des" forName="childNode2tx" refType="secFontSz" refFor="des" refForName="childNode1tx" op="equ"/>
+        <dgm:constr type="w" for="des" ptType="sibTrans" refType="w" refFor="ch" refForName="composite1" op="equ" fact="0.05"/>
+      </dgm:constrLst>
+      <dgm:ruleLst/>
+      <dgm:forEach name="Name4" axis="ch" ptType="node" step="2">
+        <dgm:layoutNode name="composite1">
+          <dgm:alg type="composite">
+            <dgm:param type="ar" val="0.943"/>
+          </dgm:alg>
+          <dgm:shape xmlns:r="http://schemas.openxmlformats.org/officeDocument/2006/relationships" r:blip="">
+            <dgm:adjLst/>
+          </dgm:shape>
+          <dgm:presOf/>
+          <dgm:choose name="Name5">
+            <dgm:if name="Name6" func="var" arg="dir" op="equ" val="norm">
+              <dgm:constrLst>
+                <dgm:constr type="h" refType="w" fact="1.06"/>
+                <dgm:constr type="w" for="ch" forName="dummyNode1" refType="w"/>
+                <dgm:constr type="h" for="ch" forName="dummyNode1" refType="h"/>
+                <dgm:constr type="t" for="ch" forName="dummyNode1"/>
+                <dgm:constr type="l" for="ch" forName="dummyNode1"/>
+                <dgm:constr type="w" for="ch" forName="childNode1" refType="w" fact="0.9"/>
+                <dgm:constr type="h" for="ch" forName="childNode1" refType="h" fact="0.7"/>
+                <dgm:constr type="t" for="ch" forName="childNode1" refType="h" fact="0.15"/>
+                <dgm:constr type="l" for="ch" forName="childNode1"/>
+                <dgm:constr type="w" for="ch" forName="childNode1tx" refType="w" fact="0.9"/>
+                <dgm:constr type="h" for="ch" forName="childNode1tx" refType="h" fact="0.55"/>
+                <dgm:constr type="t" for="ch" forName="childNode1tx" refType="h" fact="0.15"/>
+                <dgm:constr type="l" for="ch" forName="childNode1tx"/>
+                <dgm:constr type="w" for="ch" forName="parentNode1" refType="w" fact="0.8"/>
+                <dgm:constr type="h" for="ch" forName="parentNode1" refType="h" fact="0.3"/>
+                <dgm:constr type="t" for="ch" forName="parentNode1" refType="h" fact="0.7"/>
+                <dgm:constr type="l" for="ch" forName="parentNode1" refType="w" fact="0.2"/>
+                <dgm:constr type="w" for="ch" forName="connSite1" refType="w" fact="0.01"/>
+                <dgm:constr type="h" for="ch" forName="connSite1" refType="h" fact="0.01"/>
+                <dgm:constr type="t" for="ch" forName="connSite1"/>
+                <dgm:constr type="l" for="ch" forName="connSite1" refType="w" fact="0.35"/>
+              </dgm:constrLst>
+            </dgm:if>
+            <dgm:else name="Name7">
+              <dgm:constrLst>
+                <dgm:constr type="h" refType="w" fact="1.06"/>
+                <dgm:constr type="w" for="ch" forName="dummyNode1" refType="w"/>
+                <dgm:constr type="h" for="ch" forName="dummyNode1" refType="h"/>
+                <dgm:constr type="t" for="ch" forName="dummyNode1"/>
+                <dgm:constr type="l" for="ch" forName="dummyNode1"/>
+                <dgm:constr type="w" for="ch" forName="childNode1" refType="w" fact="0.9"/>
+                <dgm:constr type="h" for="ch" forName="childNode1" refType="h" fact="0.7"/>
+                <dgm:constr type="t" for="ch" forName="childNode1" refType="h" fact="0.15"/>
+                <dgm:constr type="l" for="ch" forName="childNode1" refType="w" fact="0.1"/>
+                <dgm:constr type="w" for="ch" forName="childNode1tx" refType="w" fact="0.9"/>
+                <dgm:constr type="h" for="ch" forName="childNode1tx" refType="h" fact="0.55"/>
+                <dgm:constr type="t" for="ch" forName="childNode1tx" refType="h" fact="0.15"/>
+                <dgm:constr type="l" for="ch" forName="childNode1tx" refType="w" fact="0.1"/>
+                <dgm:constr type="w" for="ch" forName="parentNode1" refType="w" fact="0.8"/>
+                <dgm:constr type="h" for="ch" forName="parentNode1" refType="h" fact="0.3"/>
+                <dgm:constr type="t" for="ch" forName="parentNode1" refType="h" fact="0.7"/>
+                <dgm:constr type="l" for="ch" forName="parentNode1"/>
+                <dgm:constr type="w" for="ch" forName="connSite1" refType="w" fact="0.01"/>
+                <dgm:constr type="h" for="ch" forName="connSite1" refType="h" fact="0.01"/>
+                <dgm:constr type="t" for="ch" forName="connSite1"/>
+                <dgm:constr type="l" for="ch" forName="connSite1" refType="w" fact="0.65"/>
+              </dgm:constrLst>
+            </dgm:else>
+          </dgm:choose>
+          <dgm:ruleLst/>
+          <dgm:layoutNode name="dummyNode1">
+            <dgm:alg type="sp"/>
+            <dgm:shape xmlns:r="http://schemas.openxmlformats.org/officeDocument/2006/relationships" type="rect" r:blip="" hideGeom="1">
+              <dgm:adjLst/>
+            </dgm:shape>
+            <dgm:presOf/>
+            <dgm:constrLst/>
+            <dgm:ruleLst/>
+          </dgm:layoutNode>
+          <dgm:layoutNode name="childNode1" styleLbl="bgAcc1">
+            <dgm:varLst>
+              <dgm:bulletEnabled val="1"/>
+            </dgm:varLst>
+            <dgm:alg type="sp"/>
+            <dgm:shape xmlns:r="http://schemas.openxmlformats.org/officeDocument/2006/relationships" type="roundRect" r:blip="">
+              <dgm:adjLst>
+                <dgm:adj idx="1" val="0.1"/>
+              </dgm:adjLst>
+            </dgm:shape>
+            <dgm:presOf axis="des" ptType="node"/>
+            <dgm:constrLst/>
+            <dgm:ruleLst/>
+          </dgm:layoutNode>
+          <dgm:layoutNode name="childNode1tx" styleLbl="bgAcc1">
+            <dgm:varLst>
+              <dgm:bulletEnabled val="1"/>
+            </dgm:varLst>
+            <dgm:alg type="tx">
+              <dgm:param type="stBulletLvl" val="1"/>
+            </dgm:alg>
+            <dgm:shape xmlns:r="http://schemas.openxmlformats.org/officeDocument/2006/relationships" type="roundRect" r:blip="" hideGeom="1">
+              <dgm:adjLst>
+                <dgm:adj idx="1" val="0.1"/>
+              </dgm:adjLst>
+            </dgm:shape>
+            <dgm:presOf axis="des" ptType="node"/>
+            <dgm:constrLst>
+              <dgm:constr type="secFontSz" val="65"/>
+              <dgm:constr type="primFontSz" refType="secFontSz"/>
+              <dgm:constr type="tMarg" refType="secFontSz" fact="0.15"/>
+              <dgm:constr type="bMarg" refType="secFontSz" fact="0.15"/>
+              <dgm:constr type="lMarg" refType="secFontSz" fact="0.15"/>
+              <dgm:constr type="rMarg" refType="secFontSz" fact="0.15"/>
+            </dgm:constrLst>
+            <dgm:ruleLst>
+              <dgm:rule type="secFontSz" val="5" fact="NaN" max="NaN"/>
+            </dgm:ruleLst>
+          </dgm:layoutNode>
+          <dgm:layoutNode name="parentNode1" styleLbl="node1">
+            <dgm:varLst>
+              <dgm:chMax val="1"/>
+              <dgm:bulletEnabled val="1"/>
+            </dgm:varLst>
+            <dgm:alg type="tx"/>
+            <dgm:shape xmlns:r="http://schemas.openxmlformats.org/officeDocument/2006/relationships" type="roundRect" r:blip="">
+              <dgm:adjLst>
+                <dgm:adj idx="1" val="0.1"/>
+              </dgm:adjLst>
+            </dgm:shape>
+            <dgm:presOf axis="self"/>
+            <dgm:constrLst>
+              <dgm:constr type="tMarg" refType="primFontSz" fact="0.1"/>
+              <dgm:constr type="bMarg" refType="primFontSz" fact="0.1"/>
+              <dgm:constr type="lMarg" refType="primFontSz" fact="0.15"/>
+              <dgm:constr type="rMarg" refType="primFontSz" fact="0.15"/>
+            </dgm:constrLst>
+            <dgm:ruleLst>
+              <dgm:rule type="primFontSz" val="5" fact="NaN" max="NaN"/>
+            </dgm:ruleLst>
+          </dgm:layoutNode>
+          <dgm:layoutNode name="connSite1" moveWith="childNode1">
+            <dgm:alg type="sp"/>
+            <dgm:shape xmlns:r="http://schemas.openxmlformats.org/officeDocument/2006/relationships" r:blip="">
+              <dgm:adjLst/>
+            </dgm:shape>
+            <dgm:presOf/>
+            <dgm:constrLst/>
+            <dgm:ruleLst/>
+          </dgm:layoutNode>
+        </dgm:layoutNode>
+        <dgm:forEach name="Name8" axis="followSib" ptType="sibTrans" cnt="1">
+          <dgm:layoutNode name="Name9">
+            <dgm:alg type="conn">
+              <dgm:param type="connRout" val="curve"/>
+              <dgm:param type="srcNode" val="parentNode1"/>
+              <dgm:param type="dstNode" val="connSite2"/>
+              <dgm:param type="begPts" val="bCtr"/>
+              <dgm:param type="endPts" val="bCtr"/>
+            </dgm:alg>
+            <dgm:shape xmlns:r="http://schemas.openxmlformats.org/officeDocument/2006/relationships" type="conn" r:blip="" zOrderOff="-2">
+              <dgm:adjLst/>
+            </dgm:shape>
+            <dgm:presOf axis="self"/>
+            <dgm:choose name="Name10">
+              <dgm:if name="Name11" func="var" arg="dir" op="equ" val="norm">
+                <dgm:constrLst>
+                  <dgm:constr type="h" refType="w" fact="0.35"/>
+                  <dgm:constr type="wArH" refType="h"/>
+                  <dgm:constr type="hArH" refType="h"/>
+                  <dgm:constr type="connDist"/>
+                  <dgm:constr type="diam" refType="connDist" fact="-1.15"/>
+                  <dgm:constr type="begPad"/>
+                  <dgm:constr type="endPad"/>
+                </dgm:constrLst>
+              </dgm:if>
+              <dgm:else name="Name12">
+                <dgm:constrLst>
+                  <dgm:constr type="h" refType="w" fact="0.35"/>
+                  <dgm:constr type="wArH" refType="h"/>
+                  <dgm:constr type="hArH" refType="h"/>
+                  <dgm:constr type="connDist"/>
+                  <dgm:constr type="diam" refType="connDist" fact="1.15"/>
+                  <dgm:constr type="begPad"/>
+                  <dgm:constr type="endPad"/>
+                </dgm:constrLst>
+              </dgm:else>
+            </dgm:choose>
+            <dgm:ruleLst/>
+          </dgm:layoutNode>
+        </dgm:forEach>
+        <dgm:forEach name="Name13" axis="followSib" ptType="node" cnt="1">
+          <dgm:layoutNode name="composite2">
+            <dgm:alg type="composite">
+              <dgm:param type="ar" val="0.943"/>
+            </dgm:alg>
+            <dgm:shape xmlns:r="http://schemas.openxmlformats.org/officeDocument/2006/relationships" r:blip="">
+              <dgm:adjLst/>
+            </dgm:shape>
+            <dgm:presOf/>
+            <dgm:choose name="Name14">
+              <dgm:if name="Name15" func="var" arg="dir" op="equ" val="norm">
+                <dgm:constrLst>
+                  <dgm:constr type="h" refType="w" fact="1.06"/>
+                  <dgm:constr type="w" for="ch" forName="dummyNode2" refType="w"/>
+                  <dgm:constr type="h" for="ch" forName="dummyNode2" refType="h"/>
+                  <dgm:constr type="t" for="ch" forName="dummyNode2"/>
+                  <dgm:constr type="l" for="ch" forName="dummyNode2"/>
+                  <dgm:constr type="w" for="ch" forName="childNode2" refType="w" fact="0.9"/>
+                  <dgm:constr type="h" for="ch" forName="childNode2" refType="h" fact="0.7"/>
+                  <dgm:constr type="t" for="ch" forName="childNode2" refType="h" fact="0.15"/>
+                  <dgm:constr type="l" for="ch" forName="childNode2"/>
+                  <dgm:constr type="w" for="ch" forName="childNode2tx" refType="w" fact="0.9"/>
+                  <dgm:constr type="h" for="ch" forName="childNode2tx" refType="h" fact="0.55"/>
+                  <dgm:constr type="t" for="ch" forName="childNode2tx" refType="h" fact="0.3"/>
+                  <dgm:constr type="l" for="ch" forName="childNode2tx"/>
+                  <dgm:constr type="w" for="ch" forName="parentNode2" refType="w" fact="0.8"/>
+                  <dgm:constr type="h" for="ch" forName="parentNode2" refType="h" fact="0.3"/>
+                  <dgm:constr type="t" for="ch" forName="parentNode2"/>
+                  <dgm:constr type="l" for="ch" forName="parentNode2" refType="w" fact="0.2"/>
+                  <dgm:constr type="w" for="ch" forName="connSite2" refType="w" fact="0.01"/>
+                  <dgm:constr type="h" for="ch" forName="connSite2" refType="h" fact="0.01"/>
+                  <dgm:constr type="t" for="ch" forName="connSite2" refType="h" fact="0.99"/>
+                  <dgm:constr type="l" for="ch" forName="connSite2" refType="w" fact="0.25"/>
+                </dgm:constrLst>
+              </dgm:if>
+              <dgm:else name="Name16">
+                <dgm:constrLst>
+                  <dgm:constr type="h" refType="w" fact="1.06"/>
+                  <dgm:constr type="w" for="ch" forName="dummyNode2" refType="w"/>
+                  <dgm:constr type="h" for="ch" forName="dummyNode2" refType="h"/>
+                  <dgm:constr type="t" for="ch" forName="dummyNode2"/>
+                  <dgm:constr type="l" for="ch" forName="dummyNode2"/>
+                  <dgm:constr type="w" for="ch" forName="childNode2" refType="w" fact="0.9"/>
+                  <dgm:constr type="h" for="ch" forName="childNode2" refType="h" fact="0.7"/>
+                  <dgm:constr type="t" for="ch" forName="childNode2" refType="h" fact="0.15"/>
+                  <dgm:constr type="l" for="ch" forName="childNode2" refType="w" fact="0.1"/>
+                  <dgm:constr type="w" for="ch" forName="childNode2tx" refType="w" fact="0.9"/>
+                  <dgm:constr type="h" for="ch" forName="childNode2tx" refType="h" fact="0.55"/>
+                  <dgm:constr type="t" for="ch" forName="childNode2tx" refType="h" fact="0.3"/>
+                  <dgm:constr type="l" for="ch" forName="childNode2tx" refType="w" fact="0.1"/>
+                  <dgm:constr type="w" for="ch" forName="parentNode2" refType="w" fact="0.8"/>
+                  <dgm:constr type="h" for="ch" forName="parentNode2" refType="h" fact="0.3"/>
+                  <dgm:constr type="t" for="ch" forName="parentNode2"/>
+                  <dgm:constr type="l" for="ch" forName="parentNode2"/>
+                  <dgm:constr type="w" for="ch" forName="connSite2" refType="w" fact="0.01"/>
+                  <dgm:constr type="h" for="ch" forName="connSite2" refType="h" fact="0.01"/>
+                  <dgm:constr type="t" for="ch" forName="connSite2" refType="h" fact="0.99"/>
+                  <dgm:constr type="l" for="ch" forName="connSite2" refType="w" fact="0.85"/>
+                </dgm:constrLst>
+              </dgm:else>
+            </dgm:choose>
+            <dgm:ruleLst/>
+            <dgm:layoutNode name="dummyNode2">
+              <dgm:alg type="sp"/>
+              <dgm:shape xmlns:r="http://schemas.openxmlformats.org/officeDocument/2006/relationships" type="rect" r:blip="" hideGeom="1">
+                <dgm:adjLst/>
+              </dgm:shape>
+              <dgm:presOf/>
+              <dgm:constrLst/>
+              <dgm:ruleLst/>
+            </dgm:layoutNode>
+            <dgm:layoutNode name="childNode2" styleLbl="bgAcc1">
+              <dgm:varLst>
+                <dgm:bulletEnabled val="1"/>
+              </dgm:varLst>
+              <dgm:alg type="sp"/>
+              <dgm:shape xmlns:r="http://schemas.openxmlformats.org/officeDocument/2006/relationships" type="roundRect" r:blip="">
+                <dgm:adjLst>
+                  <dgm:adj idx="1" val="0.1"/>
+                </dgm:adjLst>
+              </dgm:shape>
+              <dgm:presOf axis="des" ptType="node"/>
+              <dgm:constrLst/>
+              <dgm:ruleLst/>
+            </dgm:layoutNode>
+            <dgm:layoutNode name="childNode2tx" styleLbl="bgAcc1">
+              <dgm:varLst>
+                <dgm:bulletEnabled val="1"/>
+              </dgm:varLst>
+              <dgm:alg type="tx">
+                <dgm:param type="stBulletLvl" val="1"/>
+              </dgm:alg>
+              <dgm:shape xmlns:r="http://schemas.openxmlformats.org/officeDocument/2006/relationships" type="roundRect" r:blip="" hideGeom="1">
+                <dgm:adjLst>
+                  <dgm:adj idx="1" val="0.1"/>
+                </dgm:adjLst>
+              </dgm:shape>
+              <dgm:presOf axis="des" ptType="node"/>
+              <dgm:constrLst>
+                <dgm:constr type="secFontSz" val="65"/>
+                <dgm:constr type="primFontSz" refType="secFontSz"/>
+                <dgm:constr type="tMarg" refType="secFontSz" fact="0.15"/>
+                <dgm:constr type="bMarg" refType="secFontSz" fact="0.15"/>
+                <dgm:constr type="lMarg" refType="secFontSz" fact="0.15"/>
+                <dgm:constr type="rMarg" refType="secFontSz" fact="0.15"/>
+              </dgm:constrLst>
+              <dgm:ruleLst>
+                <dgm:rule type="secFontSz" val="5" fact="NaN" max="NaN"/>
+              </dgm:ruleLst>
+            </dgm:layoutNode>
+            <dgm:layoutNode name="parentNode2" styleLbl="node1">
+              <dgm:varLst>
+                <dgm:chMax val="0"/>
+                <dgm:bulletEnabled val="1"/>
+              </dgm:varLst>
+              <dgm:alg type="tx"/>
+              <dgm:shape xmlns:r="http://schemas.openxmlformats.org/officeDocument/2006/relationships" type="roundRect" r:blip="">
+                <dgm:adjLst>
+                  <dgm:adj idx="1" val="0.1"/>
+                </dgm:adjLst>
+              </dgm:shape>
+              <dgm:presOf axis="self"/>
+              <dgm:constrLst>
+                <dgm:constr type="tMarg" refType="primFontSz" fact="0.1"/>
+                <dgm:constr type="bMarg" refType="primFontSz" fact="0.1"/>
+                <dgm:constr type="lMarg" refType="primFontSz" fact="0.15"/>
+                <dgm:constr type="rMarg" refType="primFontSz" fact="0.15"/>
+              </dgm:constrLst>
+              <dgm:ruleLst>
+                <dgm:rule type="primFontSz" val="5" fact="NaN" max="NaN"/>
+              </dgm:ruleLst>
+            </dgm:layoutNode>
+            <dgm:layoutNode name="connSite2" moveWith="childNode2">
+              <dgm:alg type="sp"/>
+              <dgm:shape xmlns:r="http://schemas.openxmlformats.org/officeDocument/2006/relationships" r:blip="">
+                <dgm:adjLst/>
+              </dgm:shape>
+              <dgm:presOf/>
+              <dgm:constrLst/>
+              <dgm:ruleLst/>
+            </dgm:layoutNode>
+          </dgm:layoutNode>
+          <dgm:forEach name="Name17" axis="followSib" ptType="sibTrans" cnt="1">
+            <dgm:layoutNode name="Name18">
+              <dgm:alg type="conn">
+                <dgm:param type="connRout" val="curve"/>
+                <dgm:param type="srcNode" val="parentNode2"/>
+                <dgm:param type="dstNode" val="connSite1"/>
+                <dgm:param type="begPts" val="tCtr"/>
+                <dgm:param type="endPts" val="tCtr"/>
+              </dgm:alg>
+              <dgm:shape xmlns:r="http://schemas.openxmlformats.org/officeDocument/2006/relationships" type="conn" r:blip="" zOrderOff="-2">
+                <dgm:adjLst/>
+              </dgm:shape>
+              <dgm:presOf axis="self"/>
+              <dgm:choose name="Name19">
+                <dgm:if name="Name20" func="var" arg="dir" op="equ" val="norm">
+                  <dgm:constrLst>
+                    <dgm:constr type="h" refType="w" fact="0.35"/>
+                    <dgm:constr type="wArH" refType="h"/>
+                    <dgm:constr type="hArH" refType="h"/>
+                    <dgm:constr type="connDist"/>
+                    <dgm:constr type="diam" refType="connDist" fact="1.15"/>
+                    <dgm:constr type="begPad"/>
+                    <dgm:constr type="endPad"/>
+                  </dgm:constrLst>
+                </dgm:if>
+                <dgm:else name="Name21">
+                  <dgm:constrLst>
+                    <dgm:constr type="h" refType="w" fact="0.35"/>
+                    <dgm:constr type="wArH" refType="h"/>
+                    <dgm:constr type="hArH" refType="h"/>
+                    <dgm:constr type="connDist"/>
+                    <dgm:constr type="diam" refType="connDist" fact="-1.15"/>
+                    <dgm:constr type="begPad"/>
+                    <dgm:constr type="endPad"/>
+                  </dgm:constrLst>
+                </dgm:else>
+              </dgm:choose>
+              <dgm:ruleLst/>
+            </dgm:layoutNode>
+          </dgm:forEach>
+        </dgm:forEach>
+      </dgm:forEach>
+    </dgm:layoutNode>
+  </dgm:layoutNode>
+</dgm:layoutDef>
+</file>
+
+<file path=ppt/diagrams/quickStyle1.xml><?xml version="1.0" encoding="utf-8"?>
+<dgm:styleDef xmlns:dgm="http://schemas.openxmlformats.org/drawingml/2006/diagram" xmlns:a="http://schemas.openxmlformats.org/drawingml/2006/main" uniqueId="urn:microsoft.com/office/officeart/2005/8/quickstyle/simple1">
+  <dgm:title val=""/>
+  <dgm:desc val=""/>
+  <dgm:catLst>
+    <dgm:cat type="simple" pri="10100"/>
+  </dgm:catLst>
+  <dgm:scene3d>
+    <a:camera prst="orthographicFront"/>
+    <a:lightRig rig="threePt" dir="t"/>
+  </dgm:scene3d>
+  <dgm:styleLbl name="node0">
+    <dgm:scene3d>
+      <a:camera prst="orthographicFront"/>
+      <a:lightRig rig="threePt" dir="t"/>
+    </dgm:scene3d>
+    <dgm:sp3d/>
+    <dgm:txPr/>
+    <dgm:style>
+      <a:lnRef idx="2">
+        <a:scrgbClr r="0" g="0" b="0"/>
+      </a:lnRef>
+      <a:fillRef idx="1">
+        <a:scrgbClr r="0" g="0" b="0"/>
+      </a:fillRef>
+      <a:effectRef idx="0">
+        <a:scrgbClr r="0" g="0" b="0"/>
+      </a:effectRef>
+      <a:fontRef idx="minor">
+        <a:schemeClr val="lt1"/>
+      </a:fontRef>
+    </dgm:style>
+  </dgm:styleLbl>
+  <dgm:styleLbl name="lnNode1">
+    <dgm:scene3d>
+      <a:camera prst="orthographicFront"/>
+      <a:lightRig rig="threePt" dir="t"/>
+    </dgm:scene3d>
+    <dgm:sp3d/>
+    <dgm:txPr/>
+    <dgm:style>
+      <a:lnRef idx="2">
+        <a:scrgbClr r="0" g="0" b="0"/>
+      </a:lnRef>
+      <a:fillRef idx="1">
+        <a:scrgbClr r="0" g="0" b="0"/>
+      </a:fillRef>
+      <a:effectRef idx="0">
+        <a:scrgbClr r="0" g="0" b="0"/>
+      </a:effectRef>
+      <a:fontRef idx="minor">
+        <a:schemeClr val="lt1"/>
+      </a:fontRef>
+    </dgm:style>
+  </dgm:styleLbl>
+  <dgm:styleLbl name="vennNode1">
+    <dgm:scene3d>
+      <a:camera prst="orthographicFront"/>
+      <a:lightRig rig="threePt" dir="t"/>
+    </dgm:scene3d>
+    <dgm:sp3d/>
+    <dgm:txPr/>
+    <dgm:style>
+      <a:lnRef idx="2">
+        <a:scrgbClr r="0" g="0" b="0"/>
+      </a:lnRef>
+      <a:fillRef idx="1">
+        <a:scrgbClr r="0" g="0" b="0"/>
+      </a:fillRef>
+      <a:effectRef idx="0">
+        <a:scrgbClr r="0" g="0" b="0"/>
+      </a:effectRef>
+      <a:fontRef idx="minor">
+        <a:schemeClr val="tx1"/>
+      </a:fontRef>
+    </dgm:style>
+  </dgm:styleLbl>
+  <dgm:styleLbl name="alignNode1">
+    <dgm:scene3d>
+      <a:camera prst="orthographicFront"/>
+      <a:lightRig rig="threePt" dir="t"/>
+    </dgm:scene3d>
+    <dgm:sp3d/>
+    <dgm:txPr/>
+    <dgm:style>
+      <a:lnRef idx="2">
+        <a:scrgbClr r="0" g="0" b="0"/>
+      </a:lnRef>
+      <a:fillRef idx="1">
+        <a:scrgbClr r="0" g="0" b="0"/>
+      </a:fillRef>
+      <a:effectRef idx="0">
+        <a:scrgbClr r="0" g="0" b="0"/>
+      </a:effectRef>
+      <a:fontRef idx="minor">
+        <a:schemeClr val="lt1"/>
+      </a:fontRef>
+    </dgm:style>
+  </dgm:styleLbl>
+  <dgm:styleLbl name="node1">
+    <dgm:scene3d>
+      <a:camera prst="orthographicFront"/>
+      <a:lightRig rig="threePt" dir="t"/>
+    </dgm:scene3d>
+    <dgm:sp3d/>
+    <dgm:txPr/>
+    <dgm:style>
+      <a:lnRef idx="2">
+        <a:scrgbClr r="0" g="0" b="0"/>
+      </a:lnRef>
+      <a:fillRef idx="1">
+        <a:scrgbClr r="0" g="0" b="0"/>
+      </a:fillRef>
+      <a:effectRef idx="0">
+        <a:scrgbClr r="0" g="0" b="0"/>
+      </a:effectRef>
+      <a:fontRef idx="minor">
+        <a:schemeClr val="lt1"/>
+      </a:fontRef>
+    </dgm:style>
+  </dgm:styleLbl>
+  <dgm:styleLbl name="node2">
+    <dgm:scene3d>
+      <a:camera prst="orthographicFront"/>
+      <a:lightRig rig="threePt" dir="t"/>
+    </dgm:scene3d>
+    <dgm:sp3d/>
+    <dgm:txPr/>
+    <dgm:style>
+      <a:lnRef idx="2">
+        <a:scrgbClr r="0" g="0" b="0"/>
+      </a:lnRef>
+      <a:fillRef idx="1">
+        <a:scrgbClr r="0" g="0" b="0"/>
+      </a:fillRef>
+      <a:effectRef idx="0">
+        <a:scrgbClr r="0" g="0" b="0"/>
+      </a:effectRef>
+      <a:fontRef idx="minor">
+        <a:schemeClr val="lt1"/>
+      </a:fontRef>
+    </dgm:style>
+  </dgm:styleLbl>
+  <dgm:styleLbl name="node3">
+    <dgm:scene3d>
+      <a:camera prst="orthographicFront"/>
+      <a:lightRig rig="threePt" dir="t"/>
+    </dgm:scene3d>
+    <dgm:sp3d/>
+    <dgm:txPr/>
+    <dgm:style>
+      <a:lnRef idx="2">
+        <a:scrgbClr r="0" g="0" b="0"/>
+      </a:lnRef>
+      <a:fillRef idx="1">
+        <a:scrgbClr r="0" g="0" b="0"/>
+      </a:fillRef>
+      <a:effectRef idx="0">
+        <a:scrgbClr r="0" g="0" b="0"/>
+      </a:effectRef>
+      <a:fontRef idx="minor">
+        <a:schemeClr val="lt1"/>
+      </a:fontRef>
+    </dgm:style>
+  </dgm:styleLbl>
+  <dgm:styleLbl name="node4">
+    <dgm:scene3d>
+      <a:camera prst="orthographicFront"/>
+      <a:lightRig rig="threePt" dir="t"/>
+    </dgm:scene3d>
+    <dgm:sp3d/>
+    <dgm:txPr/>
+    <dgm:style>
+      <a:lnRef idx="2">
+        <a:scrgbClr r="0" g="0" b="0"/>
+      </a:lnRef>
+      <a:fillRef idx="1">
+        <a:scrgbClr r="0" g="0" b="0"/>
+      </a:fillRef>
+      <a:effectRef idx="0">
+        <a:scrgbClr r="0" g="0" b="0"/>
+      </a:effectRef>
+      <a:fontRef idx="minor">
+        <a:schemeClr val="lt1"/>
+      </a:fontRef>
+    </dgm:style>
+  </dgm:styleLbl>
+  <dgm:styleLbl name="fgImgPlace1">
+    <dgm:scene3d>
+      <a:camera prst="orthographicFront"/>
+      <a:lightRig rig="threePt" dir="t"/>
+    </dgm:scene3d>
+    <dgm:sp3d/>
+    <dgm:txPr/>
+    <dgm:style>
+      <a:lnRef idx="2">
+        <a:scrgbClr r="0" g="0" b="0"/>
+      </a:lnRef>
+      <a:fillRef idx="1">
+        <a:scrgbClr r="0" g="0" b="0"/>
+      </a:fillRef>
+      <a:effectRef idx="0">
+        <a:scrgbClr r="0" g="0" b="0"/>
+      </a:effectRef>
+      <a:fontRef idx="minor"/>
+    </dgm:style>
+  </dgm:styleLbl>
+  <dgm:styleLbl name="alignImgPlace1">
+    <dgm:scene3d>
+      <a:camera prst="orthographicFront"/>
+      <a:lightRig rig="threePt" dir="t"/>
+    </dgm:scene3d>
+    <dgm:sp3d/>
+    <dgm:txPr/>
+    <dgm:style>
+      <a:lnRef idx="2">
+        <a:scrgbClr r="0" g="0" b="0"/>
+      </a:lnRef>
+      <a:fillRef idx="1">
+        <a:scrgbClr r="0" g="0" b="0"/>
+      </a:fillRef>
+      <a:effectRef idx="0">
+        <a:scrgbClr r="0" g="0" b="0"/>
+      </a:effectRef>
+      <a:fontRef idx="minor"/>
+    </dgm:style>
+  </dgm:styleLbl>
+  <dgm:styleLbl name="bgImgPlace1">
+    <dgm:scene3d>
+      <a:camera prst="orthographicFront"/>
+      <a:lightRig rig="threePt" dir="t"/>
+    </dgm:scene3d>
+    <dgm:sp3d/>
+    <dgm:txPr/>
+    <dgm:style>
+      <a:lnRef idx="2">
+        <a:scrgbClr r="0" g="0" b="0"/>
+      </a:lnRef>
+      <a:fillRef idx="1">
+        <a:scrgbClr r="0" g="0" b="0"/>
+      </a:fillRef>
+      <a:effectRef idx="0">
+        <a:scrgbClr r="0" g="0" b="0"/>
+      </a:effectRef>
+      <a:fontRef idx="minor"/>
+    </dgm:style>
+  </dgm:styleLbl>
+  <dgm:styleLbl name="sibTrans2D1">
+    <dgm:scene3d>
+      <a:camera prst="orthographicFront"/>
+      <a:lightRig rig="threePt" dir="t"/>
+    </dgm:scene3d>
+    <dgm:sp3d/>
+    <dgm:txPr/>
+    <dgm:style>
+      <a:lnRef idx="0">
+        <a:scrgbClr r="0" g="0" b="0"/>
+      </a:lnRef>
+      <a:fillRef idx="1">
+        <a:scrgbClr r="0" g="0" b="0"/>
+      </a:fillRef>
+      <a:effectRef idx="0">
+        <a:scrgbClr r="0" g="0" b="0"/>
+      </a:effectRef>
+      <a:fontRef idx="minor">
+        <a:schemeClr val="lt1"/>
+      </a:fontRef>
+    </dgm:style>
+  </dgm:styleLbl>
+  <dgm:styleLbl name="fgSibTrans2D1">
+    <dgm:scene3d>
+      <a:camera prst="orthographicFront"/>
+      <a:lightRig rig="threePt" dir="t"/>
+    </dgm:scene3d>
+    <dgm:sp3d/>
+    <dgm:txPr/>
+    <dgm:style>
+      <a:lnRef idx="0">
+        <a:scrgbClr r="0" g="0" b="0"/>
+      </a:lnRef>
+      <a:fillRef idx="1">
+        <a:scrgbClr r="0" g="0" b="0"/>
+      </a:fillRef>
+      <a:effectRef idx="0">
+        <a:scrgbClr r="0" g="0" b="0"/>
+      </a:effectRef>
+      <a:fontRef idx="minor">
+        <a:schemeClr val="lt1"/>
+      </a:fontRef>
+    </dgm:style>
+  </dgm:styleLbl>
+  <dgm:styleLbl name="bgSibTrans2D1">
+    <dgm:scene3d>
+      <a:camera prst="orthographicFront"/>
+      <a:lightRig rig="threePt" dir="t"/>
+    </dgm:scene3d>
+    <dgm:sp3d/>
+    <dgm:txPr/>
+    <dgm:style>
+      <a:lnRef idx="0">
+        <a:scrgbClr r="0" g="0" b="0"/>
+      </a:lnRef>
+      <a:fillRef idx="1">
+        <a:scrgbClr r="0" g="0" b="0"/>
+      </a:fillRef>
+      <a:effectRef idx="0">
+        <a:scrgbClr r="0" g="0" b="0"/>
+      </a:effectRef>
+      <a:fontRef idx="minor">
+        <a:schemeClr val="lt1"/>
+      </a:fontRef>
+    </dgm:style>
+  </dgm:styleLbl>
+  <dgm:styleLbl name="sibTrans1D1">
+    <dgm:scene3d>
+      <a:camera prst="orthographicFront"/>
+      <a:lightRig rig="threePt" dir="t"/>
+    </dgm:scene3d>
+    <dgm:sp3d/>
+    <dgm:txPr/>
+    <dgm:style>
+      <a:lnRef idx="1">
+        <a:scrgbClr r="0" g="0" b="0"/>
+      </a:lnRef>
+      <a:fillRef idx="0">
+        <a:scrgbClr r="0" g="0" b="0"/>
+      </a:fillRef>
+      <a:effectRef idx="0">
+        <a:scrgbClr r="0" g="0" b="0"/>
+      </a:effectRef>
+      <a:fontRef idx="minor"/>
+    </dgm:style>
+  </dgm:styleLbl>
+  <dgm:styleLbl name="callout">
+    <dgm:scene3d>
+      <a:camera prst="orthographicFront"/>
+      <a:lightRig rig="threePt" dir="t"/>
+    </dgm:scene3d>
+    <dgm:sp3d/>
+    <dgm:txPr/>
+    <dgm:style>
+      <a:lnRef idx="2">
+        <a:scrgbClr r="0" g="0" b="0"/>
+      </a:lnRef>
+      <a:fillRef idx="1">
+        <a:scrgbClr r="0" g="0" b="0"/>
+      </a:fillRef>
+      <a:effectRef idx="0">
+        <a:scrgbClr r="0" g="0" b="0"/>
+      </a:effectRef>
+      <a:fontRef idx="minor"/>
+    </dgm:style>
+  </dgm:styleLbl>
+  <dgm:styleLbl name="asst0">
+    <dgm:scene3d>
+      <a:camera prst="orthographicFront"/>
+      <a:lightRig rig="threePt" dir="t"/>
+    </dgm:scene3d>
+    <dgm:sp3d/>
+    <dgm:txPr/>
+    <dgm:style>
+      <a:lnRef idx="2">
+        <a:scrgbClr r="0" g="0" b="0"/>
+      </a:lnRef>
+      <a:fillRef idx="1">
+        <a:scrgbClr r="0" g="0" b="0"/>
+      </a:fillRef>
+      <a:effectRef idx="0">
+        <a:scrgbClr r="0" g="0" b="0"/>
+      </a:effectRef>
+      <a:fontRef idx="minor">
+        <a:schemeClr val="lt1"/>
+      </a:fontRef>
+    </dgm:style>
+  </dgm:styleLbl>
+  <dgm:styleLbl name="asst1">
+    <dgm:scene3d>
+      <a:camera prst="orthographicFront"/>
+      <a:lightRig rig="threePt" dir="t"/>
+    </dgm:scene3d>
+    <dgm:sp3d/>
+    <dgm:txPr/>
+    <dgm:style>
+      <a:lnRef idx="2">
+        <a:scrgbClr r="0" g="0" b="0"/>
+      </a:lnRef>
+      <a:fillRef idx="1">
+        <a:scrgbClr r="0" g="0" b="0"/>
+      </a:fillRef>
+      <a:effectRef idx="0">
+        <a:scrgbClr r="0" g="0" b="0"/>
+      </a:effectRef>
+      <a:fontRef idx="minor">
+        <a:schemeClr val="lt1"/>
+      </a:fontRef>
+    </dgm:style>
+  </dgm:styleLbl>
+  <dgm:styleLbl name="asst2">
+    <dgm:scene3d>
+      <a:camera prst="orthographicFront"/>
+      <a:lightRig rig="threePt" dir="t"/>
+    </dgm:scene3d>
+    <dgm:sp3d/>
+    <dgm:txPr/>
+    <dgm:style>
+      <a:lnRef idx="2">
+        <a:scrgbClr r="0" g="0" b="0"/>
+      </a:lnRef>
+      <a:fillRef idx="1">
+        <a:scrgbClr r="0" g="0" b="0"/>
+      </a:fillRef>
+      <a:effectRef idx="0">
+        <a:scrgbClr r="0" g="0" b="0"/>
+      </a:effectRef>
+      <a:fontRef idx="minor">
+        <a:schemeClr val="lt1"/>
+      </a:fontRef>
+    </dgm:style>
+  </dgm:styleLbl>
+  <dgm:styleLbl name="asst3">
+    <dgm:scene3d>
+      <a:camera prst="orthographicFront"/>
+      <a:lightRig rig="threePt" dir="t"/>
+    </dgm:scene3d>
+    <dgm:sp3d/>
+    <dgm:txPr/>
+    <dgm:style>
+      <a:lnRef idx="2">
+        <a:scrgbClr r="0" g="0" b="0"/>
+      </a:lnRef>
+      <a:fillRef idx="1">
+        <a:scrgbClr r="0" g="0" b="0"/>
+      </a:fillRef>
+      <a:effectRef idx="0">
+        <a:scrgbClr r="0" g="0" b="0"/>
+      </a:effectRef>
+      <a:fontRef idx="minor">
+        <a:schemeClr val="lt1"/>
+      </a:fontRef>
+    </dgm:style>
+  </dgm:styleLbl>
+  <dgm:styleLbl name="asst4">
+    <dgm:scene3d>
+      <a:camera prst="orthographicFront"/>
+      <a:lightRig rig="threePt" dir="t"/>
+    </dgm:scene3d>
+    <dgm:sp3d/>
+    <dgm:txPr/>
+    <dgm:style>
+      <a:lnRef idx="2">
+        <a:scrgbClr r="0" g="0" b="0"/>
+      </a:lnRef>
+      <a:fillRef idx="1">
+        <a:scrgbClr r="0" g="0" b="0"/>
+      </a:fillRef>
+      <a:effectRef idx="0">
+        <a:scrgbClr r="0" g="0" b="0"/>
+      </a:effectRef>
+      <a:fontRef idx="minor">
+        <a:schemeClr val="lt1"/>
+      </a:fontRef>
+    </dgm:style>
+  </dgm:styleLbl>
+  <dgm:styleLbl name="parChTrans2D1">
+    <dgm:scene3d>
+      <a:camera prst="orthographicFront"/>
+      <a:lightRig rig="threePt" dir="t"/>
+    </dgm:scene3d>
+    <dgm:sp3d/>
+    <dgm:txPr/>
+    <dgm:style>
+      <a:lnRef idx="2">
+        <a:scrgbClr r="0" g="0" b="0"/>
+      </a:lnRef>
+      <a:fillRef idx="1">
+        <a:scrgbClr r="0" g="0" b="0"/>
+      </a:fillRef>
+      <a:effectRef idx="0">
+        <a:scrgbClr r="0" g="0" b="0"/>
+      </a:effectRef>
+      <a:fontRef idx="minor">
+        <a:schemeClr val="lt1"/>
+      </a:fontRef>
+    </dgm:style>
+  </dgm:styleLbl>
+  <dgm:styleLbl name="parChTrans2D2">
+    <dgm:scene3d>
+      <a:camera prst="orthographicFront"/>
+      <a:lightRig rig="threePt" dir="t"/>
+    </dgm:scene3d>
+    <dgm:sp3d/>
+    <dgm:txPr/>
+    <dgm:style>
+      <a:lnRef idx="2">
+        <a:scrgbClr r="0" g="0" b="0"/>
+      </a:lnRef>
+      <a:fillRef idx="1">
+        <a:scrgbClr r="0" g="0" b="0"/>
+      </a:fillRef>
+      <a:effectRef idx="0">
+        <a:scrgbClr r="0" g="0" b="0"/>
+      </a:effectRef>
+      <a:fontRef idx="minor">
+        <a:schemeClr val="lt1"/>
+      </a:fontRef>
+    </dgm:style>
+  </dgm:styleLbl>
+  <dgm:styleLbl name="parChTrans2D3">
+    <dgm:scene3d>
+      <a:camera prst="orthographicFront"/>
+      <a:lightRig rig="threePt" dir="t"/>
+    </dgm:scene3d>
+    <dgm:sp3d/>
+    <dgm:txPr/>
+    <dgm:style>
+      <a:lnRef idx="2">
+        <a:scrgbClr r="0" g="0" b="0"/>
+      </a:lnRef>
+      <a:fillRef idx="1">
+        <a:scrgbClr r="0" g="0" b="0"/>
+      </a:fillRef>
+      <a:effectRef idx="0">
+        <a:scrgbClr r="0" g="0" b="0"/>
+      </a:effectRef>
+      <a:fontRef idx="minor">
+        <a:schemeClr val="lt1"/>
+      </a:fontRef>
+    </dgm:style>
+  </dgm:styleLbl>
+  <dgm:styleLbl name="parChTrans2D4">
+    <dgm:scene3d>
+      <a:camera prst="orthographicFront"/>
+      <a:lightRig rig="threePt" dir="t"/>
+    </dgm:scene3d>
+    <dgm:sp3d/>
+    <dgm:txPr/>
+    <dgm:style>
+      <a:lnRef idx="2">
+        <a:scrgbClr r="0" g="0" b="0"/>
+      </a:lnRef>
+      <a:fillRef idx="1">
+        <a:scrgbClr r="0" g="0" b="0"/>
+      </a:fillRef>
+      <a:effectRef idx="0">
+        <a:scrgbClr r="0" g="0" b="0"/>
+      </a:effectRef>
+      <a:fontRef idx="minor">
+        <a:schemeClr val="lt1"/>
+      </a:fontRef>
+    </dgm:style>
+  </dgm:styleLbl>
+  <dgm:styleLbl name="parChTrans1D1">
+    <dgm:scene3d>
+      <a:camera prst="orthographicFront"/>
+      <a:lightRig rig="threePt" dir="t"/>
+    </dgm:scene3d>
+    <dgm:sp3d/>
+    <dgm:txPr/>
+    <dgm:style>
+      <a:lnRef idx="2">
+        <a:scrgbClr r="0" g="0" b="0"/>
+      </a:lnRef>
+      <a:fillRef idx="0">
+        <a:scrgbClr r="0" g="0" b="0"/>
+      </a:fillRef>
+      <a:effectRef idx="0">
+        <a:scrgbClr r="0" g="0" b="0"/>
+      </a:effectRef>
+      <a:fontRef idx="minor"/>
+    </dgm:style>
+  </dgm:styleLbl>
+  <dgm:styleLbl name="parChTrans1D2">
+    <dgm:scene3d>
+      <a:camera prst="orthographicFront"/>
+      <a:lightRig rig="threePt" dir="t"/>
+    </dgm:scene3d>
+    <dgm:sp3d/>
+    <dgm:txPr/>
+    <dgm:style>
+      <a:lnRef idx="2">
+        <a:scrgbClr r="0" g="0" b="0"/>
+      </a:lnRef>
+      <a:fillRef idx="0">
+        <a:scrgbClr r="0" g="0" b="0"/>
+      </a:fillRef>
+      <a:effectRef idx="0">
+        <a:scrgbClr r="0" g="0" b="0"/>
+      </a:effectRef>
+      <a:fontRef idx="minor"/>
+    </dgm:style>
+  </dgm:styleLbl>
+  <dgm:styleLbl name="parChTrans1D3">
+    <dgm:scene3d>
+      <a:camera prst="orthographicFront"/>
+      <a:lightRig rig="threePt" dir="t"/>
+    </dgm:scene3d>
+    <dgm:sp3d/>
+    <dgm:txPr/>
+    <dgm:style>
+      <a:lnRef idx="2">
+        <a:scrgbClr r="0" g="0" b="0"/>
+      </a:lnRef>
+      <a:fillRef idx="0">
+        <a:scrgbClr r="0" g="0" b="0"/>
+      </a:fillRef>
+      <a:effectRef idx="0">
+        <a:scrgbClr r="0" g="0" b="0"/>
+      </a:effectRef>
+      <a:fontRef idx="minor"/>
+    </dgm:style>
+  </dgm:styleLbl>
+  <dgm:styleLbl name="parChTrans1D4">
+    <dgm:scene3d>
+      <a:camera prst="orthographicFront"/>
+      <a:lightRig rig="threePt" dir="t"/>
+    </dgm:scene3d>
+    <dgm:sp3d/>
+    <dgm:txPr/>
+    <dgm:style>
+      <a:lnRef idx="2">
+        <a:scrgbClr r="0" g="0" b="0"/>
+      </a:lnRef>
+      <a:fillRef idx="0">
+        <a:scrgbClr r="0" g="0" b="0"/>
+      </a:fillRef>
+      <a:effectRef idx="0">
+        <a:scrgbClr r="0" g="0" b="0"/>
+      </a:effectRef>
+      <a:fontRef idx="minor"/>
+    </dgm:style>
+  </dgm:styleLbl>
+  <dgm:styleLbl name="fgAcc1">
+    <dgm:scene3d>
+      <a:camera prst="orthographicFront"/>
+      <a:lightRig rig="threePt" dir="t"/>
+    </dgm:scene3d>
+    <dgm:sp3d/>
+    <dgm:txPr/>
+    <dgm:style>
+      <a:lnRef idx="2">
+        <a:scrgbClr r="0" g="0" b="0"/>
+      </a:lnRef>
+      <a:fillRef idx="1">
+        <a:scrgbClr r="0" g="0" b="0"/>
+      </a:fillRef>
+      <a:effectRef idx="0">
+        <a:scrgbClr r="0" g="0" b="0"/>
+      </a:effectRef>
+      <a:fontRef idx="minor"/>
+    </dgm:style>
+  </dgm:styleLbl>
+  <dgm:styleLbl name="conFgAcc1">
+    <dgm:scene3d>
+      <a:camera prst="orthographicFront"/>
+      <a:lightRig rig="threePt" dir="t"/>
+    </dgm:scene3d>
+    <dgm:sp3d/>
+    <dgm:txPr/>
+    <dgm:style>
+      <a:lnRef idx="2">
+        <a:scrgbClr r="0" g="0" b="0"/>
+      </a:lnRef>
+      <a:fillRef idx="1">
+        <a:scrgbClr r="0" g="0" b="0"/>
+      </a:fillRef>
+      <a:effectRef idx="0">
+        <a:scrgbClr r="0" g="0" b="0"/>
+      </a:effectRef>
+      <a:fontRef idx="minor"/>
+    </dgm:style>
+  </dgm:styleLbl>
+  <dgm:styleLbl name="alignAcc1">
+    <dgm:scene3d>
+      <a:camera prst="orthographicFront"/>
+      <a:lightRig rig="threePt" dir="t"/>
+    </dgm:scene3d>
+    <dgm:sp3d/>
+    <dgm:txPr/>
+    <dgm:style>
+      <a:lnRef idx="2">
+        <a:scrgbClr r="0" g="0" b="0"/>
+      </a:lnRef>
+      <a:fillRef idx="1">
+        <a:scrgbClr r="0" g="0" b="0"/>
+      </a:fillRef>
+      <a:effectRef idx="0">
+        <a:scrgbClr r="0" g="0" b="0"/>
+      </a:effectRef>
+      <a:fontRef idx="minor"/>
+    </dgm:style>
+  </dgm:styleLbl>
+  <dgm:styleLbl name="trAlignAcc1">
+    <dgm:scene3d>
+      <a:camera prst="orthographicFront"/>
+      <a:lightRig rig="threePt" dir="t"/>
+    </dgm:scene3d>
+    <dgm:sp3d/>
+    <dgm:txPr/>
+    <dgm:style>
+      <a:lnRef idx="1">
+        <a:scrgbClr r="0" g="0" b="0"/>
+      </a:lnRef>
+      <a:fillRef idx="1">
+        <a:scrgbClr r="0" g="0" b="0"/>
+      </a:fillRef>
+      <a:effectRef idx="0">
+        <a:scrgbClr r="0" g="0" b="0"/>
+      </a:effectRef>
+      <a:fontRef idx="minor"/>
+    </dgm:style>
+  </dgm:styleLbl>
+  <dgm:styleLbl name="bgAcc1">
+    <dgm:scene3d>
+      <a:camera prst="orthographicFront"/>
+      <a:lightRig rig="threePt" dir="t"/>
+    </dgm:scene3d>
+    <dgm:sp3d/>
+    <dgm:txPr/>
+    <dgm:style>
+      <a:lnRef idx="2">
+        <a:scrgbClr r="0" g="0" b="0"/>
+      </a:lnRef>
+      <a:fillRef idx="1">
+        <a:scrgbClr r="0" g="0" b="0"/>
+      </a:fillRef>
+      <a:effectRef idx="0">
+        <a:scrgbClr r="0" g="0" b="0"/>
+      </a:effectRef>
+      <a:fontRef idx="minor"/>
+    </dgm:style>
+  </dgm:styleLbl>
+  <dgm:styleLbl name="solidFgAcc1">
+    <dgm:scene3d>
+      <a:camera prst="orthographicFront"/>
+      <a:lightRig rig="threePt" dir="t"/>
+    </dgm:scene3d>
+    <dgm:sp3d/>
+    <dgm:txPr/>
+    <dgm:style>
+      <a:lnRef idx="2">
+        <a:scrgbClr r="0" g="0" b="0"/>
+      </a:lnRef>
+      <a:fillRef idx="1">
+        <a:scrgbClr r="0" g="0" b="0"/>
+      </a:fillRef>
+      <a:effectRef idx="0">
+        <a:scrgbClr r="0" g="0" b="0"/>
+      </a:effectRef>
+      <a:fontRef idx="minor"/>
+    </dgm:style>
+  </dgm:styleLbl>
+  <dgm:styleLbl name="solidAlignAcc1">
+    <dgm:scene3d>
+      <a:camera prst="orthographicFront"/>
+      <a:lightRig rig="threePt" dir="t"/>
+    </dgm:scene3d>
+    <dgm:sp3d/>
+    <dgm:txPr/>
+    <dgm:style>
+      <a:lnRef idx="2">
+        <a:scrgbClr r="0" g="0" b="0"/>
+      </a:lnRef>
+      <a:fillRef idx="1">
+        <a:scrgbClr r="0" g="0" b="0"/>
+      </a:fillRef>
+      <a:effectRef idx="0">
+        <a:scrgbClr r="0" g="0" b="0"/>
+      </a:effectRef>
+      <a:fontRef idx="minor"/>
+    </dgm:style>
+  </dgm:styleLbl>
+  <dgm:styleLbl name="solidBgAcc1">
+    <dgm:scene3d>
+      <a:camera prst="orthographicFront"/>
+      <a:lightRig rig="threePt" dir="t"/>
+    </dgm:scene3d>
+    <dgm:sp3d/>
+    <dgm:txPr/>
+    <dgm:style>
+      <a:lnRef idx="2">
+        <a:scrgbClr r="0" g="0" b="0"/>
+      </a:lnRef>
+      <a:fillRef idx="1">
+        <a:scrgbClr r="0" g="0" b="0"/>
+      </a:fillRef>
+      <a:effectRef idx="0">
+        <a:scrgbClr r="0" g="0" b="0"/>
+      </a:effectRef>
+      <a:fontRef idx="minor"/>
+    </dgm:style>
+  </dgm:styleLbl>
+  <dgm:styleLbl name="fgAccFollowNode1">
+    <dgm:scene3d>
+      <a:camera prst="orthographicFront"/>
+      <a:lightRig rig="threePt" dir="t"/>
+    </dgm:scene3d>
+    <dgm:sp3d/>
+    <dgm:txPr/>
+    <dgm:style>
+      <a:lnRef idx="2">
+        <a:scrgbClr r="0" g="0" b="0"/>
+      </a:lnRef>
+      <a:fillRef idx="1">
+        <a:scrgbClr r="0" g="0" b="0"/>
+      </a:fillRef>
+      <a:effectRef idx="0">
+        <a:scrgbClr r="0" g="0" b="0"/>
+      </a:effectRef>
+      <a:fontRef idx="minor"/>
+    </dgm:style>
+  </dgm:styleLbl>
+  <dgm:styleLbl name="alignAccFollowNode1">
+    <dgm:scene3d>
+      <a:camera prst="orthographicFront"/>
+      <a:lightRig rig="threePt" dir="t"/>
+    </dgm:scene3d>
+    <dgm:sp3d/>
+    <dgm:txPr/>
+    <dgm:style>
+      <a:lnRef idx="2">
+        <a:scrgbClr r="0" g="0" b="0"/>
+      </a:lnRef>
+      <a:fillRef idx="1">
+        <a:scrgbClr r="0" g="0" b="0"/>
+      </a:fillRef>
+      <a:effectRef idx="0">
+        <a:scrgbClr r="0" g="0" b="0"/>
+      </a:effectRef>
+      <a:fontRef idx="minor"/>
+    </dgm:style>
+  </dgm:styleLbl>
+  <dgm:styleLbl name="bgAccFollowNode1">
+    <dgm:scene3d>
+      <a:camera prst="orthographicFront"/>
+      <a:lightRig rig="threePt" dir="t"/>
+    </dgm:scene3d>
+    <dgm:sp3d/>
+    <dgm:txPr/>
+    <dgm:style>
+      <a:lnRef idx="2">
+        <a:scrgbClr r="0" g="0" b="0"/>
+      </a:lnRef>
+      <a:fillRef idx="1">
+        <a:scrgbClr r="0" g="0" b="0"/>
+      </a:fillRef>
+      <a:effectRef idx="0">
+        <a:scrgbClr r="0" g="0" b="0"/>
+      </a:effectRef>
+      <a:fontRef idx="minor"/>
+    </dgm:style>
+  </dgm:styleLbl>
+  <dgm:styleLbl name="fgAcc0">
+    <dgm:scene3d>
+      <a:camera prst="orthographicFront"/>
+      <a:lightRig rig="threePt" dir="t"/>
+    </dgm:scene3d>
+    <dgm:sp3d/>
+    <dgm:txPr/>
+    <dgm:style>
+      <a:lnRef idx="2">
+        <a:scrgbClr r="0" g="0" b="0"/>
+      </a:lnRef>
+      <a:fillRef idx="1">
+        <a:scrgbClr r="0" g="0" b="0"/>
+      </a:fillRef>
+      <a:effectRef idx="0">
+        <a:scrgbClr r="0" g="0" b="0"/>
+      </a:effectRef>
+      <a:fontRef idx="minor"/>
+    </dgm:style>
+  </dgm:styleLbl>
+  <dgm:styleLbl name="fgAcc2">
+    <dgm:scene3d>
+      <a:camera prst="orthographicFront"/>
+      <a:lightRig rig="threePt" dir="t"/>
+    </dgm:scene3d>
+    <dgm:sp3d/>
+    <dgm:txPr/>
+    <dgm:style>
+      <a:lnRef idx="2">
+        <a:scrgbClr r="0" g="0" b="0"/>
+      </a:lnRef>
+      <a:fillRef idx="1">
+        <a:scrgbClr r="0" g="0" b="0"/>
+      </a:fillRef>
+      <a:effectRef idx="0">
+        <a:scrgbClr r="0" g="0" b="0"/>
+      </a:effectRef>
+      <a:fontRef idx="minor"/>
+    </dgm:style>
+  </dgm:styleLbl>
+  <dgm:styleLbl name="fgAcc3">
+    <dgm:scene3d>
+      <a:camera prst="orthographicFront"/>
+      <a:lightRig rig="threePt" dir="t"/>
+    </dgm:scene3d>
+    <dgm:sp3d/>
+    <dgm:txPr/>
+    <dgm:style>
+      <a:lnRef idx="2">
+        <a:scrgbClr r="0" g="0" b="0"/>
+      </a:lnRef>
+      <a:fillRef idx="1">
+        <a:scrgbClr r="0" g="0" b="0"/>
+      </a:fillRef>
+      <a:effectRef idx="0">
+        <a:scrgbClr r="0" g="0" b="0"/>
+      </a:effectRef>
+      <a:fontRef idx="minor"/>
+    </dgm:style>
+  </dgm:styleLbl>
+  <dgm:styleLbl name="fgAcc4">
+    <dgm:scene3d>
+      <a:camera prst="orthographicFront"/>
+      <a:lightRig rig="threePt" dir="t"/>
+    </dgm:scene3d>
+    <dgm:sp3d/>
+    <dgm:txPr/>
+    <dgm:style>
+      <a:lnRef idx="2">
+        <a:scrgbClr r="0" g="0" b="0"/>
+      </a:lnRef>
+      <a:fillRef idx="1">
+        <a:scrgbClr r="0" g="0" b="0"/>
+      </a:fillRef>
+      <a:effectRef idx="0">
+        <a:scrgbClr r="0" g="0" b="0"/>
+      </a:effectRef>
+      <a:fontRef idx="minor"/>
+    </dgm:style>
+  </dgm:styleLbl>
+  <dgm:styleLbl name="bgShp">
+    <dgm:scene3d>
+      <a:camera prst="orthographicFront"/>
+      <a:lightRig rig="threePt" dir="t"/>
+    </dgm:scene3d>
+    <dgm:sp3d/>
+    <dgm:txPr/>
+    <dgm:style>
+      <a:lnRef idx="0">
+        <a:scrgbClr r="0" g="0" b="0"/>
+      </a:lnRef>
+      <a:fillRef idx="1">
+        <a:scrgbClr r="0" g="0" b="0"/>
+      </a:fillRef>
+      <a:effectRef idx="0">
+        <a:scrgbClr r="0" g="0" b="0"/>
+      </a:effectRef>
+      <a:fontRef idx="minor"/>
+    </dgm:style>
+  </dgm:styleLbl>
+  <dgm:styleLbl name="dkBgShp">
+    <dgm:scene3d>
+      <a:camera prst="orthographicFront"/>
+      <a:lightRig rig="threePt" dir="t"/>
+    </dgm:scene3d>
+    <dgm:sp3d/>
+    <dgm:txPr/>
+    <dgm:style>
+      <a:lnRef idx="0">
+        <a:scrgbClr r="0" g="0" b="0"/>
+      </a:lnRef>
+      <a:fillRef idx="1">
+        <a:scrgbClr r="0" g="0" b="0"/>
+      </a:fillRef>
+      <a:effectRef idx="0">
+        <a:scrgbClr r="0" g="0" b="0"/>
+      </a:effectRef>
+      <a:fontRef idx="minor"/>
+    </dgm:style>
+  </dgm:styleLbl>
+  <dgm:styleLbl name="trBgShp">
+    <dgm:scene3d>
+      <a:camera prst="orthographicFront"/>
+      <a:lightRig rig="threePt" dir="t"/>
+    </dgm:scene3d>
+    <dgm:sp3d/>
+    <dgm:txPr/>
+    <dgm:style>
+      <a:lnRef idx="0">
+        <a:scrgbClr r="0" g="0" b="0"/>
+      </a:lnRef>
+      <a:fillRef idx="1">
+        <a:scrgbClr r="0" g="0" b="0"/>
+      </a:fillRef>
+      <a:effectRef idx="0">
+        <a:scrgbClr r="0" g="0" b="0"/>
+      </a:effectRef>
+      <a:fontRef idx="minor"/>
+    </dgm:style>
+  </dgm:styleLbl>
+  <dgm:styleLbl name="fgShp">
+    <dgm:scene3d>
+      <a:camera prst="orthographicFront"/>
+      <a:lightRig rig="threePt" dir="t"/>
+    </dgm:scene3d>
+    <dgm:sp3d/>
+    <dgm:txPr/>
+    <dgm:style>
+      <a:lnRef idx="2">
+        <a:scrgbClr r="0" g="0" b="0"/>
+      </a:lnRef>
+      <a:fillRef idx="1">
+        <a:scrgbClr r="0" g="0" b="0"/>
+      </a:fillRef>
+      <a:effectRef idx="0">
+        <a:scrgbClr r="0" g="0" b="0"/>
+      </a:effectRef>
+      <a:fontRef idx="minor"/>
+    </dgm:style>
+  </dgm:styleLbl>
+  <dgm:styleLbl name="revTx">
+    <dgm:scene3d>
+      <a:camera prst="orthographicFront"/>
+      <a:lightRig rig="threePt" dir="t"/>
+    </dgm:scene3d>
+    <dgm:sp3d/>
+    <dgm:txPr/>
+    <dgm:style>
+      <a:lnRef idx="0">
+        <a:scrgbClr r="0" g="0" b="0"/>
+      </a:lnRef>
+      <a:fillRef idx="0">
+        <a:scrgbClr r="0" g="0" b="0"/>
+      </a:fillRef>
+      <a:effectRef idx="0">
+        <a:scrgbClr r="0" g="0" b="0"/>
+      </a:effectRef>
+      <a:fontRef idx="minor"/>
+    </dgm:style>
+  </dgm:styleLbl>
+</dgm:styleDef>
+</file>
+
 <file path=ppt/handoutMasters/handoutMaster1.xml><?xml version="1.0" encoding="utf-8"?>
 <p:handoutMaster xmlns:a="http://schemas.openxmlformats.org/drawingml/2006/main" xmlns:r="http://schemas.openxmlformats.org/officeDocument/2006/relationships" xmlns:p="http://schemas.openxmlformats.org/presentationml/2006/main">
   <p:cSld>
@@ -843,7 +4410,7 @@
             <a:fld id="{7D8C2C35-2B8A-446E-BEC0-FD36716C29AC}" type="slidenum">
               <a:rPr lang="de-DE" smtClean="0"/>
               <a:pPr/>
-              <a:t>5</a:t>
+              <a:t>4</a:t>
             </a:fld>
             <a:endParaRPr lang="de-DE" dirty="0"/>
           </a:p>
@@ -935,7 +4502,7 @@
             <a:fld id="{7D8C2C35-2B8A-446E-BEC0-FD36716C29AC}" type="slidenum">
               <a:rPr lang="de-DE" smtClean="0"/>
               <a:pPr/>
-              <a:t>6</a:t>
+              <a:t>5</a:t>
             </a:fld>
             <a:endParaRPr lang="de-DE" dirty="0"/>
           </a:p>
@@ -1027,7 +4594,7 @@
             <a:fld id="{7D8C2C35-2B8A-446E-BEC0-FD36716C29AC}" type="slidenum">
               <a:rPr lang="de-DE" smtClean="0"/>
               <a:pPr/>
-              <a:t>7</a:t>
+              <a:t>6</a:t>
             </a:fld>
             <a:endParaRPr lang="de-DE" dirty="0"/>
           </a:p>
@@ -1103,6 +4670,128 @@
       </p:grpSpPr>
       <p:sp>
         <p:nvSpPr>
+          <p:cNvPr id="2" name="Slide Image Placeholder 1"/>
+          <p:cNvSpPr>
+            <a:spLocks noGrp="1" noRot="1" noChangeAspect="1"/>
+          </p:cNvSpPr>
+          <p:nvPr>
+            <p:ph type="sldImg"/>
+          </p:nvPr>
+        </p:nvSpPr>
+        <p:spPr/>
+      </p:sp>
+      <p:sp>
+        <p:nvSpPr>
+          <p:cNvPr id="3" name="Notes Placeholder 2"/>
+          <p:cNvSpPr>
+            <a:spLocks noGrp="1"/>
+          </p:cNvSpPr>
+          <p:nvPr>
+            <p:ph type="body" idx="1"/>
+          </p:nvPr>
+        </p:nvSpPr>
+        <p:spPr/>
+        <p:txBody>
+          <a:bodyPr/>
+          <a:lstStyle/>
+          <a:p>
+            <a:r>
+              <a:rPr lang="en-US" dirty="0"/>
+              <a:t>Now that we explained all the components, let’s walk through an example and see them in action.</a:t>
+            </a:r>
+          </a:p>
+          <a:p>
+            <a:pPr marL="285750" indent="-285750">
+              <a:buFontTx/>
+              <a:buChar char="-"/>
+            </a:pPr>
+            <a:r>
+              <a:rPr lang="en-US" dirty="0"/>
+              <a:t>The user wants to run an </a:t>
+            </a:r>
+            <a:r>
+              <a:rPr lang="en-US" dirty="0" err="1"/>
+              <a:t>nginx</a:t>
+            </a:r>
+            <a:r>
+              <a:rPr lang="en-US" dirty="0"/>
+              <a:t> webserver and declares this wish via </a:t>
+            </a:r>
+            <a:r>
+              <a:rPr lang="en-US" dirty="0" err="1"/>
+              <a:t>kubectl</a:t>
+            </a:r>
+            <a:r>
+              <a:rPr lang="en-US" dirty="0"/>
+              <a:t> to the cluster’s API server.</a:t>
+            </a:r>
+          </a:p>
+          <a:p>
+            <a:pPr marL="285750" indent="-285750">
+              <a:buFontTx/>
+              <a:buChar char="-"/>
+            </a:pPr>
+            <a:r>
+              <a:rPr lang="en-US" dirty="0"/>
+              <a:t>The API server stores the desired state in </a:t>
+            </a:r>
+            <a:r>
+              <a:rPr lang="en-US" dirty="0" err="1"/>
+              <a:t>etcd</a:t>
+            </a:r>
+            <a:endParaRPr lang="en-US" dirty="0"/>
+          </a:p>
+          <a:p>
+            <a:pPr marL="285750" indent="-285750">
+              <a:buFontTx/>
+              <a:buChar char="-"/>
+            </a:pPr>
+            <a:r>
+              <a:rPr lang="en-US" dirty="0"/>
+              <a:t>The scheduler monitors </a:t>
+            </a:r>
+            <a:r>
+              <a:rPr lang="en-US" dirty="0" err="1"/>
+              <a:t>etcd</a:t>
+            </a:r>
+            <a:r>
+              <a:rPr lang="en-US" dirty="0"/>
+              <a:t> for unscheduled pods and assigns a node to the pod definition (stored in </a:t>
+            </a:r>
+            <a:r>
+              <a:rPr lang="en-US" dirty="0" err="1"/>
+              <a:t>etcd</a:t>
+            </a:r>
+            <a:r>
+              <a:rPr lang="en-US" dirty="0"/>
+              <a:t>)</a:t>
+            </a:r>
+          </a:p>
+          <a:p>
+            <a:pPr marL="285750" indent="-285750">
+              <a:buFontTx/>
+              <a:buChar char="-"/>
+            </a:pPr>
+            <a:r>
+              <a:rPr lang="en-US" dirty="0"/>
+              <a:t>The </a:t>
+            </a:r>
+            <a:r>
+              <a:rPr lang="en-US" dirty="0" err="1"/>
+              <a:t>kubelet</a:t>
+            </a:r>
+            <a:r>
+              <a:rPr lang="en-US" dirty="0"/>
+              <a:t> monitors, if there are new pods to be scheduled on its not. If yes, it takes action</a:t>
+            </a:r>
+          </a:p>
+          <a:p>
+            <a:endParaRPr lang="en-US" dirty="0"/>
+          </a:p>
+        </p:txBody>
+      </p:sp>
+      <p:sp>
+        <p:nvSpPr>
           <p:cNvPr id="4" name="Slide Number Placeholder 3"/>
           <p:cNvSpPr>
             <a:spLocks noGrp="1"/>
@@ -1119,7 +4808,201 @@
             <a:fld id="{7D8C2C35-2B8A-446E-BEC0-FD36716C29AC}" type="slidenum">
               <a:rPr lang="de-DE" smtClean="0"/>
               <a:pPr/>
-              <a:t>12</a:t>
+              <a:t>7</a:t>
+            </a:fld>
+            <a:endParaRPr lang="de-DE" dirty="0"/>
+          </a:p>
+        </p:txBody>
+      </p:sp>
+    </p:spTree>
+    <p:extLst>
+      <p:ext uri="{BB962C8B-B14F-4D97-AF65-F5344CB8AC3E}">
+        <p14:creationId xmlns:p14="http://schemas.microsoft.com/office/powerpoint/2010/main" val="201126270"/>
+      </p:ext>
+    </p:extLst>
+  </p:cSld>
+  <p:clrMapOvr>
+    <a:masterClrMapping/>
+  </p:clrMapOvr>
+</p:notes>
+</file>
+
+<file path=ppt/notesSlides/notesSlide8.xml><?xml version="1.0" encoding="utf-8"?>
+<p:notes xmlns:a="http://schemas.openxmlformats.org/drawingml/2006/main" xmlns:r="http://schemas.openxmlformats.org/officeDocument/2006/relationships" xmlns:p="http://schemas.openxmlformats.org/presentationml/2006/main">
+  <p:cSld>
+    <p:spTree>
+      <p:nvGrpSpPr>
+        <p:cNvPr id="1" name=""/>
+        <p:cNvGrpSpPr/>
+        <p:nvPr/>
+      </p:nvGrpSpPr>
+      <p:grpSpPr>
+        <a:xfrm>
+          <a:off x="0" y="0"/>
+          <a:ext cx="0" cy="0"/>
+          <a:chOff x="0" y="0"/>
+          <a:chExt cx="0" cy="0"/>
+        </a:xfrm>
+      </p:grpSpPr>
+      <p:sp>
+        <p:nvSpPr>
+          <p:cNvPr id="2" name="Slide Image Placeholder 1"/>
+          <p:cNvSpPr>
+            <a:spLocks noGrp="1" noRot="1" noChangeAspect="1"/>
+          </p:cNvSpPr>
+          <p:nvPr>
+            <p:ph type="sldImg"/>
+          </p:nvPr>
+        </p:nvSpPr>
+        <p:spPr/>
+      </p:sp>
+      <p:sp>
+        <p:nvSpPr>
+          <p:cNvPr id="3" name="Notes Placeholder 2"/>
+          <p:cNvSpPr>
+            <a:spLocks noGrp="1"/>
+          </p:cNvSpPr>
+          <p:nvPr>
+            <p:ph type="body" idx="1"/>
+          </p:nvPr>
+        </p:nvSpPr>
+        <p:spPr/>
+        <p:txBody>
+          <a:bodyPr>
+            <a:normAutofit fontScale="92500" lnSpcReduction="20000"/>
+          </a:bodyPr>
+          <a:lstStyle/>
+          <a:p>
+            <a:pPr marL="0" indent="0">
+              <a:buNone/>
+            </a:pPr>
+            <a:r>
+              <a:rPr lang="en-US" dirty="0"/>
+              <a:t>Based on the previous example, can we describe an abstraction of the schema? =&gt; Observe, Analyze, Act</a:t>
+            </a:r>
+          </a:p>
+          <a:p>
+            <a:pPr marL="0" indent="0">
+              <a:buNone/>
+            </a:pPr>
+            <a:r>
+              <a:rPr lang="en-US" dirty="0"/>
+              <a:t>The user declares the desired state and the cluster takes care of its fulfillment. This holds true for all actions like create, update/patch or deletion of </a:t>
+            </a:r>
+            <a:r>
+              <a:rPr lang="en-US"/>
+              <a:t>a resource.</a:t>
+            </a:r>
+            <a:endParaRPr lang="en-US" dirty="0"/>
+          </a:p>
+          <a:p>
+            <a:pPr marL="0" indent="0">
+              <a:buNone/>
+            </a:pPr>
+            <a:endParaRPr lang="en-US" dirty="0"/>
+          </a:p>
+          <a:p>
+            <a:pPr marL="342900" indent="-342900">
+              <a:buAutoNum type="arabicParenR"/>
+            </a:pPr>
+            <a:r>
+              <a:rPr lang="en-US" dirty="0"/>
+              <a:t>Observe - a control loop, checking certain objects for their state.</a:t>
+            </a:r>
+          </a:p>
+          <a:p>
+            <a:pPr marL="342900" indent="-342900">
+              <a:buAutoNum type="arabicParenR"/>
+            </a:pPr>
+            <a:r>
+              <a:rPr lang="en-US" dirty="0"/>
+              <a:t>Analyze – check the current state against a desired state (may be stored in a different resource, outside of the cluster, hardcoded, …) </a:t>
+            </a:r>
+          </a:p>
+          <a:p>
+            <a:pPr marL="342900" indent="-342900">
+              <a:buAutoNum type="arabicParenR"/>
+            </a:pPr>
+            <a:r>
+              <a:rPr lang="en-US" dirty="0"/>
+              <a:t>Action – if there’s a difference between desired &amp; current state, the controller should act and trigger a defined action to bring the observed objects into the desired state</a:t>
+            </a:r>
+          </a:p>
+        </p:txBody>
+      </p:sp>
+      <p:sp>
+        <p:nvSpPr>
+          <p:cNvPr id="4" name="Slide Number Placeholder 3"/>
+          <p:cNvSpPr>
+            <a:spLocks noGrp="1"/>
+          </p:cNvSpPr>
+          <p:nvPr>
+            <p:ph type="sldNum" sz="quarter" idx="10"/>
+          </p:nvPr>
+        </p:nvSpPr>
+        <p:spPr/>
+        <p:txBody>
+          <a:bodyPr/>
+          <a:lstStyle/>
+          <a:p>
+            <a:fld id="{7D8C2C35-2B8A-446E-BEC0-FD36716C29AC}" type="slidenum">
+              <a:rPr lang="de-DE" smtClean="0"/>
+              <a:pPr/>
+              <a:t>8</a:t>
+            </a:fld>
+            <a:endParaRPr lang="de-DE" dirty="0"/>
+          </a:p>
+        </p:txBody>
+      </p:sp>
+    </p:spTree>
+    <p:extLst>
+      <p:ext uri="{BB962C8B-B14F-4D97-AF65-F5344CB8AC3E}">
+        <p14:creationId xmlns:p14="http://schemas.microsoft.com/office/powerpoint/2010/main" val="1188256622"/>
+      </p:ext>
+    </p:extLst>
+  </p:cSld>
+  <p:clrMapOvr>
+    <a:masterClrMapping/>
+  </p:clrMapOvr>
+</p:notes>
+</file>
+
+<file path=ppt/notesSlides/notesSlide9.xml><?xml version="1.0" encoding="utf-8"?>
+<p:notes xmlns:a="http://schemas.openxmlformats.org/drawingml/2006/main" xmlns:r="http://schemas.openxmlformats.org/officeDocument/2006/relationships" xmlns:p="http://schemas.openxmlformats.org/presentationml/2006/main">
+  <p:cSld>
+    <p:spTree>
+      <p:nvGrpSpPr>
+        <p:cNvPr id="1" name=""/>
+        <p:cNvGrpSpPr/>
+        <p:nvPr/>
+      </p:nvGrpSpPr>
+      <p:grpSpPr>
+        <a:xfrm>
+          <a:off x="0" y="0"/>
+          <a:ext cx="0" cy="0"/>
+          <a:chOff x="0" y="0"/>
+          <a:chExt cx="0" cy="0"/>
+        </a:xfrm>
+      </p:grpSpPr>
+      <p:sp>
+        <p:nvSpPr>
+          <p:cNvPr id="4" name="Slide Number Placeholder 3"/>
+          <p:cNvSpPr>
+            <a:spLocks noGrp="1"/>
+          </p:cNvSpPr>
+          <p:nvPr>
+            <p:ph type="sldNum" sz="quarter" idx="10"/>
+          </p:nvPr>
+        </p:nvSpPr>
+        <p:spPr/>
+        <p:txBody>
+          <a:bodyPr/>
+          <a:lstStyle/>
+          <a:p>
+            <a:fld id="{7D8C2C35-2B8A-446E-BEC0-FD36716C29AC}" type="slidenum">
+              <a:rPr lang="de-DE" smtClean="0"/>
+              <a:pPr/>
+              <a:t>13</a:t>
             </a:fld>
             <a:endParaRPr lang="de-DE" dirty="0"/>
           </a:p>
@@ -8751,6 +12634,1615 @@
 </file>
 
 <file path=ppt/slides/slide10.xml><?xml version="1.0" encoding="utf-8"?>
+<p:sld xmlns:a="http://schemas.openxmlformats.org/drawingml/2006/main" xmlns:r="http://schemas.openxmlformats.org/officeDocument/2006/relationships" xmlns:p="http://schemas.openxmlformats.org/presentationml/2006/main">
+  <p:cSld>
+    <p:spTree>
+      <p:nvGrpSpPr>
+        <p:cNvPr id="1" name=""/>
+        <p:cNvGrpSpPr/>
+        <p:nvPr/>
+      </p:nvGrpSpPr>
+      <p:grpSpPr>
+        <a:xfrm>
+          <a:off x="0" y="0"/>
+          <a:ext cx="0" cy="0"/>
+          <a:chOff x="0" y="0"/>
+          <a:chExt cx="0" cy="0"/>
+        </a:xfrm>
+      </p:grpSpPr>
+      <p:sp>
+        <p:nvSpPr>
+          <p:cNvPr id="3" name="Title 2"/>
+          <p:cNvSpPr>
+            <a:spLocks noGrp="1"/>
+          </p:cNvSpPr>
+          <p:nvPr>
+            <p:ph type="title"/>
+          </p:nvPr>
+        </p:nvSpPr>
+        <p:spPr/>
+        <p:txBody>
+          <a:bodyPr/>
+          <a:lstStyle/>
+          <a:p>
+            <a:r>
+              <a:rPr lang="en-US" dirty="0"/>
+              <a:t>Infrastructure for this training</a:t>
+            </a:r>
+          </a:p>
+        </p:txBody>
+      </p:sp>
+      <p:grpSp>
+        <p:nvGrpSpPr>
+          <p:cNvPr id="7" name="Group 6"/>
+          <p:cNvGrpSpPr/>
+          <p:nvPr/>
+        </p:nvGrpSpPr>
+        <p:grpSpPr>
+          <a:xfrm>
+            <a:off x="417324" y="1836420"/>
+            <a:ext cx="3854639" cy="4091940"/>
+            <a:chOff x="404941" y="2331720"/>
+            <a:chExt cx="3854639" cy="3688080"/>
+          </a:xfrm>
+        </p:grpSpPr>
+        <p:sp>
+          <p:nvSpPr>
+            <p:cNvPr id="4" name="Rectangle 3"/>
+            <p:cNvSpPr/>
+            <p:nvPr/>
+          </p:nvSpPr>
+          <p:spPr bwMode="gray">
+            <a:xfrm>
+              <a:off x="404941" y="2331720"/>
+              <a:ext cx="3854639" cy="3688080"/>
+            </a:xfrm>
+            <a:prstGeom prst="rect">
+              <a:avLst/>
+            </a:prstGeom>
+            <a:ln>
+              <a:headEnd/>
+              <a:tailEnd/>
+            </a:ln>
+          </p:spPr>
+          <p:style>
+            <a:lnRef idx="1">
+              <a:schemeClr val="accent2"/>
+            </a:lnRef>
+            <a:fillRef idx="2">
+              <a:schemeClr val="accent2"/>
+            </a:fillRef>
+            <a:effectRef idx="1">
+              <a:schemeClr val="accent2"/>
+            </a:effectRef>
+            <a:fontRef idx="minor">
+              <a:schemeClr val="dk1"/>
+            </a:fontRef>
+          </p:style>
+          <p:txBody>
+            <a:bodyPr lIns="90000" tIns="72000" rIns="90000" bIns="72000" rtlCol="0" anchor="t"/>
+            <a:lstStyle/>
+            <a:p>
+              <a:pPr marR="0" algn="ctr" defTabSz="914400" eaLnBrk="1" fontAlgn="base" latinLnBrk="0" hangingPunct="1">
+                <a:lnSpc>
+                  <a:spcPct val="100000"/>
+                </a:lnSpc>
+                <a:spcBef>
+                  <a:spcPct val="50000"/>
+                </a:spcBef>
+                <a:spcAft>
+                  <a:spcPct val="0"/>
+                </a:spcAft>
+                <a:buClr>
+                  <a:srgbClr val="F0AB00"/>
+                </a:buClr>
+                <a:buSzPct val="80000"/>
+                <a:tabLst/>
+              </a:pPr>
+              <a:r>
+                <a:rPr lang="de-DE" sz="2400" b="1" kern="0" dirty="0" err="1">
+                  <a:ea typeface="Arial Unicode MS" pitchFamily="34" charset="-128"/>
+                  <a:cs typeface="Arial Unicode MS" pitchFamily="34" charset="-128"/>
+                </a:rPr>
+                <a:t>local</a:t>
+              </a:r>
+              <a:r>
+                <a:rPr lang="de-DE" sz="2400" b="1" kern="0" dirty="0">
+                  <a:ea typeface="Arial Unicode MS" pitchFamily="34" charset="-128"/>
+                  <a:cs typeface="Arial Unicode MS" pitchFamily="34" charset="-128"/>
+                </a:rPr>
+                <a:t> </a:t>
+              </a:r>
+              <a:r>
+                <a:rPr lang="de-DE" sz="2400" b="1" kern="0" dirty="0" err="1">
+                  <a:ea typeface="Arial Unicode MS" pitchFamily="34" charset="-128"/>
+                  <a:cs typeface="Arial Unicode MS" pitchFamily="34" charset="-128"/>
+                </a:rPr>
+                <a:t>participant</a:t>
+              </a:r>
+              <a:r>
+                <a:rPr lang="de-DE" sz="2400" b="1" kern="0" dirty="0">
+                  <a:ea typeface="Arial Unicode MS" pitchFamily="34" charset="-128"/>
+                  <a:cs typeface="Arial Unicode MS" pitchFamily="34" charset="-128"/>
+                </a:rPr>
+                <a:t> VM</a:t>
+              </a:r>
+              <a:endParaRPr kumimoji="0" lang="de-DE" sz="2400" b="1" i="0" strike="noStrike" kern="0" cap="none" spc="0" normalizeH="0" baseline="0" noProof="0" dirty="0">
+                <a:ln>
+                  <a:noFill/>
+                </a:ln>
+                <a:effectLst/>
+                <a:uLnTx/>
+                <a:uFillTx/>
+                <a:ea typeface="Arial Unicode MS" pitchFamily="34" charset="-128"/>
+                <a:cs typeface="Arial Unicode MS" pitchFamily="34" charset="-128"/>
+              </a:endParaRPr>
+            </a:p>
+          </p:txBody>
+        </p:sp>
+        <p:sp>
+          <p:nvSpPr>
+            <p:cNvPr id="5" name="Scroll: Vertical 4"/>
+            <p:cNvSpPr/>
+            <p:nvPr/>
+          </p:nvSpPr>
+          <p:spPr bwMode="gray">
+            <a:xfrm>
+              <a:off x="563880" y="2987040"/>
+              <a:ext cx="1645920" cy="2750820"/>
+            </a:xfrm>
+            <a:prstGeom prst="verticalScroll">
+              <a:avLst/>
+            </a:prstGeom>
+            <a:ln>
+              <a:headEnd/>
+              <a:tailEnd/>
+            </a:ln>
+          </p:spPr>
+          <p:style>
+            <a:lnRef idx="2">
+              <a:schemeClr val="accent2"/>
+            </a:lnRef>
+            <a:fillRef idx="1">
+              <a:schemeClr val="lt1"/>
+            </a:fillRef>
+            <a:effectRef idx="0">
+              <a:schemeClr val="accent2"/>
+            </a:effectRef>
+            <a:fontRef idx="minor">
+              <a:schemeClr val="dk1"/>
+            </a:fontRef>
+          </p:style>
+          <p:txBody>
+            <a:bodyPr lIns="90000" tIns="72000" rIns="90000" bIns="72000" rtlCol="0" anchor="ctr"/>
+            <a:lstStyle/>
+            <a:p>
+              <a:pPr marR="0" defTabSz="914400" eaLnBrk="1" fontAlgn="base" latinLnBrk="0" hangingPunct="1">
+                <a:lnSpc>
+                  <a:spcPct val="100000"/>
+                </a:lnSpc>
+                <a:spcBef>
+                  <a:spcPct val="50000"/>
+                </a:spcBef>
+                <a:spcAft>
+                  <a:spcPct val="0"/>
+                </a:spcAft>
+                <a:buClr>
+                  <a:srgbClr val="F0AB00"/>
+                </a:buClr>
+                <a:buSzPct val="80000"/>
+                <a:tabLst/>
+              </a:pPr>
+              <a:r>
+                <a:rPr lang="en-US" sz="1400" b="1" kern="0" dirty="0">
+                  <a:ea typeface="Arial Unicode MS" pitchFamily="34" charset="-128"/>
+                  <a:cs typeface="Arial Unicode MS" pitchFamily="34" charset="-128"/>
+                </a:rPr>
+                <a:t>.</a:t>
+              </a:r>
+              <a:r>
+                <a:rPr lang="en-US" sz="1400" b="1" kern="0" dirty="0" err="1">
+                  <a:ea typeface="Arial Unicode MS" pitchFamily="34" charset="-128"/>
+                  <a:cs typeface="Arial Unicode MS" pitchFamily="34" charset="-128"/>
+                </a:rPr>
+                <a:t>kube</a:t>
+              </a:r>
+              <a:r>
+                <a:rPr lang="en-US" sz="1400" b="1" kern="0" dirty="0">
+                  <a:ea typeface="Arial Unicode MS" pitchFamily="34" charset="-128"/>
+                  <a:cs typeface="Arial Unicode MS" pitchFamily="34" charset="-128"/>
+                </a:rPr>
+                <a:t>/config</a:t>
+              </a:r>
+            </a:p>
+            <a:p>
+              <a:pPr marL="285750" marR="0" indent="-285750" defTabSz="914400" eaLnBrk="1" fontAlgn="base" latinLnBrk="0" hangingPunct="1">
+                <a:lnSpc>
+                  <a:spcPct val="100000"/>
+                </a:lnSpc>
+                <a:spcBef>
+                  <a:spcPct val="50000"/>
+                </a:spcBef>
+                <a:spcAft>
+                  <a:spcPct val="0"/>
+                </a:spcAft>
+                <a:buClr>
+                  <a:srgbClr val="F0AB00"/>
+                </a:buClr>
+                <a:buSzPct val="80000"/>
+                <a:buFont typeface="Wingdings" panose="05000000000000000000" pitchFamily="2" charset="2"/>
+                <a:buChar char="§"/>
+                <a:tabLst/>
+              </a:pPr>
+              <a:r>
+                <a:rPr kumimoji="0" lang="en-US" sz="1400" b="0" i="0" u="none" strike="noStrike" kern="0" cap="none" spc="0" normalizeH="0" noProof="0" dirty="0">
+                  <a:ln>
+                    <a:noFill/>
+                  </a:ln>
+                  <a:effectLst/>
+                  <a:uLnTx/>
+                  <a:uFillTx/>
+                  <a:ea typeface="Arial Unicode MS" pitchFamily="34" charset="-128"/>
+                  <a:cs typeface="Arial Unicode MS" pitchFamily="34" charset="-128"/>
+                </a:rPr>
+                <a:t>API server IP</a:t>
+              </a:r>
+            </a:p>
+            <a:p>
+              <a:pPr marL="285750" marR="0" indent="-285750" defTabSz="914400" eaLnBrk="1" fontAlgn="base" latinLnBrk="0" hangingPunct="1">
+                <a:lnSpc>
+                  <a:spcPct val="100000"/>
+                </a:lnSpc>
+                <a:spcBef>
+                  <a:spcPct val="50000"/>
+                </a:spcBef>
+                <a:spcAft>
+                  <a:spcPct val="0"/>
+                </a:spcAft>
+                <a:buClr>
+                  <a:srgbClr val="F0AB00"/>
+                </a:buClr>
+                <a:buSzPct val="80000"/>
+                <a:buFont typeface="Wingdings" panose="05000000000000000000" pitchFamily="2" charset="2"/>
+                <a:buChar char="§"/>
+                <a:tabLst/>
+              </a:pPr>
+              <a:r>
+                <a:rPr lang="en-US" sz="1400" kern="0" baseline="0" dirty="0">
+                  <a:ea typeface="Arial Unicode MS" pitchFamily="34" charset="-128"/>
+                  <a:cs typeface="Arial Unicode MS" pitchFamily="34" charset="-128"/>
+                </a:rPr>
+                <a:t>User </a:t>
+              </a:r>
+            </a:p>
+            <a:p>
+              <a:pPr marL="285750" marR="0" indent="-285750" defTabSz="914400" eaLnBrk="1" fontAlgn="base" latinLnBrk="0" hangingPunct="1">
+                <a:lnSpc>
+                  <a:spcPct val="100000"/>
+                </a:lnSpc>
+                <a:spcBef>
+                  <a:spcPct val="50000"/>
+                </a:spcBef>
+                <a:spcAft>
+                  <a:spcPct val="0"/>
+                </a:spcAft>
+                <a:buClr>
+                  <a:srgbClr val="F0AB00"/>
+                </a:buClr>
+                <a:buSzPct val="80000"/>
+                <a:buFont typeface="Wingdings" panose="05000000000000000000" pitchFamily="2" charset="2"/>
+                <a:buChar char="§"/>
+                <a:tabLst/>
+              </a:pPr>
+              <a:r>
+                <a:rPr kumimoji="0" lang="en-US" sz="1400" b="0" i="0" u="none" strike="noStrike" kern="0" cap="none" spc="0" normalizeH="0" noProof="0" dirty="0">
+                  <a:ln>
+                    <a:noFill/>
+                  </a:ln>
+                  <a:effectLst/>
+                  <a:uLnTx/>
+                  <a:uFillTx/>
+                  <a:ea typeface="Arial Unicode MS" pitchFamily="34" charset="-128"/>
+                  <a:cs typeface="Arial Unicode MS" pitchFamily="34" charset="-128"/>
+                </a:rPr>
+                <a:t>Access token</a:t>
+              </a:r>
+            </a:p>
+            <a:p>
+              <a:pPr marL="285750" marR="0" indent="-285750" defTabSz="914400" eaLnBrk="1" fontAlgn="base" latinLnBrk="0" hangingPunct="1">
+                <a:lnSpc>
+                  <a:spcPct val="100000"/>
+                </a:lnSpc>
+                <a:spcBef>
+                  <a:spcPct val="50000"/>
+                </a:spcBef>
+                <a:spcAft>
+                  <a:spcPct val="0"/>
+                </a:spcAft>
+                <a:buClr>
+                  <a:srgbClr val="F0AB00"/>
+                </a:buClr>
+                <a:buSzPct val="80000"/>
+                <a:buFont typeface="Wingdings" panose="05000000000000000000" pitchFamily="2" charset="2"/>
+                <a:buChar char="§"/>
+                <a:tabLst/>
+              </a:pPr>
+              <a:r>
+                <a:rPr lang="en-US" sz="1400" kern="0" baseline="0" dirty="0">
+                  <a:ea typeface="Arial Unicode MS" pitchFamily="34" charset="-128"/>
+                  <a:cs typeface="Arial Unicode MS" pitchFamily="34" charset="-128"/>
+                </a:rPr>
+                <a:t>Name-space</a:t>
+              </a:r>
+              <a:endParaRPr kumimoji="0" lang="en-US" sz="1400" b="0" i="0" u="none" strike="noStrike" kern="0" cap="none" spc="0" normalizeH="0" baseline="0" noProof="0" dirty="0">
+                <a:ln>
+                  <a:noFill/>
+                </a:ln>
+                <a:effectLst/>
+                <a:uLnTx/>
+                <a:uFillTx/>
+                <a:ea typeface="Arial Unicode MS" pitchFamily="34" charset="-128"/>
+                <a:cs typeface="Arial Unicode MS" pitchFamily="34" charset="-128"/>
+              </a:endParaRPr>
+            </a:p>
+          </p:txBody>
+        </p:sp>
+        <p:sp>
+          <p:nvSpPr>
+            <p:cNvPr id="6" name="Rectangle: Rounded Corners 5"/>
+            <p:cNvSpPr/>
+            <p:nvPr/>
+          </p:nvSpPr>
+          <p:spPr bwMode="gray">
+            <a:xfrm>
+              <a:off x="2484120" y="3673245"/>
+              <a:ext cx="1470660" cy="1082040"/>
+            </a:xfrm>
+            <a:prstGeom prst="roundRect">
+              <a:avLst/>
+            </a:prstGeom>
+            <a:ln>
+              <a:headEnd/>
+              <a:tailEnd/>
+            </a:ln>
+          </p:spPr>
+          <p:style>
+            <a:lnRef idx="2">
+              <a:schemeClr val="accent2"/>
+            </a:lnRef>
+            <a:fillRef idx="1">
+              <a:schemeClr val="lt1"/>
+            </a:fillRef>
+            <a:effectRef idx="0">
+              <a:schemeClr val="accent2"/>
+            </a:effectRef>
+            <a:fontRef idx="minor">
+              <a:schemeClr val="dk1"/>
+            </a:fontRef>
+          </p:style>
+          <p:txBody>
+            <a:bodyPr lIns="90000" tIns="72000" rIns="90000" bIns="72000" rtlCol="0" anchor="ctr"/>
+            <a:lstStyle/>
+            <a:p>
+              <a:pPr marR="0" algn="ctr" defTabSz="914400" eaLnBrk="1" fontAlgn="base" latinLnBrk="0" hangingPunct="1">
+                <a:lnSpc>
+                  <a:spcPct val="100000"/>
+                </a:lnSpc>
+                <a:spcBef>
+                  <a:spcPct val="50000"/>
+                </a:spcBef>
+                <a:spcAft>
+                  <a:spcPct val="0"/>
+                </a:spcAft>
+                <a:buClr>
+                  <a:srgbClr val="F0AB00"/>
+                </a:buClr>
+                <a:buSzPct val="80000"/>
+                <a:tabLst/>
+              </a:pPr>
+              <a:r>
+                <a:rPr kumimoji="0" lang="en-US" sz="1800" b="0" i="0" u="none" strike="noStrike" kern="0" cap="none" spc="0" normalizeH="0" baseline="0" noProof="0" dirty="0" err="1">
+                  <a:ln>
+                    <a:noFill/>
+                  </a:ln>
+                  <a:effectLst/>
+                  <a:uLnTx/>
+                  <a:uFillTx/>
+                  <a:ea typeface="Arial Unicode MS" pitchFamily="34" charset="-128"/>
+                  <a:cs typeface="Arial Unicode MS" pitchFamily="34" charset="-128"/>
+                </a:rPr>
+                <a:t>kubectl</a:t>
+              </a:r>
+              <a:endParaRPr kumimoji="0" lang="en-US" sz="1800" b="0" i="0" u="none" strike="noStrike" kern="0" cap="none" spc="0" normalizeH="0" baseline="0" noProof="0" dirty="0">
+                <a:ln>
+                  <a:noFill/>
+                </a:ln>
+                <a:effectLst/>
+                <a:uLnTx/>
+                <a:uFillTx/>
+                <a:ea typeface="Arial Unicode MS" pitchFamily="34" charset="-128"/>
+                <a:cs typeface="Arial Unicode MS" pitchFamily="34" charset="-128"/>
+              </a:endParaRPr>
+            </a:p>
+          </p:txBody>
+        </p:sp>
+      </p:grpSp>
+      <p:cxnSp>
+        <p:nvCxnSpPr>
+          <p:cNvPr id="9" name="Straight Connector 8"/>
+          <p:cNvCxnSpPr/>
+          <p:nvPr/>
+        </p:nvCxnSpPr>
+        <p:spPr>
+          <a:xfrm>
+            <a:off x="4968240" y="1546860"/>
+            <a:ext cx="30480" cy="5173980"/>
+          </a:xfrm>
+          <a:prstGeom prst="line">
+            <a:avLst/>
+          </a:prstGeom>
+          <a:ln w="57150">
+            <a:prstDash val="dash"/>
+            <a:headEnd type="none" w="med" len="med"/>
+            <a:tailEnd type="none" w="med" len="med"/>
+          </a:ln>
+        </p:spPr>
+        <p:style>
+          <a:lnRef idx="1">
+            <a:schemeClr val="accent4"/>
+          </a:lnRef>
+          <a:fillRef idx="0">
+            <a:schemeClr val="accent4"/>
+          </a:fillRef>
+          <a:effectRef idx="0">
+            <a:schemeClr val="accent4"/>
+          </a:effectRef>
+          <a:fontRef idx="minor">
+            <a:schemeClr val="tx1"/>
+          </a:fontRef>
+        </p:style>
+      </p:cxnSp>
+      <p:sp>
+        <p:nvSpPr>
+          <p:cNvPr id="16" name="Rectangle 15"/>
+          <p:cNvSpPr/>
+          <p:nvPr/>
+        </p:nvSpPr>
+        <p:spPr bwMode="gray">
+          <a:xfrm>
+            <a:off x="5338891" y="1744980"/>
+            <a:ext cx="6497447" cy="4762500"/>
+          </a:xfrm>
+          <a:prstGeom prst="rect">
+            <a:avLst/>
+          </a:prstGeom>
+          <a:noFill/>
+          <a:ln w="9525" cap="flat" cmpd="sng" algn="ctr">
+            <a:solidFill>
+              <a:schemeClr val="tx1"/>
+            </a:solidFill>
+            <a:prstDash val="solid"/>
+            <a:round/>
+            <a:headEnd type="none" w="med" len="med"/>
+            <a:tailEnd type="none" w="med" len="med"/>
+          </a:ln>
+        </p:spPr>
+        <p:style>
+          <a:lnRef idx="0">
+            <a:scrgbClr r="0" g="0" b="0"/>
+          </a:lnRef>
+          <a:fillRef idx="0">
+            <a:scrgbClr r="0" g="0" b="0"/>
+          </a:fillRef>
+          <a:effectRef idx="0">
+            <a:scrgbClr r="0" g="0" b="0"/>
+          </a:effectRef>
+          <a:fontRef idx="minor">
+            <a:schemeClr val="dk1"/>
+          </a:fontRef>
+        </p:style>
+        <p:txBody>
+          <a:bodyPr lIns="90000" tIns="72000" rIns="90000" bIns="72000" rtlCol="0" anchor="t"/>
+          <a:lstStyle/>
+          <a:p>
+            <a:pPr marR="0" algn="ctr" defTabSz="914400" eaLnBrk="1" fontAlgn="base" latinLnBrk="0" hangingPunct="1">
+              <a:lnSpc>
+                <a:spcPct val="100000"/>
+              </a:lnSpc>
+              <a:spcBef>
+                <a:spcPct val="50000"/>
+              </a:spcBef>
+              <a:spcAft>
+                <a:spcPct val="0"/>
+              </a:spcAft>
+              <a:buClr>
+                <a:srgbClr val="F0AB00"/>
+              </a:buClr>
+              <a:buSzPct val="80000"/>
+              <a:tabLst/>
+            </a:pPr>
+            <a:r>
+              <a:rPr lang="de-DE" sz="2400" kern="0" dirty="0">
+                <a:ln w="0"/>
+                <a:solidFill>
+                  <a:schemeClr val="tx1"/>
+                </a:solidFill>
+                <a:effectLst>
+                  <a:outerShdw blurRad="38100" dist="19050" dir="2700000" algn="tl" rotWithShape="0">
+                    <a:schemeClr val="dk1">
+                      <a:alpha val="40000"/>
+                    </a:schemeClr>
+                  </a:outerShdw>
+                </a:effectLst>
+                <a:ea typeface="Arial Unicode MS" pitchFamily="34" charset="-128"/>
+                <a:cs typeface="Arial Unicode MS" pitchFamily="34" charset="-128"/>
+              </a:rPr>
+              <a:t>K8s-training </a:t>
+            </a:r>
+            <a:r>
+              <a:rPr lang="de-DE" sz="2400" kern="0" dirty="0" err="1">
+                <a:ln w="0"/>
+                <a:solidFill>
+                  <a:schemeClr val="tx1"/>
+                </a:solidFill>
+                <a:effectLst>
+                  <a:outerShdw blurRad="38100" dist="19050" dir="2700000" algn="tl" rotWithShape="0">
+                    <a:schemeClr val="dk1">
+                      <a:alpha val="40000"/>
+                    </a:schemeClr>
+                  </a:outerShdw>
+                </a:effectLst>
+                <a:ea typeface="Arial Unicode MS" pitchFamily="34" charset="-128"/>
+                <a:cs typeface="Arial Unicode MS" pitchFamily="34" charset="-128"/>
+              </a:rPr>
+              <a:t>cluster</a:t>
+            </a:r>
+            <a:endParaRPr kumimoji="0" lang="de-DE" sz="2400" i="0" strike="noStrike" kern="0" normalizeH="0" baseline="0" noProof="0" dirty="0">
+              <a:ln w="0"/>
+              <a:solidFill>
+                <a:schemeClr val="tx1"/>
+              </a:solidFill>
+              <a:effectLst>
+                <a:outerShdw blurRad="38100" dist="19050" dir="2700000" algn="tl" rotWithShape="0">
+                  <a:schemeClr val="dk1">
+                    <a:alpha val="40000"/>
+                  </a:schemeClr>
+                </a:outerShdw>
+              </a:effectLst>
+              <a:uLnTx/>
+              <a:uFillTx/>
+              <a:ea typeface="Arial Unicode MS" pitchFamily="34" charset="-128"/>
+              <a:cs typeface="Arial Unicode MS" pitchFamily="34" charset="-128"/>
+            </a:endParaRPr>
+          </a:p>
+        </p:txBody>
+      </p:sp>
+      <p:sp>
+        <p:nvSpPr>
+          <p:cNvPr id="19" name="Rectangle 18"/>
+          <p:cNvSpPr/>
+          <p:nvPr/>
+        </p:nvSpPr>
+        <p:spPr bwMode="gray">
+          <a:xfrm>
+            <a:off x="8890352" y="2540137"/>
+            <a:ext cx="2724717" cy="2015489"/>
+          </a:xfrm>
+          <a:prstGeom prst="rect">
+            <a:avLst/>
+          </a:prstGeom>
+          <a:ln>
+            <a:headEnd/>
+            <a:tailEnd/>
+          </a:ln>
+        </p:spPr>
+        <p:style>
+          <a:lnRef idx="1">
+            <a:schemeClr val="accent2"/>
+          </a:lnRef>
+          <a:fillRef idx="2">
+            <a:schemeClr val="accent2"/>
+          </a:fillRef>
+          <a:effectRef idx="1">
+            <a:schemeClr val="accent2"/>
+          </a:effectRef>
+          <a:fontRef idx="minor">
+            <a:schemeClr val="dk1"/>
+          </a:fontRef>
+        </p:style>
+        <p:txBody>
+          <a:bodyPr lIns="90000" tIns="72000" rIns="90000" bIns="72000" rtlCol="0" anchor="t"/>
+          <a:lstStyle/>
+          <a:p>
+            <a:pPr algn="ctr" defTabSz="914400" fontAlgn="base">
+              <a:spcBef>
+                <a:spcPct val="50000"/>
+              </a:spcBef>
+              <a:spcAft>
+                <a:spcPct val="0"/>
+              </a:spcAft>
+              <a:buClr>
+                <a:srgbClr val="F0AB00"/>
+              </a:buClr>
+              <a:buSzPct val="80000"/>
+            </a:pPr>
+            <a:endParaRPr lang="de-DE" sz="1400" b="1" kern="0" dirty="0">
+              <a:ea typeface="Arial Unicode MS" pitchFamily="34" charset="-128"/>
+              <a:cs typeface="Arial Unicode MS" pitchFamily="34" charset="-128"/>
+            </a:endParaRPr>
+          </a:p>
+        </p:txBody>
+      </p:sp>
+      <p:sp>
+        <p:nvSpPr>
+          <p:cNvPr id="20" name="Rectangle 19"/>
+          <p:cNvSpPr/>
+          <p:nvPr/>
+        </p:nvSpPr>
+        <p:spPr bwMode="gray">
+          <a:xfrm>
+            <a:off x="8791291" y="2756956"/>
+            <a:ext cx="2724717" cy="2015489"/>
+          </a:xfrm>
+          <a:prstGeom prst="rect">
+            <a:avLst/>
+          </a:prstGeom>
+          <a:ln>
+            <a:headEnd/>
+            <a:tailEnd/>
+          </a:ln>
+        </p:spPr>
+        <p:style>
+          <a:lnRef idx="1">
+            <a:schemeClr val="accent2"/>
+          </a:lnRef>
+          <a:fillRef idx="2">
+            <a:schemeClr val="accent2"/>
+          </a:fillRef>
+          <a:effectRef idx="1">
+            <a:schemeClr val="accent2"/>
+          </a:effectRef>
+          <a:fontRef idx="minor">
+            <a:schemeClr val="dk1"/>
+          </a:fontRef>
+        </p:style>
+        <p:txBody>
+          <a:bodyPr lIns="90000" tIns="72000" rIns="90000" bIns="72000" rtlCol="0" anchor="t"/>
+          <a:lstStyle/>
+          <a:p>
+            <a:pPr algn="ctr" defTabSz="914400" fontAlgn="base">
+              <a:spcBef>
+                <a:spcPct val="50000"/>
+              </a:spcBef>
+              <a:spcAft>
+                <a:spcPct val="0"/>
+              </a:spcAft>
+              <a:buClr>
+                <a:srgbClr val="F0AB00"/>
+              </a:buClr>
+              <a:buSzPct val="80000"/>
+            </a:pPr>
+            <a:endParaRPr lang="de-DE" sz="1400" b="1" kern="0" dirty="0">
+              <a:ea typeface="Arial Unicode MS" pitchFamily="34" charset="-128"/>
+              <a:cs typeface="Arial Unicode MS" pitchFamily="34" charset="-128"/>
+            </a:endParaRPr>
+          </a:p>
+        </p:txBody>
+      </p:sp>
+      <p:sp>
+        <p:nvSpPr>
+          <p:cNvPr id="21" name="Rectangle 20"/>
+          <p:cNvSpPr/>
+          <p:nvPr/>
+        </p:nvSpPr>
+        <p:spPr bwMode="gray">
+          <a:xfrm>
+            <a:off x="5768587" y="3105075"/>
+            <a:ext cx="2392755" cy="1635766"/>
+          </a:xfrm>
+          <a:prstGeom prst="rect">
+            <a:avLst/>
+          </a:prstGeom>
+          <a:ln>
+            <a:headEnd/>
+            <a:tailEnd/>
+          </a:ln>
+        </p:spPr>
+        <p:style>
+          <a:lnRef idx="1">
+            <a:schemeClr val="accent2"/>
+          </a:lnRef>
+          <a:fillRef idx="2">
+            <a:schemeClr val="accent2"/>
+          </a:fillRef>
+          <a:effectRef idx="1">
+            <a:schemeClr val="accent2"/>
+          </a:effectRef>
+          <a:fontRef idx="minor">
+            <a:schemeClr val="dk1"/>
+          </a:fontRef>
+        </p:style>
+        <p:txBody>
+          <a:bodyPr lIns="90000" tIns="72000" rIns="90000" bIns="72000" rtlCol="0" anchor="t"/>
+          <a:lstStyle/>
+          <a:p>
+            <a:pPr algn="ctr" defTabSz="914400" fontAlgn="base">
+              <a:spcBef>
+                <a:spcPct val="50000"/>
+              </a:spcBef>
+              <a:spcAft>
+                <a:spcPct val="0"/>
+              </a:spcAft>
+              <a:buClr>
+                <a:srgbClr val="F0AB00"/>
+              </a:buClr>
+              <a:buSzPct val="80000"/>
+            </a:pPr>
+            <a:r>
+              <a:rPr lang="de-DE" sz="1400" b="1" kern="0" dirty="0">
+                <a:ea typeface="Arial Unicode MS" pitchFamily="34" charset="-128"/>
+                <a:cs typeface="Arial Unicode MS" pitchFamily="34" charset="-128"/>
+              </a:rPr>
+              <a:t>Master</a:t>
+            </a:r>
+          </a:p>
+        </p:txBody>
+      </p:sp>
+      <p:sp>
+        <p:nvSpPr>
+          <p:cNvPr id="22" name="Rectangle 21"/>
+          <p:cNvSpPr/>
+          <p:nvPr/>
+        </p:nvSpPr>
+        <p:spPr bwMode="gray">
+          <a:xfrm>
+            <a:off x="6258465" y="3697498"/>
+            <a:ext cx="1336229" cy="453581"/>
+          </a:xfrm>
+          <a:prstGeom prst="rect">
+            <a:avLst/>
+          </a:prstGeom>
+          <a:ln>
+            <a:headEnd/>
+            <a:tailEnd/>
+          </a:ln>
+        </p:spPr>
+        <p:style>
+          <a:lnRef idx="2">
+            <a:schemeClr val="accent2">
+              <a:shade val="50000"/>
+            </a:schemeClr>
+          </a:lnRef>
+          <a:fillRef idx="1">
+            <a:schemeClr val="accent2"/>
+          </a:fillRef>
+          <a:effectRef idx="0">
+            <a:schemeClr val="accent2"/>
+          </a:effectRef>
+          <a:fontRef idx="minor">
+            <a:schemeClr val="lt1"/>
+          </a:fontRef>
+        </p:style>
+        <p:txBody>
+          <a:bodyPr lIns="90000" tIns="72000" rIns="90000" bIns="72000" rtlCol="0" anchor="ctr"/>
+          <a:lstStyle/>
+          <a:p>
+            <a:pPr marR="0" algn="ctr" defTabSz="914400" eaLnBrk="1" fontAlgn="base" latinLnBrk="0" hangingPunct="1">
+              <a:lnSpc>
+                <a:spcPct val="100000"/>
+              </a:lnSpc>
+              <a:spcBef>
+                <a:spcPct val="50000"/>
+              </a:spcBef>
+              <a:spcAft>
+                <a:spcPct val="0"/>
+              </a:spcAft>
+              <a:buClr>
+                <a:srgbClr val="F0AB00"/>
+              </a:buClr>
+              <a:buSzPct val="80000"/>
+              <a:tabLst/>
+            </a:pPr>
+            <a:r>
+              <a:rPr kumimoji="0" lang="de-DE" sz="1600" b="1" i="0" u="none" strike="noStrike" kern="0" cap="none" spc="0" normalizeH="0" baseline="0" noProof="0" dirty="0">
+                <a:ln>
+                  <a:noFill/>
+                </a:ln>
+                <a:effectLst/>
+                <a:uLnTx/>
+                <a:uFillTx/>
+                <a:ea typeface="Arial Unicode MS" pitchFamily="34" charset="-128"/>
+                <a:cs typeface="Arial Unicode MS" pitchFamily="34" charset="-128"/>
+              </a:rPr>
+              <a:t>API</a:t>
+            </a:r>
+            <a:r>
+              <a:rPr kumimoji="0" lang="de-DE" sz="1600" b="1" i="0" u="none" strike="noStrike" kern="0" cap="none" spc="0" normalizeH="0" noProof="0" dirty="0">
+                <a:ln>
+                  <a:noFill/>
+                </a:ln>
+                <a:effectLst/>
+                <a:uLnTx/>
+                <a:uFillTx/>
+                <a:ea typeface="Arial Unicode MS" pitchFamily="34" charset="-128"/>
+                <a:cs typeface="Arial Unicode MS" pitchFamily="34" charset="-128"/>
+              </a:rPr>
+              <a:t> Server</a:t>
+            </a:r>
+            <a:endParaRPr kumimoji="0" lang="de-DE" sz="1600" b="1" i="0" u="none" strike="noStrike" kern="0" cap="none" spc="0" normalizeH="0" baseline="0" noProof="0" dirty="0">
+              <a:ln>
+                <a:noFill/>
+              </a:ln>
+              <a:effectLst/>
+              <a:uLnTx/>
+              <a:uFillTx/>
+              <a:ea typeface="Arial Unicode MS" pitchFamily="34" charset="-128"/>
+              <a:cs typeface="Arial Unicode MS" pitchFamily="34" charset="-128"/>
+            </a:endParaRPr>
+          </a:p>
+        </p:txBody>
+      </p:sp>
+      <p:sp>
+        <p:nvSpPr>
+          <p:cNvPr id="31" name="Rectangle 30"/>
+          <p:cNvSpPr/>
+          <p:nvPr/>
+        </p:nvSpPr>
+        <p:spPr bwMode="gray">
+          <a:xfrm>
+            <a:off x="6156960" y="5356744"/>
+            <a:ext cx="1575643" cy="918462"/>
+          </a:xfrm>
+          <a:prstGeom prst="rect">
+            <a:avLst/>
+          </a:prstGeom>
+          <a:ln>
+            <a:headEnd/>
+            <a:tailEnd/>
+          </a:ln>
+        </p:spPr>
+        <p:style>
+          <a:lnRef idx="1">
+            <a:schemeClr val="accent2"/>
+          </a:lnRef>
+          <a:fillRef idx="2">
+            <a:schemeClr val="accent2"/>
+          </a:fillRef>
+          <a:effectRef idx="1">
+            <a:schemeClr val="accent2"/>
+          </a:effectRef>
+          <a:fontRef idx="minor">
+            <a:schemeClr val="dk1"/>
+          </a:fontRef>
+        </p:style>
+        <p:txBody>
+          <a:bodyPr lIns="90000" tIns="72000" rIns="90000" bIns="72000" rtlCol="0" anchor="ctr"/>
+          <a:lstStyle/>
+          <a:p>
+            <a:pPr marR="0" algn="ctr" defTabSz="914400" eaLnBrk="1" fontAlgn="base" latinLnBrk="0" hangingPunct="1">
+              <a:lnSpc>
+                <a:spcPct val="100000"/>
+              </a:lnSpc>
+              <a:spcBef>
+                <a:spcPct val="50000"/>
+              </a:spcBef>
+              <a:spcAft>
+                <a:spcPct val="0"/>
+              </a:spcAft>
+              <a:buClr>
+                <a:srgbClr val="F0AB00"/>
+              </a:buClr>
+              <a:buSzPct val="80000"/>
+              <a:tabLst/>
+            </a:pPr>
+            <a:r>
+              <a:rPr kumimoji="0" lang="de-DE" sz="1800" b="1" i="0" strike="noStrike" kern="0" cap="none" spc="0" normalizeH="0" baseline="0" noProof="0" dirty="0" err="1">
+                <a:ln>
+                  <a:noFill/>
+                </a:ln>
+                <a:effectLst/>
+                <a:uLnTx/>
+                <a:uFillTx/>
+                <a:ea typeface="Arial Unicode MS" pitchFamily="34" charset="-128"/>
+                <a:cs typeface="Arial Unicode MS" pitchFamily="34" charset="-128"/>
+              </a:rPr>
+              <a:t>etcd</a:t>
+            </a:r>
+            <a:endParaRPr kumimoji="0" lang="de-DE" sz="1800" b="1" i="0" strike="noStrike" kern="0" cap="none" spc="0" normalizeH="0" baseline="0" noProof="0" dirty="0">
+              <a:ln>
+                <a:noFill/>
+              </a:ln>
+              <a:effectLst/>
+              <a:uLnTx/>
+              <a:uFillTx/>
+              <a:ea typeface="Arial Unicode MS" pitchFamily="34" charset="-128"/>
+              <a:cs typeface="Arial Unicode MS" pitchFamily="34" charset="-128"/>
+            </a:endParaRPr>
+          </a:p>
+          <a:p>
+            <a:pPr marR="0" algn="ctr" defTabSz="914400" eaLnBrk="1" fontAlgn="base" latinLnBrk="0" hangingPunct="1">
+              <a:lnSpc>
+                <a:spcPct val="100000"/>
+              </a:lnSpc>
+              <a:spcBef>
+                <a:spcPct val="50000"/>
+              </a:spcBef>
+              <a:spcAft>
+                <a:spcPct val="0"/>
+              </a:spcAft>
+              <a:buClr>
+                <a:srgbClr val="F0AB00"/>
+              </a:buClr>
+              <a:buSzPct val="80000"/>
+              <a:tabLst/>
+            </a:pPr>
+            <a:r>
+              <a:rPr lang="de-DE" sz="1100" b="1" kern="0" dirty="0">
+                <a:ea typeface="Arial Unicode MS" pitchFamily="34" charset="-128"/>
+                <a:cs typeface="Arial Unicode MS" pitchFamily="34" charset="-128"/>
+              </a:rPr>
+              <a:t>(</a:t>
+            </a:r>
+            <a:r>
+              <a:rPr lang="de-DE" sz="1100" b="1" kern="0" dirty="0" err="1">
+                <a:ea typeface="Arial Unicode MS" pitchFamily="34" charset="-128"/>
+                <a:cs typeface="Arial Unicode MS" pitchFamily="34" charset="-128"/>
+              </a:rPr>
+              <a:t>distributed</a:t>
+            </a:r>
+            <a:r>
+              <a:rPr lang="de-DE" sz="1100" b="1" kern="0" dirty="0">
+                <a:ea typeface="Arial Unicode MS" pitchFamily="34" charset="-128"/>
+                <a:cs typeface="Arial Unicode MS" pitchFamily="34" charset="-128"/>
+              </a:rPr>
+              <a:t>) </a:t>
+            </a:r>
+            <a:r>
+              <a:rPr lang="de-DE" sz="1100" b="1" kern="0" dirty="0" err="1">
+                <a:ea typeface="Arial Unicode MS" pitchFamily="34" charset="-128"/>
+                <a:cs typeface="Arial Unicode MS" pitchFamily="34" charset="-128"/>
+              </a:rPr>
+              <a:t>key-value</a:t>
+            </a:r>
+            <a:r>
+              <a:rPr lang="de-DE" sz="1100" b="1" kern="0" dirty="0">
+                <a:ea typeface="Arial Unicode MS" pitchFamily="34" charset="-128"/>
+                <a:cs typeface="Arial Unicode MS" pitchFamily="34" charset="-128"/>
+              </a:rPr>
+              <a:t> </a:t>
+            </a:r>
+            <a:r>
+              <a:rPr lang="de-DE" sz="1100" b="1" kern="0" dirty="0" err="1">
+                <a:ea typeface="Arial Unicode MS" pitchFamily="34" charset="-128"/>
+                <a:cs typeface="Arial Unicode MS" pitchFamily="34" charset="-128"/>
+              </a:rPr>
+              <a:t>store</a:t>
+            </a:r>
+            <a:endParaRPr kumimoji="0" lang="de-DE" sz="1800" b="1" i="0" strike="noStrike" kern="0" cap="none" spc="0" normalizeH="0" baseline="0" noProof="0" dirty="0">
+              <a:ln>
+                <a:noFill/>
+              </a:ln>
+              <a:effectLst/>
+              <a:uLnTx/>
+              <a:uFillTx/>
+              <a:ea typeface="Arial Unicode MS" pitchFamily="34" charset="-128"/>
+              <a:cs typeface="Arial Unicode MS" pitchFamily="34" charset="-128"/>
+            </a:endParaRPr>
+          </a:p>
+        </p:txBody>
+      </p:sp>
+      <p:cxnSp>
+        <p:nvCxnSpPr>
+          <p:cNvPr id="32" name="Straight Arrow Connector 31"/>
+          <p:cNvCxnSpPr>
+            <a:stCxn id="22" idx="2"/>
+            <a:endCxn id="31" idx="0"/>
+          </p:cNvCxnSpPr>
+          <p:nvPr/>
+        </p:nvCxnSpPr>
+        <p:spPr>
+          <a:xfrm>
+            <a:off x="6926580" y="4151079"/>
+            <a:ext cx="18202" cy="1205665"/>
+          </a:xfrm>
+          <a:prstGeom prst="straightConnector1">
+            <a:avLst/>
+          </a:prstGeom>
+          <a:ln w="57150">
+            <a:solidFill>
+              <a:schemeClr val="accent2"/>
+            </a:solidFill>
+            <a:headEnd type="triangle"/>
+            <a:tailEnd type="triangle"/>
+          </a:ln>
+        </p:spPr>
+        <p:style>
+          <a:lnRef idx="1">
+            <a:schemeClr val="accent1"/>
+          </a:lnRef>
+          <a:fillRef idx="0">
+            <a:schemeClr val="accent1"/>
+          </a:fillRef>
+          <a:effectRef idx="0">
+            <a:schemeClr val="accent1"/>
+          </a:effectRef>
+          <a:fontRef idx="minor">
+            <a:schemeClr val="tx1"/>
+          </a:fontRef>
+        </p:style>
+      </p:cxnSp>
+      <p:sp>
+        <p:nvSpPr>
+          <p:cNvPr id="33" name="Rectangle 32"/>
+          <p:cNvSpPr/>
+          <p:nvPr/>
+        </p:nvSpPr>
+        <p:spPr bwMode="gray">
+          <a:xfrm>
+            <a:off x="8733601" y="3032761"/>
+            <a:ext cx="2724717" cy="2015489"/>
+          </a:xfrm>
+          <a:prstGeom prst="rect">
+            <a:avLst/>
+          </a:prstGeom>
+          <a:ln>
+            <a:headEnd/>
+            <a:tailEnd/>
+          </a:ln>
+        </p:spPr>
+        <p:style>
+          <a:lnRef idx="1">
+            <a:schemeClr val="accent2"/>
+          </a:lnRef>
+          <a:fillRef idx="2">
+            <a:schemeClr val="accent2"/>
+          </a:fillRef>
+          <a:effectRef idx="1">
+            <a:schemeClr val="accent2"/>
+          </a:effectRef>
+          <a:fontRef idx="minor">
+            <a:schemeClr val="dk1"/>
+          </a:fontRef>
+        </p:style>
+        <p:txBody>
+          <a:bodyPr lIns="90000" tIns="72000" rIns="90000" bIns="72000" rtlCol="0" anchor="t"/>
+          <a:lstStyle/>
+          <a:p>
+            <a:pPr algn="ctr" defTabSz="914400" fontAlgn="base">
+              <a:spcBef>
+                <a:spcPct val="50000"/>
+              </a:spcBef>
+              <a:spcAft>
+                <a:spcPct val="0"/>
+              </a:spcAft>
+              <a:buClr>
+                <a:srgbClr val="F0AB00"/>
+              </a:buClr>
+              <a:buSzPct val="80000"/>
+            </a:pPr>
+            <a:r>
+              <a:rPr lang="de-DE" sz="1400" b="1" kern="0" dirty="0">
+                <a:ea typeface="Arial Unicode MS" pitchFamily="34" charset="-128"/>
+                <a:cs typeface="Arial Unicode MS" pitchFamily="34" charset="-128"/>
+              </a:rPr>
+              <a:t>Worker</a:t>
+            </a:r>
+          </a:p>
+        </p:txBody>
+      </p:sp>
+      <p:sp>
+        <p:nvSpPr>
+          <p:cNvPr id="34" name="Rectangle 33"/>
+          <p:cNvSpPr/>
+          <p:nvPr/>
+        </p:nvSpPr>
+        <p:spPr bwMode="gray">
+          <a:xfrm>
+            <a:off x="8851967" y="3722804"/>
+            <a:ext cx="2551108" cy="1085192"/>
+          </a:xfrm>
+          <a:prstGeom prst="rect">
+            <a:avLst/>
+          </a:prstGeom>
+          <a:solidFill>
+            <a:schemeClr val="accent1">
+              <a:lumMod val="60000"/>
+              <a:lumOff val="40000"/>
+            </a:schemeClr>
+          </a:solidFill>
+          <a:ln>
+            <a:headEnd/>
+            <a:tailEnd/>
+          </a:ln>
+        </p:spPr>
+        <p:style>
+          <a:lnRef idx="1">
+            <a:schemeClr val="accent1"/>
+          </a:lnRef>
+          <a:fillRef idx="2">
+            <a:schemeClr val="accent1"/>
+          </a:fillRef>
+          <a:effectRef idx="1">
+            <a:schemeClr val="accent1"/>
+          </a:effectRef>
+          <a:fontRef idx="minor">
+            <a:schemeClr val="dk1"/>
+          </a:fontRef>
+        </p:style>
+        <p:txBody>
+          <a:bodyPr lIns="90000" tIns="72000" rIns="90000" bIns="72000" rtlCol="0" anchor="b"/>
+          <a:lstStyle/>
+          <a:p>
+            <a:pPr marR="0" defTabSz="914400" eaLnBrk="1" fontAlgn="base" latinLnBrk="0" hangingPunct="1">
+              <a:lnSpc>
+                <a:spcPct val="100000"/>
+              </a:lnSpc>
+              <a:spcBef>
+                <a:spcPct val="50000"/>
+              </a:spcBef>
+              <a:spcAft>
+                <a:spcPct val="0"/>
+              </a:spcAft>
+              <a:buClr>
+                <a:srgbClr val="F0AB00"/>
+              </a:buClr>
+              <a:buSzPct val="80000"/>
+              <a:tabLst/>
+            </a:pPr>
+            <a:r>
+              <a:rPr lang="de-DE" sz="1200" b="1" kern="0" noProof="0" dirty="0">
+                <a:ea typeface="Arial Unicode MS" pitchFamily="34" charset="-128"/>
+                <a:cs typeface="Arial Unicode MS" pitchFamily="34" charset="-128"/>
+              </a:rPr>
+              <a:t>D</a:t>
+            </a:r>
+            <a:r>
+              <a:rPr kumimoji="0" lang="de-DE" sz="1200" b="1" i="0" strike="noStrike" kern="0" cap="none" spc="0" normalizeH="0" baseline="0" noProof="0" dirty="0">
+                <a:ln>
+                  <a:noFill/>
+                </a:ln>
+                <a:effectLst/>
+                <a:uLnTx/>
+                <a:uFillTx/>
+                <a:ea typeface="Arial Unicode MS" pitchFamily="34" charset="-128"/>
+                <a:cs typeface="Arial Unicode MS" pitchFamily="34" charset="-128"/>
+              </a:rPr>
+              <a:t>ocker</a:t>
+            </a:r>
+            <a:endParaRPr kumimoji="0" lang="de-DE" sz="1400" b="1" i="0" strike="noStrike" kern="0" cap="none" spc="0" normalizeH="0" baseline="0" noProof="0" dirty="0">
+              <a:ln>
+                <a:noFill/>
+              </a:ln>
+              <a:effectLst/>
+              <a:uLnTx/>
+              <a:uFillTx/>
+              <a:ea typeface="Arial Unicode MS" pitchFamily="34" charset="-128"/>
+              <a:cs typeface="Arial Unicode MS" pitchFamily="34" charset="-128"/>
+            </a:endParaRPr>
+          </a:p>
+        </p:txBody>
+      </p:sp>
+      <p:sp>
+        <p:nvSpPr>
+          <p:cNvPr id="36" name="Rectangle 35"/>
+          <p:cNvSpPr/>
+          <p:nvPr/>
+        </p:nvSpPr>
+        <p:spPr bwMode="gray">
+          <a:xfrm>
+            <a:off x="9066103" y="3922958"/>
+            <a:ext cx="889224" cy="507936"/>
+          </a:xfrm>
+          <a:prstGeom prst="rect">
+            <a:avLst/>
+          </a:prstGeom>
+          <a:ln>
+            <a:headEnd/>
+            <a:tailEnd/>
+          </a:ln>
+        </p:spPr>
+        <p:style>
+          <a:lnRef idx="2">
+            <a:schemeClr val="accent2">
+              <a:shade val="50000"/>
+            </a:schemeClr>
+          </a:lnRef>
+          <a:fillRef idx="1">
+            <a:schemeClr val="accent2"/>
+          </a:fillRef>
+          <a:effectRef idx="0">
+            <a:schemeClr val="accent2"/>
+          </a:effectRef>
+          <a:fontRef idx="minor">
+            <a:schemeClr val="lt1"/>
+          </a:fontRef>
+        </p:style>
+        <p:txBody>
+          <a:bodyPr lIns="90000" tIns="72000" rIns="90000" bIns="72000" rtlCol="0" anchor="ctr"/>
+          <a:lstStyle/>
+          <a:p>
+            <a:pPr marR="0" algn="ctr" defTabSz="914400" eaLnBrk="1" fontAlgn="base" latinLnBrk="0" hangingPunct="1">
+              <a:lnSpc>
+                <a:spcPct val="100000"/>
+              </a:lnSpc>
+              <a:spcBef>
+                <a:spcPct val="50000"/>
+              </a:spcBef>
+              <a:spcAft>
+                <a:spcPct val="0"/>
+              </a:spcAft>
+              <a:buClr>
+                <a:srgbClr val="F0AB00"/>
+              </a:buClr>
+              <a:buSzPct val="80000"/>
+              <a:tabLst/>
+            </a:pPr>
+            <a:r>
+              <a:rPr lang="de-DE" sz="1050" b="1" kern="0" noProof="0" dirty="0" err="1">
+                <a:ea typeface="Arial Unicode MS" pitchFamily="34" charset="-128"/>
+                <a:cs typeface="Arial Unicode MS" pitchFamily="34" charset="-128"/>
+              </a:rPr>
+              <a:t>Pod</a:t>
+            </a:r>
+            <a:endParaRPr kumimoji="0" lang="de-DE" sz="1050" b="1" i="0" u="none" strike="noStrike" kern="0" cap="none" spc="0" normalizeH="0" baseline="0" noProof="0" dirty="0">
+              <a:ln>
+                <a:noFill/>
+              </a:ln>
+              <a:effectLst/>
+              <a:uLnTx/>
+              <a:uFillTx/>
+              <a:ea typeface="Arial Unicode MS" pitchFamily="34" charset="-128"/>
+              <a:cs typeface="Arial Unicode MS" pitchFamily="34" charset="-128"/>
+            </a:endParaRPr>
+          </a:p>
+        </p:txBody>
+      </p:sp>
+      <p:sp>
+        <p:nvSpPr>
+          <p:cNvPr id="37" name="Rectangle 36"/>
+          <p:cNvSpPr/>
+          <p:nvPr/>
+        </p:nvSpPr>
+        <p:spPr bwMode="gray">
+          <a:xfrm>
+            <a:off x="10287262" y="3922958"/>
+            <a:ext cx="889224" cy="507936"/>
+          </a:xfrm>
+          <a:prstGeom prst="rect">
+            <a:avLst/>
+          </a:prstGeom>
+          <a:ln>
+            <a:headEnd/>
+            <a:tailEnd/>
+          </a:ln>
+        </p:spPr>
+        <p:style>
+          <a:lnRef idx="2">
+            <a:schemeClr val="accent2">
+              <a:shade val="50000"/>
+            </a:schemeClr>
+          </a:lnRef>
+          <a:fillRef idx="1">
+            <a:schemeClr val="accent2"/>
+          </a:fillRef>
+          <a:effectRef idx="0">
+            <a:schemeClr val="accent2"/>
+          </a:effectRef>
+          <a:fontRef idx="minor">
+            <a:schemeClr val="lt1"/>
+          </a:fontRef>
+        </p:style>
+        <p:txBody>
+          <a:bodyPr lIns="90000" tIns="72000" rIns="90000" bIns="72000" rtlCol="0" anchor="ctr"/>
+          <a:lstStyle/>
+          <a:p>
+            <a:pPr marR="0" algn="ctr" defTabSz="914400" eaLnBrk="1" fontAlgn="base" latinLnBrk="0" hangingPunct="1">
+              <a:lnSpc>
+                <a:spcPct val="100000"/>
+              </a:lnSpc>
+              <a:spcBef>
+                <a:spcPct val="50000"/>
+              </a:spcBef>
+              <a:spcAft>
+                <a:spcPct val="0"/>
+              </a:spcAft>
+              <a:buClr>
+                <a:srgbClr val="F0AB00"/>
+              </a:buClr>
+              <a:buSzPct val="80000"/>
+              <a:tabLst/>
+            </a:pPr>
+            <a:r>
+              <a:rPr lang="de-DE" sz="1050" b="1" kern="0" noProof="0" dirty="0" err="1">
+                <a:ea typeface="Arial Unicode MS" pitchFamily="34" charset="-128"/>
+                <a:cs typeface="Arial Unicode MS" pitchFamily="34" charset="-128"/>
+              </a:rPr>
+              <a:t>Pod</a:t>
+            </a:r>
+            <a:endParaRPr kumimoji="0" lang="de-DE" sz="1050" b="1" i="0" u="none" strike="noStrike" kern="0" cap="none" spc="0" normalizeH="0" baseline="0" noProof="0" dirty="0">
+              <a:ln>
+                <a:noFill/>
+              </a:ln>
+              <a:effectLst/>
+              <a:uLnTx/>
+              <a:uFillTx/>
+              <a:ea typeface="Arial Unicode MS" pitchFamily="34" charset="-128"/>
+              <a:cs typeface="Arial Unicode MS" pitchFamily="34" charset="-128"/>
+            </a:endParaRPr>
+          </a:p>
+        </p:txBody>
+      </p:sp>
+      <p:cxnSp>
+        <p:nvCxnSpPr>
+          <p:cNvPr id="41" name="Straight Arrow Connector 40"/>
+          <p:cNvCxnSpPr>
+            <a:stCxn id="31" idx="3"/>
+            <a:endCxn id="33" idx="1"/>
+          </p:cNvCxnSpPr>
+          <p:nvPr/>
+        </p:nvCxnSpPr>
+        <p:spPr>
+          <a:xfrm flipV="1">
+            <a:off x="7732603" y="4040506"/>
+            <a:ext cx="1000998" cy="1775469"/>
+          </a:xfrm>
+          <a:prstGeom prst="straightConnector1">
+            <a:avLst/>
+          </a:prstGeom>
+          <a:ln w="57150">
+            <a:solidFill>
+              <a:schemeClr val="accent2"/>
+            </a:solidFill>
+            <a:headEnd type="triangle"/>
+            <a:tailEnd type="triangle"/>
+          </a:ln>
+        </p:spPr>
+        <p:style>
+          <a:lnRef idx="1">
+            <a:schemeClr val="accent1"/>
+          </a:lnRef>
+          <a:fillRef idx="0">
+            <a:schemeClr val="accent1"/>
+          </a:fillRef>
+          <a:effectRef idx="0">
+            <a:schemeClr val="accent1"/>
+          </a:effectRef>
+          <a:fontRef idx="minor">
+            <a:schemeClr val="tx1"/>
+          </a:fontRef>
+        </p:style>
+      </p:cxnSp>
+      <p:cxnSp>
+        <p:nvCxnSpPr>
+          <p:cNvPr id="44" name="Straight Arrow Connector 43"/>
+          <p:cNvCxnSpPr>
+            <a:stCxn id="22" idx="3"/>
+          </p:cNvCxnSpPr>
+          <p:nvPr/>
+        </p:nvCxnSpPr>
+        <p:spPr>
+          <a:xfrm flipV="1">
+            <a:off x="7594694" y="3922958"/>
+            <a:ext cx="1138907" cy="1331"/>
+          </a:xfrm>
+          <a:prstGeom prst="straightConnector1">
+            <a:avLst/>
+          </a:prstGeom>
+          <a:ln w="57150">
+            <a:solidFill>
+              <a:schemeClr val="accent2"/>
+            </a:solidFill>
+            <a:headEnd type="none" w="med" len="med"/>
+            <a:tailEnd type="triangle"/>
+          </a:ln>
+        </p:spPr>
+        <p:style>
+          <a:lnRef idx="1">
+            <a:schemeClr val="accent2"/>
+          </a:lnRef>
+          <a:fillRef idx="0">
+            <a:schemeClr val="accent2"/>
+          </a:fillRef>
+          <a:effectRef idx="0">
+            <a:schemeClr val="accent2"/>
+          </a:effectRef>
+          <a:fontRef idx="minor">
+            <a:schemeClr val="tx1"/>
+          </a:fontRef>
+        </p:style>
+      </p:cxnSp>
+      <p:sp>
+        <p:nvSpPr>
+          <p:cNvPr id="74" name="Rectangle: Rounded Corners 73"/>
+          <p:cNvSpPr/>
+          <p:nvPr/>
+        </p:nvSpPr>
+        <p:spPr bwMode="gray">
+          <a:xfrm>
+            <a:off x="2521599" y="4996815"/>
+            <a:ext cx="1524000" cy="662940"/>
+          </a:xfrm>
+          <a:prstGeom prst="roundRect">
+            <a:avLst/>
+          </a:prstGeom>
+          <a:ln>
+            <a:headEnd/>
+            <a:tailEnd/>
+          </a:ln>
+        </p:spPr>
+        <p:style>
+          <a:lnRef idx="2">
+            <a:schemeClr val="accent2"/>
+          </a:lnRef>
+          <a:fillRef idx="1">
+            <a:schemeClr val="lt1"/>
+          </a:fillRef>
+          <a:effectRef idx="0">
+            <a:schemeClr val="accent2"/>
+          </a:effectRef>
+          <a:fontRef idx="minor">
+            <a:schemeClr val="dk1"/>
+          </a:fontRef>
+        </p:style>
+        <p:txBody>
+          <a:bodyPr lIns="90000" tIns="72000" rIns="90000" bIns="72000" rtlCol="0" anchor="ctr"/>
+          <a:lstStyle/>
+          <a:p>
+            <a:pPr marR="0" algn="ctr" defTabSz="914400" eaLnBrk="1" fontAlgn="base" latinLnBrk="0" hangingPunct="1">
+              <a:lnSpc>
+                <a:spcPct val="100000"/>
+              </a:lnSpc>
+              <a:spcBef>
+                <a:spcPct val="50000"/>
+              </a:spcBef>
+              <a:spcAft>
+                <a:spcPct val="0"/>
+              </a:spcAft>
+              <a:buClr>
+                <a:srgbClr val="F0AB00"/>
+              </a:buClr>
+              <a:buSzPct val="80000"/>
+              <a:tabLst/>
+            </a:pPr>
+            <a:r>
+              <a:rPr kumimoji="0" lang="en-US" sz="3200" b="1" i="0" u="none" strike="noStrike" kern="0" cap="none" spc="0" normalizeH="0" baseline="0" noProof="0" dirty="0">
+                <a:ln>
+                  <a:noFill/>
+                </a:ln>
+                <a:effectLst/>
+                <a:uLnTx/>
+                <a:uFillTx/>
+                <a:ea typeface="Arial Unicode MS" pitchFamily="34" charset="-128"/>
+                <a:cs typeface="Arial Unicode MS" pitchFamily="34" charset="-128"/>
+              </a:rPr>
+              <a:t>@SAP</a:t>
+            </a:r>
+          </a:p>
+        </p:txBody>
+      </p:sp>
+      <p:sp>
+        <p:nvSpPr>
+          <p:cNvPr id="75" name="Rectangle: Rounded Corners 74"/>
+          <p:cNvSpPr/>
+          <p:nvPr/>
+        </p:nvSpPr>
+        <p:spPr bwMode="gray">
+          <a:xfrm>
+            <a:off x="9066103" y="5738293"/>
+            <a:ext cx="2637141" cy="575620"/>
+          </a:xfrm>
+          <a:prstGeom prst="roundRect">
+            <a:avLst/>
+          </a:prstGeom>
+          <a:ln>
+            <a:headEnd/>
+            <a:tailEnd/>
+          </a:ln>
+        </p:spPr>
+        <p:style>
+          <a:lnRef idx="2">
+            <a:schemeClr val="accent2"/>
+          </a:lnRef>
+          <a:fillRef idx="1">
+            <a:schemeClr val="lt1"/>
+          </a:fillRef>
+          <a:effectRef idx="0">
+            <a:schemeClr val="accent2"/>
+          </a:effectRef>
+          <a:fontRef idx="minor">
+            <a:schemeClr val="dk1"/>
+          </a:fontRef>
+        </p:style>
+        <p:txBody>
+          <a:bodyPr lIns="90000" tIns="72000" rIns="90000" bIns="72000" rtlCol="0" anchor="ctr"/>
+          <a:lstStyle/>
+          <a:p>
+            <a:pPr marR="0" algn="ctr" defTabSz="914400" eaLnBrk="1" fontAlgn="base" latinLnBrk="0" hangingPunct="1">
+              <a:lnSpc>
+                <a:spcPct val="100000"/>
+              </a:lnSpc>
+              <a:spcBef>
+                <a:spcPct val="50000"/>
+              </a:spcBef>
+              <a:spcAft>
+                <a:spcPct val="0"/>
+              </a:spcAft>
+              <a:buClr>
+                <a:srgbClr val="F0AB00"/>
+              </a:buClr>
+              <a:buSzPct val="80000"/>
+              <a:tabLst/>
+            </a:pPr>
+            <a:r>
+              <a:rPr kumimoji="0" lang="en-US" sz="2000" b="1" i="0" u="none" strike="noStrike" kern="0" cap="none" spc="0" normalizeH="0" baseline="0" noProof="0" dirty="0">
+                <a:ln>
+                  <a:noFill/>
+                </a:ln>
+                <a:effectLst/>
+                <a:uLnTx/>
+                <a:uFillTx/>
+                <a:ea typeface="Arial Unicode MS" pitchFamily="34" charset="-128"/>
+                <a:cs typeface="Arial Unicode MS" pitchFamily="34" charset="-128"/>
+              </a:rPr>
+              <a:t>Gardener on GCP</a:t>
+            </a:r>
+          </a:p>
+        </p:txBody>
+      </p:sp>
+      <p:cxnSp>
+        <p:nvCxnSpPr>
+          <p:cNvPr id="77" name="Straight Arrow Connector 76"/>
+          <p:cNvCxnSpPr>
+            <a:stCxn id="6" idx="3"/>
+            <a:endCxn id="21" idx="1"/>
+          </p:cNvCxnSpPr>
+          <p:nvPr/>
+        </p:nvCxnSpPr>
+        <p:spPr>
+          <a:xfrm flipV="1">
+            <a:off x="3967163" y="3922958"/>
+            <a:ext cx="1801424" cy="2154"/>
+          </a:xfrm>
+          <a:prstGeom prst="straightConnector1">
+            <a:avLst/>
+          </a:prstGeom>
+          <a:ln w="57150">
+            <a:solidFill>
+              <a:schemeClr val="accent2"/>
+            </a:solidFill>
+            <a:headEnd type="none" w="med" len="med"/>
+            <a:tailEnd type="triangle"/>
+          </a:ln>
+        </p:spPr>
+        <p:style>
+          <a:lnRef idx="1">
+            <a:schemeClr val="accent2"/>
+          </a:lnRef>
+          <a:fillRef idx="0">
+            <a:schemeClr val="accent2"/>
+          </a:fillRef>
+          <a:effectRef idx="0">
+            <a:schemeClr val="accent2"/>
+          </a:effectRef>
+          <a:fontRef idx="minor">
+            <a:schemeClr val="tx1"/>
+          </a:fontRef>
+        </p:style>
+      </p:cxnSp>
+    </p:spTree>
+    <p:extLst>
+      <p:ext uri="{BB962C8B-B14F-4D97-AF65-F5344CB8AC3E}">
+        <p14:creationId xmlns:p14="http://schemas.microsoft.com/office/powerpoint/2010/main" val="2110886212"/>
+      </p:ext>
+    </p:extLst>
+  </p:cSld>
+  <p:clrMapOvr>
+    <a:masterClrMapping/>
+  </p:clrMapOvr>
+</p:sld>
+</file>
+
+<file path=ppt/slides/slide11.xml><?xml version="1.0" encoding="utf-8"?>
 <p:sld xmlns:a="http://schemas.openxmlformats.org/drawingml/2006/main" xmlns:r="http://schemas.openxmlformats.org/officeDocument/2006/relationships" xmlns:p="http://schemas.openxmlformats.org/presentationml/2006/main">
   <p:cSld>
     <p:spTree>
@@ -9897,7 +15389,7 @@
 </p:sld>
 </file>
 
-<file path=ppt/slides/slide11.xml><?xml version="1.0" encoding="utf-8"?>
+<file path=ppt/slides/slide12.xml><?xml version="1.0" encoding="utf-8"?>
 <p:sld xmlns:a="http://schemas.openxmlformats.org/drawingml/2006/main" xmlns:r="http://schemas.openxmlformats.org/officeDocument/2006/relationships" xmlns:p="http://schemas.openxmlformats.org/presentationml/2006/main" show="0">
   <p:cSld>
     <p:spTree>
@@ -10056,7 +15548,7 @@
 </p:sld>
 </file>
 
-<file path=ppt/slides/slide12.xml><?xml version="1.0" encoding="utf-8"?>
+<file path=ppt/slides/slide13.xml><?xml version="1.0" encoding="utf-8"?>
 <p:sld xmlns:a="http://schemas.openxmlformats.org/drawingml/2006/main" xmlns:r="http://schemas.openxmlformats.org/officeDocument/2006/relationships" xmlns:p="http://schemas.openxmlformats.org/presentationml/2006/main" show="0">
   <p:cSld>
     <p:spTree>
@@ -12286,6 +17778,504 @@
 </file>
 
 <file path=ppt/slides/slide4.xml><?xml version="1.0" encoding="utf-8"?>
+<p:sld xmlns:a="http://schemas.openxmlformats.org/drawingml/2006/main" xmlns:r="http://schemas.openxmlformats.org/officeDocument/2006/relationships" xmlns:p="http://schemas.openxmlformats.org/presentationml/2006/main">
+  <p:cSld>
+    <p:spTree>
+      <p:nvGrpSpPr>
+        <p:cNvPr id="1" name=""/>
+        <p:cNvGrpSpPr/>
+        <p:nvPr/>
+      </p:nvGrpSpPr>
+      <p:grpSpPr>
+        <a:xfrm>
+          <a:off x="0" y="0"/>
+          <a:ext cx="0" cy="0"/>
+          <a:chOff x="0" y="0"/>
+          <a:chExt cx="0" cy="0"/>
+        </a:xfrm>
+      </p:grpSpPr>
+      <p:sp>
+        <p:nvSpPr>
+          <p:cNvPr id="3" name="Text Placeholder 2"/>
+          <p:cNvSpPr>
+            <a:spLocks noGrp="1"/>
+          </p:cNvSpPr>
+          <p:nvPr>
+            <p:ph type="body" sz="quarter" idx="10"/>
+          </p:nvPr>
+        </p:nvSpPr>
+        <p:spPr>
+          <a:xfrm>
+            <a:off x="504000" y="1124700"/>
+            <a:ext cx="8159939" cy="5017020"/>
+          </a:xfrm>
+        </p:spPr>
+        <p:txBody>
+          <a:bodyPr/>
+          <a:lstStyle/>
+          <a:p>
+            <a:r>
+              <a:rPr lang="en-US" dirty="0" err="1"/>
+              <a:t>etcd</a:t>
+            </a:r>
+            <a:endParaRPr lang="en-US" dirty="0"/>
+          </a:p>
+          <a:p>
+            <a:pPr lvl="1"/>
+            <a:r>
+              <a:rPr lang="en-US" dirty="0"/>
+              <a:t>(distributed), high-availability key-value store</a:t>
+            </a:r>
+          </a:p>
+          <a:p>
+            <a:pPr lvl="1"/>
+            <a:r>
+              <a:rPr lang="en-US" dirty="0"/>
+              <a:t>Persists state of the cluster</a:t>
+            </a:r>
+          </a:p>
+          <a:p>
+            <a:r>
+              <a:rPr lang="en-US" dirty="0"/>
+              <a:t>API Server</a:t>
+            </a:r>
+          </a:p>
+          <a:p>
+            <a:pPr lvl="1"/>
+            <a:r>
+              <a:rPr lang="en-US" dirty="0"/>
+              <a:t>Central entry point to modify cluster state (i.e. schedule something)</a:t>
+            </a:r>
+          </a:p>
+          <a:p>
+            <a:pPr lvl="1"/>
+            <a:r>
+              <a:rPr lang="en-US" dirty="0"/>
+              <a:t>Receives RESTful requests and initiates processing</a:t>
+            </a:r>
+          </a:p>
+          <a:p>
+            <a:r>
+              <a:rPr lang="en-US" dirty="0"/>
+              <a:t>Controller-Manager</a:t>
+            </a:r>
+          </a:p>
+          <a:p>
+            <a:pPr lvl="1"/>
+            <a:r>
+              <a:rPr lang="en-US" dirty="0"/>
+              <a:t>watches </a:t>
+            </a:r>
+            <a:r>
+              <a:rPr lang="en-US" dirty="0" err="1"/>
+              <a:t>etcd</a:t>
+            </a:r>
+            <a:r>
+              <a:rPr lang="en-US" dirty="0"/>
+              <a:t> for replication tasks and uses the API to enforce the desired state</a:t>
+            </a:r>
+          </a:p>
+          <a:p>
+            <a:r>
+              <a:rPr lang="en-US" dirty="0"/>
+              <a:t>Scheduler</a:t>
+            </a:r>
+          </a:p>
+          <a:p>
+            <a:pPr lvl="1"/>
+            <a:r>
+              <a:rPr lang="en-US" dirty="0"/>
+              <a:t>Assigns resources to nodes for execution</a:t>
+            </a:r>
+          </a:p>
+        </p:txBody>
+      </p:sp>
+      <p:sp>
+        <p:nvSpPr>
+          <p:cNvPr id="2" name="Title 1"/>
+          <p:cNvSpPr>
+            <a:spLocks noGrp="1"/>
+          </p:cNvSpPr>
+          <p:nvPr>
+            <p:ph type="title"/>
+          </p:nvPr>
+        </p:nvSpPr>
+        <p:spPr/>
+        <p:txBody>
+          <a:bodyPr/>
+          <a:lstStyle/>
+          <a:p>
+            <a:r>
+              <a:rPr lang="en-US" dirty="0"/>
+              <a:t>Core Components - master</a:t>
+            </a:r>
+          </a:p>
+        </p:txBody>
+      </p:sp>
+    </p:spTree>
+    <p:extLst>
+      <p:ext uri="{BB962C8B-B14F-4D97-AF65-F5344CB8AC3E}">
+        <p14:creationId xmlns:p14="http://schemas.microsoft.com/office/powerpoint/2010/main" val="3249990004"/>
+      </p:ext>
+    </p:extLst>
+  </p:cSld>
+  <p:clrMapOvr>
+    <a:masterClrMapping/>
+  </p:clrMapOvr>
+</p:sld>
+</file>
+
+<file path=ppt/slides/slide5.xml><?xml version="1.0" encoding="utf-8"?>
+<p:sld xmlns:a="http://schemas.openxmlformats.org/drawingml/2006/main" xmlns:r="http://schemas.openxmlformats.org/officeDocument/2006/relationships" xmlns:p="http://schemas.openxmlformats.org/presentationml/2006/main">
+  <p:cSld>
+    <p:spTree>
+      <p:nvGrpSpPr>
+        <p:cNvPr id="1" name=""/>
+        <p:cNvGrpSpPr/>
+        <p:nvPr/>
+      </p:nvGrpSpPr>
+      <p:grpSpPr>
+        <a:xfrm>
+          <a:off x="0" y="0"/>
+          <a:ext cx="0" cy="0"/>
+          <a:chOff x="0" y="0"/>
+          <a:chExt cx="0" cy="0"/>
+        </a:xfrm>
+      </p:grpSpPr>
+      <p:sp>
+        <p:nvSpPr>
+          <p:cNvPr id="3" name="Text Placeholder 2"/>
+          <p:cNvSpPr>
+            <a:spLocks noGrp="1"/>
+          </p:cNvSpPr>
+          <p:nvPr>
+            <p:ph type="body" sz="quarter" idx="10"/>
+          </p:nvPr>
+        </p:nvSpPr>
+        <p:spPr>
+          <a:xfrm>
+            <a:off x="504000" y="987540"/>
+            <a:ext cx="8159939" cy="4727460"/>
+          </a:xfrm>
+        </p:spPr>
+        <p:txBody>
+          <a:bodyPr/>
+          <a:lstStyle/>
+          <a:p>
+            <a:r>
+              <a:rPr lang="en-US" dirty="0" err="1"/>
+              <a:t>kubelet</a:t>
+            </a:r>
+            <a:endParaRPr lang="en-US" dirty="0"/>
+          </a:p>
+          <a:p>
+            <a:pPr lvl="1"/>
+            <a:r>
+              <a:rPr lang="en-US" dirty="0"/>
+              <a:t>Runs on every node in a  cluster</a:t>
+            </a:r>
+          </a:p>
+          <a:p>
+            <a:pPr lvl="1"/>
+            <a:r>
+              <a:rPr lang="en-US" dirty="0"/>
+              <a:t>Manages containers assigned to its node</a:t>
+            </a:r>
+          </a:p>
+          <a:p>
+            <a:pPr lvl="1"/>
+            <a:r>
+              <a:rPr lang="en-US" dirty="0"/>
+              <a:t>Fulfills requests as specified in </a:t>
+            </a:r>
+            <a:r>
+              <a:rPr lang="en-US" dirty="0" err="1"/>
+              <a:t>etcd</a:t>
+            </a:r>
+            <a:r>
+              <a:rPr lang="en-US" dirty="0"/>
+              <a:t> (start, remove, …)</a:t>
+            </a:r>
+          </a:p>
+          <a:p>
+            <a:pPr lvl="1"/>
+            <a:r>
+              <a:rPr lang="en-US" dirty="0"/>
+              <a:t>Monitors the state of the node</a:t>
+            </a:r>
+          </a:p>
+          <a:p>
+            <a:pPr lvl="1"/>
+            <a:r>
+              <a:rPr lang="en-US" dirty="0"/>
+              <a:t>Actually starts containers</a:t>
+            </a:r>
+          </a:p>
+          <a:p>
+            <a:r>
+              <a:rPr lang="en-US" dirty="0" err="1"/>
+              <a:t>kube</a:t>
+            </a:r>
+            <a:r>
+              <a:rPr lang="en-US" dirty="0"/>
+              <a:t>-proxy</a:t>
+            </a:r>
+          </a:p>
+          <a:p>
+            <a:pPr lvl="1"/>
+            <a:r>
+              <a:rPr lang="en-US" dirty="0"/>
+              <a:t>Manages </a:t>
+            </a:r>
+            <a:r>
+              <a:rPr lang="en-US" dirty="0" err="1"/>
+              <a:t>iptables</a:t>
+            </a:r>
+            <a:r>
+              <a:rPr lang="en-US" dirty="0"/>
+              <a:t> on each node for services</a:t>
+            </a:r>
+          </a:p>
+          <a:p>
+            <a:r>
+              <a:rPr lang="en-US" dirty="0"/>
+              <a:t>Docker/</a:t>
+            </a:r>
+            <a:r>
+              <a:rPr lang="en-US" dirty="0" err="1"/>
+              <a:t>rkt</a:t>
+            </a:r>
+            <a:endParaRPr lang="en-US" dirty="0"/>
+          </a:p>
+          <a:p>
+            <a:pPr lvl="1"/>
+            <a:r>
+              <a:rPr lang="en-US" dirty="0"/>
+              <a:t>Container runtime on the individual node</a:t>
+            </a:r>
+          </a:p>
+          <a:p>
+            <a:r>
+              <a:rPr lang="en-US" dirty="0"/>
+              <a:t>Pod</a:t>
+            </a:r>
+          </a:p>
+          <a:p>
+            <a:pPr lvl="1"/>
+            <a:r>
+              <a:rPr lang="en-US"/>
+              <a:t>The </a:t>
+            </a:r>
+            <a:r>
+              <a:rPr lang="en-US" dirty="0"/>
+              <a:t>smallest, schedulable resource that is managed by </a:t>
+            </a:r>
+            <a:r>
+              <a:rPr lang="en-US" dirty="0" err="1"/>
+              <a:t>kubelet</a:t>
+            </a:r>
+            <a:r>
+              <a:rPr lang="en-US" dirty="0"/>
+              <a:t> on the node</a:t>
+            </a:r>
+          </a:p>
+          <a:p>
+            <a:pPr lvl="1"/>
+            <a:r>
+              <a:rPr lang="en-US" dirty="0"/>
+              <a:t>Pods wrap around one or more (</a:t>
+            </a:r>
+            <a:r>
+              <a:rPr lang="en-US" dirty="0" err="1"/>
+              <a:t>docker</a:t>
+            </a:r>
+            <a:r>
+              <a:rPr lang="en-US" dirty="0"/>
+              <a:t>) containers</a:t>
+            </a:r>
+          </a:p>
+        </p:txBody>
+      </p:sp>
+      <p:sp>
+        <p:nvSpPr>
+          <p:cNvPr id="2" name="Title 1"/>
+          <p:cNvSpPr>
+            <a:spLocks noGrp="1"/>
+          </p:cNvSpPr>
+          <p:nvPr>
+            <p:ph type="title"/>
+          </p:nvPr>
+        </p:nvSpPr>
+        <p:spPr/>
+        <p:txBody>
+          <a:bodyPr/>
+          <a:lstStyle/>
+          <a:p>
+            <a:r>
+              <a:rPr lang="en-US" dirty="0"/>
+              <a:t>Core Components - worker</a:t>
+            </a:r>
+          </a:p>
+        </p:txBody>
+      </p:sp>
+    </p:spTree>
+    <p:extLst>
+      <p:ext uri="{BB962C8B-B14F-4D97-AF65-F5344CB8AC3E}">
+        <p14:creationId xmlns:p14="http://schemas.microsoft.com/office/powerpoint/2010/main" val="2064472307"/>
+      </p:ext>
+    </p:extLst>
+  </p:cSld>
+  <p:clrMapOvr>
+    <a:masterClrMapping/>
+  </p:clrMapOvr>
+</p:sld>
+</file>
+
+<file path=ppt/slides/slide6.xml><?xml version="1.0" encoding="utf-8"?>
+<p:sld xmlns:a="http://schemas.openxmlformats.org/drawingml/2006/main" xmlns:r="http://schemas.openxmlformats.org/officeDocument/2006/relationships" xmlns:p="http://schemas.openxmlformats.org/presentationml/2006/main">
+  <p:cSld>
+    <p:spTree>
+      <p:nvGrpSpPr>
+        <p:cNvPr id="1" name=""/>
+        <p:cNvGrpSpPr/>
+        <p:nvPr/>
+      </p:nvGrpSpPr>
+      <p:grpSpPr>
+        <a:xfrm>
+          <a:off x="0" y="0"/>
+          <a:ext cx="0" cy="0"/>
+          <a:chOff x="0" y="0"/>
+          <a:chExt cx="0" cy="0"/>
+        </a:xfrm>
+      </p:grpSpPr>
+      <p:sp>
+        <p:nvSpPr>
+          <p:cNvPr id="3" name="Text Placeholder 2"/>
+          <p:cNvSpPr>
+            <a:spLocks noGrp="1"/>
+          </p:cNvSpPr>
+          <p:nvPr>
+            <p:ph type="body" sz="quarter" idx="10"/>
+          </p:nvPr>
+        </p:nvSpPr>
+        <p:spPr>
+          <a:xfrm>
+            <a:off x="504000" y="1124700"/>
+            <a:ext cx="8159939" cy="4727460"/>
+          </a:xfrm>
+        </p:spPr>
+        <p:txBody>
+          <a:bodyPr/>
+          <a:lstStyle/>
+          <a:p>
+            <a:r>
+              <a:rPr lang="en-US" dirty="0" err="1"/>
+              <a:t>kubectl</a:t>
+            </a:r>
+            <a:endParaRPr lang="en-US" dirty="0"/>
+          </a:p>
+          <a:p>
+            <a:pPr lvl="1"/>
+            <a:r>
+              <a:rPr lang="en-US" dirty="0"/>
+              <a:t>Wraps requests to API server in human readable format</a:t>
+            </a:r>
+          </a:p>
+          <a:p>
+            <a:pPr lvl="1"/>
+            <a:r>
+              <a:rPr lang="en-US" dirty="0"/>
+              <a:t>Cluster administration tasks</a:t>
+            </a:r>
+          </a:p>
+          <a:p>
+            <a:pPr lvl="1"/>
+            <a:r>
+              <a:rPr lang="en-US" dirty="0"/>
+              <a:t>User tasks like scheduling of resources</a:t>
+            </a:r>
+          </a:p>
+          <a:p>
+            <a:pPr lvl="1"/>
+            <a:r>
+              <a:rPr lang="en-US" dirty="0"/>
+              <a:t>Run `</a:t>
+            </a:r>
+            <a:r>
+              <a:rPr lang="en-US" dirty="0" err="1"/>
+              <a:t>kubectl</a:t>
+            </a:r>
+            <a:r>
+              <a:rPr lang="en-US" dirty="0"/>
+              <a:t>` or `</a:t>
+            </a:r>
+            <a:r>
+              <a:rPr lang="en-US" dirty="0" err="1"/>
+              <a:t>kubectl</a:t>
+            </a:r>
+            <a:r>
+              <a:rPr lang="en-US" dirty="0"/>
+              <a:t> &lt;command&gt; --help` to get detailed information</a:t>
+            </a:r>
+          </a:p>
+          <a:p>
+            <a:r>
+              <a:rPr lang="en-US" dirty="0"/>
+              <a:t>curl</a:t>
+            </a:r>
+          </a:p>
+          <a:p>
+            <a:pPr lvl="1"/>
+            <a:r>
+              <a:rPr lang="en-US" dirty="0"/>
+              <a:t>http client that can send get &amp; post requests</a:t>
+            </a:r>
+          </a:p>
+          <a:p>
+            <a:pPr lvl="1"/>
+            <a:r>
+              <a:rPr lang="en-US" dirty="0"/>
+              <a:t>API server can be addressed with binaries like curl but also client packages for programming languages like go, python or java</a:t>
+            </a:r>
+          </a:p>
+        </p:txBody>
+      </p:sp>
+      <p:sp>
+        <p:nvSpPr>
+          <p:cNvPr id="2" name="Title 1"/>
+          <p:cNvSpPr>
+            <a:spLocks noGrp="1"/>
+          </p:cNvSpPr>
+          <p:nvPr>
+            <p:ph type="title"/>
+          </p:nvPr>
+        </p:nvSpPr>
+        <p:spPr/>
+        <p:txBody>
+          <a:bodyPr/>
+          <a:lstStyle/>
+          <a:p>
+            <a:r>
+              <a:rPr lang="en-US" dirty="0"/>
+              <a:t>Core Components - clients</a:t>
+            </a:r>
+          </a:p>
+        </p:txBody>
+      </p:sp>
+    </p:spTree>
+    <p:extLst>
+      <p:ext uri="{BB962C8B-B14F-4D97-AF65-F5344CB8AC3E}">
+        <p14:creationId xmlns:p14="http://schemas.microsoft.com/office/powerpoint/2010/main" val="2266641752"/>
+      </p:ext>
+    </p:extLst>
+  </p:cSld>
+  <p:clrMapOvr>
+    <a:masterClrMapping/>
+  </p:clrMapOvr>
+</p:sld>
+</file>
+
+<file path=ppt/slides/slide7.xml><?xml version="1.0" encoding="utf-8"?>
 <p:sld xmlns:a="http://schemas.openxmlformats.org/drawingml/2006/main" xmlns:r="http://schemas.openxmlformats.org/officeDocument/2006/relationships" xmlns:p="http://schemas.openxmlformats.org/presentationml/2006/main">
   <p:cSld>
     <p:spTree>
@@ -14082,7 +20072,7 @@
 </p:sld>
 </file>
 
-<file path=ppt/slides/slide5.xml><?xml version="1.0" encoding="utf-8"?>
+<file path=ppt/slides/slide8.xml><?xml version="1.0" encoding="utf-8"?>
 <p:sld xmlns:a="http://schemas.openxmlformats.org/drawingml/2006/main" xmlns:r="http://schemas.openxmlformats.org/officeDocument/2006/relationships" xmlns:p="http://schemas.openxmlformats.org/presentationml/2006/main">
   <p:cSld>
     <p:spTree>
@@ -14101,103 +20091,13 @@
       </p:grpSpPr>
       <p:sp>
         <p:nvSpPr>
-          <p:cNvPr id="3" name="Text Placeholder 2"/>
-          <p:cNvSpPr>
-            <a:spLocks noGrp="1"/>
-          </p:cNvSpPr>
-          <p:nvPr>
-            <p:ph type="body" sz="quarter" idx="10"/>
-          </p:nvPr>
-        </p:nvSpPr>
-        <p:spPr>
-          <a:xfrm>
-            <a:off x="504000" y="1124700"/>
-            <a:ext cx="8159939" cy="5017020"/>
-          </a:xfrm>
-        </p:spPr>
-        <p:txBody>
-          <a:bodyPr/>
-          <a:lstStyle/>
-          <a:p>
-            <a:r>
-              <a:rPr lang="en-US" dirty="0" err="1"/>
-              <a:t>etcd</a:t>
-            </a:r>
-            <a:endParaRPr lang="en-US" dirty="0"/>
-          </a:p>
-          <a:p>
-            <a:pPr lvl="1"/>
-            <a:r>
-              <a:rPr lang="en-US" dirty="0"/>
-              <a:t>(distributed), high-availability key-value store</a:t>
-            </a:r>
-          </a:p>
-          <a:p>
-            <a:pPr lvl="1"/>
-            <a:r>
-              <a:rPr lang="en-US" dirty="0"/>
-              <a:t>Persists state of the cluster</a:t>
-            </a:r>
-          </a:p>
-          <a:p>
-            <a:r>
-              <a:rPr lang="en-US" dirty="0"/>
-              <a:t>API Server</a:t>
-            </a:r>
-          </a:p>
-          <a:p>
-            <a:pPr lvl="1"/>
-            <a:r>
-              <a:rPr lang="en-US" dirty="0"/>
-              <a:t>Central entry point to modify cluster state (i.e. schedule something)</a:t>
-            </a:r>
-          </a:p>
-          <a:p>
-            <a:pPr lvl="1"/>
-            <a:r>
-              <a:rPr lang="en-US" dirty="0"/>
-              <a:t>Receives RESTful requests and initiates processing</a:t>
-            </a:r>
-          </a:p>
-          <a:p>
-            <a:r>
-              <a:rPr lang="en-US" dirty="0"/>
-              <a:t>Controller-Manager</a:t>
-            </a:r>
-          </a:p>
-          <a:p>
-            <a:pPr lvl="1"/>
-            <a:r>
-              <a:rPr lang="en-US" dirty="0"/>
-              <a:t>watches </a:t>
-            </a:r>
-            <a:r>
-              <a:rPr lang="en-US" dirty="0" err="1"/>
-              <a:t>etcd</a:t>
-            </a:r>
-            <a:r>
-              <a:rPr lang="en-US" dirty="0"/>
-              <a:t> for replication tasks and uses the API to enforce the desired state</a:t>
-            </a:r>
-          </a:p>
-          <a:p>
-            <a:r>
-              <a:rPr lang="en-US" dirty="0"/>
-              <a:t>Scheduler</a:t>
-            </a:r>
-          </a:p>
-          <a:p>
-            <a:pPr lvl="1"/>
-            <a:r>
-              <a:rPr lang="en-US" dirty="0"/>
-              <a:t>Assigns resources to nodes for execution</a:t>
-            </a:r>
-          </a:p>
-        </p:txBody>
-      </p:sp>
-      <p:sp>
-        <p:nvSpPr>
-          <p:cNvPr id="2" name="Title 1"/>
+          <p:cNvPr id="3" name="Title 2">
+            <a:extLst>
+              <a:ext uri="{FF2B5EF4-FFF2-40B4-BE49-F238E27FC236}">
+                <a16:creationId xmlns:a16="http://schemas.microsoft.com/office/drawing/2014/main" id="{0C59C333-28D0-4634-874F-97F7337CB0CD}"/>
+              </a:ext>
+            </a:extLst>
+          </p:cNvPr>
           <p:cNvSpPr>
             <a:spLocks noGrp="1"/>
           </p:cNvSpPr>
@@ -14212,15 +20112,43 @@
           <a:p>
             <a:r>
               <a:rPr lang="en-US" dirty="0"/>
-              <a:t>Core Components - master</a:t>
+              <a:t>How the orchestrator works</a:t>
             </a:r>
           </a:p>
         </p:txBody>
       </p:sp>
+      <p:graphicFrame>
+        <p:nvGraphicFramePr>
+          <p:cNvPr id="6" name="Diagram 5">
+            <a:extLst>
+              <a:ext uri="{FF2B5EF4-FFF2-40B4-BE49-F238E27FC236}">
+                <a16:creationId xmlns:a16="http://schemas.microsoft.com/office/drawing/2014/main" id="{96400DA1-E9AF-4D54-8833-28161067C5A9}"/>
+              </a:ext>
+            </a:extLst>
+          </p:cNvPr>
+          <p:cNvGraphicFramePr/>
+          <p:nvPr>
+            <p:extLst>
+              <p:ext uri="{D42A27DB-BD31-4B8C-83A1-F6EECF244321}">
+                <p14:modId xmlns:p14="http://schemas.microsoft.com/office/powerpoint/2010/main" val="596726874"/>
+              </p:ext>
+            </p:extLst>
+          </p:nvPr>
+        </p:nvGraphicFramePr>
+        <p:xfrm>
+          <a:off x="504001" y="1680752"/>
+          <a:ext cx="10625553" cy="3875315"/>
+        </p:xfrm>
+        <a:graphic>
+          <a:graphicData uri="http://schemas.openxmlformats.org/drawingml/2006/diagram">
+            <dgm:relIds xmlns:dgm="http://schemas.openxmlformats.org/drawingml/2006/diagram" xmlns:r="http://schemas.openxmlformats.org/officeDocument/2006/relationships" r:dm="rId3" r:lo="rId4" r:qs="rId5" r:cs="rId6"/>
+          </a:graphicData>
+        </a:graphic>
+      </p:graphicFrame>
     </p:spTree>
     <p:extLst>
       <p:ext uri="{BB962C8B-B14F-4D97-AF65-F5344CB8AC3E}">
-        <p14:creationId xmlns:p14="http://schemas.microsoft.com/office/powerpoint/2010/main" val="3249990004"/>
+        <p14:creationId xmlns:p14="http://schemas.microsoft.com/office/powerpoint/2010/main" val="48665732"/>
       </p:ext>
     </p:extLst>
   </p:cSld>
@@ -14230,357 +20158,7 @@
 </p:sld>
 </file>
 
-<file path=ppt/slides/slide6.xml><?xml version="1.0" encoding="utf-8"?>
-<p:sld xmlns:a="http://schemas.openxmlformats.org/drawingml/2006/main" xmlns:r="http://schemas.openxmlformats.org/officeDocument/2006/relationships" xmlns:p="http://schemas.openxmlformats.org/presentationml/2006/main">
-  <p:cSld>
-    <p:spTree>
-      <p:nvGrpSpPr>
-        <p:cNvPr id="1" name=""/>
-        <p:cNvGrpSpPr/>
-        <p:nvPr/>
-      </p:nvGrpSpPr>
-      <p:grpSpPr>
-        <a:xfrm>
-          <a:off x="0" y="0"/>
-          <a:ext cx="0" cy="0"/>
-          <a:chOff x="0" y="0"/>
-          <a:chExt cx="0" cy="0"/>
-        </a:xfrm>
-      </p:grpSpPr>
-      <p:sp>
-        <p:nvSpPr>
-          <p:cNvPr id="3" name="Text Placeholder 2"/>
-          <p:cNvSpPr>
-            <a:spLocks noGrp="1"/>
-          </p:cNvSpPr>
-          <p:nvPr>
-            <p:ph type="body" sz="quarter" idx="10"/>
-          </p:nvPr>
-        </p:nvSpPr>
-        <p:spPr>
-          <a:xfrm>
-            <a:off x="504000" y="987540"/>
-            <a:ext cx="8159939" cy="4727460"/>
-          </a:xfrm>
-        </p:spPr>
-        <p:txBody>
-          <a:bodyPr/>
-          <a:lstStyle/>
-          <a:p>
-            <a:r>
-              <a:rPr lang="en-US" dirty="0" err="1"/>
-              <a:t>kubelet</a:t>
-            </a:r>
-            <a:endParaRPr lang="en-US" dirty="0"/>
-          </a:p>
-          <a:p>
-            <a:pPr lvl="1"/>
-            <a:r>
-              <a:rPr lang="en-US" dirty="0"/>
-              <a:t>Runs on every node in a  cluster</a:t>
-            </a:r>
-          </a:p>
-          <a:p>
-            <a:pPr lvl="1"/>
-            <a:r>
-              <a:rPr lang="en-US" dirty="0"/>
-              <a:t>Manages containers assigned to its node</a:t>
-            </a:r>
-          </a:p>
-          <a:p>
-            <a:pPr lvl="1"/>
-            <a:r>
-              <a:rPr lang="en-US" dirty="0"/>
-              <a:t>Fulfills requests as specified in </a:t>
-            </a:r>
-            <a:r>
-              <a:rPr lang="en-US" dirty="0" err="1"/>
-              <a:t>etcd</a:t>
-            </a:r>
-            <a:r>
-              <a:rPr lang="en-US" dirty="0"/>
-              <a:t> (start, remove, …)</a:t>
-            </a:r>
-          </a:p>
-          <a:p>
-            <a:pPr lvl="1"/>
-            <a:r>
-              <a:rPr lang="en-US" dirty="0"/>
-              <a:t>Monitors the state of the node</a:t>
-            </a:r>
-          </a:p>
-          <a:p>
-            <a:pPr lvl="1"/>
-            <a:r>
-              <a:rPr lang="en-US" dirty="0"/>
-              <a:t>Actually starts containers</a:t>
-            </a:r>
-          </a:p>
-          <a:p>
-            <a:r>
-              <a:rPr lang="en-US" dirty="0" err="1"/>
-              <a:t>kube</a:t>
-            </a:r>
-            <a:r>
-              <a:rPr lang="en-US" dirty="0"/>
-              <a:t>-proxy</a:t>
-            </a:r>
-          </a:p>
-          <a:p>
-            <a:pPr lvl="1"/>
-            <a:r>
-              <a:rPr lang="en-US" dirty="0"/>
-              <a:t>Manages </a:t>
-            </a:r>
-            <a:r>
-              <a:rPr lang="en-US" dirty="0" err="1"/>
-              <a:t>iptables</a:t>
-            </a:r>
-            <a:r>
-              <a:rPr lang="en-US" dirty="0"/>
-              <a:t> on each node for services</a:t>
-            </a:r>
-          </a:p>
-          <a:p>
-            <a:r>
-              <a:rPr lang="en-US" dirty="0"/>
-              <a:t>Docker/</a:t>
-            </a:r>
-            <a:r>
-              <a:rPr lang="en-US" dirty="0" err="1"/>
-              <a:t>rkt</a:t>
-            </a:r>
-            <a:endParaRPr lang="en-US" dirty="0"/>
-          </a:p>
-          <a:p>
-            <a:pPr lvl="1"/>
-            <a:r>
-              <a:rPr lang="en-US" dirty="0"/>
-              <a:t>Container runtime on the individual node</a:t>
-            </a:r>
-          </a:p>
-          <a:p>
-            <a:r>
-              <a:rPr lang="en-US" dirty="0"/>
-              <a:t>Pod</a:t>
-            </a:r>
-          </a:p>
-          <a:p>
-            <a:pPr lvl="1"/>
-            <a:r>
-              <a:rPr lang="en-US"/>
-              <a:t>The </a:t>
-            </a:r>
-            <a:r>
-              <a:rPr lang="en-US" dirty="0"/>
-              <a:t>smallest, schedulable resource that is managed by </a:t>
-            </a:r>
-            <a:r>
-              <a:rPr lang="en-US" dirty="0" err="1"/>
-              <a:t>kubelet</a:t>
-            </a:r>
-            <a:r>
-              <a:rPr lang="en-US" dirty="0"/>
-              <a:t> on the node</a:t>
-            </a:r>
-          </a:p>
-          <a:p>
-            <a:pPr lvl="1"/>
-            <a:r>
-              <a:rPr lang="en-US" dirty="0"/>
-              <a:t>Pods wrap around one or more (</a:t>
-            </a:r>
-            <a:r>
-              <a:rPr lang="en-US" dirty="0" err="1"/>
-              <a:t>docker</a:t>
-            </a:r>
-            <a:r>
-              <a:rPr lang="en-US" dirty="0"/>
-              <a:t>) containers</a:t>
-            </a:r>
-          </a:p>
-        </p:txBody>
-      </p:sp>
-      <p:sp>
-        <p:nvSpPr>
-          <p:cNvPr id="2" name="Title 1"/>
-          <p:cNvSpPr>
-            <a:spLocks noGrp="1"/>
-          </p:cNvSpPr>
-          <p:nvPr>
-            <p:ph type="title"/>
-          </p:nvPr>
-        </p:nvSpPr>
-        <p:spPr/>
-        <p:txBody>
-          <a:bodyPr/>
-          <a:lstStyle/>
-          <a:p>
-            <a:r>
-              <a:rPr lang="en-US" dirty="0"/>
-              <a:t>Core Components - worker</a:t>
-            </a:r>
-          </a:p>
-        </p:txBody>
-      </p:sp>
-    </p:spTree>
-    <p:extLst>
-      <p:ext uri="{BB962C8B-B14F-4D97-AF65-F5344CB8AC3E}">
-        <p14:creationId xmlns:p14="http://schemas.microsoft.com/office/powerpoint/2010/main" val="2064472307"/>
-      </p:ext>
-    </p:extLst>
-  </p:cSld>
-  <p:clrMapOvr>
-    <a:masterClrMapping/>
-  </p:clrMapOvr>
-</p:sld>
-</file>
-
-<file path=ppt/slides/slide7.xml><?xml version="1.0" encoding="utf-8"?>
-<p:sld xmlns:a="http://schemas.openxmlformats.org/drawingml/2006/main" xmlns:r="http://schemas.openxmlformats.org/officeDocument/2006/relationships" xmlns:p="http://schemas.openxmlformats.org/presentationml/2006/main">
-  <p:cSld>
-    <p:spTree>
-      <p:nvGrpSpPr>
-        <p:cNvPr id="1" name=""/>
-        <p:cNvGrpSpPr/>
-        <p:nvPr/>
-      </p:nvGrpSpPr>
-      <p:grpSpPr>
-        <a:xfrm>
-          <a:off x="0" y="0"/>
-          <a:ext cx="0" cy="0"/>
-          <a:chOff x="0" y="0"/>
-          <a:chExt cx="0" cy="0"/>
-        </a:xfrm>
-      </p:grpSpPr>
-      <p:sp>
-        <p:nvSpPr>
-          <p:cNvPr id="3" name="Text Placeholder 2"/>
-          <p:cNvSpPr>
-            <a:spLocks noGrp="1"/>
-          </p:cNvSpPr>
-          <p:nvPr>
-            <p:ph type="body" sz="quarter" idx="10"/>
-          </p:nvPr>
-        </p:nvSpPr>
-        <p:spPr>
-          <a:xfrm>
-            <a:off x="504000" y="1124700"/>
-            <a:ext cx="8159939" cy="4727460"/>
-          </a:xfrm>
-        </p:spPr>
-        <p:txBody>
-          <a:bodyPr/>
-          <a:lstStyle/>
-          <a:p>
-            <a:r>
-              <a:rPr lang="en-US" dirty="0" err="1"/>
-              <a:t>kubectl</a:t>
-            </a:r>
-            <a:endParaRPr lang="en-US" dirty="0"/>
-          </a:p>
-          <a:p>
-            <a:pPr lvl="1"/>
-            <a:r>
-              <a:rPr lang="en-US" dirty="0"/>
-              <a:t>Wraps requests to API server in human readable format</a:t>
-            </a:r>
-          </a:p>
-          <a:p>
-            <a:pPr lvl="1"/>
-            <a:r>
-              <a:rPr lang="en-US" dirty="0"/>
-              <a:t>Cluster administration tasks</a:t>
-            </a:r>
-          </a:p>
-          <a:p>
-            <a:pPr lvl="1"/>
-            <a:r>
-              <a:rPr lang="en-US" dirty="0"/>
-              <a:t>User tasks like scheduling of resources</a:t>
-            </a:r>
-          </a:p>
-          <a:p>
-            <a:pPr lvl="1"/>
-            <a:r>
-              <a:rPr lang="en-US" dirty="0"/>
-              <a:t>Run `</a:t>
-            </a:r>
-            <a:r>
-              <a:rPr lang="en-US" dirty="0" err="1"/>
-              <a:t>kubectl</a:t>
-            </a:r>
-            <a:r>
-              <a:rPr lang="en-US" dirty="0"/>
-              <a:t>` or `</a:t>
-            </a:r>
-            <a:r>
-              <a:rPr lang="en-US" dirty="0" err="1"/>
-              <a:t>kubectl</a:t>
-            </a:r>
-            <a:r>
-              <a:rPr lang="en-US" dirty="0"/>
-              <a:t> &lt;command&gt; --help` to get detailed information</a:t>
-            </a:r>
-          </a:p>
-          <a:p>
-            <a:r>
-              <a:rPr lang="en-US" dirty="0"/>
-              <a:t>curl</a:t>
-            </a:r>
-          </a:p>
-          <a:p>
-            <a:pPr lvl="1"/>
-            <a:r>
-              <a:rPr lang="en-US" dirty="0"/>
-              <a:t>http client that can send get &amp; post requests</a:t>
-            </a:r>
-          </a:p>
-          <a:p>
-            <a:pPr lvl="1"/>
-            <a:r>
-              <a:rPr lang="en-US" dirty="0"/>
-              <a:t>API server can be addressed with binaries like curl but also client packages for programming languages like go, python or java</a:t>
-            </a:r>
-          </a:p>
-        </p:txBody>
-      </p:sp>
-      <p:sp>
-        <p:nvSpPr>
-          <p:cNvPr id="2" name="Title 1"/>
-          <p:cNvSpPr>
-            <a:spLocks noGrp="1"/>
-          </p:cNvSpPr>
-          <p:nvPr>
-            <p:ph type="title"/>
-          </p:nvPr>
-        </p:nvSpPr>
-        <p:spPr/>
-        <p:txBody>
-          <a:bodyPr/>
-          <a:lstStyle/>
-          <a:p>
-            <a:r>
-              <a:rPr lang="en-US" dirty="0"/>
-              <a:t>Core Components - clients</a:t>
-            </a:r>
-          </a:p>
-        </p:txBody>
-      </p:sp>
-    </p:spTree>
-    <p:extLst>
-      <p:ext uri="{BB962C8B-B14F-4D97-AF65-F5344CB8AC3E}">
-        <p14:creationId xmlns:p14="http://schemas.microsoft.com/office/powerpoint/2010/main" val="2266641752"/>
-      </p:ext>
-    </p:extLst>
-  </p:cSld>
-  <p:clrMapOvr>
-    <a:masterClrMapping/>
-  </p:clrMapOvr>
-</p:sld>
-</file>
-
-<file path=ppt/slides/slide8.xml><?xml version="1.0" encoding="utf-8"?>
+<file path=ppt/slides/slide9.xml><?xml version="1.0" encoding="utf-8"?>
 <p:sld xmlns:a="http://schemas.openxmlformats.org/drawingml/2006/main" xmlns:r="http://schemas.openxmlformats.org/officeDocument/2006/relationships" xmlns:p="http://schemas.openxmlformats.org/presentationml/2006/main">
   <p:cSld>
     <p:spTree>
@@ -14745,1615 +20323,6 @@
     <p:extLst>
       <p:ext uri="{BB962C8B-B14F-4D97-AF65-F5344CB8AC3E}">
         <p14:creationId xmlns:p14="http://schemas.microsoft.com/office/powerpoint/2010/main" val="1213574445"/>
-      </p:ext>
-    </p:extLst>
-  </p:cSld>
-  <p:clrMapOvr>
-    <a:masterClrMapping/>
-  </p:clrMapOvr>
-</p:sld>
-</file>
-
-<file path=ppt/slides/slide9.xml><?xml version="1.0" encoding="utf-8"?>
-<p:sld xmlns:a="http://schemas.openxmlformats.org/drawingml/2006/main" xmlns:r="http://schemas.openxmlformats.org/officeDocument/2006/relationships" xmlns:p="http://schemas.openxmlformats.org/presentationml/2006/main">
-  <p:cSld>
-    <p:spTree>
-      <p:nvGrpSpPr>
-        <p:cNvPr id="1" name=""/>
-        <p:cNvGrpSpPr/>
-        <p:nvPr/>
-      </p:nvGrpSpPr>
-      <p:grpSpPr>
-        <a:xfrm>
-          <a:off x="0" y="0"/>
-          <a:ext cx="0" cy="0"/>
-          <a:chOff x="0" y="0"/>
-          <a:chExt cx="0" cy="0"/>
-        </a:xfrm>
-      </p:grpSpPr>
-      <p:sp>
-        <p:nvSpPr>
-          <p:cNvPr id="3" name="Title 2"/>
-          <p:cNvSpPr>
-            <a:spLocks noGrp="1"/>
-          </p:cNvSpPr>
-          <p:nvPr>
-            <p:ph type="title"/>
-          </p:nvPr>
-        </p:nvSpPr>
-        <p:spPr/>
-        <p:txBody>
-          <a:bodyPr/>
-          <a:lstStyle/>
-          <a:p>
-            <a:r>
-              <a:rPr lang="en-US" dirty="0"/>
-              <a:t>Infrastructure for this training</a:t>
-            </a:r>
-          </a:p>
-        </p:txBody>
-      </p:sp>
-      <p:grpSp>
-        <p:nvGrpSpPr>
-          <p:cNvPr id="7" name="Group 6"/>
-          <p:cNvGrpSpPr/>
-          <p:nvPr/>
-        </p:nvGrpSpPr>
-        <p:grpSpPr>
-          <a:xfrm>
-            <a:off x="417324" y="1836420"/>
-            <a:ext cx="3854639" cy="4091940"/>
-            <a:chOff x="404941" y="2331720"/>
-            <a:chExt cx="3854639" cy="3688080"/>
-          </a:xfrm>
-        </p:grpSpPr>
-        <p:sp>
-          <p:nvSpPr>
-            <p:cNvPr id="4" name="Rectangle 3"/>
-            <p:cNvSpPr/>
-            <p:nvPr/>
-          </p:nvSpPr>
-          <p:spPr bwMode="gray">
-            <a:xfrm>
-              <a:off x="404941" y="2331720"/>
-              <a:ext cx="3854639" cy="3688080"/>
-            </a:xfrm>
-            <a:prstGeom prst="rect">
-              <a:avLst/>
-            </a:prstGeom>
-            <a:ln>
-              <a:headEnd/>
-              <a:tailEnd/>
-            </a:ln>
-          </p:spPr>
-          <p:style>
-            <a:lnRef idx="1">
-              <a:schemeClr val="accent2"/>
-            </a:lnRef>
-            <a:fillRef idx="2">
-              <a:schemeClr val="accent2"/>
-            </a:fillRef>
-            <a:effectRef idx="1">
-              <a:schemeClr val="accent2"/>
-            </a:effectRef>
-            <a:fontRef idx="minor">
-              <a:schemeClr val="dk1"/>
-            </a:fontRef>
-          </p:style>
-          <p:txBody>
-            <a:bodyPr lIns="90000" tIns="72000" rIns="90000" bIns="72000" rtlCol="0" anchor="t"/>
-            <a:lstStyle/>
-            <a:p>
-              <a:pPr marR="0" algn="ctr" defTabSz="914400" eaLnBrk="1" fontAlgn="base" latinLnBrk="0" hangingPunct="1">
-                <a:lnSpc>
-                  <a:spcPct val="100000"/>
-                </a:lnSpc>
-                <a:spcBef>
-                  <a:spcPct val="50000"/>
-                </a:spcBef>
-                <a:spcAft>
-                  <a:spcPct val="0"/>
-                </a:spcAft>
-                <a:buClr>
-                  <a:srgbClr val="F0AB00"/>
-                </a:buClr>
-                <a:buSzPct val="80000"/>
-                <a:tabLst/>
-              </a:pPr>
-              <a:r>
-                <a:rPr lang="de-DE" sz="2400" b="1" kern="0" dirty="0" err="1">
-                  <a:ea typeface="Arial Unicode MS" pitchFamily="34" charset="-128"/>
-                  <a:cs typeface="Arial Unicode MS" pitchFamily="34" charset="-128"/>
-                </a:rPr>
-                <a:t>local</a:t>
-              </a:r>
-              <a:r>
-                <a:rPr lang="de-DE" sz="2400" b="1" kern="0" dirty="0">
-                  <a:ea typeface="Arial Unicode MS" pitchFamily="34" charset="-128"/>
-                  <a:cs typeface="Arial Unicode MS" pitchFamily="34" charset="-128"/>
-                </a:rPr>
-                <a:t> </a:t>
-              </a:r>
-              <a:r>
-                <a:rPr lang="de-DE" sz="2400" b="1" kern="0" dirty="0" err="1">
-                  <a:ea typeface="Arial Unicode MS" pitchFamily="34" charset="-128"/>
-                  <a:cs typeface="Arial Unicode MS" pitchFamily="34" charset="-128"/>
-                </a:rPr>
-                <a:t>participant</a:t>
-              </a:r>
-              <a:r>
-                <a:rPr lang="de-DE" sz="2400" b="1" kern="0" dirty="0">
-                  <a:ea typeface="Arial Unicode MS" pitchFamily="34" charset="-128"/>
-                  <a:cs typeface="Arial Unicode MS" pitchFamily="34" charset="-128"/>
-                </a:rPr>
-                <a:t> VM</a:t>
-              </a:r>
-              <a:endParaRPr kumimoji="0" lang="de-DE" sz="2400" b="1" i="0" strike="noStrike" kern="0" cap="none" spc="0" normalizeH="0" baseline="0" noProof="0" dirty="0">
-                <a:ln>
-                  <a:noFill/>
-                </a:ln>
-                <a:effectLst/>
-                <a:uLnTx/>
-                <a:uFillTx/>
-                <a:ea typeface="Arial Unicode MS" pitchFamily="34" charset="-128"/>
-                <a:cs typeface="Arial Unicode MS" pitchFamily="34" charset="-128"/>
-              </a:endParaRPr>
-            </a:p>
-          </p:txBody>
-        </p:sp>
-        <p:sp>
-          <p:nvSpPr>
-            <p:cNvPr id="5" name="Scroll: Vertical 4"/>
-            <p:cNvSpPr/>
-            <p:nvPr/>
-          </p:nvSpPr>
-          <p:spPr bwMode="gray">
-            <a:xfrm>
-              <a:off x="563880" y="2987040"/>
-              <a:ext cx="1645920" cy="2750820"/>
-            </a:xfrm>
-            <a:prstGeom prst="verticalScroll">
-              <a:avLst/>
-            </a:prstGeom>
-            <a:ln>
-              <a:headEnd/>
-              <a:tailEnd/>
-            </a:ln>
-          </p:spPr>
-          <p:style>
-            <a:lnRef idx="2">
-              <a:schemeClr val="accent2"/>
-            </a:lnRef>
-            <a:fillRef idx="1">
-              <a:schemeClr val="lt1"/>
-            </a:fillRef>
-            <a:effectRef idx="0">
-              <a:schemeClr val="accent2"/>
-            </a:effectRef>
-            <a:fontRef idx="minor">
-              <a:schemeClr val="dk1"/>
-            </a:fontRef>
-          </p:style>
-          <p:txBody>
-            <a:bodyPr lIns="90000" tIns="72000" rIns="90000" bIns="72000" rtlCol="0" anchor="ctr"/>
-            <a:lstStyle/>
-            <a:p>
-              <a:pPr marR="0" defTabSz="914400" eaLnBrk="1" fontAlgn="base" latinLnBrk="0" hangingPunct="1">
-                <a:lnSpc>
-                  <a:spcPct val="100000"/>
-                </a:lnSpc>
-                <a:spcBef>
-                  <a:spcPct val="50000"/>
-                </a:spcBef>
-                <a:spcAft>
-                  <a:spcPct val="0"/>
-                </a:spcAft>
-                <a:buClr>
-                  <a:srgbClr val="F0AB00"/>
-                </a:buClr>
-                <a:buSzPct val="80000"/>
-                <a:tabLst/>
-              </a:pPr>
-              <a:r>
-                <a:rPr lang="en-US" sz="1400" b="1" kern="0" dirty="0">
-                  <a:ea typeface="Arial Unicode MS" pitchFamily="34" charset="-128"/>
-                  <a:cs typeface="Arial Unicode MS" pitchFamily="34" charset="-128"/>
-                </a:rPr>
-                <a:t>.</a:t>
-              </a:r>
-              <a:r>
-                <a:rPr lang="en-US" sz="1400" b="1" kern="0" dirty="0" err="1">
-                  <a:ea typeface="Arial Unicode MS" pitchFamily="34" charset="-128"/>
-                  <a:cs typeface="Arial Unicode MS" pitchFamily="34" charset="-128"/>
-                </a:rPr>
-                <a:t>kube</a:t>
-              </a:r>
-              <a:r>
-                <a:rPr lang="en-US" sz="1400" b="1" kern="0" dirty="0">
-                  <a:ea typeface="Arial Unicode MS" pitchFamily="34" charset="-128"/>
-                  <a:cs typeface="Arial Unicode MS" pitchFamily="34" charset="-128"/>
-                </a:rPr>
-                <a:t>/config</a:t>
-              </a:r>
-            </a:p>
-            <a:p>
-              <a:pPr marL="285750" marR="0" indent="-285750" defTabSz="914400" eaLnBrk="1" fontAlgn="base" latinLnBrk="0" hangingPunct="1">
-                <a:lnSpc>
-                  <a:spcPct val="100000"/>
-                </a:lnSpc>
-                <a:spcBef>
-                  <a:spcPct val="50000"/>
-                </a:spcBef>
-                <a:spcAft>
-                  <a:spcPct val="0"/>
-                </a:spcAft>
-                <a:buClr>
-                  <a:srgbClr val="F0AB00"/>
-                </a:buClr>
-                <a:buSzPct val="80000"/>
-                <a:buFont typeface="Wingdings" panose="05000000000000000000" pitchFamily="2" charset="2"/>
-                <a:buChar char="§"/>
-                <a:tabLst/>
-              </a:pPr>
-              <a:r>
-                <a:rPr kumimoji="0" lang="en-US" sz="1400" b="0" i="0" u="none" strike="noStrike" kern="0" cap="none" spc="0" normalizeH="0" noProof="0" dirty="0">
-                  <a:ln>
-                    <a:noFill/>
-                  </a:ln>
-                  <a:effectLst/>
-                  <a:uLnTx/>
-                  <a:uFillTx/>
-                  <a:ea typeface="Arial Unicode MS" pitchFamily="34" charset="-128"/>
-                  <a:cs typeface="Arial Unicode MS" pitchFamily="34" charset="-128"/>
-                </a:rPr>
-                <a:t>API server IP</a:t>
-              </a:r>
-            </a:p>
-            <a:p>
-              <a:pPr marL="285750" marR="0" indent="-285750" defTabSz="914400" eaLnBrk="1" fontAlgn="base" latinLnBrk="0" hangingPunct="1">
-                <a:lnSpc>
-                  <a:spcPct val="100000"/>
-                </a:lnSpc>
-                <a:spcBef>
-                  <a:spcPct val="50000"/>
-                </a:spcBef>
-                <a:spcAft>
-                  <a:spcPct val="0"/>
-                </a:spcAft>
-                <a:buClr>
-                  <a:srgbClr val="F0AB00"/>
-                </a:buClr>
-                <a:buSzPct val="80000"/>
-                <a:buFont typeface="Wingdings" panose="05000000000000000000" pitchFamily="2" charset="2"/>
-                <a:buChar char="§"/>
-                <a:tabLst/>
-              </a:pPr>
-              <a:r>
-                <a:rPr lang="en-US" sz="1400" kern="0" baseline="0" dirty="0">
-                  <a:ea typeface="Arial Unicode MS" pitchFamily="34" charset="-128"/>
-                  <a:cs typeface="Arial Unicode MS" pitchFamily="34" charset="-128"/>
-                </a:rPr>
-                <a:t>User </a:t>
-              </a:r>
-            </a:p>
-            <a:p>
-              <a:pPr marL="285750" marR="0" indent="-285750" defTabSz="914400" eaLnBrk="1" fontAlgn="base" latinLnBrk="0" hangingPunct="1">
-                <a:lnSpc>
-                  <a:spcPct val="100000"/>
-                </a:lnSpc>
-                <a:spcBef>
-                  <a:spcPct val="50000"/>
-                </a:spcBef>
-                <a:spcAft>
-                  <a:spcPct val="0"/>
-                </a:spcAft>
-                <a:buClr>
-                  <a:srgbClr val="F0AB00"/>
-                </a:buClr>
-                <a:buSzPct val="80000"/>
-                <a:buFont typeface="Wingdings" panose="05000000000000000000" pitchFamily="2" charset="2"/>
-                <a:buChar char="§"/>
-                <a:tabLst/>
-              </a:pPr>
-              <a:r>
-                <a:rPr kumimoji="0" lang="en-US" sz="1400" b="0" i="0" u="none" strike="noStrike" kern="0" cap="none" spc="0" normalizeH="0" noProof="0" dirty="0">
-                  <a:ln>
-                    <a:noFill/>
-                  </a:ln>
-                  <a:effectLst/>
-                  <a:uLnTx/>
-                  <a:uFillTx/>
-                  <a:ea typeface="Arial Unicode MS" pitchFamily="34" charset="-128"/>
-                  <a:cs typeface="Arial Unicode MS" pitchFamily="34" charset="-128"/>
-                </a:rPr>
-                <a:t>Access token</a:t>
-              </a:r>
-            </a:p>
-            <a:p>
-              <a:pPr marL="285750" marR="0" indent="-285750" defTabSz="914400" eaLnBrk="1" fontAlgn="base" latinLnBrk="0" hangingPunct="1">
-                <a:lnSpc>
-                  <a:spcPct val="100000"/>
-                </a:lnSpc>
-                <a:spcBef>
-                  <a:spcPct val="50000"/>
-                </a:spcBef>
-                <a:spcAft>
-                  <a:spcPct val="0"/>
-                </a:spcAft>
-                <a:buClr>
-                  <a:srgbClr val="F0AB00"/>
-                </a:buClr>
-                <a:buSzPct val="80000"/>
-                <a:buFont typeface="Wingdings" panose="05000000000000000000" pitchFamily="2" charset="2"/>
-                <a:buChar char="§"/>
-                <a:tabLst/>
-              </a:pPr>
-              <a:r>
-                <a:rPr lang="en-US" sz="1400" kern="0" baseline="0" dirty="0">
-                  <a:ea typeface="Arial Unicode MS" pitchFamily="34" charset="-128"/>
-                  <a:cs typeface="Arial Unicode MS" pitchFamily="34" charset="-128"/>
-                </a:rPr>
-                <a:t>Name-space</a:t>
-              </a:r>
-              <a:endParaRPr kumimoji="0" lang="en-US" sz="1400" b="0" i="0" u="none" strike="noStrike" kern="0" cap="none" spc="0" normalizeH="0" baseline="0" noProof="0" dirty="0">
-                <a:ln>
-                  <a:noFill/>
-                </a:ln>
-                <a:effectLst/>
-                <a:uLnTx/>
-                <a:uFillTx/>
-                <a:ea typeface="Arial Unicode MS" pitchFamily="34" charset="-128"/>
-                <a:cs typeface="Arial Unicode MS" pitchFamily="34" charset="-128"/>
-              </a:endParaRPr>
-            </a:p>
-          </p:txBody>
-        </p:sp>
-        <p:sp>
-          <p:nvSpPr>
-            <p:cNvPr id="6" name="Rectangle: Rounded Corners 5"/>
-            <p:cNvSpPr/>
-            <p:nvPr/>
-          </p:nvSpPr>
-          <p:spPr bwMode="gray">
-            <a:xfrm>
-              <a:off x="2484120" y="3673245"/>
-              <a:ext cx="1470660" cy="1082040"/>
-            </a:xfrm>
-            <a:prstGeom prst="roundRect">
-              <a:avLst/>
-            </a:prstGeom>
-            <a:ln>
-              <a:headEnd/>
-              <a:tailEnd/>
-            </a:ln>
-          </p:spPr>
-          <p:style>
-            <a:lnRef idx="2">
-              <a:schemeClr val="accent2"/>
-            </a:lnRef>
-            <a:fillRef idx="1">
-              <a:schemeClr val="lt1"/>
-            </a:fillRef>
-            <a:effectRef idx="0">
-              <a:schemeClr val="accent2"/>
-            </a:effectRef>
-            <a:fontRef idx="minor">
-              <a:schemeClr val="dk1"/>
-            </a:fontRef>
-          </p:style>
-          <p:txBody>
-            <a:bodyPr lIns="90000" tIns="72000" rIns="90000" bIns="72000" rtlCol="0" anchor="ctr"/>
-            <a:lstStyle/>
-            <a:p>
-              <a:pPr marR="0" algn="ctr" defTabSz="914400" eaLnBrk="1" fontAlgn="base" latinLnBrk="0" hangingPunct="1">
-                <a:lnSpc>
-                  <a:spcPct val="100000"/>
-                </a:lnSpc>
-                <a:spcBef>
-                  <a:spcPct val="50000"/>
-                </a:spcBef>
-                <a:spcAft>
-                  <a:spcPct val="0"/>
-                </a:spcAft>
-                <a:buClr>
-                  <a:srgbClr val="F0AB00"/>
-                </a:buClr>
-                <a:buSzPct val="80000"/>
-                <a:tabLst/>
-              </a:pPr>
-              <a:r>
-                <a:rPr kumimoji="0" lang="en-US" sz="1800" b="0" i="0" u="none" strike="noStrike" kern="0" cap="none" spc="0" normalizeH="0" baseline="0" noProof="0" dirty="0" err="1">
-                  <a:ln>
-                    <a:noFill/>
-                  </a:ln>
-                  <a:effectLst/>
-                  <a:uLnTx/>
-                  <a:uFillTx/>
-                  <a:ea typeface="Arial Unicode MS" pitchFamily="34" charset="-128"/>
-                  <a:cs typeface="Arial Unicode MS" pitchFamily="34" charset="-128"/>
-                </a:rPr>
-                <a:t>kubectl</a:t>
-              </a:r>
-              <a:endParaRPr kumimoji="0" lang="en-US" sz="1800" b="0" i="0" u="none" strike="noStrike" kern="0" cap="none" spc="0" normalizeH="0" baseline="0" noProof="0" dirty="0">
-                <a:ln>
-                  <a:noFill/>
-                </a:ln>
-                <a:effectLst/>
-                <a:uLnTx/>
-                <a:uFillTx/>
-                <a:ea typeface="Arial Unicode MS" pitchFamily="34" charset="-128"/>
-                <a:cs typeface="Arial Unicode MS" pitchFamily="34" charset="-128"/>
-              </a:endParaRPr>
-            </a:p>
-          </p:txBody>
-        </p:sp>
-      </p:grpSp>
-      <p:cxnSp>
-        <p:nvCxnSpPr>
-          <p:cNvPr id="9" name="Straight Connector 8"/>
-          <p:cNvCxnSpPr/>
-          <p:nvPr/>
-        </p:nvCxnSpPr>
-        <p:spPr>
-          <a:xfrm>
-            <a:off x="4968240" y="1546860"/>
-            <a:ext cx="30480" cy="5173980"/>
-          </a:xfrm>
-          <a:prstGeom prst="line">
-            <a:avLst/>
-          </a:prstGeom>
-          <a:ln w="57150">
-            <a:prstDash val="dash"/>
-            <a:headEnd type="none" w="med" len="med"/>
-            <a:tailEnd type="none" w="med" len="med"/>
-          </a:ln>
-        </p:spPr>
-        <p:style>
-          <a:lnRef idx="1">
-            <a:schemeClr val="accent4"/>
-          </a:lnRef>
-          <a:fillRef idx="0">
-            <a:schemeClr val="accent4"/>
-          </a:fillRef>
-          <a:effectRef idx="0">
-            <a:schemeClr val="accent4"/>
-          </a:effectRef>
-          <a:fontRef idx="minor">
-            <a:schemeClr val="tx1"/>
-          </a:fontRef>
-        </p:style>
-      </p:cxnSp>
-      <p:sp>
-        <p:nvSpPr>
-          <p:cNvPr id="16" name="Rectangle 15"/>
-          <p:cNvSpPr/>
-          <p:nvPr/>
-        </p:nvSpPr>
-        <p:spPr bwMode="gray">
-          <a:xfrm>
-            <a:off x="5338891" y="1744980"/>
-            <a:ext cx="6497447" cy="4762500"/>
-          </a:xfrm>
-          <a:prstGeom prst="rect">
-            <a:avLst/>
-          </a:prstGeom>
-          <a:noFill/>
-          <a:ln w="9525" cap="flat" cmpd="sng" algn="ctr">
-            <a:solidFill>
-              <a:schemeClr val="tx1"/>
-            </a:solidFill>
-            <a:prstDash val="solid"/>
-            <a:round/>
-            <a:headEnd type="none" w="med" len="med"/>
-            <a:tailEnd type="none" w="med" len="med"/>
-          </a:ln>
-        </p:spPr>
-        <p:style>
-          <a:lnRef idx="0">
-            <a:scrgbClr r="0" g="0" b="0"/>
-          </a:lnRef>
-          <a:fillRef idx="0">
-            <a:scrgbClr r="0" g="0" b="0"/>
-          </a:fillRef>
-          <a:effectRef idx="0">
-            <a:scrgbClr r="0" g="0" b="0"/>
-          </a:effectRef>
-          <a:fontRef idx="minor">
-            <a:schemeClr val="dk1"/>
-          </a:fontRef>
-        </p:style>
-        <p:txBody>
-          <a:bodyPr lIns="90000" tIns="72000" rIns="90000" bIns="72000" rtlCol="0" anchor="t"/>
-          <a:lstStyle/>
-          <a:p>
-            <a:pPr marR="0" algn="ctr" defTabSz="914400" eaLnBrk="1" fontAlgn="base" latinLnBrk="0" hangingPunct="1">
-              <a:lnSpc>
-                <a:spcPct val="100000"/>
-              </a:lnSpc>
-              <a:spcBef>
-                <a:spcPct val="50000"/>
-              </a:spcBef>
-              <a:spcAft>
-                <a:spcPct val="0"/>
-              </a:spcAft>
-              <a:buClr>
-                <a:srgbClr val="F0AB00"/>
-              </a:buClr>
-              <a:buSzPct val="80000"/>
-              <a:tabLst/>
-            </a:pPr>
-            <a:r>
-              <a:rPr lang="de-DE" sz="2400" kern="0" dirty="0">
-                <a:ln w="0"/>
-                <a:solidFill>
-                  <a:schemeClr val="tx1"/>
-                </a:solidFill>
-                <a:effectLst>
-                  <a:outerShdw blurRad="38100" dist="19050" dir="2700000" algn="tl" rotWithShape="0">
-                    <a:schemeClr val="dk1">
-                      <a:alpha val="40000"/>
-                    </a:schemeClr>
-                  </a:outerShdw>
-                </a:effectLst>
-                <a:ea typeface="Arial Unicode MS" pitchFamily="34" charset="-128"/>
-                <a:cs typeface="Arial Unicode MS" pitchFamily="34" charset="-128"/>
-              </a:rPr>
-              <a:t>K8s-training </a:t>
-            </a:r>
-            <a:r>
-              <a:rPr lang="de-DE" sz="2400" kern="0" dirty="0" err="1">
-                <a:ln w="0"/>
-                <a:solidFill>
-                  <a:schemeClr val="tx1"/>
-                </a:solidFill>
-                <a:effectLst>
-                  <a:outerShdw blurRad="38100" dist="19050" dir="2700000" algn="tl" rotWithShape="0">
-                    <a:schemeClr val="dk1">
-                      <a:alpha val="40000"/>
-                    </a:schemeClr>
-                  </a:outerShdw>
-                </a:effectLst>
-                <a:ea typeface="Arial Unicode MS" pitchFamily="34" charset="-128"/>
-                <a:cs typeface="Arial Unicode MS" pitchFamily="34" charset="-128"/>
-              </a:rPr>
-              <a:t>cluster</a:t>
-            </a:r>
-            <a:endParaRPr kumimoji="0" lang="de-DE" sz="2400" i="0" strike="noStrike" kern="0" normalizeH="0" baseline="0" noProof="0" dirty="0">
-              <a:ln w="0"/>
-              <a:solidFill>
-                <a:schemeClr val="tx1"/>
-              </a:solidFill>
-              <a:effectLst>
-                <a:outerShdw blurRad="38100" dist="19050" dir="2700000" algn="tl" rotWithShape="0">
-                  <a:schemeClr val="dk1">
-                    <a:alpha val="40000"/>
-                  </a:schemeClr>
-                </a:outerShdw>
-              </a:effectLst>
-              <a:uLnTx/>
-              <a:uFillTx/>
-              <a:ea typeface="Arial Unicode MS" pitchFamily="34" charset="-128"/>
-              <a:cs typeface="Arial Unicode MS" pitchFamily="34" charset="-128"/>
-            </a:endParaRPr>
-          </a:p>
-        </p:txBody>
-      </p:sp>
-      <p:sp>
-        <p:nvSpPr>
-          <p:cNvPr id="19" name="Rectangle 18"/>
-          <p:cNvSpPr/>
-          <p:nvPr/>
-        </p:nvSpPr>
-        <p:spPr bwMode="gray">
-          <a:xfrm>
-            <a:off x="8890352" y="2540137"/>
-            <a:ext cx="2724717" cy="2015489"/>
-          </a:xfrm>
-          <a:prstGeom prst="rect">
-            <a:avLst/>
-          </a:prstGeom>
-          <a:ln>
-            <a:headEnd/>
-            <a:tailEnd/>
-          </a:ln>
-        </p:spPr>
-        <p:style>
-          <a:lnRef idx="1">
-            <a:schemeClr val="accent2"/>
-          </a:lnRef>
-          <a:fillRef idx="2">
-            <a:schemeClr val="accent2"/>
-          </a:fillRef>
-          <a:effectRef idx="1">
-            <a:schemeClr val="accent2"/>
-          </a:effectRef>
-          <a:fontRef idx="minor">
-            <a:schemeClr val="dk1"/>
-          </a:fontRef>
-        </p:style>
-        <p:txBody>
-          <a:bodyPr lIns="90000" tIns="72000" rIns="90000" bIns="72000" rtlCol="0" anchor="t"/>
-          <a:lstStyle/>
-          <a:p>
-            <a:pPr algn="ctr" defTabSz="914400" fontAlgn="base">
-              <a:spcBef>
-                <a:spcPct val="50000"/>
-              </a:spcBef>
-              <a:spcAft>
-                <a:spcPct val="0"/>
-              </a:spcAft>
-              <a:buClr>
-                <a:srgbClr val="F0AB00"/>
-              </a:buClr>
-              <a:buSzPct val="80000"/>
-            </a:pPr>
-            <a:endParaRPr lang="de-DE" sz="1400" b="1" kern="0" dirty="0">
-              <a:ea typeface="Arial Unicode MS" pitchFamily="34" charset="-128"/>
-              <a:cs typeface="Arial Unicode MS" pitchFamily="34" charset="-128"/>
-            </a:endParaRPr>
-          </a:p>
-        </p:txBody>
-      </p:sp>
-      <p:sp>
-        <p:nvSpPr>
-          <p:cNvPr id="20" name="Rectangle 19"/>
-          <p:cNvSpPr/>
-          <p:nvPr/>
-        </p:nvSpPr>
-        <p:spPr bwMode="gray">
-          <a:xfrm>
-            <a:off x="8791291" y="2756956"/>
-            <a:ext cx="2724717" cy="2015489"/>
-          </a:xfrm>
-          <a:prstGeom prst="rect">
-            <a:avLst/>
-          </a:prstGeom>
-          <a:ln>
-            <a:headEnd/>
-            <a:tailEnd/>
-          </a:ln>
-        </p:spPr>
-        <p:style>
-          <a:lnRef idx="1">
-            <a:schemeClr val="accent2"/>
-          </a:lnRef>
-          <a:fillRef idx="2">
-            <a:schemeClr val="accent2"/>
-          </a:fillRef>
-          <a:effectRef idx="1">
-            <a:schemeClr val="accent2"/>
-          </a:effectRef>
-          <a:fontRef idx="minor">
-            <a:schemeClr val="dk1"/>
-          </a:fontRef>
-        </p:style>
-        <p:txBody>
-          <a:bodyPr lIns="90000" tIns="72000" rIns="90000" bIns="72000" rtlCol="0" anchor="t"/>
-          <a:lstStyle/>
-          <a:p>
-            <a:pPr algn="ctr" defTabSz="914400" fontAlgn="base">
-              <a:spcBef>
-                <a:spcPct val="50000"/>
-              </a:spcBef>
-              <a:spcAft>
-                <a:spcPct val="0"/>
-              </a:spcAft>
-              <a:buClr>
-                <a:srgbClr val="F0AB00"/>
-              </a:buClr>
-              <a:buSzPct val="80000"/>
-            </a:pPr>
-            <a:endParaRPr lang="de-DE" sz="1400" b="1" kern="0" dirty="0">
-              <a:ea typeface="Arial Unicode MS" pitchFamily="34" charset="-128"/>
-              <a:cs typeface="Arial Unicode MS" pitchFamily="34" charset="-128"/>
-            </a:endParaRPr>
-          </a:p>
-        </p:txBody>
-      </p:sp>
-      <p:sp>
-        <p:nvSpPr>
-          <p:cNvPr id="21" name="Rectangle 20"/>
-          <p:cNvSpPr/>
-          <p:nvPr/>
-        </p:nvSpPr>
-        <p:spPr bwMode="gray">
-          <a:xfrm>
-            <a:off x="5768587" y="3105075"/>
-            <a:ext cx="2392755" cy="1635766"/>
-          </a:xfrm>
-          <a:prstGeom prst="rect">
-            <a:avLst/>
-          </a:prstGeom>
-          <a:ln>
-            <a:headEnd/>
-            <a:tailEnd/>
-          </a:ln>
-        </p:spPr>
-        <p:style>
-          <a:lnRef idx="1">
-            <a:schemeClr val="accent2"/>
-          </a:lnRef>
-          <a:fillRef idx="2">
-            <a:schemeClr val="accent2"/>
-          </a:fillRef>
-          <a:effectRef idx="1">
-            <a:schemeClr val="accent2"/>
-          </a:effectRef>
-          <a:fontRef idx="minor">
-            <a:schemeClr val="dk1"/>
-          </a:fontRef>
-        </p:style>
-        <p:txBody>
-          <a:bodyPr lIns="90000" tIns="72000" rIns="90000" bIns="72000" rtlCol="0" anchor="t"/>
-          <a:lstStyle/>
-          <a:p>
-            <a:pPr algn="ctr" defTabSz="914400" fontAlgn="base">
-              <a:spcBef>
-                <a:spcPct val="50000"/>
-              </a:spcBef>
-              <a:spcAft>
-                <a:spcPct val="0"/>
-              </a:spcAft>
-              <a:buClr>
-                <a:srgbClr val="F0AB00"/>
-              </a:buClr>
-              <a:buSzPct val="80000"/>
-            </a:pPr>
-            <a:r>
-              <a:rPr lang="de-DE" sz="1400" b="1" kern="0" dirty="0">
-                <a:ea typeface="Arial Unicode MS" pitchFamily="34" charset="-128"/>
-                <a:cs typeface="Arial Unicode MS" pitchFamily="34" charset="-128"/>
-              </a:rPr>
-              <a:t>Master</a:t>
-            </a:r>
-          </a:p>
-        </p:txBody>
-      </p:sp>
-      <p:sp>
-        <p:nvSpPr>
-          <p:cNvPr id="22" name="Rectangle 21"/>
-          <p:cNvSpPr/>
-          <p:nvPr/>
-        </p:nvSpPr>
-        <p:spPr bwMode="gray">
-          <a:xfrm>
-            <a:off x="6258465" y="3697498"/>
-            <a:ext cx="1336229" cy="453581"/>
-          </a:xfrm>
-          <a:prstGeom prst="rect">
-            <a:avLst/>
-          </a:prstGeom>
-          <a:ln>
-            <a:headEnd/>
-            <a:tailEnd/>
-          </a:ln>
-        </p:spPr>
-        <p:style>
-          <a:lnRef idx="2">
-            <a:schemeClr val="accent2">
-              <a:shade val="50000"/>
-            </a:schemeClr>
-          </a:lnRef>
-          <a:fillRef idx="1">
-            <a:schemeClr val="accent2"/>
-          </a:fillRef>
-          <a:effectRef idx="0">
-            <a:schemeClr val="accent2"/>
-          </a:effectRef>
-          <a:fontRef idx="minor">
-            <a:schemeClr val="lt1"/>
-          </a:fontRef>
-        </p:style>
-        <p:txBody>
-          <a:bodyPr lIns="90000" tIns="72000" rIns="90000" bIns="72000" rtlCol="0" anchor="ctr"/>
-          <a:lstStyle/>
-          <a:p>
-            <a:pPr marR="0" algn="ctr" defTabSz="914400" eaLnBrk="1" fontAlgn="base" latinLnBrk="0" hangingPunct="1">
-              <a:lnSpc>
-                <a:spcPct val="100000"/>
-              </a:lnSpc>
-              <a:spcBef>
-                <a:spcPct val="50000"/>
-              </a:spcBef>
-              <a:spcAft>
-                <a:spcPct val="0"/>
-              </a:spcAft>
-              <a:buClr>
-                <a:srgbClr val="F0AB00"/>
-              </a:buClr>
-              <a:buSzPct val="80000"/>
-              <a:tabLst/>
-            </a:pPr>
-            <a:r>
-              <a:rPr kumimoji="0" lang="de-DE" sz="1600" b="1" i="0" u="none" strike="noStrike" kern="0" cap="none" spc="0" normalizeH="0" baseline="0" noProof="0" dirty="0">
-                <a:ln>
-                  <a:noFill/>
-                </a:ln>
-                <a:effectLst/>
-                <a:uLnTx/>
-                <a:uFillTx/>
-                <a:ea typeface="Arial Unicode MS" pitchFamily="34" charset="-128"/>
-                <a:cs typeface="Arial Unicode MS" pitchFamily="34" charset="-128"/>
-              </a:rPr>
-              <a:t>API</a:t>
-            </a:r>
-            <a:r>
-              <a:rPr kumimoji="0" lang="de-DE" sz="1600" b="1" i="0" u="none" strike="noStrike" kern="0" cap="none" spc="0" normalizeH="0" noProof="0" dirty="0">
-                <a:ln>
-                  <a:noFill/>
-                </a:ln>
-                <a:effectLst/>
-                <a:uLnTx/>
-                <a:uFillTx/>
-                <a:ea typeface="Arial Unicode MS" pitchFamily="34" charset="-128"/>
-                <a:cs typeface="Arial Unicode MS" pitchFamily="34" charset="-128"/>
-              </a:rPr>
-              <a:t> Server</a:t>
-            </a:r>
-            <a:endParaRPr kumimoji="0" lang="de-DE" sz="1600" b="1" i="0" u="none" strike="noStrike" kern="0" cap="none" spc="0" normalizeH="0" baseline="0" noProof="0" dirty="0">
-              <a:ln>
-                <a:noFill/>
-              </a:ln>
-              <a:effectLst/>
-              <a:uLnTx/>
-              <a:uFillTx/>
-              <a:ea typeface="Arial Unicode MS" pitchFamily="34" charset="-128"/>
-              <a:cs typeface="Arial Unicode MS" pitchFamily="34" charset="-128"/>
-            </a:endParaRPr>
-          </a:p>
-        </p:txBody>
-      </p:sp>
-      <p:sp>
-        <p:nvSpPr>
-          <p:cNvPr id="31" name="Rectangle 30"/>
-          <p:cNvSpPr/>
-          <p:nvPr/>
-        </p:nvSpPr>
-        <p:spPr bwMode="gray">
-          <a:xfrm>
-            <a:off x="6156960" y="5356744"/>
-            <a:ext cx="1575643" cy="918462"/>
-          </a:xfrm>
-          <a:prstGeom prst="rect">
-            <a:avLst/>
-          </a:prstGeom>
-          <a:ln>
-            <a:headEnd/>
-            <a:tailEnd/>
-          </a:ln>
-        </p:spPr>
-        <p:style>
-          <a:lnRef idx="1">
-            <a:schemeClr val="accent2"/>
-          </a:lnRef>
-          <a:fillRef idx="2">
-            <a:schemeClr val="accent2"/>
-          </a:fillRef>
-          <a:effectRef idx="1">
-            <a:schemeClr val="accent2"/>
-          </a:effectRef>
-          <a:fontRef idx="minor">
-            <a:schemeClr val="dk1"/>
-          </a:fontRef>
-        </p:style>
-        <p:txBody>
-          <a:bodyPr lIns="90000" tIns="72000" rIns="90000" bIns="72000" rtlCol="0" anchor="ctr"/>
-          <a:lstStyle/>
-          <a:p>
-            <a:pPr marR="0" algn="ctr" defTabSz="914400" eaLnBrk="1" fontAlgn="base" latinLnBrk="0" hangingPunct="1">
-              <a:lnSpc>
-                <a:spcPct val="100000"/>
-              </a:lnSpc>
-              <a:spcBef>
-                <a:spcPct val="50000"/>
-              </a:spcBef>
-              <a:spcAft>
-                <a:spcPct val="0"/>
-              </a:spcAft>
-              <a:buClr>
-                <a:srgbClr val="F0AB00"/>
-              </a:buClr>
-              <a:buSzPct val="80000"/>
-              <a:tabLst/>
-            </a:pPr>
-            <a:r>
-              <a:rPr kumimoji="0" lang="de-DE" sz="1800" b="1" i="0" strike="noStrike" kern="0" cap="none" spc="0" normalizeH="0" baseline="0" noProof="0" dirty="0" err="1">
-                <a:ln>
-                  <a:noFill/>
-                </a:ln>
-                <a:effectLst/>
-                <a:uLnTx/>
-                <a:uFillTx/>
-                <a:ea typeface="Arial Unicode MS" pitchFamily="34" charset="-128"/>
-                <a:cs typeface="Arial Unicode MS" pitchFamily="34" charset="-128"/>
-              </a:rPr>
-              <a:t>etcd</a:t>
-            </a:r>
-            <a:endParaRPr kumimoji="0" lang="de-DE" sz="1800" b="1" i="0" strike="noStrike" kern="0" cap="none" spc="0" normalizeH="0" baseline="0" noProof="0" dirty="0">
-              <a:ln>
-                <a:noFill/>
-              </a:ln>
-              <a:effectLst/>
-              <a:uLnTx/>
-              <a:uFillTx/>
-              <a:ea typeface="Arial Unicode MS" pitchFamily="34" charset="-128"/>
-              <a:cs typeface="Arial Unicode MS" pitchFamily="34" charset="-128"/>
-            </a:endParaRPr>
-          </a:p>
-          <a:p>
-            <a:pPr marR="0" algn="ctr" defTabSz="914400" eaLnBrk="1" fontAlgn="base" latinLnBrk="0" hangingPunct="1">
-              <a:lnSpc>
-                <a:spcPct val="100000"/>
-              </a:lnSpc>
-              <a:spcBef>
-                <a:spcPct val="50000"/>
-              </a:spcBef>
-              <a:spcAft>
-                <a:spcPct val="0"/>
-              </a:spcAft>
-              <a:buClr>
-                <a:srgbClr val="F0AB00"/>
-              </a:buClr>
-              <a:buSzPct val="80000"/>
-              <a:tabLst/>
-            </a:pPr>
-            <a:r>
-              <a:rPr lang="de-DE" sz="1100" b="1" kern="0" dirty="0">
-                <a:ea typeface="Arial Unicode MS" pitchFamily="34" charset="-128"/>
-                <a:cs typeface="Arial Unicode MS" pitchFamily="34" charset="-128"/>
-              </a:rPr>
-              <a:t>(</a:t>
-            </a:r>
-            <a:r>
-              <a:rPr lang="de-DE" sz="1100" b="1" kern="0" dirty="0" err="1">
-                <a:ea typeface="Arial Unicode MS" pitchFamily="34" charset="-128"/>
-                <a:cs typeface="Arial Unicode MS" pitchFamily="34" charset="-128"/>
-              </a:rPr>
-              <a:t>distributed</a:t>
-            </a:r>
-            <a:r>
-              <a:rPr lang="de-DE" sz="1100" b="1" kern="0" dirty="0">
-                <a:ea typeface="Arial Unicode MS" pitchFamily="34" charset="-128"/>
-                <a:cs typeface="Arial Unicode MS" pitchFamily="34" charset="-128"/>
-              </a:rPr>
-              <a:t>) </a:t>
-            </a:r>
-            <a:r>
-              <a:rPr lang="de-DE" sz="1100" b="1" kern="0" dirty="0" err="1">
-                <a:ea typeface="Arial Unicode MS" pitchFamily="34" charset="-128"/>
-                <a:cs typeface="Arial Unicode MS" pitchFamily="34" charset="-128"/>
-              </a:rPr>
-              <a:t>key-value</a:t>
-            </a:r>
-            <a:r>
-              <a:rPr lang="de-DE" sz="1100" b="1" kern="0" dirty="0">
-                <a:ea typeface="Arial Unicode MS" pitchFamily="34" charset="-128"/>
-                <a:cs typeface="Arial Unicode MS" pitchFamily="34" charset="-128"/>
-              </a:rPr>
-              <a:t> </a:t>
-            </a:r>
-            <a:r>
-              <a:rPr lang="de-DE" sz="1100" b="1" kern="0" dirty="0" err="1">
-                <a:ea typeface="Arial Unicode MS" pitchFamily="34" charset="-128"/>
-                <a:cs typeface="Arial Unicode MS" pitchFamily="34" charset="-128"/>
-              </a:rPr>
-              <a:t>store</a:t>
-            </a:r>
-            <a:endParaRPr kumimoji="0" lang="de-DE" sz="1800" b="1" i="0" strike="noStrike" kern="0" cap="none" spc="0" normalizeH="0" baseline="0" noProof="0" dirty="0">
-              <a:ln>
-                <a:noFill/>
-              </a:ln>
-              <a:effectLst/>
-              <a:uLnTx/>
-              <a:uFillTx/>
-              <a:ea typeface="Arial Unicode MS" pitchFamily="34" charset="-128"/>
-              <a:cs typeface="Arial Unicode MS" pitchFamily="34" charset="-128"/>
-            </a:endParaRPr>
-          </a:p>
-        </p:txBody>
-      </p:sp>
-      <p:cxnSp>
-        <p:nvCxnSpPr>
-          <p:cNvPr id="32" name="Straight Arrow Connector 31"/>
-          <p:cNvCxnSpPr>
-            <a:stCxn id="22" idx="2"/>
-            <a:endCxn id="31" idx="0"/>
-          </p:cNvCxnSpPr>
-          <p:nvPr/>
-        </p:nvCxnSpPr>
-        <p:spPr>
-          <a:xfrm>
-            <a:off x="6926580" y="4151079"/>
-            <a:ext cx="18202" cy="1205665"/>
-          </a:xfrm>
-          <a:prstGeom prst="straightConnector1">
-            <a:avLst/>
-          </a:prstGeom>
-          <a:ln w="57150">
-            <a:solidFill>
-              <a:schemeClr val="accent2"/>
-            </a:solidFill>
-            <a:headEnd type="triangle"/>
-            <a:tailEnd type="triangle"/>
-          </a:ln>
-        </p:spPr>
-        <p:style>
-          <a:lnRef idx="1">
-            <a:schemeClr val="accent1"/>
-          </a:lnRef>
-          <a:fillRef idx="0">
-            <a:schemeClr val="accent1"/>
-          </a:fillRef>
-          <a:effectRef idx="0">
-            <a:schemeClr val="accent1"/>
-          </a:effectRef>
-          <a:fontRef idx="minor">
-            <a:schemeClr val="tx1"/>
-          </a:fontRef>
-        </p:style>
-      </p:cxnSp>
-      <p:sp>
-        <p:nvSpPr>
-          <p:cNvPr id="33" name="Rectangle 32"/>
-          <p:cNvSpPr/>
-          <p:nvPr/>
-        </p:nvSpPr>
-        <p:spPr bwMode="gray">
-          <a:xfrm>
-            <a:off x="8733601" y="3032761"/>
-            <a:ext cx="2724717" cy="2015489"/>
-          </a:xfrm>
-          <a:prstGeom prst="rect">
-            <a:avLst/>
-          </a:prstGeom>
-          <a:ln>
-            <a:headEnd/>
-            <a:tailEnd/>
-          </a:ln>
-        </p:spPr>
-        <p:style>
-          <a:lnRef idx="1">
-            <a:schemeClr val="accent2"/>
-          </a:lnRef>
-          <a:fillRef idx="2">
-            <a:schemeClr val="accent2"/>
-          </a:fillRef>
-          <a:effectRef idx="1">
-            <a:schemeClr val="accent2"/>
-          </a:effectRef>
-          <a:fontRef idx="minor">
-            <a:schemeClr val="dk1"/>
-          </a:fontRef>
-        </p:style>
-        <p:txBody>
-          <a:bodyPr lIns="90000" tIns="72000" rIns="90000" bIns="72000" rtlCol="0" anchor="t"/>
-          <a:lstStyle/>
-          <a:p>
-            <a:pPr algn="ctr" defTabSz="914400" fontAlgn="base">
-              <a:spcBef>
-                <a:spcPct val="50000"/>
-              </a:spcBef>
-              <a:spcAft>
-                <a:spcPct val="0"/>
-              </a:spcAft>
-              <a:buClr>
-                <a:srgbClr val="F0AB00"/>
-              </a:buClr>
-              <a:buSzPct val="80000"/>
-            </a:pPr>
-            <a:r>
-              <a:rPr lang="de-DE" sz="1400" b="1" kern="0" dirty="0">
-                <a:ea typeface="Arial Unicode MS" pitchFamily="34" charset="-128"/>
-                <a:cs typeface="Arial Unicode MS" pitchFamily="34" charset="-128"/>
-              </a:rPr>
-              <a:t>Worker</a:t>
-            </a:r>
-          </a:p>
-        </p:txBody>
-      </p:sp>
-      <p:sp>
-        <p:nvSpPr>
-          <p:cNvPr id="34" name="Rectangle 33"/>
-          <p:cNvSpPr/>
-          <p:nvPr/>
-        </p:nvSpPr>
-        <p:spPr bwMode="gray">
-          <a:xfrm>
-            <a:off x="8851967" y="3722804"/>
-            <a:ext cx="2551108" cy="1085192"/>
-          </a:xfrm>
-          <a:prstGeom prst="rect">
-            <a:avLst/>
-          </a:prstGeom>
-          <a:solidFill>
-            <a:schemeClr val="accent1">
-              <a:lumMod val="60000"/>
-              <a:lumOff val="40000"/>
-            </a:schemeClr>
-          </a:solidFill>
-          <a:ln>
-            <a:headEnd/>
-            <a:tailEnd/>
-          </a:ln>
-        </p:spPr>
-        <p:style>
-          <a:lnRef idx="1">
-            <a:schemeClr val="accent1"/>
-          </a:lnRef>
-          <a:fillRef idx="2">
-            <a:schemeClr val="accent1"/>
-          </a:fillRef>
-          <a:effectRef idx="1">
-            <a:schemeClr val="accent1"/>
-          </a:effectRef>
-          <a:fontRef idx="minor">
-            <a:schemeClr val="dk1"/>
-          </a:fontRef>
-        </p:style>
-        <p:txBody>
-          <a:bodyPr lIns="90000" tIns="72000" rIns="90000" bIns="72000" rtlCol="0" anchor="b"/>
-          <a:lstStyle/>
-          <a:p>
-            <a:pPr marR="0" defTabSz="914400" eaLnBrk="1" fontAlgn="base" latinLnBrk="0" hangingPunct="1">
-              <a:lnSpc>
-                <a:spcPct val="100000"/>
-              </a:lnSpc>
-              <a:spcBef>
-                <a:spcPct val="50000"/>
-              </a:spcBef>
-              <a:spcAft>
-                <a:spcPct val="0"/>
-              </a:spcAft>
-              <a:buClr>
-                <a:srgbClr val="F0AB00"/>
-              </a:buClr>
-              <a:buSzPct val="80000"/>
-              <a:tabLst/>
-            </a:pPr>
-            <a:r>
-              <a:rPr lang="de-DE" sz="1200" b="1" kern="0" noProof="0" dirty="0">
-                <a:ea typeface="Arial Unicode MS" pitchFamily="34" charset="-128"/>
-                <a:cs typeface="Arial Unicode MS" pitchFamily="34" charset="-128"/>
-              </a:rPr>
-              <a:t>D</a:t>
-            </a:r>
-            <a:r>
-              <a:rPr kumimoji="0" lang="de-DE" sz="1200" b="1" i="0" strike="noStrike" kern="0" cap="none" spc="0" normalizeH="0" baseline="0" noProof="0" dirty="0">
-                <a:ln>
-                  <a:noFill/>
-                </a:ln>
-                <a:effectLst/>
-                <a:uLnTx/>
-                <a:uFillTx/>
-                <a:ea typeface="Arial Unicode MS" pitchFamily="34" charset="-128"/>
-                <a:cs typeface="Arial Unicode MS" pitchFamily="34" charset="-128"/>
-              </a:rPr>
-              <a:t>ocker</a:t>
-            </a:r>
-            <a:endParaRPr kumimoji="0" lang="de-DE" sz="1400" b="1" i="0" strike="noStrike" kern="0" cap="none" spc="0" normalizeH="0" baseline="0" noProof="0" dirty="0">
-              <a:ln>
-                <a:noFill/>
-              </a:ln>
-              <a:effectLst/>
-              <a:uLnTx/>
-              <a:uFillTx/>
-              <a:ea typeface="Arial Unicode MS" pitchFamily="34" charset="-128"/>
-              <a:cs typeface="Arial Unicode MS" pitchFamily="34" charset="-128"/>
-            </a:endParaRPr>
-          </a:p>
-        </p:txBody>
-      </p:sp>
-      <p:sp>
-        <p:nvSpPr>
-          <p:cNvPr id="36" name="Rectangle 35"/>
-          <p:cNvSpPr/>
-          <p:nvPr/>
-        </p:nvSpPr>
-        <p:spPr bwMode="gray">
-          <a:xfrm>
-            <a:off x="9066103" y="3922958"/>
-            <a:ext cx="889224" cy="507936"/>
-          </a:xfrm>
-          <a:prstGeom prst="rect">
-            <a:avLst/>
-          </a:prstGeom>
-          <a:ln>
-            <a:headEnd/>
-            <a:tailEnd/>
-          </a:ln>
-        </p:spPr>
-        <p:style>
-          <a:lnRef idx="2">
-            <a:schemeClr val="accent2">
-              <a:shade val="50000"/>
-            </a:schemeClr>
-          </a:lnRef>
-          <a:fillRef idx="1">
-            <a:schemeClr val="accent2"/>
-          </a:fillRef>
-          <a:effectRef idx="0">
-            <a:schemeClr val="accent2"/>
-          </a:effectRef>
-          <a:fontRef idx="minor">
-            <a:schemeClr val="lt1"/>
-          </a:fontRef>
-        </p:style>
-        <p:txBody>
-          <a:bodyPr lIns="90000" tIns="72000" rIns="90000" bIns="72000" rtlCol="0" anchor="ctr"/>
-          <a:lstStyle/>
-          <a:p>
-            <a:pPr marR="0" algn="ctr" defTabSz="914400" eaLnBrk="1" fontAlgn="base" latinLnBrk="0" hangingPunct="1">
-              <a:lnSpc>
-                <a:spcPct val="100000"/>
-              </a:lnSpc>
-              <a:spcBef>
-                <a:spcPct val="50000"/>
-              </a:spcBef>
-              <a:spcAft>
-                <a:spcPct val="0"/>
-              </a:spcAft>
-              <a:buClr>
-                <a:srgbClr val="F0AB00"/>
-              </a:buClr>
-              <a:buSzPct val="80000"/>
-              <a:tabLst/>
-            </a:pPr>
-            <a:r>
-              <a:rPr lang="de-DE" sz="1050" b="1" kern="0" noProof="0" dirty="0" err="1">
-                <a:ea typeface="Arial Unicode MS" pitchFamily="34" charset="-128"/>
-                <a:cs typeface="Arial Unicode MS" pitchFamily="34" charset="-128"/>
-              </a:rPr>
-              <a:t>Pod</a:t>
-            </a:r>
-            <a:endParaRPr kumimoji="0" lang="de-DE" sz="1050" b="1" i="0" u="none" strike="noStrike" kern="0" cap="none" spc="0" normalizeH="0" baseline="0" noProof="0" dirty="0">
-              <a:ln>
-                <a:noFill/>
-              </a:ln>
-              <a:effectLst/>
-              <a:uLnTx/>
-              <a:uFillTx/>
-              <a:ea typeface="Arial Unicode MS" pitchFamily="34" charset="-128"/>
-              <a:cs typeface="Arial Unicode MS" pitchFamily="34" charset="-128"/>
-            </a:endParaRPr>
-          </a:p>
-        </p:txBody>
-      </p:sp>
-      <p:sp>
-        <p:nvSpPr>
-          <p:cNvPr id="37" name="Rectangle 36"/>
-          <p:cNvSpPr/>
-          <p:nvPr/>
-        </p:nvSpPr>
-        <p:spPr bwMode="gray">
-          <a:xfrm>
-            <a:off x="10287262" y="3922958"/>
-            <a:ext cx="889224" cy="507936"/>
-          </a:xfrm>
-          <a:prstGeom prst="rect">
-            <a:avLst/>
-          </a:prstGeom>
-          <a:ln>
-            <a:headEnd/>
-            <a:tailEnd/>
-          </a:ln>
-        </p:spPr>
-        <p:style>
-          <a:lnRef idx="2">
-            <a:schemeClr val="accent2">
-              <a:shade val="50000"/>
-            </a:schemeClr>
-          </a:lnRef>
-          <a:fillRef idx="1">
-            <a:schemeClr val="accent2"/>
-          </a:fillRef>
-          <a:effectRef idx="0">
-            <a:schemeClr val="accent2"/>
-          </a:effectRef>
-          <a:fontRef idx="minor">
-            <a:schemeClr val="lt1"/>
-          </a:fontRef>
-        </p:style>
-        <p:txBody>
-          <a:bodyPr lIns="90000" tIns="72000" rIns="90000" bIns="72000" rtlCol="0" anchor="ctr"/>
-          <a:lstStyle/>
-          <a:p>
-            <a:pPr marR="0" algn="ctr" defTabSz="914400" eaLnBrk="1" fontAlgn="base" latinLnBrk="0" hangingPunct="1">
-              <a:lnSpc>
-                <a:spcPct val="100000"/>
-              </a:lnSpc>
-              <a:spcBef>
-                <a:spcPct val="50000"/>
-              </a:spcBef>
-              <a:spcAft>
-                <a:spcPct val="0"/>
-              </a:spcAft>
-              <a:buClr>
-                <a:srgbClr val="F0AB00"/>
-              </a:buClr>
-              <a:buSzPct val="80000"/>
-              <a:tabLst/>
-            </a:pPr>
-            <a:r>
-              <a:rPr lang="de-DE" sz="1050" b="1" kern="0" noProof="0" dirty="0" err="1">
-                <a:ea typeface="Arial Unicode MS" pitchFamily="34" charset="-128"/>
-                <a:cs typeface="Arial Unicode MS" pitchFamily="34" charset="-128"/>
-              </a:rPr>
-              <a:t>Pod</a:t>
-            </a:r>
-            <a:endParaRPr kumimoji="0" lang="de-DE" sz="1050" b="1" i="0" u="none" strike="noStrike" kern="0" cap="none" spc="0" normalizeH="0" baseline="0" noProof="0" dirty="0">
-              <a:ln>
-                <a:noFill/>
-              </a:ln>
-              <a:effectLst/>
-              <a:uLnTx/>
-              <a:uFillTx/>
-              <a:ea typeface="Arial Unicode MS" pitchFamily="34" charset="-128"/>
-              <a:cs typeface="Arial Unicode MS" pitchFamily="34" charset="-128"/>
-            </a:endParaRPr>
-          </a:p>
-        </p:txBody>
-      </p:sp>
-      <p:cxnSp>
-        <p:nvCxnSpPr>
-          <p:cNvPr id="41" name="Straight Arrow Connector 40"/>
-          <p:cNvCxnSpPr>
-            <a:stCxn id="31" idx="3"/>
-            <a:endCxn id="33" idx="1"/>
-          </p:cNvCxnSpPr>
-          <p:nvPr/>
-        </p:nvCxnSpPr>
-        <p:spPr>
-          <a:xfrm flipV="1">
-            <a:off x="7732603" y="4040506"/>
-            <a:ext cx="1000998" cy="1775469"/>
-          </a:xfrm>
-          <a:prstGeom prst="straightConnector1">
-            <a:avLst/>
-          </a:prstGeom>
-          <a:ln w="57150">
-            <a:solidFill>
-              <a:schemeClr val="accent2"/>
-            </a:solidFill>
-            <a:headEnd type="triangle"/>
-            <a:tailEnd type="triangle"/>
-          </a:ln>
-        </p:spPr>
-        <p:style>
-          <a:lnRef idx="1">
-            <a:schemeClr val="accent1"/>
-          </a:lnRef>
-          <a:fillRef idx="0">
-            <a:schemeClr val="accent1"/>
-          </a:fillRef>
-          <a:effectRef idx="0">
-            <a:schemeClr val="accent1"/>
-          </a:effectRef>
-          <a:fontRef idx="minor">
-            <a:schemeClr val="tx1"/>
-          </a:fontRef>
-        </p:style>
-      </p:cxnSp>
-      <p:cxnSp>
-        <p:nvCxnSpPr>
-          <p:cNvPr id="44" name="Straight Arrow Connector 43"/>
-          <p:cNvCxnSpPr>
-            <a:stCxn id="22" idx="3"/>
-          </p:cNvCxnSpPr>
-          <p:nvPr/>
-        </p:nvCxnSpPr>
-        <p:spPr>
-          <a:xfrm flipV="1">
-            <a:off x="7594694" y="3922958"/>
-            <a:ext cx="1138907" cy="1331"/>
-          </a:xfrm>
-          <a:prstGeom prst="straightConnector1">
-            <a:avLst/>
-          </a:prstGeom>
-          <a:ln w="57150">
-            <a:solidFill>
-              <a:schemeClr val="accent2"/>
-            </a:solidFill>
-            <a:headEnd type="none" w="med" len="med"/>
-            <a:tailEnd type="triangle"/>
-          </a:ln>
-        </p:spPr>
-        <p:style>
-          <a:lnRef idx="1">
-            <a:schemeClr val="accent2"/>
-          </a:lnRef>
-          <a:fillRef idx="0">
-            <a:schemeClr val="accent2"/>
-          </a:fillRef>
-          <a:effectRef idx="0">
-            <a:schemeClr val="accent2"/>
-          </a:effectRef>
-          <a:fontRef idx="minor">
-            <a:schemeClr val="tx1"/>
-          </a:fontRef>
-        </p:style>
-      </p:cxnSp>
-      <p:sp>
-        <p:nvSpPr>
-          <p:cNvPr id="74" name="Rectangle: Rounded Corners 73"/>
-          <p:cNvSpPr/>
-          <p:nvPr/>
-        </p:nvSpPr>
-        <p:spPr bwMode="gray">
-          <a:xfrm>
-            <a:off x="2521599" y="4996815"/>
-            <a:ext cx="1524000" cy="662940"/>
-          </a:xfrm>
-          <a:prstGeom prst="roundRect">
-            <a:avLst/>
-          </a:prstGeom>
-          <a:ln>
-            <a:headEnd/>
-            <a:tailEnd/>
-          </a:ln>
-        </p:spPr>
-        <p:style>
-          <a:lnRef idx="2">
-            <a:schemeClr val="accent2"/>
-          </a:lnRef>
-          <a:fillRef idx="1">
-            <a:schemeClr val="lt1"/>
-          </a:fillRef>
-          <a:effectRef idx="0">
-            <a:schemeClr val="accent2"/>
-          </a:effectRef>
-          <a:fontRef idx="minor">
-            <a:schemeClr val="dk1"/>
-          </a:fontRef>
-        </p:style>
-        <p:txBody>
-          <a:bodyPr lIns="90000" tIns="72000" rIns="90000" bIns="72000" rtlCol="0" anchor="ctr"/>
-          <a:lstStyle/>
-          <a:p>
-            <a:pPr marR="0" algn="ctr" defTabSz="914400" eaLnBrk="1" fontAlgn="base" latinLnBrk="0" hangingPunct="1">
-              <a:lnSpc>
-                <a:spcPct val="100000"/>
-              </a:lnSpc>
-              <a:spcBef>
-                <a:spcPct val="50000"/>
-              </a:spcBef>
-              <a:spcAft>
-                <a:spcPct val="0"/>
-              </a:spcAft>
-              <a:buClr>
-                <a:srgbClr val="F0AB00"/>
-              </a:buClr>
-              <a:buSzPct val="80000"/>
-              <a:tabLst/>
-            </a:pPr>
-            <a:r>
-              <a:rPr kumimoji="0" lang="en-US" sz="3200" b="1" i="0" u="none" strike="noStrike" kern="0" cap="none" spc="0" normalizeH="0" baseline="0" noProof="0" dirty="0">
-                <a:ln>
-                  <a:noFill/>
-                </a:ln>
-                <a:effectLst/>
-                <a:uLnTx/>
-                <a:uFillTx/>
-                <a:ea typeface="Arial Unicode MS" pitchFamily="34" charset="-128"/>
-                <a:cs typeface="Arial Unicode MS" pitchFamily="34" charset="-128"/>
-              </a:rPr>
-              <a:t>@SAP</a:t>
-            </a:r>
-          </a:p>
-        </p:txBody>
-      </p:sp>
-      <p:sp>
-        <p:nvSpPr>
-          <p:cNvPr id="75" name="Rectangle: Rounded Corners 74"/>
-          <p:cNvSpPr/>
-          <p:nvPr/>
-        </p:nvSpPr>
-        <p:spPr bwMode="gray">
-          <a:xfrm>
-            <a:off x="9066103" y="5738293"/>
-            <a:ext cx="2637141" cy="575620"/>
-          </a:xfrm>
-          <a:prstGeom prst="roundRect">
-            <a:avLst/>
-          </a:prstGeom>
-          <a:ln>
-            <a:headEnd/>
-            <a:tailEnd/>
-          </a:ln>
-        </p:spPr>
-        <p:style>
-          <a:lnRef idx="2">
-            <a:schemeClr val="accent2"/>
-          </a:lnRef>
-          <a:fillRef idx="1">
-            <a:schemeClr val="lt1"/>
-          </a:fillRef>
-          <a:effectRef idx="0">
-            <a:schemeClr val="accent2"/>
-          </a:effectRef>
-          <a:fontRef idx="minor">
-            <a:schemeClr val="dk1"/>
-          </a:fontRef>
-        </p:style>
-        <p:txBody>
-          <a:bodyPr lIns="90000" tIns="72000" rIns="90000" bIns="72000" rtlCol="0" anchor="ctr"/>
-          <a:lstStyle/>
-          <a:p>
-            <a:pPr marR="0" algn="ctr" defTabSz="914400" eaLnBrk="1" fontAlgn="base" latinLnBrk="0" hangingPunct="1">
-              <a:lnSpc>
-                <a:spcPct val="100000"/>
-              </a:lnSpc>
-              <a:spcBef>
-                <a:spcPct val="50000"/>
-              </a:spcBef>
-              <a:spcAft>
-                <a:spcPct val="0"/>
-              </a:spcAft>
-              <a:buClr>
-                <a:srgbClr val="F0AB00"/>
-              </a:buClr>
-              <a:buSzPct val="80000"/>
-              <a:tabLst/>
-            </a:pPr>
-            <a:r>
-              <a:rPr kumimoji="0" lang="en-US" sz="2000" b="1" i="0" u="none" strike="noStrike" kern="0" cap="none" spc="0" normalizeH="0" baseline="0" noProof="0" dirty="0">
-                <a:ln>
-                  <a:noFill/>
-                </a:ln>
-                <a:effectLst/>
-                <a:uLnTx/>
-                <a:uFillTx/>
-                <a:ea typeface="Arial Unicode MS" pitchFamily="34" charset="-128"/>
-                <a:cs typeface="Arial Unicode MS" pitchFamily="34" charset="-128"/>
-              </a:rPr>
-              <a:t>Gardener on GCP</a:t>
-            </a:r>
-          </a:p>
-        </p:txBody>
-      </p:sp>
-      <p:cxnSp>
-        <p:nvCxnSpPr>
-          <p:cNvPr id="77" name="Straight Arrow Connector 76"/>
-          <p:cNvCxnSpPr>
-            <a:stCxn id="6" idx="3"/>
-            <a:endCxn id="21" idx="1"/>
-          </p:cNvCxnSpPr>
-          <p:nvPr/>
-        </p:nvCxnSpPr>
-        <p:spPr>
-          <a:xfrm flipV="1">
-            <a:off x="3967163" y="3922958"/>
-            <a:ext cx="1801424" cy="2154"/>
-          </a:xfrm>
-          <a:prstGeom prst="straightConnector1">
-            <a:avLst/>
-          </a:prstGeom>
-          <a:ln w="57150">
-            <a:solidFill>
-              <a:schemeClr val="accent2"/>
-            </a:solidFill>
-            <a:headEnd type="none" w="med" len="med"/>
-            <a:tailEnd type="triangle"/>
-          </a:ln>
-        </p:spPr>
-        <p:style>
-          <a:lnRef idx="1">
-            <a:schemeClr val="accent2"/>
-          </a:lnRef>
-          <a:fillRef idx="0">
-            <a:schemeClr val="accent2"/>
-          </a:fillRef>
-          <a:effectRef idx="0">
-            <a:schemeClr val="accent2"/>
-          </a:effectRef>
-          <a:fontRef idx="minor">
-            <a:schemeClr val="tx1"/>
-          </a:fontRef>
-        </p:style>
-      </p:cxnSp>
-    </p:spTree>
-    <p:extLst>
-      <p:ext uri="{BB962C8B-B14F-4D97-AF65-F5344CB8AC3E}">
-        <p14:creationId xmlns:p14="http://schemas.microsoft.com/office/powerpoint/2010/main" val="2110886212"/>
       </p:ext>
     </p:extLst>
   </p:cSld>

--- a/kubernetes/01_k8s_core_components.pptx
+++ b/kubernetes/01_k8s_core_components.pptx
@@ -4328,13 +4328,8 @@
           <a:p>
             <a:r>
               <a:rPr lang="en-US" dirty="0"/>
-              <a:t>The API Server is the center piece. All requests towards the cluster </a:t>
-            </a:r>
-            <a:r>
-              <a:rPr lang="en-US"/>
-              <a:t>go though it.</a:t>
-            </a:r>
-            <a:endParaRPr lang="en-US" dirty="0"/>
+              <a:t>The API Server is the center piece. All requests towards the cluster go through it.</a:t>
+            </a:r>
           </a:p>
         </p:txBody>
       </p:sp>
@@ -4869,7 +4864,7 @@
         <p:spPr/>
         <p:txBody>
           <a:bodyPr>
-            <a:normAutofit fontScale="92500" lnSpcReduction="20000"/>
+            <a:normAutofit/>
           </a:bodyPr>
           <a:lstStyle/>
           <a:p>
@@ -12856,7 +12851,7 @@
               </a:r>
             </a:p>
             <a:p>
-              <a:pPr marL="285750" marR="0" indent="-285750" defTabSz="914400" eaLnBrk="1" fontAlgn="base" latinLnBrk="0" hangingPunct="1">
+              <a:pPr marL="180975" marR="0" indent="-180975" defTabSz="914400" eaLnBrk="1" fontAlgn="base" latinLnBrk="0" hangingPunct="1">
                 <a:lnSpc>
                   <a:spcPct val="100000"/>
                 </a:lnSpc>
@@ -12889,7 +12884,7 @@
               </a:r>
             </a:p>
             <a:p>
-              <a:pPr marL="285750" marR="0" indent="-285750" defTabSz="914400" eaLnBrk="1" fontAlgn="base" latinLnBrk="0" hangingPunct="1">
+              <a:pPr marL="180975" marR="0" indent="-180975" defTabSz="914400" eaLnBrk="1" fontAlgn="base" latinLnBrk="0" hangingPunct="1">
                 <a:lnSpc>
                   <a:spcPct val="100000"/>
                 </a:lnSpc>
@@ -12916,7 +12911,7 @@
               </a:r>
             </a:p>
             <a:p>
-              <a:pPr marL="285750" marR="0" indent="-285750" defTabSz="914400" eaLnBrk="1" fontAlgn="base" latinLnBrk="0" hangingPunct="1">
+              <a:pPr marL="180975" marR="0" indent="-180975" defTabSz="914400" eaLnBrk="1" fontAlgn="base" latinLnBrk="0" hangingPunct="1">
                 <a:lnSpc>
                   <a:spcPct val="100000"/>
                 </a:lnSpc>
@@ -12949,7 +12944,7 @@
               </a:r>
             </a:p>
             <a:p>
-              <a:pPr marL="285750" marR="0" indent="-285750" defTabSz="914400" eaLnBrk="1" fontAlgn="base" latinLnBrk="0" hangingPunct="1">
+              <a:pPr marL="180975" marR="0" indent="-180975" defTabSz="914400" eaLnBrk="1" fontAlgn="base" latinLnBrk="0" hangingPunct="1">
                 <a:lnSpc>
                   <a:spcPct val="100000"/>
                 </a:lnSpc>
@@ -14059,8 +14054,8 @@
         </p:nvSpPr>
         <p:spPr bwMode="gray">
           <a:xfrm>
-            <a:off x="2521599" y="4996815"/>
-            <a:ext cx="1524000" cy="662940"/>
+            <a:off x="2521599" y="5167223"/>
+            <a:ext cx="1302244" cy="492532"/>
           </a:xfrm>
           <a:prstGeom prst="roundRect">
             <a:avLst/>
@@ -14105,7 +14100,7 @@
               <a:tabLst/>
             </a:pPr>
             <a:r>
-              <a:rPr kumimoji="0" lang="en-US" sz="3200" b="1" i="0" u="none" strike="noStrike" kern="0" cap="none" spc="0" normalizeH="0" baseline="0" noProof="0" dirty="0">
+              <a:rPr kumimoji="0" lang="en-US" sz="2400" b="1" i="0" u="none" strike="noStrike" kern="0" cap="none" spc="0" normalizeH="0" baseline="0" noProof="0" dirty="0">
                 <a:ln>
                   <a:noFill/>
                 </a:ln>
@@ -15422,8 +15417,9 @@
           <a:lstStyle/>
           <a:p>
             <a:pPr marL="342900" indent="-342900">
-              <a:buFontTx/>
-              <a:buChar char="-"/>
+              <a:buSzPct val="100000"/>
+              <a:buFont typeface="Wingdings" panose="05000000000000000000" pitchFamily="2" charset="2"/>
+              <a:buChar char="§"/>
             </a:pPr>
             <a:r>
               <a:rPr lang="en-US" dirty="0"/>
@@ -15437,8 +15433,9 @@
           </a:p>
           <a:p>
             <a:pPr marL="342900" indent="-342900">
-              <a:buFontTx/>
-              <a:buChar char="-"/>
+              <a:buSzPct val="100000"/>
+              <a:buFont typeface="Wingdings" panose="05000000000000000000" pitchFamily="2" charset="2"/>
+              <a:buChar char="§"/>
             </a:pPr>
             <a:r>
               <a:rPr lang="en-US" dirty="0"/>
@@ -15455,8 +15452,9 @@
           </a:p>
           <a:p>
             <a:pPr marL="342900" indent="-342900">
-              <a:buFontTx/>
-              <a:buChar char="-"/>
+              <a:buSzPct val="100000"/>
+              <a:buFont typeface="Wingdings" panose="05000000000000000000" pitchFamily="2" charset="2"/>
+              <a:buChar char="§"/>
             </a:pPr>
             <a:r>
               <a:rPr lang="en-US" dirty="0"/>
@@ -15465,8 +15463,9 @@
           </a:p>
           <a:p>
             <a:pPr marL="342900" indent="-342900">
-              <a:buFontTx/>
-              <a:buChar char="-"/>
+              <a:buSzPct val="100000"/>
+              <a:buFont typeface="Wingdings" panose="05000000000000000000" pitchFamily="2" charset="2"/>
+              <a:buChar char="§"/>
             </a:pPr>
             <a:r>
               <a:rPr lang="en-US" dirty="0" err="1"/>
@@ -15479,20 +15478,13 @@
           </a:p>
           <a:p>
             <a:pPr marL="342900" indent="-342900">
-              <a:buFontTx/>
-              <a:buChar char="-"/>
+              <a:buSzPct val="100000"/>
+              <a:buFont typeface="Wingdings" panose="05000000000000000000" pitchFamily="2" charset="2"/>
+              <a:buChar char="§"/>
             </a:pPr>
             <a:r>
               <a:rPr lang="en-US" dirty="0"/>
-              <a:t>SSH into one of the nodes and show </a:t>
-            </a:r>
-            <a:r>
-              <a:rPr lang="en-US" dirty="0" err="1"/>
-              <a:t>kublet</a:t>
-            </a:r>
-            <a:r>
-              <a:rPr lang="en-US" dirty="0"/>
-              <a:t> (</a:t>
+              <a:t>SSH into one of the nodes and show kubelet (</a:t>
             </a:r>
             <a:r>
               <a:rPr lang="en-US" dirty="0" err="1"/>
@@ -17489,14 +17481,14 @@
         <p:nvCxnSpPr>
           <p:cNvPr id="38" name="Straight Arrow Connector 37"/>
           <p:cNvCxnSpPr>
-            <a:endCxn id="36" idx="0"/>
+            <a:cxnSpLocks/>
           </p:cNvCxnSpPr>
           <p:nvPr/>
         </p:nvCxnSpPr>
         <p:spPr>
           <a:xfrm>
-            <a:off x="9993860" y="1308551"/>
-            <a:ext cx="0" cy="1880526"/>
+            <a:off x="9993860" y="1319842"/>
+            <a:ext cx="0" cy="1869235"/>
           </a:xfrm>
           <a:prstGeom prst="straightConnector1">
             <a:avLst/>
@@ -17979,7 +17971,7 @@
             <a:pPr lvl="1"/>
             <a:r>
               <a:rPr lang="en-US" dirty="0"/>
-              <a:t>Manages containers assigned to its node</a:t>
+              <a:t>Manages containers assigned to its node (= Worker)</a:t>
             </a:r>
           </a:p>
           <a:p>
@@ -18012,6 +18004,11 @@
             </a:r>
           </a:p>
           <a:p>
+            <a:pPr>
+              <a:spcBef>
+                <a:spcPts val="1800"/>
+              </a:spcBef>
+            </a:pPr>
             <a:r>
               <a:rPr lang="en-US" dirty="0" err="1"/>
               <a:t>kube</a:t>
@@ -18037,6 +18034,11 @@
             </a:r>
           </a:p>
           <a:p>
+            <a:pPr>
+              <a:spcBef>
+                <a:spcPts val="1800"/>
+              </a:spcBef>
+            </a:pPr>
             <a:r>
               <a:rPr lang="en-US" dirty="0"/>
               <a:t>Docker/</a:t>
@@ -18055,6 +18057,11 @@
             </a:r>
           </a:p>
           <a:p>
+            <a:pPr>
+              <a:spcBef>
+                <a:spcPts val="1800"/>
+              </a:spcBef>
+            </a:pPr>
             <a:r>
               <a:rPr lang="en-US" dirty="0"/>
               <a:t>Pod</a:t>
@@ -18063,20 +18070,8 @@
           <a:p>
             <a:pPr lvl="1"/>
             <a:r>
-              <a:rPr lang="en-US"/>
-              <a:t>The </a:t>
-            </a:r>
-            <a:r>
               <a:rPr lang="en-US" dirty="0"/>
-              <a:t>smallest, schedulable resource that is managed by </a:t>
-            </a:r>
-            <a:r>
-              <a:rPr lang="en-US" dirty="0" err="1"/>
-              <a:t>kubelet</a:t>
-            </a:r>
-            <a:r>
-              <a:rPr lang="en-US" dirty="0"/>
-              <a:t> on the node</a:t>
+              <a:t>The smallest, schedulable resource that is managed by kubelet on the node</a:t>
             </a:r>
           </a:p>
           <a:p>
@@ -18199,26 +18194,19 @@
             <a:pPr lvl="1"/>
             <a:r>
               <a:rPr lang="en-US" dirty="0"/>
-              <a:t>Run `</a:t>
-            </a:r>
-            <a:r>
-              <a:rPr lang="en-US" dirty="0" err="1"/>
-              <a:t>kubectl</a:t>
-            </a:r>
-            <a:r>
+              <a:t>Run `kubectl` or `kubectl &lt;command&gt; --help` to get detailed information</a:t>
+            </a:r>
+            <a:br>
               <a:rPr lang="en-US" dirty="0"/>
-              <a:t>` or `</a:t>
-            </a:r>
-            <a:r>
-              <a:rPr lang="en-US" dirty="0" err="1"/>
-              <a:t>kubectl</a:t>
-            </a:r>
-            <a:r>
-              <a:rPr lang="en-US" dirty="0"/>
-              <a:t> &lt;command&gt; --help` to get detailed information</a:t>
-            </a:r>
-          </a:p>
-          <a:p>
+            </a:br>
+            <a:endParaRPr lang="en-US" dirty="0"/>
+          </a:p>
+          <a:p>
+            <a:pPr>
+              <a:spcBef>
+                <a:spcPts val="1800"/>
+              </a:spcBef>
+            </a:pPr>
             <a:r>
               <a:rPr lang="en-US" dirty="0"/>
               <a:t>curl</a:t>

--- a/kubernetes/01_k8s_core_components.pptx
+++ b/kubernetes/01_k8s_core_components.pptx
@@ -12615,6 +12615,66 @@
         </p:blipFill>
         <p:spPr/>
       </p:pic>
+      <p:pic>
+        <p:nvPicPr>
+          <p:cNvPr id="4" name="Picture 3" descr="cid:image003.png@01D31CC6.A08B1C50">
+            <a:extLst>
+              <a:ext uri="{FF2B5EF4-FFF2-40B4-BE49-F238E27FC236}">
+                <a16:creationId xmlns:a16="http://schemas.microsoft.com/office/drawing/2014/main" id="{CE860390-F50F-48A8-AA1A-AE0217946FC1}"/>
+              </a:ext>
+            </a:extLst>
+          </p:cNvPr>
+          <p:cNvPicPr>
+            <a:picLocks noChangeAspect="1" noChangeArrowheads="1"/>
+          </p:cNvPicPr>
+          <p:nvPr/>
+        </p:nvPicPr>
+        <p:blipFill>
+          <a:blip r:embed="rId4">
+            <a:extLst>
+              <a:ext uri="{28A0092B-C50C-407E-A947-70E740481C1C}">
+                <a14:useLocalDpi xmlns:a14="http://schemas.microsoft.com/office/drawing/2010/main" val="0"/>
+              </a:ext>
+            </a:extLst>
+          </a:blip>
+          <a:srcRect/>
+          <a:stretch>
+            <a:fillRect/>
+          </a:stretch>
+        </p:blipFill>
+        <p:spPr bwMode="auto">
+          <a:xfrm>
+            <a:off x="10780712" y="5721975"/>
+            <a:ext cx="1414463" cy="1136025"/>
+          </a:xfrm>
+          <a:prstGeom prst="rect">
+            <a:avLst/>
+          </a:prstGeom>
+          <a:noFill/>
+          <a:ln>
+            <a:noFill/>
+          </a:ln>
+          <a:extLst>
+            <a:ext uri="{909E8E84-426E-40DD-AFC4-6F175D3DCCD1}">
+              <a14:hiddenFill xmlns:a14="http://schemas.microsoft.com/office/drawing/2010/main">
+                <a:solidFill>
+                  <a:srgbClr val="FFFFFF"/>
+                </a:solidFill>
+              </a14:hiddenFill>
+            </a:ext>
+            <a:ext uri="{91240B29-F687-4F45-9708-019B960494DF}">
+              <a14:hiddenLine xmlns:a14="http://schemas.microsoft.com/office/drawing/2010/main" w="9525">
+                <a:solidFill>
+                  <a:srgbClr val="000000"/>
+                </a:solidFill>
+                <a:miter lim="800000"/>
+                <a:headEnd/>
+                <a:tailEnd/>
+              </a14:hiddenLine>
+            </a:ext>
+          </a:extLst>
+        </p:spPr>
+      </p:pic>
     </p:spTree>
     <p:extLst>
       <p:ext uri="{BB962C8B-B14F-4D97-AF65-F5344CB8AC3E}">

--- a/kubernetes/01_k8s_core_components.pptx
+++ b/kubernetes/01_k8s_core_components.pptx
@@ -5,10 +5,10 @@
     <p:sldMasterId id="2147483733" r:id="rId1"/>
   </p:sldMasterIdLst>
   <p:notesMasterIdLst>
-    <p:notesMasterId r:id="rId15"/>
+    <p:notesMasterId r:id="rId16"/>
   </p:notesMasterIdLst>
   <p:handoutMasterIdLst>
-    <p:handoutMasterId r:id="rId16"/>
+    <p:handoutMasterId r:id="rId17"/>
   </p:handoutMasterIdLst>
   <p:sldIdLst>
     <p:sldId id="433" r:id="rId2"/>
@@ -21,9 +21,10 @@
     <p:sldId id="445" r:id="rId9"/>
     <p:sldId id="439" r:id="rId10"/>
     <p:sldId id="441" r:id="rId11"/>
-    <p:sldId id="442" r:id="rId12"/>
-    <p:sldId id="440" r:id="rId13"/>
-    <p:sldId id="265" r:id="rId14"/>
+    <p:sldId id="440" r:id="rId12"/>
+    <p:sldId id="442" r:id="rId13"/>
+    <p:sldId id="456" r:id="rId14"/>
+    <p:sldId id="265" r:id="rId15"/>
   </p:sldIdLst>
   <p:sldSz cx="12195175" cy="6858000"/>
   <p:notesSz cx="6858000" cy="9144000"/>
@@ -197,10 +198,6 @@
     </p:ext>
   </p:extLst>
 </p:presentation>
-</file>
-
-<file path=ppt/revisionInfo.xml><?xml version="1.0" encoding="utf-8"?>
-<p1510:revInfo xmlns:a="http://schemas.openxmlformats.org/drawingml/2006/main" xmlns:r="http://schemas.openxmlformats.org/officeDocument/2006/relationships" xmlns:p1510="http://schemas.microsoft.com/office/powerpoint/2015/10/main"/>
 </file>
 
 <file path=ppt/diagrams/colors1.xml><?xml version="1.0" encoding="utf-8"?>
@@ -4182,6 +4179,186 @@
 </p:notes>
 </file>
 
+<file path=ppt/notesSlides/notesSlide10.xml><?xml version="1.0" encoding="utf-8"?>
+<p:notes xmlns:a="http://schemas.openxmlformats.org/drawingml/2006/main" xmlns:r="http://schemas.openxmlformats.org/officeDocument/2006/relationships" xmlns:p="http://schemas.openxmlformats.org/presentationml/2006/main">
+  <p:cSld>
+    <p:spTree>
+      <p:nvGrpSpPr>
+        <p:cNvPr id="1" name=""/>
+        <p:cNvGrpSpPr/>
+        <p:nvPr/>
+      </p:nvGrpSpPr>
+      <p:grpSpPr>
+        <a:xfrm>
+          <a:off x="0" y="0"/>
+          <a:ext cx="0" cy="0"/>
+          <a:chOff x="0" y="0"/>
+          <a:chExt cx="0" cy="0"/>
+        </a:xfrm>
+      </p:grpSpPr>
+      <p:sp>
+        <p:nvSpPr>
+          <p:cNvPr id="2" name="Slide Image Placeholder 1"/>
+          <p:cNvSpPr>
+            <a:spLocks noGrp="1" noRot="1" noChangeAspect="1"/>
+          </p:cNvSpPr>
+          <p:nvPr>
+            <p:ph type="sldImg"/>
+          </p:nvPr>
+        </p:nvSpPr>
+        <p:spPr/>
+      </p:sp>
+      <p:sp>
+        <p:nvSpPr>
+          <p:cNvPr id="3" name="Notes Placeholder 2"/>
+          <p:cNvSpPr>
+            <a:spLocks noGrp="1"/>
+          </p:cNvSpPr>
+          <p:nvPr>
+            <p:ph type="body" idx="1"/>
+          </p:nvPr>
+        </p:nvSpPr>
+        <p:spPr/>
+        <p:txBody>
+          <a:bodyPr/>
+          <a:lstStyle/>
+          <a:p>
+            <a:r>
+              <a:rPr lang="en-US" dirty="0"/>
+              <a:t>~10min</a:t>
+            </a:r>
+          </a:p>
+        </p:txBody>
+      </p:sp>
+      <p:sp>
+        <p:nvSpPr>
+          <p:cNvPr id="4" name="Slide Number Placeholder 3"/>
+          <p:cNvSpPr>
+            <a:spLocks noGrp="1"/>
+          </p:cNvSpPr>
+          <p:nvPr>
+            <p:ph type="sldNum" sz="quarter" idx="10"/>
+          </p:nvPr>
+        </p:nvSpPr>
+        <p:spPr/>
+        <p:txBody>
+          <a:bodyPr/>
+          <a:lstStyle/>
+          <a:p>
+            <a:fld id="{7D8C2C35-2B8A-446E-BEC0-FD36716C29AC}" type="slidenum">
+              <a:rPr lang="de-DE" smtClean="0"/>
+              <a:pPr/>
+              <a:t>13</a:t>
+            </a:fld>
+            <a:endParaRPr lang="de-DE" dirty="0"/>
+          </a:p>
+        </p:txBody>
+      </p:sp>
+    </p:spTree>
+    <p:extLst>
+      <p:ext uri="{BB962C8B-B14F-4D97-AF65-F5344CB8AC3E}">
+        <p14:creationId xmlns:p14="http://schemas.microsoft.com/office/powerpoint/2010/main" val="3443248425"/>
+      </p:ext>
+    </p:extLst>
+  </p:cSld>
+  <p:clrMapOvr>
+    <a:masterClrMapping/>
+  </p:clrMapOvr>
+</p:notes>
+</file>
+
+<file path=ppt/notesSlides/notesSlide11.xml><?xml version="1.0" encoding="utf-8"?>
+<p:notes xmlns:a="http://schemas.openxmlformats.org/drawingml/2006/main" xmlns:r="http://schemas.openxmlformats.org/officeDocument/2006/relationships" xmlns:p="http://schemas.openxmlformats.org/presentationml/2006/main">
+  <p:cSld>
+    <p:spTree>
+      <p:nvGrpSpPr>
+        <p:cNvPr id="1" name=""/>
+        <p:cNvGrpSpPr/>
+        <p:nvPr/>
+      </p:nvGrpSpPr>
+      <p:grpSpPr>
+        <a:xfrm>
+          <a:off x="0" y="0"/>
+          <a:ext cx="0" cy="0"/>
+          <a:chOff x="0" y="0"/>
+          <a:chExt cx="0" cy="0"/>
+        </a:xfrm>
+      </p:grpSpPr>
+      <p:sp>
+        <p:nvSpPr>
+          <p:cNvPr id="4" name="Slide Number Placeholder 3"/>
+          <p:cNvSpPr>
+            <a:spLocks noGrp="1"/>
+          </p:cNvSpPr>
+          <p:nvPr>
+            <p:ph type="sldNum" sz="quarter" idx="10"/>
+          </p:nvPr>
+        </p:nvSpPr>
+        <p:spPr/>
+        <p:txBody>
+          <a:bodyPr/>
+          <a:lstStyle/>
+          <a:p>
+            <a:fld id="{7D8C2C35-2B8A-446E-BEC0-FD36716C29AC}" type="slidenum">
+              <a:rPr lang="de-DE" smtClean="0"/>
+              <a:pPr/>
+              <a:t>14</a:t>
+            </a:fld>
+            <a:endParaRPr lang="de-DE" dirty="0"/>
+          </a:p>
+        </p:txBody>
+      </p:sp>
+      <p:sp>
+        <p:nvSpPr>
+          <p:cNvPr id="6" name="Slide Image Placeholder 5"/>
+          <p:cNvSpPr>
+            <a:spLocks noGrp="1" noRot="1" noChangeAspect="1"/>
+          </p:cNvSpPr>
+          <p:nvPr>
+            <p:ph type="sldImg"/>
+          </p:nvPr>
+        </p:nvSpPr>
+        <p:spPr>
+          <a:xfrm>
+            <a:off x="547688" y="612775"/>
+            <a:ext cx="5762625" cy="3241675"/>
+          </a:xfrm>
+        </p:spPr>
+      </p:sp>
+      <p:sp>
+        <p:nvSpPr>
+          <p:cNvPr id="7" name="Notes Placeholder 6"/>
+          <p:cNvSpPr>
+            <a:spLocks noGrp="1"/>
+          </p:cNvSpPr>
+          <p:nvPr>
+            <p:ph type="body" idx="1"/>
+          </p:nvPr>
+        </p:nvSpPr>
+        <p:spPr/>
+        <p:txBody>
+          <a:bodyPr>
+            <a:normAutofit/>
+          </a:bodyPr>
+          <a:lstStyle/>
+          <a:p>
+            <a:endParaRPr lang="en-US"/>
+          </a:p>
+        </p:txBody>
+      </p:sp>
+    </p:spTree>
+    <p:extLst>
+      <p:ext uri="{BB962C8B-B14F-4D97-AF65-F5344CB8AC3E}">
+        <p14:creationId xmlns:p14="http://schemas.microsoft.com/office/powerpoint/2010/main" val="2544264309"/>
+      </p:ext>
+    </p:extLst>
+  </p:cSld>
+  <p:clrMapOvr>
+    <a:masterClrMapping/>
+  </p:clrMapOvr>
+</p:notes>
+</file>
+
 <file path=ppt/notesSlides/notesSlide2.xml><?xml version="1.0" encoding="utf-8"?>
 <p:notes xmlns:a="http://schemas.openxmlformats.org/drawingml/2006/main" xmlns:r="http://schemas.openxmlformats.org/officeDocument/2006/relationships" xmlns:p="http://schemas.openxmlformats.org/presentationml/2006/main">
   <p:cSld>
@@ -4981,6 +5158,325 @@
       </p:grpSpPr>
       <p:sp>
         <p:nvSpPr>
+          <p:cNvPr id="2" name="Slide Image Placeholder 1"/>
+          <p:cNvSpPr>
+            <a:spLocks noGrp="1" noRot="1" noChangeAspect="1"/>
+          </p:cNvSpPr>
+          <p:nvPr>
+            <p:ph type="sldImg"/>
+          </p:nvPr>
+        </p:nvSpPr>
+        <p:spPr/>
+      </p:sp>
+      <p:sp>
+        <p:nvSpPr>
+          <p:cNvPr id="3" name="Notes Placeholder 2"/>
+          <p:cNvSpPr>
+            <a:spLocks noGrp="1"/>
+          </p:cNvSpPr>
+          <p:nvPr>
+            <p:ph type="body" idx="1"/>
+          </p:nvPr>
+        </p:nvSpPr>
+        <p:spPr/>
+        <p:txBody>
+          <a:bodyPr/>
+          <a:lstStyle/>
+          <a:p>
+            <a:pPr marL="342900" indent="-342900">
+              <a:buSzPct val="100000"/>
+              <a:buFont typeface="Wingdings" panose="05000000000000000000" pitchFamily="2" charset="2"/>
+              <a:buChar char="§"/>
+            </a:pPr>
+            <a:r>
+              <a:rPr lang="en-US" dirty="0"/>
+              <a:t>Call </a:t>
+            </a:r>
+            <a:r>
+              <a:rPr lang="en-US" dirty="0" err="1"/>
+              <a:t>kubectl</a:t>
+            </a:r>
+            <a:r>
+              <a:rPr lang="en-US" dirty="0"/>
+              <a:t> without any sub-command and explain how to get more info </a:t>
+            </a:r>
+          </a:p>
+          <a:p>
+            <a:pPr marL="342900" indent="-342900">
+              <a:buSzPct val="100000"/>
+              <a:buFont typeface="Wingdings" panose="05000000000000000000" pitchFamily="2" charset="2"/>
+              <a:buChar char="§"/>
+            </a:pPr>
+            <a:r>
+              <a:rPr lang="en-US" dirty="0"/>
+              <a:t>Show and explain </a:t>
+            </a:r>
+            <a:r>
+              <a:rPr lang="en-US" dirty="0" err="1"/>
+              <a:t>kubectl</a:t>
+            </a:r>
+            <a:r>
+              <a:rPr lang="en-US" dirty="0"/>
+              <a:t> config *</a:t>
+            </a:r>
+          </a:p>
+          <a:p>
+            <a:pPr marL="522900" lvl="1" indent="-342900">
+              <a:buSzPct val="100000"/>
+              <a:buFont typeface="Wingdings" panose="05000000000000000000" pitchFamily="2" charset="2"/>
+              <a:buChar char="§"/>
+            </a:pPr>
+            <a:r>
+              <a:rPr lang="en-US" dirty="0"/>
+              <a:t>Explain KUBECONFIG </a:t>
+            </a:r>
+            <a:r>
+              <a:rPr lang="en-US" dirty="0" err="1"/>
+              <a:t>env</a:t>
+            </a:r>
+            <a:r>
+              <a:rPr lang="en-US" dirty="0"/>
+              <a:t> variable &amp; the default location ~/.</a:t>
+            </a:r>
+            <a:r>
+              <a:rPr lang="en-US" dirty="0" err="1"/>
+              <a:t>kube</a:t>
+            </a:r>
+            <a:r>
+              <a:rPr lang="en-US" dirty="0"/>
+              <a:t>/config</a:t>
+            </a:r>
+          </a:p>
+          <a:p>
+            <a:pPr marL="522900" lvl="1" indent="-342900">
+              <a:buSzPct val="100000"/>
+              <a:buFont typeface="Wingdings" panose="05000000000000000000" pitchFamily="2" charset="2"/>
+              <a:buChar char="§"/>
+            </a:pPr>
+            <a:r>
+              <a:rPr lang="en-US" dirty="0"/>
+              <a:t>Show the </a:t>
+            </a:r>
+            <a:r>
+              <a:rPr lang="en-US" dirty="0" err="1"/>
+              <a:t>kubeconfig</a:t>
+            </a:r>
+            <a:r>
+              <a:rPr lang="en-US" dirty="0"/>
+              <a:t> </a:t>
+            </a:r>
+            <a:r>
+              <a:rPr lang="en-US" dirty="0" err="1"/>
+              <a:t>yaml</a:t>
+            </a:r>
+            <a:r>
+              <a:rPr lang="en-US" dirty="0"/>
+              <a:t> file with the current context and the namespace</a:t>
+            </a:r>
+          </a:p>
+          <a:p>
+            <a:pPr marL="180000" lvl="1" indent="0">
+              <a:buSzPct val="100000"/>
+              <a:buFont typeface="Wingdings" panose="05000000000000000000" pitchFamily="2" charset="2"/>
+              <a:buNone/>
+            </a:pPr>
+            <a:endParaRPr lang="en-US" dirty="0"/>
+          </a:p>
+          <a:p>
+            <a:pPr marL="342900" indent="-342900">
+              <a:buSzPct val="100000"/>
+              <a:buFont typeface="Wingdings" panose="05000000000000000000" pitchFamily="2" charset="2"/>
+              <a:buChar char="§"/>
+            </a:pPr>
+            <a:r>
+              <a:rPr lang="en-US" dirty="0"/>
+              <a:t>Show access to cluster with </a:t>
+            </a:r>
+            <a:r>
+              <a:rPr lang="en-US" dirty="0" err="1"/>
+              <a:t>kubectl</a:t>
+            </a:r>
+            <a:r>
+              <a:rPr lang="en-US" dirty="0"/>
+              <a:t> -&gt; </a:t>
+            </a:r>
+            <a:r>
+              <a:rPr lang="en-US" dirty="0" err="1"/>
+              <a:t>kubectl</a:t>
+            </a:r>
+            <a:r>
+              <a:rPr lang="en-US" dirty="0"/>
+              <a:t> get nodes</a:t>
+            </a:r>
+          </a:p>
+          <a:p>
+            <a:pPr marL="342900" indent="-342900">
+              <a:buSzPct val="100000"/>
+              <a:buFont typeface="Wingdings" panose="05000000000000000000" pitchFamily="2" charset="2"/>
+              <a:buChar char="§"/>
+            </a:pPr>
+            <a:r>
+              <a:rPr lang="en-US" dirty="0"/>
+              <a:t>Explain basic syntax of </a:t>
+            </a:r>
+            <a:r>
+              <a:rPr lang="en-US" dirty="0" err="1"/>
+              <a:t>kubectl</a:t>
+            </a:r>
+            <a:r>
+              <a:rPr lang="en-US" dirty="0"/>
+              <a:t> [verb] [resource type] [specific resource by name or label] [options / switches like –o </a:t>
+            </a:r>
+            <a:r>
+              <a:rPr lang="en-US" dirty="0" err="1"/>
+              <a:t>yaml</a:t>
+            </a:r>
+            <a:r>
+              <a:rPr lang="en-US" dirty="0"/>
+              <a:t>]</a:t>
+            </a:r>
+          </a:p>
+          <a:p>
+            <a:pPr marL="342900" marR="0" lvl="0" indent="-342900" algn="l" defTabSz="1088776" rtl="0" eaLnBrk="1" fontAlgn="auto" latinLnBrk="0" hangingPunct="1">
+              <a:lnSpc>
+                <a:spcPct val="100000"/>
+              </a:lnSpc>
+              <a:spcBef>
+                <a:spcPts val="0"/>
+              </a:spcBef>
+              <a:spcAft>
+                <a:spcPts val="0"/>
+              </a:spcAft>
+              <a:buClrTx/>
+              <a:buSzPct val="100000"/>
+              <a:buFont typeface="Wingdings" panose="05000000000000000000" pitchFamily="2" charset="2"/>
+              <a:buChar char="§"/>
+              <a:tabLst/>
+              <a:defRPr/>
+            </a:pPr>
+            <a:r>
+              <a:rPr lang="en-US" dirty="0"/>
+              <a:t>Show </a:t>
+            </a:r>
+            <a:r>
+              <a:rPr lang="en-US" dirty="0" err="1"/>
+              <a:t>kubectl</a:t>
+            </a:r>
+            <a:r>
+              <a:rPr lang="en-US" dirty="0"/>
+              <a:t> get &amp; describe nodes and talk about details of the node, like resource utilization or docker version</a:t>
+            </a:r>
+          </a:p>
+          <a:p>
+            <a:pPr marL="342900" marR="0" lvl="0" indent="-342900" algn="l" defTabSz="1088776" rtl="0" eaLnBrk="1" fontAlgn="auto" latinLnBrk="0" hangingPunct="1">
+              <a:lnSpc>
+                <a:spcPct val="100000"/>
+              </a:lnSpc>
+              <a:spcBef>
+                <a:spcPts val="0"/>
+              </a:spcBef>
+              <a:spcAft>
+                <a:spcPts val="0"/>
+              </a:spcAft>
+              <a:buClrTx/>
+              <a:buSzPct val="100000"/>
+              <a:buFont typeface="Wingdings" panose="05000000000000000000" pitchFamily="2" charset="2"/>
+              <a:buChar char="§"/>
+              <a:tabLst/>
+              <a:defRPr/>
+            </a:pPr>
+            <a:endParaRPr lang="en-US" dirty="0"/>
+          </a:p>
+          <a:p>
+            <a:pPr marL="342900" marR="0" lvl="0" indent="-342900" algn="l" defTabSz="1088776" rtl="0" eaLnBrk="1" fontAlgn="auto" latinLnBrk="0" hangingPunct="1">
+              <a:lnSpc>
+                <a:spcPct val="100000"/>
+              </a:lnSpc>
+              <a:spcBef>
+                <a:spcPts val="0"/>
+              </a:spcBef>
+              <a:spcAft>
+                <a:spcPts val="0"/>
+              </a:spcAft>
+              <a:buClrTx/>
+              <a:buSzPct val="100000"/>
+              <a:buFont typeface="Wingdings" panose="05000000000000000000" pitchFamily="2" charset="2"/>
+              <a:buChar char="§"/>
+              <a:tabLst/>
+              <a:defRPr/>
+            </a:pPr>
+            <a:r>
+              <a:rPr lang="en-US" dirty="0"/>
+              <a:t>Run </a:t>
+            </a:r>
+            <a:r>
+              <a:rPr lang="en-US" dirty="0" err="1"/>
+              <a:t>kubectl</a:t>
+            </a:r>
+            <a:r>
+              <a:rPr lang="en-US" dirty="0"/>
+              <a:t> proxy &amp;</a:t>
+            </a:r>
+          </a:p>
+          <a:p>
+            <a:pPr marL="342900" marR="0" lvl="0" indent="-342900" algn="l" defTabSz="1088776" rtl="0" eaLnBrk="1" fontAlgn="auto" latinLnBrk="0" hangingPunct="1">
+              <a:lnSpc>
+                <a:spcPct val="100000"/>
+              </a:lnSpc>
+              <a:spcBef>
+                <a:spcPts val="0"/>
+              </a:spcBef>
+              <a:spcAft>
+                <a:spcPts val="0"/>
+              </a:spcAft>
+              <a:buClrTx/>
+              <a:buSzPct val="100000"/>
+              <a:buFont typeface="Wingdings" panose="05000000000000000000" pitchFamily="2" charset="2"/>
+              <a:buChar char="§"/>
+              <a:tabLst/>
+              <a:defRPr/>
+            </a:pPr>
+            <a:r>
+              <a:rPr lang="en-US" dirty="0"/>
+              <a:t>Open localhost:8001 in browser and show </a:t>
+            </a:r>
+            <a:r>
+              <a:rPr lang="en-US" dirty="0" err="1"/>
+              <a:t>api</a:t>
+            </a:r>
+            <a:r>
+              <a:rPr lang="en-US" dirty="0"/>
+              <a:t> tree, traverse through it and go to namespace </a:t>
+            </a:r>
+            <a:r>
+              <a:rPr lang="en-US" dirty="0" err="1"/>
+              <a:t>kube</a:t>
+            </a:r>
+            <a:r>
+              <a:rPr lang="en-US" dirty="0"/>
+              <a:t>-system and show some pods</a:t>
+            </a:r>
+          </a:p>
+          <a:p>
+            <a:pPr marL="342900" indent="-342900">
+              <a:buSzPct val="100000"/>
+              <a:buFont typeface="Wingdings" panose="05000000000000000000" pitchFamily="2" charset="2"/>
+              <a:buChar char="§"/>
+            </a:pPr>
+            <a:r>
+              <a:rPr lang="en-US" dirty="0"/>
+              <a:t>Query API server with curl (again </a:t>
+            </a:r>
+            <a:r>
+              <a:rPr lang="en-US"/>
+              <a:t>via localhost)</a:t>
+            </a:r>
+            <a:endParaRPr lang="en-US" dirty="0"/>
+          </a:p>
+        </p:txBody>
+      </p:sp>
+      <p:sp>
+        <p:nvSpPr>
           <p:cNvPr id="4" name="Slide Number Placeholder 3"/>
           <p:cNvSpPr>
             <a:spLocks noGrp="1"/>
@@ -4997,54 +5493,16 @@
             <a:fld id="{7D8C2C35-2B8A-446E-BEC0-FD36716C29AC}" type="slidenum">
               <a:rPr lang="de-DE" smtClean="0"/>
               <a:pPr/>
-              <a:t>13</a:t>
+              <a:t>11</a:t>
             </a:fld>
             <a:endParaRPr lang="de-DE" dirty="0"/>
-          </a:p>
-        </p:txBody>
-      </p:sp>
-      <p:sp>
-        <p:nvSpPr>
-          <p:cNvPr id="6" name="Slide Image Placeholder 5"/>
-          <p:cNvSpPr>
-            <a:spLocks noGrp="1" noRot="1" noChangeAspect="1"/>
-          </p:cNvSpPr>
-          <p:nvPr>
-            <p:ph type="sldImg"/>
-          </p:nvPr>
-        </p:nvSpPr>
-        <p:spPr>
-          <a:xfrm>
-            <a:off x="547688" y="612775"/>
-            <a:ext cx="5762625" cy="3241675"/>
-          </a:xfrm>
-        </p:spPr>
-      </p:sp>
-      <p:sp>
-        <p:nvSpPr>
-          <p:cNvPr id="7" name="Notes Placeholder 6"/>
-          <p:cNvSpPr>
-            <a:spLocks noGrp="1"/>
-          </p:cNvSpPr>
-          <p:nvPr>
-            <p:ph type="body" idx="1"/>
-          </p:nvPr>
-        </p:nvSpPr>
-        <p:spPr/>
-        <p:txBody>
-          <a:bodyPr>
-            <a:normAutofit/>
-          </a:bodyPr>
-          <a:lstStyle/>
-          <a:p>
-            <a:endParaRPr lang="en-US"/>
           </a:p>
         </p:txBody>
       </p:sp>
     </p:spTree>
     <p:extLst>
       <p:ext uri="{BB962C8B-B14F-4D97-AF65-F5344CB8AC3E}">
-        <p14:creationId xmlns:p14="http://schemas.microsoft.com/office/powerpoint/2010/main" val="2544264309"/>
+        <p14:creationId xmlns:p14="http://schemas.microsoft.com/office/powerpoint/2010/main" val="2072189787"/>
       </p:ext>
     </p:extLst>
   </p:cSld>
@@ -14298,6 +14756,88 @@
 </file>
 
 <file path=ppt/slides/slide11.xml><?xml version="1.0" encoding="utf-8"?>
+<p:sld xmlns:a="http://schemas.openxmlformats.org/drawingml/2006/main" xmlns:r="http://schemas.openxmlformats.org/officeDocument/2006/relationships" xmlns:p="http://schemas.openxmlformats.org/presentationml/2006/main">
+  <p:cSld>
+    <p:spTree>
+      <p:nvGrpSpPr>
+        <p:cNvPr id="1" name=""/>
+        <p:cNvGrpSpPr/>
+        <p:nvPr/>
+      </p:nvGrpSpPr>
+      <p:grpSpPr>
+        <a:xfrm>
+          <a:off x="0" y="0"/>
+          <a:ext cx="0" cy="0"/>
+          <a:chOff x="0" y="0"/>
+          <a:chExt cx="0" cy="0"/>
+        </a:xfrm>
+      </p:grpSpPr>
+      <p:sp>
+        <p:nvSpPr>
+          <p:cNvPr id="3" name="Title 2"/>
+          <p:cNvSpPr>
+            <a:spLocks noGrp="1"/>
+          </p:cNvSpPr>
+          <p:nvPr>
+            <p:ph type="title"/>
+          </p:nvPr>
+        </p:nvSpPr>
+        <p:spPr/>
+        <p:txBody>
+          <a:bodyPr/>
+          <a:lstStyle/>
+          <a:p>
+            <a:r>
+              <a:rPr lang="en-US" dirty="0"/>
+              <a:t>Demo</a:t>
+            </a:r>
+          </a:p>
+        </p:txBody>
+      </p:sp>
+      <p:pic>
+        <p:nvPicPr>
+          <p:cNvPr id="4" name="Picture 3">
+            <a:extLst>
+              <a:ext uri="{FF2B5EF4-FFF2-40B4-BE49-F238E27FC236}">
+                <a16:creationId xmlns:a16="http://schemas.microsoft.com/office/drawing/2014/main" id="{BBBF5AFC-BB7A-49E4-A5D6-B4DFE49342CD}"/>
+              </a:ext>
+            </a:extLst>
+          </p:cNvPr>
+          <p:cNvPicPr>
+            <a:picLocks noChangeAspect="1"/>
+          </p:cNvPicPr>
+          <p:nvPr/>
+        </p:nvPicPr>
+        <p:blipFill>
+          <a:blip r:embed="rId3"/>
+          <a:stretch>
+            <a:fillRect/>
+          </a:stretch>
+        </p:blipFill>
+        <p:spPr>
+          <a:xfrm>
+            <a:off x="3849419" y="1181180"/>
+            <a:ext cx="4495640" cy="4495640"/>
+          </a:xfrm>
+          <a:prstGeom prst="rect">
+            <a:avLst/>
+          </a:prstGeom>
+        </p:spPr>
+      </p:pic>
+    </p:spTree>
+    <p:extLst>
+      <p:ext uri="{BB962C8B-B14F-4D97-AF65-F5344CB8AC3E}">
+        <p14:creationId xmlns:p14="http://schemas.microsoft.com/office/powerpoint/2010/main" val="2819952857"/>
+      </p:ext>
+    </p:extLst>
+  </p:cSld>
+  <p:clrMapOvr>
+    <a:masterClrMapping/>
+  </p:clrMapOvr>
+</p:sld>
+</file>
+
+<file path=ppt/slides/slide12.xml><?xml version="1.0" encoding="utf-8"?>
 <p:sld xmlns:a="http://schemas.openxmlformats.org/drawingml/2006/main" xmlns:r="http://schemas.openxmlformats.org/officeDocument/2006/relationships" xmlns:p="http://schemas.openxmlformats.org/presentationml/2006/main">
   <p:cSld>
     <p:spTree>
@@ -15444,8 +15984,8 @@
 </p:sld>
 </file>
 
-<file path=ppt/slides/slide12.xml><?xml version="1.0" encoding="utf-8"?>
-<p:sld xmlns:a="http://schemas.openxmlformats.org/drawingml/2006/main" xmlns:r="http://schemas.openxmlformats.org/officeDocument/2006/relationships" xmlns:p="http://schemas.openxmlformats.org/presentationml/2006/main" show="0">
+<file path=ppt/slides/slide13.xml><?xml version="1.0" encoding="utf-8"?>
+<p:sld xmlns:a="http://schemas.openxmlformats.org/drawingml/2006/main" xmlns:r="http://schemas.openxmlformats.org/officeDocument/2006/relationships" xmlns:p="http://schemas.openxmlformats.org/presentationml/2006/main">
   <p:cSld>
     <p:spTree>
       <p:nvGrpSpPr>
@@ -15463,111 +16003,13 @@
       </p:grpSpPr>
       <p:sp>
         <p:nvSpPr>
-          <p:cNvPr id="2" name="Text Placeholder 1"/>
-          <p:cNvSpPr>
-            <a:spLocks noGrp="1"/>
-          </p:cNvSpPr>
-          <p:nvPr>
-            <p:ph type="body" sz="quarter" idx="10"/>
-          </p:nvPr>
-        </p:nvSpPr>
-        <p:spPr/>
-        <p:txBody>
-          <a:bodyPr/>
-          <a:lstStyle/>
-          <a:p>
-            <a:pPr marL="342900" indent="-342900">
-              <a:buSzPct val="100000"/>
-              <a:buFont typeface="Wingdings" panose="05000000000000000000" pitchFamily="2" charset="2"/>
-              <a:buChar char="§"/>
-            </a:pPr>
-            <a:r>
-              <a:rPr lang="en-US" dirty="0"/>
-              <a:t>Show access to cluster with </a:t>
-            </a:r>
-            <a:r>
-              <a:rPr lang="en-US" dirty="0" err="1"/>
-              <a:t>kubectl</a:t>
-            </a:r>
-            <a:endParaRPr lang="en-US" dirty="0"/>
-          </a:p>
-          <a:p>
-            <a:pPr marL="342900" indent="-342900">
-              <a:buSzPct val="100000"/>
-              <a:buFont typeface="Wingdings" panose="05000000000000000000" pitchFamily="2" charset="2"/>
-              <a:buChar char="§"/>
-            </a:pPr>
-            <a:r>
-              <a:rPr lang="en-US" dirty="0"/>
-              <a:t>Show and explain </a:t>
-            </a:r>
-            <a:r>
-              <a:rPr lang="en-US" dirty="0" err="1"/>
-              <a:t>kubeconfig</a:t>
-            </a:r>
-            <a:r>
-              <a:rPr lang="en-US" dirty="0"/>
-              <a:t> with namespace etc.</a:t>
-            </a:r>
-          </a:p>
-          <a:p>
-            <a:pPr marL="342900" indent="-342900">
-              <a:buSzPct val="100000"/>
-              <a:buFont typeface="Wingdings" panose="05000000000000000000" pitchFamily="2" charset="2"/>
-              <a:buChar char="§"/>
-            </a:pPr>
-            <a:r>
-              <a:rPr lang="en-US" dirty="0"/>
-              <a:t>Query API server with curl and get back the API’s</a:t>
-            </a:r>
-          </a:p>
-          <a:p>
-            <a:pPr marL="342900" indent="-342900">
-              <a:buSzPct val="100000"/>
-              <a:buFont typeface="Wingdings" panose="05000000000000000000" pitchFamily="2" charset="2"/>
-              <a:buChar char="§"/>
-            </a:pPr>
-            <a:r>
-              <a:rPr lang="en-US" dirty="0" err="1"/>
-              <a:t>Kubectl</a:t>
-            </a:r>
-            <a:r>
-              <a:rPr lang="en-US" dirty="0"/>
-              <a:t> get &amp; describe nodes</a:t>
-            </a:r>
-          </a:p>
-          <a:p>
-            <a:pPr marL="342900" indent="-342900">
-              <a:buSzPct val="100000"/>
-              <a:buFont typeface="Wingdings" panose="05000000000000000000" pitchFamily="2" charset="2"/>
-              <a:buChar char="§"/>
-            </a:pPr>
-            <a:r>
-              <a:rPr lang="en-US" dirty="0"/>
-              <a:t>SSH into one of the nodes and show kubelet (</a:t>
-            </a:r>
-            <a:r>
-              <a:rPr lang="en-US" dirty="0" err="1"/>
-              <a:t>ps</a:t>
-            </a:r>
-            <a:r>
-              <a:rPr lang="en-US" dirty="0"/>
-              <a:t> </a:t>
-            </a:r>
-            <a:r>
-              <a:rPr lang="en-US" dirty="0" err="1"/>
-              <a:t>aufx</a:t>
-            </a:r>
-            <a:r>
-              <a:rPr lang="en-US" dirty="0"/>
-              <a:t>)</a:t>
-            </a:r>
-          </a:p>
-        </p:txBody>
-      </p:sp>
-      <p:sp>
-        <p:nvSpPr>
-          <p:cNvPr id="3" name="Title 2"/>
+          <p:cNvPr id="3" name="Title 2">
+            <a:extLst>
+              <a:ext uri="{FF2B5EF4-FFF2-40B4-BE49-F238E27FC236}">
+                <a16:creationId xmlns:a16="http://schemas.microsoft.com/office/drawing/2014/main" id="{B4B6938A-7A0C-4712-A9B8-41F25B66C8A4}"/>
+              </a:ext>
+            </a:extLst>
+          </p:cNvPr>
           <p:cNvSpPr>
             <a:spLocks noGrp="1"/>
           </p:cNvSpPr>
@@ -15582,15 +16024,45 @@
           <a:p>
             <a:r>
               <a:rPr lang="en-US" dirty="0"/>
-              <a:t>Demo Info</a:t>
+              <a:t>Exercise 01</a:t>
             </a:r>
           </a:p>
         </p:txBody>
       </p:sp>
+      <p:pic>
+        <p:nvPicPr>
+          <p:cNvPr id="6" name="Picture 5">
+            <a:extLst>
+              <a:ext uri="{FF2B5EF4-FFF2-40B4-BE49-F238E27FC236}">
+                <a16:creationId xmlns:a16="http://schemas.microsoft.com/office/drawing/2014/main" id="{6449D282-DC4E-4479-991B-68509FF3A710}"/>
+              </a:ext>
+            </a:extLst>
+          </p:cNvPr>
+          <p:cNvPicPr>
+            <a:picLocks noChangeAspect="1"/>
+          </p:cNvPicPr>
+          <p:nvPr/>
+        </p:nvPicPr>
+        <p:blipFill>
+          <a:blip r:embed="rId3"/>
+          <a:stretch>
+            <a:fillRect/>
+          </a:stretch>
+        </p:blipFill>
+        <p:spPr>
+          <a:xfrm>
+            <a:off x="4261672" y="1181180"/>
+            <a:ext cx="3773347" cy="3773347"/>
+          </a:xfrm>
+          <a:prstGeom prst="rect">
+            <a:avLst/>
+          </a:prstGeom>
+        </p:spPr>
+      </p:pic>
     </p:spTree>
     <p:extLst>
       <p:ext uri="{BB962C8B-B14F-4D97-AF65-F5344CB8AC3E}">
-        <p14:creationId xmlns:p14="http://schemas.microsoft.com/office/powerpoint/2010/main" val="2819952857"/>
+        <p14:creationId xmlns:p14="http://schemas.microsoft.com/office/powerpoint/2010/main" val="2757824260"/>
       </p:ext>
     </p:extLst>
   </p:cSld>
@@ -15600,7 +16072,7 @@
 </p:sld>
 </file>
 
-<file path=ppt/slides/slide13.xml><?xml version="1.0" encoding="utf-8"?>
+<file path=ppt/slides/slide14.xml><?xml version="1.0" encoding="utf-8"?>
 <p:sld xmlns:a="http://schemas.openxmlformats.org/drawingml/2006/main" xmlns:r="http://schemas.openxmlformats.org/officeDocument/2006/relationships" xmlns:p="http://schemas.openxmlformats.org/presentationml/2006/main" show="0">
   <p:cSld>
     <p:spTree>

--- a/kubernetes/01_k8s_core_components.pptx
+++ b/kubernetes/01_k8s_core_components.pptx
@@ -198,6 +198,32 @@
     </p:ext>
   </p:extLst>
 </p:presentation>
+</file>
+
+<file path=ppt/commentAuthors.xml><?xml version="1.0" encoding="utf-8"?>
+<p:cmAuthorLst xmlns:a="http://schemas.openxmlformats.org/drawingml/2006/main" xmlns:r="http://schemas.openxmlformats.org/officeDocument/2006/relationships" xmlns:p="http://schemas.openxmlformats.org/presentationml/2006/main">
+  <p:cmAuthor id="1" name="Partsch, Holger" initials="PH" lastIdx="1" clrIdx="0">
+    <p:extLst>
+      <p:ext uri="{19B8F6BF-5375-455C-9EA6-DF929625EA0E}">
+        <p15:presenceInfo xmlns:p15="http://schemas.microsoft.com/office/powerpoint/2012/main" userId="S-1-5-21-74642-3284969411-2123768488-120253" providerId="AD"/>
+      </p:ext>
+    </p:extLst>
+  </p:cmAuthor>
+</p:cmAuthorLst>
+</file>
+
+<file path=ppt/comments/comment1.xml><?xml version="1.0" encoding="utf-8"?>
+<p:cmLst xmlns:a="http://schemas.openxmlformats.org/drawingml/2006/main" xmlns:r="http://schemas.openxmlformats.org/officeDocument/2006/relationships" xmlns:p="http://schemas.openxmlformats.org/presentationml/2006/main">
+  <p:cm authorId="1" dt="2018-08-07T17:14:08.631" idx="1">
+    <p:pos x="10" y="10"/>
+    <p:text>The api server is the only component that connects to etcd.</p:text>
+    <p:extLst>
+      <p:ext uri="{C676402C-5697-4E1C-873F-D02D1690AC5C}">
+        <p15:threadingInfo xmlns:p15="http://schemas.microsoft.com/office/powerpoint/2012/main" timeZoneBias="-120"/>
+      </p:ext>
+    </p:extLst>
+  </p:cm>
+</p:cmLst>
 </file>
 
 <file path=ppt/diagrams/colors1.xml><?xml version="1.0" encoding="utf-8"?>
@@ -18130,46 +18156,6 @@
       </p:cxnSp>
       <p:cxnSp>
         <p:nvCxnSpPr>
-          <p:cNvPr id="49" name="Straight Arrow Connector 48"/>
-          <p:cNvCxnSpPr>
-            <a:stCxn id="23" idx="3"/>
-            <a:endCxn id="28" idx="1"/>
-          </p:cNvCxnSpPr>
-          <p:nvPr/>
-        </p:nvCxnSpPr>
-        <p:spPr>
-          <a:xfrm flipV="1">
-            <a:off x="6678106" y="4095750"/>
-            <a:ext cx="638175" cy="632460"/>
-          </a:xfrm>
-          <a:prstGeom prst="straightConnector1">
-            <a:avLst/>
-          </a:prstGeom>
-          <a:ln w="57150">
-            <a:solidFill>
-              <a:schemeClr val="accent2"/>
-            </a:solidFill>
-            <a:headEnd type="triangle"/>
-            <a:tailEnd type="triangle"/>
-          </a:ln>
-        </p:spPr>
-        <p:style>
-          <a:lnRef idx="1">
-            <a:schemeClr val="accent1"/>
-          </a:lnRef>
-          <a:fillRef idx="0">
-            <a:schemeClr val="accent1"/>
-          </a:fillRef>
-          <a:effectRef idx="0">
-            <a:schemeClr val="accent1"/>
-          </a:effectRef>
-          <a:fontRef idx="minor">
-            <a:schemeClr val="tx1"/>
-          </a:fontRef>
-        </p:style>
-      </p:cxnSp>
-      <p:cxnSp>
-        <p:nvCxnSpPr>
           <p:cNvPr id="53" name="Straight Arrow Connector 52"/>
           <p:cNvCxnSpPr>
             <a:stCxn id="32" idx="2"/>
@@ -18388,15 +18374,7 @@
             <a:pPr lvl="1"/>
             <a:r>
               <a:rPr lang="en-US" dirty="0"/>
-              <a:t>watches </a:t>
-            </a:r>
-            <a:r>
-              <a:rPr lang="en-US" dirty="0" err="1"/>
-              <a:t>etcd</a:t>
-            </a:r>
-            <a:r>
-              <a:rPr lang="en-US" dirty="0"/>
-              <a:t> for replication tasks and uses the API to enforce the desired state</a:t>
+              <a:t>watches the API Server for replication tasks and uses the API to enforce the desired state</a:t>
             </a:r>
           </a:p>
           <a:p>
@@ -18408,9 +18386,10 @@
           <a:p>
             <a:pPr lvl="1"/>
             <a:r>
-              <a:rPr lang="en-US" dirty="0"/>
+              <a:rPr lang="en-US"/>
               <a:t>Assigns resources to nodes for execution</a:t>
             </a:r>
+            <a:endParaRPr lang="en-US" dirty="0"/>
           </a:p>
         </p:txBody>
       </p:sp>

--- a/kubernetes/01_k8s_core_components.pptx
+++ b/kubernetes/01_k8s_core_components.pptx
@@ -202,7 +202,7 @@
 
 <file path=ppt/commentAuthors.xml><?xml version="1.0" encoding="utf-8"?>
 <p:cmAuthorLst xmlns:a="http://schemas.openxmlformats.org/drawingml/2006/main" xmlns:r="http://schemas.openxmlformats.org/officeDocument/2006/relationships" xmlns:p="http://schemas.openxmlformats.org/presentationml/2006/main">
-  <p:cmAuthor id="1" name="Partsch, Holger" initials="PH" lastIdx="1" clrIdx="0">
+  <p:cmAuthor id="1" name="Partsch, Holger" initials="PH" lastIdx="3" clrIdx="0">
     <p:extLst>
       <p:ext uri="{19B8F6BF-5375-455C-9EA6-DF929625EA0E}">
         <p15:presenceInfo xmlns:p15="http://schemas.microsoft.com/office/powerpoint/2012/main" userId="S-1-5-21-74642-3284969411-2123768488-120253" providerId="AD"/>
@@ -217,6 +217,34 @@
   <p:cm authorId="1" dt="2018-08-07T17:14:08.631" idx="1">
     <p:pos x="10" y="10"/>
     <p:text>The api server is the only component that connects to etcd.</p:text>
+    <p:extLst>
+      <p:ext uri="{C676402C-5697-4E1C-873F-D02D1690AC5C}">
+        <p15:threadingInfo xmlns:p15="http://schemas.microsoft.com/office/powerpoint/2012/main" timeZoneBias="-120"/>
+      </p:ext>
+    </p:extLst>
+  </p:cm>
+</p:cmLst>
+</file>
+
+<file path=ppt/comments/comment2.xml><?xml version="1.0" encoding="utf-8"?>
+<p:cmLst xmlns:a="http://schemas.openxmlformats.org/drawingml/2006/main" xmlns:r="http://schemas.openxmlformats.org/officeDocument/2006/relationships" xmlns:p="http://schemas.openxmlformats.org/presentationml/2006/main">
+  <p:cm authorId="1" dt="2018-08-07T17:23:04.726" idx="2">
+    <p:pos x="1152" y="1916"/>
+    <p:text>kube-proxy: What you say is only true if proxy-mode = iptables</p:text>
+    <p:extLst>
+      <p:ext uri="{C676402C-5697-4E1C-873F-D02D1690AC5C}">
+        <p15:threadingInfo xmlns:p15="http://schemas.microsoft.com/office/powerpoint/2012/main" timeZoneBias="-120"/>
+      </p:ext>
+    </p:extLst>
+  </p:cm>
+</p:cmLst>
+</file>
+
+<file path=ppt/comments/comment3.xml><?xml version="1.0" encoding="utf-8"?>
+<p:cmLst xmlns:a="http://schemas.openxmlformats.org/drawingml/2006/main" xmlns:r="http://schemas.openxmlformats.org/officeDocument/2006/relationships" xmlns:p="http://schemas.openxmlformats.org/presentationml/2006/main">
+  <p:cm authorId="1" dt="2018-08-07T17:30:20.595" idx="3">
+    <p:pos x="10" y="10"/>
+    <p:text>What orchestrator?</p:text>
     <p:extLst>
       <p:ext uri="{C676402C-5697-4E1C-873F-D02D1690AC5C}">
         <p15:threadingInfo xmlns:p15="http://schemas.microsoft.com/office/powerpoint/2012/main" timeZoneBias="-120"/>
@@ -4531,7 +4559,21 @@
           <a:p>
             <a:r>
               <a:rPr lang="en-US" dirty="0"/>
-              <a:t>The API Server is the center piece. All requests towards the cluster go through it.</a:t>
+              <a:t>The API Server is the center piece. All requests towards the cluster go through it. </a:t>
+            </a:r>
+          </a:p>
+          <a:p>
+            <a:r>
+              <a:rPr lang="en-US" dirty="0"/>
+              <a:t>The cluster components also talk to the </a:t>
+            </a:r>
+            <a:r>
+              <a:rPr lang="en-US" dirty="0" err="1"/>
+              <a:t>api</a:t>
+            </a:r>
+            <a:r>
+              <a:rPr lang="en-US" dirty="0"/>
+              <a:t> server to sync their activities.</a:t>
             </a:r>
           </a:p>
         </p:txBody>
@@ -4648,7 +4690,18 @@
           </a:bodyPr>
           <a:lstStyle/>
           <a:p>
-            <a:endParaRPr lang="en-US"/>
+            <a:r>
+              <a:rPr lang="en-US" dirty="0"/>
+              <a:t>Example: </a:t>
+            </a:r>
+            <a:r>
+              <a:rPr lang="en-US" dirty="0" err="1"/>
+              <a:t>replicationcontroller</a:t>
+            </a:r>
+            <a:r>
+              <a:rPr lang="en-US" dirty="0"/>
+              <a:t>: Will see that the specified number of pods for an replication controller resource is really running.</a:t>
+            </a:r>
           </a:p>
         </p:txBody>
       </p:sp>
@@ -4740,7 +4793,18 @@
           </a:bodyPr>
           <a:lstStyle/>
           <a:p>
-            <a:endParaRPr lang="en-US"/>
+            <a:r>
+              <a:rPr lang="en-US" dirty="0"/>
+              <a:t>For </a:t>
+            </a:r>
+            <a:r>
+              <a:rPr lang="en-US" dirty="0" err="1"/>
+              <a:t>kube</a:t>
+            </a:r>
+            <a:r>
+              <a:rPr lang="en-US" dirty="0"/>
+              <a:t>-proxy: https://kubernetes.io/docs/concepts/services-networking/service/#virtual-ips-and-service-proxies</a:t>
+            </a:r>
           </a:p>
         </p:txBody>
       </p:sp>
@@ -4946,23 +5010,7 @@
             </a:pPr>
             <a:r>
               <a:rPr lang="en-US" dirty="0"/>
-              <a:t>The scheduler monitors </a:t>
-            </a:r>
-            <a:r>
-              <a:rPr lang="en-US" dirty="0" err="1"/>
-              <a:t>etcd</a:t>
-            </a:r>
-            <a:r>
-              <a:rPr lang="en-US" dirty="0"/>
-              <a:t> for unscheduled pods and assigns a node to the pod definition (stored in </a:t>
-            </a:r>
-            <a:r>
-              <a:rPr lang="en-US" dirty="0" err="1"/>
-              <a:t>etcd</a:t>
-            </a:r>
-            <a:r>
-              <a:rPr lang="en-US" dirty="0"/>
-              <a:t>)</a:t>
+              <a:t>The controller manager will engage the replication controller which will create pod resources according to the required number of replicas.</a:t>
             </a:r>
           </a:p>
           <a:p>
@@ -4972,6 +5020,24 @@
             </a:pPr>
             <a:r>
               <a:rPr lang="en-US" dirty="0"/>
+              <a:t>The scheduler monitors the API server for unscheduled pods and assigns a node to the pod definition (stored in </a:t>
+            </a:r>
+            <a:r>
+              <a:rPr lang="en-US" dirty="0" err="1"/>
+              <a:t>etcd</a:t>
+            </a:r>
+            <a:r>
+              <a:rPr lang="en-US" dirty="0"/>
+              <a:t>)</a:t>
+            </a:r>
+          </a:p>
+          <a:p>
+            <a:pPr marL="285750" indent="-285750">
+              <a:buFontTx/>
+              <a:buChar char="-"/>
+            </a:pPr>
+            <a:r>
+              <a:rPr lang="en-US" dirty="0"/>
               <a:t>The </a:t>
             </a:r>
             <a:r>
@@ -4980,11 +5046,17 @@
             </a:r>
             <a:r>
               <a:rPr lang="en-US" dirty="0"/>
-              <a:t> monitors, if there are new pods to be scheduled on its not. If yes, it takes action</a:t>
+              <a:t> monitors, if there are new pods to be scheduled on its worker note. If yes, it takes action</a:t>
             </a:r>
           </a:p>
           <a:p>
             <a:endParaRPr lang="en-US" dirty="0"/>
+          </a:p>
+          <a:p>
+            <a:r>
+              <a:rPr lang="en-US" dirty="0"/>
+              <a:t>https://medium.com/jorgeacetozi/kubernetes-master-components-etcd-api-server-controller-manager-and-scheduler-3a0179fc8186</a:t>
+            </a:r>
           </a:p>
         </p:txBody>
       </p:sp>
@@ -5085,13 +5157,8 @@
             </a:pPr>
             <a:r>
               <a:rPr lang="en-US" dirty="0"/>
-              <a:t>The user declares the desired state and the cluster takes care of its fulfillment. This holds true for all actions like create, update/patch or deletion of </a:t>
-            </a:r>
-            <a:r>
-              <a:rPr lang="en-US"/>
-              <a:t>a resource.</a:t>
-            </a:r>
-            <a:endParaRPr lang="en-US" dirty="0"/>
+              <a:t>The user declares the desired state and the cluster takes care of its fulfillment. This holds true for all actions like create, update/patch or deletion of a resource.</a:t>
+            </a:r>
           </a:p>
           <a:p>
             <a:pPr marL="0" indent="0">
@@ -14513,54 +14580,15 @@
       </p:sp>
       <p:cxnSp>
         <p:nvCxnSpPr>
-          <p:cNvPr id="41" name="Straight Arrow Connector 40"/>
+          <p:cNvPr id="44" name="Straight Arrow Connector 43"/>
           <p:cNvCxnSpPr>
-            <a:stCxn id="31" idx="3"/>
-            <a:endCxn id="33" idx="1"/>
+            <a:cxnSpLocks/>
+            <a:endCxn id="22" idx="3"/>
           </p:cNvCxnSpPr>
           <p:nvPr/>
         </p:nvCxnSpPr>
         <p:spPr>
-          <a:xfrm flipV="1">
-            <a:off x="7732603" y="4040506"/>
-            <a:ext cx="1000998" cy="1775469"/>
-          </a:xfrm>
-          <a:prstGeom prst="straightConnector1">
-            <a:avLst/>
-          </a:prstGeom>
-          <a:ln w="57150">
-            <a:solidFill>
-              <a:schemeClr val="accent2"/>
-            </a:solidFill>
-            <a:headEnd type="triangle"/>
-            <a:tailEnd type="triangle"/>
-          </a:ln>
-        </p:spPr>
-        <p:style>
-          <a:lnRef idx="1">
-            <a:schemeClr val="accent1"/>
-          </a:lnRef>
-          <a:fillRef idx="0">
-            <a:schemeClr val="accent1"/>
-          </a:fillRef>
-          <a:effectRef idx="0">
-            <a:schemeClr val="accent1"/>
-          </a:effectRef>
-          <a:fontRef idx="minor">
-            <a:schemeClr val="tx1"/>
-          </a:fontRef>
-        </p:style>
-      </p:cxnSp>
-      <p:cxnSp>
-        <p:nvCxnSpPr>
-          <p:cNvPr id="44" name="Straight Arrow Connector 43"/>
-          <p:cNvCxnSpPr>
-            <a:stCxn id="22" idx="3"/>
-          </p:cNvCxnSpPr>
-          <p:nvPr/>
-        </p:nvCxnSpPr>
-        <p:spPr>
-          <a:xfrm flipV="1">
+          <a:xfrm flipH="1">
             <a:off x="7594694" y="3922958"/>
             <a:ext cx="1138907" cy="1331"/>
           </a:xfrm>
@@ -18238,15 +18266,15 @@
         <p:nvCxnSpPr>
           <p:cNvPr id="60" name="Straight Arrow Connector 59"/>
           <p:cNvCxnSpPr>
-            <a:stCxn id="4" idx="3"/>
-            <a:endCxn id="32" idx="1"/>
+            <a:cxnSpLocks/>
+            <a:stCxn id="32" idx="1"/>
           </p:cNvCxnSpPr>
           <p:nvPr/>
         </p:nvCxnSpPr>
         <p:spPr>
-          <a:xfrm flipV="1">
+          <a:xfrm flipH="1">
             <a:off x="3563431" y="3390056"/>
-            <a:ext cx="4260121" cy="35134"/>
+            <a:ext cx="4260121" cy="0"/>
           </a:xfrm>
           <a:prstGeom prst="straightConnector1">
             <a:avLst/>
@@ -18354,14 +18382,22 @@
             <a:pPr lvl="1"/>
             <a:r>
               <a:rPr lang="en-US" dirty="0"/>
-              <a:t>Central entry point to modify cluster state (i.e. schedule something)</a:t>
+              <a:t>Central entry point to modify and inspect the cluster state.</a:t>
             </a:r>
           </a:p>
           <a:p>
             <a:pPr lvl="1"/>
             <a:r>
               <a:rPr lang="en-US" dirty="0"/>
-              <a:t>Receives RESTful requests and initiates processing</a:t>
+              <a:t>Receives RESTful requests and persists changes in </a:t>
+            </a:r>
+            <a:r>
+              <a:rPr lang="en-US" dirty="0" err="1"/>
+              <a:t>etcd</a:t>
+            </a:r>
+            <a:r>
+              <a:rPr lang="en-US" dirty="0"/>
+              <a:t>.</a:t>
             </a:r>
           </a:p>
           <a:p>
@@ -18374,7 +18410,7 @@
             <a:pPr lvl="1"/>
             <a:r>
               <a:rPr lang="en-US" dirty="0"/>
-              <a:t>watches the API Server for replication tasks and uses the API to enforce the desired state</a:t>
+              <a:t>Manages controllers.  Various controllers are working to align the spec of a resource with its state.</a:t>
             </a:r>
           </a:p>
           <a:p>
@@ -18386,10 +18422,9 @@
           <a:p>
             <a:pPr lvl="1"/>
             <a:r>
-              <a:rPr lang="en-US"/>
-              <a:t>Assigns resources to nodes for execution</a:t>
-            </a:r>
-            <a:endParaRPr lang="en-US" dirty="0"/>
+              <a:rPr lang="en-US" dirty="0"/>
+              <a:t>Binds pods to nodes for execution</a:t>
+            </a:r>
           </a:p>
         </p:txBody>
       </p:sp>
@@ -18457,8 +18492,8 @@
         </p:nvSpPr>
         <p:spPr>
           <a:xfrm>
-            <a:off x="504000" y="987540"/>
-            <a:ext cx="8159939" cy="4727460"/>
+            <a:off x="504000" y="987539"/>
+            <a:ext cx="8428985" cy="5181143"/>
           </a:xfrm>
         </p:spPr>
         <p:txBody>
@@ -18482,22 +18517,14 @@
             <a:pPr lvl="1"/>
             <a:r>
               <a:rPr lang="en-US" dirty="0"/>
-              <a:t>Manages containers assigned to its node (= Worker)</a:t>
+              <a:t>Manages the containers running on the worker node</a:t>
             </a:r>
           </a:p>
           <a:p>
             <a:pPr lvl="1"/>
             <a:r>
               <a:rPr lang="en-US" dirty="0"/>
-              <a:t>Fulfills requests as specified in </a:t>
-            </a:r>
-            <a:r>
-              <a:rPr lang="en-US" dirty="0" err="1"/>
-              <a:t>etcd</a:t>
-            </a:r>
-            <a:r>
-              <a:rPr lang="en-US" dirty="0"/>
-              <a:t> (start, remove, …)</a:t>
+              <a:t>Talks to API Server to see if new pods are bound to worker node</a:t>
             </a:r>
           </a:p>
           <a:p>
@@ -18533,15 +18560,7 @@
             <a:pPr lvl="1"/>
             <a:r>
               <a:rPr lang="en-US" dirty="0"/>
-              <a:t>Manages </a:t>
-            </a:r>
-            <a:r>
-              <a:rPr lang="en-US" dirty="0" err="1"/>
-              <a:t>iptables</a:t>
-            </a:r>
-            <a:r>
-              <a:rPr lang="en-US" dirty="0"/>
-              <a:t> on each node for services</a:t>
+              <a:t>Implements virtual IPs for services in the cluster network.</a:t>
             </a:r>
           </a:p>
           <a:p>
@@ -18582,7 +18601,7 @@
             <a:pPr lvl="1"/>
             <a:r>
               <a:rPr lang="en-US" dirty="0"/>
-              <a:t>The smallest, schedulable resource that is managed by kubelet on the node</a:t>
+              <a:t>The smallest, schedulable resource that is managed by the kubelet on the node</a:t>
             </a:r>
           </a:p>
           <a:p>
@@ -18684,7 +18703,7 @@
             <a:pPr lvl="1"/>
             <a:r>
               <a:rPr lang="en-US" dirty="0"/>
-              <a:t>Wraps requests to API server in human readable format</a:t>
+              <a:t>Command line client for Kubernetes. Talks via REST to the API Server.</a:t>
             </a:r>
           </a:p>
           <a:p>
@@ -18698,7 +18717,7 @@
             <a:pPr lvl="1"/>
             <a:r>
               <a:rPr lang="en-US" dirty="0"/>
-              <a:t>User tasks like scheduling of resources</a:t>
+              <a:t>User tasks like creating, deleting and modifying of resources</a:t>
             </a:r>
           </a:p>
           <a:p>
@@ -18713,28 +18732,35 @@
             <a:endParaRPr lang="en-US" dirty="0"/>
           </a:p>
           <a:p>
-            <a:pPr>
-              <a:spcBef>
-                <a:spcPts val="1800"/>
-              </a:spcBef>
+            <a:pPr marL="0" lvl="1" indent="0">
+              <a:buNone/>
             </a:pPr>
             <a:r>
               <a:rPr lang="en-US" dirty="0"/>
-              <a:t>curl</a:t>
-            </a:r>
-          </a:p>
-          <a:p>
-            <a:pPr lvl="1"/>
-            <a:r>
-              <a:rPr lang="en-US" dirty="0"/>
-              <a:t>http client that can send get &amp; post requests</a:t>
-            </a:r>
-          </a:p>
-          <a:p>
-            <a:pPr lvl="1"/>
-            <a:r>
-              <a:rPr lang="en-US" dirty="0"/>
-              <a:t>API server can be addressed with binaries like curl but also client packages for programming languages like go, python or java</a:t>
+              <a:t>The rest </a:t>
+            </a:r>
+            <a:r>
+              <a:rPr lang="en-US" dirty="0" err="1"/>
+              <a:t>api</a:t>
+            </a:r>
+            <a:r>
+              <a:rPr lang="en-US" dirty="0"/>
+              <a:t> can also be used directly with tools like curl.</a:t>
+            </a:r>
+          </a:p>
+          <a:p>
+            <a:pPr marL="0" lvl="1" indent="0">
+              <a:buNone/>
+            </a:pPr>
+            <a:endParaRPr lang="en-US" dirty="0"/>
+          </a:p>
+          <a:p>
+            <a:pPr marL="0" lvl="1" indent="0">
+              <a:buNone/>
+            </a:pPr>
+            <a:r>
+              <a:rPr lang="en-US" dirty="0"/>
+              <a:t>There are official client libraries for the REST API at least for go, python or java.</a:t>
             </a:r>
           </a:p>
         </p:txBody>
@@ -18813,7 +18839,15 @@
           <a:p>
             <a:r>
               <a:rPr lang="en-US" dirty="0"/>
-              <a:t>How the orchestrator works</a:t>
+              <a:t>What happens if we run </a:t>
+            </a:r>
+            <a:r>
+              <a:rPr lang="en-US" dirty="0" err="1"/>
+              <a:t>nginx</a:t>
+            </a:r>
+            <a:r>
+              <a:rPr lang="en-US" dirty="0"/>
+              <a:t>?</a:t>
             </a:r>
           </a:p>
         </p:txBody>
@@ -19396,195 +19430,6 @@
       </p:cxnSp>
       <p:sp>
         <p:nvSpPr>
-          <p:cNvPr id="23" name="Rectangle 22"/>
-          <p:cNvSpPr/>
-          <p:nvPr/>
-        </p:nvSpPr>
-        <p:spPr bwMode="gray">
-          <a:xfrm>
-            <a:off x="4975035" y="3997642"/>
-            <a:ext cx="1703071" cy="1461135"/>
-          </a:xfrm>
-          <a:prstGeom prst="rect">
-            <a:avLst/>
-          </a:prstGeom>
-          <a:ln>
-            <a:headEnd/>
-            <a:tailEnd/>
-          </a:ln>
-        </p:spPr>
-        <p:style>
-          <a:lnRef idx="1">
-            <a:schemeClr val="accent2"/>
-          </a:lnRef>
-          <a:fillRef idx="2">
-            <a:schemeClr val="accent2"/>
-          </a:fillRef>
-          <a:effectRef idx="1">
-            <a:schemeClr val="accent2"/>
-          </a:effectRef>
-          <a:fontRef idx="minor">
-            <a:schemeClr val="dk1"/>
-          </a:fontRef>
-        </p:style>
-        <p:txBody>
-          <a:bodyPr lIns="90000" tIns="72000" rIns="90000" bIns="72000" rtlCol="0" anchor="ctr"/>
-          <a:lstStyle/>
-          <a:p>
-            <a:pPr marR="0" algn="ctr" defTabSz="914400" eaLnBrk="1" fontAlgn="base" latinLnBrk="0" hangingPunct="1">
-              <a:lnSpc>
-                <a:spcPct val="100000"/>
-              </a:lnSpc>
-              <a:spcBef>
-                <a:spcPct val="50000"/>
-              </a:spcBef>
-              <a:spcAft>
-                <a:spcPct val="0"/>
-              </a:spcAft>
-              <a:buClr>
-                <a:srgbClr val="F0AB00"/>
-              </a:buClr>
-              <a:buSzPct val="80000"/>
-              <a:tabLst/>
-            </a:pPr>
-            <a:r>
-              <a:rPr kumimoji="0" lang="de-DE" sz="2400" b="1" i="0" strike="noStrike" kern="0" cap="none" spc="0" normalizeH="0" baseline="0" noProof="0" dirty="0" err="1">
-                <a:ln>
-                  <a:noFill/>
-                </a:ln>
-                <a:effectLst/>
-                <a:uLnTx/>
-                <a:uFillTx/>
-                <a:ea typeface="Arial Unicode MS" pitchFamily="34" charset="-128"/>
-                <a:cs typeface="Arial Unicode MS" pitchFamily="34" charset="-128"/>
-              </a:rPr>
-              <a:t>etcd</a:t>
-            </a:r>
-            <a:endParaRPr kumimoji="0" lang="de-DE" sz="2400" b="1" i="0" strike="noStrike" kern="0" cap="none" spc="0" normalizeH="0" baseline="0" noProof="0" dirty="0">
-              <a:ln>
-                <a:noFill/>
-              </a:ln>
-              <a:effectLst/>
-              <a:uLnTx/>
-              <a:uFillTx/>
-              <a:ea typeface="Arial Unicode MS" pitchFamily="34" charset="-128"/>
-              <a:cs typeface="Arial Unicode MS" pitchFamily="34" charset="-128"/>
-            </a:endParaRPr>
-          </a:p>
-          <a:p>
-            <a:pPr marR="0" algn="ctr" defTabSz="914400" eaLnBrk="1" fontAlgn="base" latinLnBrk="0" hangingPunct="1">
-              <a:lnSpc>
-                <a:spcPct val="100000"/>
-              </a:lnSpc>
-              <a:spcBef>
-                <a:spcPct val="50000"/>
-              </a:spcBef>
-              <a:spcAft>
-                <a:spcPct val="0"/>
-              </a:spcAft>
-              <a:buClr>
-                <a:srgbClr val="F0AB00"/>
-              </a:buClr>
-              <a:buSzPct val="80000"/>
-              <a:tabLst/>
-            </a:pPr>
-            <a:r>
-              <a:rPr lang="de-DE" sz="1400" b="1" kern="0" dirty="0">
-                <a:ea typeface="Arial Unicode MS" pitchFamily="34" charset="-128"/>
-                <a:cs typeface="Arial Unicode MS" pitchFamily="34" charset="-128"/>
-              </a:rPr>
-              <a:t>(</a:t>
-            </a:r>
-            <a:r>
-              <a:rPr lang="de-DE" sz="1400" b="1" kern="0" dirty="0" err="1">
-                <a:ea typeface="Arial Unicode MS" pitchFamily="34" charset="-128"/>
-                <a:cs typeface="Arial Unicode MS" pitchFamily="34" charset="-128"/>
-              </a:rPr>
-              <a:t>distributed</a:t>
-            </a:r>
-            <a:r>
-              <a:rPr lang="de-DE" sz="1400" b="1" kern="0" dirty="0">
-                <a:ea typeface="Arial Unicode MS" pitchFamily="34" charset="-128"/>
-                <a:cs typeface="Arial Unicode MS" pitchFamily="34" charset="-128"/>
-              </a:rPr>
-              <a:t>) </a:t>
-            </a:r>
-            <a:r>
-              <a:rPr lang="de-DE" sz="1400" b="1" kern="0" dirty="0" err="1">
-                <a:ea typeface="Arial Unicode MS" pitchFamily="34" charset="-128"/>
-                <a:cs typeface="Arial Unicode MS" pitchFamily="34" charset="-128"/>
-              </a:rPr>
-              <a:t>key-value</a:t>
-            </a:r>
-            <a:r>
-              <a:rPr lang="de-DE" sz="1400" b="1" kern="0" dirty="0">
-                <a:ea typeface="Arial Unicode MS" pitchFamily="34" charset="-128"/>
-                <a:cs typeface="Arial Unicode MS" pitchFamily="34" charset="-128"/>
-              </a:rPr>
-              <a:t> </a:t>
-            </a:r>
-            <a:r>
-              <a:rPr lang="de-DE" sz="1400" b="1" kern="0" dirty="0" err="1">
-                <a:ea typeface="Arial Unicode MS" pitchFamily="34" charset="-128"/>
-                <a:cs typeface="Arial Unicode MS" pitchFamily="34" charset="-128"/>
-              </a:rPr>
-              <a:t>store</a:t>
-            </a:r>
-            <a:endParaRPr kumimoji="0" lang="de-DE" sz="2400" b="1" i="0" strike="noStrike" kern="0" cap="none" spc="0" normalizeH="0" baseline="0" noProof="0" dirty="0">
-              <a:ln>
-                <a:noFill/>
-              </a:ln>
-              <a:effectLst/>
-              <a:uLnTx/>
-              <a:uFillTx/>
-              <a:ea typeface="Arial Unicode MS" pitchFamily="34" charset="-128"/>
-              <a:cs typeface="Arial Unicode MS" pitchFamily="34" charset="-128"/>
-            </a:endParaRPr>
-          </a:p>
-        </p:txBody>
-      </p:sp>
-      <p:cxnSp>
-        <p:nvCxnSpPr>
-          <p:cNvPr id="25" name="Straight Arrow Connector 24"/>
-          <p:cNvCxnSpPr>
-            <a:stCxn id="4" idx="3"/>
-            <a:endCxn id="23" idx="1"/>
-          </p:cNvCxnSpPr>
-          <p:nvPr/>
-        </p:nvCxnSpPr>
-        <p:spPr>
-          <a:xfrm>
-            <a:off x="3563431" y="3425190"/>
-            <a:ext cx="1411604" cy="1303020"/>
-          </a:xfrm>
-          <a:prstGeom prst="straightConnector1">
-            <a:avLst/>
-          </a:prstGeom>
-          <a:ln w="57150">
-            <a:solidFill>
-              <a:schemeClr val="accent1"/>
-            </a:solidFill>
-            <a:headEnd type="triangle"/>
-            <a:tailEnd type="triangle"/>
-          </a:ln>
-        </p:spPr>
-        <p:style>
-          <a:lnRef idx="1">
-            <a:schemeClr val="accent1"/>
-          </a:lnRef>
-          <a:fillRef idx="0">
-            <a:schemeClr val="accent1"/>
-          </a:fillRef>
-          <a:effectRef idx="0">
-            <a:schemeClr val="accent1"/>
-          </a:effectRef>
-          <a:fontRef idx="minor">
-            <a:schemeClr val="tx1"/>
-          </a:fontRef>
-        </p:style>
-      </p:cxnSp>
-      <p:sp>
-        <p:nvSpPr>
           <p:cNvPr id="28" name="Rectangle 27"/>
           <p:cNvSpPr/>
           <p:nvPr/>
@@ -20034,46 +19879,6 @@
           </a:p>
         </p:txBody>
       </p:sp>
-      <p:cxnSp>
-        <p:nvCxnSpPr>
-          <p:cNvPr id="49" name="Straight Arrow Connector 48"/>
-          <p:cNvCxnSpPr>
-            <a:stCxn id="23" idx="3"/>
-            <a:endCxn id="32" idx="1"/>
-          </p:cNvCxnSpPr>
-          <p:nvPr/>
-        </p:nvCxnSpPr>
-        <p:spPr>
-          <a:xfrm flipV="1">
-            <a:off x="6678106" y="3390056"/>
-            <a:ext cx="1145446" cy="1338154"/>
-          </a:xfrm>
-          <a:prstGeom prst="straightConnector1">
-            <a:avLst/>
-          </a:prstGeom>
-          <a:ln w="57150">
-            <a:solidFill>
-              <a:schemeClr val="accent1"/>
-            </a:solidFill>
-            <a:headEnd type="triangle"/>
-            <a:tailEnd type="triangle"/>
-          </a:ln>
-        </p:spPr>
-        <p:style>
-          <a:lnRef idx="1">
-            <a:schemeClr val="accent1"/>
-          </a:lnRef>
-          <a:fillRef idx="0">
-            <a:schemeClr val="accent1"/>
-          </a:fillRef>
-          <a:effectRef idx="0">
-            <a:schemeClr val="accent1"/>
-          </a:effectRef>
-          <a:fontRef idx="minor">
-            <a:schemeClr val="tx1"/>
-          </a:fontRef>
-        </p:style>
-      </p:cxnSp>
       <p:cxnSp>
         <p:nvCxnSpPr>
           <p:cNvPr id="53" name="Straight Arrow Connector 52"/>
@@ -20228,6 +20033,92 @@
           </a:p>
         </p:txBody>
       </p:sp>
+      <p:cxnSp>
+        <p:nvCxnSpPr>
+          <p:cNvPr id="22" name="Straight Arrow Connector 21">
+            <a:extLst>
+              <a:ext uri="{FF2B5EF4-FFF2-40B4-BE49-F238E27FC236}">
+                <a16:creationId xmlns:a16="http://schemas.microsoft.com/office/drawing/2014/main" id="{EDF370A1-C091-433B-9D6F-C4E372543B0B}"/>
+              </a:ext>
+            </a:extLst>
+          </p:cNvPr>
+          <p:cNvCxnSpPr>
+            <a:cxnSpLocks/>
+          </p:cNvCxnSpPr>
+          <p:nvPr/>
+        </p:nvCxnSpPr>
+        <p:spPr>
+          <a:xfrm flipV="1">
+            <a:off x="3084837" y="3848100"/>
+            <a:ext cx="0" cy="1003935"/>
+          </a:xfrm>
+          <a:prstGeom prst="straightConnector1">
+            <a:avLst/>
+          </a:prstGeom>
+          <a:ln w="57150">
+            <a:solidFill>
+              <a:schemeClr val="accent1"/>
+            </a:solidFill>
+            <a:headEnd type="none" w="med" len="med"/>
+            <a:tailEnd type="triangle"/>
+          </a:ln>
+        </p:spPr>
+        <p:style>
+          <a:lnRef idx="1">
+            <a:schemeClr val="accent2"/>
+          </a:lnRef>
+          <a:fillRef idx="0">
+            <a:schemeClr val="accent2"/>
+          </a:fillRef>
+          <a:effectRef idx="0">
+            <a:schemeClr val="accent2"/>
+          </a:effectRef>
+          <a:fontRef idx="minor">
+            <a:schemeClr val="tx1"/>
+          </a:fontRef>
+        </p:style>
+      </p:cxnSp>
+      <p:cxnSp>
+        <p:nvCxnSpPr>
+          <p:cNvPr id="25" name="Straight Arrow Connector 24"/>
+          <p:cNvCxnSpPr>
+            <a:cxnSpLocks/>
+            <a:stCxn id="4" idx="3"/>
+            <a:endCxn id="32" idx="1"/>
+          </p:cNvCxnSpPr>
+          <p:nvPr/>
+        </p:nvCxnSpPr>
+        <p:spPr>
+          <a:xfrm flipV="1">
+            <a:off x="3563431" y="3390056"/>
+            <a:ext cx="4260121" cy="35134"/>
+          </a:xfrm>
+          <a:prstGeom prst="straightConnector1">
+            <a:avLst/>
+          </a:prstGeom>
+          <a:ln w="57150">
+            <a:solidFill>
+              <a:schemeClr val="accent1"/>
+            </a:solidFill>
+            <a:headEnd type="triangle"/>
+            <a:tailEnd type="triangle"/>
+          </a:ln>
+        </p:spPr>
+        <p:style>
+          <a:lnRef idx="1">
+            <a:schemeClr val="accent1"/>
+          </a:lnRef>
+          <a:fillRef idx="0">
+            <a:schemeClr val="accent1"/>
+          </a:fillRef>
+          <a:effectRef idx="0">
+            <a:schemeClr val="accent1"/>
+          </a:effectRef>
+          <a:fontRef idx="minor">
+            <a:schemeClr val="tx1"/>
+          </a:fontRef>
+        </p:style>
+      </p:cxnSp>
     </p:spTree>
     <p:extLst>
       <p:ext uri="{BB962C8B-B14F-4D97-AF65-F5344CB8AC3E}">
@@ -20452,7 +20343,34 @@
                                           </p:stCondLst>
                                         </p:cTn>
                                         <p:tgtEl>
-                                          <p:spTgt spid="49"/>
+                                          <p:spTgt spid="53"/>
+                                        </p:tgtEl>
+                                        <p:attrNameLst>
+                                          <p:attrName>style.visibility</p:attrName>
+                                        </p:attrNameLst>
+                                      </p:cBhvr>
+                                      <p:to>
+                                        <p:strVal val="visible"/>
+                                      </p:to>
+                                    </p:set>
+                                  </p:childTnLst>
+                                </p:cTn>
+                              </p:par>
+                              <p:par>
+                                <p:cTn id="23" presetID="1" presetClass="entr" presetSubtype="0" fill="hold" nodeType="withEffect">
+                                  <p:stCondLst>
+                                    <p:cond delay="0"/>
+                                  </p:stCondLst>
+                                  <p:childTnLst>
+                                    <p:set>
+                                      <p:cBhvr>
+                                        <p:cTn id="24" dur="1" fill="hold">
+                                          <p:stCondLst>
+                                            <p:cond delay="0"/>
+                                          </p:stCondLst>
+                                        </p:cTn>
+                                        <p:tgtEl>
+                                          <p:spTgt spid="57"/>
                                         </p:tgtEl>
                                         <p:attrNameLst>
                                           <p:attrName>style.visibility</p:attrName>
@@ -20472,46 +20390,19 @@
                     </p:cTn>
                   </p:par>
                   <p:par>
-                    <p:cTn id="23" fill="hold">
+                    <p:cTn id="25" fill="hold">
                       <p:stCondLst>
                         <p:cond delay="indefinite"/>
                       </p:stCondLst>
                       <p:childTnLst>
                         <p:par>
-                          <p:cTn id="24" fill="hold">
+                          <p:cTn id="26" fill="hold">
                             <p:stCondLst>
                               <p:cond delay="0"/>
                             </p:stCondLst>
                             <p:childTnLst>
                               <p:par>
-                                <p:cTn id="25" presetID="1" presetClass="entr" presetSubtype="0" fill="hold" nodeType="clickEffect">
-                                  <p:stCondLst>
-                                    <p:cond delay="0"/>
-                                  </p:stCondLst>
-                                  <p:childTnLst>
-                                    <p:set>
-                                      <p:cBhvr>
-                                        <p:cTn id="26" dur="1" fill="hold">
-                                          <p:stCondLst>
-                                            <p:cond delay="0"/>
-                                          </p:stCondLst>
-                                        </p:cTn>
-                                        <p:tgtEl>
-                                          <p:spTgt spid="53"/>
-                                        </p:tgtEl>
-                                        <p:attrNameLst>
-                                          <p:attrName>style.visibility</p:attrName>
-                                        </p:attrNameLst>
-                                      </p:cBhvr>
-                                      <p:to>
-                                        <p:strVal val="visible"/>
-                                      </p:to>
-                                    </p:set>
-                                  </p:childTnLst>
-                                </p:cTn>
-                              </p:par>
-                              <p:par>
-                                <p:cTn id="27" presetID="1" presetClass="entr" presetSubtype="0" fill="hold" nodeType="withEffect">
+                                <p:cTn id="27" presetID="1" presetClass="entr" presetSubtype="0" fill="hold" nodeType="clickEffect">
                                   <p:stCondLst>
                                     <p:cond delay="0"/>
                                   </p:stCondLst>
@@ -20524,7 +20415,7 @@
                                           </p:stCondLst>
                                         </p:cTn>
                                         <p:tgtEl>
-                                          <p:spTgt spid="57"/>
+                                          <p:spTgt spid="22"/>
                                         </p:tgtEl>
                                         <p:attrNameLst>
                                           <p:attrName>style.visibility</p:attrName>
@@ -20611,7 +20502,15 @@
           <a:p>
             <a:r>
               <a:rPr lang="en-US" dirty="0"/>
-              <a:t>How the orchestrator works</a:t>
+              <a:t>What happens if we run </a:t>
+            </a:r>
+            <a:r>
+              <a:rPr lang="en-US" dirty="0" err="1"/>
+              <a:t>nginx</a:t>
+            </a:r>
+            <a:r>
+              <a:rPr lang="en-US" dirty="0"/>
+              <a:t>?</a:t>
             </a:r>
           </a:p>
         </p:txBody>

--- a/kubernetes/01_k8s_core_components.pptx
+++ b/kubernetes/01_k8s_core_components.pptx
@@ -210,48 +210,6 @@
     </p:extLst>
   </p:cmAuthor>
 </p:cmAuthorLst>
-</file>
-
-<file path=ppt/comments/comment1.xml><?xml version="1.0" encoding="utf-8"?>
-<p:cmLst xmlns:a="http://schemas.openxmlformats.org/drawingml/2006/main" xmlns:r="http://schemas.openxmlformats.org/officeDocument/2006/relationships" xmlns:p="http://schemas.openxmlformats.org/presentationml/2006/main">
-  <p:cm authorId="1" dt="2018-08-07T17:14:08.631" idx="1">
-    <p:pos x="10" y="10"/>
-    <p:text>The api server is the only component that connects to etcd.</p:text>
-    <p:extLst>
-      <p:ext uri="{C676402C-5697-4E1C-873F-D02D1690AC5C}">
-        <p15:threadingInfo xmlns:p15="http://schemas.microsoft.com/office/powerpoint/2012/main" timeZoneBias="-120"/>
-      </p:ext>
-    </p:extLst>
-  </p:cm>
-</p:cmLst>
-</file>
-
-<file path=ppt/comments/comment2.xml><?xml version="1.0" encoding="utf-8"?>
-<p:cmLst xmlns:a="http://schemas.openxmlformats.org/drawingml/2006/main" xmlns:r="http://schemas.openxmlformats.org/officeDocument/2006/relationships" xmlns:p="http://schemas.openxmlformats.org/presentationml/2006/main">
-  <p:cm authorId="1" dt="2018-08-07T17:23:04.726" idx="2">
-    <p:pos x="1152" y="1916"/>
-    <p:text>kube-proxy: What you say is only true if proxy-mode = iptables</p:text>
-    <p:extLst>
-      <p:ext uri="{C676402C-5697-4E1C-873F-D02D1690AC5C}">
-        <p15:threadingInfo xmlns:p15="http://schemas.microsoft.com/office/powerpoint/2012/main" timeZoneBias="-120"/>
-      </p:ext>
-    </p:extLst>
-  </p:cm>
-</p:cmLst>
-</file>
-
-<file path=ppt/comments/comment3.xml><?xml version="1.0" encoding="utf-8"?>
-<p:cmLst xmlns:a="http://schemas.openxmlformats.org/drawingml/2006/main" xmlns:r="http://schemas.openxmlformats.org/officeDocument/2006/relationships" xmlns:p="http://schemas.openxmlformats.org/presentationml/2006/main">
-  <p:cm authorId="1" dt="2018-08-07T17:30:20.595" idx="3">
-    <p:pos x="10" y="10"/>
-    <p:text>What orchestrator?</p:text>
-    <p:extLst>
-      <p:ext uri="{C676402C-5697-4E1C-873F-D02D1690AC5C}">
-        <p15:threadingInfo xmlns:p15="http://schemas.microsoft.com/office/powerpoint/2012/main" timeZoneBias="-120"/>
-      </p:ext>
-    </p:extLst>
-  </p:cm>
-</p:cmLst>
 </file>
 
 <file path=ppt/diagrams/colors1.xml><?xml version="1.0" encoding="utf-8"?>

--- a/kubernetes/01_k8s_core_components.pptx
+++ b/kubernetes/01_k8s_core_components.pptx
@@ -16719,8 +16719,8 @@
         </p:nvSpPr>
         <p:spPr bwMode="gray">
           <a:xfrm>
-            <a:off x="504001" y="2377440"/>
-            <a:ext cx="3703320" cy="3070860"/>
+            <a:off x="504000" y="2377440"/>
+            <a:ext cx="5545429" cy="3070860"/>
           </a:xfrm>
           <a:prstGeom prst="rect">
             <a:avLst/>
@@ -17032,7 +17032,7 @@
         </p:nvSpPr>
         <p:spPr bwMode="gray">
           <a:xfrm>
-            <a:off x="2170052" y="1411605"/>
+            <a:off x="1255655" y="1411605"/>
             <a:ext cx="2037269" cy="434340"/>
           </a:xfrm>
           <a:prstGeom prst="rect">
@@ -17107,7 +17107,7 @@
         </p:nvSpPr>
         <p:spPr bwMode="gray">
           <a:xfrm>
-            <a:off x="2103120" y="1181100"/>
+            <a:off x="1188723" y="1181100"/>
             <a:ext cx="302071" cy="312420"/>
           </a:xfrm>
           <a:prstGeom prst="ellipse">
@@ -17164,7 +17164,7 @@
         </p:nvSpPr>
         <p:spPr bwMode="gray">
           <a:xfrm rot="16200000">
-            <a:off x="1981741" y="1589619"/>
+            <a:off x="1067344" y="1589619"/>
             <a:ext cx="544828" cy="459313"/>
           </a:xfrm>
           <a:prstGeom prst="flowChartDelay">
@@ -17221,7 +17221,7 @@
         </p:nvCxnSpPr>
         <p:spPr>
           <a:xfrm>
-            <a:off x="3314700" y="1845945"/>
+            <a:off x="2400303" y="1845945"/>
             <a:ext cx="7620" cy="1156335"/>
           </a:xfrm>
           <a:prstGeom prst="straightConnector1">
@@ -17332,7 +17332,7 @@
         </p:nvSpPr>
         <p:spPr bwMode="gray">
           <a:xfrm>
-            <a:off x="4975035" y="3997642"/>
+            <a:off x="4095594" y="3742372"/>
             <a:ext cx="1703071" cy="1461135"/>
           </a:xfrm>
           <a:prstGeom prst="rect">
@@ -17344,27 +17344,26 @@
           </a:ln>
         </p:spPr>
         <p:style>
-          <a:lnRef idx="1">
-            <a:schemeClr val="accent2"/>
+          <a:lnRef idx="2">
+            <a:schemeClr val="accent2">
+              <a:shade val="50000"/>
+            </a:schemeClr>
           </a:lnRef>
-          <a:fillRef idx="2">
+          <a:fillRef idx="1">
             <a:schemeClr val="accent2"/>
           </a:fillRef>
-          <a:effectRef idx="1">
+          <a:effectRef idx="0">
             <a:schemeClr val="accent2"/>
           </a:effectRef>
           <a:fontRef idx="minor">
-            <a:schemeClr val="dk1"/>
+            <a:schemeClr val="lt1"/>
           </a:fontRef>
         </p:style>
         <p:txBody>
           <a:bodyPr lIns="90000" tIns="72000" rIns="90000" bIns="72000" rtlCol="0" anchor="ctr"/>
           <a:lstStyle/>
           <a:p>
-            <a:pPr marR="0" algn="ctr" defTabSz="914400" eaLnBrk="1" fontAlgn="base" latinLnBrk="0" hangingPunct="1">
-              <a:lnSpc>
-                <a:spcPct val="100000"/>
-              </a:lnSpc>
+            <a:pPr algn="ctr" defTabSz="914400" fontAlgn="base">
               <a:spcBef>
                 <a:spcPct val="50000"/>
               </a:spcBef>
@@ -17375,37 +17374,25 @@
                 <a:srgbClr val="F0AB00"/>
               </a:buClr>
               <a:buSzPct val="80000"/>
-              <a:tabLst/>
             </a:pPr>
             <a:r>
-              <a:rPr kumimoji="0" lang="de-DE" sz="2400" b="1" i="0" strike="noStrike" kern="0" cap="none" spc="0" normalizeH="0" baseline="0" noProof="0" dirty="0" err="1">
-                <a:ln>
-                  <a:noFill/>
-                </a:ln>
-                <a:effectLst/>
-                <a:uLnTx/>
-                <a:uFillTx/>
+              <a:rPr lang="de-DE" sz="1800" b="1" kern="0" dirty="0" err="1">
+                <a:solidFill>
+                  <a:schemeClr val="lt1"/>
+                </a:solidFill>
                 <a:ea typeface="Arial Unicode MS" pitchFamily="34" charset="-128"/>
-                <a:cs typeface="Arial Unicode MS" pitchFamily="34" charset="-128"/>
               </a:rPr>
               <a:t>etcd</a:t>
             </a:r>
-            <a:endParaRPr kumimoji="0" lang="de-DE" sz="2400" b="1" i="0" strike="noStrike" kern="0" cap="none" spc="0" normalizeH="0" baseline="0" noProof="0" dirty="0">
-              <a:ln>
-                <a:noFill/>
-              </a:ln>
-              <a:effectLst/>
-              <a:uLnTx/>
-              <a:uFillTx/>
+            <a:endParaRPr lang="de-DE" sz="1800" b="1" kern="0" dirty="0">
+              <a:solidFill>
+                <a:schemeClr val="lt1"/>
+              </a:solidFill>
               <a:ea typeface="Arial Unicode MS" pitchFamily="34" charset="-128"/>
-              <a:cs typeface="Arial Unicode MS" pitchFamily="34" charset="-128"/>
             </a:endParaRPr>
           </a:p>
           <a:p>
-            <a:pPr marR="0" algn="ctr" defTabSz="914400" eaLnBrk="1" fontAlgn="base" latinLnBrk="0" hangingPunct="1">
-              <a:lnSpc>
-                <a:spcPct val="100000"/>
-              </a:lnSpc>
+            <a:pPr algn="ctr" defTabSz="914400" fontAlgn="base">
               <a:spcBef>
                 <a:spcPct val="50000"/>
               </a:spcBef>
@@ -17416,59 +17403,66 @@
                 <a:srgbClr val="F0AB00"/>
               </a:buClr>
               <a:buSzPct val="80000"/>
-              <a:tabLst/>
             </a:pPr>
             <a:r>
-              <a:rPr lang="de-DE" sz="1400" b="1" kern="0" dirty="0">
+              <a:rPr lang="de-DE" sz="1800" b="1" kern="0" dirty="0">
+                <a:solidFill>
+                  <a:schemeClr val="lt1"/>
+                </a:solidFill>
                 <a:ea typeface="Arial Unicode MS" pitchFamily="34" charset="-128"/>
-                <a:cs typeface="Arial Unicode MS" pitchFamily="34" charset="-128"/>
               </a:rPr>
               <a:t>(</a:t>
             </a:r>
             <a:r>
-              <a:rPr lang="de-DE" sz="1400" b="1" kern="0" dirty="0" err="1">
+              <a:rPr lang="de-DE" sz="1800" b="1" kern="0" dirty="0" err="1">
+                <a:solidFill>
+                  <a:schemeClr val="lt1"/>
+                </a:solidFill>
                 <a:ea typeface="Arial Unicode MS" pitchFamily="34" charset="-128"/>
-                <a:cs typeface="Arial Unicode MS" pitchFamily="34" charset="-128"/>
               </a:rPr>
               <a:t>distributed</a:t>
             </a:r>
             <a:r>
-              <a:rPr lang="de-DE" sz="1400" b="1" kern="0" dirty="0">
+              <a:rPr lang="de-DE" sz="1800" b="1" kern="0" dirty="0">
+                <a:solidFill>
+                  <a:schemeClr val="lt1"/>
+                </a:solidFill>
                 <a:ea typeface="Arial Unicode MS" pitchFamily="34" charset="-128"/>
-                <a:cs typeface="Arial Unicode MS" pitchFamily="34" charset="-128"/>
               </a:rPr>
               <a:t>) </a:t>
             </a:r>
             <a:r>
-              <a:rPr lang="de-DE" sz="1400" b="1" kern="0" dirty="0" err="1">
+              <a:rPr lang="de-DE" sz="1800" b="1" kern="0" dirty="0" err="1">
+                <a:solidFill>
+                  <a:schemeClr val="lt1"/>
+                </a:solidFill>
                 <a:ea typeface="Arial Unicode MS" pitchFamily="34" charset="-128"/>
-                <a:cs typeface="Arial Unicode MS" pitchFamily="34" charset="-128"/>
               </a:rPr>
               <a:t>key-value</a:t>
             </a:r>
             <a:r>
-              <a:rPr lang="de-DE" sz="1400" b="1" kern="0" dirty="0">
+              <a:rPr lang="de-DE" sz="1800" b="1" kern="0" dirty="0">
+                <a:solidFill>
+                  <a:schemeClr val="lt1"/>
+                </a:solidFill>
                 <a:ea typeface="Arial Unicode MS" pitchFamily="34" charset="-128"/>
-                <a:cs typeface="Arial Unicode MS" pitchFamily="34" charset="-128"/>
               </a:rPr>
               <a:t> </a:t>
             </a:r>
             <a:r>
-              <a:rPr lang="de-DE" sz="1400" b="1" kern="0" dirty="0" err="1">
+              <a:rPr lang="de-DE" sz="1800" b="1" kern="0" dirty="0" err="1">
+                <a:solidFill>
+                  <a:schemeClr val="lt1"/>
+                </a:solidFill>
                 <a:ea typeface="Arial Unicode MS" pitchFamily="34" charset="-128"/>
-                <a:cs typeface="Arial Unicode MS" pitchFamily="34" charset="-128"/>
               </a:rPr>
               <a:t>store</a:t>
             </a:r>
-            <a:endParaRPr kumimoji="0" lang="de-DE" sz="2400" b="1" i="0" strike="noStrike" kern="0" cap="none" spc="0" normalizeH="0" baseline="0" noProof="0" dirty="0">
-              <a:ln>
-                <a:noFill/>
-              </a:ln>
-              <a:effectLst/>
-              <a:uLnTx/>
-              <a:uFillTx/>
+            <a:endParaRPr lang="de-DE" sz="1800" b="1" kern="0" dirty="0">
+              <a:solidFill>
+                <a:schemeClr val="lt1"/>
+              </a:solidFill>
               <a:ea typeface="Arial Unicode MS" pitchFamily="34" charset="-128"/>
-              <a:cs typeface="Arial Unicode MS" pitchFamily="34" charset="-128"/>
             </a:endParaRPr>
           </a:p>
         </p:txBody>
@@ -17477,15 +17471,14 @@
         <p:nvCxnSpPr>
           <p:cNvPr id="25" name="Straight Arrow Connector 24"/>
           <p:cNvCxnSpPr>
-            <a:stCxn id="4" idx="3"/>
-            <a:endCxn id="23" idx="1"/>
+            <a:cxnSpLocks/>
           </p:cNvCxnSpPr>
           <p:nvPr/>
         </p:nvCxnSpPr>
         <p:spPr>
           <a:xfrm>
-            <a:off x="3563431" y="3425190"/>
-            <a:ext cx="1411604" cy="1303020"/>
+            <a:off x="3592226" y="3589020"/>
+            <a:ext cx="503368" cy="577637"/>
           </a:xfrm>
           <a:prstGeom prst="straightConnector1">
             <a:avLst/>
@@ -18819,7 +18812,7 @@
         <p:spPr bwMode="gray">
           <a:xfrm>
             <a:off x="504001" y="2377440"/>
-            <a:ext cx="3703320" cy="3070860"/>
+            <a:ext cx="5593586" cy="3070860"/>
           </a:xfrm>
           <a:prstGeom prst="rect">
             <a:avLst/>
@@ -19131,7 +19124,7 @@
         </p:nvSpPr>
         <p:spPr bwMode="gray">
           <a:xfrm>
-            <a:off x="2170052" y="1411605"/>
+            <a:off x="1183230" y="1547407"/>
             <a:ext cx="2037269" cy="434340"/>
           </a:xfrm>
           <a:prstGeom prst="rect">
@@ -19206,7 +19199,7 @@
         </p:nvSpPr>
         <p:spPr bwMode="gray">
           <a:xfrm>
-            <a:off x="2103120" y="1181100"/>
+            <a:off x="1116298" y="1316902"/>
             <a:ext cx="302071" cy="312420"/>
           </a:xfrm>
           <a:prstGeom prst="ellipse">
@@ -19263,7 +19256,7 @@
         </p:nvSpPr>
         <p:spPr bwMode="gray">
           <a:xfrm rot="16200000">
-            <a:off x="1981741" y="1589619"/>
+            <a:off x="994919" y="1725421"/>
             <a:ext cx="544828" cy="459313"/>
           </a:xfrm>
           <a:prstGeom prst="flowChartDelay">
@@ -19315,13 +19308,15 @@
       <p:cxnSp>
         <p:nvCxnSpPr>
           <p:cNvPr id="11" name="Straight Arrow Connector 10"/>
-          <p:cNvCxnSpPr/>
+          <p:cNvCxnSpPr>
+            <a:cxnSpLocks/>
+          </p:cNvCxnSpPr>
           <p:nvPr/>
         </p:nvCxnSpPr>
         <p:spPr>
           <a:xfrm>
-            <a:off x="3314700" y="1845945"/>
-            <a:ext cx="7620" cy="1156335"/>
+            <a:off x="2335498" y="1981747"/>
+            <a:ext cx="0" cy="1020533"/>
           </a:xfrm>
           <a:prstGeom prst="straightConnector1">
             <a:avLst/>
@@ -19925,13 +19920,13 @@
         </p:nvSpPr>
         <p:spPr bwMode="gray">
           <a:xfrm>
-            <a:off x="435998" y="1084901"/>
+            <a:off x="3952730" y="1242609"/>
             <a:ext cx="1279079" cy="521968"/>
           </a:xfrm>
           <a:prstGeom prst="wedgeRectCallout">
             <a:avLst>
-              <a:gd name="adj1" fmla="val 79847"/>
-              <a:gd name="adj2" fmla="val 17466"/>
+              <a:gd name="adj1" fmla="val -134620"/>
+              <a:gd name="adj2" fmla="val 26138"/>
             </a:avLst>
           </a:prstGeom>
           <a:solidFill>
@@ -20077,6 +20072,201 @@
           </a:fontRef>
         </p:style>
       </p:cxnSp>
+      <p:sp>
+        <p:nvSpPr>
+          <p:cNvPr id="26" name="Rectangle 25">
+            <a:extLst>
+              <a:ext uri="{FF2B5EF4-FFF2-40B4-BE49-F238E27FC236}">
+                <a16:creationId xmlns:a16="http://schemas.microsoft.com/office/drawing/2014/main" id="{2465639A-C163-41AC-B995-67CEDD36FC9E}"/>
+              </a:ext>
+            </a:extLst>
+          </p:cNvPr>
+          <p:cNvSpPr/>
+          <p:nvPr/>
+        </p:nvSpPr>
+        <p:spPr bwMode="gray">
+          <a:xfrm>
+            <a:off x="4095594" y="3742372"/>
+            <a:ext cx="1703071" cy="1461135"/>
+          </a:xfrm>
+          <a:prstGeom prst="rect">
+            <a:avLst/>
+          </a:prstGeom>
+          <a:ln>
+            <a:headEnd/>
+            <a:tailEnd/>
+          </a:ln>
+        </p:spPr>
+        <p:style>
+          <a:lnRef idx="2">
+            <a:schemeClr val="accent2">
+              <a:shade val="50000"/>
+            </a:schemeClr>
+          </a:lnRef>
+          <a:fillRef idx="1">
+            <a:schemeClr val="accent2"/>
+          </a:fillRef>
+          <a:effectRef idx="0">
+            <a:schemeClr val="accent2"/>
+          </a:effectRef>
+          <a:fontRef idx="minor">
+            <a:schemeClr val="lt1"/>
+          </a:fontRef>
+        </p:style>
+        <p:txBody>
+          <a:bodyPr lIns="90000" tIns="72000" rIns="90000" bIns="72000" rtlCol="0" anchor="ctr"/>
+          <a:lstStyle/>
+          <a:p>
+            <a:pPr algn="ctr" defTabSz="914400" fontAlgn="base">
+              <a:spcBef>
+                <a:spcPct val="50000"/>
+              </a:spcBef>
+              <a:spcAft>
+                <a:spcPct val="0"/>
+              </a:spcAft>
+              <a:buClr>
+                <a:srgbClr val="F0AB00"/>
+              </a:buClr>
+              <a:buSzPct val="80000"/>
+            </a:pPr>
+            <a:r>
+              <a:rPr lang="de-DE" sz="1800" b="1" kern="0" dirty="0" err="1">
+                <a:solidFill>
+                  <a:schemeClr val="lt1"/>
+                </a:solidFill>
+                <a:ea typeface="Arial Unicode MS" pitchFamily="34" charset="-128"/>
+              </a:rPr>
+              <a:t>etcd</a:t>
+            </a:r>
+            <a:endParaRPr lang="de-DE" sz="1800" b="1" kern="0" dirty="0">
+              <a:solidFill>
+                <a:schemeClr val="lt1"/>
+              </a:solidFill>
+              <a:ea typeface="Arial Unicode MS" pitchFamily="34" charset="-128"/>
+            </a:endParaRPr>
+          </a:p>
+          <a:p>
+            <a:pPr algn="ctr" defTabSz="914400" fontAlgn="base">
+              <a:spcBef>
+                <a:spcPct val="50000"/>
+              </a:spcBef>
+              <a:spcAft>
+                <a:spcPct val="0"/>
+              </a:spcAft>
+              <a:buClr>
+                <a:srgbClr val="F0AB00"/>
+              </a:buClr>
+              <a:buSzPct val="80000"/>
+            </a:pPr>
+            <a:r>
+              <a:rPr lang="de-DE" sz="1800" b="1" kern="0" dirty="0">
+                <a:solidFill>
+                  <a:schemeClr val="lt1"/>
+                </a:solidFill>
+                <a:ea typeface="Arial Unicode MS" pitchFamily="34" charset="-128"/>
+              </a:rPr>
+              <a:t>(</a:t>
+            </a:r>
+            <a:r>
+              <a:rPr lang="de-DE" sz="1800" b="1" kern="0" dirty="0" err="1">
+                <a:solidFill>
+                  <a:schemeClr val="lt1"/>
+                </a:solidFill>
+                <a:ea typeface="Arial Unicode MS" pitchFamily="34" charset="-128"/>
+              </a:rPr>
+              <a:t>distributed</a:t>
+            </a:r>
+            <a:r>
+              <a:rPr lang="de-DE" sz="1800" b="1" kern="0" dirty="0">
+                <a:solidFill>
+                  <a:schemeClr val="lt1"/>
+                </a:solidFill>
+                <a:ea typeface="Arial Unicode MS" pitchFamily="34" charset="-128"/>
+              </a:rPr>
+              <a:t>) </a:t>
+            </a:r>
+            <a:r>
+              <a:rPr lang="de-DE" sz="1800" b="1" kern="0" dirty="0" err="1">
+                <a:solidFill>
+                  <a:schemeClr val="lt1"/>
+                </a:solidFill>
+                <a:ea typeface="Arial Unicode MS" pitchFamily="34" charset="-128"/>
+              </a:rPr>
+              <a:t>key-value</a:t>
+            </a:r>
+            <a:r>
+              <a:rPr lang="de-DE" sz="1800" b="1" kern="0" dirty="0">
+                <a:solidFill>
+                  <a:schemeClr val="lt1"/>
+                </a:solidFill>
+                <a:ea typeface="Arial Unicode MS" pitchFamily="34" charset="-128"/>
+              </a:rPr>
+              <a:t> </a:t>
+            </a:r>
+            <a:r>
+              <a:rPr lang="de-DE" sz="1800" b="1" kern="0" dirty="0" err="1">
+                <a:solidFill>
+                  <a:schemeClr val="lt1"/>
+                </a:solidFill>
+                <a:ea typeface="Arial Unicode MS" pitchFamily="34" charset="-128"/>
+              </a:rPr>
+              <a:t>store</a:t>
+            </a:r>
+            <a:endParaRPr lang="de-DE" sz="1800" b="1" kern="0" dirty="0">
+              <a:solidFill>
+                <a:schemeClr val="lt1"/>
+              </a:solidFill>
+              <a:ea typeface="Arial Unicode MS" pitchFamily="34" charset="-128"/>
+            </a:endParaRPr>
+          </a:p>
+        </p:txBody>
+      </p:sp>
+      <p:cxnSp>
+        <p:nvCxnSpPr>
+          <p:cNvPr id="27" name="Straight Arrow Connector 26">
+            <a:extLst>
+              <a:ext uri="{FF2B5EF4-FFF2-40B4-BE49-F238E27FC236}">
+                <a16:creationId xmlns:a16="http://schemas.microsoft.com/office/drawing/2014/main" id="{CFB68573-EF2D-4B02-A454-22163105B859}"/>
+              </a:ext>
+            </a:extLst>
+          </p:cNvPr>
+          <p:cNvCxnSpPr>
+            <a:cxnSpLocks/>
+            <a:stCxn id="4" idx="3"/>
+          </p:cNvCxnSpPr>
+          <p:nvPr/>
+        </p:nvCxnSpPr>
+        <p:spPr>
+          <a:xfrm>
+            <a:off x="3563431" y="3425190"/>
+            <a:ext cx="532163" cy="666976"/>
+          </a:xfrm>
+          <a:prstGeom prst="straightConnector1">
+            <a:avLst/>
+          </a:prstGeom>
+          <a:ln w="57150">
+            <a:solidFill>
+              <a:schemeClr val="accent1"/>
+            </a:solidFill>
+            <a:headEnd type="none" w="med" len="med"/>
+            <a:tailEnd type="triangle"/>
+          </a:ln>
+        </p:spPr>
+        <p:style>
+          <a:lnRef idx="1">
+            <a:schemeClr val="accent2"/>
+          </a:lnRef>
+          <a:fillRef idx="0">
+            <a:schemeClr val="accent2"/>
+          </a:fillRef>
+          <a:effectRef idx="0">
+            <a:schemeClr val="accent2"/>
+          </a:effectRef>
+          <a:fontRef idx="minor">
+            <a:schemeClr val="tx1"/>
+          </a:fontRef>
+        </p:style>
+      </p:cxnSp>
     </p:spTree>
     <p:extLst>
       <p:ext uri="{BB962C8B-B14F-4D97-AF65-F5344CB8AC3E}">
@@ -20108,7 +20298,7 @@
                             </p:stCondLst>
                             <p:childTnLst>
                               <p:par>
-                                <p:cTn id="5" presetID="1" presetClass="entr" presetSubtype="0" fill="hold" grpId="0" nodeType="clickEffect">
+                                <p:cTn id="5" presetID="1" presetClass="entr" presetSubtype="0" fill="hold" nodeType="clickEffect">
                                   <p:stCondLst>
                                     <p:cond delay="0"/>
                                   </p:stCondLst>
@@ -20121,7 +20311,7 @@
                                           </p:stCondLst>
                                         </p:cTn>
                                         <p:tgtEl>
-                                          <p:spTgt spid="2"/>
+                                          <p:spTgt spid="11"/>
                                         </p:tgtEl>
                                         <p:attrNameLst>
                                           <p:attrName>style.visibility</p:attrName>
@@ -20166,7 +20356,7 @@
                                           </p:stCondLst>
                                         </p:cTn>
                                         <p:tgtEl>
-                                          <p:spTgt spid="11"/>
+                                          <p:spTgt spid="27"/>
                                         </p:tgtEl>
                                         <p:attrNameLst>
                                           <p:attrName>style.visibility</p:attrName>
@@ -20211,6 +20401,78 @@
                                           </p:stCondLst>
                                         </p:cTn>
                                         <p:tgtEl>
+                                          <p:spTgt spid="20"/>
+                                        </p:tgtEl>
+                                        <p:attrNameLst>
+                                          <p:attrName>style.visibility</p:attrName>
+                                        </p:attrNameLst>
+                                      </p:cBhvr>
+                                      <p:to>
+                                        <p:strVal val="visible"/>
+                                      </p:to>
+                                    </p:set>
+                                  </p:childTnLst>
+                                </p:cTn>
+                              </p:par>
+                              <p:par>
+                                <p:cTn id="15" presetID="1" presetClass="entr" presetSubtype="0" fill="hold" nodeType="withEffect">
+                                  <p:stCondLst>
+                                    <p:cond delay="0"/>
+                                  </p:stCondLst>
+                                  <p:childTnLst>
+                                    <p:set>
+                                      <p:cBhvr>
+                                        <p:cTn id="16" dur="1" fill="hold">
+                                          <p:stCondLst>
+                                            <p:cond delay="0"/>
+                                          </p:stCondLst>
+                                        </p:cTn>
+                                        <p:tgtEl>
+                                          <p:spTgt spid="22"/>
+                                        </p:tgtEl>
+                                        <p:attrNameLst>
+                                          <p:attrName>style.visibility</p:attrName>
+                                        </p:attrNameLst>
+                                      </p:cBhvr>
+                                      <p:to>
+                                        <p:strVal val="visible"/>
+                                      </p:to>
+                                    </p:set>
+                                  </p:childTnLst>
+                                </p:cTn>
+                              </p:par>
+                            </p:childTnLst>
+                          </p:cTn>
+                        </p:par>
+                      </p:childTnLst>
+                    </p:cTn>
+                  </p:par>
+                  <p:par>
+                    <p:cTn id="17" fill="hold">
+                      <p:stCondLst>
+                        <p:cond delay="indefinite"/>
+                      </p:stCondLst>
+                      <p:childTnLst>
+                        <p:par>
+                          <p:cTn id="18" fill="hold">
+                            <p:stCondLst>
+                              <p:cond delay="0"/>
+                            </p:stCondLst>
+                            <p:childTnLst>
+                              <p:par>
+                                <p:cTn id="19" presetID="1" presetClass="entr" presetSubtype="0" fill="hold" nodeType="clickEffect">
+                                  <p:stCondLst>
+                                    <p:cond delay="0"/>
+                                  </p:stCondLst>
+                                  <p:childTnLst>
+                                    <p:set>
+                                      <p:cBhvr>
+                                        <p:cTn id="20" dur="1" fill="hold">
+                                          <p:stCondLst>
+                                            <p:cond delay="0"/>
+                                          </p:stCondLst>
+                                        </p:cTn>
+                                        <p:tgtEl>
                                           <p:spTgt spid="25"/>
                                         </p:tgtEl>
                                         <p:attrNameLst>
@@ -20231,71 +20493,26 @@
                     </p:cTn>
                   </p:par>
                   <p:par>
-                    <p:cTn id="15" fill="hold">
+                    <p:cTn id="21" fill="hold">
                       <p:stCondLst>
                         <p:cond delay="indefinite"/>
                       </p:stCondLst>
                       <p:childTnLst>
                         <p:par>
-                          <p:cTn id="16" fill="hold">
+                          <p:cTn id="22" fill="hold">
                             <p:stCondLst>
                               <p:cond delay="0"/>
                             </p:stCondLst>
                             <p:childTnLst>
                               <p:par>
-                                <p:cTn id="17" presetID="1" presetClass="entr" presetSubtype="0" fill="hold" nodeType="clickEffect">
+                                <p:cTn id="23" presetID="1" presetClass="entr" presetSubtype="0" fill="hold" nodeType="clickEffect">
                                   <p:stCondLst>
                                     <p:cond delay="0"/>
                                   </p:stCondLst>
                                   <p:childTnLst>
                                     <p:set>
                                       <p:cBhvr>
-                                        <p:cTn id="18" dur="1" fill="hold">
-                                          <p:stCondLst>
-                                            <p:cond delay="0"/>
-                                          </p:stCondLst>
-                                        </p:cTn>
-                                        <p:tgtEl>
-                                          <p:spTgt spid="20"/>
-                                        </p:tgtEl>
-                                        <p:attrNameLst>
-                                          <p:attrName>style.visibility</p:attrName>
-                                        </p:attrNameLst>
-                                      </p:cBhvr>
-                                      <p:to>
-                                        <p:strVal val="visible"/>
-                                      </p:to>
-                                    </p:set>
-                                  </p:childTnLst>
-                                </p:cTn>
-                              </p:par>
-                            </p:childTnLst>
-                          </p:cTn>
-                        </p:par>
-                      </p:childTnLst>
-                    </p:cTn>
-                  </p:par>
-                  <p:par>
-                    <p:cTn id="19" fill="hold">
-                      <p:stCondLst>
-                        <p:cond delay="indefinite"/>
-                      </p:stCondLst>
-                      <p:childTnLst>
-                        <p:par>
-                          <p:cTn id="20" fill="hold">
-                            <p:stCondLst>
-                              <p:cond delay="0"/>
-                            </p:stCondLst>
-                            <p:childTnLst>
-                              <p:par>
-                                <p:cTn id="21" presetID="1" presetClass="entr" presetSubtype="0" fill="hold" nodeType="clickEffect">
-                                  <p:stCondLst>
-                                    <p:cond delay="0"/>
-                                  </p:stCondLst>
-                                  <p:childTnLst>
-                                    <p:set>
-                                      <p:cBhvr>
-                                        <p:cTn id="22" dur="1" fill="hold">
+                                        <p:cTn id="24" dur="1" fill="hold">
                                           <p:stCondLst>
                                             <p:cond delay="0"/>
                                           </p:stCondLst>
@@ -20315,65 +20532,20 @@
                                 </p:cTn>
                               </p:par>
                               <p:par>
-                                <p:cTn id="23" presetID="1" presetClass="entr" presetSubtype="0" fill="hold" nodeType="withEffect">
+                                <p:cTn id="25" presetID="1" presetClass="entr" presetSubtype="0" fill="hold" nodeType="withEffect">
                                   <p:stCondLst>
                                     <p:cond delay="0"/>
                                   </p:stCondLst>
                                   <p:childTnLst>
                                     <p:set>
                                       <p:cBhvr>
-                                        <p:cTn id="24" dur="1" fill="hold">
+                                        <p:cTn id="26" dur="1" fill="hold">
                                           <p:stCondLst>
                                             <p:cond delay="0"/>
                                           </p:stCondLst>
                                         </p:cTn>
                                         <p:tgtEl>
                                           <p:spTgt spid="57"/>
-                                        </p:tgtEl>
-                                        <p:attrNameLst>
-                                          <p:attrName>style.visibility</p:attrName>
-                                        </p:attrNameLst>
-                                      </p:cBhvr>
-                                      <p:to>
-                                        <p:strVal val="visible"/>
-                                      </p:to>
-                                    </p:set>
-                                  </p:childTnLst>
-                                </p:cTn>
-                              </p:par>
-                            </p:childTnLst>
-                          </p:cTn>
-                        </p:par>
-                      </p:childTnLst>
-                    </p:cTn>
-                  </p:par>
-                  <p:par>
-                    <p:cTn id="25" fill="hold">
-                      <p:stCondLst>
-                        <p:cond delay="indefinite"/>
-                      </p:stCondLst>
-                      <p:childTnLst>
-                        <p:par>
-                          <p:cTn id="26" fill="hold">
-                            <p:stCondLst>
-                              <p:cond delay="0"/>
-                            </p:stCondLst>
-                            <p:childTnLst>
-                              <p:par>
-                                <p:cTn id="27" presetID="1" presetClass="entr" presetSubtype="0" fill="hold" nodeType="clickEffect">
-                                  <p:stCondLst>
-                                    <p:cond delay="0"/>
-                                  </p:stCondLst>
-                                  <p:childTnLst>
-                                    <p:set>
-                                      <p:cBhvr>
-                                        <p:cTn id="28" dur="1" fill="hold">
-                                          <p:stCondLst>
-                                            <p:cond delay="0"/>
-                                          </p:stCondLst>
-                                        </p:cTn>
-                                        <p:tgtEl>
-                                          <p:spTgt spid="22"/>
                                         </p:tgtEl>
                                         <p:attrNameLst>
                                           <p:attrName>style.visibility</p:attrName>
@@ -20413,9 +20585,6 @@
         </p:cTn>
       </p:par>
     </p:tnLst>
-    <p:bldLst>
-      <p:bldP spid="2" grpId="0" animBg="1"/>
-    </p:bldLst>
   </p:timing>
 </p:sld>
 </file>

--- a/kubernetes/01_k8s_core_components.pptx
+++ b/kubernetes/01_k8s_core_components.pptx
@@ -5,10 +5,10 @@
     <p:sldMasterId id="2147483733" r:id="rId1"/>
   </p:sldMasterIdLst>
   <p:notesMasterIdLst>
-    <p:notesMasterId r:id="rId16"/>
+    <p:notesMasterId r:id="rId18"/>
   </p:notesMasterIdLst>
   <p:handoutMasterIdLst>
-    <p:handoutMasterId r:id="rId17"/>
+    <p:handoutMasterId r:id="rId19"/>
   </p:handoutMasterIdLst>
   <p:sldIdLst>
     <p:sldId id="433" r:id="rId2"/>
@@ -19,12 +19,14 @@
     <p:sldId id="438" r:id="rId7"/>
     <p:sldId id="444" r:id="rId8"/>
     <p:sldId id="445" r:id="rId9"/>
-    <p:sldId id="439" r:id="rId10"/>
-    <p:sldId id="441" r:id="rId11"/>
-    <p:sldId id="440" r:id="rId12"/>
-    <p:sldId id="442" r:id="rId13"/>
-    <p:sldId id="456" r:id="rId14"/>
-    <p:sldId id="265" r:id="rId15"/>
+    <p:sldId id="448" r:id="rId10"/>
+    <p:sldId id="449" r:id="rId11"/>
+    <p:sldId id="439" r:id="rId12"/>
+    <p:sldId id="441" r:id="rId13"/>
+    <p:sldId id="440" r:id="rId14"/>
+    <p:sldId id="442" r:id="rId15"/>
+    <p:sldId id="456" r:id="rId16"/>
+    <p:sldId id="265" r:id="rId17"/>
   </p:sldIdLst>
   <p:sldSz cx="12195175" cy="6858000"/>
   <p:notesSz cx="6858000" cy="9144000"/>
@@ -4232,12 +4234,375 @@
         </p:nvSpPr>
         <p:spPr/>
         <p:txBody>
-          <a:bodyPr/>
+          <a:bodyPr>
+            <a:normAutofit lnSpcReduction="10000"/>
+          </a:bodyPr>
           <a:lstStyle/>
           <a:p>
+            <a:pPr marL="342900" indent="-342900">
+              <a:buSzPct val="100000"/>
+              <a:buFont typeface="Wingdings" panose="05000000000000000000" pitchFamily="2" charset="2"/>
+              <a:buChar char="§"/>
+            </a:pPr>
             <a:r>
               <a:rPr lang="en-US" dirty="0"/>
-              <a:t>~10min</a:t>
+              <a:t>Call </a:t>
+            </a:r>
+            <a:r>
+              <a:rPr lang="en-US" dirty="0" err="1"/>
+              <a:t>kubectl</a:t>
+            </a:r>
+            <a:r>
+              <a:rPr lang="en-US" dirty="0"/>
+              <a:t> without any sub-command and explain how to get more info </a:t>
+            </a:r>
+          </a:p>
+          <a:p>
+            <a:pPr marL="342900" indent="-342900">
+              <a:buSzPct val="100000"/>
+              <a:buFont typeface="Wingdings" panose="05000000000000000000" pitchFamily="2" charset="2"/>
+              <a:buChar char="§"/>
+            </a:pPr>
+            <a:r>
+              <a:rPr lang="en-US" dirty="0"/>
+              <a:t>Show and explain </a:t>
+            </a:r>
+            <a:r>
+              <a:rPr lang="en-US" dirty="0" err="1"/>
+              <a:t>kubectl</a:t>
+            </a:r>
+            <a:r>
+              <a:rPr lang="en-US" dirty="0"/>
+              <a:t> config *</a:t>
+            </a:r>
+          </a:p>
+          <a:p>
+            <a:pPr marL="522900" lvl="1" indent="-342900">
+              <a:buSzPct val="100000"/>
+              <a:buFont typeface="Wingdings" panose="05000000000000000000" pitchFamily="2" charset="2"/>
+              <a:buChar char="§"/>
+            </a:pPr>
+            <a:r>
+              <a:rPr lang="en-US" dirty="0"/>
+              <a:t>Explain KUBECONFIG </a:t>
+            </a:r>
+            <a:r>
+              <a:rPr lang="en-US" dirty="0" err="1"/>
+              <a:t>env</a:t>
+            </a:r>
+            <a:r>
+              <a:rPr lang="en-US" dirty="0"/>
+              <a:t> variable &amp; the default location ~/.</a:t>
+            </a:r>
+            <a:r>
+              <a:rPr lang="en-US" dirty="0" err="1"/>
+              <a:t>kube</a:t>
+            </a:r>
+            <a:r>
+              <a:rPr lang="en-US" dirty="0"/>
+              <a:t>/config</a:t>
+            </a:r>
+          </a:p>
+          <a:p>
+            <a:pPr marL="522900" lvl="1" indent="-342900">
+              <a:buSzPct val="100000"/>
+              <a:buFont typeface="Wingdings" panose="05000000000000000000" pitchFamily="2" charset="2"/>
+              <a:buChar char="§"/>
+            </a:pPr>
+            <a:r>
+              <a:rPr lang="en-US" dirty="0"/>
+              <a:t>Show the </a:t>
+            </a:r>
+            <a:r>
+              <a:rPr lang="en-US" dirty="0" err="1"/>
+              <a:t>kubeconfig</a:t>
+            </a:r>
+            <a:r>
+              <a:rPr lang="en-US" dirty="0"/>
+              <a:t> </a:t>
+            </a:r>
+            <a:r>
+              <a:rPr lang="en-US" dirty="0" err="1"/>
+              <a:t>yaml</a:t>
+            </a:r>
+            <a:r>
+              <a:rPr lang="en-US" dirty="0"/>
+              <a:t> file with the current context and the namespace</a:t>
+            </a:r>
+          </a:p>
+          <a:p>
+            <a:pPr marL="180000" lvl="1" indent="0">
+              <a:buSzPct val="100000"/>
+              <a:buFont typeface="Wingdings" panose="05000000000000000000" pitchFamily="2" charset="2"/>
+              <a:buNone/>
+            </a:pPr>
+            <a:endParaRPr lang="en-US" dirty="0"/>
+          </a:p>
+          <a:p>
+            <a:pPr marL="342900" indent="-342900">
+              <a:buSzPct val="100000"/>
+              <a:buFont typeface="Wingdings" panose="05000000000000000000" pitchFamily="2" charset="2"/>
+              <a:buChar char="§"/>
+            </a:pPr>
+            <a:r>
+              <a:rPr lang="en-US" dirty="0"/>
+              <a:t>Show access to cluster with </a:t>
+            </a:r>
+            <a:r>
+              <a:rPr lang="en-US" dirty="0" err="1"/>
+              <a:t>kubectl</a:t>
+            </a:r>
+            <a:r>
+              <a:rPr lang="en-US" dirty="0"/>
+              <a:t> -&gt; </a:t>
+            </a:r>
+            <a:r>
+              <a:rPr lang="en-US" dirty="0" err="1"/>
+              <a:t>kubectl</a:t>
+            </a:r>
+            <a:r>
+              <a:rPr lang="en-US" dirty="0"/>
+              <a:t> get nodes</a:t>
+            </a:r>
+          </a:p>
+          <a:p>
+            <a:pPr marL="342900" indent="-342900">
+              <a:buSzPct val="100000"/>
+              <a:buFont typeface="Wingdings" panose="05000000000000000000" pitchFamily="2" charset="2"/>
+              <a:buChar char="§"/>
+            </a:pPr>
+            <a:r>
+              <a:rPr lang="en-US" dirty="0"/>
+              <a:t>Explain basic syntax of </a:t>
+            </a:r>
+            <a:r>
+              <a:rPr lang="en-US" dirty="0" err="1"/>
+              <a:t>kubectl</a:t>
+            </a:r>
+            <a:r>
+              <a:rPr lang="en-US" dirty="0"/>
+              <a:t> [verb] [resource type] [specific resource by name or label] [options / switches like –o </a:t>
+            </a:r>
+            <a:r>
+              <a:rPr lang="en-US" dirty="0" err="1"/>
+              <a:t>yaml</a:t>
+            </a:r>
+            <a:r>
+              <a:rPr lang="en-US" dirty="0"/>
+              <a:t>]</a:t>
+            </a:r>
+          </a:p>
+          <a:p>
+            <a:pPr marL="342900" marR="0" lvl="0" indent="-342900" algn="l" defTabSz="1088776" rtl="0" eaLnBrk="1" fontAlgn="auto" latinLnBrk="0" hangingPunct="1">
+              <a:lnSpc>
+                <a:spcPct val="100000"/>
+              </a:lnSpc>
+              <a:spcBef>
+                <a:spcPts val="0"/>
+              </a:spcBef>
+              <a:spcAft>
+                <a:spcPts val="0"/>
+              </a:spcAft>
+              <a:buClrTx/>
+              <a:buSzPct val="100000"/>
+              <a:buFont typeface="Wingdings" panose="05000000000000000000" pitchFamily="2" charset="2"/>
+              <a:buChar char="§"/>
+              <a:tabLst/>
+              <a:defRPr/>
+            </a:pPr>
+            <a:r>
+              <a:rPr lang="en-US" dirty="0"/>
+              <a:t>Show </a:t>
+            </a:r>
+            <a:r>
+              <a:rPr lang="en-US" dirty="0" err="1"/>
+              <a:t>kubectl</a:t>
+            </a:r>
+            <a:r>
+              <a:rPr lang="en-US" dirty="0"/>
+              <a:t> get &amp; describe nodes and talk about details of the node, like resource utilization or docker version</a:t>
+            </a:r>
+          </a:p>
+          <a:p>
+            <a:pPr marL="342900" marR="0" lvl="0" indent="-342900" algn="l" defTabSz="1088776" rtl="0" eaLnBrk="1" fontAlgn="auto" latinLnBrk="0" hangingPunct="1">
+              <a:lnSpc>
+                <a:spcPct val="100000"/>
+              </a:lnSpc>
+              <a:spcBef>
+                <a:spcPts val="0"/>
+              </a:spcBef>
+              <a:spcAft>
+                <a:spcPts val="0"/>
+              </a:spcAft>
+              <a:buClrTx/>
+              <a:buSzPct val="100000"/>
+              <a:buFont typeface="Wingdings" panose="05000000000000000000" pitchFamily="2" charset="2"/>
+              <a:buChar char="§"/>
+              <a:tabLst/>
+              <a:defRPr/>
+            </a:pPr>
+            <a:endParaRPr lang="en-US" dirty="0"/>
+          </a:p>
+          <a:p>
+            <a:pPr marL="342900" marR="0" lvl="0" indent="-342900" algn="l" defTabSz="1088776" rtl="0" eaLnBrk="1" fontAlgn="auto" latinLnBrk="0" hangingPunct="1">
+              <a:lnSpc>
+                <a:spcPct val="100000"/>
+              </a:lnSpc>
+              <a:spcBef>
+                <a:spcPts val="0"/>
+              </a:spcBef>
+              <a:spcAft>
+                <a:spcPts val="0"/>
+              </a:spcAft>
+              <a:buClrTx/>
+              <a:buSzPct val="100000"/>
+              <a:buFont typeface="Wingdings" panose="05000000000000000000" pitchFamily="2" charset="2"/>
+              <a:buChar char="§"/>
+              <a:tabLst/>
+              <a:defRPr/>
+            </a:pPr>
+            <a:r>
+              <a:rPr lang="en-US" dirty="0"/>
+              <a:t>Run </a:t>
+            </a:r>
+            <a:r>
+              <a:rPr lang="en-US" dirty="0" err="1"/>
+              <a:t>kubectl</a:t>
+            </a:r>
+            <a:r>
+              <a:rPr lang="en-US" dirty="0"/>
+              <a:t> proxy &amp;</a:t>
+            </a:r>
+          </a:p>
+          <a:p>
+            <a:pPr marL="342900" marR="0" lvl="0" indent="-342900" algn="l" defTabSz="1088776" rtl="0" eaLnBrk="1" fontAlgn="auto" latinLnBrk="0" hangingPunct="1">
+              <a:lnSpc>
+                <a:spcPct val="100000"/>
+              </a:lnSpc>
+              <a:spcBef>
+                <a:spcPts val="0"/>
+              </a:spcBef>
+              <a:spcAft>
+                <a:spcPts val="0"/>
+              </a:spcAft>
+              <a:buClrTx/>
+              <a:buSzPct val="100000"/>
+              <a:buFont typeface="Wingdings" panose="05000000000000000000" pitchFamily="2" charset="2"/>
+              <a:buChar char="§"/>
+              <a:tabLst/>
+              <a:defRPr/>
+            </a:pPr>
+            <a:r>
+              <a:rPr lang="en-US" dirty="0"/>
+              <a:t>Open localhost:8001 in browser and show </a:t>
+            </a:r>
+            <a:r>
+              <a:rPr lang="en-US" dirty="0" err="1"/>
+              <a:t>api</a:t>
+            </a:r>
+            <a:r>
+              <a:rPr lang="en-US" dirty="0"/>
+              <a:t> tree, traverse through it and go to namespace </a:t>
+            </a:r>
+            <a:r>
+              <a:rPr lang="en-US" dirty="0" err="1"/>
+              <a:t>kube</a:t>
+            </a:r>
+            <a:r>
+              <a:rPr lang="en-US" dirty="0"/>
+              <a:t>-system and show some pods</a:t>
+            </a:r>
+          </a:p>
+          <a:p>
+            <a:pPr marL="342900" indent="-342900">
+              <a:buSzPct val="100000"/>
+              <a:buFont typeface="Wingdings" panose="05000000000000000000" pitchFamily="2" charset="2"/>
+              <a:buChar char="§"/>
+            </a:pPr>
+            <a:r>
+              <a:rPr lang="en-US" dirty="0"/>
+              <a:t>Query API server with curl (again via localhost)</a:t>
+            </a:r>
+          </a:p>
+          <a:p>
+            <a:pPr marL="342900" indent="-342900">
+              <a:buSzPct val="100000"/>
+              <a:buFont typeface="Wingdings" panose="05000000000000000000" pitchFamily="2" charset="2"/>
+              <a:buChar char="§"/>
+            </a:pPr>
+            <a:r>
+              <a:rPr lang="en-US" dirty="0"/>
+              <a:t>If you have </a:t>
+            </a:r>
+            <a:r>
+              <a:rPr lang="en-US" dirty="0" err="1"/>
+              <a:t>kubectl</a:t>
+            </a:r>
+            <a:r>
+              <a:rPr lang="en-US" dirty="0"/>
+              <a:t> version v1.11 or higher:</a:t>
+            </a:r>
+          </a:p>
+          <a:p>
+            <a:pPr marL="522900" lvl="1" indent="-342900">
+              <a:buSzPct val="100000"/>
+              <a:buFont typeface="Wingdings" panose="05000000000000000000" pitchFamily="2" charset="2"/>
+              <a:buChar char="§"/>
+            </a:pPr>
+            <a:r>
+              <a:rPr lang="en-US" dirty="0"/>
+              <a:t>Show </a:t>
+            </a:r>
+            <a:r>
+              <a:rPr lang="en-US" dirty="0" err="1"/>
+              <a:t>kubectl</a:t>
+            </a:r>
+            <a:r>
+              <a:rPr lang="en-US" dirty="0"/>
+              <a:t> </a:t>
+            </a:r>
+            <a:r>
+              <a:rPr lang="en-US" dirty="0" err="1"/>
+              <a:t>api</a:t>
+            </a:r>
+            <a:r>
+              <a:rPr lang="en-US" dirty="0"/>
+              <a:t>-versions =&gt; similar to what you did with the proxy, just easier</a:t>
+            </a:r>
+          </a:p>
+          <a:p>
+            <a:pPr marL="522900" lvl="1" indent="-342900">
+              <a:buSzPct val="100000"/>
+              <a:buFont typeface="Wingdings" panose="05000000000000000000" pitchFamily="2" charset="2"/>
+              <a:buChar char="§"/>
+            </a:pPr>
+            <a:r>
+              <a:rPr lang="en-US" dirty="0"/>
+              <a:t>Show </a:t>
+            </a:r>
+            <a:r>
+              <a:rPr lang="en-US" dirty="0" err="1"/>
+              <a:t>kubectl</a:t>
+            </a:r>
+            <a:r>
+              <a:rPr lang="en-US" dirty="0"/>
+              <a:t> </a:t>
+            </a:r>
+            <a:r>
+              <a:rPr lang="en-US" dirty="0" err="1"/>
+              <a:t>api</a:t>
+            </a:r>
+            <a:r>
+              <a:rPr lang="en-US" dirty="0"/>
+              <a:t>-resources =&gt; gives info about all the cluster resources </a:t>
+            </a:r>
+            <a:r>
+              <a:rPr lang="en-US" dirty="0" err="1"/>
+              <a:t>incl</a:t>
+            </a:r>
+            <a:r>
+              <a:rPr lang="en-US" dirty="0"/>
+              <a:t> short names!</a:t>
             </a:r>
           </a:p>
         </p:txBody>
@@ -4269,6 +4634,94 @@
     </p:spTree>
     <p:extLst>
       <p:ext uri="{BB962C8B-B14F-4D97-AF65-F5344CB8AC3E}">
+        <p14:creationId xmlns:p14="http://schemas.microsoft.com/office/powerpoint/2010/main" val="2072189787"/>
+      </p:ext>
+    </p:extLst>
+  </p:cSld>
+  <p:clrMapOvr>
+    <a:masterClrMapping/>
+  </p:clrMapOvr>
+</p:notes>
+</file>
+
+<file path=ppt/notesSlides/notesSlide11.xml><?xml version="1.0" encoding="utf-8"?>
+<p:notes xmlns:a="http://schemas.openxmlformats.org/drawingml/2006/main" xmlns:r="http://schemas.openxmlformats.org/officeDocument/2006/relationships" xmlns:p="http://schemas.openxmlformats.org/presentationml/2006/main">
+  <p:cSld>
+    <p:spTree>
+      <p:nvGrpSpPr>
+        <p:cNvPr id="1" name=""/>
+        <p:cNvGrpSpPr/>
+        <p:nvPr/>
+      </p:nvGrpSpPr>
+      <p:grpSpPr>
+        <a:xfrm>
+          <a:off x="0" y="0"/>
+          <a:ext cx="0" cy="0"/>
+          <a:chOff x="0" y="0"/>
+          <a:chExt cx="0" cy="0"/>
+        </a:xfrm>
+      </p:grpSpPr>
+      <p:sp>
+        <p:nvSpPr>
+          <p:cNvPr id="2" name="Slide Image Placeholder 1"/>
+          <p:cNvSpPr>
+            <a:spLocks noGrp="1" noRot="1" noChangeAspect="1"/>
+          </p:cNvSpPr>
+          <p:nvPr>
+            <p:ph type="sldImg"/>
+          </p:nvPr>
+        </p:nvSpPr>
+        <p:spPr/>
+      </p:sp>
+      <p:sp>
+        <p:nvSpPr>
+          <p:cNvPr id="3" name="Notes Placeholder 2"/>
+          <p:cNvSpPr>
+            <a:spLocks noGrp="1"/>
+          </p:cNvSpPr>
+          <p:nvPr>
+            <p:ph type="body" idx="1"/>
+          </p:nvPr>
+        </p:nvSpPr>
+        <p:spPr/>
+        <p:txBody>
+          <a:bodyPr/>
+          <a:lstStyle/>
+          <a:p>
+            <a:r>
+              <a:rPr lang="en-US" dirty="0"/>
+              <a:t>~10min</a:t>
+            </a:r>
+          </a:p>
+        </p:txBody>
+      </p:sp>
+      <p:sp>
+        <p:nvSpPr>
+          <p:cNvPr id="4" name="Slide Number Placeholder 3"/>
+          <p:cNvSpPr>
+            <a:spLocks noGrp="1"/>
+          </p:cNvSpPr>
+          <p:nvPr>
+            <p:ph type="sldNum" sz="quarter" idx="10"/>
+          </p:nvPr>
+        </p:nvSpPr>
+        <p:spPr/>
+        <p:txBody>
+          <a:bodyPr/>
+          <a:lstStyle/>
+          <a:p>
+            <a:fld id="{7D8C2C35-2B8A-446E-BEC0-FD36716C29AC}" type="slidenum">
+              <a:rPr lang="de-DE" smtClean="0"/>
+              <a:pPr/>
+              <a:t>15</a:t>
+            </a:fld>
+            <a:endParaRPr lang="de-DE" dirty="0"/>
+          </a:p>
+        </p:txBody>
+      </p:sp>
+    </p:spTree>
+    <p:extLst>
+      <p:ext uri="{BB962C8B-B14F-4D97-AF65-F5344CB8AC3E}">
         <p14:creationId xmlns:p14="http://schemas.microsoft.com/office/powerpoint/2010/main" val="3443248425"/>
       </p:ext>
     </p:extLst>
@@ -4279,7 +4732,7 @@
 </p:notes>
 </file>
 
-<file path=ppt/notesSlides/notesSlide11.xml><?xml version="1.0" encoding="utf-8"?>
+<file path=ppt/notesSlides/notesSlide12.xml><?xml version="1.0" encoding="utf-8"?>
 <p:notes xmlns:a="http://schemas.openxmlformats.org/drawingml/2006/main" xmlns:r="http://schemas.openxmlformats.org/officeDocument/2006/relationships" xmlns:p="http://schemas.openxmlformats.org/presentationml/2006/main">
   <p:cSld>
     <p:spTree>
@@ -4314,7 +4767,7 @@
             <a:fld id="{7D8C2C35-2B8A-446E-BEC0-FD36716C29AC}" type="slidenum">
               <a:rPr lang="de-DE" smtClean="0"/>
               <a:pPr/>
-              <a:t>14</a:t>
+              <a:t>16</a:t>
             </a:fld>
             <a:endParaRPr lang="de-DE" dirty="0"/>
           </a:p>
@@ -5234,295 +5687,228 @@
           <a:bodyPr/>
           <a:lstStyle/>
           <a:p>
-            <a:pPr marL="342900" indent="-342900">
-              <a:buSzPct val="100000"/>
-              <a:buFont typeface="Wingdings" panose="05000000000000000000" pitchFamily="2" charset="2"/>
-              <a:buChar char="§"/>
+            <a:r>
+              <a:rPr lang="de-DE" dirty="0" err="1"/>
+              <a:t>beta</a:t>
+            </a:r>
+            <a:r>
+              <a:rPr lang="de-DE" dirty="0"/>
+              <a:t>: </a:t>
+            </a:r>
+          </a:p>
+          <a:p>
+            <a:pPr marL="285750" indent="-285750">
+              <a:buFontTx/>
+              <a:buChar char="-"/>
             </a:pPr>
             <a:r>
-              <a:rPr lang="en-US" dirty="0"/>
-              <a:t>Call </a:t>
-            </a:r>
-            <a:r>
-              <a:rPr lang="en-US" dirty="0" err="1"/>
-              <a:t>kubectl</a:t>
-            </a:r>
-            <a:r>
-              <a:rPr lang="en-US" dirty="0"/>
-              <a:t> without any sub-command and explain how to get more info </a:t>
-            </a:r>
-          </a:p>
-          <a:p>
-            <a:pPr marL="342900" indent="-342900">
-              <a:buSzPct val="100000"/>
-              <a:buFont typeface="Wingdings" panose="05000000000000000000" pitchFamily="2" charset="2"/>
-              <a:buChar char="§"/>
+              <a:rPr lang="de-DE" dirty="0" err="1"/>
+              <a:t>aims</a:t>
+            </a:r>
+            <a:r>
+              <a:rPr lang="de-DE" dirty="0"/>
+              <a:t> </a:t>
+            </a:r>
+            <a:r>
+              <a:rPr lang="de-DE" dirty="0" err="1"/>
+              <a:t>for</a:t>
+            </a:r>
+            <a:r>
+              <a:rPr lang="de-DE" dirty="0"/>
+              <a:t> </a:t>
+            </a:r>
+            <a:r>
+              <a:rPr lang="de-DE" dirty="0" err="1"/>
+              <a:t>backwards</a:t>
+            </a:r>
+            <a:r>
+              <a:rPr lang="de-DE" dirty="0"/>
+              <a:t> </a:t>
+            </a:r>
+            <a:r>
+              <a:rPr lang="de-DE" dirty="0" err="1"/>
+              <a:t>compatibility</a:t>
+            </a:r>
+            <a:r>
+              <a:rPr lang="de-DE" dirty="0"/>
+              <a:t>, </a:t>
+            </a:r>
+          </a:p>
+          <a:p>
+            <a:pPr marL="285750" indent="-285750">
+              <a:buFontTx/>
+              <a:buChar char="-"/>
             </a:pPr>
             <a:r>
-              <a:rPr lang="en-US" dirty="0"/>
-              <a:t>Show and explain </a:t>
-            </a:r>
-            <a:r>
-              <a:rPr lang="en-US" dirty="0" err="1"/>
-              <a:t>kubectl</a:t>
-            </a:r>
-            <a:r>
-              <a:rPr lang="en-US" dirty="0"/>
-              <a:t> config *</a:t>
-            </a:r>
-          </a:p>
-          <a:p>
-            <a:pPr marL="522900" lvl="1" indent="-342900">
-              <a:buSzPct val="100000"/>
-              <a:buFont typeface="Wingdings" panose="05000000000000000000" pitchFamily="2" charset="2"/>
-              <a:buChar char="§"/>
+              <a:rPr lang="de-DE" dirty="0" err="1"/>
+              <a:t>may</a:t>
+            </a:r>
+            <a:r>
+              <a:rPr lang="de-DE" dirty="0"/>
+              <a:t> </a:t>
+            </a:r>
+            <a:r>
+              <a:rPr lang="de-DE" dirty="0" err="1"/>
+              <a:t>have</a:t>
+            </a:r>
+            <a:r>
+              <a:rPr lang="de-DE" dirty="0"/>
+              <a:t> </a:t>
+            </a:r>
+            <a:r>
+              <a:rPr lang="de-DE" dirty="0" err="1"/>
+              <a:t>bugs</a:t>
+            </a:r>
+            <a:endParaRPr lang="de-DE" dirty="0"/>
+          </a:p>
+          <a:p>
+            <a:pPr marL="285750" indent="-285750">
+              <a:buFontTx/>
+              <a:buChar char="-"/>
             </a:pPr>
             <a:r>
-              <a:rPr lang="en-US" dirty="0"/>
-              <a:t>Explain KUBECONFIG </a:t>
-            </a:r>
-            <a:r>
-              <a:rPr lang="en-US" dirty="0" err="1"/>
-              <a:t>env</a:t>
-            </a:r>
-            <a:r>
-              <a:rPr lang="en-US" dirty="0"/>
-              <a:t> variable &amp; the default location ~/.</a:t>
-            </a:r>
-            <a:r>
-              <a:rPr lang="en-US" dirty="0" err="1"/>
-              <a:t>kube</a:t>
-            </a:r>
-            <a:r>
-              <a:rPr lang="en-US" dirty="0"/>
-              <a:t>/config</a:t>
-            </a:r>
-          </a:p>
-          <a:p>
-            <a:pPr marL="522900" lvl="1" indent="-342900">
-              <a:buSzPct val="100000"/>
-              <a:buFont typeface="Wingdings" panose="05000000000000000000" pitchFamily="2" charset="2"/>
-              <a:buChar char="§"/>
+              <a:rPr lang="de-DE" dirty="0" err="1"/>
+              <a:t>used</a:t>
+            </a:r>
+            <a:r>
+              <a:rPr lang="de-DE" dirty="0"/>
+              <a:t> in </a:t>
+            </a:r>
+            <a:r>
+              <a:rPr lang="de-DE" dirty="0" err="1"/>
+              <a:t>production</a:t>
+            </a:r>
+            <a:r>
+              <a:rPr lang="de-DE" dirty="0"/>
+              <a:t> </a:t>
+            </a:r>
+            <a:r>
+              <a:rPr lang="de-DE" dirty="0" err="1"/>
+              <a:t>with</a:t>
+            </a:r>
+            <a:r>
+              <a:rPr lang="de-DE" dirty="0"/>
+              <a:t> </a:t>
+            </a:r>
+            <a:r>
+              <a:rPr lang="de-DE" dirty="0" err="1"/>
+              <a:t>caution</a:t>
+            </a:r>
+            <a:endParaRPr lang="de-DE" dirty="0"/>
+          </a:p>
+          <a:p>
+            <a:pPr marL="285750" indent="-285750">
+              <a:buFontTx/>
+              <a:buChar char="-"/>
             </a:pPr>
-            <a:r>
-              <a:rPr lang="en-US" dirty="0"/>
-              <a:t>Show the </a:t>
-            </a:r>
-            <a:r>
-              <a:rPr lang="en-US" dirty="0" err="1"/>
-              <a:t>kubeconfig</a:t>
-            </a:r>
-            <a:r>
-              <a:rPr lang="en-US" dirty="0"/>
-              <a:t> </a:t>
-            </a:r>
-            <a:r>
-              <a:rPr lang="en-US" dirty="0" err="1"/>
-              <a:t>yaml</a:t>
-            </a:r>
-            <a:r>
-              <a:rPr lang="en-US" dirty="0"/>
-              <a:t> file with the current context and the namespace</a:t>
-            </a:r>
-          </a:p>
-          <a:p>
-            <a:pPr marL="180000" lvl="1" indent="0">
-              <a:buSzPct val="100000"/>
-              <a:buFont typeface="Wingdings" panose="05000000000000000000" pitchFamily="2" charset="2"/>
+            <a:endParaRPr lang="de-DE" dirty="0"/>
+          </a:p>
+          <a:p>
+            <a:pPr marL="0" indent="0">
+              <a:buFontTx/>
               <a:buNone/>
             </a:pPr>
-            <a:endParaRPr lang="en-US" dirty="0"/>
-          </a:p>
-          <a:p>
-            <a:pPr marL="342900" indent="-342900">
-              <a:buSzPct val="100000"/>
-              <a:buFont typeface="Wingdings" panose="05000000000000000000" pitchFamily="2" charset="2"/>
-              <a:buChar char="§"/>
+            <a:r>
+              <a:rPr lang="de-DE" dirty="0"/>
+              <a:t>v1 / GA:</a:t>
+            </a:r>
+          </a:p>
+          <a:p>
+            <a:pPr marL="285750" indent="-285750">
+              <a:buFontTx/>
+              <a:buChar char="-"/>
             </a:pPr>
             <a:r>
-              <a:rPr lang="en-US" dirty="0"/>
-              <a:t>Show access to cluster with </a:t>
-            </a:r>
-            <a:r>
-              <a:rPr lang="en-US" dirty="0" err="1"/>
-              <a:t>kubectl</a:t>
-            </a:r>
-            <a:r>
-              <a:rPr lang="en-US" dirty="0"/>
-              <a:t> -&gt; </a:t>
-            </a:r>
-            <a:r>
-              <a:rPr lang="en-US" dirty="0" err="1"/>
-              <a:t>kubectl</a:t>
-            </a:r>
-            <a:r>
-              <a:rPr lang="en-US" dirty="0"/>
-              <a:t> get nodes</a:t>
-            </a:r>
-          </a:p>
-          <a:p>
-            <a:pPr marL="342900" indent="-342900">
-              <a:buSzPct val="100000"/>
-              <a:buFont typeface="Wingdings" panose="05000000000000000000" pitchFamily="2" charset="2"/>
-              <a:buChar char="§"/>
+              <a:rPr lang="de-DE" dirty="0" err="1"/>
+              <a:t>no</a:t>
+            </a:r>
+            <a:r>
+              <a:rPr lang="de-DE" dirty="0"/>
+              <a:t> </a:t>
+            </a:r>
+            <a:r>
+              <a:rPr lang="de-DE" dirty="0" err="1"/>
+              <a:t>bugs</a:t>
+            </a:r>
+            <a:r>
+              <a:rPr lang="de-DE" dirty="0"/>
+              <a:t> </a:t>
+            </a:r>
+            <a:r>
+              <a:rPr lang="de-DE" dirty="0" err="1"/>
+              <a:t>of</a:t>
+            </a:r>
+            <a:r>
+              <a:rPr lang="de-DE" dirty="0"/>
+              <a:t> </a:t>
+            </a:r>
+            <a:r>
+              <a:rPr lang="de-DE" dirty="0" err="1"/>
+              <a:t>course</a:t>
+            </a:r>
+            <a:endParaRPr lang="de-DE" dirty="0"/>
+          </a:p>
+          <a:p>
+            <a:pPr marL="285750" indent="-285750">
+              <a:buFontTx/>
+              <a:buChar char="-"/>
             </a:pPr>
             <a:r>
-              <a:rPr lang="en-US" dirty="0"/>
-              <a:t>Explain basic syntax of </a:t>
-            </a:r>
-            <a:r>
-              <a:rPr lang="en-US" dirty="0" err="1"/>
-              <a:t>kubectl</a:t>
-            </a:r>
-            <a:r>
-              <a:rPr lang="en-US" dirty="0"/>
-              <a:t> [verb] [resource type] [specific resource by name or label] [options / switches like –o </a:t>
-            </a:r>
-            <a:r>
-              <a:rPr lang="en-US" dirty="0" err="1"/>
-              <a:t>yaml</a:t>
-            </a:r>
-            <a:r>
-              <a:rPr lang="en-US" dirty="0"/>
-              <a:t>]</a:t>
-            </a:r>
-          </a:p>
-          <a:p>
-            <a:pPr marL="342900" marR="0" lvl="0" indent="-342900" algn="l" defTabSz="1088776" rtl="0" eaLnBrk="1" fontAlgn="auto" latinLnBrk="0" hangingPunct="1">
-              <a:lnSpc>
-                <a:spcPct val="100000"/>
-              </a:lnSpc>
-              <a:spcBef>
-                <a:spcPts val="0"/>
-              </a:spcBef>
-              <a:spcAft>
-                <a:spcPts val="0"/>
-              </a:spcAft>
-              <a:buClrTx/>
-              <a:buSzPct val="100000"/>
-              <a:buFont typeface="Wingdings" panose="05000000000000000000" pitchFamily="2" charset="2"/>
-              <a:buChar char="§"/>
-              <a:tabLst/>
-              <a:defRPr/>
-            </a:pPr>
-            <a:r>
-              <a:rPr lang="en-US" dirty="0"/>
-              <a:t>Show </a:t>
-            </a:r>
-            <a:r>
-              <a:rPr lang="en-US" dirty="0" err="1"/>
-              <a:t>kubectl</a:t>
-            </a:r>
-            <a:r>
-              <a:rPr lang="en-US" dirty="0"/>
-              <a:t> get &amp; describe nodes and talk about details of the node, like resource utilization or docker version</a:t>
-            </a:r>
-          </a:p>
-          <a:p>
-            <a:pPr marL="342900" marR="0" lvl="0" indent="-342900" algn="l" defTabSz="1088776" rtl="0" eaLnBrk="1" fontAlgn="auto" latinLnBrk="0" hangingPunct="1">
-              <a:lnSpc>
-                <a:spcPct val="100000"/>
-              </a:lnSpc>
-              <a:spcBef>
-                <a:spcPts val="0"/>
-              </a:spcBef>
-              <a:spcAft>
-                <a:spcPts val="0"/>
-              </a:spcAft>
-              <a:buClrTx/>
-              <a:buSzPct val="100000"/>
-              <a:buFont typeface="Wingdings" panose="05000000000000000000" pitchFamily="2" charset="2"/>
-              <a:buChar char="§"/>
-              <a:tabLst/>
-              <a:defRPr/>
-            </a:pPr>
-            <a:endParaRPr lang="en-US" dirty="0"/>
-          </a:p>
-          <a:p>
-            <a:pPr marL="342900" marR="0" lvl="0" indent="-342900" algn="l" defTabSz="1088776" rtl="0" eaLnBrk="1" fontAlgn="auto" latinLnBrk="0" hangingPunct="1">
-              <a:lnSpc>
-                <a:spcPct val="100000"/>
-              </a:lnSpc>
-              <a:spcBef>
-                <a:spcPts val="0"/>
-              </a:spcBef>
-              <a:spcAft>
-                <a:spcPts val="0"/>
-              </a:spcAft>
-              <a:buClrTx/>
-              <a:buSzPct val="100000"/>
-              <a:buFont typeface="Wingdings" panose="05000000000000000000" pitchFamily="2" charset="2"/>
-              <a:buChar char="§"/>
-              <a:tabLst/>
-              <a:defRPr/>
-            </a:pPr>
-            <a:r>
-              <a:rPr lang="en-US" dirty="0"/>
-              <a:t>Run </a:t>
-            </a:r>
-            <a:r>
-              <a:rPr lang="en-US" dirty="0" err="1"/>
-              <a:t>kubectl</a:t>
-            </a:r>
-            <a:r>
-              <a:rPr lang="en-US" dirty="0"/>
-              <a:t> proxy &amp;</a:t>
-            </a:r>
-          </a:p>
-          <a:p>
-            <a:pPr marL="342900" marR="0" lvl="0" indent="-342900" algn="l" defTabSz="1088776" rtl="0" eaLnBrk="1" fontAlgn="auto" latinLnBrk="0" hangingPunct="1">
-              <a:lnSpc>
-                <a:spcPct val="100000"/>
-              </a:lnSpc>
-              <a:spcBef>
-                <a:spcPts val="0"/>
-              </a:spcBef>
-              <a:spcAft>
-                <a:spcPts val="0"/>
-              </a:spcAft>
-              <a:buClrTx/>
-              <a:buSzPct val="100000"/>
-              <a:buFont typeface="Wingdings" panose="05000000000000000000" pitchFamily="2" charset="2"/>
-              <a:buChar char="§"/>
-              <a:tabLst/>
-              <a:defRPr/>
-            </a:pPr>
-            <a:r>
-              <a:rPr lang="en-US" dirty="0"/>
-              <a:t>Open localhost:8001 in browser and show </a:t>
-            </a:r>
-            <a:r>
-              <a:rPr lang="en-US" dirty="0" err="1"/>
-              <a:t>api</a:t>
-            </a:r>
-            <a:r>
-              <a:rPr lang="en-US" dirty="0"/>
-              <a:t> tree, traverse through it and go to namespace </a:t>
-            </a:r>
-            <a:r>
-              <a:rPr lang="en-US" dirty="0" err="1"/>
-              <a:t>kube</a:t>
-            </a:r>
-            <a:r>
-              <a:rPr lang="en-US" dirty="0"/>
-              <a:t>-system and show some pods</a:t>
-            </a:r>
-          </a:p>
-          <a:p>
-            <a:pPr marL="342900" indent="-342900">
-              <a:buSzPct val="100000"/>
-              <a:buFont typeface="Wingdings" panose="05000000000000000000" pitchFamily="2" charset="2"/>
-              <a:buChar char="§"/>
-            </a:pPr>
-            <a:r>
-              <a:rPr lang="en-US" dirty="0"/>
-              <a:t>Query API server with curl (again </a:t>
-            </a:r>
-            <a:r>
-              <a:rPr lang="en-US"/>
-              <a:t>via localhost)</a:t>
-            </a:r>
-            <a:endParaRPr lang="en-US" dirty="0"/>
+              <a:rPr lang="de-DE" dirty="0" err="1"/>
+              <a:t>available</a:t>
+            </a:r>
+            <a:r>
+              <a:rPr lang="de-DE" dirty="0"/>
+              <a:t> </a:t>
+            </a:r>
+            <a:r>
+              <a:rPr lang="de-DE" dirty="0" err="1"/>
+              <a:t>until</a:t>
+            </a:r>
+            <a:r>
+              <a:rPr lang="de-DE" dirty="0"/>
+              <a:t> </a:t>
+            </a:r>
+            <a:r>
+              <a:rPr lang="de-DE" dirty="0" err="1"/>
+              <a:t>deprecated</a:t>
+            </a:r>
+            <a:r>
+              <a:rPr lang="de-DE" dirty="0"/>
+              <a:t> (3 </a:t>
+            </a:r>
+            <a:r>
+              <a:rPr lang="de-DE" dirty="0" err="1"/>
+              <a:t>releases</a:t>
+            </a:r>
+            <a:r>
+              <a:rPr lang="de-DE" dirty="0"/>
+              <a:t> </a:t>
+            </a:r>
+            <a:r>
+              <a:rPr lang="de-DE" dirty="0" err="1"/>
+              <a:t>or</a:t>
+            </a:r>
+            <a:r>
+              <a:rPr lang="de-DE" dirty="0"/>
+              <a:t> </a:t>
+            </a:r>
+            <a:r>
+              <a:rPr lang="de-DE" dirty="0" err="1"/>
+              <a:t>max</a:t>
+            </a:r>
+            <a:r>
+              <a:rPr lang="de-DE" dirty="0"/>
+              <a:t> 1 </a:t>
+            </a:r>
+            <a:r>
+              <a:rPr lang="de-DE" dirty="0" err="1"/>
+              <a:t>year</a:t>
+            </a:r>
+            <a:r>
+              <a:rPr lang="de-DE" dirty="0"/>
+              <a:t>)</a:t>
+            </a:r>
           </a:p>
         </p:txBody>
       </p:sp>
@@ -5544,7 +5930,7 @@
             <a:fld id="{7D8C2C35-2B8A-446E-BEC0-FD36716C29AC}" type="slidenum">
               <a:rPr lang="de-DE" smtClean="0"/>
               <a:pPr/>
-              <a:t>11</a:t>
+              <a:t>10</a:t>
             </a:fld>
             <a:endParaRPr lang="de-DE" dirty="0"/>
           </a:p>
@@ -5553,7 +5939,7 @@
     </p:spTree>
     <p:extLst>
       <p:ext uri="{BB962C8B-B14F-4D97-AF65-F5344CB8AC3E}">
-        <p14:creationId xmlns:p14="http://schemas.microsoft.com/office/powerpoint/2010/main" val="2072189787"/>
+        <p14:creationId xmlns:p14="http://schemas.microsoft.com/office/powerpoint/2010/main" val="2368785414"/>
       </p:ext>
     </p:extLst>
   </p:cSld>
@@ -13216,6 +13602,525 @@
       </p:grpSpPr>
       <p:sp>
         <p:nvSpPr>
+          <p:cNvPr id="2" name="Text Placeholder 1">
+            <a:extLst>
+              <a:ext uri="{FF2B5EF4-FFF2-40B4-BE49-F238E27FC236}">
+                <a16:creationId xmlns:a16="http://schemas.microsoft.com/office/drawing/2014/main" id="{E187B6B1-1962-F343-B945-09936343593B}"/>
+              </a:ext>
+            </a:extLst>
+          </p:cNvPr>
+          <p:cNvSpPr>
+            <a:spLocks noGrp="1"/>
+          </p:cNvSpPr>
+          <p:nvPr>
+            <p:ph type="body" sz="quarter" idx="10"/>
+          </p:nvPr>
+        </p:nvSpPr>
+        <p:spPr/>
+        <p:txBody>
+          <a:bodyPr/>
+          <a:lstStyle/>
+          <a:p>
+            <a:r>
+              <a:rPr lang="de-DE" sz="2900" dirty="0"/>
+              <a:t>v1alpha1	</a:t>
+            </a:r>
+            <a:r>
+              <a:rPr lang="de-DE" sz="2900" dirty="0">
+                <a:solidFill>
+                  <a:schemeClr val="tx1">
+                    <a:lumMod val="75000"/>
+                  </a:schemeClr>
+                </a:solidFill>
+              </a:rPr>
+              <a:t>-- </a:t>
+            </a:r>
+            <a:r>
+              <a:rPr lang="de-DE" sz="2900" dirty="0" err="1">
+                <a:solidFill>
+                  <a:schemeClr val="tx1">
+                    <a:lumMod val="75000"/>
+                  </a:schemeClr>
+                </a:solidFill>
+              </a:rPr>
+              <a:t>cluster</a:t>
+            </a:r>
+            <a:r>
+              <a:rPr lang="de-DE" sz="2900" dirty="0">
+                <a:solidFill>
+                  <a:schemeClr val="tx1">
+                    <a:lumMod val="75000"/>
+                  </a:schemeClr>
+                </a:solidFill>
+              </a:rPr>
+              <a:t> </a:t>
+            </a:r>
+            <a:r>
+              <a:rPr lang="de-DE" sz="2900" dirty="0" err="1">
+                <a:solidFill>
+                  <a:schemeClr val="tx1">
+                    <a:lumMod val="75000"/>
+                  </a:schemeClr>
+                </a:solidFill>
+              </a:rPr>
+              <a:t>may</a:t>
+            </a:r>
+            <a:r>
+              <a:rPr lang="de-DE" sz="2900" dirty="0">
+                <a:solidFill>
+                  <a:schemeClr val="tx1">
+                    <a:lumMod val="75000"/>
+                  </a:schemeClr>
+                </a:solidFill>
+              </a:rPr>
+              <a:t> </a:t>
+            </a:r>
+            <a:r>
+              <a:rPr lang="de-DE" sz="2900" dirty="0" err="1">
+                <a:solidFill>
+                  <a:schemeClr val="tx1">
+                    <a:lumMod val="75000"/>
+                  </a:schemeClr>
+                </a:solidFill>
+              </a:rPr>
+              <a:t>explode</a:t>
+            </a:r>
+            <a:r>
+              <a:rPr lang="de-DE" sz="2900" dirty="0">
+                <a:solidFill>
+                  <a:schemeClr val="tx1">
+                    <a:lumMod val="75000"/>
+                  </a:schemeClr>
+                </a:solidFill>
+              </a:rPr>
+              <a:t>, volatile </a:t>
+            </a:r>
+            <a:r>
+              <a:rPr lang="de-DE" sz="2900" dirty="0" err="1">
+                <a:solidFill>
+                  <a:schemeClr val="tx1">
+                    <a:lumMod val="75000"/>
+                  </a:schemeClr>
+                </a:solidFill>
+              </a:rPr>
+              <a:t>api</a:t>
+            </a:r>
+            <a:r>
+              <a:rPr lang="de-DE" sz="2900" dirty="0">
+                <a:solidFill>
+                  <a:schemeClr val="tx1">
+                    <a:lumMod val="75000"/>
+                  </a:schemeClr>
+                </a:solidFill>
+              </a:rPr>
+              <a:t> </a:t>
+            </a:r>
+            <a:r>
+              <a:rPr lang="de-DE" sz="2900" dirty="0" err="1">
+                <a:solidFill>
+                  <a:schemeClr val="tx1">
+                    <a:lumMod val="75000"/>
+                  </a:schemeClr>
+                </a:solidFill>
+              </a:rPr>
+              <a:t>changes</a:t>
+            </a:r>
+            <a:r>
+              <a:rPr lang="de-DE" sz="2900" dirty="0">
+                <a:solidFill>
+                  <a:schemeClr val="tx1">
+                    <a:lumMod val="75000"/>
+                  </a:schemeClr>
+                </a:solidFill>
+              </a:rPr>
+              <a:t> </a:t>
+            </a:r>
+            <a:r>
+              <a:rPr lang="de-DE" sz="2900" dirty="0" err="1">
+                <a:solidFill>
+                  <a:schemeClr val="tx1">
+                    <a:lumMod val="75000"/>
+                  </a:schemeClr>
+                </a:solidFill>
+              </a:rPr>
+              <a:t>expected</a:t>
+            </a:r>
+            <a:br>
+              <a:rPr lang="de-DE" sz="2900" dirty="0"/>
+            </a:br>
+            <a:br>
+              <a:rPr lang="de-DE" sz="2900" dirty="0"/>
+            </a:br>
+            <a:r>
+              <a:rPr lang="de-DE" sz="2900" dirty="0"/>
+              <a:t>v1beta1	</a:t>
+            </a:r>
+            <a:r>
+              <a:rPr lang="de-DE" sz="2900" dirty="0">
+                <a:solidFill>
+                  <a:schemeClr val="tx1">
+                    <a:lumMod val="75000"/>
+                  </a:schemeClr>
+                </a:solidFill>
+              </a:rPr>
+              <a:t>-- </a:t>
+            </a:r>
+            <a:r>
+              <a:rPr lang="de-DE" sz="2900" dirty="0" err="1">
+                <a:solidFill>
+                  <a:schemeClr val="tx1">
+                    <a:lumMod val="75000"/>
+                  </a:schemeClr>
+                </a:solidFill>
+              </a:rPr>
+              <a:t>generally</a:t>
+            </a:r>
+            <a:r>
+              <a:rPr lang="de-DE" sz="2900" dirty="0">
+                <a:solidFill>
+                  <a:schemeClr val="tx1">
+                    <a:lumMod val="75000"/>
+                  </a:schemeClr>
+                </a:solidFill>
+              </a:rPr>
+              <a:t> </a:t>
+            </a:r>
+            <a:r>
+              <a:rPr lang="de-DE" sz="2900" dirty="0" err="1">
+                <a:solidFill>
+                  <a:schemeClr val="tx1">
+                    <a:lumMod val="75000"/>
+                  </a:schemeClr>
+                </a:solidFill>
+              </a:rPr>
+              <a:t>stable</a:t>
+            </a:r>
+            <a:br>
+              <a:rPr lang="de-DE" sz="2900" dirty="0">
+                <a:solidFill>
+                  <a:schemeClr val="tx1">
+                    <a:lumMod val="75000"/>
+                  </a:schemeClr>
+                </a:solidFill>
+              </a:rPr>
+            </a:br>
+            <a:br>
+              <a:rPr lang="de-DE" sz="2900" dirty="0">
+                <a:solidFill>
+                  <a:schemeClr val="tx1">
+                    <a:lumMod val="75000"/>
+                  </a:schemeClr>
+                </a:solidFill>
+              </a:rPr>
+            </a:br>
+            <a:r>
+              <a:rPr lang="de-DE" sz="2900" dirty="0"/>
+              <a:t>v1		</a:t>
+            </a:r>
+            <a:r>
+              <a:rPr lang="de-DE" sz="2900" dirty="0">
+                <a:solidFill>
+                  <a:schemeClr val="tx1">
+                    <a:lumMod val="75000"/>
+                  </a:schemeClr>
+                </a:solidFill>
+              </a:rPr>
+              <a:t>-- GA (</a:t>
+            </a:r>
+            <a:r>
+              <a:rPr lang="de-DE" sz="2900" dirty="0" err="1">
+                <a:solidFill>
+                  <a:schemeClr val="tx1">
+                    <a:lumMod val="75000"/>
+                  </a:schemeClr>
+                </a:solidFill>
+              </a:rPr>
+              <a:t>general</a:t>
+            </a:r>
+            <a:r>
+              <a:rPr lang="de-DE" sz="2900" dirty="0">
+                <a:solidFill>
+                  <a:schemeClr val="tx1">
+                    <a:lumMod val="75000"/>
+                  </a:schemeClr>
+                </a:solidFill>
+              </a:rPr>
+              <a:t> </a:t>
+            </a:r>
+            <a:r>
+              <a:rPr lang="de-DE" sz="2900" dirty="0" err="1">
+                <a:solidFill>
+                  <a:schemeClr val="tx1">
+                    <a:lumMod val="75000"/>
+                  </a:schemeClr>
+                </a:solidFill>
+              </a:rPr>
+              <a:t>availability</a:t>
+            </a:r>
+            <a:r>
+              <a:rPr lang="de-DE" sz="2900" dirty="0">
+                <a:solidFill>
+                  <a:schemeClr val="tx1">
+                    <a:lumMod val="75000"/>
+                  </a:schemeClr>
+                </a:solidFill>
+              </a:rPr>
+              <a:t>)</a:t>
+            </a:r>
+          </a:p>
+          <a:p>
+            <a:endParaRPr lang="de-DE" sz="2400" dirty="0">
+              <a:solidFill>
+                <a:schemeClr val="tx1">
+                  <a:lumMod val="75000"/>
+                </a:schemeClr>
+              </a:solidFill>
+            </a:endParaRPr>
+          </a:p>
+          <a:p>
+            <a:endParaRPr lang="de-DE" sz="2400" dirty="0"/>
+          </a:p>
+        </p:txBody>
+      </p:sp>
+      <p:sp>
+        <p:nvSpPr>
+          <p:cNvPr id="3" name="Title 2">
+            <a:extLst>
+              <a:ext uri="{FF2B5EF4-FFF2-40B4-BE49-F238E27FC236}">
+                <a16:creationId xmlns:a16="http://schemas.microsoft.com/office/drawing/2014/main" id="{60ADE174-6361-924B-9F5E-46A0C40DC7AB}"/>
+              </a:ext>
+            </a:extLst>
+          </p:cNvPr>
+          <p:cNvSpPr>
+            <a:spLocks noGrp="1"/>
+          </p:cNvSpPr>
+          <p:nvPr>
+            <p:ph type="title"/>
+          </p:nvPr>
+        </p:nvSpPr>
+        <p:spPr/>
+        <p:txBody>
+          <a:bodyPr/>
+          <a:lstStyle/>
+          <a:p>
+            <a:r>
+              <a:rPr lang="de-DE" dirty="0"/>
+              <a:t>API </a:t>
+            </a:r>
+            <a:r>
+              <a:rPr lang="de-DE" dirty="0" err="1"/>
+              <a:t>Versioning</a:t>
+            </a:r>
+            <a:endParaRPr lang="de-DE" dirty="0"/>
+          </a:p>
+        </p:txBody>
+      </p:sp>
+    </p:spTree>
+    <p:extLst>
+      <p:ext uri="{BB962C8B-B14F-4D97-AF65-F5344CB8AC3E}">
+        <p14:creationId xmlns:p14="http://schemas.microsoft.com/office/powerpoint/2010/main" val="2095446172"/>
+      </p:ext>
+    </p:extLst>
+  </p:cSld>
+  <p:clrMapOvr>
+    <a:masterClrMapping/>
+  </p:clrMapOvr>
+</p:sld>
+</file>
+
+<file path=ppt/slides/slide11.xml><?xml version="1.0" encoding="utf-8"?>
+<p:sld xmlns:a="http://schemas.openxmlformats.org/drawingml/2006/main" xmlns:r="http://schemas.openxmlformats.org/officeDocument/2006/relationships" xmlns:p="http://schemas.openxmlformats.org/presentationml/2006/main">
+  <p:cSld>
+    <p:spTree>
+      <p:nvGrpSpPr>
+        <p:cNvPr id="1" name=""/>
+        <p:cNvGrpSpPr/>
+        <p:nvPr/>
+      </p:nvGrpSpPr>
+      <p:grpSpPr>
+        <a:xfrm>
+          <a:off x="0" y="0"/>
+          <a:ext cx="0" cy="0"/>
+          <a:chOff x="0" y="0"/>
+          <a:chExt cx="0" cy="0"/>
+        </a:xfrm>
+      </p:grpSpPr>
+      <p:sp>
+        <p:nvSpPr>
+          <p:cNvPr id="2" name="Text Placeholder 1"/>
+          <p:cNvSpPr>
+            <a:spLocks noGrp="1"/>
+          </p:cNvSpPr>
+          <p:nvPr>
+            <p:ph type="body" sz="quarter" idx="10"/>
+          </p:nvPr>
+        </p:nvSpPr>
+        <p:spPr>
+          <a:xfrm>
+            <a:off x="504000" y="1620000"/>
+            <a:ext cx="6193980" cy="4230000"/>
+          </a:xfrm>
+        </p:spPr>
+        <p:txBody>
+          <a:bodyPr/>
+          <a:lstStyle/>
+          <a:p>
+            <a:r>
+              <a:rPr lang="en-US" dirty="0"/>
+              <a:t>YAML: “YAML </a:t>
+            </a:r>
+            <a:r>
+              <a:rPr lang="en-US" dirty="0" err="1"/>
+              <a:t>Ain't</a:t>
+            </a:r>
+            <a:r>
+              <a:rPr lang="en-US" dirty="0"/>
+              <a:t> Markup Language”</a:t>
+            </a:r>
+          </a:p>
+          <a:p>
+            <a:pPr marL="342900" indent="-342900">
+              <a:buSzPct val="100000"/>
+              <a:buFont typeface="Wingdings" panose="05000000000000000000" pitchFamily="2" charset="2"/>
+              <a:buChar char="§"/>
+            </a:pPr>
+            <a:r>
+              <a:rPr lang="en-US" dirty="0"/>
+              <a:t>YAML is a human friendly data serialization standard for all programming languages.</a:t>
+            </a:r>
+          </a:p>
+          <a:p>
+            <a:pPr marL="342900" indent="-342900">
+              <a:buSzPct val="100000"/>
+              <a:buFont typeface="Wingdings" panose="05000000000000000000" pitchFamily="2" charset="2"/>
+              <a:buChar char="§"/>
+            </a:pPr>
+            <a:r>
+              <a:rPr lang="en-US" dirty="0"/>
+              <a:t>          Indentation based</a:t>
+            </a:r>
+          </a:p>
+          <a:p>
+            <a:pPr marL="342900" indent="-342900">
+              <a:buSzPct val="100000"/>
+              <a:buFont typeface="Wingdings" panose="05000000000000000000" pitchFamily="2" charset="2"/>
+              <a:buChar char="§"/>
+            </a:pPr>
+            <a:r>
+              <a:rPr lang="en-US" dirty="0"/>
+              <a:t>Supports </a:t>
+            </a:r>
+            <a:r>
+              <a:rPr lang="en-US" dirty="0" err="1"/>
+              <a:t>key:value</a:t>
+            </a:r>
+            <a:r>
+              <a:rPr lang="en-US" dirty="0"/>
+              <a:t> maps and lists</a:t>
+            </a:r>
+          </a:p>
+          <a:p>
+            <a:pPr marL="342900" indent="-342900">
+              <a:buSzPct val="100000"/>
+              <a:buFont typeface="Wingdings" panose="05000000000000000000" pitchFamily="2" charset="2"/>
+              <a:buChar char="§"/>
+            </a:pPr>
+            <a:r>
+              <a:rPr lang="en-US" dirty="0"/>
+              <a:t>Supports nesting - a value can also contain another </a:t>
+            </a:r>
+            <a:r>
+              <a:rPr lang="en-US" dirty="0" err="1"/>
+              <a:t>key:value</a:t>
+            </a:r>
+            <a:r>
+              <a:rPr lang="en-US" dirty="0"/>
+              <a:t> map or a list</a:t>
+            </a:r>
+          </a:p>
+          <a:p>
+            <a:endParaRPr lang="en-US" dirty="0"/>
+          </a:p>
+        </p:txBody>
+      </p:sp>
+      <p:sp>
+        <p:nvSpPr>
+          <p:cNvPr id="3" name="Title 2"/>
+          <p:cNvSpPr>
+            <a:spLocks noGrp="1"/>
+          </p:cNvSpPr>
+          <p:nvPr>
+            <p:ph type="title"/>
+          </p:nvPr>
+        </p:nvSpPr>
+        <p:spPr/>
+        <p:txBody>
+          <a:bodyPr/>
+          <a:lstStyle/>
+          <a:p>
+            <a:r>
+              <a:rPr lang="de-DE" dirty="0"/>
+              <a:t>YAML</a:t>
+            </a:r>
+          </a:p>
+        </p:txBody>
+      </p:sp>
+      <p:pic>
+        <p:nvPicPr>
+          <p:cNvPr id="6" name="Picture 5"/>
+          <p:cNvPicPr>
+            <a:picLocks noChangeAspect="1"/>
+          </p:cNvPicPr>
+          <p:nvPr/>
+        </p:nvPicPr>
+        <p:blipFill>
+          <a:blip r:embed="rId2"/>
+          <a:stretch>
+            <a:fillRect/>
+          </a:stretch>
+        </p:blipFill>
+        <p:spPr>
+          <a:xfrm>
+            <a:off x="7146599" y="1028700"/>
+            <a:ext cx="4375972" cy="4991475"/>
+          </a:xfrm>
+          <a:prstGeom prst="rect">
+            <a:avLst/>
+          </a:prstGeom>
+        </p:spPr>
+      </p:pic>
+    </p:spTree>
+    <p:extLst>
+      <p:ext uri="{BB962C8B-B14F-4D97-AF65-F5344CB8AC3E}">
+        <p14:creationId xmlns:p14="http://schemas.microsoft.com/office/powerpoint/2010/main" val="1213574445"/>
+      </p:ext>
+    </p:extLst>
+  </p:cSld>
+  <p:clrMapOvr>
+    <a:masterClrMapping/>
+  </p:clrMapOvr>
+</p:sld>
+</file>
+
+<file path=ppt/slides/slide12.xml><?xml version="1.0" encoding="utf-8"?>
+<p:sld xmlns:a="http://schemas.openxmlformats.org/drawingml/2006/main" xmlns:r="http://schemas.openxmlformats.org/officeDocument/2006/relationships" xmlns:p="http://schemas.openxmlformats.org/presentationml/2006/main">
+  <p:cSld>
+    <p:spTree>
+      <p:nvGrpSpPr>
+        <p:cNvPr id="1" name=""/>
+        <p:cNvGrpSpPr/>
+        <p:nvPr/>
+      </p:nvGrpSpPr>
+      <p:grpSpPr>
+        <a:xfrm>
+          <a:off x="0" y="0"/>
+          <a:ext cx="0" cy="0"/>
+          <a:chOff x="0" y="0"/>
+          <a:chExt cx="0" cy="0"/>
+        </a:xfrm>
+      </p:grpSpPr>
+      <p:sp>
+        <p:nvSpPr>
           <p:cNvPr id="3" name="Title 2"/>
           <p:cNvSpPr>
             <a:spLocks noGrp="1"/>
@@ -14767,7 +15672,7 @@
 </p:sld>
 </file>
 
-<file path=ppt/slides/slide11.xml><?xml version="1.0" encoding="utf-8"?>
+<file path=ppt/slides/slide13.xml><?xml version="1.0" encoding="utf-8"?>
 <p:sld xmlns:a="http://schemas.openxmlformats.org/drawingml/2006/main" xmlns:r="http://schemas.openxmlformats.org/officeDocument/2006/relationships" xmlns:p="http://schemas.openxmlformats.org/presentationml/2006/main">
   <p:cSld>
     <p:spTree>
@@ -14849,7 +15754,7 @@
 </p:sld>
 </file>
 
-<file path=ppt/slides/slide12.xml><?xml version="1.0" encoding="utf-8"?>
+<file path=ppt/slides/slide14.xml><?xml version="1.0" encoding="utf-8"?>
 <p:sld xmlns:a="http://schemas.openxmlformats.org/drawingml/2006/main" xmlns:r="http://schemas.openxmlformats.org/officeDocument/2006/relationships" xmlns:p="http://schemas.openxmlformats.org/presentationml/2006/main">
   <p:cSld>
     <p:spTree>
@@ -15996,7 +16901,7 @@
 </p:sld>
 </file>
 
-<file path=ppt/slides/slide13.xml><?xml version="1.0" encoding="utf-8"?>
+<file path=ppt/slides/slide15.xml><?xml version="1.0" encoding="utf-8"?>
 <p:sld xmlns:a="http://schemas.openxmlformats.org/drawingml/2006/main" xmlns:r="http://schemas.openxmlformats.org/officeDocument/2006/relationships" xmlns:p="http://schemas.openxmlformats.org/presentationml/2006/main">
   <p:cSld>
     <p:spTree>
@@ -16084,7 +16989,7 @@
 </p:sld>
 </file>
 
-<file path=ppt/slides/slide14.xml><?xml version="1.0" encoding="utf-8"?>
+<file path=ppt/slides/slide16.xml><?xml version="1.0" encoding="utf-8"?>
 <p:sld xmlns:a="http://schemas.openxmlformats.org/drawingml/2006/main" xmlns:r="http://schemas.openxmlformats.org/officeDocument/2006/relationships" xmlns:p="http://schemas.openxmlformats.org/presentationml/2006/main" show="0">
   <p:cSld>
     <p:spTree>
@@ -20702,7 +21607,13 @@
       </p:grpSpPr>
       <p:sp>
         <p:nvSpPr>
-          <p:cNvPr id="2" name="Text Placeholder 1"/>
+          <p:cNvPr id="2" name="Text Placeholder 1">
+            <a:extLst>
+              <a:ext uri="{FF2B5EF4-FFF2-40B4-BE49-F238E27FC236}">
+                <a16:creationId xmlns:a16="http://schemas.microsoft.com/office/drawing/2014/main" id="{E187B6B1-1962-F343-B945-09936343593B}"/>
+              </a:ext>
+            </a:extLst>
+          </p:cNvPr>
           <p:cNvSpPr>
             <a:spLocks noGrp="1"/>
           </p:cNvSpPr>
@@ -20710,97 +21621,351 @@
             <p:ph type="body" sz="quarter" idx="10"/>
           </p:nvPr>
         </p:nvSpPr>
-        <p:spPr>
-          <a:xfrm>
-            <a:off x="504000" y="1620000"/>
-            <a:ext cx="6193980" cy="4230000"/>
-          </a:xfrm>
-        </p:spPr>
+        <p:spPr/>
         <p:txBody>
           <a:bodyPr/>
           <a:lstStyle/>
           <a:p>
             <a:r>
-              <a:rPr lang="en-US" dirty="0"/>
-              <a:t>YAML: “YAML </a:t>
-            </a:r>
-            <a:r>
-              <a:rPr lang="en-US" dirty="0" err="1"/>
-              <a:t>Ain't</a:t>
-            </a:r>
-            <a:r>
-              <a:rPr lang="en-US" dirty="0"/>
-              <a:t> Markup Language”</a:t>
-            </a:r>
-          </a:p>
-          <a:p>
-            <a:pPr marL="342900" indent="-342900">
-              <a:buSzPct val="100000"/>
-              <a:buFont typeface="Wingdings" panose="05000000000000000000" pitchFamily="2" charset="2"/>
-              <a:buChar char="§"/>
-            </a:pPr>
-            <a:r>
-              <a:rPr lang="en-US" dirty="0"/>
-              <a:t>YAML is a human friendly data serialization standard for all programming languages.</a:t>
-            </a:r>
-          </a:p>
-          <a:p>
-            <a:pPr marL="342900" indent="-342900">
-              <a:buSzPct val="100000"/>
-              <a:buFont typeface="Wingdings" panose="05000000000000000000" pitchFamily="2" charset="2"/>
-              <a:buChar char="§"/>
-            </a:pPr>
-            <a:r>
-              <a:rPr lang="en-US" dirty="0"/>
-              <a:t>          Indentation based</a:t>
-            </a:r>
-          </a:p>
-          <a:p>
-            <a:pPr marL="342900" indent="-342900">
-              <a:buSzPct val="100000"/>
-              <a:buFont typeface="Wingdings" panose="05000000000000000000" pitchFamily="2" charset="2"/>
-              <a:buChar char="§"/>
-            </a:pPr>
-            <a:r>
-              <a:rPr lang="en-US" dirty="0"/>
-              <a:t>Supports </a:t>
-            </a:r>
-            <a:r>
-              <a:rPr lang="en-US" dirty="0" err="1"/>
-              <a:t>key:value</a:t>
-            </a:r>
-            <a:r>
-              <a:rPr lang="en-US" dirty="0"/>
-              <a:t> maps and lists</a:t>
-            </a:r>
-          </a:p>
-          <a:p>
-            <a:pPr marL="342900" indent="-342900">
-              <a:buSzPct val="100000"/>
-              <a:buFont typeface="Wingdings" panose="05000000000000000000" pitchFamily="2" charset="2"/>
-              <a:buChar char="§"/>
-            </a:pPr>
-            <a:r>
-              <a:rPr lang="en-US" dirty="0"/>
-              <a:t>Supports nesting - a value can also contain another </a:t>
-            </a:r>
-            <a:r>
-              <a:rPr lang="en-US" dirty="0" err="1"/>
-              <a:t>key:value</a:t>
-            </a:r>
-            <a:r>
-              <a:rPr lang="en-US" dirty="0"/>
-              <a:t> map or a list</a:t>
-            </a:r>
-          </a:p>
-          <a:p>
-            <a:endParaRPr lang="en-US" dirty="0"/>
+              <a:rPr lang="de-DE" sz="2400" dirty="0"/>
+              <a:t>/</a:t>
+            </a:r>
+            <a:r>
+              <a:rPr lang="de-DE" sz="2400" dirty="0" err="1"/>
+              <a:t>api</a:t>
+            </a:r>
+            <a:r>
+              <a:rPr lang="de-DE" sz="2400" dirty="0"/>
+              <a:t>			</a:t>
+            </a:r>
+            <a:r>
+              <a:rPr lang="de-DE" sz="2400" dirty="0">
+                <a:solidFill>
+                  <a:schemeClr val="tx1">
+                    <a:lumMod val="75000"/>
+                  </a:schemeClr>
+                </a:solidFill>
+              </a:rPr>
+              <a:t>-- </a:t>
+            </a:r>
+            <a:r>
+              <a:rPr lang="de-DE" sz="2400" dirty="0" err="1">
+                <a:solidFill>
+                  <a:schemeClr val="tx1">
+                    <a:lumMod val="75000"/>
+                  </a:schemeClr>
+                </a:solidFill>
+              </a:rPr>
+              <a:t>core</a:t>
+            </a:r>
+            <a:r>
+              <a:rPr lang="de-DE" sz="2400" dirty="0">
+                <a:solidFill>
+                  <a:schemeClr val="tx1">
+                    <a:lumMod val="75000"/>
+                  </a:schemeClr>
+                </a:solidFill>
+              </a:rPr>
+              <a:t> </a:t>
+            </a:r>
+            <a:r>
+              <a:rPr lang="de-DE" sz="2400" dirty="0" err="1">
+                <a:solidFill>
+                  <a:schemeClr val="tx1">
+                    <a:lumMod val="75000"/>
+                  </a:schemeClr>
+                </a:solidFill>
+              </a:rPr>
+              <a:t>objects</a:t>
+            </a:r>
+            <a:r>
+              <a:rPr lang="de-DE" sz="2400" dirty="0">
+                <a:solidFill>
+                  <a:schemeClr val="tx1">
+                    <a:lumMod val="75000"/>
+                  </a:schemeClr>
+                </a:solidFill>
+              </a:rPr>
+              <a:t> like </a:t>
+            </a:r>
+            <a:r>
+              <a:rPr lang="de-DE" sz="2400" dirty="0" err="1">
+                <a:solidFill>
+                  <a:schemeClr val="tx1">
+                    <a:lumMod val="75000"/>
+                  </a:schemeClr>
+                </a:solidFill>
+              </a:rPr>
+              <a:t>pods</a:t>
+            </a:r>
+            <a:r>
+              <a:rPr lang="de-DE" sz="2400" dirty="0">
+                <a:solidFill>
+                  <a:schemeClr val="tx1">
+                    <a:lumMod val="75000"/>
+                  </a:schemeClr>
+                </a:solidFill>
+              </a:rPr>
+              <a:t> </a:t>
+            </a:r>
+            <a:r>
+              <a:rPr lang="de-DE" sz="2400" dirty="0" err="1">
+                <a:solidFill>
+                  <a:schemeClr val="tx1">
+                    <a:lumMod val="75000"/>
+                  </a:schemeClr>
+                </a:solidFill>
+              </a:rPr>
+              <a:t>or</a:t>
+            </a:r>
+            <a:r>
+              <a:rPr lang="de-DE" sz="2400" dirty="0">
+                <a:solidFill>
+                  <a:schemeClr val="tx1">
+                    <a:lumMod val="75000"/>
+                  </a:schemeClr>
+                </a:solidFill>
+              </a:rPr>
+              <a:t> </a:t>
+            </a:r>
+            <a:r>
+              <a:rPr lang="de-DE" sz="2400" dirty="0" err="1">
+                <a:solidFill>
+                  <a:schemeClr val="tx1">
+                    <a:lumMod val="75000"/>
+                  </a:schemeClr>
+                </a:solidFill>
+              </a:rPr>
+              <a:t>services</a:t>
+            </a:r>
+            <a:br>
+              <a:rPr lang="de-DE" sz="2400" dirty="0"/>
+            </a:br>
+            <a:r>
+              <a:rPr lang="de-DE" sz="2400" dirty="0"/>
+              <a:t>/</a:t>
+            </a:r>
+            <a:r>
+              <a:rPr lang="de-DE" sz="2400" dirty="0" err="1"/>
+              <a:t>api</a:t>
+            </a:r>
+            <a:r>
+              <a:rPr lang="de-DE" sz="2400" dirty="0"/>
+              <a:t>/&lt;</a:t>
+            </a:r>
+            <a:r>
+              <a:rPr lang="de-DE" sz="2400" dirty="0" err="1"/>
+              <a:t>apigroup</a:t>
+            </a:r>
+            <a:r>
+              <a:rPr lang="de-DE" sz="2400" dirty="0"/>
+              <a:t>&gt; 	</a:t>
+            </a:r>
+            <a:r>
+              <a:rPr lang="de-DE" sz="2400" dirty="0">
+                <a:solidFill>
+                  <a:schemeClr val="tx1">
+                    <a:lumMod val="75000"/>
+                  </a:schemeClr>
+                </a:solidFill>
+              </a:rPr>
+              <a:t>-- </a:t>
+            </a:r>
+            <a:r>
+              <a:rPr lang="de-DE" sz="2400" dirty="0" err="1">
+                <a:solidFill>
+                  <a:schemeClr val="tx1">
+                    <a:lumMod val="75000"/>
+                  </a:schemeClr>
+                </a:solidFill>
+              </a:rPr>
+              <a:t>added</a:t>
+            </a:r>
+            <a:r>
+              <a:rPr lang="de-DE" sz="2400" dirty="0">
+                <a:solidFill>
+                  <a:schemeClr val="tx1">
+                    <a:lumMod val="75000"/>
+                  </a:schemeClr>
+                </a:solidFill>
+              </a:rPr>
+              <a:t> </a:t>
+            </a:r>
+            <a:r>
+              <a:rPr lang="de-DE" sz="2400" dirty="0" err="1">
+                <a:solidFill>
+                  <a:schemeClr val="tx1">
+                    <a:lumMod val="75000"/>
+                  </a:schemeClr>
+                </a:solidFill>
+              </a:rPr>
+              <a:t>later</a:t>
+            </a:r>
+            <a:r>
+              <a:rPr lang="de-DE" sz="2400" dirty="0">
+                <a:solidFill>
+                  <a:schemeClr val="tx1">
+                    <a:lumMod val="75000"/>
+                  </a:schemeClr>
+                </a:solidFill>
+              </a:rPr>
+              <a:t> </a:t>
+            </a:r>
+            <a:r>
+              <a:rPr lang="de-DE" sz="2400" dirty="0" err="1">
+                <a:solidFill>
+                  <a:schemeClr val="tx1">
+                    <a:lumMod val="75000"/>
+                  </a:schemeClr>
+                </a:solidFill>
+              </a:rPr>
+              <a:t>as</a:t>
+            </a:r>
+            <a:r>
+              <a:rPr lang="de-DE" sz="2400" dirty="0">
+                <a:solidFill>
+                  <a:schemeClr val="tx1">
+                    <a:lumMod val="75000"/>
+                  </a:schemeClr>
+                </a:solidFill>
+              </a:rPr>
+              <a:t> </a:t>
+            </a:r>
+            <a:r>
+              <a:rPr lang="de-DE" sz="2400" dirty="0" err="1">
+                <a:solidFill>
+                  <a:schemeClr val="tx1">
+                    <a:lumMod val="75000"/>
+                  </a:schemeClr>
+                </a:solidFill>
+              </a:rPr>
+              <a:t>the</a:t>
+            </a:r>
+            <a:r>
+              <a:rPr lang="de-DE" sz="2400" dirty="0">
+                <a:solidFill>
+                  <a:schemeClr val="tx1">
+                    <a:lumMod val="75000"/>
+                  </a:schemeClr>
+                </a:solidFill>
+              </a:rPr>
+              <a:t> API </a:t>
+            </a:r>
+            <a:r>
+              <a:rPr lang="de-DE" sz="2400" dirty="0" err="1">
+                <a:solidFill>
+                  <a:schemeClr val="tx1">
+                    <a:lumMod val="75000"/>
+                  </a:schemeClr>
+                </a:solidFill>
+              </a:rPr>
+              <a:t>grew</a:t>
+            </a:r>
+            <a:endParaRPr lang="de-DE" sz="2400" dirty="0">
+              <a:solidFill>
+                <a:schemeClr val="tx1">
+                  <a:lumMod val="75000"/>
+                </a:schemeClr>
+              </a:solidFill>
+            </a:endParaRPr>
+          </a:p>
+          <a:p>
+            <a:r>
+              <a:rPr lang="de-DE" sz="2400" dirty="0"/>
+              <a:t>/ </a:t>
+            </a:r>
+            <a:r>
+              <a:rPr lang="de-DE" sz="2400" dirty="0" err="1"/>
+              <a:t>api</a:t>
+            </a:r>
+            <a:r>
+              <a:rPr lang="de-DE" sz="2400" dirty="0"/>
+              <a:t> / </a:t>
+            </a:r>
+            <a:r>
+              <a:rPr lang="de-DE" sz="2400" i="1" dirty="0"/>
+              <a:t>&lt;</a:t>
+            </a:r>
+            <a:r>
+              <a:rPr lang="de-DE" sz="2400" i="1" dirty="0" err="1"/>
+              <a:t>version</a:t>
+            </a:r>
+            <a:r>
+              <a:rPr lang="de-DE" sz="2400" i="1" dirty="0"/>
+              <a:t>&gt; </a:t>
+            </a:r>
+            <a:r>
+              <a:rPr lang="de-DE" sz="2400" dirty="0"/>
+              <a:t>/ </a:t>
+            </a:r>
+            <a:r>
+              <a:rPr lang="de-DE" sz="2400" dirty="0" err="1"/>
+              <a:t>namespaces</a:t>
+            </a:r>
+            <a:r>
+              <a:rPr lang="de-DE" sz="2400" dirty="0"/>
+              <a:t> / </a:t>
+            </a:r>
+            <a:r>
+              <a:rPr lang="de-DE" sz="2400" i="1" dirty="0"/>
+              <a:t>&lt;</a:t>
+            </a:r>
+            <a:r>
+              <a:rPr lang="de-DE" sz="2400" i="1" dirty="0" err="1"/>
+              <a:t>ns</a:t>
+            </a:r>
+            <a:r>
+              <a:rPr lang="de-DE" sz="2400" i="1" dirty="0"/>
+              <a:t>&gt; </a:t>
+            </a:r>
+            <a:r>
+              <a:rPr lang="de-DE" sz="2400" dirty="0"/>
+              <a:t>/ </a:t>
+            </a:r>
+            <a:r>
+              <a:rPr lang="de-DE" sz="2400" i="1" dirty="0"/>
+              <a:t>&lt;</a:t>
+            </a:r>
+            <a:r>
+              <a:rPr lang="de-DE" sz="2400" i="1" dirty="0" err="1"/>
+              <a:t>resource</a:t>
+            </a:r>
+            <a:r>
+              <a:rPr lang="de-DE" sz="2400" i="1" dirty="0"/>
+              <a:t>-type-name&gt; </a:t>
+            </a:r>
+            <a:r>
+              <a:rPr lang="de-DE" sz="2400" dirty="0"/>
+              <a:t>/ </a:t>
+            </a:r>
+            <a:r>
+              <a:rPr lang="de-DE" sz="2400" i="1" dirty="0"/>
+              <a:t>&lt;</a:t>
+            </a:r>
+            <a:r>
+              <a:rPr lang="de-DE" sz="2400" i="1" dirty="0" err="1"/>
+              <a:t>resource</a:t>
+            </a:r>
+            <a:r>
+              <a:rPr lang="de-DE" sz="2400" i="1" dirty="0"/>
+              <a:t>-name&gt;</a:t>
+            </a:r>
+            <a:endParaRPr lang="de-DE" dirty="0"/>
+          </a:p>
+          <a:p>
+            <a:endParaRPr lang="de-DE" sz="2400" dirty="0"/>
           </a:p>
         </p:txBody>
       </p:sp>
       <p:sp>
         <p:nvSpPr>
-          <p:cNvPr id="3" name="Title 2"/>
+          <p:cNvPr id="3" name="Title 2">
+            <a:extLst>
+              <a:ext uri="{FF2B5EF4-FFF2-40B4-BE49-F238E27FC236}">
+                <a16:creationId xmlns:a16="http://schemas.microsoft.com/office/drawing/2014/main" id="{60ADE174-6361-924B-9F5E-46A0C40DC7AB}"/>
+              </a:ext>
+            </a:extLst>
+          </p:cNvPr>
           <p:cNvSpPr>
             <a:spLocks noGrp="1"/>
           </p:cNvSpPr>
@@ -20815,39 +21980,20 @@
           <a:p>
             <a:r>
               <a:rPr lang="de-DE" dirty="0"/>
-              <a:t>YAML</a:t>
-            </a:r>
+              <a:t>API </a:t>
+            </a:r>
+            <a:r>
+              <a:rPr lang="de-DE" dirty="0" err="1"/>
+              <a:t>Structure</a:t>
+            </a:r>
+            <a:endParaRPr lang="de-DE" dirty="0"/>
           </a:p>
         </p:txBody>
       </p:sp>
-      <p:pic>
-        <p:nvPicPr>
-          <p:cNvPr id="6" name="Picture 5"/>
-          <p:cNvPicPr>
-            <a:picLocks noChangeAspect="1"/>
-          </p:cNvPicPr>
-          <p:nvPr/>
-        </p:nvPicPr>
-        <p:blipFill>
-          <a:blip r:embed="rId2"/>
-          <a:stretch>
-            <a:fillRect/>
-          </a:stretch>
-        </p:blipFill>
-        <p:spPr>
-          <a:xfrm>
-            <a:off x="7146599" y="1028700"/>
-            <a:ext cx="4375972" cy="4991475"/>
-          </a:xfrm>
-          <a:prstGeom prst="rect">
-            <a:avLst/>
-          </a:prstGeom>
-        </p:spPr>
-      </p:pic>
     </p:spTree>
     <p:extLst>
       <p:ext uri="{BB962C8B-B14F-4D97-AF65-F5344CB8AC3E}">
-        <p14:creationId xmlns:p14="http://schemas.microsoft.com/office/powerpoint/2010/main" val="1213574445"/>
+        <p14:creationId xmlns:p14="http://schemas.microsoft.com/office/powerpoint/2010/main" val="355482527"/>
       </p:ext>
     </p:extLst>
   </p:cSld>

--- a/kubernetes/01_k8s_core_components.pptx
+++ b/kubernetes/01_k8s_core_components.pptx
@@ -15190,12 +15190,16 @@
               <a:buSzPct val="80000"/>
             </a:pPr>
             <a:r>
-              <a:rPr lang="de-DE" sz="1400" b="1" kern="0" dirty="0">
+              <a:rPr lang="de-DE" sz="1400" b="1" kern="0">
                 <a:ea typeface="Arial Unicode MS" pitchFamily="34" charset="-128"/>
                 <a:cs typeface="Arial Unicode MS" pitchFamily="34" charset="-128"/>
               </a:rPr>
-              <a:t>Worker</a:t>
-            </a:r>
+              <a:t>Nodes</a:t>
+            </a:r>
+            <a:endParaRPr lang="de-DE" sz="1400" b="1" kern="0" dirty="0">
+              <a:ea typeface="Arial Unicode MS" pitchFamily="34" charset="-128"/>
+              <a:cs typeface="Arial Unicode MS" pitchFamily="34" charset="-128"/>
+            </a:endParaRPr>
           </a:p>
         </p:txBody>
       </p:sp>
@@ -18465,7 +18469,7 @@
                 <a:ea typeface="Arial Unicode MS" pitchFamily="34" charset="-128"/>
                 <a:cs typeface="Arial Unicode MS" pitchFamily="34" charset="-128"/>
               </a:rPr>
-              <a:t>Worker</a:t>
+              <a:t>Nodes</a:t>
             </a:r>
           </a:p>
         </p:txBody>
@@ -20340,7 +20344,7 @@
                 <a:ea typeface="Arial Unicode MS" pitchFamily="34" charset="-128"/>
                 <a:cs typeface="Arial Unicode MS" pitchFamily="34" charset="-128"/>
               </a:rPr>
-              <a:t>Worker</a:t>
+              <a:t>Nodes</a:t>
             </a:r>
           </a:p>
         </p:txBody>

--- a/kubernetes/01_k8s_core_components.pptx
+++ b/kubernetes/01_k8s_core_components.pptx
@@ -16010,12 +16010,16 @@
               <a:buSzPct val="80000"/>
             </a:pPr>
             <a:r>
-              <a:rPr lang="de-DE" sz="2400" b="1" kern="0" dirty="0">
+              <a:rPr lang="de-DE" sz="2400" b="1" kern="0" dirty="0" err="1">
                 <a:ea typeface="Arial Unicode MS" pitchFamily="34" charset="-128"/>
                 <a:cs typeface="Arial Unicode MS" pitchFamily="34" charset="-128"/>
               </a:rPr>
-              <a:t>Worker</a:t>
-            </a:r>
+              <a:t>Node</a:t>
+            </a:r>
+            <a:endParaRPr lang="de-DE" sz="2400" b="1" kern="0" dirty="0">
+              <a:ea typeface="Arial Unicode MS" pitchFamily="34" charset="-128"/>
+              <a:cs typeface="Arial Unicode MS" pitchFamily="34" charset="-128"/>
+            </a:endParaRPr>
           </a:p>
         </p:txBody>
       </p:sp>
@@ -16312,12 +16316,16 @@
               <a:buSzPct val="80000"/>
             </a:pPr>
             <a:r>
-              <a:rPr lang="de-DE" sz="2400" b="1" kern="0" dirty="0">
+              <a:rPr lang="de-DE" sz="2400" b="1" kern="0" dirty="0" err="1">
                 <a:ea typeface="Arial Unicode MS" pitchFamily="34" charset="-128"/>
                 <a:cs typeface="Arial Unicode MS" pitchFamily="34" charset="-128"/>
               </a:rPr>
-              <a:t>Worker</a:t>
-            </a:r>
+              <a:t>Node</a:t>
+            </a:r>
+            <a:endParaRPr lang="de-DE" sz="2400" b="1" kern="0" dirty="0">
+              <a:ea typeface="Arial Unicode MS" pitchFamily="34" charset="-128"/>
+              <a:cs typeface="Arial Unicode MS" pitchFamily="34" charset="-128"/>
+            </a:endParaRPr>
           </a:p>
         </p:txBody>
       </p:sp>
@@ -16371,12 +16379,16 @@
               <a:buSzPct val="80000"/>
             </a:pPr>
             <a:r>
-              <a:rPr lang="de-DE" sz="2400" b="1" kern="0" dirty="0">
+              <a:rPr lang="de-DE" sz="2400" b="1" kern="0" dirty="0" err="1">
                 <a:ea typeface="Arial Unicode MS" pitchFamily="34" charset="-128"/>
                 <a:cs typeface="Arial Unicode MS" pitchFamily="34" charset="-128"/>
               </a:rPr>
-              <a:t>Worker</a:t>
-            </a:r>
+              <a:t>Node</a:t>
+            </a:r>
+            <a:endParaRPr lang="de-DE" sz="2400" b="1" kern="0" dirty="0">
+              <a:ea typeface="Arial Unicode MS" pitchFamily="34" charset="-128"/>
+              <a:cs typeface="Arial Unicode MS" pitchFamily="34" charset="-128"/>
+            </a:endParaRPr>
           </a:p>
         </p:txBody>
       </p:sp>

--- a/kubernetes/01_k8s_core_components.pptx
+++ b/kubernetes/01_k8s_core_components.pptx
@@ -5825,7 +5825,7 @@
           </a:bodyPr>
           <a:lstStyle/>
           <a:p>
-            <a:endParaRPr lang="en-US"/>
+            <a:endParaRPr lang="en-US" dirty="0"/>
           </a:p>
         </p:txBody>
       </p:sp>
@@ -6691,6 +6691,12 @@
               <a:t> server to sync their activities.</a:t>
             </a:r>
           </a:p>
+          <a:p>
+            <a:endParaRPr lang="en-US" dirty="0"/>
+          </a:p>
+          <a:p>
+            <a:endParaRPr lang="en-US" dirty="0"/>
+          </a:p>
         </p:txBody>
       </p:sp>
       <p:sp>
@@ -7161,7 +7167,7 @@
             </a:r>
             <a:r>
               <a:rPr lang="en-US" dirty="0"/>
-              <a:t> monitors, if there are new pods to be scheduled on its worker note. If yes, it takes action</a:t>
+              <a:t> monitors, if there are new pods to be scheduled on its worker note. If yes, it takes action -&gt; start a container and update the pods status</a:t>
             </a:r>
           </a:p>
           <a:p>
@@ -9427,14 +9433,6 @@
 <file path=ppt/slideLayouts/slideLayout15.xml><?xml version="1.0" encoding="utf-8"?>
 <p:sldLayout xmlns:a="http://schemas.openxmlformats.org/drawingml/2006/main" xmlns:r="http://schemas.openxmlformats.org/officeDocument/2006/relationships" xmlns:p="http://schemas.openxmlformats.org/presentationml/2006/main" preserve="1" userDrawn="1">
   <p:cSld name="Quote">
-    <p:bg>
-      <p:bgPr>
-        <a:solidFill>
-          <a:schemeClr val="bg1"/>
-        </a:solidFill>
-        <a:effectLst/>
-      </p:bgPr>
-    </p:bg>
     <p:spTree>
       <p:nvGrpSpPr>
         <p:cNvPr id="1" name=""/>
@@ -14396,7 +14394,7 @@
       </p:ext>
     </p:extLst>
   </p:cSld>
-  <p:clrMap bg1="dk1" tx1="lt1" bg2="dk2" tx2="lt2" accent1="accent1" accent2="accent2" accent3="accent3" accent4="accent4" accent5="accent5" accent6="accent6" hlink="hlink" folHlink="folHlink"/>
+  <p:clrMap bg1="lt1" tx1="dk1" bg2="lt2" tx2="dk2" accent1="accent1" accent2="accent2" accent3="accent3" accent4="accent4" accent5="accent5" accent6="accent6" hlink="hlink" folHlink="folHlink"/>
   <p:sldLayoutIdLst>
     <p:sldLayoutId id="2147483772" r:id="rId1"/>
     <p:sldLayoutId id="2147483776" r:id="rId2"/>
@@ -14756,25 +14754,6 @@
       </p:sp>
       <p:pic>
         <p:nvPicPr>
-          <p:cNvPr id="3" name="Picture Placeholder 2"/>
-          <p:cNvPicPr>
-            <a:picLocks noGrp="1" noChangeAspect="1"/>
-          </p:cNvPicPr>
-          <p:nvPr>
-            <p:ph type="pic" sz="quarter" idx="12"/>
-          </p:nvPr>
-        </p:nvPicPr>
-        <p:blipFill>
-          <a:blip r:embed="rId3"/>
-          <a:srcRect t="3112" b="3112"/>
-          <a:stretch>
-            <a:fillRect/>
-          </a:stretch>
-        </p:blipFill>
-        <p:spPr/>
-      </p:pic>
-      <p:pic>
-        <p:nvPicPr>
           <p:cNvPr id="4" name="Picture 3" descr="cid:image003.png@01D31CC6.A08B1C50">
             <a:extLst>
               <a:ext uri="{FF2B5EF4-FFF2-40B4-BE49-F238E27FC236}">
@@ -14788,7 +14767,7 @@
           <p:nvPr/>
         </p:nvPicPr>
         <p:blipFill>
-          <a:blip r:embed="rId4">
+          <a:blip r:embed="rId3">
             <a:extLst>
               <a:ext uri="{28A0092B-C50C-407E-A947-70E740481C1C}">
                 <a14:useLocalDpi xmlns:a14="http://schemas.microsoft.com/office/drawing/2010/main" val="0"/>
@@ -14831,6 +14810,36 @@
               </a14:hiddenLine>
             </a:ext>
           </a:extLst>
+        </p:spPr>
+      </p:pic>
+      <p:pic>
+        <p:nvPicPr>
+          <p:cNvPr id="8" name="Illustration" descr="Example of an illustration" title="Illustration for title slide">
+            <a:extLst>
+              <a:ext uri="{FF2B5EF4-FFF2-40B4-BE49-F238E27FC236}">
+                <a16:creationId xmlns:a16="http://schemas.microsoft.com/office/drawing/2014/main" id="{B362110C-4DD5-47C8-8FF0-FA1FFDF42CBA}"/>
+              </a:ext>
+            </a:extLst>
+          </p:cNvPr>
+          <p:cNvPicPr>
+            <a:picLocks noGrp="1" noChangeAspect="1"/>
+          </p:cNvPicPr>
+          <p:nvPr>
+            <p:ph type="pic" sz="quarter" idx="12"/>
+          </p:nvPr>
+        </p:nvPicPr>
+        <p:blipFill>
+          <a:blip r:embed="rId4"/>
+          <a:srcRect t="3112" b="3112"/>
+          <a:stretch>
+            <a:fillRect/>
+          </a:stretch>
+        </p:blipFill>
+        <p:spPr bwMode="gray">
+          <a:xfrm>
+            <a:off x="1" y="0"/>
+            <a:ext cx="12195174" cy="3430006"/>
+          </a:xfrm>
         </p:spPr>
       </p:pic>
     </p:spTree>
@@ -16039,8 +16048,8 @@
           </a:prstGeom>
           <a:solidFill>
             <a:schemeClr val="accent1">
-              <a:lumMod val="60000"/>
-              <a:lumOff val="40000"/>
+              <a:lumMod val="40000"/>
+              <a:lumOff val="60000"/>
             </a:schemeClr>
           </a:solidFill>
           <a:ln>
@@ -16483,8 +16492,8 @@
           </a:prstGeom>
           <a:solidFill>
             <a:schemeClr val="accent1">
-              <a:lumMod val="60000"/>
-              <a:lumOff val="40000"/>
+              <a:lumMod val="40000"/>
+              <a:lumOff val="60000"/>
             </a:schemeClr>
           </a:solidFill>
           <a:ln>
@@ -16885,8 +16894,8 @@
             </a:prstGeom>
             <a:solidFill>
               <a:schemeClr val="accent1">
-                <a:lumMod val="60000"/>
-                <a:lumOff val="40000"/>
+                <a:lumMod val="40000"/>
+                <a:lumOff val="60000"/>
               </a:schemeClr>
             </a:solidFill>
             <a:ln>
@@ -17230,8 +17239,8 @@
             </a:prstGeom>
             <a:solidFill>
               <a:schemeClr val="accent1">
-                <a:lumMod val="60000"/>
-                <a:lumOff val="40000"/>
+                <a:lumMod val="40000"/>
+                <a:lumOff val="60000"/>
               </a:schemeClr>
             </a:solidFill>
             <a:ln>
@@ -17571,8 +17580,8 @@
             </a:prstGeom>
             <a:solidFill>
               <a:schemeClr val="accent1">
-                <a:lumMod val="60000"/>
-                <a:lumOff val="40000"/>
+                <a:lumMod val="40000"/>
+                <a:lumOff val="60000"/>
               </a:schemeClr>
             </a:solidFill>
             <a:ln>
@@ -17889,6 +17898,9 @@
               <a:gd name="adj2" fmla="val -18124"/>
             </a:avLst>
           </a:prstGeom>
+          <a:solidFill>
+            <a:schemeClr val="bg1"/>
+          </a:solidFill>
           <a:ln>
             <a:headEnd/>
             <a:tailEnd/>
@@ -17971,6 +17983,9 @@
               <a:gd name="adj2" fmla="val -18124"/>
             </a:avLst>
           </a:prstGeom>
+          <a:solidFill>
+            <a:schemeClr val="bg1"/>
+          </a:solidFill>
           <a:ln>
             <a:headEnd/>
             <a:tailEnd/>
@@ -18075,6 +18090,9 @@
               <a:gd name="adj2" fmla="val -18124"/>
             </a:avLst>
           </a:prstGeom>
+          <a:solidFill>
+            <a:schemeClr val="bg1"/>
+          </a:solidFill>
           <a:ln>
             <a:headEnd/>
             <a:tailEnd/>
@@ -18286,7 +18304,13 @@
       </p:sp>
       <p:pic>
         <p:nvPicPr>
-          <p:cNvPr id="6" name="Picture 5"/>
+          <p:cNvPr id="5" name="Picture 4">
+            <a:extLst>
+              <a:ext uri="{FF2B5EF4-FFF2-40B4-BE49-F238E27FC236}">
+                <a16:creationId xmlns:a16="http://schemas.microsoft.com/office/drawing/2014/main" id="{4AB17704-E39D-46CB-BEE7-FFC756CAC527}"/>
+              </a:ext>
+            </a:extLst>
+          </p:cNvPr>
           <p:cNvPicPr>
             <a:picLocks noChangeAspect="1"/>
           </p:cNvPicPr>
@@ -18300,12 +18324,17 @@
         </p:blipFill>
         <p:spPr>
           <a:xfrm>
-            <a:off x="7146599" y="1028700"/>
-            <a:ext cx="4375972" cy="4991475"/>
+            <a:off x="7622655" y="680850"/>
+            <a:ext cx="3380968" cy="5673150"/>
           </a:xfrm>
           <a:prstGeom prst="rect">
             <a:avLst/>
           </a:prstGeom>
+          <a:ln>
+            <a:solidFill>
+              <a:schemeClr val="tx1"/>
+            </a:solidFill>
+          </a:ln>
         </p:spPr>
       </p:pic>
     </p:spTree>
@@ -19936,10 +19965,10 @@
       </p:sp>
       <p:pic>
         <p:nvPicPr>
-          <p:cNvPr id="4" name="Picture 3">
+          <p:cNvPr id="5" name="Picture 4">
             <a:extLst>
               <a:ext uri="{FF2B5EF4-FFF2-40B4-BE49-F238E27FC236}">
-                <a16:creationId xmlns:a16="http://schemas.microsoft.com/office/drawing/2014/main" id="{BBBF5AFC-BB7A-49E4-A5D6-B4DFE49342CD}"/>
+                <a16:creationId xmlns:a16="http://schemas.microsoft.com/office/drawing/2014/main" id="{95D1CED9-14BE-466A-944F-C9B60E3B7FEC}"/>
               </a:ext>
             </a:extLst>
           </p:cNvPr>
@@ -19956,8 +19985,8 @@
         </p:blipFill>
         <p:spPr>
           <a:xfrm>
-            <a:off x="3849419" y="1181180"/>
-            <a:ext cx="4495640" cy="4495640"/>
+            <a:off x="3645157" y="976918"/>
+            <a:ext cx="4904163" cy="4904163"/>
           </a:xfrm>
           <a:prstGeom prst="rect">
             <a:avLst/>
@@ -21177,10 +21206,10 @@
       </p:sp>
       <p:pic>
         <p:nvPicPr>
-          <p:cNvPr id="7" name="Picture 6">
+          <p:cNvPr id="3" name="Picture 2">
             <a:extLst>
               <a:ext uri="{FF2B5EF4-FFF2-40B4-BE49-F238E27FC236}">
-                <a16:creationId xmlns:a16="http://schemas.microsoft.com/office/drawing/2014/main" id="{367A4D87-0666-44E5-8C96-AF3E0CB7BD37}"/>
+                <a16:creationId xmlns:a16="http://schemas.microsoft.com/office/drawing/2014/main" id="{A6E1FDAE-762B-44B5-8E07-45431B300399}"/>
               </a:ext>
             </a:extLst>
           </p:cNvPr>
@@ -21197,8 +21226,8 @@
         </p:blipFill>
         <p:spPr>
           <a:xfrm>
-            <a:off x="4076104" y="2228465"/>
-            <a:ext cx="4042966" cy="4042966"/>
+            <a:off x="4259082" y="2228465"/>
+            <a:ext cx="3677010" cy="3677010"/>
           </a:xfrm>
           <a:prstGeom prst="rect">
             <a:avLst/>
@@ -21265,10 +21294,10 @@
       </p:sp>
       <p:pic>
         <p:nvPicPr>
-          <p:cNvPr id="6" name="Picture 5">
+          <p:cNvPr id="4" name="Picture 3">
             <a:extLst>
               <a:ext uri="{FF2B5EF4-FFF2-40B4-BE49-F238E27FC236}">
-                <a16:creationId xmlns:a16="http://schemas.microsoft.com/office/drawing/2014/main" id="{6449D282-DC4E-4479-991B-68509FF3A710}"/>
+                <a16:creationId xmlns:a16="http://schemas.microsoft.com/office/drawing/2014/main" id="{007708F0-FA7C-4914-AEF1-2FD5F947DD7C}"/>
               </a:ext>
             </a:extLst>
           </p:cNvPr>
@@ -21285,8 +21314,8 @@
         </p:blipFill>
         <p:spPr>
           <a:xfrm>
-            <a:off x="4261672" y="1181180"/>
-            <a:ext cx="3773347" cy="3773347"/>
+            <a:off x="4011439" y="1343200"/>
+            <a:ext cx="4171599" cy="4171599"/>
           </a:xfrm>
           <a:prstGeom prst="rect">
             <a:avLst/>
@@ -25374,10 +25403,10 @@
       </p:sp>
       <p:pic>
         <p:nvPicPr>
-          <p:cNvPr id="6" name="Picture 5">
+          <p:cNvPr id="3" name="Picture 2">
             <a:extLst>
               <a:ext uri="{FF2B5EF4-FFF2-40B4-BE49-F238E27FC236}">
-                <a16:creationId xmlns:a16="http://schemas.microsoft.com/office/drawing/2014/main" id="{7945B63D-25A7-4D24-9CFC-9450019A143F}"/>
+                <a16:creationId xmlns:a16="http://schemas.microsoft.com/office/drawing/2014/main" id="{674D8C43-632A-4ACD-ABBA-576C0600B9C5}"/>
               </a:ext>
             </a:extLst>
           </p:cNvPr>
@@ -25394,8 +25423,8 @@
         </p:blipFill>
         <p:spPr>
           <a:xfrm>
-            <a:off x="4223549" y="2375910"/>
-            <a:ext cx="3748075" cy="3748075"/>
+            <a:off x="4191761" y="2355536"/>
+            <a:ext cx="3811652" cy="3811652"/>
           </a:xfrm>
           <a:prstGeom prst="rect">
             <a:avLst/>
@@ -25440,8 +25469,8 @@
         </p:nvSpPr>
         <p:spPr bwMode="gray">
           <a:xfrm>
-            <a:off x="7798503" y="1657349"/>
-            <a:ext cx="3703320" cy="3070860"/>
+            <a:off x="7449184" y="1832717"/>
+            <a:ext cx="4142483" cy="3070860"/>
           </a:xfrm>
           <a:prstGeom prst="rect">
             <a:avLst/>
@@ -25496,8 +25525,8 @@
         </p:nvSpPr>
         <p:spPr bwMode="gray">
           <a:xfrm>
-            <a:off x="7557392" y="2053590"/>
-            <a:ext cx="3703320" cy="3070860"/>
+            <a:off x="7208073" y="2053590"/>
+            <a:ext cx="4142483" cy="3070860"/>
           </a:xfrm>
           <a:prstGeom prst="rect">
             <a:avLst/>
@@ -25637,100 +25666,6 @@
               </a:rPr>
               <a:t>Master</a:t>
             </a:r>
-          </a:p>
-        </p:txBody>
-      </p:sp>
-      <p:sp>
-        <p:nvSpPr>
-          <p:cNvPr id="4" name="Rectangle 3"/>
-          <p:cNvSpPr/>
-          <p:nvPr/>
-        </p:nvSpPr>
-        <p:spPr bwMode="gray">
-          <a:xfrm>
-            <a:off x="1147891" y="3002280"/>
-            <a:ext cx="2415540" cy="845820"/>
-          </a:xfrm>
-          <a:prstGeom prst="rect">
-            <a:avLst/>
-          </a:prstGeom>
-          <a:ln>
-            <a:headEnd/>
-            <a:tailEnd/>
-          </a:ln>
-        </p:spPr>
-        <p:style>
-          <a:lnRef idx="2">
-            <a:schemeClr val="accent2">
-              <a:shade val="50000"/>
-            </a:schemeClr>
-          </a:lnRef>
-          <a:fillRef idx="1">
-            <a:schemeClr val="accent2"/>
-          </a:fillRef>
-          <a:effectRef idx="0">
-            <a:schemeClr val="accent2"/>
-          </a:effectRef>
-          <a:fontRef idx="minor">
-            <a:schemeClr val="lt1"/>
-          </a:fontRef>
-        </p:style>
-        <p:txBody>
-          <a:bodyPr lIns="90000" tIns="72000" rIns="90000" bIns="72000" rtlCol="0" anchor="ctr"/>
-          <a:lstStyle/>
-          <a:p>
-            <a:pPr marR="0" algn="ctr" defTabSz="914400" eaLnBrk="1" fontAlgn="base" latinLnBrk="0" hangingPunct="1">
-              <a:lnSpc>
-                <a:spcPct val="100000"/>
-              </a:lnSpc>
-              <a:spcBef>
-                <a:spcPct val="50000"/>
-              </a:spcBef>
-              <a:spcAft>
-                <a:spcPct val="0"/>
-              </a:spcAft>
-              <a:buClr>
-                <a:srgbClr val="F0AB00"/>
-              </a:buClr>
-              <a:buSzPct val="80000"/>
-              <a:tabLst/>
-            </a:pPr>
-            <a:r>
-              <a:rPr kumimoji="0" lang="de-DE" sz="1800" b="1" i="0" u="none" strike="noStrike" kern="0" cap="none" spc="0" normalizeH="0" baseline="0" noProof="0" dirty="0">
-                <a:ln>
-                  <a:noFill/>
-                </a:ln>
-                <a:effectLst/>
-                <a:uLnTx/>
-                <a:uFillTx/>
-                <a:ea typeface="Arial Unicode MS" pitchFamily="34" charset="-128"/>
-                <a:cs typeface="Arial Unicode MS" pitchFamily="34" charset="-128"/>
-              </a:rPr>
-              <a:t>API</a:t>
-            </a:r>
-            <a:r>
-              <a:rPr kumimoji="0" lang="de-DE" sz="1800" b="1" i="0" u="none" strike="noStrike" kern="0" cap="none" spc="0" normalizeH="0" noProof="0" dirty="0">
-                <a:ln>
-                  <a:noFill/>
-                </a:ln>
-                <a:effectLst/>
-                <a:uLnTx/>
-                <a:uFillTx/>
-                <a:ea typeface="Arial Unicode MS" pitchFamily="34" charset="-128"/>
-                <a:cs typeface="Arial Unicode MS" pitchFamily="34" charset="-128"/>
-              </a:rPr>
-              <a:t> Server</a:t>
-            </a:r>
-            <a:endParaRPr kumimoji="0" lang="de-DE" sz="1800" b="1" i="0" u="none" strike="noStrike" kern="0" cap="none" spc="0" normalizeH="0" baseline="0" noProof="0" dirty="0">
-              <a:ln>
-                <a:noFill/>
-              </a:ln>
-              <a:effectLst/>
-              <a:uLnTx/>
-              <a:uFillTx/>
-              <a:ea typeface="Arial Unicode MS" pitchFamily="34" charset="-128"/>
-              <a:cs typeface="Arial Unicode MS" pitchFamily="34" charset="-128"/>
-            </a:endParaRPr>
           </a:p>
         </p:txBody>
       </p:sp>
@@ -26374,8 +26309,8 @@
         </p:nvSpPr>
         <p:spPr bwMode="gray">
           <a:xfrm>
-            <a:off x="7316281" y="2560320"/>
-            <a:ext cx="3703320" cy="3070860"/>
+            <a:off x="6966962" y="2280863"/>
+            <a:ext cx="4142483" cy="3350317"/>
           </a:xfrm>
           <a:prstGeom prst="rect">
             <a:avLst/>
@@ -26433,8 +26368,8 @@
         </p:nvSpPr>
         <p:spPr bwMode="gray">
           <a:xfrm>
-            <a:off x="7445821" y="3805346"/>
-            <a:ext cx="3467358" cy="1653431"/>
+            <a:off x="7155812" y="3444087"/>
+            <a:ext cx="3757367" cy="2114703"/>
           </a:xfrm>
           <a:prstGeom prst="rect">
             <a:avLst/>
@@ -26468,7 +26403,7 @@
           <a:bodyPr lIns="90000" tIns="72000" rIns="90000" bIns="72000" rtlCol="0" anchor="b"/>
           <a:lstStyle/>
           <a:p>
-            <a:pPr marR="0" defTabSz="914400" eaLnBrk="1" fontAlgn="base" latinLnBrk="0" hangingPunct="1">
+            <a:pPr marR="0" algn="ctr" defTabSz="914400" eaLnBrk="1" fontAlgn="base" latinLnBrk="0" hangingPunct="1">
               <a:lnSpc>
                 <a:spcPct val="100000"/>
               </a:lnSpc>
@@ -26525,7 +26460,7 @@
         </p:nvSpPr>
         <p:spPr bwMode="gray">
           <a:xfrm>
-            <a:off x="7823552" y="3172886"/>
+            <a:off x="7484508" y="2782474"/>
             <a:ext cx="1237682" cy="434340"/>
           </a:xfrm>
           <a:prstGeom prst="rect">
@@ -26600,7 +26535,7 @@
         </p:nvSpPr>
         <p:spPr bwMode="gray">
           <a:xfrm>
-            <a:off x="7857403" y="4251482"/>
+            <a:off x="7518359" y="3840520"/>
             <a:ext cx="1208595" cy="773906"/>
           </a:xfrm>
           <a:prstGeom prst="rect">
@@ -26648,11 +26583,11 @@
               <a:tabLst/>
             </a:pPr>
             <a:r>
-              <a:rPr lang="de-DE" sz="1600" b="1" kern="0" noProof="0" dirty="0" err="1">
+              <a:rPr lang="de-DE" sz="1600" b="1" kern="0" noProof="0" dirty="0">
                 <a:ea typeface="Arial Unicode MS" pitchFamily="34" charset="-128"/>
                 <a:cs typeface="Arial Unicode MS" pitchFamily="34" charset="-128"/>
               </a:rPr>
-              <a:t>Pod</a:t>
+              <a:t>Container</a:t>
             </a:r>
             <a:endParaRPr kumimoji="0" lang="de-DE" sz="1600" b="1" i="0" u="none" strike="noStrike" kern="0" cap="none" spc="0" normalizeH="0" baseline="0" noProof="0" dirty="0">
               <a:ln>
@@ -26675,7 +26610,7 @@
         </p:nvSpPr>
         <p:spPr bwMode="gray">
           <a:xfrm>
-            <a:off x="9375019" y="4251482"/>
+            <a:off x="9375019" y="3840520"/>
             <a:ext cx="1208595" cy="773906"/>
           </a:xfrm>
           <a:prstGeom prst="rect">
@@ -26723,11 +26658,11 @@
               <a:tabLst/>
             </a:pPr>
             <a:r>
-              <a:rPr lang="de-DE" sz="1600" b="1" kern="0" noProof="0" dirty="0" err="1">
+              <a:rPr lang="de-DE" sz="1600" b="1" kern="0" noProof="0" dirty="0">
                 <a:ea typeface="Arial Unicode MS" pitchFamily="34" charset="-128"/>
                 <a:cs typeface="Arial Unicode MS" pitchFamily="34" charset="-128"/>
               </a:rPr>
-              <a:t>Pod</a:t>
+              <a:t>Container</a:t>
             </a:r>
             <a:endParaRPr kumimoji="0" lang="de-DE" sz="1600" b="1" i="0" u="none" strike="noStrike" kern="0" cap="none" spc="0" normalizeH="0" baseline="0" noProof="0" dirty="0">
               <a:ln>
@@ -26750,7 +26685,7 @@
         </p:nvSpPr>
         <p:spPr bwMode="gray">
           <a:xfrm>
-            <a:off x="9375019" y="3189077"/>
+            <a:off x="9360476" y="2788712"/>
             <a:ext cx="1237682" cy="434340"/>
           </a:xfrm>
           <a:prstGeom prst="rect">
@@ -26879,13 +26814,14 @@
           <p:cNvPr id="38" name="Straight Arrow Connector 37"/>
           <p:cNvCxnSpPr>
             <a:cxnSpLocks/>
+            <a:endCxn id="36" idx="0"/>
           </p:cNvCxnSpPr>
           <p:nvPr/>
         </p:nvCxnSpPr>
         <p:spPr>
-          <a:xfrm>
-            <a:off x="9993860" y="1319842"/>
-            <a:ext cx="0" cy="1869235"/>
+          <a:xfrm flipH="1">
+            <a:off x="9979317" y="1319842"/>
+            <a:ext cx="14544" cy="1468870"/>
           </a:xfrm>
           <a:prstGeom prst="straightConnector1">
             <a:avLst/>
@@ -26923,9 +26859,9 @@
           <p:nvPr/>
         </p:nvCxnSpPr>
         <p:spPr>
-          <a:xfrm flipH="1">
-            <a:off x="9979317" y="3623417"/>
-            <a:ext cx="14543" cy="628065"/>
+          <a:xfrm>
+            <a:off x="9979317" y="3223052"/>
+            <a:ext cx="0" cy="617468"/>
           </a:xfrm>
           <a:prstGeom prst="straightConnector1">
             <a:avLst/>
@@ -26964,8 +26900,8 @@
         </p:nvCxnSpPr>
         <p:spPr>
           <a:xfrm flipH="1">
-            <a:off x="8461701" y="3623417"/>
-            <a:ext cx="1532159" cy="628065"/>
+            <a:off x="8122657" y="3223052"/>
+            <a:ext cx="1856660" cy="617468"/>
           </a:xfrm>
           <a:prstGeom prst="straightConnector1">
             <a:avLst/>
@@ -27004,8 +26940,8 @@
         </p:nvCxnSpPr>
         <p:spPr>
           <a:xfrm>
-            <a:off x="8442393" y="3607226"/>
-            <a:ext cx="19308" cy="644256"/>
+            <a:off x="8103349" y="3216814"/>
+            <a:ext cx="19308" cy="623706"/>
           </a:xfrm>
           <a:prstGeom prst="straightConnector1">
             <a:avLst/>
@@ -27044,8 +26980,8 @@
         </p:nvCxnSpPr>
         <p:spPr>
           <a:xfrm>
-            <a:off x="8442393" y="3607226"/>
-            <a:ext cx="1536924" cy="644256"/>
+            <a:off x="8103349" y="3216814"/>
+            <a:ext cx="1875968" cy="623706"/>
           </a:xfrm>
           <a:prstGeom prst="straightConnector1">
             <a:avLst/>
@@ -27084,8 +27020,8 @@
         </p:nvCxnSpPr>
         <p:spPr>
           <a:xfrm flipH="1">
-            <a:off x="3563431" y="3390056"/>
-            <a:ext cx="4260121" cy="0"/>
+            <a:off x="3544584" y="2999644"/>
+            <a:ext cx="3939924" cy="20958"/>
           </a:xfrm>
           <a:prstGeom prst="straightConnector1">
             <a:avLst/>
@@ -27094,8 +27030,8 @@
             <a:solidFill>
               <a:schemeClr val="accent2"/>
             </a:solidFill>
-            <a:headEnd type="none" w="med" len="med"/>
-            <a:tailEnd type="triangle"/>
+            <a:headEnd type="triangle" w="med" len="med"/>
+            <a:tailEnd type="triangle" w="med" len="med"/>
           </a:ln>
         </p:spPr>
         <p:style>
@@ -27113,6 +27049,234 @@
           </a:fontRef>
         </p:style>
       </p:cxnSp>
+      <p:sp>
+        <p:nvSpPr>
+          <p:cNvPr id="2" name="Rectangle: Rounded Corners 1">
+            <a:extLst>
+              <a:ext uri="{FF2B5EF4-FFF2-40B4-BE49-F238E27FC236}">
+                <a16:creationId xmlns:a16="http://schemas.microsoft.com/office/drawing/2014/main" id="{2A37C6D0-F857-43F3-9FFE-BF75EF04DD52}"/>
+              </a:ext>
+            </a:extLst>
+          </p:cNvPr>
+          <p:cNvSpPr/>
+          <p:nvPr/>
+        </p:nvSpPr>
+        <p:spPr bwMode="gray">
+          <a:xfrm>
+            <a:off x="7421347" y="3639487"/>
+            <a:ext cx="1402246" cy="1403553"/>
+          </a:xfrm>
+          <a:prstGeom prst="roundRect">
+            <a:avLst/>
+          </a:prstGeom>
+          <a:noFill/>
+          <a:ln w="19050" algn="ctr">
+            <a:solidFill>
+              <a:schemeClr val="tx1"/>
+            </a:solidFill>
+            <a:prstDash val="dash"/>
+            <a:miter lim="800000"/>
+            <a:headEnd/>
+            <a:tailEnd/>
+          </a:ln>
+        </p:spPr>
+        <p:txBody>
+          <a:bodyPr lIns="90000" tIns="72000" rIns="90000" bIns="72000" rtlCol="0" anchor="b"/>
+          <a:lstStyle/>
+          <a:p>
+            <a:pPr marR="0" algn="ctr" defTabSz="914400" eaLnBrk="1" fontAlgn="base" latinLnBrk="0" hangingPunct="1">
+              <a:lnSpc>
+                <a:spcPct val="100000"/>
+              </a:lnSpc>
+              <a:spcBef>
+                <a:spcPct val="50000"/>
+              </a:spcBef>
+              <a:spcAft>
+                <a:spcPct val="0"/>
+              </a:spcAft>
+              <a:buClr>
+                <a:srgbClr val="F0AB00"/>
+              </a:buClr>
+              <a:buSzPct val="80000"/>
+              <a:tabLst/>
+            </a:pPr>
+            <a:r>
+              <a:rPr kumimoji="0" lang="en-US" sz="1800" b="0" i="0" u="none" strike="noStrike" kern="0" cap="none" spc="0" normalizeH="0" baseline="0" noProof="0" dirty="0">
+                <a:ln>
+                  <a:noFill/>
+                </a:ln>
+                <a:effectLst/>
+                <a:uLnTx/>
+                <a:uFillTx/>
+                <a:ea typeface="Arial Unicode MS" pitchFamily="34" charset="-128"/>
+                <a:cs typeface="Arial Unicode MS" pitchFamily="34" charset="-128"/>
+              </a:rPr>
+              <a:t>Pod</a:t>
+            </a:r>
+          </a:p>
+        </p:txBody>
+      </p:sp>
+      <p:sp>
+        <p:nvSpPr>
+          <p:cNvPr id="4" name="Rectangle 3"/>
+          <p:cNvSpPr/>
+          <p:nvPr/>
+        </p:nvSpPr>
+        <p:spPr bwMode="gray">
+          <a:xfrm>
+            <a:off x="1147891" y="2981732"/>
+            <a:ext cx="2415540" cy="845820"/>
+          </a:xfrm>
+          <a:prstGeom prst="rect">
+            <a:avLst/>
+          </a:prstGeom>
+          <a:ln>
+            <a:headEnd/>
+            <a:tailEnd/>
+          </a:ln>
+        </p:spPr>
+        <p:style>
+          <a:lnRef idx="2">
+            <a:schemeClr val="accent2">
+              <a:shade val="50000"/>
+            </a:schemeClr>
+          </a:lnRef>
+          <a:fillRef idx="1">
+            <a:schemeClr val="accent2"/>
+          </a:fillRef>
+          <a:effectRef idx="0">
+            <a:schemeClr val="accent2"/>
+          </a:effectRef>
+          <a:fontRef idx="minor">
+            <a:schemeClr val="lt1"/>
+          </a:fontRef>
+        </p:style>
+        <p:txBody>
+          <a:bodyPr lIns="90000" tIns="72000" rIns="90000" bIns="72000" rtlCol="0" anchor="ctr"/>
+          <a:lstStyle/>
+          <a:p>
+            <a:pPr marR="0" algn="ctr" defTabSz="914400" eaLnBrk="1" fontAlgn="base" latinLnBrk="0" hangingPunct="1">
+              <a:lnSpc>
+                <a:spcPct val="100000"/>
+              </a:lnSpc>
+              <a:spcBef>
+                <a:spcPct val="50000"/>
+              </a:spcBef>
+              <a:spcAft>
+                <a:spcPct val="0"/>
+              </a:spcAft>
+              <a:buClr>
+                <a:srgbClr val="F0AB00"/>
+              </a:buClr>
+              <a:buSzPct val="80000"/>
+              <a:tabLst/>
+            </a:pPr>
+            <a:r>
+              <a:rPr kumimoji="0" lang="de-DE" sz="1800" b="1" i="0" u="none" strike="noStrike" kern="0" cap="none" spc="0" normalizeH="0" baseline="0" noProof="0" dirty="0">
+                <a:ln>
+                  <a:noFill/>
+                </a:ln>
+                <a:effectLst/>
+                <a:uLnTx/>
+                <a:uFillTx/>
+                <a:ea typeface="Arial Unicode MS" pitchFamily="34" charset="-128"/>
+                <a:cs typeface="Arial Unicode MS" pitchFamily="34" charset="-128"/>
+              </a:rPr>
+              <a:t>API</a:t>
+            </a:r>
+            <a:r>
+              <a:rPr kumimoji="0" lang="de-DE" sz="1800" b="1" i="0" u="none" strike="noStrike" kern="0" cap="none" spc="0" normalizeH="0" noProof="0" dirty="0">
+                <a:ln>
+                  <a:noFill/>
+                </a:ln>
+                <a:effectLst/>
+                <a:uLnTx/>
+                <a:uFillTx/>
+                <a:ea typeface="Arial Unicode MS" pitchFamily="34" charset="-128"/>
+                <a:cs typeface="Arial Unicode MS" pitchFamily="34" charset="-128"/>
+              </a:rPr>
+              <a:t> Server</a:t>
+            </a:r>
+            <a:endParaRPr kumimoji="0" lang="de-DE" sz="1800" b="1" i="0" u="none" strike="noStrike" kern="0" cap="none" spc="0" normalizeH="0" baseline="0" noProof="0" dirty="0">
+              <a:ln>
+                <a:noFill/>
+              </a:ln>
+              <a:effectLst/>
+              <a:uLnTx/>
+              <a:uFillTx/>
+              <a:ea typeface="Arial Unicode MS" pitchFamily="34" charset="-128"/>
+              <a:cs typeface="Arial Unicode MS" pitchFamily="34" charset="-128"/>
+            </a:endParaRPr>
+          </a:p>
+        </p:txBody>
+      </p:sp>
+      <p:sp>
+        <p:nvSpPr>
+          <p:cNvPr id="45" name="Rectangle: Rounded Corners 44">
+            <a:extLst>
+              <a:ext uri="{FF2B5EF4-FFF2-40B4-BE49-F238E27FC236}">
+                <a16:creationId xmlns:a16="http://schemas.microsoft.com/office/drawing/2014/main" id="{6A1B9FB8-E0C7-4972-AB85-18F2C06E6708}"/>
+              </a:ext>
+            </a:extLst>
+          </p:cNvPr>
+          <p:cNvSpPr/>
+          <p:nvPr/>
+        </p:nvSpPr>
+        <p:spPr bwMode="gray">
+          <a:xfrm>
+            <a:off x="9292738" y="3636368"/>
+            <a:ext cx="1402246" cy="1403553"/>
+          </a:xfrm>
+          <a:prstGeom prst="roundRect">
+            <a:avLst/>
+          </a:prstGeom>
+          <a:noFill/>
+          <a:ln w="19050" algn="ctr">
+            <a:solidFill>
+              <a:schemeClr val="tx1"/>
+            </a:solidFill>
+            <a:prstDash val="dash"/>
+            <a:miter lim="800000"/>
+            <a:headEnd/>
+            <a:tailEnd/>
+          </a:ln>
+        </p:spPr>
+        <p:txBody>
+          <a:bodyPr lIns="90000" tIns="72000" rIns="90000" bIns="72000" rtlCol="0" anchor="b"/>
+          <a:lstStyle/>
+          <a:p>
+            <a:pPr marR="0" algn="ctr" defTabSz="914400" eaLnBrk="1" fontAlgn="base" latinLnBrk="0" hangingPunct="1">
+              <a:lnSpc>
+                <a:spcPct val="100000"/>
+              </a:lnSpc>
+              <a:spcBef>
+                <a:spcPct val="50000"/>
+              </a:spcBef>
+              <a:spcAft>
+                <a:spcPct val="0"/>
+              </a:spcAft>
+              <a:buClr>
+                <a:srgbClr val="F0AB00"/>
+              </a:buClr>
+              <a:buSzPct val="80000"/>
+              <a:tabLst/>
+            </a:pPr>
+            <a:r>
+              <a:rPr kumimoji="0" lang="en-US" sz="1800" b="0" i="0" u="none" strike="noStrike" kern="0" cap="none" spc="0" normalizeH="0" baseline="0" noProof="0" dirty="0">
+                <a:ln>
+                  <a:noFill/>
+                </a:ln>
+                <a:effectLst/>
+                <a:uLnTx/>
+                <a:uFillTx/>
+                <a:ea typeface="Arial Unicode MS" pitchFamily="34" charset="-128"/>
+                <a:cs typeface="Arial Unicode MS" pitchFamily="34" charset="-128"/>
+              </a:rPr>
+              <a:t>Pod</a:t>
+            </a:r>
+          </a:p>
+        </p:txBody>
+      </p:sp>
     </p:spTree>
     <p:extLst>
       <p:ext uri="{BB962C8B-B14F-4D97-AF65-F5344CB8AC3E}">
@@ -27740,7 +27904,7 @@
         </p:nvSpPr>
         <p:spPr bwMode="gray">
           <a:xfrm>
-            <a:off x="1147891" y="3002280"/>
+            <a:off x="1147891" y="2950910"/>
             <a:ext cx="2415540" cy="845820"/>
           </a:xfrm>
           <a:prstGeom prst="rect">
@@ -28523,11 +28687,11 @@
               <a:tabLst/>
             </a:pPr>
             <a:r>
-              <a:rPr lang="de-DE" sz="1600" b="1" kern="0" noProof="0" dirty="0" err="1">
+              <a:rPr lang="de-DE" sz="1600" b="1" kern="0" noProof="0" dirty="0">
                 <a:ea typeface="Arial Unicode MS" pitchFamily="34" charset="-128"/>
                 <a:cs typeface="Arial Unicode MS" pitchFamily="34" charset="-128"/>
               </a:rPr>
-              <a:t>Pod</a:t>
+              <a:t>Container</a:t>
             </a:r>
             <a:endParaRPr kumimoji="0" lang="de-DE" sz="1600" b="1" i="0" u="none" strike="noStrike" kern="0" cap="none" spc="0" normalizeH="0" baseline="0" noProof="0" dirty="0">
               <a:ln>
@@ -28598,11 +28762,11 @@
               <a:tabLst/>
             </a:pPr>
             <a:r>
-              <a:rPr lang="de-DE" sz="1600" b="1" kern="0" noProof="0" dirty="0" err="1">
+              <a:rPr lang="de-DE" sz="1600" b="1" kern="0" noProof="0" dirty="0">
                 <a:ea typeface="Arial Unicode MS" pitchFamily="34" charset="-128"/>
                 <a:cs typeface="Arial Unicode MS" pitchFamily="34" charset="-128"/>
               </a:rPr>
-              <a:t>Pod</a:t>
+              <a:t>Container</a:t>
             </a:r>
             <a:endParaRPr kumimoji="0" lang="de-DE" sz="1600" b="1" i="0" u="none" strike="noStrike" kern="0" cap="none" spc="0" normalizeH="0" baseline="0" noProof="0" dirty="0">
               <a:ln>
@@ -28891,47 +29055,6 @@
           </a:fontRef>
         </p:style>
       </p:cxnSp>
-      <p:cxnSp>
-        <p:nvCxnSpPr>
-          <p:cNvPr id="25" name="Straight Arrow Connector 24"/>
-          <p:cNvCxnSpPr>
-            <a:cxnSpLocks/>
-            <a:stCxn id="4" idx="3"/>
-            <a:endCxn id="32" idx="1"/>
-          </p:cNvCxnSpPr>
-          <p:nvPr/>
-        </p:nvCxnSpPr>
-        <p:spPr>
-          <a:xfrm flipV="1">
-            <a:off x="3563431" y="3390056"/>
-            <a:ext cx="4260121" cy="35134"/>
-          </a:xfrm>
-          <a:prstGeom prst="straightConnector1">
-            <a:avLst/>
-          </a:prstGeom>
-          <a:ln w="57150">
-            <a:solidFill>
-              <a:schemeClr val="accent1"/>
-            </a:solidFill>
-            <a:headEnd type="triangle"/>
-            <a:tailEnd type="triangle"/>
-          </a:ln>
-        </p:spPr>
-        <p:style>
-          <a:lnRef idx="1">
-            <a:schemeClr val="accent1"/>
-          </a:lnRef>
-          <a:fillRef idx="0">
-            <a:schemeClr val="accent1"/>
-          </a:fillRef>
-          <a:effectRef idx="0">
-            <a:schemeClr val="accent1"/>
-          </a:effectRef>
-          <a:fontRef idx="minor">
-            <a:schemeClr val="tx1"/>
-          </a:fontRef>
-        </p:style>
-      </p:cxnSp>
       <p:sp>
         <p:nvSpPr>
           <p:cNvPr id="26" name="Rectangle 25">
@@ -29098,7 +29221,7 @@
         </p:nvCxnSpPr>
         <p:spPr>
           <a:xfrm>
-            <a:off x="3563431" y="3425190"/>
+            <a:off x="3563431" y="3373820"/>
             <a:ext cx="532163" cy="666976"/>
           </a:xfrm>
           <a:prstGeom prst="straightConnector1">
@@ -29121,6 +29244,759 @@
           </a:fillRef>
           <a:effectRef idx="0">
             <a:schemeClr val="accent2"/>
+          </a:effectRef>
+          <a:fontRef idx="minor">
+            <a:schemeClr val="tx1"/>
+          </a:fontRef>
+        </p:style>
+      </p:cxnSp>
+      <p:sp>
+        <p:nvSpPr>
+          <p:cNvPr id="33" name="Rectangle 32">
+            <a:extLst>
+              <a:ext uri="{FF2B5EF4-FFF2-40B4-BE49-F238E27FC236}">
+                <a16:creationId xmlns:a16="http://schemas.microsoft.com/office/drawing/2014/main" id="{87CF6B3A-EC01-4B8F-BF08-4EA147BCB724}"/>
+              </a:ext>
+            </a:extLst>
+          </p:cNvPr>
+          <p:cNvSpPr/>
+          <p:nvPr/>
+        </p:nvSpPr>
+        <p:spPr bwMode="gray">
+          <a:xfrm>
+            <a:off x="6966962" y="2280863"/>
+            <a:ext cx="4142483" cy="3350317"/>
+          </a:xfrm>
+          <a:prstGeom prst="rect">
+            <a:avLst/>
+          </a:prstGeom>
+          <a:ln>
+            <a:headEnd/>
+            <a:tailEnd/>
+          </a:ln>
+        </p:spPr>
+        <p:style>
+          <a:lnRef idx="1">
+            <a:schemeClr val="accent2"/>
+          </a:lnRef>
+          <a:fillRef idx="2">
+            <a:schemeClr val="accent2"/>
+          </a:fillRef>
+          <a:effectRef idx="1">
+            <a:schemeClr val="accent2"/>
+          </a:effectRef>
+          <a:fontRef idx="minor">
+            <a:schemeClr val="dk1"/>
+          </a:fontRef>
+        </p:style>
+        <p:txBody>
+          <a:bodyPr lIns="90000" tIns="72000" rIns="90000" bIns="72000" rtlCol="0" anchor="t"/>
+          <a:lstStyle/>
+          <a:p>
+            <a:pPr algn="ctr" defTabSz="914400" fontAlgn="base">
+              <a:spcBef>
+                <a:spcPct val="50000"/>
+              </a:spcBef>
+              <a:spcAft>
+                <a:spcPct val="0"/>
+              </a:spcAft>
+              <a:buClr>
+                <a:srgbClr val="F0AB00"/>
+              </a:buClr>
+              <a:buSzPct val="80000"/>
+            </a:pPr>
+            <a:r>
+              <a:rPr lang="de-DE" sz="2400" b="1" kern="0" dirty="0">
+                <a:ea typeface="Arial Unicode MS" pitchFamily="34" charset="-128"/>
+                <a:cs typeface="Arial Unicode MS" pitchFamily="34" charset="-128"/>
+              </a:rPr>
+              <a:t>Nodes</a:t>
+            </a:r>
+          </a:p>
+        </p:txBody>
+      </p:sp>
+      <p:sp>
+        <p:nvSpPr>
+          <p:cNvPr id="37" name="Rectangle 36">
+            <a:extLst>
+              <a:ext uri="{FF2B5EF4-FFF2-40B4-BE49-F238E27FC236}">
+                <a16:creationId xmlns:a16="http://schemas.microsoft.com/office/drawing/2014/main" id="{DF9A87C0-2943-4372-A5D2-4C300C83D39D}"/>
+              </a:ext>
+            </a:extLst>
+          </p:cNvPr>
+          <p:cNvSpPr/>
+          <p:nvPr/>
+        </p:nvSpPr>
+        <p:spPr bwMode="gray">
+          <a:xfrm>
+            <a:off x="7155812" y="3444087"/>
+            <a:ext cx="3757367" cy="2114703"/>
+          </a:xfrm>
+          <a:prstGeom prst="rect">
+            <a:avLst/>
+          </a:prstGeom>
+          <a:solidFill>
+            <a:schemeClr val="accent1">
+              <a:lumMod val="60000"/>
+              <a:lumOff val="40000"/>
+            </a:schemeClr>
+          </a:solidFill>
+          <a:ln>
+            <a:headEnd/>
+            <a:tailEnd/>
+          </a:ln>
+        </p:spPr>
+        <p:style>
+          <a:lnRef idx="1">
+            <a:schemeClr val="accent1"/>
+          </a:lnRef>
+          <a:fillRef idx="2">
+            <a:schemeClr val="accent1"/>
+          </a:fillRef>
+          <a:effectRef idx="1">
+            <a:schemeClr val="accent1"/>
+          </a:effectRef>
+          <a:fontRef idx="minor">
+            <a:schemeClr val="dk1"/>
+          </a:fontRef>
+        </p:style>
+        <p:txBody>
+          <a:bodyPr lIns="90000" tIns="72000" rIns="90000" bIns="72000" rtlCol="0" anchor="b"/>
+          <a:lstStyle/>
+          <a:p>
+            <a:pPr marR="0" algn="ctr" defTabSz="914400" eaLnBrk="1" fontAlgn="base" latinLnBrk="0" hangingPunct="1">
+              <a:lnSpc>
+                <a:spcPct val="100000"/>
+              </a:lnSpc>
+              <a:spcBef>
+                <a:spcPct val="50000"/>
+              </a:spcBef>
+              <a:spcAft>
+                <a:spcPct val="0"/>
+              </a:spcAft>
+              <a:buClr>
+                <a:srgbClr val="F0AB00"/>
+              </a:buClr>
+              <a:buSzPct val="80000"/>
+              <a:tabLst/>
+            </a:pPr>
+            <a:r>
+              <a:rPr lang="de-DE" sz="2000" b="1" kern="0" noProof="0" dirty="0">
+                <a:ea typeface="Arial Unicode MS" pitchFamily="34" charset="-128"/>
+                <a:cs typeface="Arial Unicode MS" pitchFamily="34" charset="-128"/>
+              </a:rPr>
+              <a:t>D</a:t>
+            </a:r>
+            <a:r>
+              <a:rPr kumimoji="0" lang="de-DE" sz="2000" b="1" i="0" strike="noStrike" kern="0" cap="none" spc="0" normalizeH="0" baseline="0" noProof="0" dirty="0">
+                <a:ln>
+                  <a:noFill/>
+                </a:ln>
+                <a:effectLst/>
+                <a:uLnTx/>
+                <a:uFillTx/>
+                <a:ea typeface="Arial Unicode MS" pitchFamily="34" charset="-128"/>
+                <a:cs typeface="Arial Unicode MS" pitchFamily="34" charset="-128"/>
+              </a:rPr>
+              <a:t>ocker</a:t>
+            </a:r>
+            <a:endParaRPr kumimoji="0" lang="de-DE" sz="2400" b="1" i="0" strike="noStrike" kern="0" cap="none" spc="0" normalizeH="0" baseline="0" noProof="0" dirty="0">
+              <a:ln>
+                <a:noFill/>
+              </a:ln>
+              <a:effectLst/>
+              <a:uLnTx/>
+              <a:uFillTx/>
+              <a:ea typeface="Arial Unicode MS" pitchFamily="34" charset="-128"/>
+              <a:cs typeface="Arial Unicode MS" pitchFamily="34" charset="-128"/>
+            </a:endParaRPr>
+          </a:p>
+        </p:txBody>
+      </p:sp>
+      <p:sp>
+        <p:nvSpPr>
+          <p:cNvPr id="38" name="Rectangle 37">
+            <a:extLst>
+              <a:ext uri="{FF2B5EF4-FFF2-40B4-BE49-F238E27FC236}">
+                <a16:creationId xmlns:a16="http://schemas.microsoft.com/office/drawing/2014/main" id="{51359FDF-4DC2-46E3-A282-F78B91475E8E}"/>
+              </a:ext>
+            </a:extLst>
+          </p:cNvPr>
+          <p:cNvSpPr/>
+          <p:nvPr/>
+        </p:nvSpPr>
+        <p:spPr bwMode="gray">
+          <a:xfrm>
+            <a:off x="7484508" y="2782474"/>
+            <a:ext cx="1237682" cy="434340"/>
+          </a:xfrm>
+          <a:prstGeom prst="rect">
+            <a:avLst/>
+          </a:prstGeom>
+          <a:ln>
+            <a:headEnd/>
+            <a:tailEnd/>
+          </a:ln>
+        </p:spPr>
+        <p:style>
+          <a:lnRef idx="2">
+            <a:schemeClr val="accent2">
+              <a:shade val="50000"/>
+            </a:schemeClr>
+          </a:lnRef>
+          <a:fillRef idx="1">
+            <a:schemeClr val="accent2"/>
+          </a:fillRef>
+          <a:effectRef idx="0">
+            <a:schemeClr val="accent2"/>
+          </a:effectRef>
+          <a:fontRef idx="minor">
+            <a:schemeClr val="lt1"/>
+          </a:fontRef>
+        </p:style>
+        <p:txBody>
+          <a:bodyPr lIns="90000" tIns="72000" rIns="90000" bIns="72000" rtlCol="0" anchor="ctr"/>
+          <a:lstStyle/>
+          <a:p>
+            <a:pPr marR="0" algn="ctr" defTabSz="914400" eaLnBrk="1" fontAlgn="base" latinLnBrk="0" hangingPunct="1">
+              <a:lnSpc>
+                <a:spcPct val="100000"/>
+              </a:lnSpc>
+              <a:spcBef>
+                <a:spcPct val="50000"/>
+              </a:spcBef>
+              <a:spcAft>
+                <a:spcPct val="0"/>
+              </a:spcAft>
+              <a:buClr>
+                <a:srgbClr val="F0AB00"/>
+              </a:buClr>
+              <a:buSzPct val="80000"/>
+              <a:tabLst/>
+            </a:pPr>
+            <a:r>
+              <a:rPr lang="de-DE" sz="1600" kern="0" dirty="0" err="1">
+                <a:ea typeface="Arial Unicode MS" pitchFamily="34" charset="-128"/>
+                <a:cs typeface="Arial Unicode MS" pitchFamily="34" charset="-128"/>
+              </a:rPr>
+              <a:t>kubelet</a:t>
+            </a:r>
+            <a:endParaRPr kumimoji="0" lang="de-DE" sz="1600" i="0" u="none" strike="noStrike" kern="0" cap="none" spc="0" normalizeH="0" baseline="0" noProof="0" dirty="0">
+              <a:ln>
+                <a:noFill/>
+              </a:ln>
+              <a:effectLst/>
+              <a:uLnTx/>
+              <a:uFillTx/>
+              <a:ea typeface="Arial Unicode MS" pitchFamily="34" charset="-128"/>
+              <a:cs typeface="Arial Unicode MS" pitchFamily="34" charset="-128"/>
+            </a:endParaRPr>
+          </a:p>
+        </p:txBody>
+      </p:sp>
+      <p:sp>
+        <p:nvSpPr>
+          <p:cNvPr id="39" name="Rectangle 38">
+            <a:extLst>
+              <a:ext uri="{FF2B5EF4-FFF2-40B4-BE49-F238E27FC236}">
+                <a16:creationId xmlns:a16="http://schemas.microsoft.com/office/drawing/2014/main" id="{1C887E78-8D2B-41DD-A394-D0B85AEAE0EB}"/>
+              </a:ext>
+            </a:extLst>
+          </p:cNvPr>
+          <p:cNvSpPr/>
+          <p:nvPr/>
+        </p:nvSpPr>
+        <p:spPr bwMode="gray">
+          <a:xfrm>
+            <a:off x="7518359" y="3840520"/>
+            <a:ext cx="1208595" cy="773906"/>
+          </a:xfrm>
+          <a:prstGeom prst="rect">
+            <a:avLst/>
+          </a:prstGeom>
+          <a:ln>
+            <a:headEnd/>
+            <a:tailEnd/>
+          </a:ln>
+        </p:spPr>
+        <p:style>
+          <a:lnRef idx="2">
+            <a:schemeClr val="accent2">
+              <a:shade val="50000"/>
+            </a:schemeClr>
+          </a:lnRef>
+          <a:fillRef idx="1">
+            <a:schemeClr val="accent2"/>
+          </a:fillRef>
+          <a:effectRef idx="0">
+            <a:schemeClr val="accent2"/>
+          </a:effectRef>
+          <a:fontRef idx="minor">
+            <a:schemeClr val="lt1"/>
+          </a:fontRef>
+        </p:style>
+        <p:txBody>
+          <a:bodyPr lIns="90000" tIns="72000" rIns="90000" bIns="72000" rtlCol="0" anchor="ctr"/>
+          <a:lstStyle/>
+          <a:p>
+            <a:pPr marR="0" algn="ctr" defTabSz="914400" eaLnBrk="1" fontAlgn="base" latinLnBrk="0" hangingPunct="1">
+              <a:lnSpc>
+                <a:spcPct val="100000"/>
+              </a:lnSpc>
+              <a:spcBef>
+                <a:spcPct val="50000"/>
+              </a:spcBef>
+              <a:spcAft>
+                <a:spcPct val="0"/>
+              </a:spcAft>
+              <a:buClr>
+                <a:srgbClr val="F0AB00"/>
+              </a:buClr>
+              <a:buSzPct val="80000"/>
+              <a:tabLst/>
+            </a:pPr>
+            <a:r>
+              <a:rPr lang="de-DE" sz="1600" b="1" kern="0" noProof="0" dirty="0">
+                <a:ea typeface="Arial Unicode MS" pitchFamily="34" charset="-128"/>
+                <a:cs typeface="Arial Unicode MS" pitchFamily="34" charset="-128"/>
+              </a:rPr>
+              <a:t>Container</a:t>
+            </a:r>
+            <a:endParaRPr kumimoji="0" lang="de-DE" sz="1600" b="1" i="0" u="none" strike="noStrike" kern="0" cap="none" spc="0" normalizeH="0" baseline="0" noProof="0" dirty="0">
+              <a:ln>
+                <a:noFill/>
+              </a:ln>
+              <a:effectLst/>
+              <a:uLnTx/>
+              <a:uFillTx/>
+              <a:ea typeface="Arial Unicode MS" pitchFamily="34" charset="-128"/>
+              <a:cs typeface="Arial Unicode MS" pitchFamily="34" charset="-128"/>
+            </a:endParaRPr>
+          </a:p>
+        </p:txBody>
+      </p:sp>
+      <p:sp>
+        <p:nvSpPr>
+          <p:cNvPr id="40" name="Rectangle 39">
+            <a:extLst>
+              <a:ext uri="{FF2B5EF4-FFF2-40B4-BE49-F238E27FC236}">
+                <a16:creationId xmlns:a16="http://schemas.microsoft.com/office/drawing/2014/main" id="{6B8FC342-06C9-45FE-B51F-1D6F3BAC05C9}"/>
+              </a:ext>
+            </a:extLst>
+          </p:cNvPr>
+          <p:cNvSpPr/>
+          <p:nvPr/>
+        </p:nvSpPr>
+        <p:spPr bwMode="gray">
+          <a:xfrm>
+            <a:off x="9375019" y="3840520"/>
+            <a:ext cx="1208595" cy="773906"/>
+          </a:xfrm>
+          <a:prstGeom prst="rect">
+            <a:avLst/>
+          </a:prstGeom>
+          <a:ln>
+            <a:headEnd/>
+            <a:tailEnd/>
+          </a:ln>
+        </p:spPr>
+        <p:style>
+          <a:lnRef idx="2">
+            <a:schemeClr val="accent2">
+              <a:shade val="50000"/>
+            </a:schemeClr>
+          </a:lnRef>
+          <a:fillRef idx="1">
+            <a:schemeClr val="accent2"/>
+          </a:fillRef>
+          <a:effectRef idx="0">
+            <a:schemeClr val="accent2"/>
+          </a:effectRef>
+          <a:fontRef idx="minor">
+            <a:schemeClr val="lt1"/>
+          </a:fontRef>
+        </p:style>
+        <p:txBody>
+          <a:bodyPr lIns="90000" tIns="72000" rIns="90000" bIns="72000" rtlCol="0" anchor="ctr"/>
+          <a:lstStyle/>
+          <a:p>
+            <a:pPr marR="0" algn="ctr" defTabSz="914400" eaLnBrk="1" fontAlgn="base" latinLnBrk="0" hangingPunct="1">
+              <a:lnSpc>
+                <a:spcPct val="100000"/>
+              </a:lnSpc>
+              <a:spcBef>
+                <a:spcPct val="50000"/>
+              </a:spcBef>
+              <a:spcAft>
+                <a:spcPct val="0"/>
+              </a:spcAft>
+              <a:buClr>
+                <a:srgbClr val="F0AB00"/>
+              </a:buClr>
+              <a:buSzPct val="80000"/>
+              <a:tabLst/>
+            </a:pPr>
+            <a:r>
+              <a:rPr lang="de-DE" sz="1600" b="1" kern="0" noProof="0" dirty="0">
+                <a:ea typeface="Arial Unicode MS" pitchFamily="34" charset="-128"/>
+                <a:cs typeface="Arial Unicode MS" pitchFamily="34" charset="-128"/>
+              </a:rPr>
+              <a:t>Container</a:t>
+            </a:r>
+            <a:endParaRPr kumimoji="0" lang="de-DE" sz="1600" b="1" i="0" u="none" strike="noStrike" kern="0" cap="none" spc="0" normalizeH="0" baseline="0" noProof="0" dirty="0">
+              <a:ln>
+                <a:noFill/>
+              </a:ln>
+              <a:effectLst/>
+              <a:uLnTx/>
+              <a:uFillTx/>
+              <a:ea typeface="Arial Unicode MS" pitchFamily="34" charset="-128"/>
+              <a:cs typeface="Arial Unicode MS" pitchFamily="34" charset="-128"/>
+            </a:endParaRPr>
+          </a:p>
+        </p:txBody>
+      </p:sp>
+      <p:sp>
+        <p:nvSpPr>
+          <p:cNvPr id="41" name="Rectangle 40">
+            <a:extLst>
+              <a:ext uri="{FF2B5EF4-FFF2-40B4-BE49-F238E27FC236}">
+                <a16:creationId xmlns:a16="http://schemas.microsoft.com/office/drawing/2014/main" id="{191F07E6-1C1C-441B-A55F-1EF0A8C1F0F2}"/>
+              </a:ext>
+            </a:extLst>
+          </p:cNvPr>
+          <p:cNvSpPr/>
+          <p:nvPr/>
+        </p:nvSpPr>
+        <p:spPr bwMode="gray">
+          <a:xfrm>
+            <a:off x="9360476" y="2788712"/>
+            <a:ext cx="1237682" cy="434340"/>
+          </a:xfrm>
+          <a:prstGeom prst="rect">
+            <a:avLst/>
+          </a:prstGeom>
+          <a:ln>
+            <a:headEnd/>
+            <a:tailEnd/>
+          </a:ln>
+        </p:spPr>
+        <p:style>
+          <a:lnRef idx="2">
+            <a:schemeClr val="accent2">
+              <a:shade val="50000"/>
+            </a:schemeClr>
+          </a:lnRef>
+          <a:fillRef idx="1">
+            <a:schemeClr val="accent2"/>
+          </a:fillRef>
+          <a:effectRef idx="0">
+            <a:schemeClr val="accent2"/>
+          </a:effectRef>
+          <a:fontRef idx="minor">
+            <a:schemeClr val="lt1"/>
+          </a:fontRef>
+        </p:style>
+        <p:txBody>
+          <a:bodyPr lIns="90000" tIns="72000" rIns="90000" bIns="72000" rtlCol="0" anchor="ctr"/>
+          <a:lstStyle/>
+          <a:p>
+            <a:pPr marR="0" algn="ctr" defTabSz="914400" eaLnBrk="1" fontAlgn="base" latinLnBrk="0" hangingPunct="1">
+              <a:lnSpc>
+                <a:spcPct val="100000"/>
+              </a:lnSpc>
+              <a:spcBef>
+                <a:spcPct val="50000"/>
+              </a:spcBef>
+              <a:spcAft>
+                <a:spcPct val="0"/>
+              </a:spcAft>
+              <a:buClr>
+                <a:srgbClr val="F0AB00"/>
+              </a:buClr>
+              <a:buSzPct val="80000"/>
+              <a:tabLst/>
+            </a:pPr>
+            <a:r>
+              <a:rPr lang="de-DE" sz="1600" kern="0" dirty="0" err="1">
+                <a:ea typeface="Arial Unicode MS" pitchFamily="34" charset="-128"/>
+                <a:cs typeface="Arial Unicode MS" pitchFamily="34" charset="-128"/>
+              </a:rPr>
+              <a:t>proxy</a:t>
+            </a:r>
+            <a:endParaRPr kumimoji="0" lang="de-DE" sz="1600" i="0" u="none" strike="noStrike" kern="0" cap="none" spc="0" normalizeH="0" baseline="0" noProof="0" dirty="0">
+              <a:ln>
+                <a:noFill/>
+              </a:ln>
+              <a:effectLst/>
+              <a:uLnTx/>
+              <a:uFillTx/>
+              <a:ea typeface="Arial Unicode MS" pitchFamily="34" charset="-128"/>
+              <a:cs typeface="Arial Unicode MS" pitchFamily="34" charset="-128"/>
+            </a:endParaRPr>
+          </a:p>
+        </p:txBody>
+      </p:sp>
+      <p:cxnSp>
+        <p:nvCxnSpPr>
+          <p:cNvPr id="46" name="Straight Arrow Connector 45">
+            <a:extLst>
+              <a:ext uri="{FF2B5EF4-FFF2-40B4-BE49-F238E27FC236}">
+                <a16:creationId xmlns:a16="http://schemas.microsoft.com/office/drawing/2014/main" id="{B6E2B7DC-7459-4EA2-97E3-D505020D8F79}"/>
+              </a:ext>
+            </a:extLst>
+          </p:cNvPr>
+          <p:cNvCxnSpPr>
+            <a:stCxn id="38" idx="2"/>
+            <a:endCxn id="39" idx="0"/>
+          </p:cNvCxnSpPr>
+          <p:nvPr/>
+        </p:nvCxnSpPr>
+        <p:spPr>
+          <a:xfrm>
+            <a:off x="8103349" y="3216814"/>
+            <a:ext cx="19308" cy="623706"/>
+          </a:xfrm>
+          <a:prstGeom prst="straightConnector1">
+            <a:avLst/>
+          </a:prstGeom>
+          <a:ln w="38100">
+            <a:solidFill>
+              <a:schemeClr val="accent1"/>
+            </a:solidFill>
+            <a:headEnd type="none" w="med" len="med"/>
+            <a:tailEnd type="triangle" w="med" len="med"/>
+          </a:ln>
+        </p:spPr>
+        <p:style>
+          <a:lnRef idx="1">
+            <a:schemeClr val="accent1"/>
+          </a:lnRef>
+          <a:fillRef idx="0">
+            <a:schemeClr val="accent1"/>
+          </a:fillRef>
+          <a:effectRef idx="0">
+            <a:schemeClr val="accent1"/>
+          </a:effectRef>
+          <a:fontRef idx="minor">
+            <a:schemeClr val="tx1"/>
+          </a:fontRef>
+        </p:style>
+      </p:cxnSp>
+      <p:cxnSp>
+        <p:nvCxnSpPr>
+          <p:cNvPr id="47" name="Straight Arrow Connector 46">
+            <a:extLst>
+              <a:ext uri="{FF2B5EF4-FFF2-40B4-BE49-F238E27FC236}">
+                <a16:creationId xmlns:a16="http://schemas.microsoft.com/office/drawing/2014/main" id="{BCF2F381-F004-4A0E-9AE9-D5725B07F9B9}"/>
+              </a:ext>
+            </a:extLst>
+          </p:cNvPr>
+          <p:cNvCxnSpPr>
+            <a:stCxn id="38" idx="2"/>
+            <a:endCxn id="40" idx="0"/>
+          </p:cNvCxnSpPr>
+          <p:nvPr/>
+        </p:nvCxnSpPr>
+        <p:spPr>
+          <a:xfrm>
+            <a:off x="8103349" y="3216814"/>
+            <a:ext cx="1875968" cy="623706"/>
+          </a:xfrm>
+          <a:prstGeom prst="straightConnector1">
+            <a:avLst/>
+          </a:prstGeom>
+          <a:ln w="38100">
+            <a:solidFill>
+              <a:schemeClr val="accent1"/>
+            </a:solidFill>
+            <a:headEnd type="none" w="med" len="med"/>
+            <a:tailEnd type="triangle" w="med" len="med"/>
+          </a:ln>
+        </p:spPr>
+        <p:style>
+          <a:lnRef idx="1">
+            <a:schemeClr val="accent1"/>
+          </a:lnRef>
+          <a:fillRef idx="0">
+            <a:schemeClr val="accent1"/>
+          </a:fillRef>
+          <a:effectRef idx="0">
+            <a:schemeClr val="accent1"/>
+          </a:effectRef>
+          <a:fontRef idx="minor">
+            <a:schemeClr val="tx1"/>
+          </a:fontRef>
+        </p:style>
+      </p:cxnSp>
+      <p:sp>
+        <p:nvSpPr>
+          <p:cNvPr id="49" name="Rectangle: Rounded Corners 48">
+            <a:extLst>
+              <a:ext uri="{FF2B5EF4-FFF2-40B4-BE49-F238E27FC236}">
+                <a16:creationId xmlns:a16="http://schemas.microsoft.com/office/drawing/2014/main" id="{B1C1FD03-CCDD-4667-B60B-8BA9C18D41CF}"/>
+              </a:ext>
+            </a:extLst>
+          </p:cNvPr>
+          <p:cNvSpPr/>
+          <p:nvPr/>
+        </p:nvSpPr>
+        <p:spPr bwMode="gray">
+          <a:xfrm>
+            <a:off x="7421347" y="3639487"/>
+            <a:ext cx="1402246" cy="1403553"/>
+          </a:xfrm>
+          <a:prstGeom prst="roundRect">
+            <a:avLst/>
+          </a:prstGeom>
+          <a:noFill/>
+          <a:ln w="19050" algn="ctr">
+            <a:solidFill>
+              <a:schemeClr val="tx1"/>
+            </a:solidFill>
+            <a:prstDash val="dash"/>
+            <a:miter lim="800000"/>
+            <a:headEnd/>
+            <a:tailEnd/>
+          </a:ln>
+        </p:spPr>
+        <p:txBody>
+          <a:bodyPr lIns="90000" tIns="72000" rIns="90000" bIns="72000" rtlCol="0" anchor="b"/>
+          <a:lstStyle/>
+          <a:p>
+            <a:pPr marR="0" algn="ctr" defTabSz="914400" eaLnBrk="1" fontAlgn="base" latinLnBrk="0" hangingPunct="1">
+              <a:lnSpc>
+                <a:spcPct val="100000"/>
+              </a:lnSpc>
+              <a:spcBef>
+                <a:spcPct val="50000"/>
+              </a:spcBef>
+              <a:spcAft>
+                <a:spcPct val="0"/>
+              </a:spcAft>
+              <a:buClr>
+                <a:srgbClr val="F0AB00"/>
+              </a:buClr>
+              <a:buSzPct val="80000"/>
+              <a:tabLst/>
+            </a:pPr>
+            <a:r>
+              <a:rPr kumimoji="0" lang="en-US" sz="1800" b="0" i="0" u="none" strike="noStrike" kern="0" cap="none" spc="0" normalizeH="0" baseline="0" noProof="0" dirty="0">
+                <a:ln>
+                  <a:noFill/>
+                </a:ln>
+                <a:effectLst/>
+                <a:uLnTx/>
+                <a:uFillTx/>
+                <a:ea typeface="Arial Unicode MS" pitchFamily="34" charset="-128"/>
+                <a:cs typeface="Arial Unicode MS" pitchFamily="34" charset="-128"/>
+              </a:rPr>
+              <a:t>Pod</a:t>
+            </a:r>
+          </a:p>
+        </p:txBody>
+      </p:sp>
+      <p:sp>
+        <p:nvSpPr>
+          <p:cNvPr id="50" name="Rectangle: Rounded Corners 49">
+            <a:extLst>
+              <a:ext uri="{FF2B5EF4-FFF2-40B4-BE49-F238E27FC236}">
+                <a16:creationId xmlns:a16="http://schemas.microsoft.com/office/drawing/2014/main" id="{7AC3DDD0-A7F3-4AA9-8C17-9FB26547FF54}"/>
+              </a:ext>
+            </a:extLst>
+          </p:cNvPr>
+          <p:cNvSpPr/>
+          <p:nvPr/>
+        </p:nvSpPr>
+        <p:spPr bwMode="gray">
+          <a:xfrm>
+            <a:off x="9292738" y="3636368"/>
+            <a:ext cx="1402246" cy="1403553"/>
+          </a:xfrm>
+          <a:prstGeom prst="roundRect">
+            <a:avLst/>
+          </a:prstGeom>
+          <a:noFill/>
+          <a:ln w="19050" algn="ctr">
+            <a:solidFill>
+              <a:schemeClr val="tx1"/>
+            </a:solidFill>
+            <a:prstDash val="dash"/>
+            <a:miter lim="800000"/>
+            <a:headEnd/>
+            <a:tailEnd/>
+          </a:ln>
+        </p:spPr>
+        <p:txBody>
+          <a:bodyPr lIns="90000" tIns="72000" rIns="90000" bIns="72000" rtlCol="0" anchor="b"/>
+          <a:lstStyle/>
+          <a:p>
+            <a:pPr marR="0" algn="ctr" defTabSz="914400" eaLnBrk="1" fontAlgn="base" latinLnBrk="0" hangingPunct="1">
+              <a:lnSpc>
+                <a:spcPct val="100000"/>
+              </a:lnSpc>
+              <a:spcBef>
+                <a:spcPct val="50000"/>
+              </a:spcBef>
+              <a:spcAft>
+                <a:spcPct val="0"/>
+              </a:spcAft>
+              <a:buClr>
+                <a:srgbClr val="F0AB00"/>
+              </a:buClr>
+              <a:buSzPct val="80000"/>
+              <a:tabLst/>
+            </a:pPr>
+            <a:r>
+              <a:rPr kumimoji="0" lang="en-US" sz="1800" b="0" i="0" u="none" strike="noStrike" kern="0" cap="none" spc="0" normalizeH="0" baseline="0" noProof="0" dirty="0">
+                <a:ln>
+                  <a:noFill/>
+                </a:ln>
+                <a:effectLst/>
+                <a:uLnTx/>
+                <a:uFillTx/>
+                <a:ea typeface="Arial Unicode MS" pitchFamily="34" charset="-128"/>
+                <a:cs typeface="Arial Unicode MS" pitchFamily="34" charset="-128"/>
+              </a:rPr>
+              <a:t>Pod</a:t>
+            </a:r>
+          </a:p>
+        </p:txBody>
+      </p:sp>
+      <p:cxnSp>
+        <p:nvCxnSpPr>
+          <p:cNvPr id="25" name="Straight Arrow Connector 24"/>
+          <p:cNvCxnSpPr>
+            <a:cxnSpLocks/>
+            <a:endCxn id="38" idx="1"/>
+          </p:cNvCxnSpPr>
+          <p:nvPr/>
+        </p:nvCxnSpPr>
+        <p:spPr>
+          <a:xfrm flipV="1">
+            <a:off x="3563431" y="2999644"/>
+            <a:ext cx="3921077" cy="2636"/>
+          </a:xfrm>
+          <a:prstGeom prst="straightConnector1">
+            <a:avLst/>
+          </a:prstGeom>
+          <a:ln w="57150">
+            <a:solidFill>
+              <a:schemeClr val="accent1"/>
+            </a:solidFill>
+            <a:headEnd type="triangle"/>
+            <a:tailEnd type="triangle"/>
+          </a:ln>
+        </p:spPr>
+        <p:style>
+          <a:lnRef idx="1">
+            <a:schemeClr val="accent1"/>
+          </a:lnRef>
+          <a:fillRef idx="0">
+            <a:schemeClr val="accent1"/>
+          </a:fillRef>
+          <a:effectRef idx="0">
+            <a:schemeClr val="accent1"/>
           </a:effectRef>
           <a:fontRef idx="minor">
             <a:schemeClr val="tx1"/>
@@ -29378,7 +30254,7 @@
                                           </p:stCondLst>
                                         </p:cTn>
                                         <p:tgtEl>
-                                          <p:spTgt spid="53"/>
+                                          <p:spTgt spid="46"/>
                                         </p:tgtEl>
                                         <p:attrNameLst>
                                           <p:attrName>style.visibility</p:attrName>
@@ -29392,7 +30268,7 @@
                                 </p:cTn>
                               </p:par>
                               <p:par>
-                                <p:cTn id="25" presetID="1" presetClass="entr" presetSubtype="0" fill="hold" nodeType="withEffect">
+                                <p:cTn id="25" presetID="1" presetClass="entr" presetSubtype="0" fill="hold" grpId="0" nodeType="withEffect">
                                   <p:stCondLst>
                                     <p:cond delay="0"/>
                                   </p:stCondLst>
@@ -29405,7 +30281,142 @@
                                           </p:stCondLst>
                                         </p:cTn>
                                         <p:tgtEl>
-                                          <p:spTgt spid="57"/>
+                                          <p:spTgt spid="39"/>
+                                        </p:tgtEl>
+                                        <p:attrNameLst>
+                                          <p:attrName>style.visibility</p:attrName>
+                                        </p:attrNameLst>
+                                      </p:cBhvr>
+                                      <p:to>
+                                        <p:strVal val="visible"/>
+                                      </p:to>
+                                    </p:set>
+                                  </p:childTnLst>
+                                </p:cTn>
+                              </p:par>
+                              <p:par>
+                                <p:cTn id="27" presetID="1" presetClass="entr" presetSubtype="0" fill="hold" grpId="0" nodeType="withEffect">
+                                  <p:stCondLst>
+                                    <p:cond delay="0"/>
+                                  </p:stCondLst>
+                                  <p:childTnLst>
+                                    <p:set>
+                                      <p:cBhvr>
+                                        <p:cTn id="28" dur="1" fill="hold">
+                                          <p:stCondLst>
+                                            <p:cond delay="0"/>
+                                          </p:stCondLst>
+                                        </p:cTn>
+                                        <p:tgtEl>
+                                          <p:spTgt spid="49"/>
+                                        </p:tgtEl>
+                                        <p:attrNameLst>
+                                          <p:attrName>style.visibility</p:attrName>
+                                        </p:attrNameLst>
+                                      </p:cBhvr>
+                                      <p:to>
+                                        <p:strVal val="visible"/>
+                                      </p:to>
+                                    </p:set>
+                                  </p:childTnLst>
+                                </p:cTn>
+                              </p:par>
+                            </p:childTnLst>
+                          </p:cTn>
+                        </p:par>
+                        <p:par>
+                          <p:cTn id="29" fill="hold">
+                            <p:stCondLst>
+                              <p:cond delay="0"/>
+                            </p:stCondLst>
+                            <p:childTnLst>
+                              <p:par>
+                                <p:cTn id="30" presetID="1" presetClass="entr" presetSubtype="0" fill="hold" grpId="0" nodeType="afterEffect">
+                                  <p:stCondLst>
+                                    <p:cond delay="0"/>
+                                  </p:stCondLst>
+                                  <p:childTnLst>
+                                    <p:set>
+                                      <p:cBhvr>
+                                        <p:cTn id="31" dur="1" fill="hold">
+                                          <p:stCondLst>
+                                            <p:cond delay="0"/>
+                                          </p:stCondLst>
+                                        </p:cTn>
+                                        <p:tgtEl>
+                                          <p:spTgt spid="50"/>
+                                        </p:tgtEl>
+                                        <p:attrNameLst>
+                                          <p:attrName>style.visibility</p:attrName>
+                                        </p:attrNameLst>
+                                      </p:cBhvr>
+                                      <p:to>
+                                        <p:strVal val="visible"/>
+                                      </p:to>
+                                    </p:set>
+                                  </p:childTnLst>
+                                </p:cTn>
+                              </p:par>
+                            </p:childTnLst>
+                          </p:cTn>
+                        </p:par>
+                        <p:par>
+                          <p:cTn id="32" fill="hold">
+                            <p:stCondLst>
+                              <p:cond delay="0"/>
+                            </p:stCondLst>
+                            <p:childTnLst>
+                              <p:par>
+                                <p:cTn id="33" presetID="1" presetClass="entr" presetSubtype="0" fill="hold" nodeType="afterEffect">
+                                  <p:stCondLst>
+                                    <p:cond delay="0"/>
+                                  </p:stCondLst>
+                                  <p:childTnLst>
+                                    <p:set>
+                                      <p:cBhvr>
+                                        <p:cTn id="34" dur="1" fill="hold">
+                                          <p:stCondLst>
+                                            <p:cond delay="0"/>
+                                          </p:stCondLst>
+                                        </p:cTn>
+                                        <p:tgtEl>
+                                          <p:spTgt spid="47"/>
+                                        </p:tgtEl>
+                                        <p:attrNameLst>
+                                          <p:attrName>style.visibility</p:attrName>
+                                        </p:attrNameLst>
+                                      </p:cBhvr>
+                                      <p:to>
+                                        <p:strVal val="visible"/>
+                                      </p:to>
+                                    </p:set>
+                                  </p:childTnLst>
+                                </p:cTn>
+                              </p:par>
+                            </p:childTnLst>
+                          </p:cTn>
+                        </p:par>
+                        <p:par>
+                          <p:cTn id="35" fill="hold">
+                            <p:stCondLst>
+                              <p:cond delay="0"/>
+                            </p:stCondLst>
+                            <p:childTnLst>
+                              <p:par>
+                                <p:cTn id="36" presetID="1" presetClass="entr" presetSubtype="0" fill="hold" grpId="0" nodeType="afterEffect">
+                                  <p:stCondLst>
+                                    <p:cond delay="0"/>
+                                  </p:stCondLst>
+                                  <p:childTnLst>
+                                    <p:set>
+                                      <p:cBhvr>
+                                        <p:cTn id="37" dur="1" fill="hold">
+                                          <p:stCondLst>
+                                            <p:cond delay="0"/>
+                                          </p:stCondLst>
+                                        </p:cTn>
+                                        <p:tgtEl>
+                                          <p:spTgt spid="40"/>
                                         </p:tgtEl>
                                         <p:attrNameLst>
                                           <p:attrName>style.visibility</p:attrName>
@@ -29445,6 +30456,12 @@
         </p:cTn>
       </p:par>
     </p:tnLst>
+    <p:bldLst>
+      <p:bldP spid="39" grpId="0" animBg="1"/>
+      <p:bldP spid="40" grpId="0" animBg="1"/>
+      <p:bldP spid="49" grpId="0" animBg="1"/>
+      <p:bldP spid="50" grpId="0" animBg="1"/>
+    </p:bldLst>
   </p:timing>
 </p:sld>
 </file>

--- a/kubernetes/01_k8s_core_components.pptx
+++ b/kubernetes/01_k8s_core_components.pptx
@@ -4163,7 +4163,7 @@
           <a:bodyPr/>
           <a:lstStyle/>
           <a:p>
-            <a:endParaRPr lang="en-US"/>
+            <a:endParaRPr lang="en-US" dirty="0"/>
           </a:p>
         </p:txBody>
       </p:sp>
@@ -33409,7 +33409,7 @@
           <a:p>
             <a:r>
               <a:rPr lang="en-US" dirty="0"/>
-              <a:t>What happens if we run </a:t>
+              <a:t>What happens, when “run </a:t>
             </a:r>
             <a:r>
               <a:rPr lang="en-US" dirty="0" err="1"/>
@@ -33417,7 +33417,7 @@
             </a:r>
             <a:r>
               <a:rPr lang="en-US" dirty="0"/>
-              <a:t>?</a:t>
+              <a:t>” is declared?</a:t>
             </a:r>
           </a:p>
         </p:txBody>
@@ -44247,11 +44247,11 @@
               <a:tabLst/>
             </a:pPr>
             <a:r>
-              <a:rPr lang="de-DE" sz="1800" b="1" kern="0" noProof="0" dirty="0" err="1">
+              <a:rPr lang="de-DE" sz="1800" b="1" kern="0" noProof="0" dirty="0">
                 <a:ea typeface="Arial Unicode MS" pitchFamily="34" charset="-128"/>
                 <a:cs typeface="Arial Unicode MS" pitchFamily="34" charset="-128"/>
               </a:rPr>
-              <a:t>kubectl</a:t>
+              <a:t>User</a:t>
             </a:r>
             <a:endParaRPr kumimoji="0" lang="de-DE" sz="1800" b="1" i="0" u="none" strike="noStrike" kern="0" cap="none" spc="0" normalizeH="0" baseline="0" noProof="0" dirty="0">
               <a:ln>
@@ -44577,6 +44577,294 @@
   <p:clrMapOvr>
     <a:masterClrMapping/>
   </p:clrMapOvr>
+  <p:timing>
+    <p:tnLst>
+      <p:par>
+        <p:cTn id="1" dur="indefinite" restart="never" nodeType="tmRoot">
+          <p:childTnLst>
+            <p:seq concurrent="1" nextAc="seek">
+              <p:cTn id="2" dur="indefinite" nodeType="mainSeq">
+                <p:childTnLst>
+                  <p:par>
+                    <p:cTn id="3" fill="hold">
+                      <p:stCondLst>
+                        <p:cond delay="indefinite"/>
+                      </p:stCondLst>
+                      <p:childTnLst>
+                        <p:par>
+                          <p:cTn id="4" fill="hold">
+                            <p:stCondLst>
+                              <p:cond delay="0"/>
+                            </p:stCondLst>
+                            <p:childTnLst>
+                              <p:par>
+                                <p:cTn id="5" presetID="1" presetClass="entr" presetSubtype="0" fill="hold" nodeType="clickEffect">
+                                  <p:stCondLst>
+                                    <p:cond delay="0"/>
+                                  </p:stCondLst>
+                                  <p:childTnLst>
+                                    <p:set>
+                                      <p:cBhvr>
+                                        <p:cTn id="6" dur="1" fill="hold">
+                                          <p:stCondLst>
+                                            <p:cond delay="0"/>
+                                          </p:stCondLst>
+                                        </p:cTn>
+                                        <p:tgtEl>
+                                          <p:spTgt spid="11"/>
+                                        </p:tgtEl>
+                                        <p:attrNameLst>
+                                          <p:attrName>style.visibility</p:attrName>
+                                        </p:attrNameLst>
+                                      </p:cBhvr>
+                                      <p:to>
+                                        <p:strVal val="visible"/>
+                                      </p:to>
+                                    </p:set>
+                                  </p:childTnLst>
+                                </p:cTn>
+                              </p:par>
+                              <p:par>
+                                <p:cTn id="7" presetID="1" presetClass="entr" presetSubtype="0" fill="hold" nodeType="withEffect">
+                                  <p:stCondLst>
+                                    <p:cond delay="0"/>
+                                  </p:stCondLst>
+                                  <p:childTnLst>
+                                    <p:set>
+                                      <p:cBhvr>
+                                        <p:cTn id="8" dur="1" fill="hold">
+                                          <p:stCondLst>
+                                            <p:cond delay="0"/>
+                                          </p:stCondLst>
+                                        </p:cTn>
+                                        <p:tgtEl>
+                                          <p:spTgt spid="1026"/>
+                                        </p:tgtEl>
+                                        <p:attrNameLst>
+                                          <p:attrName>style.visibility</p:attrName>
+                                        </p:attrNameLst>
+                                      </p:cBhvr>
+                                      <p:to>
+                                        <p:strVal val="visible"/>
+                                      </p:to>
+                                    </p:set>
+                                  </p:childTnLst>
+                                </p:cTn>
+                              </p:par>
+                              <p:par>
+                                <p:cTn id="9" presetID="1" presetClass="entr" presetSubtype="0" fill="hold" grpId="0" nodeType="withEffect">
+                                  <p:stCondLst>
+                                    <p:cond delay="0"/>
+                                  </p:stCondLst>
+                                  <p:childTnLst>
+                                    <p:set>
+                                      <p:cBhvr>
+                                        <p:cTn id="10" dur="1" fill="hold">
+                                          <p:stCondLst>
+                                            <p:cond delay="0"/>
+                                          </p:stCondLst>
+                                        </p:cTn>
+                                        <p:tgtEl>
+                                          <p:spTgt spid="3"/>
+                                        </p:tgtEl>
+                                        <p:attrNameLst>
+                                          <p:attrName>style.visibility</p:attrName>
+                                        </p:attrNameLst>
+                                      </p:cBhvr>
+                                      <p:to>
+                                        <p:strVal val="visible"/>
+                                      </p:to>
+                                    </p:set>
+                                  </p:childTnLst>
+                                </p:cTn>
+                              </p:par>
+                            </p:childTnLst>
+                          </p:cTn>
+                        </p:par>
+                      </p:childTnLst>
+                    </p:cTn>
+                  </p:par>
+                  <p:par>
+                    <p:cTn id="11" fill="hold">
+                      <p:stCondLst>
+                        <p:cond delay="indefinite"/>
+                      </p:stCondLst>
+                      <p:childTnLst>
+                        <p:par>
+                          <p:cTn id="12" fill="hold">
+                            <p:stCondLst>
+                              <p:cond delay="0"/>
+                            </p:stCondLst>
+                            <p:childTnLst>
+                              <p:par>
+                                <p:cTn id="13" presetID="1" presetClass="entr" presetSubtype="0" fill="hold" grpId="0" nodeType="clickEffect">
+                                  <p:stCondLst>
+                                    <p:cond delay="0"/>
+                                  </p:stCondLst>
+                                  <p:childTnLst>
+                                    <p:set>
+                                      <p:cBhvr>
+                                        <p:cTn id="14" dur="1" fill="hold">
+                                          <p:stCondLst>
+                                            <p:cond delay="0"/>
+                                          </p:stCondLst>
+                                        </p:cTn>
+                                        <p:tgtEl>
+                                          <p:spTgt spid="30"/>
+                                        </p:tgtEl>
+                                        <p:attrNameLst>
+                                          <p:attrName>style.visibility</p:attrName>
+                                        </p:attrNameLst>
+                                      </p:cBhvr>
+                                      <p:to>
+                                        <p:strVal val="visible"/>
+                                      </p:to>
+                                    </p:set>
+                                  </p:childTnLst>
+                                </p:cTn>
+                              </p:par>
+                              <p:par>
+                                <p:cTn id="15" presetID="1" presetClass="entr" presetSubtype="0" fill="hold" grpId="0" nodeType="withEffect">
+                                  <p:stCondLst>
+                                    <p:cond delay="0"/>
+                                  </p:stCondLst>
+                                  <p:childTnLst>
+                                    <p:set>
+                                      <p:cBhvr>
+                                        <p:cTn id="16" dur="1" fill="hold">
+                                          <p:stCondLst>
+                                            <p:cond delay="0"/>
+                                          </p:stCondLst>
+                                        </p:cTn>
+                                        <p:tgtEl>
+                                          <p:spTgt spid="29"/>
+                                        </p:tgtEl>
+                                        <p:attrNameLst>
+                                          <p:attrName>style.visibility</p:attrName>
+                                        </p:attrNameLst>
+                                      </p:cBhvr>
+                                      <p:to>
+                                        <p:strVal val="visible"/>
+                                      </p:to>
+                                    </p:set>
+                                  </p:childTnLst>
+                                </p:cTn>
+                              </p:par>
+                              <p:par>
+                                <p:cTn id="17" presetID="1" presetClass="entr" presetSubtype="0" fill="hold" grpId="0" nodeType="withEffect">
+                                  <p:stCondLst>
+                                    <p:cond delay="0"/>
+                                  </p:stCondLst>
+                                  <p:childTnLst>
+                                    <p:set>
+                                      <p:cBhvr>
+                                        <p:cTn id="18" dur="1" fill="hold">
+                                          <p:stCondLst>
+                                            <p:cond delay="0"/>
+                                          </p:stCondLst>
+                                        </p:cTn>
+                                        <p:tgtEl>
+                                          <p:spTgt spid="28"/>
+                                        </p:tgtEl>
+                                        <p:attrNameLst>
+                                          <p:attrName>style.visibility</p:attrName>
+                                        </p:attrNameLst>
+                                      </p:cBhvr>
+                                      <p:to>
+                                        <p:strVal val="visible"/>
+                                      </p:to>
+                                    </p:set>
+                                  </p:childTnLst>
+                                </p:cTn>
+                              </p:par>
+                              <p:par>
+                                <p:cTn id="19" presetID="1" presetClass="entr" presetSubtype="0" fill="hold" nodeType="withEffect">
+                                  <p:stCondLst>
+                                    <p:cond delay="0"/>
+                                  </p:stCondLst>
+                                  <p:childTnLst>
+                                    <p:set>
+                                      <p:cBhvr>
+                                        <p:cTn id="20" dur="1" fill="hold">
+                                          <p:stCondLst>
+                                            <p:cond delay="0"/>
+                                          </p:stCondLst>
+                                        </p:cTn>
+                                        <p:tgtEl>
+                                          <p:spTgt spid="1028"/>
+                                        </p:tgtEl>
+                                        <p:attrNameLst>
+                                          <p:attrName>style.visibility</p:attrName>
+                                        </p:attrNameLst>
+                                      </p:cBhvr>
+                                      <p:to>
+                                        <p:strVal val="visible"/>
+                                      </p:to>
+                                    </p:set>
+                                  </p:childTnLst>
+                                </p:cTn>
+                              </p:par>
+                              <p:par>
+                                <p:cTn id="21" presetID="1" presetClass="entr" presetSubtype="0" fill="hold" nodeType="withEffect">
+                                  <p:stCondLst>
+                                    <p:cond delay="0"/>
+                                  </p:stCondLst>
+                                  <p:childTnLst>
+                                    <p:set>
+                                      <p:cBhvr>
+                                        <p:cTn id="22" dur="1" fill="hold">
+                                          <p:stCondLst>
+                                            <p:cond delay="0"/>
+                                          </p:stCondLst>
+                                        </p:cTn>
+                                        <p:tgtEl>
+                                          <p:spTgt spid="60"/>
+                                        </p:tgtEl>
+                                        <p:attrNameLst>
+                                          <p:attrName>style.visibility</p:attrName>
+                                        </p:attrNameLst>
+                                      </p:cBhvr>
+                                      <p:to>
+                                        <p:strVal val="visible"/>
+                                      </p:to>
+                                    </p:set>
+                                  </p:childTnLst>
+                                </p:cTn>
+                              </p:par>
+                            </p:childTnLst>
+                          </p:cTn>
+                        </p:par>
+                      </p:childTnLst>
+                    </p:cTn>
+                  </p:par>
+                </p:childTnLst>
+              </p:cTn>
+              <p:prevCondLst>
+                <p:cond evt="onPrev" delay="0">
+                  <p:tgtEl>
+                    <p:sldTgt/>
+                  </p:tgtEl>
+                </p:cond>
+              </p:prevCondLst>
+              <p:nextCondLst>
+                <p:cond evt="onNext" delay="0">
+                  <p:tgtEl>
+                    <p:sldTgt/>
+                  </p:tgtEl>
+                </p:cond>
+              </p:nextCondLst>
+            </p:seq>
+          </p:childTnLst>
+        </p:cTn>
+      </p:par>
+    </p:tnLst>
+    <p:bldLst>
+      <p:bldP spid="30" grpId="0" animBg="1"/>
+      <p:bldP spid="29" grpId="0" animBg="1"/>
+      <p:bldP spid="3" grpId="0" animBg="1"/>
+      <p:bldP spid="28" grpId="0" animBg="1"/>
+    </p:bldLst>
+  </p:timing>
 </p:sld>
 </file>
 
@@ -46427,7 +46715,7 @@
 </file>
 
 <file path=ppt/slides/slide7.xml><?xml version="1.0" encoding="utf-8"?>
-<p:sld xmlns:a="http://schemas.openxmlformats.org/drawingml/2006/main" xmlns:r="http://schemas.openxmlformats.org/officeDocument/2006/relationships" xmlns:p="http://schemas.openxmlformats.org/presentationml/2006/main">
+<p:sld xmlns:a="http://schemas.openxmlformats.org/drawingml/2006/main" xmlns:r="http://schemas.openxmlformats.org/officeDocument/2006/relationships" xmlns:p="http://schemas.openxmlformats.org/presentationml/2006/main" show="0">
   <p:cSld>
     <p:spTree>
       <p:nvGrpSpPr>
@@ -46575,7 +46863,7 @@
 </file>
 
 <file path=ppt/slides/slide8.xml><?xml version="1.0" encoding="utf-8"?>
-<p:sld xmlns:a="http://schemas.openxmlformats.org/drawingml/2006/main" xmlns:r="http://schemas.openxmlformats.org/officeDocument/2006/relationships" xmlns:p="http://schemas.openxmlformats.org/presentationml/2006/main">
+<p:sld xmlns:a="http://schemas.openxmlformats.org/drawingml/2006/main" xmlns:r="http://schemas.openxmlformats.org/officeDocument/2006/relationships" xmlns:p="http://schemas.openxmlformats.org/presentationml/2006/main" show="0">
   <p:cSld>
     <p:spTree>
       <p:nvGrpSpPr>
@@ -46768,7 +47056,7 @@
 </file>
 
 <file path=ppt/slides/slide9.xml><?xml version="1.0" encoding="utf-8"?>
-<p:sld xmlns:a="http://schemas.openxmlformats.org/drawingml/2006/main" xmlns:r="http://schemas.openxmlformats.org/officeDocument/2006/relationships" xmlns:p="http://schemas.openxmlformats.org/presentationml/2006/main">
+<p:sld xmlns:a="http://schemas.openxmlformats.org/drawingml/2006/main" xmlns:r="http://schemas.openxmlformats.org/officeDocument/2006/relationships" xmlns:p="http://schemas.openxmlformats.org/presentationml/2006/main" show="0">
   <p:cSld>
     <p:spTree>
       <p:nvGrpSpPr>
